--- a/세미나 3차.pptx
+++ b/세미나 3차.pptx
@@ -5,10 +5,10 @@
     <p:sldMasterId id="2147483648" r:id="rId1"/>
   </p:sldMasterIdLst>
   <p:notesMasterIdLst>
-    <p:notesMasterId r:id="rId16"/>
+    <p:notesMasterId r:id="rId18"/>
   </p:notesMasterIdLst>
   <p:handoutMasterIdLst>
-    <p:handoutMasterId r:id="rId17"/>
+    <p:handoutMasterId r:id="rId19"/>
   </p:handoutMasterIdLst>
   <p:sldIdLst>
     <p:sldId id="264" r:id="rId2"/>
@@ -22,51 +22,53 @@
     <p:sldId id="298" r:id="rId10"/>
     <p:sldId id="299" r:id="rId11"/>
     <p:sldId id="300" r:id="rId12"/>
-    <p:sldId id="301" r:id="rId13"/>
-    <p:sldId id="302" r:id="rId14"/>
-    <p:sldId id="290" r:id="rId15"/>
+    <p:sldId id="304" r:id="rId13"/>
+    <p:sldId id="305" r:id="rId14"/>
+    <p:sldId id="306" r:id="rId15"/>
+    <p:sldId id="307" r:id="rId16"/>
+    <p:sldId id="290" r:id="rId17"/>
   </p:sldIdLst>
   <p:sldSz cx="12192000" cy="6858000"/>
   <p:notesSz cx="6858000" cy="9144000"/>
   <p:embeddedFontLst>
     <p:embeddedFont>
       <p:font typeface="G마켓 산스 TTF Bold" panose="02000000000000000000" pitchFamily="2" charset="-127"/>
-      <p:bold r:id="rId18"/>
+      <p:bold r:id="rId20"/>
     </p:embeddedFont>
     <p:embeddedFont>
       <p:font typeface="G마켓 산스 TTF Light" panose="02000000000000000000" pitchFamily="2" charset="-127"/>
-      <p:regular r:id="rId19"/>
+      <p:regular r:id="rId21"/>
     </p:embeddedFont>
     <p:embeddedFont>
       <p:font typeface="G마켓 산스 TTF Medium" panose="02000000000000000000" pitchFamily="2" charset="-127"/>
-      <p:regular r:id="rId20"/>
+      <p:regular r:id="rId22"/>
     </p:embeddedFont>
     <p:embeddedFont>
       <p:font typeface="Roboto" panose="02000000000000000000" pitchFamily="2" charset="0"/>
-      <p:regular r:id="rId21"/>
-      <p:bold r:id="rId22"/>
-      <p:italic r:id="rId23"/>
-      <p:boldItalic r:id="rId24"/>
+      <p:regular r:id="rId23"/>
+      <p:bold r:id="rId24"/>
+      <p:italic r:id="rId25"/>
+      <p:boldItalic r:id="rId26"/>
     </p:embeddedFont>
     <p:embeddedFont>
       <p:font typeface="Roboto Black" panose="02000000000000000000" pitchFamily="2" charset="0"/>
-      <p:bold r:id="rId25"/>
-      <p:boldItalic r:id="rId26"/>
+      <p:bold r:id="rId27"/>
+      <p:boldItalic r:id="rId28"/>
     </p:embeddedFont>
     <p:embeddedFont>
       <p:font typeface="Roboto Light" panose="02000000000000000000" pitchFamily="2" charset="0"/>
-      <p:regular r:id="rId27"/>
-      <p:italic r:id="rId28"/>
-    </p:embeddedFont>
-    <p:embeddedFont>
-      <p:font typeface="Roboto Medium" panose="02000000000000000000" pitchFamily="2" charset="0"/>
       <p:regular r:id="rId29"/>
       <p:italic r:id="rId30"/>
     </p:embeddedFont>
     <p:embeddedFont>
+      <p:font typeface="Roboto Medium" panose="02000000000000000000" pitchFamily="2" charset="0"/>
+      <p:regular r:id="rId31"/>
+      <p:italic r:id="rId32"/>
+    </p:embeddedFont>
+    <p:embeddedFont>
       <p:font typeface="맑은 고딕" panose="020B0503020000020004" pitchFamily="50" charset="-127"/>
-      <p:regular r:id="rId31"/>
-      <p:bold r:id="rId32"/>
+      <p:regular r:id="rId33"/>
+      <p:bold r:id="rId34"/>
     </p:embeddedFont>
   </p:embeddedFontLst>
   <p:defaultTextStyle>
@@ -269,7 +271,7 @@
           <a:p>
             <a:fld id="{8D7A30CD-047B-418C-B390-82335D751AE2}" type="datetimeFigureOut">
               <a:rPr lang="ko-KR" altLang="en-US" smtClean="0"/>
-              <a:t>2023-07-07</a:t>
+              <a:t>2023-07-10</a:t>
             </a:fld>
             <a:endParaRPr lang="ko-KR" altLang="en-US"/>
           </a:p>
@@ -446,7 +448,7 @@
           <a:p>
             <a:fld id="{697B1179-EA2C-4F66-A7B6-E78EE214E3F0}" type="datetimeFigureOut">
               <a:rPr lang="ko-KR" altLang="en-US" smtClean="0"/>
-              <a:t>2023-07-07</a:t>
+              <a:t>2023-07-10</a:t>
             </a:fld>
             <a:endParaRPr lang="ko-KR" altLang="en-US"/>
           </a:p>
@@ -2073,10 +2075,10 @@
       </p:sp>
       <p:sp>
         <p:nvSpPr>
-          <p:cNvPr id="5" name="TextBox 4">
+          <p:cNvPr id="11" name="TextBox 10">
             <a:extLst>
               <a:ext uri="{FF2B5EF4-FFF2-40B4-BE49-F238E27FC236}">
-                <a16:creationId xmlns:a16="http://schemas.microsoft.com/office/drawing/2014/main" id="{0F860371-132D-48AB-B71F-7E1F57399A19}"/>
+                <a16:creationId xmlns:a16="http://schemas.microsoft.com/office/drawing/2014/main" id="{BE291D14-E1D0-4F74-B577-8C8608A98F9E}"/>
               </a:ext>
             </a:extLst>
           </p:cNvPr>
@@ -2085,8 +2087,8 @@
         </p:nvSpPr>
         <p:spPr>
           <a:xfrm>
-            <a:off x="1035250" y="900463"/>
-            <a:ext cx="10262746" cy="6136936"/>
+            <a:off x="9606093" y="597481"/>
+            <a:ext cx="2496196" cy="1220847"/>
           </a:xfrm>
           <a:prstGeom prst="rect">
             <a:avLst/>
@@ -2099,6 +2101,169 @@
           </a:bodyPr>
           <a:lstStyle/>
           <a:p>
+            <a:pPr marL="342900" indent="-342900">
+              <a:lnSpc>
+                <a:spcPct val="150000"/>
+              </a:lnSpc>
+              <a:buAutoNum type="arabicPeriod"/>
+            </a:pPr>
+            <a:r>
+              <a:rPr lang="en-US" altLang="ko-KR" sz="1000">
+                <a:solidFill>
+                  <a:schemeClr val="bg1">
+                    <a:lumMod val="75000"/>
+                  </a:schemeClr>
+                </a:solidFill>
+              </a:rPr>
+              <a:t>Validate the request</a:t>
+            </a:r>
+          </a:p>
+          <a:p>
+            <a:pPr marL="342900" indent="-342900">
+              <a:lnSpc>
+                <a:spcPct val="150000"/>
+              </a:lnSpc>
+              <a:buAutoNum type="arabicPeriod"/>
+            </a:pPr>
+            <a:r>
+              <a:rPr lang="en-US" altLang="ko-KR" sz="1000">
+                <a:solidFill>
+                  <a:schemeClr val="bg1">
+                    <a:lumMod val="75000"/>
+                  </a:schemeClr>
+                </a:solidFill>
+              </a:rPr>
+              <a:t>Preprocess routing information</a:t>
+            </a:r>
+          </a:p>
+          <a:p>
+            <a:pPr marL="342900" indent="-342900">
+              <a:lnSpc>
+                <a:spcPct val="150000"/>
+              </a:lnSpc>
+              <a:buAutoNum type="arabicPeriod"/>
+            </a:pPr>
+            <a:r>
+              <a:rPr lang="en-US" altLang="ko-KR" sz="1000" b="1"/>
+              <a:t>Determine target for the request</a:t>
+            </a:r>
+          </a:p>
+          <a:p>
+            <a:pPr marL="342900" indent="-342900">
+              <a:lnSpc>
+                <a:spcPct val="150000"/>
+              </a:lnSpc>
+              <a:buAutoNum type="arabicPeriod"/>
+            </a:pPr>
+            <a:r>
+              <a:rPr lang="en-US" altLang="ko-KR" sz="1000">
+                <a:solidFill>
+                  <a:schemeClr val="bg1">
+                    <a:lumMod val="75000"/>
+                  </a:schemeClr>
+                </a:solidFill>
+              </a:rPr>
+              <a:t>Forward the request to each target</a:t>
+            </a:r>
+          </a:p>
+          <a:p>
+            <a:pPr marL="342900" indent="-342900">
+              <a:lnSpc>
+                <a:spcPct val="150000"/>
+              </a:lnSpc>
+              <a:buAutoNum type="arabicPeriod"/>
+            </a:pPr>
+            <a:r>
+              <a:rPr lang="en-US" altLang="ko-KR" sz="1000">
+                <a:solidFill>
+                  <a:schemeClr val="bg1">
+                    <a:lumMod val="75000"/>
+                  </a:schemeClr>
+                </a:solidFill>
+              </a:rPr>
+              <a:t>Process all responses</a:t>
+            </a:r>
+          </a:p>
+        </p:txBody>
+      </p:sp>
+      <p:sp>
+        <p:nvSpPr>
+          <p:cNvPr id="14" name="TextBox 13">
+            <a:extLst>
+              <a:ext uri="{FF2B5EF4-FFF2-40B4-BE49-F238E27FC236}">
+                <a16:creationId xmlns:a16="http://schemas.microsoft.com/office/drawing/2014/main" id="{59DD61A1-9BAF-4ED7-9DA6-ECAA1B979FE2}"/>
+              </a:ext>
+            </a:extLst>
+          </p:cNvPr>
+          <p:cNvSpPr txBox="1"/>
+          <p:nvPr/>
+        </p:nvSpPr>
+        <p:spPr>
+          <a:xfrm>
+            <a:off x="1035250" y="1049621"/>
+            <a:ext cx="9661619" cy="1585049"/>
+          </a:xfrm>
+          <a:prstGeom prst="rect">
+            <a:avLst/>
+          </a:prstGeom>
+          <a:noFill/>
+        </p:spPr>
+        <p:txBody>
+          <a:bodyPr wrap="none" rtlCol="0">
+            <a:spAutoFit/>
+          </a:bodyPr>
+          <a:lstStyle/>
+          <a:p>
+            <a:pPr>
+              <a:lnSpc>
+                <a:spcPct val="200000"/>
+              </a:lnSpc>
+            </a:pPr>
+            <a:r>
+              <a:rPr lang="ko-KR" altLang="en-US" sz="1400" b="1">
+                <a:solidFill>
+                  <a:schemeClr val="accent3">
+                    <a:lumMod val="50000"/>
+                  </a:schemeClr>
+                </a:solidFill>
+                <a:latin typeface="+mj-ea"/>
+                <a:ea typeface="+mj-ea"/>
+              </a:rPr>
+              <a:t>목적지</a:t>
+            </a:r>
+            <a:r>
+              <a:rPr lang="en-US" altLang="ko-KR" sz="1400" b="1">
+                <a:solidFill>
+                  <a:schemeClr val="accent3">
+                    <a:lumMod val="50000"/>
+                  </a:schemeClr>
+                </a:solidFill>
+              </a:rPr>
+              <a:t> </a:t>
+            </a:r>
+            <a:r>
+              <a:rPr lang="ko-KR" altLang="en-US" sz="1400" b="1">
+                <a:solidFill>
+                  <a:schemeClr val="accent3">
+                    <a:lumMod val="50000"/>
+                  </a:schemeClr>
+                </a:solidFill>
+                <a:latin typeface="+mj-ea"/>
+                <a:ea typeface="+mj-ea"/>
+              </a:rPr>
+              <a:t>결정 방법</a:t>
+            </a:r>
+            <a:endParaRPr lang="en-US" altLang="ko-KR" sz="1200">
+              <a:solidFill>
+                <a:schemeClr val="accent3">
+                  <a:lumMod val="50000"/>
+                </a:schemeClr>
+              </a:solidFill>
+              <a:latin typeface="+mj-ea"/>
+              <a:ea typeface="+mj-ea"/>
+            </a:endParaRPr>
+          </a:p>
+          <a:p>
             <a:pPr marL="171450" indent="-171450">
               <a:lnSpc>
                 <a:spcPct val="200000"/>
@@ -2107,10 +2272,18 @@
               <a:buChar char="•"/>
             </a:pPr>
             <a:r>
-              <a:rPr lang="ko-KR" altLang="en-US" sz="1100"/>
-              <a:t>프록시는 요청의 대상을 계산</a:t>
-            </a:r>
-            <a:endParaRPr lang="en-US" altLang="ko-KR" sz="1100"/>
+              <a:rPr lang="ko-KR" altLang="en-US" sz="1200" b="1"/>
+              <a:t>프록시</a:t>
+            </a:r>
+            <a:r>
+              <a:rPr lang="ko-KR" altLang="en-US" sz="1200"/>
+              <a:t> 서버는 전처리 과정을 통해 재구성된 요청 메시지를 어디로 보낼지 </a:t>
+            </a:r>
+            <a:r>
+              <a:rPr lang="ko-KR" altLang="en-US" sz="1200" b="1"/>
+              <a:t>결정</a:t>
+            </a:r>
+            <a:endParaRPr lang="en-US" altLang="ko-KR" sz="1200"/>
           </a:p>
           <a:p>
             <a:pPr marL="171450" indent="-171450">
@@ -2121,26 +2294,34 @@
               <a:buChar char="•"/>
             </a:pPr>
             <a:r>
-              <a:rPr lang="ko-KR" altLang="en-US" sz="1100"/>
-              <a:t>대상 집합은 요청의 내용에 따라 미리 결정되거나 추상적인 위치 서비스에서 가져옴</a:t>
-            </a:r>
-            <a:r>
-              <a:rPr lang="en-US" altLang="ko-KR" sz="1100"/>
-              <a:t>. </a:t>
-            </a:r>
-            <a:r>
-              <a:rPr lang="ko-KR" altLang="en-US" sz="1100"/>
-              <a:t>집합의 각 대상은 </a:t>
-            </a:r>
-            <a:r>
-              <a:rPr lang="en-US" altLang="ko-KR" sz="1100"/>
-              <a:t>URI </a:t>
-            </a:r>
-            <a:r>
-              <a:rPr lang="ko-KR" altLang="en-US" sz="1100"/>
-              <a:t>로 표시됨</a:t>
-            </a:r>
-            <a:endParaRPr lang="en-US" altLang="ko-KR" sz="1100"/>
+              <a:rPr lang="en-US" altLang="ko-KR" sz="1200" b="1"/>
+              <a:t>Request-URI</a:t>
+            </a:r>
+            <a:r>
+              <a:rPr lang="en-US" altLang="ko-KR" sz="1200"/>
+              <a:t> </a:t>
+            </a:r>
+            <a:r>
+              <a:rPr lang="ko-KR" altLang="en-US" sz="1200"/>
+              <a:t>를 기반으로 목적지가 결정되며 결정된 </a:t>
+            </a:r>
+            <a:r>
+              <a:rPr lang="ko-KR" altLang="en-US" sz="1200" b="1"/>
+              <a:t>목적지</a:t>
+            </a:r>
+            <a:r>
+              <a:rPr lang="ko-KR" altLang="en-US" sz="1200"/>
+              <a:t>는 </a:t>
+            </a:r>
+            <a:r>
+              <a:rPr lang="en-US" altLang="ko-KR" sz="1200" b="1"/>
+              <a:t>target set</a:t>
+            </a:r>
+            <a:r>
+              <a:rPr lang="ko-KR" altLang="en-US" sz="1200"/>
+              <a:t> 에 유지</a:t>
+            </a:r>
+            <a:endParaRPr lang="en-US" altLang="ko-KR" sz="1200"/>
           </a:p>
           <a:p>
             <a:pPr marL="171450" indent="-171450">
@@ -2151,390 +2332,1173 @@
               <a:buChar char="•"/>
             </a:pPr>
             <a:r>
-              <a:rPr lang="ko-KR" altLang="en-US" sz="1100"/>
-              <a:t>요청의 </a:t>
-            </a:r>
-            <a:r>
-              <a:rPr lang="en-US" altLang="ko-KR" sz="1100"/>
-              <a:t>Request-URI </a:t>
-            </a:r>
-            <a:r>
-              <a:rPr lang="ko-KR" altLang="en-US" sz="1100"/>
-              <a:t>에 </a:t>
-            </a:r>
-            <a:r>
-              <a:rPr lang="en-US" altLang="ko-KR" sz="1100"/>
-              <a:t>maddr </a:t>
-            </a:r>
-            <a:r>
-              <a:rPr lang="ko-KR" altLang="en-US" sz="1100"/>
-              <a:t>매개변수가 포함되어 있는 경우</a:t>
-            </a:r>
-            <a:r>
-              <a:rPr lang="en-US" altLang="ko-KR" sz="1100"/>
+              <a:rPr lang="en-US" altLang="ko-KR" sz="1200" b="1"/>
+              <a:t>target set </a:t>
+            </a:r>
+            <a:r>
+              <a:rPr lang="ko-KR" altLang="en-US" sz="1200"/>
+              <a:t>하나 이상의 </a:t>
+            </a:r>
+            <a:r>
+              <a:rPr lang="ko-KR" altLang="en-US" sz="1200" b="1"/>
+              <a:t>목적지 리스트</a:t>
+            </a:r>
+            <a:r>
+              <a:rPr lang="ko-KR" altLang="en-US" sz="1200"/>
+              <a:t>가 존재해야 하며</a:t>
+            </a:r>
+            <a:r>
+              <a:rPr lang="en-US" altLang="ko-KR" sz="1200"/>
               <a:t>, Request-URI </a:t>
             </a:r>
             <a:r>
-              <a:rPr lang="ko-KR" altLang="en-US" sz="1100"/>
-              <a:t>는 유일한 대상 </a:t>
-            </a:r>
-            <a:r>
-              <a:rPr lang="en-US" altLang="ko-KR" sz="1100"/>
-              <a:t>URI </a:t>
-            </a:r>
-            <a:r>
-              <a:rPr lang="ko-KR" altLang="en-US" sz="1100"/>
-              <a:t>로 설정된 대상에 배치하고 </a:t>
-            </a:r>
-            <a:r>
-              <a:rPr lang="en-US" altLang="ko-KR" sz="1100" b="1"/>
-              <a:t>Request Forwarding</a:t>
-            </a:r>
-            <a:r>
-              <a:rPr lang="en-US" altLang="ko-KR" sz="1100"/>
+              <a:rPr lang="ko-KR" altLang="en-US" sz="1200"/>
+              <a:t>를 이용하여 목적지를 결정할 수 없는 경우</a:t>
+            </a:r>
+            <a:r>
+              <a:rPr lang="en-US" altLang="ko-KR" sz="1200"/>
+              <a:t>, </a:t>
+            </a:r>
+            <a:r>
+              <a:rPr lang="en-US" altLang="ko-KR" sz="1200" b="1" u="sng"/>
+              <a:t>485 (Ambiguous)</a:t>
+            </a:r>
+            <a:r>
+              <a:rPr lang="en-US" altLang="ko-KR" sz="1200"/>
               <a:t> </a:t>
             </a:r>
             <a:r>
-              <a:rPr lang="ko-KR" altLang="en-US" sz="1100"/>
-              <a:t>진행</a:t>
-            </a:r>
-            <a:endParaRPr lang="en-US" altLang="ko-KR" sz="1100"/>
-          </a:p>
-          <a:p>
-            <a:pPr marL="171450" indent="-171450">
-              <a:lnSpc>
-                <a:spcPct val="200000"/>
-              </a:lnSpc>
-              <a:buFont typeface="Arial" panose="020B0604020202020204" pitchFamily="34" charset="0"/>
-              <a:buChar char="•"/>
-            </a:pPr>
-            <a:r>
-              <a:rPr lang="en-US" altLang="ko-KR" sz="1100"/>
-              <a:t>Request-URI</a:t>
-            </a:r>
-            <a:r>
-              <a:rPr lang="ko-KR" altLang="en-US" sz="1100"/>
-              <a:t> 의 도메인이 요소가 </a:t>
-            </a:r>
-            <a:r>
-              <a:rPr lang="ko-KR" altLang="en-US" sz="1100" b="1"/>
-              <a:t>책임지지 않는 도메인</a:t>
-            </a:r>
-            <a:r>
-              <a:rPr lang="ko-KR" altLang="en-US" sz="1100"/>
-              <a:t>을 나타내는 경우</a:t>
-            </a:r>
-            <a:r>
-              <a:rPr lang="en-US" altLang="ko-KR" sz="1100"/>
-              <a:t>, Request-URI </a:t>
-            </a:r>
-            <a:r>
-              <a:rPr lang="ko-KR" altLang="en-US" sz="1100"/>
-              <a:t>는 설정된 타겟에 유일한 타켓으로 배치되어야 하며</a:t>
-            </a:r>
-            <a:r>
-              <a:rPr lang="en-US" altLang="ko-KR" sz="1100"/>
-              <a:t>, </a:t>
-            </a:r>
-            <a:r>
-              <a:rPr lang="en-US" altLang="ko-KR" sz="1100" b="1"/>
-              <a:t>Request Forwarding</a:t>
-            </a:r>
-            <a:r>
-              <a:rPr lang="ko-KR" altLang="en-US" sz="1100"/>
-              <a:t> 진행</a:t>
-            </a:r>
-            <a:endParaRPr lang="en-US" altLang="ko-KR" sz="1100"/>
-          </a:p>
-          <a:p>
-            <a:pPr marL="171450" indent="-171450">
-              <a:lnSpc>
-                <a:spcPct val="200000"/>
-              </a:lnSpc>
-              <a:buFont typeface="Arial" panose="020B0604020202020204" pitchFamily="34" charset="0"/>
-              <a:buChar char="•"/>
-            </a:pPr>
-            <a:r>
-              <a:rPr lang="ko-KR" altLang="en-US" sz="1100"/>
-              <a:t>요청에 대한 대상 집합이 위에서 설명한 대로 미리 결정되지 않은 경우</a:t>
-            </a:r>
-            <a:r>
-              <a:rPr lang="en-US" altLang="ko-KR" sz="1100"/>
-              <a:t>, </a:t>
-            </a:r>
-            <a:r>
-              <a:rPr lang="ko-KR" altLang="en-US" sz="1100"/>
-              <a:t>이는 해당 요소가 </a:t>
-            </a:r>
-            <a:r>
-              <a:rPr lang="en-US" altLang="ko-KR" sz="1100"/>
-              <a:t>Request-URI </a:t>
-            </a:r>
-            <a:r>
-              <a:rPr lang="ko-KR" altLang="en-US" sz="1100"/>
-              <a:t>의 도메인에 대한 책임이 있으며</a:t>
-            </a:r>
-            <a:r>
-              <a:rPr lang="en-US" altLang="ko-KR" sz="1100"/>
-              <a:t>, </a:t>
-            </a:r>
-            <a:br>
-              <a:rPr lang="en-US" altLang="ko-KR" sz="1100"/>
-            </a:br>
-            <a:r>
-              <a:rPr lang="ko-KR" altLang="en-US" sz="1100"/>
-              <a:t>요청을 어디로 보낼지 결정하기 위해 어떤 메커니즘이든 사용할 수 있음</a:t>
-            </a:r>
-            <a:endParaRPr lang="en-US" altLang="ko-KR" sz="1100"/>
-          </a:p>
-          <a:p>
-            <a:pPr marL="628650" lvl="1" indent="-171450">
-              <a:lnSpc>
-                <a:spcPct val="200000"/>
-              </a:lnSpc>
-              <a:buFontTx/>
-              <a:buChar char="-"/>
-            </a:pPr>
-            <a:r>
-              <a:rPr lang="en-US" altLang="ko-KR" sz="1100"/>
-              <a:t>SIP Registrar </a:t>
-            </a:r>
-            <a:r>
-              <a:rPr lang="ko-KR" altLang="en-US" sz="1100"/>
-              <a:t>가 만든 위치 서비스에서 정보를 얻기</a:t>
-            </a:r>
-            <a:endParaRPr lang="en-US" altLang="ko-KR" sz="1100"/>
-          </a:p>
-          <a:p>
-            <a:pPr marL="628650" lvl="1" indent="-171450">
-              <a:lnSpc>
-                <a:spcPct val="200000"/>
-              </a:lnSpc>
-              <a:buFontTx/>
-              <a:buChar char="-"/>
-            </a:pPr>
-            <a:r>
-              <a:rPr lang="ko-KR" altLang="en-US" sz="1100"/>
-              <a:t>데이터베이스를 읽기</a:t>
-            </a:r>
-            <a:endParaRPr lang="en-US" altLang="ko-KR" sz="1100"/>
-          </a:p>
-          <a:p>
-            <a:pPr marL="628650" lvl="1" indent="-171450">
-              <a:lnSpc>
-                <a:spcPct val="200000"/>
-              </a:lnSpc>
-              <a:buFontTx/>
-              <a:buChar char="-"/>
-            </a:pPr>
-            <a:r>
-              <a:rPr lang="ko-KR" altLang="en-US" sz="1100"/>
-              <a:t>존재하는</a:t>
-            </a:r>
-            <a:r>
-              <a:rPr lang="en-US" altLang="ko-KR" sz="1100"/>
-              <a:t> </a:t>
-            </a:r>
-            <a:r>
-              <a:rPr lang="ko-KR" altLang="en-US" sz="1100"/>
-              <a:t>서버를 참조</a:t>
-            </a:r>
-            <a:endParaRPr lang="en-US" altLang="ko-KR" sz="1100"/>
-          </a:p>
-          <a:p>
-            <a:pPr marL="628650" lvl="1" indent="-171450">
-              <a:lnSpc>
-                <a:spcPct val="200000"/>
-              </a:lnSpc>
-              <a:buFontTx/>
-              <a:buChar char="-"/>
-            </a:pPr>
-            <a:r>
-              <a:rPr lang="ko-KR" altLang="en-US" sz="1100"/>
-              <a:t>다른 프로토콜 활용</a:t>
-            </a:r>
-            <a:endParaRPr lang="en-US" altLang="ko-KR" sz="1100"/>
-          </a:p>
-          <a:p>
-            <a:pPr marL="628650" lvl="1" indent="-171450">
-              <a:lnSpc>
-                <a:spcPct val="200000"/>
-              </a:lnSpc>
-              <a:buFontTx/>
-              <a:buChar char="-"/>
-            </a:pPr>
-            <a:r>
-              <a:rPr lang="en-US" altLang="ko-KR" sz="1100"/>
-              <a:t>Request-URI </a:t>
-            </a:r>
-            <a:r>
-              <a:rPr lang="ko-KR" altLang="en-US" sz="1100"/>
-              <a:t>에서 알고리즘 치환을 수행</a:t>
-            </a:r>
-            <a:endParaRPr lang="en-US" altLang="ko-KR" sz="1100"/>
-          </a:p>
-          <a:p>
-            <a:pPr marL="171450" indent="-171450">
-              <a:lnSpc>
-                <a:spcPct val="200000"/>
-              </a:lnSpc>
-              <a:buFont typeface="Arial" panose="020B0604020202020204" pitchFamily="34" charset="0"/>
-              <a:buChar char="•"/>
-            </a:pPr>
-            <a:r>
-              <a:rPr lang="en-US" altLang="ko-KR" sz="1100"/>
-              <a:t>Request-URI </a:t>
-            </a:r>
-            <a:r>
-              <a:rPr lang="ko-KR" altLang="en-US" sz="1100"/>
-              <a:t>가 대상 집합을 결정하는 데 충분한 정보를 제공하지 않으면</a:t>
-            </a:r>
-            <a:r>
-              <a:rPr lang="en-US" altLang="ko-KR" sz="1100"/>
-              <a:t>, </a:t>
-            </a:r>
-            <a:r>
-              <a:rPr lang="en-US" altLang="ko-KR" sz="1100" b="1"/>
-              <a:t>485(Ambiguous)</a:t>
-            </a:r>
-            <a:r>
-              <a:rPr lang="en-US" altLang="ko-KR" sz="1100"/>
-              <a:t> </a:t>
-            </a:r>
-            <a:r>
-              <a:rPr lang="ko-KR" altLang="en-US" sz="1100"/>
-              <a:t>응답을 반환</a:t>
-            </a:r>
-            <a:endParaRPr lang="en-US" altLang="ko-KR" sz="1100"/>
-          </a:p>
-          <a:p>
-            <a:pPr marL="171450" indent="-171450">
-              <a:lnSpc>
-                <a:spcPct val="200000"/>
-              </a:lnSpc>
-              <a:buFont typeface="Arial" panose="020B0604020202020204" pitchFamily="34" charset="0"/>
-              <a:buChar char="•"/>
-            </a:pPr>
-            <a:r>
-              <a:rPr lang="ko-KR" altLang="en-US" sz="1100"/>
-              <a:t>요청 또는 요소의 현재 환경에 관한 모든 정보는 대상 집합을 구성하는 데 사용</a:t>
-            </a:r>
-            <a:endParaRPr lang="en-US" altLang="ko-KR" sz="1100"/>
-          </a:p>
-          <a:p>
-            <a:pPr marL="171450" indent="-171450">
-              <a:lnSpc>
-                <a:spcPct val="200000"/>
-              </a:lnSpc>
-              <a:buFont typeface="Arial" panose="020B0604020202020204" pitchFamily="34" charset="0"/>
-              <a:buChar char="•"/>
-            </a:pPr>
-            <a:r>
-              <a:rPr lang="ko-KR" altLang="en-US" sz="1100"/>
-              <a:t>이러한 서비스를 통해 잠재적 타겟을 찾으면 해당 </a:t>
-            </a:r>
-            <a:r>
-              <a:rPr lang="en-US" altLang="ko-KR" sz="1100"/>
-              <a:t>URI </a:t>
-            </a:r>
-            <a:r>
-              <a:rPr lang="ko-KR" altLang="en-US" sz="1100"/>
-              <a:t>가 대상 집합에 추가됨</a:t>
-            </a:r>
-            <a:endParaRPr lang="en-US" altLang="ko-KR" sz="1100"/>
-          </a:p>
-          <a:p>
-            <a:pPr marL="171450" indent="-171450">
-              <a:lnSpc>
-                <a:spcPct val="200000"/>
-              </a:lnSpc>
-              <a:buFont typeface="Arial" panose="020B0604020202020204" pitchFamily="34" charset="0"/>
-              <a:buChar char="•"/>
-            </a:pPr>
-            <a:r>
-              <a:rPr lang="ko-KR" altLang="en-US" sz="1100"/>
-              <a:t>프록시는 원본 요청의 </a:t>
-            </a:r>
-            <a:r>
-              <a:rPr lang="en-US" altLang="ko-KR" sz="1100"/>
-              <a:t>Request-URI </a:t>
-            </a:r>
-            <a:r>
-              <a:rPr lang="ko-KR" altLang="en-US" sz="1100"/>
-              <a:t>가 이 프록시가 담당하는 리소스를 나타내지 않는 경우 대상 집합에 추가 대상을 추가해서는 안됨</a:t>
-            </a:r>
-            <a:endParaRPr lang="en-US" altLang="ko-KR" sz="1100"/>
-          </a:p>
-          <a:p>
-            <a:pPr marL="171450" indent="-171450">
-              <a:lnSpc>
-                <a:spcPct val="200000"/>
-              </a:lnSpc>
-              <a:buFont typeface="Arial" panose="020B0604020202020204" pitchFamily="34" charset="0"/>
-              <a:buChar char="•"/>
-            </a:pPr>
-            <a:r>
-              <a:rPr lang="ko-KR" altLang="en-US" sz="1100"/>
-              <a:t>원본 요청의 </a:t>
-            </a:r>
-            <a:r>
-              <a:rPr lang="en-US" altLang="ko-KR" sz="1100"/>
-              <a:t>Request-URI </a:t>
-            </a:r>
-            <a:r>
-              <a:rPr lang="ko-KR" altLang="en-US" sz="1100"/>
-              <a:t>가 이 프록시가 담당하는 리소스를 가리키는 경우 프록시는 요청 전달을 시작한 후에도 세트에 대상을 계속 추가할 수 있음</a:t>
-            </a:r>
-            <a:endParaRPr lang="en-US" altLang="ko-KR" sz="1100"/>
-          </a:p>
-          <a:p>
-            <a:pPr marL="171450" indent="-171450">
-              <a:lnSpc>
-                <a:spcPct val="200000"/>
-              </a:lnSpc>
-              <a:buFont typeface="Arial" panose="020B0604020202020204" pitchFamily="34" charset="0"/>
-              <a:buChar char="•"/>
-            </a:pPr>
-            <a:endParaRPr lang="en-US" altLang="ko-KR" sz="1100"/>
-          </a:p>
-          <a:p>
-            <a:pPr marL="171450" indent="-171450">
-              <a:lnSpc>
-                <a:spcPct val="200000"/>
-              </a:lnSpc>
-              <a:buFontTx/>
-              <a:buChar char="-"/>
-            </a:pPr>
-            <a:endParaRPr lang="en-US" altLang="ko-KR" sz="1100"/>
+              <a:rPr lang="ko-KR" altLang="en-US" sz="1200"/>
+              <a:t>응답을 전송</a:t>
+            </a:r>
+            <a:endParaRPr lang="en-US" altLang="ko-KR" sz="1200" b="1"/>
           </a:p>
         </p:txBody>
       </p:sp>
+      <p:grpSp>
+        <p:nvGrpSpPr>
+          <p:cNvPr id="59" name="그룹 58">
+            <a:extLst>
+              <a:ext uri="{FF2B5EF4-FFF2-40B4-BE49-F238E27FC236}">
+                <a16:creationId xmlns:a16="http://schemas.microsoft.com/office/drawing/2014/main" id="{670F4926-97E2-418D-808E-BD4B1886422E}"/>
+              </a:ext>
+            </a:extLst>
+          </p:cNvPr>
+          <p:cNvGrpSpPr/>
+          <p:nvPr/>
+        </p:nvGrpSpPr>
+        <p:grpSpPr>
+          <a:xfrm>
+            <a:off x="838200" y="2824480"/>
+            <a:ext cx="6451117" cy="3714432"/>
+            <a:chOff x="2640500" y="2824480"/>
+            <a:chExt cx="6451117" cy="3714432"/>
+          </a:xfrm>
+        </p:grpSpPr>
+        <p:sp>
+          <p:nvSpPr>
+            <p:cNvPr id="4" name="다이아몬드 3">
+              <a:extLst>
+                <a:ext uri="{FF2B5EF4-FFF2-40B4-BE49-F238E27FC236}">
+                  <a16:creationId xmlns:a16="http://schemas.microsoft.com/office/drawing/2014/main" id="{ADD96126-4E47-491B-9A14-FDD817F85BE5}"/>
+                </a:ext>
+              </a:extLst>
+            </p:cNvPr>
+            <p:cNvSpPr/>
+            <p:nvPr/>
+          </p:nvSpPr>
+          <p:spPr>
+            <a:xfrm>
+              <a:off x="3510063" y="3086791"/>
+              <a:ext cx="2556164" cy="741399"/>
+            </a:xfrm>
+            <a:prstGeom prst="diamond">
+              <a:avLst/>
+            </a:prstGeom>
+            <a:solidFill>
+              <a:schemeClr val="bg1"/>
+            </a:solidFill>
+            <a:ln>
+              <a:solidFill>
+                <a:schemeClr val="tx1"/>
+              </a:solidFill>
+            </a:ln>
+          </p:spPr>
+          <p:style>
+            <a:lnRef idx="2">
+              <a:schemeClr val="accent1">
+                <a:shade val="50000"/>
+              </a:schemeClr>
+            </a:lnRef>
+            <a:fillRef idx="1">
+              <a:schemeClr val="accent1"/>
+            </a:fillRef>
+            <a:effectRef idx="0">
+              <a:schemeClr val="accent1"/>
+            </a:effectRef>
+            <a:fontRef idx="minor">
+              <a:schemeClr val="lt1"/>
+            </a:fontRef>
+          </p:style>
+          <p:txBody>
+            <a:bodyPr rtlCol="0" anchor="ctr"/>
+            <a:lstStyle/>
+            <a:p>
+              <a:pPr algn="ctr"/>
+              <a:r>
+                <a:rPr lang="en-US" altLang="ko-KR" sz="900">
+                  <a:solidFill>
+                    <a:schemeClr val="tx1"/>
+                  </a:solidFill>
+                </a:rPr>
+                <a:t>Request-URI</a:t>
+              </a:r>
+              <a:r>
+                <a:rPr lang="ko-KR" altLang="en-US" sz="900">
+                  <a:solidFill>
+                    <a:schemeClr val="tx1"/>
+                  </a:solidFill>
+                </a:rPr>
+                <a:t>가 </a:t>
+              </a:r>
+              <a:r>
+                <a:rPr lang="en-US" altLang="ko-KR" sz="900" b="1">
+                  <a:solidFill>
+                    <a:srgbClr val="FF0000"/>
+                  </a:solidFill>
+                </a:rPr>
+                <a:t>maddr</a:t>
+              </a:r>
+              <a:r>
+                <a:rPr lang="en-US" altLang="ko-KR" sz="900">
+                  <a:solidFill>
+                    <a:schemeClr val="tx1"/>
+                  </a:solidFill>
+                </a:rPr>
+                <a:t> </a:t>
+              </a:r>
+              <a:r>
+                <a:rPr lang="ko-KR" altLang="en-US" sz="900">
+                  <a:solidFill>
+                    <a:schemeClr val="tx1"/>
+                  </a:solidFill>
+                </a:rPr>
+                <a:t>파라미터를 갖는 가</a:t>
+              </a:r>
+              <a:r>
+                <a:rPr lang="en-US" altLang="ko-KR" sz="900">
+                  <a:solidFill>
+                    <a:schemeClr val="tx1"/>
+                  </a:solidFill>
+                </a:rPr>
+                <a:t>?</a:t>
+              </a:r>
+              <a:endParaRPr lang="ko-KR" altLang="en-US" sz="900">
+                <a:solidFill>
+                  <a:schemeClr val="tx1"/>
+                </a:solidFill>
+              </a:endParaRPr>
+            </a:p>
+          </p:txBody>
+        </p:sp>
+        <p:sp>
+          <p:nvSpPr>
+            <p:cNvPr id="15" name="다이아몬드 14">
+              <a:extLst>
+                <a:ext uri="{FF2B5EF4-FFF2-40B4-BE49-F238E27FC236}">
+                  <a16:creationId xmlns:a16="http://schemas.microsoft.com/office/drawing/2014/main" id="{7D2279E5-B4F4-4355-92EA-8DE21A7C523D}"/>
+                </a:ext>
+              </a:extLst>
+            </p:cNvPr>
+            <p:cNvSpPr/>
+            <p:nvPr/>
+          </p:nvSpPr>
+          <p:spPr>
+            <a:xfrm>
+              <a:off x="5633272" y="3828190"/>
+              <a:ext cx="2556164" cy="741399"/>
+            </a:xfrm>
+            <a:prstGeom prst="diamond">
+              <a:avLst/>
+            </a:prstGeom>
+            <a:solidFill>
+              <a:schemeClr val="bg1"/>
+            </a:solidFill>
+            <a:ln>
+              <a:solidFill>
+                <a:schemeClr val="tx1"/>
+              </a:solidFill>
+            </a:ln>
+          </p:spPr>
+          <p:style>
+            <a:lnRef idx="2">
+              <a:schemeClr val="accent1">
+                <a:shade val="50000"/>
+              </a:schemeClr>
+            </a:lnRef>
+            <a:fillRef idx="1">
+              <a:schemeClr val="accent1"/>
+            </a:fillRef>
+            <a:effectRef idx="0">
+              <a:schemeClr val="accent1"/>
+            </a:effectRef>
+            <a:fontRef idx="minor">
+              <a:schemeClr val="lt1"/>
+            </a:fontRef>
+          </p:style>
+          <p:txBody>
+            <a:bodyPr rtlCol="0" anchor="ctr"/>
+            <a:lstStyle/>
+            <a:p>
+              <a:pPr algn="ctr"/>
+              <a:r>
+                <a:rPr lang="en-US" altLang="ko-KR" sz="900">
+                  <a:solidFill>
+                    <a:schemeClr val="tx1"/>
+                  </a:solidFill>
+                </a:rPr>
+                <a:t>Request-URI</a:t>
+              </a:r>
+              <a:r>
+                <a:rPr lang="ko-KR" altLang="en-US" sz="900">
+                  <a:solidFill>
+                    <a:schemeClr val="tx1"/>
+                  </a:solidFill>
+                </a:rPr>
+                <a:t> 도메인이 </a:t>
+              </a:r>
+              <a:r>
+                <a:rPr lang="ko-KR" altLang="en-US" sz="900" b="1">
+                  <a:solidFill>
+                    <a:srgbClr val="FF0000"/>
+                  </a:solidFill>
+                </a:rPr>
+                <a:t>자신이 관리</a:t>
+              </a:r>
+              <a:r>
+                <a:rPr lang="ko-KR" altLang="en-US" sz="900">
+                  <a:solidFill>
+                    <a:srgbClr val="FF0000"/>
+                  </a:solidFill>
+                </a:rPr>
+                <a:t>하는 </a:t>
+              </a:r>
+              <a:br>
+                <a:rPr lang="en-US" altLang="ko-KR" sz="900">
+                  <a:solidFill>
+                    <a:srgbClr val="FF0000"/>
+                  </a:solidFill>
+                </a:rPr>
+              </a:br>
+              <a:r>
+                <a:rPr lang="ko-KR" altLang="en-US" sz="900">
+                  <a:solidFill>
+                    <a:srgbClr val="FF0000"/>
+                  </a:solidFill>
+                </a:rPr>
+                <a:t>도메인</a:t>
+              </a:r>
+              <a:r>
+                <a:rPr lang="ko-KR" altLang="en-US" sz="900">
+                  <a:solidFill>
+                    <a:schemeClr val="tx1"/>
+                  </a:solidFill>
+                </a:rPr>
+                <a:t>인가</a:t>
+              </a:r>
+              <a:r>
+                <a:rPr lang="en-US" altLang="ko-KR" sz="900">
+                  <a:solidFill>
+                    <a:schemeClr val="tx1"/>
+                  </a:solidFill>
+                </a:rPr>
+                <a:t>?</a:t>
+              </a:r>
+              <a:endParaRPr lang="ko-KR" altLang="en-US" sz="900">
+                <a:solidFill>
+                  <a:schemeClr val="tx1"/>
+                </a:solidFill>
+              </a:endParaRPr>
+            </a:p>
+          </p:txBody>
+        </p:sp>
+        <p:sp>
+          <p:nvSpPr>
+            <p:cNvPr id="16" name="TextBox 15">
+              <a:extLst>
+                <a:ext uri="{FF2B5EF4-FFF2-40B4-BE49-F238E27FC236}">
+                  <a16:creationId xmlns:a16="http://schemas.microsoft.com/office/drawing/2014/main" id="{E87ABFC5-C77F-4C33-8A13-AC33E8631AE1}"/>
+                </a:ext>
+              </a:extLst>
+            </p:cNvPr>
+            <p:cNvSpPr txBox="1"/>
+            <p:nvPr/>
+          </p:nvSpPr>
+          <p:spPr>
+            <a:xfrm>
+              <a:off x="2640500" y="4083474"/>
+              <a:ext cx="1426994" cy="230832"/>
+            </a:xfrm>
+            <a:prstGeom prst="rect">
+              <a:avLst/>
+            </a:prstGeom>
+            <a:solidFill>
+              <a:schemeClr val="bg1"/>
+            </a:solidFill>
+            <a:ln>
+              <a:solidFill>
+                <a:schemeClr val="tx1"/>
+              </a:solidFill>
+            </a:ln>
+          </p:spPr>
+          <p:txBody>
+            <a:bodyPr wrap="none" rtlCol="0">
+              <a:spAutoFit/>
+            </a:bodyPr>
+            <a:lstStyle/>
+            <a:p>
+              <a:r>
+                <a:rPr lang="en-US" altLang="ko-KR" sz="900" b="1">
+                  <a:solidFill>
+                    <a:srgbClr val="002060"/>
+                  </a:solidFill>
+                </a:rPr>
+                <a:t>target set </a:t>
+              </a:r>
+              <a:r>
+                <a:rPr lang="en-US" altLang="ko-KR" sz="900"/>
+                <a:t>= Request-URI</a:t>
+              </a:r>
+              <a:endParaRPr lang="ko-KR" altLang="en-US" sz="900"/>
+            </a:p>
+          </p:txBody>
+        </p:sp>
+        <p:sp>
+          <p:nvSpPr>
+            <p:cNvPr id="17" name="TextBox 16">
+              <a:extLst>
+                <a:ext uri="{FF2B5EF4-FFF2-40B4-BE49-F238E27FC236}">
+                  <a16:creationId xmlns:a16="http://schemas.microsoft.com/office/drawing/2014/main" id="{40EA499B-29B5-467C-A31F-2D4594A1D634}"/>
+                </a:ext>
+              </a:extLst>
+            </p:cNvPr>
+            <p:cNvSpPr txBox="1"/>
+            <p:nvPr/>
+          </p:nvSpPr>
+          <p:spPr>
+            <a:xfrm>
+              <a:off x="7664623" y="4973441"/>
+              <a:ext cx="1426994" cy="230832"/>
+            </a:xfrm>
+            <a:prstGeom prst="rect">
+              <a:avLst/>
+            </a:prstGeom>
+            <a:solidFill>
+              <a:schemeClr val="bg1"/>
+            </a:solidFill>
+            <a:ln>
+              <a:solidFill>
+                <a:schemeClr val="tx1"/>
+              </a:solidFill>
+            </a:ln>
+          </p:spPr>
+          <p:txBody>
+            <a:bodyPr wrap="none" rtlCol="0">
+              <a:spAutoFit/>
+            </a:bodyPr>
+            <a:lstStyle/>
+            <a:p>
+              <a:r>
+                <a:rPr lang="en-US" altLang="ko-KR" sz="900" b="1">
+                  <a:solidFill>
+                    <a:srgbClr val="002060"/>
+                  </a:solidFill>
+                </a:rPr>
+                <a:t>target set </a:t>
+              </a:r>
+              <a:r>
+                <a:rPr lang="en-US" altLang="ko-KR" sz="900"/>
+                <a:t>= Request-URI</a:t>
+              </a:r>
+              <a:endParaRPr lang="ko-KR" altLang="en-US" sz="900"/>
+            </a:p>
+          </p:txBody>
+        </p:sp>
+        <p:sp>
+          <p:nvSpPr>
+            <p:cNvPr id="18" name="TextBox 17">
+              <a:extLst>
+                <a:ext uri="{FF2B5EF4-FFF2-40B4-BE49-F238E27FC236}">
+                  <a16:creationId xmlns:a16="http://schemas.microsoft.com/office/drawing/2014/main" id="{A0FB40B5-2C67-4112-8503-3ACC4F829E0D}"/>
+                </a:ext>
+              </a:extLst>
+            </p:cNvPr>
+            <p:cNvSpPr txBox="1"/>
+            <p:nvPr/>
+          </p:nvSpPr>
+          <p:spPr>
+            <a:xfrm>
+              <a:off x="4223560" y="4973441"/>
+              <a:ext cx="2472152" cy="507831"/>
+            </a:xfrm>
+            <a:prstGeom prst="rect">
+              <a:avLst/>
+            </a:prstGeom>
+            <a:solidFill>
+              <a:schemeClr val="bg1"/>
+            </a:solidFill>
+            <a:ln>
+              <a:solidFill>
+                <a:schemeClr val="tx1"/>
+              </a:solidFill>
+            </a:ln>
+          </p:spPr>
+          <p:txBody>
+            <a:bodyPr wrap="none" rtlCol="0">
+              <a:spAutoFit/>
+            </a:bodyPr>
+            <a:lstStyle/>
+            <a:p>
+              <a:r>
+                <a:rPr lang="en-US" altLang="ko-KR" sz="900" b="1">
+                  <a:solidFill>
+                    <a:srgbClr val="002060"/>
+                  </a:solidFill>
+                </a:rPr>
+                <a:t>target set </a:t>
+              </a:r>
+              <a:r>
+                <a:rPr lang="en-US" altLang="ko-KR" sz="900"/>
+                <a:t>= </a:t>
+              </a:r>
+            </a:p>
+            <a:p>
+              <a:r>
+                <a:rPr lang="en-US" altLang="ko-KR" sz="900"/>
+                <a:t>Request-URI</a:t>
+              </a:r>
+              <a:r>
+                <a:rPr lang="ko-KR" altLang="en-US" sz="900"/>
+                <a:t> 를 기반으로 </a:t>
+              </a:r>
+              <a:r>
+                <a:rPr lang="en-US" altLang="ko-KR" sz="900" b="1"/>
+                <a:t>Location Service </a:t>
+              </a:r>
+              <a:r>
+                <a:rPr lang="ko-KR" altLang="en-US" sz="900"/>
+                <a:t>를 </a:t>
+              </a:r>
+              <a:br>
+                <a:rPr lang="en-US" altLang="ko-KR" sz="900"/>
+              </a:br>
+              <a:r>
+                <a:rPr lang="ko-KR" altLang="en-US" sz="900"/>
+                <a:t>이용하여</a:t>
+              </a:r>
+              <a:r>
+                <a:rPr lang="en-US" altLang="ko-KR" sz="900"/>
+                <a:t> </a:t>
+              </a:r>
+              <a:r>
+                <a:rPr lang="ko-KR" altLang="en-US" sz="900"/>
+                <a:t>얻은 </a:t>
+              </a:r>
+              <a:r>
+                <a:rPr lang="en-US" altLang="ko-KR" sz="900" b="1"/>
+                <a:t>Callee</a:t>
+              </a:r>
+              <a:r>
+                <a:rPr lang="en-US" altLang="ko-KR" sz="900"/>
+                <a:t> </a:t>
+              </a:r>
+              <a:r>
+                <a:rPr lang="ko-KR" altLang="en-US" sz="900"/>
+                <a:t>의 현재 위치 정보</a:t>
+              </a:r>
+            </a:p>
+          </p:txBody>
+        </p:sp>
+        <p:sp>
+          <p:nvSpPr>
+            <p:cNvPr id="10" name="타원 9">
+              <a:extLst>
+                <a:ext uri="{FF2B5EF4-FFF2-40B4-BE49-F238E27FC236}">
+                  <a16:creationId xmlns:a16="http://schemas.microsoft.com/office/drawing/2014/main" id="{516BE761-5AB8-4CB7-93B9-E2DB83660ACF}"/>
+                </a:ext>
+              </a:extLst>
+            </p:cNvPr>
+            <p:cNvSpPr/>
+            <p:nvPr/>
+          </p:nvSpPr>
+          <p:spPr>
+            <a:xfrm>
+              <a:off x="4555626" y="5844164"/>
+              <a:ext cx="1808018" cy="694748"/>
+            </a:xfrm>
+            <a:prstGeom prst="ellipse">
+              <a:avLst/>
+            </a:prstGeom>
+            <a:solidFill>
+              <a:schemeClr val="bg1"/>
+            </a:solidFill>
+            <a:ln>
+              <a:solidFill>
+                <a:schemeClr val="tx1"/>
+              </a:solidFill>
+            </a:ln>
+          </p:spPr>
+          <p:style>
+            <a:lnRef idx="2">
+              <a:schemeClr val="accent1">
+                <a:shade val="50000"/>
+              </a:schemeClr>
+            </a:lnRef>
+            <a:fillRef idx="1">
+              <a:schemeClr val="accent1"/>
+            </a:fillRef>
+            <a:effectRef idx="0">
+              <a:schemeClr val="accent1"/>
+            </a:effectRef>
+            <a:fontRef idx="minor">
+              <a:schemeClr val="lt1"/>
+            </a:fontRef>
+          </p:style>
+          <p:txBody>
+            <a:bodyPr rtlCol="0" anchor="ctr"/>
+            <a:lstStyle/>
+            <a:p>
+              <a:pPr algn="ctr"/>
+              <a:r>
+                <a:rPr lang="ko-KR" altLang="en-US" sz="900" b="1">
+                  <a:solidFill>
+                    <a:schemeClr val="tx1"/>
+                  </a:solidFill>
+                </a:rPr>
+                <a:t>요청</a:t>
+              </a:r>
+              <a:r>
+                <a:rPr lang="ko-KR" altLang="en-US" sz="900">
+                  <a:solidFill>
+                    <a:schemeClr val="tx1"/>
+                  </a:solidFill>
+                </a:rPr>
+                <a:t> 메시지 </a:t>
+              </a:r>
+              <a:r>
+                <a:rPr lang="ko-KR" altLang="en-US" sz="900" b="1">
+                  <a:solidFill>
+                    <a:schemeClr val="tx1"/>
+                  </a:solidFill>
+                </a:rPr>
+                <a:t>전송</a:t>
+              </a:r>
+              <a:r>
+                <a:rPr lang="ko-KR" altLang="en-US" sz="900">
+                  <a:solidFill>
+                    <a:schemeClr val="tx1"/>
+                  </a:solidFill>
+                </a:rPr>
+                <a:t> 단계</a:t>
+              </a:r>
+              <a:endParaRPr lang="en-US" altLang="ko-KR" sz="900">
+                <a:solidFill>
+                  <a:schemeClr val="tx1"/>
+                </a:solidFill>
+              </a:endParaRPr>
+            </a:p>
+            <a:p>
+              <a:pPr algn="ctr"/>
+              <a:r>
+                <a:rPr lang="en-US" altLang="ko-KR" sz="900">
+                  <a:solidFill>
+                    <a:schemeClr val="tx1"/>
+                  </a:solidFill>
+                </a:rPr>
+                <a:t>(Request</a:t>
+              </a:r>
+              <a:r>
+                <a:rPr lang="ko-KR" altLang="en-US" sz="900">
+                  <a:solidFill>
+                    <a:schemeClr val="tx1"/>
+                  </a:solidFill>
+                </a:rPr>
+                <a:t> </a:t>
+              </a:r>
+              <a:r>
+                <a:rPr lang="en-US" altLang="ko-KR" sz="900">
+                  <a:solidFill>
+                    <a:schemeClr val="tx1"/>
+                  </a:solidFill>
+                </a:rPr>
+                <a:t>Forwarding)</a:t>
+              </a:r>
+              <a:endParaRPr lang="ko-KR" altLang="en-US" sz="900">
+                <a:solidFill>
+                  <a:schemeClr val="tx1"/>
+                </a:solidFill>
+              </a:endParaRPr>
+            </a:p>
+          </p:txBody>
+        </p:sp>
+        <p:cxnSp>
+          <p:nvCxnSpPr>
+            <p:cNvPr id="20" name="연결선: 꺾임 19">
+              <a:extLst>
+                <a:ext uri="{FF2B5EF4-FFF2-40B4-BE49-F238E27FC236}">
+                  <a16:creationId xmlns:a16="http://schemas.microsoft.com/office/drawing/2014/main" id="{8CDB8633-B85D-48F6-8669-456464615E16}"/>
+                </a:ext>
+              </a:extLst>
+            </p:cNvPr>
+            <p:cNvCxnSpPr>
+              <a:stCxn id="15" idx="3"/>
+              <a:endCxn id="17" idx="0"/>
+            </p:cNvCxnSpPr>
+            <p:nvPr/>
+          </p:nvCxnSpPr>
+          <p:spPr>
+            <a:xfrm>
+              <a:off x="8189436" y="4198890"/>
+              <a:ext cx="188684" cy="774551"/>
+            </a:xfrm>
+            <a:prstGeom prst="bentConnector2">
+              <a:avLst/>
+            </a:prstGeom>
+            <a:ln>
+              <a:solidFill>
+                <a:schemeClr val="tx1"/>
+              </a:solidFill>
+              <a:tailEnd type="triangle"/>
+            </a:ln>
+          </p:spPr>
+          <p:style>
+            <a:lnRef idx="1">
+              <a:schemeClr val="accent1"/>
+            </a:lnRef>
+            <a:fillRef idx="0">
+              <a:schemeClr val="accent1"/>
+            </a:fillRef>
+            <a:effectRef idx="0">
+              <a:schemeClr val="accent1"/>
+            </a:effectRef>
+            <a:fontRef idx="minor">
+              <a:schemeClr val="tx1"/>
+            </a:fontRef>
+          </p:style>
+        </p:cxnSp>
+        <p:cxnSp>
+          <p:nvCxnSpPr>
+            <p:cNvPr id="21" name="연결선: 꺾임 20">
+              <a:extLst>
+                <a:ext uri="{FF2B5EF4-FFF2-40B4-BE49-F238E27FC236}">
+                  <a16:creationId xmlns:a16="http://schemas.microsoft.com/office/drawing/2014/main" id="{DBC1E14E-A1E5-4A43-A461-D1C1F44E0928}"/>
+                </a:ext>
+              </a:extLst>
+            </p:cNvPr>
+            <p:cNvCxnSpPr>
+              <a:cxnSpLocks/>
+              <a:stCxn id="15" idx="1"/>
+              <a:endCxn id="18" idx="0"/>
+            </p:cNvCxnSpPr>
+            <p:nvPr/>
+          </p:nvCxnSpPr>
+          <p:spPr>
+            <a:xfrm rot="10800000" flipV="1">
+              <a:off x="5459636" y="4198889"/>
+              <a:ext cx="173636" cy="774551"/>
+            </a:xfrm>
+            <a:prstGeom prst="bentConnector2">
+              <a:avLst/>
+            </a:prstGeom>
+            <a:ln>
+              <a:solidFill>
+                <a:schemeClr val="tx1"/>
+              </a:solidFill>
+              <a:tailEnd type="triangle"/>
+            </a:ln>
+          </p:spPr>
+          <p:style>
+            <a:lnRef idx="1">
+              <a:schemeClr val="accent1"/>
+            </a:lnRef>
+            <a:fillRef idx="0">
+              <a:schemeClr val="accent1"/>
+            </a:fillRef>
+            <a:effectRef idx="0">
+              <a:schemeClr val="accent1"/>
+            </a:effectRef>
+            <a:fontRef idx="minor">
+              <a:schemeClr val="tx1"/>
+            </a:fontRef>
+          </p:style>
+        </p:cxnSp>
+        <p:cxnSp>
+          <p:nvCxnSpPr>
+            <p:cNvPr id="28" name="연결선: 꺾임 27">
+              <a:extLst>
+                <a:ext uri="{FF2B5EF4-FFF2-40B4-BE49-F238E27FC236}">
+                  <a16:creationId xmlns:a16="http://schemas.microsoft.com/office/drawing/2014/main" id="{8C671057-76FE-4185-A117-1E075411650E}"/>
+                </a:ext>
+              </a:extLst>
+            </p:cNvPr>
+            <p:cNvCxnSpPr>
+              <a:cxnSpLocks/>
+              <a:stCxn id="4" idx="1"/>
+              <a:endCxn id="16" idx="0"/>
+            </p:cNvCxnSpPr>
+            <p:nvPr/>
+          </p:nvCxnSpPr>
+          <p:spPr>
+            <a:xfrm rot="10800000" flipV="1">
+              <a:off x="3353997" y="3457490"/>
+              <a:ext cx="156066" cy="625983"/>
+            </a:xfrm>
+            <a:prstGeom prst="bentConnector2">
+              <a:avLst/>
+            </a:prstGeom>
+            <a:ln>
+              <a:solidFill>
+                <a:schemeClr val="tx1"/>
+              </a:solidFill>
+              <a:tailEnd type="triangle"/>
+            </a:ln>
+          </p:spPr>
+          <p:style>
+            <a:lnRef idx="1">
+              <a:schemeClr val="accent1"/>
+            </a:lnRef>
+            <a:fillRef idx="0">
+              <a:schemeClr val="accent1"/>
+            </a:fillRef>
+            <a:effectRef idx="0">
+              <a:schemeClr val="accent1"/>
+            </a:effectRef>
+            <a:fontRef idx="minor">
+              <a:schemeClr val="tx1"/>
+            </a:fontRef>
+          </p:style>
+        </p:cxnSp>
+        <p:cxnSp>
+          <p:nvCxnSpPr>
+            <p:cNvPr id="34" name="연결선: 꺾임 33">
+              <a:extLst>
+                <a:ext uri="{FF2B5EF4-FFF2-40B4-BE49-F238E27FC236}">
+                  <a16:creationId xmlns:a16="http://schemas.microsoft.com/office/drawing/2014/main" id="{B854F815-313B-4E86-9747-24D1CC4CFBF9}"/>
+                </a:ext>
+              </a:extLst>
+            </p:cNvPr>
+            <p:cNvCxnSpPr>
+              <a:cxnSpLocks/>
+              <a:stCxn id="4" idx="3"/>
+              <a:endCxn id="15" idx="0"/>
+            </p:cNvCxnSpPr>
+            <p:nvPr/>
+          </p:nvCxnSpPr>
+          <p:spPr>
+            <a:xfrm>
+              <a:off x="6066227" y="3457491"/>
+              <a:ext cx="845127" cy="370699"/>
+            </a:xfrm>
+            <a:prstGeom prst="bentConnector2">
+              <a:avLst/>
+            </a:prstGeom>
+            <a:ln>
+              <a:solidFill>
+                <a:schemeClr val="tx1"/>
+              </a:solidFill>
+              <a:tailEnd type="triangle"/>
+            </a:ln>
+          </p:spPr>
+          <p:style>
+            <a:lnRef idx="1">
+              <a:schemeClr val="accent1"/>
+            </a:lnRef>
+            <a:fillRef idx="0">
+              <a:schemeClr val="accent1"/>
+            </a:fillRef>
+            <a:effectRef idx="0">
+              <a:schemeClr val="accent1"/>
+            </a:effectRef>
+            <a:fontRef idx="minor">
+              <a:schemeClr val="tx1"/>
+            </a:fontRef>
+          </p:style>
+        </p:cxnSp>
+        <p:cxnSp>
+          <p:nvCxnSpPr>
+            <p:cNvPr id="37" name="연결선: 꺾임 36">
+              <a:extLst>
+                <a:ext uri="{FF2B5EF4-FFF2-40B4-BE49-F238E27FC236}">
+                  <a16:creationId xmlns:a16="http://schemas.microsoft.com/office/drawing/2014/main" id="{50A8CB67-1E8B-4966-9AD9-583A2F94B7A6}"/>
+                </a:ext>
+              </a:extLst>
+            </p:cNvPr>
+            <p:cNvCxnSpPr>
+              <a:cxnSpLocks/>
+              <a:stCxn id="16" idx="2"/>
+              <a:endCxn id="10" idx="2"/>
+            </p:cNvCxnSpPr>
+            <p:nvPr/>
+          </p:nvCxnSpPr>
+          <p:spPr>
+            <a:xfrm rot="16200000" flipH="1">
+              <a:off x="3016195" y="4652107"/>
+              <a:ext cx="1877232" cy="1201629"/>
+            </a:xfrm>
+            <a:prstGeom prst="bentConnector2">
+              <a:avLst/>
+            </a:prstGeom>
+            <a:ln>
+              <a:solidFill>
+                <a:schemeClr val="tx1"/>
+              </a:solidFill>
+              <a:tailEnd type="triangle"/>
+            </a:ln>
+          </p:spPr>
+          <p:style>
+            <a:lnRef idx="1">
+              <a:schemeClr val="accent1"/>
+            </a:lnRef>
+            <a:fillRef idx="0">
+              <a:schemeClr val="accent1"/>
+            </a:fillRef>
+            <a:effectRef idx="0">
+              <a:schemeClr val="accent1"/>
+            </a:effectRef>
+            <a:fontRef idx="minor">
+              <a:schemeClr val="tx1"/>
+            </a:fontRef>
+          </p:style>
+        </p:cxnSp>
+        <p:cxnSp>
+          <p:nvCxnSpPr>
+            <p:cNvPr id="40" name="연결선: 꺾임 39">
+              <a:extLst>
+                <a:ext uri="{FF2B5EF4-FFF2-40B4-BE49-F238E27FC236}">
+                  <a16:creationId xmlns:a16="http://schemas.microsoft.com/office/drawing/2014/main" id="{B67EC440-D8E6-4291-A996-BC78BEE49E9F}"/>
+                </a:ext>
+              </a:extLst>
+            </p:cNvPr>
+            <p:cNvCxnSpPr>
+              <a:cxnSpLocks/>
+              <a:stCxn id="17" idx="2"/>
+              <a:endCxn id="10" idx="6"/>
+            </p:cNvCxnSpPr>
+            <p:nvPr/>
+          </p:nvCxnSpPr>
+          <p:spPr>
+            <a:xfrm rot="5400000">
+              <a:off x="6877250" y="4690667"/>
+              <a:ext cx="987265" cy="2014476"/>
+            </a:xfrm>
+            <a:prstGeom prst="bentConnector2">
+              <a:avLst/>
+            </a:prstGeom>
+            <a:ln>
+              <a:solidFill>
+                <a:schemeClr val="tx1"/>
+              </a:solidFill>
+              <a:tailEnd type="triangle"/>
+            </a:ln>
+          </p:spPr>
+          <p:style>
+            <a:lnRef idx="1">
+              <a:schemeClr val="accent1"/>
+            </a:lnRef>
+            <a:fillRef idx="0">
+              <a:schemeClr val="accent1"/>
+            </a:fillRef>
+            <a:effectRef idx="0">
+              <a:schemeClr val="accent1"/>
+            </a:effectRef>
+            <a:fontRef idx="minor">
+              <a:schemeClr val="tx1"/>
+            </a:fontRef>
+          </p:style>
+        </p:cxnSp>
+        <p:cxnSp>
+          <p:nvCxnSpPr>
+            <p:cNvPr id="44" name="직선 화살표 연결선 43">
+              <a:extLst>
+                <a:ext uri="{FF2B5EF4-FFF2-40B4-BE49-F238E27FC236}">
+                  <a16:creationId xmlns:a16="http://schemas.microsoft.com/office/drawing/2014/main" id="{11AAC948-3223-41D4-8A2A-01F112DE1C03}"/>
+                </a:ext>
+              </a:extLst>
+            </p:cNvPr>
+            <p:cNvCxnSpPr>
+              <a:cxnSpLocks/>
+              <a:endCxn id="4" idx="0"/>
+            </p:cNvCxnSpPr>
+            <p:nvPr/>
+          </p:nvCxnSpPr>
+          <p:spPr>
+            <a:xfrm>
+              <a:off x="4788145" y="2824480"/>
+              <a:ext cx="0" cy="262311"/>
+            </a:xfrm>
+            <a:prstGeom prst="straightConnector1">
+              <a:avLst/>
+            </a:prstGeom>
+            <a:ln>
+              <a:solidFill>
+                <a:schemeClr val="tx1"/>
+              </a:solidFill>
+              <a:tailEnd type="triangle"/>
+            </a:ln>
+          </p:spPr>
+          <p:style>
+            <a:lnRef idx="1">
+              <a:schemeClr val="accent1"/>
+            </a:lnRef>
+            <a:fillRef idx="0">
+              <a:schemeClr val="accent1"/>
+            </a:fillRef>
+            <a:effectRef idx="0">
+              <a:schemeClr val="accent1"/>
+            </a:effectRef>
+            <a:fontRef idx="minor">
+              <a:schemeClr val="tx1"/>
+            </a:fontRef>
+          </p:style>
+        </p:cxnSp>
+        <p:cxnSp>
+          <p:nvCxnSpPr>
+            <p:cNvPr id="46" name="직선 화살표 연결선 45">
+              <a:extLst>
+                <a:ext uri="{FF2B5EF4-FFF2-40B4-BE49-F238E27FC236}">
+                  <a16:creationId xmlns:a16="http://schemas.microsoft.com/office/drawing/2014/main" id="{6B06E613-44BD-47F5-BDDD-5673D471A74F}"/>
+                </a:ext>
+              </a:extLst>
+            </p:cNvPr>
+            <p:cNvCxnSpPr>
+              <a:cxnSpLocks/>
+              <a:stCxn id="18" idx="2"/>
+              <a:endCxn id="10" idx="0"/>
+            </p:cNvCxnSpPr>
+            <p:nvPr/>
+          </p:nvCxnSpPr>
+          <p:spPr>
+            <a:xfrm flipH="1">
+              <a:off x="5459635" y="5481272"/>
+              <a:ext cx="1" cy="362892"/>
+            </a:xfrm>
+            <a:prstGeom prst="straightConnector1">
+              <a:avLst/>
+            </a:prstGeom>
+            <a:ln>
+              <a:solidFill>
+                <a:schemeClr val="tx1"/>
+              </a:solidFill>
+              <a:tailEnd type="triangle"/>
+            </a:ln>
+          </p:spPr>
+          <p:style>
+            <a:lnRef idx="1">
+              <a:schemeClr val="accent1"/>
+            </a:lnRef>
+            <a:fillRef idx="0">
+              <a:schemeClr val="accent1"/>
+            </a:fillRef>
+            <a:effectRef idx="0">
+              <a:schemeClr val="accent1"/>
+            </a:effectRef>
+            <a:fontRef idx="minor">
+              <a:schemeClr val="tx1"/>
+            </a:fontRef>
+          </p:style>
+        </p:cxnSp>
+        <p:sp>
+          <p:nvSpPr>
+            <p:cNvPr id="54" name="TextBox 53">
+              <a:extLst>
+                <a:ext uri="{FF2B5EF4-FFF2-40B4-BE49-F238E27FC236}">
+                  <a16:creationId xmlns:a16="http://schemas.microsoft.com/office/drawing/2014/main" id="{DFFCBD59-8D52-4DB8-84D2-2C5681FB49E6}"/>
+                </a:ext>
+              </a:extLst>
+            </p:cNvPr>
+            <p:cNvSpPr txBox="1"/>
+            <p:nvPr/>
+          </p:nvSpPr>
+          <p:spPr>
+            <a:xfrm>
+              <a:off x="6254892" y="3349882"/>
+              <a:ext cx="346570" cy="230832"/>
+            </a:xfrm>
+            <a:prstGeom prst="rect">
+              <a:avLst/>
+            </a:prstGeom>
+            <a:solidFill>
+              <a:schemeClr val="bg1"/>
+            </a:solidFill>
+            <a:ln>
+              <a:noFill/>
+            </a:ln>
+          </p:spPr>
+          <p:txBody>
+            <a:bodyPr wrap="none" rtlCol="0">
+              <a:spAutoFit/>
+            </a:bodyPr>
+            <a:lstStyle/>
+            <a:p>
+              <a:r>
+                <a:rPr lang="en-US" altLang="ko-KR" sz="900" b="1"/>
+                <a:t>NO</a:t>
+              </a:r>
+              <a:endParaRPr lang="ko-KR" altLang="en-US" sz="900" b="1"/>
+            </a:p>
+          </p:txBody>
+        </p:sp>
+        <p:sp>
+          <p:nvSpPr>
+            <p:cNvPr id="55" name="TextBox 54">
+              <a:extLst>
+                <a:ext uri="{FF2B5EF4-FFF2-40B4-BE49-F238E27FC236}">
+                  <a16:creationId xmlns:a16="http://schemas.microsoft.com/office/drawing/2014/main" id="{B99EE504-FE56-405A-BD7F-AC8381A9A8BE}"/>
+                </a:ext>
+              </a:extLst>
+            </p:cNvPr>
+            <p:cNvSpPr txBox="1"/>
+            <p:nvPr/>
+          </p:nvSpPr>
+          <p:spPr>
+            <a:xfrm>
+              <a:off x="8215013" y="4355334"/>
+              <a:ext cx="346570" cy="230832"/>
+            </a:xfrm>
+            <a:prstGeom prst="rect">
+              <a:avLst/>
+            </a:prstGeom>
+            <a:solidFill>
+              <a:schemeClr val="bg1"/>
+            </a:solidFill>
+            <a:ln>
+              <a:noFill/>
+            </a:ln>
+          </p:spPr>
+          <p:txBody>
+            <a:bodyPr wrap="square" rtlCol="0">
+              <a:spAutoFit/>
+            </a:bodyPr>
+            <a:lstStyle/>
+            <a:p>
+              <a:r>
+                <a:rPr lang="en-US" altLang="ko-KR" sz="900" b="1"/>
+                <a:t>NO</a:t>
+              </a:r>
+              <a:endParaRPr lang="ko-KR" altLang="en-US" sz="900" b="1"/>
+            </a:p>
+          </p:txBody>
+        </p:sp>
+        <p:sp>
+          <p:nvSpPr>
+            <p:cNvPr id="57" name="TextBox 56">
+              <a:extLst>
+                <a:ext uri="{FF2B5EF4-FFF2-40B4-BE49-F238E27FC236}">
+                  <a16:creationId xmlns:a16="http://schemas.microsoft.com/office/drawing/2014/main" id="{1A2640B1-0359-4ED9-9AB9-AB721F455F2B}"/>
+                </a:ext>
+              </a:extLst>
+            </p:cNvPr>
+            <p:cNvSpPr txBox="1"/>
+            <p:nvPr/>
+          </p:nvSpPr>
+          <p:spPr>
+            <a:xfrm>
+              <a:off x="5262250" y="4355334"/>
+              <a:ext cx="394770" cy="230832"/>
+            </a:xfrm>
+            <a:prstGeom prst="rect">
+              <a:avLst/>
+            </a:prstGeom>
+            <a:solidFill>
+              <a:schemeClr val="bg1"/>
+            </a:solidFill>
+            <a:ln>
+              <a:noFill/>
+            </a:ln>
+          </p:spPr>
+          <p:txBody>
+            <a:bodyPr wrap="square" rtlCol="0">
+              <a:spAutoFit/>
+            </a:bodyPr>
+            <a:lstStyle/>
+            <a:p>
+              <a:pPr algn="ctr"/>
+              <a:r>
+                <a:rPr lang="en-US" altLang="ko-KR" sz="900" b="1"/>
+                <a:t>YES</a:t>
+              </a:r>
+              <a:endParaRPr lang="ko-KR" altLang="en-US" sz="900" b="1"/>
+            </a:p>
+          </p:txBody>
+        </p:sp>
+        <p:sp>
+          <p:nvSpPr>
+            <p:cNvPr id="58" name="TextBox 57">
+              <a:extLst>
+                <a:ext uri="{FF2B5EF4-FFF2-40B4-BE49-F238E27FC236}">
+                  <a16:creationId xmlns:a16="http://schemas.microsoft.com/office/drawing/2014/main" id="{CFF423D1-0280-4DA1-AE8E-09AEA3CC81F2}"/>
+                </a:ext>
+              </a:extLst>
+            </p:cNvPr>
+            <p:cNvSpPr txBox="1"/>
+            <p:nvPr/>
+          </p:nvSpPr>
+          <p:spPr>
+            <a:xfrm>
+              <a:off x="3156611" y="3558965"/>
+              <a:ext cx="394770" cy="230832"/>
+            </a:xfrm>
+            <a:prstGeom prst="rect">
+              <a:avLst/>
+            </a:prstGeom>
+            <a:solidFill>
+              <a:schemeClr val="bg1"/>
+            </a:solidFill>
+            <a:ln>
+              <a:noFill/>
+            </a:ln>
+          </p:spPr>
+          <p:txBody>
+            <a:bodyPr wrap="square" rtlCol="0">
+              <a:spAutoFit/>
+            </a:bodyPr>
+            <a:lstStyle/>
+            <a:p>
+              <a:pPr algn="ctr"/>
+              <a:r>
+                <a:rPr lang="en-US" altLang="ko-KR" sz="900" b="1"/>
+                <a:t>YES</a:t>
+              </a:r>
+              <a:endParaRPr lang="ko-KR" altLang="en-US" sz="900" b="1"/>
+            </a:p>
+          </p:txBody>
+        </p:sp>
+      </p:grpSp>
       <p:cxnSp>
         <p:nvCxnSpPr>
-          <p:cNvPr id="6" name="연결선: 꺾임 5">
+          <p:cNvPr id="60" name="연결선: 꺾임 59">
             <a:extLst>
               <a:ext uri="{FF2B5EF4-FFF2-40B4-BE49-F238E27FC236}">
-                <a16:creationId xmlns:a16="http://schemas.microsoft.com/office/drawing/2014/main" id="{ADC671FA-3A4D-4189-8B86-1D32B1EC1D8C}"/>
+                <a16:creationId xmlns:a16="http://schemas.microsoft.com/office/drawing/2014/main" id="{21DE8BB9-8C21-4CC3-AEF8-032F91E1A173}"/>
               </a:ext>
             </a:extLst>
           </p:cNvPr>
           <p:cNvCxnSpPr>
             <a:cxnSpLocks/>
-            <a:endCxn id="7" idx="0"/>
           </p:cNvCxnSpPr>
           <p:nvPr/>
         </p:nvCxnSpPr>
         <p:spPr>
-          <a:xfrm rot="16200000" flipH="1">
-            <a:off x="9542978" y="2433285"/>
-            <a:ext cx="715438" cy="619618"/>
+          <a:xfrm>
+            <a:off x="8776534" y="2539069"/>
+            <a:ext cx="2386719" cy="442098"/>
           </a:xfrm>
           <a:prstGeom prst="bentConnector3">
             <a:avLst>
-              <a:gd name="adj1" fmla="val 50000"/>
+              <a:gd name="adj1" fmla="val 106877"/>
             </a:avLst>
           </a:prstGeom>
-          <a:ln>
+          <a:ln w="3175">
             <a:solidFill>
               <a:schemeClr val="tx1"/>
             </a:solidFill>
@@ -2557,10 +3521,10 @@
       </p:cxnSp>
       <p:sp>
         <p:nvSpPr>
-          <p:cNvPr id="7" name="TextBox 6">
+          <p:cNvPr id="61" name="TextBox 60">
             <a:extLst>
               <a:ext uri="{FF2B5EF4-FFF2-40B4-BE49-F238E27FC236}">
-                <a16:creationId xmlns:a16="http://schemas.microsoft.com/office/drawing/2014/main" id="{DDB570BC-1B4D-4B33-ADA3-23544D2D6267}"/>
+                <a16:creationId xmlns:a16="http://schemas.microsoft.com/office/drawing/2014/main" id="{4062718F-2E7A-46C7-91B4-77A9800DF378}"/>
               </a:ext>
             </a:extLst>
           </p:cNvPr>
@@ -2569,8 +3533,8 @@
         </p:nvSpPr>
         <p:spPr>
           <a:xfrm>
-            <a:off x="8814931" y="3100813"/>
-            <a:ext cx="2791149" cy="417807"/>
+            <a:off x="8142874" y="2865985"/>
+            <a:ext cx="3020379" cy="230832"/>
           </a:xfrm>
           <a:prstGeom prst="rect">
             <a:avLst/>
@@ -2590,26 +3554,29 @@
           </a:bodyPr>
           <a:lstStyle/>
           <a:p>
-            <a:pPr>
-              <a:lnSpc>
-                <a:spcPct val="120000"/>
-              </a:lnSpc>
-            </a:pPr>
             <a:r>
               <a:rPr lang="ko-KR" altLang="en-US" sz="900"/>
-              <a:t>발신 호출을 처리하는 방화벽 프록시가 이러한 상황이</a:t>
-            </a:r>
-            <a:endParaRPr lang="en-US" altLang="ko-KR" sz="900"/>
-          </a:p>
-          <a:p>
-            <a:pPr>
-              <a:lnSpc>
-                <a:spcPct val="120000"/>
-              </a:lnSpc>
-            </a:pPr>
+              <a:t>시도할 새 주소의 </a:t>
+            </a:r>
+            <a:r>
+              <a:rPr lang="en-US" altLang="ko-KR" sz="900"/>
+              <a:t>URI </a:t>
+            </a:r>
             <a:r>
               <a:rPr lang="ko-KR" altLang="en-US" sz="900"/>
-              <a:t>발생할 수 있는 대표적인 예이다</a:t>
+              <a:t>가 포함된 </a:t>
+            </a:r>
+            <a:r>
+              <a:rPr lang="en-US" altLang="ko-KR" sz="900" b="1"/>
+              <a:t>Contact</a:t>
+            </a:r>
+            <a:r>
+              <a:rPr lang="en-US" altLang="ko-KR" sz="900"/>
+              <a:t> </a:t>
+            </a:r>
+            <a:r>
+              <a:rPr lang="ko-KR" altLang="en-US" sz="900"/>
+              <a:t>헤더를 포함한다</a:t>
             </a:r>
             <a:r>
               <a:rPr lang="en-US" altLang="ko-KR" sz="900"/>
@@ -2621,10 +3588,10 @@
       </p:sp>
       <p:sp>
         <p:nvSpPr>
-          <p:cNvPr id="8" name="TextBox 7">
+          <p:cNvPr id="63" name="TextBox 62">
             <a:extLst>
               <a:ext uri="{FF2B5EF4-FFF2-40B4-BE49-F238E27FC236}">
-                <a16:creationId xmlns:a16="http://schemas.microsoft.com/office/drawing/2014/main" id="{6D558BF4-6D31-4033-A388-0EA3D9EE9232}"/>
+                <a16:creationId xmlns:a16="http://schemas.microsoft.com/office/drawing/2014/main" id="{2DCE9B9F-93AA-4B73-AF94-99B69374D401}"/>
               </a:ext>
             </a:extLst>
           </p:cNvPr>
@@ -2633,20 +3600,13 @@
         </p:nvSpPr>
         <p:spPr>
           <a:xfrm>
-            <a:off x="6442974" y="3844539"/>
-            <a:ext cx="3339376" cy="417807"/>
+            <a:off x="7449576" y="3503808"/>
+            <a:ext cx="4406976" cy="2254463"/>
           </a:xfrm>
           <a:prstGeom prst="rect">
             <a:avLst/>
           </a:prstGeom>
-          <a:solidFill>
-            <a:schemeClr val="bg1"/>
-          </a:solidFill>
-          <a:ln>
-            <a:solidFill>
-              <a:schemeClr val="tx1"/>
-            </a:solidFill>
-          </a:ln>
+          <a:noFill/>
         </p:spPr>
         <p:txBody>
           <a:bodyPr wrap="none" rtlCol="0">
@@ -2654,239 +3614,158 @@
           </a:bodyPr>
           <a:lstStyle/>
           <a:p>
-            <a:pPr>
-              <a:lnSpc>
-                <a:spcPct val="120000"/>
-              </a:lnSpc>
-            </a:pPr>
-            <a:r>
-              <a:rPr lang="en-US" altLang="ko-KR" sz="900"/>
-              <a:t>Registrar </a:t>
-            </a:r>
-            <a:r>
-              <a:rPr lang="ko-KR" altLang="en-US" sz="900"/>
-              <a:t>가 구축한 </a:t>
-            </a:r>
-            <a:r>
-              <a:rPr lang="en-US" altLang="ko-KR" sz="900" b="1"/>
-              <a:t>location service </a:t>
-            </a:r>
-            <a:r>
-              <a:rPr lang="ko-KR" altLang="en-US" sz="900"/>
-              <a:t>에 액세스할 때는 인덱스로 </a:t>
-            </a:r>
-            <a:endParaRPr lang="en-US" altLang="ko-KR" sz="900"/>
-          </a:p>
-          <a:p>
-            <a:pPr>
-              <a:lnSpc>
-                <a:spcPct val="120000"/>
-              </a:lnSpc>
-            </a:pPr>
-            <a:r>
-              <a:rPr lang="ko-KR" altLang="en-US" sz="900"/>
-              <a:t>사용하기 전에 </a:t>
-            </a:r>
-            <a:r>
-              <a:rPr lang="en-US" altLang="ko-KR" sz="900" b="1"/>
+            <a:pPr marL="171450" indent="-171450">
+              <a:lnSpc>
+                <a:spcPct val="200000"/>
+              </a:lnSpc>
+              <a:buFont typeface="Arial" panose="020B0604020202020204" pitchFamily="34" charset="0"/>
+              <a:buChar char="•"/>
+            </a:pPr>
+            <a:r>
+              <a:rPr lang="en-US" altLang="ko-KR" sz="1200"/>
+              <a:t>Request-URI </a:t>
+            </a:r>
+            <a:r>
+              <a:rPr lang="ko-KR" altLang="en-US" sz="1200"/>
+              <a:t>가 프록시가 관리하는 </a:t>
+            </a:r>
+            <a:r>
+              <a:rPr lang="ko-KR" altLang="en-US" sz="1200" b="1"/>
+              <a:t>리소스</a:t>
+            </a:r>
+            <a:r>
+              <a:rPr lang="ko-KR" altLang="en-US" sz="1200"/>
+              <a:t>를 가리키지 않으면</a:t>
+            </a:r>
+            <a:r>
+              <a:rPr lang="en-US" altLang="ko-KR" sz="1200"/>
+              <a:t>,</a:t>
+            </a:r>
+            <a:br>
+              <a:rPr lang="en-US" altLang="ko-KR" sz="1200"/>
+            </a:br>
+            <a:r>
+              <a:rPr lang="en-US" altLang="ko-KR" sz="1200"/>
+              <a:t>target set </a:t>
+            </a:r>
+            <a:r>
+              <a:rPr lang="ko-KR" altLang="en-US" sz="1200"/>
+              <a:t>에 목적지를 추가하면 안됨</a:t>
+            </a:r>
+            <a:endParaRPr lang="en-US" altLang="ko-KR" sz="1200"/>
+          </a:p>
+          <a:p>
+            <a:pPr marL="171450" indent="-171450">
+              <a:lnSpc>
+                <a:spcPct val="200000"/>
+              </a:lnSpc>
+              <a:buFont typeface="Arial" panose="020B0604020202020204" pitchFamily="34" charset="0"/>
+              <a:buChar char="•"/>
+            </a:pPr>
+            <a:r>
+              <a:rPr lang="en-US" altLang="ko-KR" sz="1200" b="1"/>
+              <a:t>Origin</a:t>
+            </a:r>
+            <a:r>
+              <a:rPr lang="en-US" altLang="ko-KR" sz="1200"/>
+              <a:t> </a:t>
+            </a:r>
+            <a:r>
+              <a:rPr lang="en-US" altLang="ko-KR" sz="1200" b="1"/>
               <a:t>Request-URI</a:t>
             </a:r>
             <a:r>
-              <a:rPr lang="en-US" altLang="ko-KR" sz="900"/>
+              <a:rPr lang="en-US" altLang="ko-KR" sz="1200"/>
               <a:t> </a:t>
             </a:r>
             <a:r>
-              <a:rPr lang="ko-KR" altLang="en-US" sz="900"/>
-              <a:t>를 먼저 표준화해야 한다</a:t>
-            </a:r>
-            <a:r>
-              <a:rPr lang="en-US" altLang="ko-KR" sz="900"/>
-              <a:t>.</a:t>
-            </a:r>
-            <a:endParaRPr lang="ko-KR" altLang="en-US" sz="900"/>
+              <a:rPr lang="ko-KR" altLang="en-US" sz="1200"/>
+              <a:t>가 이 프록시가 책임지는 </a:t>
+            </a:r>
+            <a:r>
+              <a:rPr lang="ko-KR" altLang="en-US" sz="1200" b="1"/>
+              <a:t>리소스</a:t>
+            </a:r>
+            <a:r>
+              <a:rPr lang="ko-KR" altLang="en-US" sz="1200"/>
+              <a:t>라면</a:t>
+            </a:r>
+            <a:r>
+              <a:rPr lang="en-US" altLang="ko-KR" sz="1200"/>
+              <a:t>,</a:t>
+            </a:r>
+            <a:br>
+              <a:rPr lang="en-US" altLang="ko-KR" sz="1200"/>
+            </a:br>
+            <a:r>
+              <a:rPr lang="en-US" altLang="ko-KR" sz="1200" b="1"/>
+              <a:t>Request Forwarding</a:t>
+            </a:r>
+            <a:r>
+              <a:rPr lang="en-US" altLang="ko-KR" sz="1200"/>
+              <a:t> </a:t>
+            </a:r>
+            <a:r>
+              <a:rPr lang="ko-KR" altLang="en-US" sz="1200"/>
+              <a:t>후에 </a:t>
+            </a:r>
+            <a:r>
+              <a:rPr lang="en-US" altLang="ko-KR" sz="1200"/>
+              <a:t>target set </a:t>
+            </a:r>
+            <a:r>
+              <a:rPr lang="ko-KR" altLang="en-US" sz="1200"/>
+              <a:t>을 계속 추가 가능</a:t>
+            </a:r>
+            <a:endParaRPr lang="en-US" altLang="ko-KR" sz="1200"/>
+          </a:p>
+          <a:p>
+            <a:pPr marL="171450" indent="-171450">
+              <a:lnSpc>
+                <a:spcPct val="200000"/>
+              </a:lnSpc>
+              <a:buFont typeface="Arial" panose="020B0604020202020204" pitchFamily="34" charset="0"/>
+              <a:buChar char="•"/>
+            </a:pPr>
+            <a:r>
+              <a:rPr lang="ko-KR" altLang="en-US" sz="1200"/>
+              <a:t>모든 사항을 적용한 후에도</a:t>
+            </a:r>
+            <a:r>
+              <a:rPr lang="en-US" altLang="ko-KR" sz="1200"/>
+              <a:t> target set </a:t>
+            </a:r>
+            <a:r>
+              <a:rPr lang="ko-KR" altLang="en-US" sz="1200"/>
+              <a:t>이 비어있다면</a:t>
+            </a:r>
+            <a:r>
+              <a:rPr lang="en-US" altLang="ko-KR" sz="1200"/>
+              <a:t>,</a:t>
+            </a:r>
+            <a:br>
+              <a:rPr lang="en-US" altLang="ko-KR" sz="1200"/>
+            </a:br>
+            <a:r>
+              <a:rPr lang="ko-KR" altLang="en-US" sz="1200"/>
+              <a:t>프록시는 </a:t>
+            </a:r>
+            <a:r>
+              <a:rPr lang="en-US" altLang="ko-KR" sz="1200" b="1"/>
+              <a:t>404 (Not Found)</a:t>
+            </a:r>
+            <a:r>
+              <a:rPr lang="en-US" altLang="ko-KR" sz="1200"/>
+              <a:t> </a:t>
+            </a:r>
+            <a:r>
+              <a:rPr lang="ko-KR" altLang="en-US" sz="1200"/>
+              <a:t>응답을 전송</a:t>
+            </a:r>
+            <a:endParaRPr lang="en-US" altLang="ko-KR" sz="1200"/>
           </a:p>
         </p:txBody>
       </p:sp>
-      <p:cxnSp>
-        <p:nvCxnSpPr>
-          <p:cNvPr id="9" name="연결선: 꺾임 8">
-            <a:extLst>
-              <a:ext uri="{FF2B5EF4-FFF2-40B4-BE49-F238E27FC236}">
-                <a16:creationId xmlns:a16="http://schemas.microsoft.com/office/drawing/2014/main" id="{E999FC0B-1382-4AC8-A3C1-9B8C8D25ED95}"/>
-              </a:ext>
-            </a:extLst>
-          </p:cNvPr>
-          <p:cNvCxnSpPr>
-            <a:cxnSpLocks/>
-            <a:endCxn id="8" idx="0"/>
-          </p:cNvCxnSpPr>
-          <p:nvPr/>
-        </p:nvCxnSpPr>
-        <p:spPr>
-          <a:xfrm>
-            <a:off x="5015753" y="3153335"/>
-            <a:ext cx="3096909" cy="691204"/>
-          </a:xfrm>
-          <a:prstGeom prst="bentConnector2">
-            <a:avLst/>
-          </a:prstGeom>
-          <a:ln>
-            <a:solidFill>
-              <a:schemeClr val="tx1"/>
-            </a:solidFill>
-          </a:ln>
-        </p:spPr>
-        <p:style>
-          <a:lnRef idx="1">
-            <a:schemeClr val="accent1"/>
-          </a:lnRef>
-          <a:fillRef idx="0">
-            <a:schemeClr val="accent1"/>
-          </a:fillRef>
-          <a:effectRef idx="0">
-            <a:schemeClr val="accent1"/>
-          </a:effectRef>
-          <a:fontRef idx="minor">
-            <a:schemeClr val="tx1"/>
-          </a:fontRef>
-        </p:style>
-      </p:cxnSp>
-      <p:sp>
-        <p:nvSpPr>
-          <p:cNvPr id="12" name="TextBox 11">
-            <a:extLst>
-              <a:ext uri="{FF2B5EF4-FFF2-40B4-BE49-F238E27FC236}">
-                <a16:creationId xmlns:a16="http://schemas.microsoft.com/office/drawing/2014/main" id="{F1B3CD98-D75D-4A86-8C12-1E91144404FA}"/>
-              </a:ext>
-            </a:extLst>
-          </p:cNvPr>
-          <p:cNvSpPr txBox="1"/>
-          <p:nvPr/>
-        </p:nvSpPr>
-        <p:spPr>
-          <a:xfrm>
-            <a:off x="8223269" y="4953550"/>
-            <a:ext cx="3118161" cy="417807"/>
-          </a:xfrm>
-          <a:prstGeom prst="rect">
-            <a:avLst/>
-          </a:prstGeom>
-          <a:solidFill>
-            <a:schemeClr val="bg1"/>
-          </a:solidFill>
-          <a:ln>
-            <a:solidFill>
-              <a:schemeClr val="tx1"/>
-            </a:solidFill>
-          </a:ln>
-        </p:spPr>
-        <p:txBody>
-          <a:bodyPr wrap="none" rtlCol="0">
-            <a:spAutoFit/>
-          </a:bodyPr>
-          <a:lstStyle/>
-          <a:p>
-            <a:pPr>
-              <a:lnSpc>
-                <a:spcPct val="120000"/>
-              </a:lnSpc>
-            </a:pPr>
-            <a:r>
-              <a:rPr lang="ko-KR" altLang="en-US" sz="900"/>
-              <a:t>타겟은 대상 집합에 한 번만 배치할 수 있으며</a:t>
-            </a:r>
-            <a:r>
-              <a:rPr lang="en-US" altLang="ko-KR" sz="900"/>
-              <a:t>, </a:t>
-            </a:r>
-            <a:r>
-              <a:rPr lang="en-US" altLang="ko-KR" sz="900" b="1"/>
-              <a:t>target</a:t>
-            </a:r>
-            <a:r>
-              <a:rPr lang="ko-KR" altLang="en-US" sz="900" b="1"/>
-              <a:t> </a:t>
-            </a:r>
-            <a:r>
-              <a:rPr lang="en-US" altLang="ko-KR" sz="900" b="1"/>
-              <a:t>URI</a:t>
-            </a:r>
-            <a:r>
-              <a:rPr lang="en-US" altLang="ko-KR" sz="900"/>
-              <a:t> </a:t>
-            </a:r>
-            <a:r>
-              <a:rPr lang="ko-KR" altLang="en-US" sz="900"/>
-              <a:t>가 </a:t>
-            </a:r>
-            <a:br>
-              <a:rPr lang="en-US" altLang="ko-KR" sz="900"/>
-            </a:br>
-            <a:r>
-              <a:rPr lang="ko-KR" altLang="en-US" sz="900"/>
-              <a:t>이미 집합에 있는 경우</a:t>
-            </a:r>
-            <a:r>
-              <a:rPr lang="en-US" altLang="ko-KR" sz="900"/>
-              <a:t> </a:t>
-            </a:r>
-            <a:r>
-              <a:rPr lang="ko-KR" altLang="en-US" sz="900"/>
-              <a:t>다시 추가할 수 없다</a:t>
-            </a:r>
-            <a:r>
-              <a:rPr lang="en-US" altLang="ko-KR" sz="900"/>
-              <a:t>.</a:t>
-            </a:r>
-          </a:p>
-        </p:txBody>
-      </p:sp>
-      <p:cxnSp>
-        <p:nvCxnSpPr>
-          <p:cNvPr id="13" name="연결선: 꺾임 12">
-            <a:extLst>
-              <a:ext uri="{FF2B5EF4-FFF2-40B4-BE49-F238E27FC236}">
-                <a16:creationId xmlns:a16="http://schemas.microsoft.com/office/drawing/2014/main" id="{0296E2DF-6E3E-41EC-BD0F-8B92FD68EE0B}"/>
-              </a:ext>
-            </a:extLst>
-          </p:cNvPr>
-          <p:cNvCxnSpPr>
-            <a:cxnSpLocks/>
-            <a:endCxn id="12" idx="1"/>
-          </p:cNvCxnSpPr>
-          <p:nvPr/>
-        </p:nvCxnSpPr>
-        <p:spPr>
-          <a:xfrm flipV="1">
-            <a:off x="6017559" y="5162454"/>
-            <a:ext cx="2205710" cy="350047"/>
-          </a:xfrm>
-          <a:prstGeom prst="bentConnector3">
-            <a:avLst>
-              <a:gd name="adj1" fmla="val 50000"/>
-            </a:avLst>
-          </a:prstGeom>
-          <a:ln>
-            <a:solidFill>
-              <a:schemeClr val="tx1"/>
-            </a:solidFill>
-          </a:ln>
-        </p:spPr>
-        <p:style>
-          <a:lnRef idx="1">
-            <a:schemeClr val="accent1"/>
-          </a:lnRef>
-          <a:fillRef idx="0">
-            <a:schemeClr val="accent1"/>
-          </a:fillRef>
-          <a:effectRef idx="0">
-            <a:schemeClr val="accent1"/>
-          </a:effectRef>
-          <a:fontRef idx="minor">
-            <a:schemeClr val="tx1"/>
-          </a:fontRef>
-        </p:style>
-      </p:cxnSp>
     </p:spTree>
     <p:extLst>
       <p:ext uri="{BB962C8B-B14F-4D97-AF65-F5344CB8AC3E}">
@@ -2945,7 +3824,7 @@
           <a:p>
             <a:r>
               <a:rPr lang="en-US" altLang="ko-KR"/>
-              <a:t>1. Proxy Behavior – Request Forwarding</a:t>
+              <a:t>1. Proxy Behavior – Request Forwarding (1/3)</a:t>
             </a:r>
             <a:endParaRPr lang="ko-KR" altLang="en-US"/>
           </a:p>
@@ -2983,152 +3862,6 @@
       </p:sp>
       <p:sp>
         <p:nvSpPr>
-          <p:cNvPr id="5" name="TextBox 4">
-            <a:extLst>
-              <a:ext uri="{FF2B5EF4-FFF2-40B4-BE49-F238E27FC236}">
-                <a16:creationId xmlns:a16="http://schemas.microsoft.com/office/drawing/2014/main" id="{0F860371-132D-48AB-B71F-7E1F57399A19}"/>
-              </a:ext>
-            </a:extLst>
-          </p:cNvPr>
-          <p:cNvSpPr txBox="1"/>
-          <p:nvPr/>
-        </p:nvSpPr>
-        <p:spPr>
-          <a:xfrm>
-            <a:off x="1035250" y="900463"/>
-            <a:ext cx="8420895" cy="2419893"/>
-          </a:xfrm>
-          <a:prstGeom prst="rect">
-            <a:avLst/>
-          </a:prstGeom>
-          <a:noFill/>
-        </p:spPr>
-        <p:txBody>
-          <a:bodyPr wrap="none" rtlCol="0">
-            <a:spAutoFit/>
-          </a:bodyPr>
-          <a:lstStyle/>
-          <a:p>
-            <a:pPr marL="171450" indent="-171450">
-              <a:lnSpc>
-                <a:spcPct val="200000"/>
-              </a:lnSpc>
-              <a:buFont typeface="Arial" panose="020B0604020202020204" pitchFamily="34" charset="0"/>
-              <a:buChar char="•"/>
-            </a:pPr>
-            <a:r>
-              <a:rPr lang="ko-KR" altLang="en-US" sz="1100"/>
-              <a:t>대상 집합이 비어있지 않으면</a:t>
-            </a:r>
-            <a:r>
-              <a:rPr lang="en-US" altLang="ko-KR" sz="1100"/>
-              <a:t> </a:t>
-            </a:r>
-            <a:r>
-              <a:rPr lang="ko-KR" altLang="en-US" sz="1100"/>
-              <a:t>프록시가 요청을 전달하기 시작할 수 있음</a:t>
-            </a:r>
-            <a:endParaRPr lang="en-US" altLang="ko-KR" sz="1100"/>
-          </a:p>
-          <a:p>
-            <a:pPr marL="171450" indent="-171450">
-              <a:lnSpc>
-                <a:spcPct val="200000"/>
-              </a:lnSpc>
-              <a:buFont typeface="Arial" panose="020B0604020202020204" pitchFamily="34" charset="0"/>
-              <a:buChar char="•"/>
-            </a:pPr>
-            <a:r>
-              <a:rPr lang="en-US" altLang="ko-KR" sz="1100"/>
-              <a:t>stateful </a:t>
-            </a:r>
-            <a:r>
-              <a:rPr lang="ko-KR" altLang="en-US" sz="1100"/>
-              <a:t>프록시는 어떤 순서로든 세트를 처리</a:t>
-            </a:r>
-            <a:endParaRPr lang="en-US" altLang="ko-KR" sz="1100"/>
-          </a:p>
-          <a:p>
-            <a:pPr marL="171450" indent="-171450">
-              <a:lnSpc>
-                <a:spcPct val="200000"/>
-              </a:lnSpc>
-              <a:buFont typeface="Arial" panose="020B0604020202020204" pitchFamily="34" charset="0"/>
-              <a:buChar char="•"/>
-            </a:pPr>
-            <a:r>
-              <a:rPr lang="ko-KR" altLang="en-US" sz="1100"/>
-              <a:t>여러 대상을 순차적으로 처리하여 각 클라이언트 트랜잭션이 다음 트랜잭션을 시작하기 전에 완료되도록 할 수 있음</a:t>
-            </a:r>
-            <a:endParaRPr lang="en-US" altLang="ko-KR" sz="1100"/>
-          </a:p>
-          <a:p>
-            <a:pPr marL="171450" indent="-171450">
-              <a:lnSpc>
-                <a:spcPct val="200000"/>
-              </a:lnSpc>
-              <a:buFont typeface="Arial" panose="020B0604020202020204" pitchFamily="34" charset="0"/>
-              <a:buChar char="•"/>
-            </a:pPr>
-            <a:r>
-              <a:rPr lang="ko-KR" altLang="en-US" sz="1100"/>
-              <a:t>모든 대상과 클라이언트 트랜잭션을 병렬로 시작할 수 있음</a:t>
-            </a:r>
-            <a:endParaRPr lang="en-US" altLang="ko-KR" sz="1100"/>
-          </a:p>
-          <a:p>
-            <a:pPr marL="171450" indent="-171450">
-              <a:lnSpc>
-                <a:spcPct val="200000"/>
-              </a:lnSpc>
-              <a:buFont typeface="Arial" panose="020B0604020202020204" pitchFamily="34" charset="0"/>
-              <a:buChar char="•"/>
-            </a:pPr>
-            <a:r>
-              <a:rPr lang="ko-KR" altLang="en-US" sz="1100"/>
-              <a:t>또한 임의로 집합을 그룹을 나누어 그룹을 순차적으로 처리하고 각 그룹의 대상을 병렬로 처리할 수 도 있음</a:t>
-            </a:r>
-            <a:endParaRPr lang="en-US" altLang="ko-KR" sz="1100"/>
-          </a:p>
-          <a:p>
-            <a:pPr marL="171450" indent="-171450">
-              <a:lnSpc>
-                <a:spcPct val="200000"/>
-              </a:lnSpc>
-              <a:buFont typeface="Arial" panose="020B0604020202020204" pitchFamily="34" charset="0"/>
-              <a:buChar char="•"/>
-            </a:pPr>
-            <a:r>
-              <a:rPr lang="en-US" altLang="ko-KR" sz="1100"/>
-              <a:t>stateful </a:t>
-            </a:r>
-            <a:r>
-              <a:rPr lang="ko-KR" altLang="en-US" sz="1100"/>
-              <a:t>프록시에는 응답이 수신될 때 대상 집합을 유지하고 전달된 각 요청에 대한 응답을 원래 요청과 연결하는 메커니즘이 있어야 함</a:t>
-            </a:r>
-            <a:endParaRPr lang="en-US" altLang="ko-KR" sz="1100"/>
-          </a:p>
-          <a:p>
-            <a:pPr marL="171450" indent="-171450">
-              <a:lnSpc>
-                <a:spcPct val="200000"/>
-              </a:lnSpc>
-              <a:buFont typeface="Arial" panose="020B0604020202020204" pitchFamily="34" charset="0"/>
-              <a:buChar char="•"/>
-            </a:pPr>
-            <a:r>
-              <a:rPr lang="ko-KR" altLang="en-US" sz="1100"/>
-              <a:t>이 모델의 목적상 이 메커니즘은 첫 번째 요청을 전달하기 전에 프록시 계층에서 생성하는 </a:t>
-            </a:r>
-            <a:r>
-              <a:rPr lang="en-US" altLang="ko-KR" sz="1100"/>
-              <a:t>"response context“ </a:t>
-            </a:r>
-          </a:p>
-        </p:txBody>
-      </p:sp>
-      <p:sp>
-        <p:nvSpPr>
           <p:cNvPr id="4" name="TextBox 3">
             <a:extLst>
               <a:ext uri="{FF2B5EF4-FFF2-40B4-BE49-F238E27FC236}">
@@ -3141,8 +3874,8 @@
         </p:nvSpPr>
         <p:spPr>
           <a:xfrm>
-            <a:off x="1035250" y="3534563"/>
-            <a:ext cx="2973891" cy="3000821"/>
+            <a:off x="1286261" y="3063170"/>
+            <a:ext cx="3350597" cy="3323987"/>
           </a:xfrm>
           <a:prstGeom prst="rect">
             <a:avLst/>
@@ -3156,128 +3889,669 @@
           <a:lstStyle/>
           <a:p>
             <a:r>
+              <a:rPr lang="en-US" altLang="ko-KR" sz="1000"/>
+              <a:t>1.  Make a copy of the received request</a:t>
+            </a:r>
+          </a:p>
+          <a:p>
+            <a:r>
+              <a:rPr lang="en-US" altLang="ko-KR" sz="1000"/>
+              <a:t>	</a:t>
+            </a:r>
+          </a:p>
+          <a:p>
+            <a:r>
+              <a:rPr lang="en-US" altLang="ko-KR" sz="1000"/>
+              <a:t>2.  Update the Request-URI</a:t>
+            </a:r>
+          </a:p>
+          <a:p>
+            <a:r>
+              <a:rPr lang="en-US" altLang="ko-KR" sz="1000"/>
+              <a:t>	</a:t>
+            </a:r>
+          </a:p>
+          <a:p>
+            <a:r>
+              <a:rPr lang="en-US" altLang="ko-KR" sz="1000"/>
+              <a:t>3.  Update the Max-Forwards header field</a:t>
+            </a:r>
+          </a:p>
+          <a:p>
+            <a:r>
+              <a:rPr lang="en-US" altLang="ko-KR" sz="1000"/>
+              <a:t>	</a:t>
+            </a:r>
+          </a:p>
+          <a:p>
+            <a:r>
+              <a:rPr lang="en-US" altLang="ko-KR" sz="1000"/>
+              <a:t>4.  Optionally add a Record-route header field value</a:t>
+            </a:r>
+          </a:p>
+          <a:p>
+            <a:r>
+              <a:rPr lang="en-US" altLang="ko-KR" sz="1000"/>
+              <a:t>	</a:t>
+            </a:r>
+          </a:p>
+          <a:p>
+            <a:r>
+              <a:rPr lang="en-US" altLang="ko-KR" sz="1000"/>
+              <a:t>5.  Optionally add additional header fields</a:t>
+            </a:r>
+          </a:p>
+          <a:p>
+            <a:r>
+              <a:rPr lang="en-US" altLang="ko-KR" sz="1000"/>
+              <a:t>	</a:t>
+            </a:r>
+          </a:p>
+          <a:p>
+            <a:r>
+              <a:rPr lang="en-US" altLang="ko-KR" sz="1000"/>
+              <a:t>6.  Postprocess routing information</a:t>
+            </a:r>
+          </a:p>
+          <a:p>
+            <a:r>
+              <a:rPr lang="en-US" altLang="ko-KR" sz="1000"/>
+              <a:t>	</a:t>
+            </a:r>
+          </a:p>
+          <a:p>
+            <a:r>
+              <a:rPr lang="en-US" altLang="ko-KR" sz="1000"/>
+              <a:t>7.  Determine the next-hop address, port, and transport</a:t>
+            </a:r>
+          </a:p>
+          <a:p>
+            <a:r>
+              <a:rPr lang="en-US" altLang="ko-KR" sz="1000"/>
+              <a:t>	</a:t>
+            </a:r>
+          </a:p>
+          <a:p>
+            <a:r>
+              <a:rPr lang="en-US" altLang="ko-KR" sz="1000"/>
+              <a:t>8.  Add a Via header field value</a:t>
+            </a:r>
+          </a:p>
+          <a:p>
+            <a:r>
+              <a:rPr lang="en-US" altLang="ko-KR" sz="1000"/>
+              <a:t>	</a:t>
+            </a:r>
+          </a:p>
+          <a:p>
+            <a:r>
+              <a:rPr lang="en-US" altLang="ko-KR" sz="1000"/>
+              <a:t>9.  Add a Content-Length header field if necessary</a:t>
+            </a:r>
+          </a:p>
+          <a:p>
+            <a:r>
+              <a:rPr lang="en-US" altLang="ko-KR" sz="1000"/>
+              <a:t>	</a:t>
+            </a:r>
+          </a:p>
+          <a:p>
+            <a:r>
+              <a:rPr lang="en-US" altLang="ko-KR" sz="1000"/>
+              <a:t>10. Forward the new request</a:t>
+            </a:r>
+          </a:p>
+          <a:p>
+            <a:r>
+              <a:rPr lang="en-US" altLang="ko-KR" sz="1000"/>
+              <a:t>	</a:t>
+            </a:r>
+          </a:p>
+          <a:p>
+            <a:r>
+              <a:rPr lang="en-US" altLang="ko-KR" sz="1000"/>
+              <a:t>11. Set timer C</a:t>
+            </a:r>
+            <a:endParaRPr lang="ko-KR" altLang="en-US" sz="1000"/>
+          </a:p>
+        </p:txBody>
+      </p:sp>
+      <p:sp>
+        <p:nvSpPr>
+          <p:cNvPr id="6" name="TextBox 5">
+            <a:extLst>
+              <a:ext uri="{FF2B5EF4-FFF2-40B4-BE49-F238E27FC236}">
+                <a16:creationId xmlns:a16="http://schemas.microsoft.com/office/drawing/2014/main" id="{4D675020-2C8E-4D8D-ADCA-93D52CB449E1}"/>
+              </a:ext>
+            </a:extLst>
+          </p:cNvPr>
+          <p:cNvSpPr txBox="1"/>
+          <p:nvPr/>
+        </p:nvSpPr>
+        <p:spPr>
+          <a:xfrm>
+            <a:off x="9606093" y="597481"/>
+            <a:ext cx="2521844" cy="1220847"/>
+          </a:xfrm>
+          <a:prstGeom prst="rect">
+            <a:avLst/>
+          </a:prstGeom>
+          <a:noFill/>
+        </p:spPr>
+        <p:txBody>
+          <a:bodyPr wrap="none" rtlCol="0">
+            <a:spAutoFit/>
+          </a:bodyPr>
+          <a:lstStyle/>
+          <a:p>
+            <a:pPr marL="342900" indent="-342900">
+              <a:lnSpc>
+                <a:spcPct val="150000"/>
+              </a:lnSpc>
+              <a:buAutoNum type="arabicPeriod"/>
+            </a:pPr>
+            <a:r>
+              <a:rPr lang="en-US" altLang="ko-KR" sz="1000">
+                <a:solidFill>
+                  <a:schemeClr val="bg1">
+                    <a:lumMod val="75000"/>
+                  </a:schemeClr>
+                </a:solidFill>
+              </a:rPr>
+              <a:t>Validate the request</a:t>
+            </a:r>
+          </a:p>
+          <a:p>
+            <a:pPr marL="342900" indent="-342900">
+              <a:lnSpc>
+                <a:spcPct val="150000"/>
+              </a:lnSpc>
+              <a:buAutoNum type="arabicPeriod"/>
+            </a:pPr>
+            <a:r>
+              <a:rPr lang="en-US" altLang="ko-KR" sz="1000">
+                <a:solidFill>
+                  <a:schemeClr val="bg1">
+                    <a:lumMod val="75000"/>
+                  </a:schemeClr>
+                </a:solidFill>
+              </a:rPr>
+              <a:t>Preprocess routing information</a:t>
+            </a:r>
+          </a:p>
+          <a:p>
+            <a:pPr marL="342900" indent="-342900">
+              <a:lnSpc>
+                <a:spcPct val="150000"/>
+              </a:lnSpc>
+              <a:buAutoNum type="arabicPeriod"/>
+            </a:pPr>
+            <a:r>
+              <a:rPr lang="en-US" altLang="ko-KR" sz="1000">
+                <a:solidFill>
+                  <a:schemeClr val="bg1">
+                    <a:lumMod val="75000"/>
+                  </a:schemeClr>
+                </a:solidFill>
+              </a:rPr>
+              <a:t>Determine target for the request</a:t>
+            </a:r>
+          </a:p>
+          <a:p>
+            <a:pPr marL="342900" indent="-342900">
+              <a:lnSpc>
+                <a:spcPct val="150000"/>
+              </a:lnSpc>
+              <a:buAutoNum type="arabicPeriod"/>
+            </a:pPr>
+            <a:r>
+              <a:rPr lang="en-US" altLang="ko-KR" sz="1000" b="1"/>
+              <a:t>Forward the request to each target</a:t>
+            </a:r>
+          </a:p>
+          <a:p>
+            <a:pPr marL="342900" indent="-342900">
+              <a:lnSpc>
+                <a:spcPct val="150000"/>
+              </a:lnSpc>
+              <a:buAutoNum type="arabicPeriod"/>
+            </a:pPr>
+            <a:r>
+              <a:rPr lang="en-US" altLang="ko-KR" sz="1000">
+                <a:solidFill>
+                  <a:schemeClr val="bg1">
+                    <a:lumMod val="75000"/>
+                  </a:schemeClr>
+                </a:solidFill>
+              </a:rPr>
+              <a:t>Process all responses</a:t>
+            </a:r>
+          </a:p>
+        </p:txBody>
+      </p:sp>
+      <p:sp>
+        <p:nvSpPr>
+          <p:cNvPr id="7" name="TextBox 6">
+            <a:extLst>
+              <a:ext uri="{FF2B5EF4-FFF2-40B4-BE49-F238E27FC236}">
+                <a16:creationId xmlns:a16="http://schemas.microsoft.com/office/drawing/2014/main" id="{32228816-448C-4526-B0D6-5FE6DE22AE22}"/>
+              </a:ext>
+            </a:extLst>
+          </p:cNvPr>
+          <p:cNvSpPr txBox="1"/>
+          <p:nvPr/>
+        </p:nvSpPr>
+        <p:spPr>
+          <a:xfrm>
+            <a:off x="1035250" y="1007181"/>
+            <a:ext cx="7204216" cy="1892826"/>
+          </a:xfrm>
+          <a:prstGeom prst="rect">
+            <a:avLst/>
+          </a:prstGeom>
+          <a:noFill/>
+        </p:spPr>
+        <p:txBody>
+          <a:bodyPr wrap="none" rtlCol="0">
+            <a:spAutoFit/>
+          </a:bodyPr>
+          <a:lstStyle/>
+          <a:p>
+            <a:pPr>
+              <a:lnSpc>
+                <a:spcPct val="200000"/>
+              </a:lnSpc>
+            </a:pPr>
+            <a:r>
+              <a:rPr lang="en-US" altLang="ko-KR" sz="1200" b="1"/>
+              <a:t>target set</a:t>
+            </a:r>
+            <a:r>
+              <a:rPr lang="en-US" altLang="ko-KR" sz="1200"/>
+              <a:t> </a:t>
+            </a:r>
+            <a:r>
+              <a:rPr lang="ko-KR" altLang="en-US" sz="1200"/>
+              <a:t>이 결정되면</a:t>
+            </a:r>
+            <a:r>
+              <a:rPr lang="en-US" altLang="ko-KR" sz="1200"/>
+              <a:t>, </a:t>
+            </a:r>
+            <a:r>
+              <a:rPr lang="ko-KR" altLang="en-US" sz="1200"/>
+              <a:t>요청 메시지를 </a:t>
+            </a:r>
+            <a:r>
+              <a:rPr lang="en-US" altLang="ko-KR" sz="1200"/>
+              <a:t>target set </a:t>
+            </a:r>
+            <a:r>
+              <a:rPr lang="ko-KR" altLang="en-US" sz="1200"/>
+              <a:t>으로 전송해야 하며</a:t>
+            </a:r>
+            <a:r>
+              <a:rPr lang="en-US" altLang="ko-KR" sz="1200"/>
+              <a:t>, target set </a:t>
+            </a:r>
+            <a:r>
+              <a:rPr lang="ko-KR" altLang="en-US" sz="1200"/>
+              <a:t>을 </a:t>
+            </a:r>
+            <a:r>
+              <a:rPr lang="ko-KR" altLang="en-US" sz="1200" u="sng"/>
+              <a:t>임의의 순서로 처리 가능</a:t>
+            </a:r>
+            <a:endParaRPr lang="en-US" altLang="ko-KR" sz="1200" u="sng"/>
+          </a:p>
+          <a:p>
+            <a:pPr marL="171450" indent="-171450">
+              <a:lnSpc>
+                <a:spcPct val="200000"/>
+              </a:lnSpc>
+              <a:buFont typeface="Arial" panose="020B0604020202020204" pitchFamily="34" charset="0"/>
+              <a:buChar char="•"/>
+            </a:pPr>
+            <a:r>
+              <a:rPr lang="en-US" altLang="ko-KR" sz="1200"/>
+              <a:t>target set </a:t>
+            </a:r>
+            <a:r>
+              <a:rPr lang="ko-KR" altLang="en-US" sz="1200"/>
+              <a:t>을 순차적으로 처리</a:t>
+            </a:r>
+            <a:endParaRPr lang="en-US" altLang="ko-KR" sz="1200"/>
+          </a:p>
+          <a:p>
+            <a:pPr marL="171450" indent="-171450">
+              <a:lnSpc>
+                <a:spcPct val="200000"/>
+              </a:lnSpc>
+              <a:buFont typeface="Arial" panose="020B0604020202020204" pitchFamily="34" charset="0"/>
+              <a:buChar char="•"/>
+            </a:pPr>
+            <a:r>
+              <a:rPr lang="ko-KR" altLang="en-US" sz="1200"/>
+              <a:t>모든 </a:t>
+            </a:r>
+            <a:r>
+              <a:rPr lang="en-US" altLang="ko-KR" sz="1200"/>
+              <a:t>target set </a:t>
+            </a:r>
+            <a:r>
+              <a:rPr lang="ko-KR" altLang="en-US" sz="1200"/>
+              <a:t>을 가지고 </a:t>
+            </a:r>
+            <a:r>
+              <a:rPr lang="en-US" altLang="ko-KR" sz="1200" b="1"/>
+              <a:t>client transaction </a:t>
+            </a:r>
+            <a:r>
+              <a:rPr lang="ko-KR" altLang="en-US" sz="1200"/>
+              <a:t>들을 </a:t>
+            </a:r>
+            <a:r>
+              <a:rPr lang="ko-KR" altLang="en-US" sz="1200" b="1"/>
+              <a:t>병렬</a:t>
+            </a:r>
+            <a:r>
+              <a:rPr lang="ko-KR" altLang="en-US" sz="1200"/>
+              <a:t>로 처리</a:t>
+            </a:r>
+            <a:endParaRPr lang="en-US" altLang="ko-KR" sz="1200"/>
+          </a:p>
+          <a:p>
+            <a:pPr marL="171450" indent="-171450">
+              <a:lnSpc>
+                <a:spcPct val="200000"/>
+              </a:lnSpc>
+              <a:buFont typeface="Arial" panose="020B0604020202020204" pitchFamily="34" charset="0"/>
+              <a:buChar char="•"/>
+            </a:pPr>
+            <a:r>
+              <a:rPr lang="en-US" altLang="ko-KR" sz="1200"/>
+              <a:t>target set </a:t>
+            </a:r>
+            <a:r>
+              <a:rPr lang="ko-KR" altLang="en-US" sz="1200"/>
+              <a:t>을 </a:t>
+            </a:r>
+            <a:r>
+              <a:rPr lang="ko-KR" altLang="en-US" sz="1200" b="1"/>
+              <a:t>그룹</a:t>
+            </a:r>
+            <a:r>
+              <a:rPr lang="ko-KR" altLang="en-US" sz="1200"/>
+              <a:t>으로 나누고 그룹을 순차적으로</a:t>
+            </a:r>
+            <a:r>
+              <a:rPr lang="en-US" altLang="ko-KR" sz="1200"/>
+              <a:t>, </a:t>
+            </a:r>
+            <a:r>
+              <a:rPr lang="ko-KR" altLang="en-US" sz="1200"/>
+              <a:t>그룹 내 </a:t>
+            </a:r>
+            <a:r>
+              <a:rPr lang="en-US" altLang="ko-KR" sz="1200"/>
+              <a:t>target </a:t>
+            </a:r>
+            <a:r>
+              <a:rPr lang="ko-KR" altLang="en-US" sz="1200"/>
+              <a:t>들을 </a:t>
+            </a:r>
+            <a:r>
+              <a:rPr lang="ko-KR" altLang="en-US" sz="1200" b="1"/>
+              <a:t>병렬</a:t>
+            </a:r>
+            <a:r>
+              <a:rPr lang="ko-KR" altLang="en-US" sz="1200"/>
+              <a:t>로 처리</a:t>
+            </a:r>
+            <a:endParaRPr lang="en-US" altLang="ko-KR" sz="1200"/>
+          </a:p>
+          <a:p>
+            <a:pPr>
+              <a:lnSpc>
+                <a:spcPct val="200000"/>
+              </a:lnSpc>
+            </a:pPr>
+            <a:r>
+              <a:rPr lang="ko-KR" altLang="en-US" sz="1200" b="1"/>
+              <a:t>각 </a:t>
+            </a:r>
+            <a:r>
+              <a:rPr lang="en-US" altLang="ko-KR" sz="1200" b="1"/>
+              <a:t>target </a:t>
+            </a:r>
+            <a:r>
+              <a:rPr lang="ko-KR" altLang="en-US" sz="1200" b="1"/>
+              <a:t>에 대해 요청을 </a:t>
+            </a:r>
+            <a:r>
+              <a:rPr lang="ko-KR" altLang="en-US" sz="1200" b="1">
+                <a:latin typeface="+mj-ea"/>
+                <a:ea typeface="+mj-ea"/>
+              </a:rPr>
+              <a:t>전달</a:t>
+            </a:r>
+            <a:r>
+              <a:rPr lang="ko-KR" altLang="en-US" sz="1200" b="1"/>
+              <a:t>하는 단계</a:t>
+            </a:r>
+            <a:r>
+              <a:rPr lang="en-US" altLang="ko-KR" sz="1200" b="1"/>
+              <a:t>:</a:t>
+            </a:r>
+          </a:p>
+        </p:txBody>
+      </p:sp>
+      <p:cxnSp>
+        <p:nvCxnSpPr>
+          <p:cNvPr id="8" name="연결선: 꺾임 7">
+            <a:extLst>
+              <a:ext uri="{FF2B5EF4-FFF2-40B4-BE49-F238E27FC236}">
+                <a16:creationId xmlns:a16="http://schemas.microsoft.com/office/drawing/2014/main" id="{7BAFD342-2077-4521-BB15-61375FCCF683}"/>
+              </a:ext>
+            </a:extLst>
+          </p:cNvPr>
+          <p:cNvCxnSpPr>
+            <a:cxnSpLocks/>
+            <a:endCxn id="9" idx="1"/>
+          </p:cNvCxnSpPr>
+          <p:nvPr/>
+        </p:nvCxnSpPr>
+        <p:spPr>
+          <a:xfrm rot="16200000" flipH="1">
+            <a:off x="6638839" y="1815550"/>
+            <a:ext cx="1248180" cy="299320"/>
+          </a:xfrm>
+          <a:prstGeom prst="bentConnector2">
+            <a:avLst/>
+          </a:prstGeom>
+          <a:ln w="3175">
+            <a:solidFill>
+              <a:schemeClr val="tx1"/>
+            </a:solidFill>
+          </a:ln>
+        </p:spPr>
+        <p:style>
+          <a:lnRef idx="1">
+            <a:schemeClr val="accent1"/>
+          </a:lnRef>
+          <a:fillRef idx="0">
+            <a:schemeClr val="accent1"/>
+          </a:fillRef>
+          <a:effectRef idx="0">
+            <a:schemeClr val="accent1"/>
+          </a:effectRef>
+          <a:fontRef idx="minor">
+            <a:schemeClr val="tx1"/>
+          </a:fontRef>
+        </p:style>
+      </p:cxnSp>
+      <p:sp>
+        <p:nvSpPr>
+          <p:cNvPr id="9" name="TextBox 8">
+            <a:extLst>
+              <a:ext uri="{FF2B5EF4-FFF2-40B4-BE49-F238E27FC236}">
+                <a16:creationId xmlns:a16="http://schemas.microsoft.com/office/drawing/2014/main" id="{8124E639-E449-4317-A690-B66E31475FD7}"/>
+              </a:ext>
+            </a:extLst>
+          </p:cNvPr>
+          <p:cNvSpPr txBox="1"/>
+          <p:nvPr/>
+        </p:nvSpPr>
+        <p:spPr>
+          <a:xfrm>
+            <a:off x="7412589" y="2335384"/>
+            <a:ext cx="4246675" cy="507831"/>
+          </a:xfrm>
+          <a:prstGeom prst="rect">
+            <a:avLst/>
+          </a:prstGeom>
+          <a:solidFill>
+            <a:schemeClr val="bg1"/>
+          </a:solidFill>
+          <a:ln>
+            <a:solidFill>
+              <a:schemeClr val="tx1"/>
+            </a:solidFill>
+          </a:ln>
+        </p:spPr>
+        <p:txBody>
+          <a:bodyPr wrap="none" rtlCol="0">
+            <a:spAutoFit/>
+          </a:bodyPr>
+          <a:lstStyle/>
+          <a:p>
+            <a:r>
+              <a:rPr lang="ko-KR" altLang="en-US" sz="900"/>
+              <a:t>일반적인 순서 지정 메커니즘은 </a:t>
+            </a:r>
+            <a:r>
+              <a:rPr lang="en-US" altLang="ko-KR" sz="900" b="1"/>
+              <a:t>Contact</a:t>
+            </a:r>
+            <a:r>
               <a:rPr lang="en-US" altLang="ko-KR" sz="900"/>
-              <a:t>1.  Make a copy of the received request</a:t>
-            </a:r>
-          </a:p>
-          <a:p>
+              <a:t> </a:t>
+            </a:r>
+            <a:r>
+              <a:rPr lang="ko-KR" altLang="en-US" sz="900"/>
+              <a:t>헤더 필드에서 얻은 </a:t>
+            </a:r>
             <a:r>
               <a:rPr lang="en-US" altLang="ko-KR" sz="900"/>
-              <a:t>	</a:t>
-            </a:r>
-          </a:p>
-          <a:p>
+              <a:t>target </a:t>
+            </a:r>
+            <a:r>
+              <a:rPr lang="ko-KR" altLang="en-US" sz="900"/>
+              <a:t>의 </a:t>
+            </a:r>
+            <a:r>
+              <a:rPr lang="en-US" altLang="ko-KR" sz="900" b="1"/>
+              <a:t>“</a:t>
+            </a:r>
+            <a:r>
+              <a:rPr lang="en-US" altLang="ko-KR" sz="900" b="1">
+                <a:solidFill>
+                  <a:schemeClr val="accent4">
+                    <a:lumMod val="50000"/>
+                  </a:schemeClr>
+                </a:solidFill>
+              </a:rPr>
+              <a:t>q</a:t>
+            </a:r>
+            <a:r>
+              <a:rPr lang="en-US" altLang="ko-KR" sz="900" b="1"/>
+              <a:t>”</a:t>
+            </a:r>
             <a:r>
               <a:rPr lang="en-US" altLang="ko-KR" sz="900"/>
-              <a:t>2.  Update the Request-URI</a:t>
-            </a:r>
-          </a:p>
-          <a:p>
-            <a:r>
+              <a:t> </a:t>
+            </a:r>
+            <a:r>
+              <a:rPr lang="ko-KR" altLang="en-US" sz="900"/>
+              <a:t>파라미터</a:t>
+            </a:r>
+            <a:br>
               <a:rPr lang="en-US" altLang="ko-KR" sz="900"/>
-              <a:t>	</a:t>
-            </a:r>
-          </a:p>
-          <a:p>
+            </a:br>
+            <a:r>
+              <a:rPr lang="ko-KR" altLang="en-US" sz="900"/>
+              <a:t>를 사용하는 것이다</a:t>
+            </a:r>
             <a:r>
               <a:rPr lang="en-US" altLang="ko-KR" sz="900"/>
-              <a:t>3.  Update the Max-Forwards header field</a:t>
-            </a:r>
-          </a:p>
-          <a:p>
+              <a:t>. target </a:t>
+            </a:r>
+            <a:r>
+              <a:rPr lang="ko-KR" altLang="en-US" sz="900"/>
+              <a:t>은 가장 높은 </a:t>
+            </a:r>
+            <a:r>
+              <a:rPr lang="en-US" altLang="ko-KR" sz="900" b="1"/>
+              <a:t>“</a:t>
+            </a:r>
+            <a:r>
+              <a:rPr lang="en-US" altLang="ko-KR" sz="900" b="1">
+                <a:solidFill>
+                  <a:schemeClr val="accent4">
+                    <a:lumMod val="50000"/>
+                  </a:schemeClr>
+                </a:solidFill>
+              </a:rPr>
+              <a:t>q</a:t>
+            </a:r>
+            <a:r>
+              <a:rPr lang="en-US" altLang="ko-KR" sz="900" b="1"/>
+              <a:t>”</a:t>
+            </a:r>
             <a:r>
               <a:rPr lang="en-US" altLang="ko-KR" sz="900"/>
-              <a:t>	</a:t>
-            </a:r>
-          </a:p>
-          <a:p>
+              <a:t> </a:t>
+            </a:r>
+            <a:r>
+              <a:rPr lang="ko-KR" altLang="en-US" sz="900"/>
+              <a:t>값부터 가장 낮은 값까지 처리된다</a:t>
+            </a:r>
             <a:r>
               <a:rPr lang="en-US" altLang="ko-KR" sz="900"/>
-              <a:t>4.  Optionally add a Record-route header field value</a:t>
-            </a:r>
-          </a:p>
-          <a:p>
-            <a:r>
+              <a:t>.</a:t>
+            </a:r>
+            <a:br>
               <a:rPr lang="en-US" altLang="ko-KR" sz="900"/>
-              <a:t>	</a:t>
-            </a:r>
-          </a:p>
-          <a:p>
+            </a:br>
+            <a:r>
+              <a:rPr lang="en-US" altLang="ko-KR" sz="900" b="1"/>
+              <a:t>“</a:t>
+            </a:r>
+            <a:r>
+              <a:rPr lang="en-US" altLang="ko-KR" sz="900" b="1">
+                <a:solidFill>
+                  <a:schemeClr val="accent4">
+                    <a:lumMod val="50000"/>
+                  </a:schemeClr>
+                </a:solidFill>
+              </a:rPr>
+              <a:t>q</a:t>
+            </a:r>
+            <a:r>
+              <a:rPr lang="en-US" altLang="ko-KR" sz="900" b="1"/>
+              <a:t>”</a:t>
+            </a:r>
             <a:r>
               <a:rPr lang="en-US" altLang="ko-KR" sz="900"/>
-              <a:t>5.  Optionally add additional header fields</a:t>
-            </a:r>
-          </a:p>
-          <a:p>
+              <a:t> </a:t>
+            </a:r>
+            <a:r>
+              <a:rPr lang="ko-KR" altLang="en-US" sz="900"/>
+              <a:t>값이 동일한 경우 병렬로 처리될 수 있다</a:t>
+            </a:r>
             <a:r>
               <a:rPr lang="en-US" altLang="ko-KR" sz="900"/>
-              <a:t>	</a:t>
-            </a:r>
-          </a:p>
-          <a:p>
-            <a:r>
-              <a:rPr lang="en-US" altLang="ko-KR" sz="900"/>
-              <a:t>6.  Postprocess routing information</a:t>
-            </a:r>
-          </a:p>
-          <a:p>
-            <a:r>
-              <a:rPr lang="en-US" altLang="ko-KR" sz="900"/>
-              <a:t>	</a:t>
-            </a:r>
-          </a:p>
-          <a:p>
-            <a:r>
-              <a:rPr lang="en-US" altLang="ko-KR" sz="900"/>
-              <a:t>7.  Determine the next-hop address, port, and transport</a:t>
-            </a:r>
-          </a:p>
-          <a:p>
-            <a:r>
-              <a:rPr lang="en-US" altLang="ko-KR" sz="900"/>
-              <a:t>	</a:t>
-            </a:r>
-          </a:p>
-          <a:p>
-            <a:r>
-              <a:rPr lang="en-US" altLang="ko-KR" sz="900"/>
-              <a:t>8.  Add a Via header field value</a:t>
-            </a:r>
-          </a:p>
-          <a:p>
-            <a:r>
-              <a:rPr lang="en-US" altLang="ko-KR" sz="900"/>
-              <a:t>	</a:t>
-            </a:r>
-          </a:p>
-          <a:p>
-            <a:r>
-              <a:rPr lang="en-US" altLang="ko-KR" sz="900"/>
-              <a:t>9.  Add a Content-Length header field if necessary</a:t>
-            </a:r>
-          </a:p>
-          <a:p>
-            <a:r>
-              <a:rPr lang="en-US" altLang="ko-KR" sz="900"/>
-              <a:t>	</a:t>
-            </a:r>
-          </a:p>
-          <a:p>
-            <a:r>
-              <a:rPr lang="en-US" altLang="ko-KR" sz="900"/>
-              <a:t>10. Forward the new request</a:t>
-            </a:r>
-          </a:p>
-          <a:p>
-            <a:r>
-              <a:rPr lang="en-US" altLang="ko-KR" sz="900"/>
-              <a:t>	</a:t>
-            </a:r>
-          </a:p>
-          <a:p>
-            <a:r>
-              <a:rPr lang="en-US" altLang="ko-KR" sz="900"/>
-              <a:t>11. Set timer C</a:t>
+              <a:t>.</a:t>
             </a:r>
             <a:endParaRPr lang="ko-KR" altLang="en-US" sz="900"/>
           </a:p>
@@ -3341,7 +4615,7 @@
           <a:p>
             <a:r>
               <a:rPr lang="en-US" altLang="ko-KR"/>
-              <a:t>1. Proxy Behavior – Request Forwarding</a:t>
+              <a:t>1. Proxy Behavior – Request Forwarding (2/3)</a:t>
             </a:r>
             <a:endParaRPr lang="ko-KR" altLang="en-US"/>
           </a:p>
@@ -3379,10 +4653,10 @@
       </p:sp>
       <p:sp>
         <p:nvSpPr>
-          <p:cNvPr id="5" name="TextBox 4">
+          <p:cNvPr id="10" name="TextBox 9">
             <a:extLst>
               <a:ext uri="{FF2B5EF4-FFF2-40B4-BE49-F238E27FC236}">
-                <a16:creationId xmlns:a16="http://schemas.microsoft.com/office/drawing/2014/main" id="{0F860371-132D-48AB-B71F-7E1F57399A19}"/>
+                <a16:creationId xmlns:a16="http://schemas.microsoft.com/office/drawing/2014/main" id="{7F6ADE19-5476-4B15-8BAD-5EBD69DCD3A7}"/>
               </a:ext>
             </a:extLst>
           </p:cNvPr>
@@ -3391,8 +4665,8 @@
         </p:nvSpPr>
         <p:spPr>
           <a:xfrm>
-            <a:off x="1035250" y="1372668"/>
-            <a:ext cx="9905276" cy="4112664"/>
+            <a:off x="1035250" y="936339"/>
+            <a:ext cx="10136108" cy="2323713"/>
           </a:xfrm>
           <a:prstGeom prst="rect">
             <a:avLst/>
@@ -3411,264 +4685,606 @@
               </a:lnSpc>
             </a:pPr>
             <a:r>
+              <a:rPr lang="ko-KR" altLang="en-US" sz="1400">
+                <a:solidFill>
+                  <a:schemeClr val="accent3">
+                    <a:lumMod val="50000"/>
+                  </a:schemeClr>
+                </a:solidFill>
+                <a:latin typeface="+mj-ea"/>
+                <a:ea typeface="+mj-ea"/>
+              </a:rPr>
+              <a:t>요청 메시지의 헤더 처리 방법</a:t>
+            </a:r>
+            <a:endParaRPr lang="en-US" altLang="ko-KR" sz="1400">
+              <a:solidFill>
+                <a:schemeClr val="accent3">
+                  <a:lumMod val="50000"/>
+                </a:schemeClr>
+              </a:solidFill>
+              <a:latin typeface="+mj-ea"/>
+              <a:ea typeface="+mj-ea"/>
+            </a:endParaRPr>
+          </a:p>
+          <a:p>
+            <a:pPr marL="171450" indent="-171450">
+              <a:lnSpc>
+                <a:spcPct val="200000"/>
+              </a:lnSpc>
+              <a:buFont typeface="Arial" panose="020B0604020202020204" pitchFamily="34" charset="0"/>
+              <a:buChar char="•"/>
+            </a:pPr>
+            <a:r>
+              <a:rPr lang="ko-KR" altLang="en-US" sz="1200"/>
+              <a:t>수신된 요청의 </a:t>
+            </a:r>
+            <a:r>
+              <a:rPr lang="ko-KR" altLang="en-US" sz="1200" b="1"/>
+              <a:t>복사본</a:t>
+            </a:r>
+            <a:r>
+              <a:rPr lang="ko-KR" altLang="en-US" sz="1200"/>
+              <a:t>으로 시작</a:t>
+            </a:r>
+            <a:r>
+              <a:rPr lang="en-US" altLang="ko-KR" sz="1200"/>
+              <a:t>, </a:t>
+            </a:r>
+            <a:r>
+              <a:rPr lang="ko-KR" altLang="en-US" sz="1200"/>
+              <a:t>복사본에는 수신된 요청의 </a:t>
+            </a:r>
+            <a:r>
+              <a:rPr lang="ko-KR" altLang="en-US" sz="1200" b="1">
+                <a:solidFill>
+                  <a:srgbClr val="002060"/>
+                </a:solidFill>
+              </a:rPr>
+              <a:t>모든 헤더 필드가 포함</a:t>
+            </a:r>
+            <a:r>
+              <a:rPr lang="ko-KR" altLang="en-US" sz="1200"/>
+              <a:t>되어야 함 </a:t>
+            </a:r>
+            <a:r>
+              <a:rPr lang="en-US" altLang="ko-KR" sz="1200">
+                <a:solidFill>
+                  <a:srgbClr val="0000FF"/>
+                </a:solidFill>
+              </a:rPr>
+              <a:t>(</a:t>
+            </a:r>
+            <a:r>
+              <a:rPr lang="ko-KR" altLang="en-US" sz="1200">
+                <a:solidFill>
+                  <a:srgbClr val="0000FF"/>
+                </a:solidFill>
+              </a:rPr>
+              <a:t>순서 유지해야 하며</a:t>
+            </a:r>
+            <a:r>
+              <a:rPr lang="en-US" altLang="ko-KR" sz="1200">
+                <a:solidFill>
+                  <a:srgbClr val="0000FF"/>
+                </a:solidFill>
+              </a:rPr>
+              <a:t>, </a:t>
+            </a:r>
+            <a:r>
+              <a:rPr lang="en-US" altLang="ko-KR" sz="1200" b="1">
+                <a:solidFill>
+                  <a:srgbClr val="0000FF"/>
+                </a:solidFill>
+              </a:rPr>
+              <a:t>body</a:t>
+            </a:r>
+            <a:r>
+              <a:rPr lang="ko-KR" altLang="en-US" sz="1200">
+                <a:solidFill>
+                  <a:srgbClr val="0000FF"/>
+                </a:solidFill>
+              </a:rPr>
+              <a:t> 를 추가</a:t>
+            </a:r>
+            <a:r>
+              <a:rPr lang="en-US" altLang="ko-KR" sz="1200">
+                <a:solidFill>
+                  <a:srgbClr val="0000FF"/>
+                </a:solidFill>
+              </a:rPr>
+              <a:t>, </a:t>
+            </a:r>
+            <a:r>
+              <a:rPr lang="ko-KR" altLang="en-US" sz="1200">
+                <a:solidFill>
+                  <a:srgbClr val="0000FF"/>
+                </a:solidFill>
+              </a:rPr>
+              <a:t>수정</a:t>
+            </a:r>
+            <a:r>
+              <a:rPr lang="en-US" altLang="ko-KR" sz="1200">
+                <a:solidFill>
+                  <a:srgbClr val="0000FF"/>
+                </a:solidFill>
+              </a:rPr>
+              <a:t>, </a:t>
+            </a:r>
+            <a:r>
+              <a:rPr lang="ko-KR" altLang="en-US" sz="1200">
+                <a:solidFill>
+                  <a:srgbClr val="0000FF"/>
+                </a:solidFill>
+              </a:rPr>
+              <a:t>제거를 하면 안됨</a:t>
+            </a:r>
+            <a:r>
+              <a:rPr lang="en-US" altLang="ko-KR" sz="1200">
+                <a:solidFill>
+                  <a:srgbClr val="0000FF"/>
+                </a:solidFill>
+              </a:rPr>
+              <a:t>)</a:t>
+            </a:r>
+          </a:p>
+          <a:p>
+            <a:pPr marL="171450" indent="-171450">
+              <a:lnSpc>
+                <a:spcPct val="200000"/>
+              </a:lnSpc>
+              <a:buFont typeface="Arial" panose="020B0604020202020204" pitchFamily="34" charset="0"/>
+              <a:buChar char="•"/>
+            </a:pPr>
+            <a:r>
+              <a:rPr lang="ko-KR" altLang="en-US" sz="1200"/>
+              <a:t>복사본의 </a:t>
+            </a:r>
+            <a:r>
+              <a:rPr lang="en-US" altLang="ko-KR" sz="1200"/>
+              <a:t>Request-URI </a:t>
+            </a:r>
+            <a:r>
+              <a:rPr lang="ko-KR" altLang="en-US" sz="1200"/>
+              <a:t>는 </a:t>
+            </a:r>
+            <a:r>
+              <a:rPr lang="en-US" altLang="ko-KR" sz="1200"/>
+              <a:t>target set </a:t>
+            </a:r>
+            <a:r>
+              <a:rPr lang="ko-KR" altLang="en-US" sz="1200"/>
+              <a:t>의 </a:t>
+            </a:r>
+            <a:r>
+              <a:rPr lang="en-US" altLang="ko-KR" sz="1200"/>
+              <a:t>URI </a:t>
+            </a:r>
+            <a:r>
+              <a:rPr lang="ko-KR" altLang="en-US" sz="1200"/>
+              <a:t>값으로 대체</a:t>
+            </a:r>
+            <a:r>
+              <a:rPr lang="en-US" altLang="ko-KR" sz="1200"/>
+              <a:t> </a:t>
+            </a:r>
+            <a:r>
+              <a:rPr lang="en-US" altLang="ko-KR" sz="1200">
+                <a:solidFill>
+                  <a:srgbClr val="0000FF"/>
+                </a:solidFill>
+              </a:rPr>
+              <a:t>(Request-URI </a:t>
+            </a:r>
+            <a:r>
+              <a:rPr lang="ko-KR" altLang="en-US" sz="1200">
+                <a:solidFill>
+                  <a:srgbClr val="0000FF"/>
+                </a:solidFill>
+              </a:rPr>
+              <a:t>에 허용되지 않는 파라미터들은 제거</a:t>
+            </a:r>
+            <a:r>
+              <a:rPr lang="en-US" altLang="ko-KR" sz="1200">
+                <a:solidFill>
+                  <a:srgbClr val="0000FF"/>
+                </a:solidFill>
+              </a:rPr>
+              <a:t>)</a:t>
+            </a:r>
+          </a:p>
+          <a:p>
+            <a:pPr marL="171450" indent="-171450">
+              <a:lnSpc>
+                <a:spcPct val="200000"/>
+              </a:lnSpc>
+              <a:buFont typeface="Arial" panose="020B0604020202020204" pitchFamily="34" charset="0"/>
+              <a:buChar char="•"/>
+            </a:pPr>
+            <a:r>
+              <a:rPr lang="ko-KR" altLang="en-US" sz="1200"/>
+              <a:t>복사본의 </a:t>
+            </a:r>
+            <a:r>
+              <a:rPr lang="en-US" altLang="ko-KR" sz="1200" b="1">
+                <a:solidFill>
+                  <a:srgbClr val="002060"/>
+                </a:solidFill>
+              </a:rPr>
+              <a:t>Max-Forwards</a:t>
+            </a:r>
+            <a:r>
+              <a:rPr lang="en-US" altLang="ko-KR" sz="1200"/>
+              <a:t> </a:t>
+            </a:r>
+            <a:r>
+              <a:rPr lang="ko-KR" altLang="en-US" sz="1200"/>
+              <a:t>값은 </a:t>
+            </a:r>
+            <a:r>
+              <a:rPr lang="en-US" altLang="ko-KR" sz="1200"/>
+              <a:t>1 </a:t>
+            </a:r>
+            <a:r>
+              <a:rPr lang="ko-KR" altLang="en-US" sz="1200"/>
+              <a:t>감소</a:t>
+            </a:r>
+            <a:r>
+              <a:rPr lang="ko-KR" altLang="en-US" sz="1200">
+                <a:solidFill>
+                  <a:schemeClr val="bg2">
+                    <a:lumMod val="50000"/>
+                  </a:schemeClr>
+                </a:solidFill>
+              </a:rPr>
+              <a:t> </a:t>
+            </a:r>
+            <a:r>
+              <a:rPr lang="en-US" altLang="ko-KR" sz="1200">
+                <a:solidFill>
+                  <a:srgbClr val="0000FF"/>
+                </a:solidFill>
+              </a:rPr>
+              <a:t>(Max-Forwards </a:t>
+            </a:r>
+            <a:r>
+              <a:rPr lang="ko-KR" altLang="en-US" sz="1200">
+                <a:solidFill>
+                  <a:srgbClr val="0000FF"/>
+                </a:solidFill>
+              </a:rPr>
+              <a:t>헤더가 없는 경우 값을 </a:t>
+            </a:r>
+            <a:r>
+              <a:rPr lang="en-US" altLang="ko-KR" sz="1200">
+                <a:solidFill>
+                  <a:srgbClr val="0000FF"/>
+                </a:solidFill>
+              </a:rPr>
+              <a:t>default </a:t>
+            </a:r>
+            <a:r>
+              <a:rPr lang="ko-KR" altLang="en-US" sz="1200">
+                <a:solidFill>
+                  <a:srgbClr val="0000FF"/>
+                </a:solidFill>
+              </a:rPr>
+              <a:t>값인 </a:t>
+            </a:r>
+            <a:r>
+              <a:rPr lang="en-US" altLang="ko-KR" sz="1200" b="1">
+                <a:solidFill>
+                  <a:srgbClr val="0000FF"/>
+                </a:solidFill>
+              </a:rPr>
+              <a:t>70</a:t>
+            </a:r>
+            <a:r>
+              <a:rPr lang="ko-KR" altLang="en-US" sz="1200">
+                <a:solidFill>
+                  <a:srgbClr val="0000FF"/>
+                </a:solidFill>
+              </a:rPr>
+              <a:t> 으로 추가</a:t>
+            </a:r>
+            <a:r>
+              <a:rPr lang="en-US" altLang="ko-KR" sz="1200">
+                <a:solidFill>
+                  <a:srgbClr val="0000FF"/>
+                </a:solidFill>
+              </a:rPr>
+              <a:t>)</a:t>
+            </a:r>
+          </a:p>
+          <a:p>
+            <a:pPr marL="171450" indent="-171450">
+              <a:lnSpc>
+                <a:spcPct val="200000"/>
+              </a:lnSpc>
+              <a:buFont typeface="Arial" panose="020B0604020202020204" pitchFamily="34" charset="0"/>
+              <a:buChar char="•"/>
+            </a:pPr>
+            <a:r>
+              <a:rPr lang="ko-KR" altLang="en-US" sz="1200"/>
+              <a:t>프록시가 이 요청에 의해 생성된 다이얼로그에서 </a:t>
+            </a:r>
+            <a:r>
+              <a:rPr lang="ko-KR" altLang="en-US" sz="1200" b="1"/>
+              <a:t>향후 요청의 경로를 유지하려면</a:t>
+            </a:r>
+            <a:r>
+              <a:rPr lang="ko-KR" altLang="en-US" sz="1200"/>
+              <a:t> </a:t>
+            </a:r>
+            <a:r>
+              <a:rPr lang="en-US" altLang="ko-KR" sz="1200" b="1">
+                <a:solidFill>
+                  <a:srgbClr val="002060"/>
+                </a:solidFill>
+              </a:rPr>
+              <a:t>Record-Route</a:t>
+            </a:r>
+            <a:r>
+              <a:rPr lang="en-US" altLang="ko-KR" sz="1200"/>
+              <a:t> </a:t>
+            </a:r>
+            <a:r>
+              <a:rPr lang="ko-KR" altLang="en-US" sz="1200"/>
+              <a:t>헤더에 값을 추가</a:t>
+            </a:r>
+            <a:endParaRPr lang="en-US" altLang="ko-KR" sz="1200"/>
+          </a:p>
+          <a:p>
+            <a:pPr marL="171450" indent="-171450">
+              <a:lnSpc>
+                <a:spcPct val="200000"/>
+              </a:lnSpc>
+              <a:buFont typeface="Arial" panose="020B0604020202020204" pitchFamily="34" charset="0"/>
+              <a:buChar char="•"/>
+            </a:pPr>
+            <a:r>
+              <a:rPr lang="ko-KR" altLang="en-US" sz="1200"/>
+              <a:t>프록시는 필요시 다른 적절한 헤더도 추가</a:t>
+            </a:r>
+            <a:endParaRPr lang="en-US" altLang="ko-KR" sz="1200"/>
+          </a:p>
+        </p:txBody>
+      </p:sp>
+      <p:sp>
+        <p:nvSpPr>
+          <p:cNvPr id="11" name="TextBox 10">
+            <a:extLst>
+              <a:ext uri="{FF2B5EF4-FFF2-40B4-BE49-F238E27FC236}">
+                <a16:creationId xmlns:a16="http://schemas.microsoft.com/office/drawing/2014/main" id="{6CAE5513-2B96-4715-A0A9-AA27FBE0AD12}"/>
+              </a:ext>
+            </a:extLst>
+          </p:cNvPr>
+          <p:cNvSpPr txBox="1"/>
+          <p:nvPr/>
+        </p:nvSpPr>
+        <p:spPr>
+          <a:xfrm>
+            <a:off x="1035250" y="3429000"/>
+            <a:ext cx="7901522" cy="1527341"/>
+          </a:xfrm>
+          <a:prstGeom prst="rect">
+            <a:avLst/>
+          </a:prstGeom>
+          <a:noFill/>
+        </p:spPr>
+        <p:txBody>
+          <a:bodyPr wrap="none" rtlCol="0">
+            <a:spAutoFit/>
+          </a:bodyPr>
+          <a:lstStyle/>
+          <a:p>
+            <a:pPr>
+              <a:lnSpc>
+                <a:spcPct val="200000"/>
+              </a:lnSpc>
+            </a:pPr>
+            <a:r>
+              <a:rPr lang="ko-KR" altLang="en-US" sz="1400">
+                <a:solidFill>
+                  <a:schemeClr val="accent3">
+                    <a:lumMod val="50000"/>
+                  </a:schemeClr>
+                </a:solidFill>
+                <a:latin typeface="+mj-ea"/>
+                <a:ea typeface="+mj-ea"/>
+              </a:rPr>
+              <a:t>라우팅 정보에 대한 후처리 사항</a:t>
+            </a:r>
+            <a:endParaRPr lang="en-US" altLang="ko-KR" sz="1400">
+              <a:solidFill>
+                <a:schemeClr val="accent3">
+                  <a:lumMod val="50000"/>
+                </a:schemeClr>
+              </a:solidFill>
+              <a:latin typeface="+mj-ea"/>
+              <a:ea typeface="+mj-ea"/>
+            </a:endParaRPr>
+          </a:p>
+          <a:p>
+            <a:pPr marL="171450" indent="-171450">
+              <a:lnSpc>
+                <a:spcPct val="200000"/>
+              </a:lnSpc>
+              <a:buFont typeface="Arial" panose="020B0604020202020204" pitchFamily="34" charset="0"/>
+              <a:buChar char="•"/>
+            </a:pPr>
+            <a:r>
+              <a:rPr lang="ko-KR" altLang="en-US" sz="1200"/>
+              <a:t>프록시는 요청이 목적지로 전달되기 전에 </a:t>
+            </a:r>
+            <a:r>
+              <a:rPr lang="ko-KR" altLang="en-US" sz="1200" b="1"/>
+              <a:t>특정 </a:t>
+            </a:r>
+            <a:r>
+              <a:rPr lang="en-US" altLang="ko-KR" sz="1200" b="1"/>
+              <a:t>proxy set</a:t>
+            </a:r>
+            <a:r>
+              <a:rPr lang="en-US" altLang="ko-KR" sz="1200"/>
+              <a:t> </a:t>
+            </a:r>
+            <a:r>
+              <a:rPr lang="ko-KR" altLang="en-US" sz="1200"/>
+              <a:t>을 방문하도록 하는 </a:t>
+            </a:r>
+            <a:r>
+              <a:rPr lang="en-US" altLang="ko-KR" sz="1200" b="1"/>
+              <a:t>Local Policy</a:t>
+            </a:r>
+            <a:r>
+              <a:rPr lang="en-US" altLang="ko-KR" sz="1200"/>
+              <a:t> </a:t>
+            </a:r>
+            <a:r>
+              <a:rPr lang="ko-KR" altLang="en-US" sz="1200"/>
+              <a:t>가 설정된 경우</a:t>
+            </a:r>
+            <a:r>
+              <a:rPr lang="en-US" altLang="ko-KR" sz="1200"/>
+              <a:t>:</a:t>
+            </a:r>
+          </a:p>
+          <a:p>
+            <a:pPr marL="628650" lvl="1" indent="-171450">
+              <a:lnSpc>
+                <a:spcPct val="200000"/>
+              </a:lnSpc>
+              <a:buFont typeface="Roboto" panose="02000000000000000000" pitchFamily="2" charset="0"/>
+              <a:buChar char="−"/>
+            </a:pPr>
+            <a:r>
+              <a:rPr lang="en-US" altLang="ko-KR" sz="1100"/>
+              <a:t>proxy set </a:t>
+            </a:r>
+            <a:r>
+              <a:rPr lang="ko-KR" altLang="en-US" sz="1100"/>
+              <a:t>은 기존 값이 있는 경우 복사본의 </a:t>
+            </a:r>
+            <a:r>
+              <a:rPr lang="en-US" altLang="ko-KR" sz="1100"/>
+              <a:t>Route </a:t>
+            </a:r>
+            <a:r>
+              <a:rPr lang="ko-KR" altLang="en-US" sz="1100"/>
+              <a:t>헤더에 기존 값보다 앞에 추가 </a:t>
+            </a:r>
+            <a:r>
+              <a:rPr lang="en-US" altLang="ko-KR" sz="1100">
+                <a:solidFill>
+                  <a:srgbClr val="0000FF"/>
+                </a:solidFill>
+              </a:rPr>
+              <a:t>(Route </a:t>
+            </a:r>
+            <a:r>
+              <a:rPr lang="ko-KR" altLang="en-US" sz="1100">
+                <a:solidFill>
+                  <a:srgbClr val="0000FF"/>
+                </a:solidFill>
+              </a:rPr>
+              <a:t>헤더가 없을 경우 새롭게 추가</a:t>
+            </a:r>
+            <a:r>
+              <a:rPr lang="en-US" altLang="ko-KR" sz="1100">
+                <a:solidFill>
+                  <a:srgbClr val="0000FF"/>
+                </a:solidFill>
+              </a:rPr>
+              <a:t>)</a:t>
+            </a:r>
+          </a:p>
+          <a:p>
+            <a:pPr marL="628650" lvl="1" indent="-171450">
+              <a:lnSpc>
+                <a:spcPct val="200000"/>
+              </a:lnSpc>
+              <a:buFont typeface="Roboto" panose="02000000000000000000" pitchFamily="2" charset="0"/>
+              <a:buChar char="−"/>
+            </a:pPr>
+            <a:r>
+              <a:rPr lang="ko-KR" altLang="en-US" sz="1100"/>
+              <a:t>프록시는 </a:t>
+            </a:r>
+            <a:r>
+              <a:rPr lang="en-US" altLang="ko-KR" sz="1100"/>
+              <a:t>proxy</a:t>
+            </a:r>
+            <a:r>
+              <a:rPr lang="ko-KR" altLang="en-US" sz="1100"/>
+              <a:t> </a:t>
+            </a:r>
+            <a:r>
+              <a:rPr lang="en-US" altLang="ko-KR" sz="1100"/>
+              <a:t>set </a:t>
+            </a:r>
+            <a:r>
+              <a:rPr lang="ko-KR" altLang="en-US" sz="1100"/>
+              <a:t>이 모두 </a:t>
+            </a:r>
+            <a:r>
               <a:rPr lang="en-US" altLang="ko-KR" sz="1100" b="1"/>
-              <a:t>[ 1 ] Copy Request</a:t>
-            </a:r>
-          </a:p>
-          <a:p>
-            <a:pPr>
-              <a:lnSpc>
-                <a:spcPct val="200000"/>
-              </a:lnSpc>
-            </a:pPr>
+              <a:t>loose router</a:t>
+            </a:r>
+            <a:r>
+              <a:rPr lang="en-US" altLang="ko-KR" sz="1100"/>
+              <a:t> </a:t>
+            </a:r>
             <a:r>
               <a:rPr lang="ko-KR" altLang="en-US" sz="1100"/>
-              <a:t>프록시는 수신된 요청의 복사본으로 시작 </a:t>
-            </a:r>
-            <a:r>
-              <a:rPr lang="en-US" altLang="ko-KR" sz="1100"/>
-              <a:t>-&gt; </a:t>
-            </a:r>
-            <a:r>
-              <a:rPr lang="ko-KR" altLang="en-US" sz="1100"/>
-              <a:t>복사본에는 수신된 요청의 모든 헤더 필드가 처음에 포함 </a:t>
-            </a:r>
-            <a:r>
-              <a:rPr lang="en-US" altLang="ko-KR" sz="1100"/>
-              <a:t>-&gt; </a:t>
-            </a:r>
-            <a:r>
-              <a:rPr lang="ko-KR" altLang="en-US" sz="1100"/>
-              <a:t>복사본은 수신된 요청에서와 같이 헤더 필드의 순서를 유지</a:t>
-            </a:r>
-            <a:br>
-              <a:rPr lang="en-US" altLang="ko-KR" sz="1100"/>
-            </a:br>
-            <a:r>
-              <a:rPr lang="en-US" altLang="ko-KR" sz="1100"/>
-              <a:t>-&gt; </a:t>
-            </a:r>
-            <a:r>
-              <a:rPr lang="ko-KR" altLang="en-US" sz="1100"/>
-              <a:t>프록시는 공통 필드 이름으로 필드 값을 재정렬해서는 안됨</a:t>
-            </a:r>
-            <a:r>
-              <a:rPr lang="en-US" altLang="ko-KR" sz="1100"/>
-              <a:t> -&gt; </a:t>
-            </a:r>
-            <a:r>
-              <a:rPr lang="ko-KR" altLang="en-US" sz="1100"/>
-              <a:t>메시지 </a:t>
-            </a:r>
-            <a:r>
-              <a:rPr lang="en-US" altLang="ko-KR" sz="1100"/>
-              <a:t>body </a:t>
-            </a:r>
-            <a:r>
-              <a:rPr lang="ko-KR" altLang="en-US" sz="1100"/>
-              <a:t>를 추가</a:t>
-            </a:r>
-            <a:r>
-              <a:rPr lang="en-US" altLang="ko-KR" sz="1100"/>
-              <a:t>, </a:t>
-            </a:r>
-            <a:r>
-              <a:rPr lang="ko-KR" altLang="en-US" sz="1100"/>
-              <a:t>수정</a:t>
-            </a:r>
-            <a:r>
-              <a:rPr lang="en-US" altLang="ko-KR" sz="1100"/>
-              <a:t>, </a:t>
-            </a:r>
-            <a:r>
-              <a:rPr lang="ko-KR" altLang="en-US" sz="1100"/>
-              <a:t>제거해서는 안됨</a:t>
-            </a:r>
-            <a:endParaRPr lang="en-US" altLang="ko-KR" sz="1100"/>
-          </a:p>
-          <a:p>
-            <a:pPr>
-              <a:lnSpc>
-                <a:spcPct val="200000"/>
-              </a:lnSpc>
-            </a:pPr>
-            <a:r>
-              <a:rPr lang="ko-KR" altLang="en-US" sz="1100"/>
-              <a:t>실제 구현에서는 복사본을 수행할 필요가 없으며</a:t>
-            </a:r>
-            <a:r>
-              <a:rPr lang="en-US" altLang="ko-KR" sz="1100"/>
-              <a:t>, </a:t>
-            </a:r>
-            <a:r>
-              <a:rPr lang="ko-KR" altLang="en-US" sz="1100"/>
-              <a:t>각 다음 홉에 대한 처리가 동일한 요청으로 시작해야 한다는 것이 기본 요구 사항</a:t>
-            </a:r>
-            <a:endParaRPr lang="en-US" altLang="ko-KR" sz="1100"/>
-          </a:p>
-          <a:p>
-            <a:pPr>
-              <a:lnSpc>
-                <a:spcPct val="200000"/>
-              </a:lnSpc>
-            </a:pPr>
-            <a:endParaRPr lang="en-US" altLang="ko-KR" sz="1100"/>
-          </a:p>
-          <a:p>
-            <a:pPr>
-              <a:lnSpc>
-                <a:spcPct val="200000"/>
-              </a:lnSpc>
-            </a:pPr>
-            <a:r>
-              <a:rPr lang="en-US" altLang="ko-KR" sz="1100" b="1"/>
-              <a:t>[ 2 ] Request-URI</a:t>
-            </a:r>
-          </a:p>
-          <a:p>
-            <a:pPr>
-              <a:lnSpc>
-                <a:spcPct val="200000"/>
-              </a:lnSpc>
-            </a:pPr>
-            <a:r>
-              <a:rPr lang="ko-KR" altLang="en-US" sz="1100"/>
-              <a:t>복사본의 </a:t>
-            </a:r>
-            <a:r>
-              <a:rPr lang="en-US" altLang="ko-KR" sz="1100"/>
-              <a:t>Request-URI </a:t>
-            </a:r>
-            <a:r>
-              <a:rPr lang="ko-KR" altLang="en-US" sz="1100"/>
-              <a:t>는 </a:t>
-            </a:r>
-            <a:r>
-              <a:rPr lang="en-US" altLang="ko-KR" sz="1100"/>
-              <a:t>target URI </a:t>
-            </a:r>
-            <a:r>
-              <a:rPr lang="ko-KR" altLang="en-US" sz="1100"/>
-              <a:t>로 대체 </a:t>
-            </a:r>
-            <a:r>
-              <a:rPr lang="en-US" altLang="ko-KR" sz="1100"/>
-              <a:t>-&gt; Request-URI </a:t>
-            </a:r>
-            <a:r>
-              <a:rPr lang="ko-KR" altLang="en-US" sz="1100"/>
-              <a:t>에 허용되지 않는 매개변수가 </a:t>
-            </a:r>
-            <a:r>
-              <a:rPr lang="en-US" altLang="ko-KR" sz="1100"/>
-              <a:t>URI</a:t>
-            </a:r>
-            <a:r>
-              <a:rPr lang="ko-KR" altLang="en-US" sz="1100"/>
-              <a:t>에 포함되는 경우 해당 매개변수를 제거</a:t>
-            </a:r>
-          </a:p>
-          <a:p>
-            <a:pPr>
-              <a:lnSpc>
-                <a:spcPct val="200000"/>
-              </a:lnSpc>
-            </a:pPr>
-            <a:r>
-              <a:rPr lang="ko-KR" altLang="en-US" sz="1100"/>
-              <a:t>수신된 </a:t>
-            </a:r>
-            <a:r>
-              <a:rPr lang="en-US" altLang="ko-KR" sz="1100"/>
-              <a:t>Request-URI </a:t>
-            </a:r>
-            <a:r>
-              <a:rPr lang="ko-KR" altLang="en-US" sz="1100"/>
-              <a:t>이 수정되지 않고 대상 집합에 배치</a:t>
-            </a:r>
-            <a:r>
-              <a:rPr lang="en-US" altLang="ko-KR" sz="1100"/>
-              <a:t>, </a:t>
-            </a:r>
-            <a:r>
-              <a:rPr lang="ko-KR" altLang="en-US" sz="1100"/>
-              <a:t>해당 타켓의 경우 위의 교체는 사실상 아무 작업도 수행하지 않음</a:t>
-            </a:r>
-            <a:endParaRPr lang="en-US" altLang="ko-KR" sz="1100"/>
-          </a:p>
-          <a:p>
-            <a:pPr>
-              <a:lnSpc>
-                <a:spcPct val="200000"/>
-              </a:lnSpc>
-            </a:pPr>
-            <a:endParaRPr lang="en-US" altLang="ko-KR" sz="1100"/>
-          </a:p>
-          <a:p>
-            <a:pPr>
-              <a:lnSpc>
-                <a:spcPct val="200000"/>
-              </a:lnSpc>
-            </a:pPr>
-            <a:r>
-              <a:rPr lang="en-US" altLang="ko-KR" sz="1100" b="1"/>
-              <a:t>[ 3 ] Max-Forwards</a:t>
-            </a:r>
-          </a:p>
-          <a:p>
-            <a:pPr>
-              <a:lnSpc>
-                <a:spcPct val="200000"/>
-              </a:lnSpc>
-            </a:pPr>
-            <a:r>
-              <a:rPr lang="ko-KR" altLang="en-US" sz="1100"/>
-              <a:t>복사본에 </a:t>
-            </a:r>
-            <a:r>
-              <a:rPr lang="en-US" altLang="ko-KR" sz="1100" b="1"/>
-              <a:t>Max-Forwards </a:t>
-            </a:r>
-            <a:r>
-              <a:rPr lang="ko-KR" altLang="en-US" sz="1100"/>
-              <a:t>헤더 필드가 포함된 경우 프록시는 해당 값을 하나 줄여야 함</a:t>
-            </a:r>
-            <a:endParaRPr lang="en-US" altLang="ko-KR" sz="1100"/>
-          </a:p>
-          <a:p>
-            <a:pPr>
-              <a:lnSpc>
-                <a:spcPct val="200000"/>
-              </a:lnSpc>
-            </a:pPr>
-            <a:r>
-              <a:rPr lang="ko-KR" altLang="en-US" sz="1100"/>
-              <a:t>복사본에 </a:t>
-            </a:r>
-            <a:r>
-              <a:rPr lang="en-US" altLang="ko-KR" sz="1100"/>
-              <a:t>Max-Forwards </a:t>
-            </a:r>
-            <a:r>
-              <a:rPr lang="ko-KR" altLang="en-US" sz="1100"/>
-              <a:t>헤더 필드가 포함되지 않은 경우 프록시는 필드 값이 </a:t>
-            </a:r>
-            <a:r>
-              <a:rPr lang="en-US" altLang="ko-KR" sz="1100"/>
-              <a:t>70 </a:t>
-            </a:r>
-            <a:r>
-              <a:rPr lang="ko-KR" altLang="en-US" sz="1100"/>
-              <a:t>으로 하는 헤더 필드를 추가</a:t>
-            </a:r>
-            <a:endParaRPr lang="en-US" altLang="ko-KR" sz="1100"/>
+              <a:t>임을 보장 </a:t>
+            </a:r>
+            <a:r>
+              <a:rPr lang="en-US" altLang="ko-KR" sz="1100">
+                <a:solidFill>
+                  <a:srgbClr val="0000FF"/>
+                </a:solidFill>
+              </a:rPr>
+              <a:t>(</a:t>
+            </a:r>
+            <a:r>
+              <a:rPr lang="en-US" altLang="ko-KR" sz="1100" b="1">
+                <a:solidFill>
+                  <a:srgbClr val="0000FF"/>
+                </a:solidFill>
+              </a:rPr>
+              <a:t>“lr”</a:t>
+            </a:r>
+            <a:r>
+              <a:rPr lang="en-US" altLang="ko-KR" sz="1100">
+                <a:solidFill>
+                  <a:srgbClr val="0000FF"/>
+                </a:solidFill>
+              </a:rPr>
+              <a:t> </a:t>
+            </a:r>
+            <a:r>
+              <a:rPr lang="ko-KR" altLang="en-US" sz="1100">
+                <a:solidFill>
+                  <a:srgbClr val="0000FF"/>
+                </a:solidFill>
+              </a:rPr>
+              <a:t>파라미터를 반드시 가져야함</a:t>
+            </a:r>
+            <a:r>
+              <a:rPr lang="en-US" altLang="ko-KR" sz="1100">
+                <a:solidFill>
+                  <a:srgbClr val="0000FF"/>
+                </a:solidFill>
+              </a:rPr>
+              <a:t>)</a:t>
+            </a:r>
           </a:p>
         </p:txBody>
       </p:sp>
     </p:spTree>
     <p:extLst>
       <p:ext uri="{BB962C8B-B14F-4D97-AF65-F5344CB8AC3E}">
-        <p14:creationId xmlns:p14="http://schemas.microsoft.com/office/powerpoint/2010/main" val="1679484296"/>
+        <p14:creationId xmlns:p14="http://schemas.microsoft.com/office/powerpoint/2010/main" val="2969389015"/>
       </p:ext>
     </p:extLst>
   </p:cSld>
@@ -3723,7 +5339,7 @@
           <a:p>
             <a:r>
               <a:rPr lang="en-US" altLang="ko-KR"/>
-              <a:t>1. Proxy Behavior – Request Forwarding</a:t>
+              <a:t>1. Proxy Behavior – Request Forwarding (3/3)</a:t>
             </a:r>
             <a:endParaRPr lang="ko-KR" altLang="en-US"/>
           </a:p>
@@ -3761,10 +5377,10 @@
       </p:sp>
       <p:sp>
         <p:nvSpPr>
-          <p:cNvPr id="5" name="TextBox 4">
+          <p:cNvPr id="6" name="TextBox 5">
             <a:extLst>
               <a:ext uri="{FF2B5EF4-FFF2-40B4-BE49-F238E27FC236}">
-                <a16:creationId xmlns:a16="http://schemas.microsoft.com/office/drawing/2014/main" id="{0F860371-132D-48AB-B71F-7E1F57399A19}"/>
+                <a16:creationId xmlns:a16="http://schemas.microsoft.com/office/drawing/2014/main" id="{6593E1C4-0141-41F2-9FEA-2AA6D9DBCBB1}"/>
               </a:ext>
             </a:extLst>
           </p:cNvPr>
@@ -3773,8 +5389,8 @@
         </p:nvSpPr>
         <p:spPr>
           <a:xfrm>
-            <a:off x="1035250" y="1372668"/>
-            <a:ext cx="9908482" cy="2751394"/>
+            <a:off x="1035250" y="907386"/>
+            <a:ext cx="10706777" cy="2323713"/>
           </a:xfrm>
           <a:prstGeom prst="rect">
             <a:avLst/>
@@ -3793,151 +5409,835 @@
               </a:lnSpc>
             </a:pPr>
             <a:r>
-              <a:rPr lang="en-US" altLang="ko-KR" sz="1100" b="1"/>
-              <a:t>[ 4 ] Record-Route</a:t>
-            </a:r>
-          </a:p>
-          <a:p>
-            <a:pPr>
+              <a:rPr lang="ko-KR" altLang="en-US" sz="1400">
+                <a:solidFill>
+                  <a:schemeClr val="accent3">
+                    <a:lumMod val="50000"/>
+                  </a:schemeClr>
+                </a:solidFill>
+                <a:latin typeface="+mj-ea"/>
+                <a:ea typeface="+mj-ea"/>
+              </a:rPr>
+              <a:t>다음 홉</a:t>
+            </a:r>
+            <a:r>
+              <a:rPr lang="en-US" altLang="ko-KR" sz="1400">
+                <a:solidFill>
+                  <a:schemeClr val="accent3">
+                    <a:lumMod val="50000"/>
+                  </a:schemeClr>
+                </a:solidFill>
+                <a:latin typeface="+mj-ea"/>
+                <a:ea typeface="+mj-ea"/>
+              </a:rPr>
+              <a:t> </a:t>
+            </a:r>
+            <a:r>
+              <a:rPr lang="ko-KR" altLang="en-US" sz="1400">
+                <a:solidFill>
+                  <a:schemeClr val="accent3">
+                    <a:lumMod val="50000"/>
+                  </a:schemeClr>
+                </a:solidFill>
+                <a:latin typeface="+mj-ea"/>
+                <a:ea typeface="+mj-ea"/>
+              </a:rPr>
+              <a:t>결정 방법</a:t>
+            </a:r>
+            <a:endParaRPr lang="en-US" altLang="ko-KR" sz="1400">
+              <a:solidFill>
+                <a:schemeClr val="accent3">
+                  <a:lumMod val="50000"/>
+                </a:schemeClr>
+              </a:solidFill>
+              <a:latin typeface="+mj-ea"/>
+              <a:ea typeface="+mj-ea"/>
+            </a:endParaRPr>
+          </a:p>
+          <a:p>
+            <a:pPr marL="171450" indent="-171450">
               <a:lnSpc>
                 <a:spcPct val="200000"/>
               </a:lnSpc>
-            </a:pPr>
-            <a:r>
-              <a:rPr lang="ko-KR" altLang="en-US" sz="1100"/>
-              <a:t>이 요청에 의해 생성된 다이얼로그에서 향후 요청의 경로를 유지하려면 </a:t>
-            </a:r>
+              <a:buFont typeface="Arial" panose="020B0604020202020204" pitchFamily="34" charset="0"/>
+              <a:buChar char="•"/>
+            </a:pPr>
+            <a:r>
+              <a:rPr lang="ko-KR" altLang="en-US" sz="1200"/>
+              <a:t>요청 메시지의 </a:t>
+            </a:r>
+            <a:r>
+              <a:rPr lang="en-US" altLang="ko-KR" sz="1200"/>
+              <a:t>Request-URI </a:t>
+            </a:r>
+            <a:r>
+              <a:rPr lang="ko-KR" altLang="en-US" sz="1200"/>
+              <a:t>나 </a:t>
+            </a:r>
+            <a:r>
+              <a:rPr lang="en-US" altLang="ko-KR" sz="1200"/>
+              <a:t>Route </a:t>
+            </a:r>
+            <a:r>
+              <a:rPr lang="ko-KR" altLang="en-US" sz="1200"/>
+              <a:t>헤더와는 독립적으로 특정 </a:t>
+            </a:r>
+            <a:r>
+              <a:rPr lang="en-US" altLang="ko-KR" sz="1200"/>
+              <a:t>IP </a:t>
+            </a:r>
+            <a:r>
+              <a:rPr lang="ko-KR" altLang="en-US" sz="1200"/>
+              <a:t>주소</a:t>
+            </a:r>
+            <a:r>
+              <a:rPr lang="en-US" altLang="ko-KR" sz="1200"/>
+              <a:t>, </a:t>
+            </a:r>
+            <a:r>
+              <a:rPr lang="ko-KR" altLang="en-US" sz="1200"/>
+              <a:t>포트</a:t>
+            </a:r>
+            <a:r>
+              <a:rPr lang="en-US" altLang="ko-KR" sz="1200"/>
+              <a:t>, </a:t>
+            </a:r>
+            <a:r>
+              <a:rPr lang="ko-KR" altLang="en-US" sz="1200"/>
+              <a:t>전송 프로토콜로 메시지를 전송하도록 </a:t>
+            </a:r>
+            <a:r>
+              <a:rPr lang="en-US" altLang="ko-KR" sz="1200" b="1"/>
+              <a:t>Local Policy</a:t>
+            </a:r>
+            <a:r>
+              <a:rPr lang="en-US" altLang="ko-KR" sz="1200"/>
+              <a:t> </a:t>
+            </a:r>
+            <a:r>
+              <a:rPr lang="ko-KR" altLang="en-US" sz="1200"/>
+              <a:t>가 설정되어 있을 수 있느나</a:t>
+            </a:r>
+            <a:br>
+              <a:rPr lang="en-US" altLang="ko-KR" sz="1200"/>
+            </a:br>
+            <a:r>
+              <a:rPr lang="en-US" altLang="ko-KR" sz="1200" b="1" u="sng">
+                <a:solidFill>
+                  <a:srgbClr val="002060"/>
+                </a:solidFill>
+              </a:rPr>
+              <a:t>Route</a:t>
+            </a:r>
+            <a:r>
+              <a:rPr lang="en-US" altLang="ko-KR" sz="1200" u="sng"/>
+              <a:t> </a:t>
+            </a:r>
+            <a:r>
+              <a:rPr lang="ko-KR" altLang="en-US" sz="1200" u="sng"/>
+              <a:t>헤더를 이용하여 사용하도록 </a:t>
+            </a:r>
+            <a:r>
+              <a:rPr lang="ko-KR" altLang="en-US" sz="1200" b="1" u="sng"/>
+              <a:t>권장</a:t>
+            </a:r>
+            <a:endParaRPr lang="en-US" altLang="ko-KR" sz="1200" b="1" u="sng"/>
+          </a:p>
+          <a:p>
+            <a:pPr marL="171450" indent="-171450">
+              <a:lnSpc>
+                <a:spcPct val="200000"/>
+              </a:lnSpc>
+              <a:buFont typeface="Arial" panose="020B0604020202020204" pitchFamily="34" charset="0"/>
+              <a:buChar char="•"/>
+            </a:pPr>
+            <a:r>
+              <a:rPr lang="ko-KR" altLang="en-US" sz="1200"/>
+              <a:t>별도의 </a:t>
+            </a:r>
+            <a:r>
+              <a:rPr lang="en-US" altLang="ko-KR" sz="1200" b="1"/>
+              <a:t>Local Policy</a:t>
+            </a:r>
+            <a:r>
+              <a:rPr lang="en-US" altLang="ko-KR" sz="1200"/>
+              <a:t> </a:t>
+            </a:r>
+            <a:r>
+              <a:rPr lang="ko-KR" altLang="en-US" sz="1200"/>
+              <a:t>가 없다면</a:t>
+            </a:r>
+            <a:r>
+              <a:rPr lang="en-US" altLang="ko-KR" sz="1200"/>
+              <a:t>, </a:t>
+            </a:r>
+            <a:r>
+              <a:rPr lang="ko-KR" altLang="en-US" sz="1200"/>
+              <a:t>요청 메시지의 </a:t>
+            </a:r>
+            <a:r>
+              <a:rPr lang="en-US" altLang="ko-KR" sz="1200" b="1"/>
+              <a:t>Request-URI </a:t>
+            </a:r>
+            <a:r>
+              <a:rPr lang="ko-KR" altLang="en-US" sz="1200"/>
+              <a:t>또는 </a:t>
+            </a:r>
+            <a:r>
+              <a:rPr lang="en-US" altLang="ko-KR" sz="1200" b="1"/>
+              <a:t>Route </a:t>
+            </a:r>
+            <a:r>
+              <a:rPr lang="ko-KR" altLang="en-US" sz="1200"/>
+              <a:t>헤더의 </a:t>
+            </a:r>
+            <a:r>
+              <a:rPr lang="en-US" altLang="ko-KR" sz="1200"/>
+              <a:t>URI </a:t>
+            </a:r>
+            <a:r>
+              <a:rPr lang="ko-KR" altLang="en-US" sz="1200"/>
+              <a:t>를 이용한 </a:t>
+            </a:r>
+            <a:r>
+              <a:rPr lang="en-US" altLang="ko-KR" sz="1200" b="1"/>
+              <a:t>DNS</a:t>
+            </a:r>
+            <a:r>
+              <a:rPr lang="en-US" altLang="ko-KR" sz="1200"/>
+              <a:t> </a:t>
+            </a:r>
+            <a:r>
+              <a:rPr lang="ko-KR" altLang="en-US" sz="1200"/>
+              <a:t>조회를 통해 </a:t>
+            </a:r>
+            <a:r>
+              <a:rPr lang="en-US" altLang="ko-KR" sz="1200"/>
+              <a:t>Next-Hope IP </a:t>
+            </a:r>
+            <a:r>
+              <a:rPr lang="ko-KR" altLang="en-US" sz="1200"/>
+              <a:t>주소</a:t>
+            </a:r>
+            <a:r>
+              <a:rPr lang="en-US" altLang="ko-KR" sz="1200"/>
+              <a:t>, </a:t>
+            </a:r>
+            <a:r>
+              <a:rPr lang="ko-KR" altLang="en-US" sz="1200"/>
+              <a:t>포트</a:t>
+            </a:r>
+            <a:r>
+              <a:rPr lang="en-US" altLang="ko-KR" sz="1200"/>
+              <a:t>, </a:t>
+            </a:r>
+            <a:r>
+              <a:rPr lang="ko-KR" altLang="en-US" sz="1200"/>
+              <a:t>전송 프로토콜을 </a:t>
+            </a:r>
+            <a:r>
+              <a:rPr lang="ko-KR" altLang="en-US" sz="1200" b="1"/>
+              <a:t>결정</a:t>
+            </a:r>
+            <a:endParaRPr lang="en-US" altLang="ko-KR" sz="1200" b="1"/>
+          </a:p>
+          <a:p>
+            <a:pPr marL="628650" lvl="1" indent="-171450">
+              <a:lnSpc>
+                <a:spcPct val="200000"/>
+              </a:lnSpc>
+              <a:buFont typeface="Roboto" panose="02000000000000000000" pitchFamily="2" charset="0"/>
+              <a:buChar char="−"/>
+            </a:pPr>
             <a:r>
               <a:rPr lang="en-US" altLang="ko-KR" sz="1100"/>
               <a:t>Route </a:t>
             </a:r>
             <a:r>
               <a:rPr lang="ko-KR" altLang="en-US" sz="1100"/>
-              <a:t>헤더 필드가 이미 존재하더라도 기존 </a:t>
+              <a:t>헤더가 없는 경우에는 </a:t>
             </a:r>
             <a:r>
               <a:rPr lang="en-US" altLang="ko-KR" sz="1100"/>
-              <a:t>Record-Route </a:t>
+              <a:t>Request-URI </a:t>
             </a:r>
             <a:r>
               <a:rPr lang="ko-KR" altLang="en-US" sz="1100"/>
-              <a:t>헤더 필드 값보다 먼저 복사본에 </a:t>
-            </a:r>
-            <a:br>
+              <a:t>를 이용하여 </a:t>
+            </a:r>
+            <a:r>
               <a:rPr lang="en-US" altLang="ko-KR" sz="1100"/>
-            </a:br>
+              <a:t>Next-Hope </a:t>
+            </a:r>
+            <a:r>
+              <a:rPr lang="ko-KR" altLang="en-US" sz="1100"/>
+              <a:t>을 </a:t>
+            </a:r>
+            <a:r>
+              <a:rPr lang="ko-KR" altLang="en-US" sz="1100" b="1"/>
+              <a:t>결정</a:t>
+            </a:r>
+            <a:endParaRPr lang="en-US" altLang="ko-KR" sz="1100" b="1"/>
+          </a:p>
+          <a:p>
+            <a:pPr marL="171450" indent="-171450">
+              <a:lnSpc>
+                <a:spcPct val="200000"/>
+              </a:lnSpc>
+              <a:buFont typeface="Arial" panose="020B0604020202020204" pitchFamily="34" charset="0"/>
+              <a:buChar char="•"/>
+            </a:pPr>
+            <a:r>
+              <a:rPr lang="en-US" altLang="ko-KR" sz="1200" b="1"/>
+              <a:t>DNS </a:t>
+            </a:r>
+            <a:r>
+              <a:rPr lang="ko-KR" altLang="en-US" sz="1200"/>
+              <a:t>조회를 통해 얻은 모든 </a:t>
+            </a:r>
+            <a:r>
+              <a:rPr lang="en-US" altLang="ko-KR" sz="1200"/>
+              <a:t>Next-Hope </a:t>
+            </a:r>
+            <a:r>
+              <a:rPr lang="ko-KR" altLang="en-US" sz="1200"/>
+              <a:t>에 대해 순차적으로 메시지 전송을 시도하였으나 실패하였을 경우</a:t>
+            </a:r>
+            <a:r>
+              <a:rPr lang="en-US" altLang="ko-KR" sz="1200"/>
+              <a:t>, </a:t>
+            </a:r>
+            <a:r>
+              <a:rPr lang="en-US" altLang="ko-KR" sz="1200" b="1"/>
+              <a:t>408 (Request Timeout)</a:t>
+            </a:r>
+            <a:r>
+              <a:rPr lang="en-US" altLang="ko-KR" sz="1200"/>
+              <a:t> </a:t>
+            </a:r>
+            <a:r>
+              <a:rPr lang="ko-KR" altLang="en-US" sz="1200"/>
+              <a:t>응답을 수신한 것처럼 </a:t>
+            </a:r>
+            <a:r>
+              <a:rPr lang="ko-KR" altLang="en-US" sz="1200" b="1"/>
+              <a:t>동작</a:t>
+            </a:r>
+            <a:endParaRPr lang="en-US" altLang="ko-KR" sz="1200" b="1"/>
+          </a:p>
+        </p:txBody>
+      </p:sp>
+      <p:sp>
+        <p:nvSpPr>
+          <p:cNvPr id="7" name="TextBox 6">
+            <a:extLst>
+              <a:ext uri="{FF2B5EF4-FFF2-40B4-BE49-F238E27FC236}">
+                <a16:creationId xmlns:a16="http://schemas.microsoft.com/office/drawing/2014/main" id="{86EB21CC-1722-446A-96DE-BD4A2FCFEE8D}"/>
+              </a:ext>
+            </a:extLst>
+          </p:cNvPr>
+          <p:cNvSpPr txBox="1"/>
+          <p:nvPr/>
+        </p:nvSpPr>
+        <p:spPr>
+          <a:xfrm>
+            <a:off x="1035250" y="3384175"/>
+            <a:ext cx="10376559" cy="2973891"/>
+          </a:xfrm>
+          <a:prstGeom prst="rect">
+            <a:avLst/>
+          </a:prstGeom>
+          <a:noFill/>
+        </p:spPr>
+        <p:txBody>
+          <a:bodyPr wrap="none" rtlCol="0">
+            <a:spAutoFit/>
+          </a:bodyPr>
+          <a:lstStyle/>
+          <a:p>
+            <a:pPr>
+              <a:lnSpc>
+                <a:spcPct val="200000"/>
+              </a:lnSpc>
+            </a:pPr>
+            <a:r>
+              <a:rPr lang="ko-KR" altLang="en-US" sz="1400">
+                <a:solidFill>
+                  <a:schemeClr val="accent3">
+                    <a:lumMod val="50000"/>
+                  </a:schemeClr>
+                </a:solidFill>
+                <a:latin typeface="+mj-ea"/>
+                <a:ea typeface="+mj-ea"/>
+              </a:rPr>
+              <a:t>요청 전송 최종 단계</a:t>
+            </a:r>
+            <a:endParaRPr lang="en-US" altLang="ko-KR" sz="1400">
+              <a:solidFill>
+                <a:schemeClr val="accent3">
+                  <a:lumMod val="50000"/>
+                </a:schemeClr>
+              </a:solidFill>
+              <a:latin typeface="+mj-ea"/>
+              <a:ea typeface="+mj-ea"/>
+            </a:endParaRPr>
+          </a:p>
+          <a:p>
+            <a:pPr marL="171450" indent="-171450">
+              <a:lnSpc>
+                <a:spcPct val="200000"/>
+              </a:lnSpc>
+              <a:buFont typeface="Arial" panose="020B0604020202020204" pitchFamily="34" charset="0"/>
+              <a:buChar char="•"/>
+            </a:pPr>
+            <a:r>
+              <a:rPr lang="ko-KR" altLang="en-US" sz="1200"/>
+              <a:t>프록시는 기존 </a:t>
+            </a:r>
+            <a:r>
+              <a:rPr lang="en-US" altLang="ko-KR" sz="1200" b="1"/>
+              <a:t>Via</a:t>
+            </a:r>
+            <a:r>
+              <a:rPr lang="en-US" altLang="ko-KR" sz="1200"/>
+              <a:t> </a:t>
+            </a:r>
+            <a:r>
+              <a:rPr lang="ko-KR" altLang="en-US" sz="1200"/>
+              <a:t>헤더 값 앞에 </a:t>
+            </a:r>
+            <a:r>
+              <a:rPr lang="en-US" altLang="ko-KR" sz="1200" b="1"/>
+              <a:t>Via</a:t>
+            </a:r>
+            <a:r>
+              <a:rPr lang="en-US" altLang="ko-KR" sz="1200"/>
+              <a:t> </a:t>
+            </a:r>
+            <a:r>
+              <a:rPr lang="ko-KR" altLang="en-US" sz="1200"/>
+              <a:t>헤더 값을 복사본에 </a:t>
+            </a:r>
+            <a:r>
+              <a:rPr lang="ko-KR" altLang="en-US" sz="1200" b="1"/>
+              <a:t>삽입</a:t>
+            </a:r>
+            <a:r>
+              <a:rPr lang="ko-KR" altLang="en-US" sz="1200"/>
+              <a:t> </a:t>
+            </a:r>
+            <a:r>
+              <a:rPr lang="en-US" altLang="ko-KR" sz="1200"/>
+              <a:t>(</a:t>
+            </a:r>
+            <a:r>
+              <a:rPr lang="ko-KR" altLang="en-US" sz="1200"/>
+              <a:t>이는 프록시가 </a:t>
+            </a:r>
+            <a:r>
+              <a:rPr lang="en-US" altLang="ko-KR" sz="1200"/>
+              <a:t>“</a:t>
+            </a:r>
+            <a:r>
+              <a:rPr lang="ko-KR" altLang="en-US" sz="1200" b="1"/>
+              <a:t>매직쿠키</a:t>
+            </a:r>
+            <a:r>
+              <a:rPr lang="en-US" altLang="ko-KR" sz="1200"/>
+              <a:t>“ </a:t>
+            </a:r>
+            <a:r>
+              <a:rPr lang="ko-KR" altLang="en-US" sz="1200"/>
+              <a:t>를 포함하는 자신의 고유한 </a:t>
+            </a:r>
+            <a:r>
+              <a:rPr lang="en-US" altLang="ko-KR" sz="1200"/>
+              <a:t>“</a:t>
+            </a:r>
+            <a:r>
+              <a:rPr lang="en-US" altLang="ko-KR" sz="1200" b="1">
+                <a:solidFill>
+                  <a:schemeClr val="accent4">
+                    <a:lumMod val="50000"/>
+                  </a:schemeClr>
+                </a:solidFill>
+              </a:rPr>
+              <a:t>branch</a:t>
+            </a:r>
+            <a:r>
+              <a:rPr lang="en-US" altLang="ko-KR" sz="1200"/>
+              <a:t>” </a:t>
+            </a:r>
+            <a:r>
+              <a:rPr lang="ko-KR" altLang="en-US" sz="1200"/>
+              <a:t>파라미터를 계산한다는 의미</a:t>
+            </a:r>
+            <a:r>
+              <a:rPr lang="en-US" altLang="ko-KR" sz="1200"/>
+              <a:t>)</a:t>
+            </a:r>
+          </a:p>
+          <a:p>
+            <a:pPr marL="628650" lvl="1" indent="-171450">
+              <a:lnSpc>
+                <a:spcPct val="200000"/>
+              </a:lnSpc>
+              <a:buFont typeface="Roboto" panose="02000000000000000000" pitchFamily="2" charset="0"/>
+              <a:buChar char="−"/>
+            </a:pPr>
+            <a:r>
+              <a:rPr lang="ko-KR" altLang="en-US" sz="1100"/>
+              <a:t>루프를 감지하도록 매개변수 구성 값이 </a:t>
+            </a:r>
+            <a:r>
+              <a:rPr lang="ko-KR" altLang="en-US" sz="1100" b="1"/>
+              <a:t>두 부분</a:t>
+            </a:r>
+            <a:r>
+              <a:rPr lang="ko-KR" altLang="en-US" sz="1100"/>
+              <a:t>으로 나뉘는 추가적인 제약을 갖음</a:t>
+            </a:r>
+            <a:endParaRPr lang="en-US" altLang="ko-KR" sz="1100"/>
+          </a:p>
+          <a:p>
+            <a:pPr marL="628650" lvl="1" indent="-171450">
+              <a:lnSpc>
+                <a:spcPct val="200000"/>
+              </a:lnSpc>
+              <a:buFont typeface="Roboto" panose="02000000000000000000" pitchFamily="2" charset="0"/>
+              <a:buChar char="−"/>
+            </a:pPr>
+            <a:r>
+              <a:rPr lang="ko-KR" altLang="en-US" sz="1100">
+                <a:highlight>
+                  <a:srgbClr val="FFFF00"/>
+                </a:highlight>
+              </a:rPr>
+              <a:t>첫 번째 부분은 매직쿠키를 포함한 </a:t>
+            </a:r>
+            <a:r>
+              <a:rPr lang="ko-KR" altLang="en-US" sz="1100" b="1">
+                <a:highlight>
+                  <a:srgbClr val="FFFF00"/>
+                </a:highlight>
+              </a:rPr>
+              <a:t>고유한 값</a:t>
+            </a:r>
+            <a:r>
+              <a:rPr lang="ko-KR" altLang="en-US" sz="1100">
+                <a:highlight>
+                  <a:srgbClr val="FFFF00"/>
+                </a:highlight>
+              </a:rPr>
+              <a:t>이고</a:t>
+            </a:r>
+            <a:r>
+              <a:rPr lang="en-US" altLang="ko-KR" sz="1100">
+                <a:highlight>
+                  <a:srgbClr val="FFFF00"/>
+                </a:highlight>
+              </a:rPr>
+              <a:t>, </a:t>
+            </a:r>
+            <a:r>
+              <a:rPr lang="ko-KR" altLang="en-US" sz="1100">
+                <a:highlight>
+                  <a:srgbClr val="FFFF00"/>
+                </a:highlight>
+              </a:rPr>
+              <a:t>두 번째 부분은 </a:t>
+            </a:r>
+            <a:r>
+              <a:rPr lang="ko-KR" altLang="en-US" sz="1100" b="1">
+                <a:highlight>
+                  <a:srgbClr val="FFFF00"/>
+                </a:highlight>
+              </a:rPr>
+              <a:t>루프 감지</a:t>
+            </a:r>
+            <a:r>
+              <a:rPr lang="ko-KR" altLang="en-US" sz="1100">
+                <a:highlight>
+                  <a:srgbClr val="FFFF00"/>
+                </a:highlight>
+              </a:rPr>
+              <a:t>에 사용 </a:t>
+            </a:r>
+            <a:endParaRPr lang="en-US" altLang="ko-KR" sz="1100">
+              <a:highlight>
+                <a:srgbClr val="FFFF00"/>
+              </a:highlight>
+            </a:endParaRPr>
+          </a:p>
+          <a:p>
+            <a:pPr marL="171450" indent="-171450">
+              <a:lnSpc>
+                <a:spcPct val="200000"/>
+              </a:lnSpc>
+              <a:buFont typeface="Arial" panose="020B0604020202020204" pitchFamily="34" charset="0"/>
+              <a:buChar char="•"/>
+            </a:pPr>
+            <a:r>
+              <a:rPr lang="ko-KR" altLang="en-US" sz="1200"/>
+              <a:t>요청이 스트림 기반으로 </a:t>
+            </a:r>
+            <a:r>
+              <a:rPr lang="en-US" altLang="ko-KR" sz="1200"/>
+              <a:t>Next-Hope </a:t>
+            </a:r>
+            <a:r>
+              <a:rPr lang="ko-KR" altLang="en-US" sz="1200"/>
+              <a:t>에 전송되고 복사본에 </a:t>
+            </a:r>
+            <a:r>
+              <a:rPr lang="en-US" altLang="ko-KR" sz="1200" b="1">
+                <a:solidFill>
+                  <a:srgbClr val="002060"/>
+                </a:solidFill>
+              </a:rPr>
+              <a:t>Content-Length</a:t>
+            </a:r>
+            <a:r>
+              <a:rPr lang="en-US" altLang="ko-KR" sz="1200"/>
+              <a:t> </a:t>
+            </a:r>
+            <a:r>
+              <a:rPr lang="ko-KR" altLang="en-US" sz="1200"/>
+              <a:t>헤더가 없는 경우</a:t>
+            </a:r>
+            <a:r>
+              <a:rPr lang="en-US" altLang="ko-KR" sz="1200"/>
+              <a:t>, </a:t>
+            </a:r>
+            <a:r>
+              <a:rPr lang="ko-KR" altLang="en-US" sz="1200">
+                <a:highlight>
+                  <a:srgbClr val="FFFF00"/>
+                </a:highlight>
+              </a:rPr>
+              <a:t>프록시는 </a:t>
+            </a:r>
+            <a:r>
+              <a:rPr lang="en-US" altLang="ko-KR" sz="1200" b="1">
+                <a:highlight>
+                  <a:srgbClr val="FFFF00"/>
+                </a:highlight>
+              </a:rPr>
+              <a:t>body</a:t>
+            </a:r>
+            <a:r>
+              <a:rPr lang="en-US" altLang="ko-KR" sz="1200">
+                <a:highlight>
+                  <a:srgbClr val="FFFF00"/>
+                </a:highlight>
+              </a:rPr>
+              <a:t> </a:t>
+            </a:r>
+            <a:r>
+              <a:rPr lang="ko-KR" altLang="en-US" sz="1200">
+                <a:highlight>
+                  <a:srgbClr val="FFFF00"/>
+                </a:highlight>
+              </a:rPr>
+              <a:t>에 올바른 값을 가진</a:t>
+            </a:r>
+            <a:r>
+              <a:rPr lang="en-US" altLang="ko-KR" sz="1200">
+                <a:highlight>
+                  <a:srgbClr val="FFFF00"/>
+                </a:highlight>
+              </a:rPr>
+              <a:t> </a:t>
+            </a:r>
+            <a:r>
+              <a:rPr lang="ko-KR" altLang="en-US" sz="1200">
+                <a:highlight>
+                  <a:srgbClr val="FFFF00"/>
+                </a:highlight>
+              </a:rPr>
+              <a:t>헤더를 </a:t>
+            </a:r>
+            <a:r>
+              <a:rPr lang="ko-KR" altLang="en-US" sz="1200" b="1">
+                <a:highlight>
+                  <a:srgbClr val="FFFF00"/>
+                </a:highlight>
+              </a:rPr>
+              <a:t>삽입</a:t>
+            </a:r>
+            <a:endParaRPr lang="en-US" altLang="ko-KR" sz="1200" b="1">
+              <a:highlight>
+                <a:srgbClr val="FFFF00"/>
+              </a:highlight>
+            </a:endParaRPr>
+          </a:p>
+          <a:p>
+            <a:pPr marL="171450" indent="-171450">
+              <a:lnSpc>
+                <a:spcPct val="200000"/>
+              </a:lnSpc>
+              <a:buFont typeface="Arial" panose="020B0604020202020204" pitchFamily="34" charset="0"/>
+              <a:buChar char="•"/>
+            </a:pPr>
+            <a:r>
+              <a:rPr lang="en-US" altLang="ko-KR" sz="1200" b="1"/>
+              <a:t>Stateful </a:t>
+            </a:r>
+            <a:r>
+              <a:rPr lang="ko-KR" altLang="en-US" sz="1200"/>
+              <a:t>프록시는 요청에 대해 </a:t>
+            </a:r>
+            <a:r>
+              <a:rPr lang="ko-KR" altLang="en-US" sz="1200" b="1"/>
+              <a:t>새 클라이언트 트랜잭션을 생성</a:t>
+            </a:r>
+            <a:r>
+              <a:rPr lang="ko-KR" altLang="en-US" sz="1200"/>
+              <a:t>하고 결정된 </a:t>
+            </a:r>
+            <a:r>
+              <a:rPr lang="ko-KR" altLang="en-US" sz="1200" b="1"/>
+              <a:t>주소</a:t>
+            </a:r>
+            <a:r>
+              <a:rPr lang="en-US" altLang="ko-KR" sz="1200" b="1"/>
+              <a:t>, </a:t>
+            </a:r>
+            <a:r>
+              <a:rPr lang="ko-KR" altLang="en-US" sz="1200" b="1"/>
+              <a:t>포트 및 전송 프로토콜</a:t>
+            </a:r>
+            <a:r>
+              <a:rPr lang="ko-KR" altLang="en-US" sz="1200"/>
+              <a:t>을 사용하여 </a:t>
+            </a:r>
+            <a:r>
+              <a:rPr lang="ko-KR" altLang="en-US" sz="1200" b="1"/>
+              <a:t>전송</a:t>
+            </a:r>
+            <a:r>
+              <a:rPr lang="ko-KR" altLang="en-US" sz="1200"/>
+              <a:t>하도록 트랜잭션에 </a:t>
+            </a:r>
+            <a:r>
+              <a:rPr lang="ko-KR" altLang="en-US" sz="1200" b="1"/>
+              <a:t>지시</a:t>
+            </a:r>
+            <a:endParaRPr lang="en-US" altLang="ko-KR" sz="1200" b="1"/>
+          </a:p>
+          <a:p>
+            <a:pPr marL="171450" indent="-171450">
+              <a:lnSpc>
+                <a:spcPct val="200000"/>
+              </a:lnSpc>
+              <a:buFont typeface="Arial" panose="020B0604020202020204" pitchFamily="34" charset="0"/>
+              <a:buChar char="•"/>
+            </a:pPr>
+            <a:r>
+              <a:rPr lang="en-US" altLang="ko-KR" sz="1200" b="1"/>
+              <a:t>INVITE</a:t>
+            </a:r>
+            <a:r>
+              <a:rPr lang="en-US" altLang="ko-KR" sz="1200"/>
+              <a:t> </a:t>
+            </a:r>
+            <a:r>
+              <a:rPr lang="ko-KR" altLang="en-US" sz="1200"/>
+              <a:t>요청이 최종 응답을 생성하지 않는 경우를 처리하기 위해</a:t>
+            </a:r>
+            <a:r>
+              <a:rPr lang="en-US" altLang="ko-KR" sz="1200"/>
+              <a:t>,</a:t>
+            </a:r>
+            <a:r>
+              <a:rPr lang="ko-KR" altLang="en-US" sz="1200"/>
+              <a:t> </a:t>
+            </a:r>
+            <a:r>
+              <a:rPr lang="en-US" altLang="ko-KR" sz="1200" b="1"/>
+              <a:t>TU</a:t>
+            </a:r>
+            <a:r>
+              <a:rPr lang="en-US" altLang="ko-KR" sz="1200"/>
+              <a:t> </a:t>
+            </a:r>
+            <a:r>
+              <a:rPr lang="ko-KR" altLang="en-US" sz="1200"/>
+              <a:t>는 </a:t>
+            </a:r>
+            <a:r>
+              <a:rPr lang="en-US" altLang="ko-KR" sz="1200" b="1"/>
+              <a:t>timer C</a:t>
+            </a:r>
+            <a:r>
+              <a:rPr lang="en-US" altLang="ko-KR" sz="1200"/>
+              <a:t> </a:t>
+            </a:r>
+            <a:r>
+              <a:rPr lang="ko-KR" altLang="en-US" sz="1200"/>
+              <a:t>라는 타이머를 </a:t>
+            </a:r>
+            <a:r>
+              <a:rPr lang="ko-KR" altLang="en-US" sz="1200" b="1"/>
+              <a:t>사용</a:t>
+            </a:r>
+            <a:endParaRPr lang="en-US" altLang="ko-KR" sz="1200" b="1"/>
+          </a:p>
+          <a:p>
+            <a:pPr marL="628650" lvl="1" indent="-171450">
+              <a:lnSpc>
+                <a:spcPct val="200000"/>
+              </a:lnSpc>
+              <a:buFont typeface="Roboto" panose="02000000000000000000" pitchFamily="2" charset="0"/>
+              <a:buChar char="−"/>
+            </a:pPr>
             <a:r>
               <a:rPr lang="en-US" altLang="ko-KR" sz="1100"/>
-              <a:t>Record-Route </a:t>
+              <a:t>timer C </a:t>
             </a:r>
             <a:r>
               <a:rPr lang="ko-KR" altLang="en-US" sz="1100"/>
-              <a:t>헤더 필드 값을 삽입</a:t>
-            </a:r>
-            <a:endParaRPr lang="en-US" altLang="ko-KR" sz="1100"/>
-          </a:p>
-          <a:p>
-            <a:pPr>
-              <a:lnSpc>
-                <a:spcPct val="200000"/>
-              </a:lnSpc>
-            </a:pPr>
+              <a:t>는 </a:t>
+            </a:r>
+            <a:r>
+              <a:rPr lang="en-US" altLang="ko-KR" sz="1100" b="1"/>
+              <a:t>INVITE</a:t>
+            </a:r>
+            <a:r>
+              <a:rPr lang="en-US" altLang="ko-KR" sz="1100"/>
+              <a:t> </a:t>
+            </a:r>
             <a:r>
               <a:rPr lang="ko-KR" altLang="en-US" sz="1100"/>
-              <a:t>다이얼로그를 설정하는 요청에서 미리 로드된 </a:t>
+              <a:t>요청이 프록시 될 때 각 클라이언트 트랜잭션을 위해 설정 </a:t>
             </a:r>
             <a:r>
               <a:rPr lang="en-US" altLang="ko-KR" sz="1100"/>
-              <a:t>Route </a:t>
+              <a:t>(</a:t>
             </a:r>
             <a:r>
               <a:rPr lang="ko-KR" altLang="en-US" sz="1100"/>
-              <a:t>헤더 필드가 포함될 수 있음</a:t>
-            </a:r>
-            <a:endParaRPr lang="en-US" altLang="ko-KR" sz="1100"/>
-          </a:p>
-          <a:p>
-            <a:pPr>
-              <a:lnSpc>
-                <a:spcPct val="200000"/>
-              </a:lnSpc>
-            </a:pPr>
+              <a:t>타이머는 </a:t>
+            </a:r>
+            <a:r>
+              <a:rPr lang="en-US" altLang="ko-KR" sz="1100"/>
+              <a:t>3</a:t>
+            </a:r>
             <a:r>
               <a:rPr lang="ko-KR" altLang="en-US" sz="1100"/>
-              <a:t>이 요청이 이미 다이얼로그의 일부인 경우 프록시는 다이얼로그에서 향후 요청의 경로를 유지하려면 </a:t>
+              <a:t>분 보다 커야 함</a:t>
             </a:r>
             <a:r>
               <a:rPr lang="en-US" altLang="ko-KR" sz="1100"/>
-              <a:t>Record-Route </a:t>
-            </a:r>
-            <a:r>
-              <a:rPr lang="ko-KR" altLang="en-US" sz="1100"/>
-              <a:t>헤더 필드 값을 삽입</a:t>
-            </a:r>
-            <a:endParaRPr lang="en-US" altLang="ko-KR" sz="1100"/>
-          </a:p>
-          <a:p>
-            <a:pPr>
-              <a:lnSpc>
-                <a:spcPct val="200000"/>
-              </a:lnSpc>
-            </a:pPr>
-            <a:r>
-              <a:rPr lang="ko-KR" altLang="en-US" sz="1100"/>
-              <a:t>프록시가 이미 다이얼로그의 일부인 요청에 </a:t>
-            </a:r>
-            <a:r>
-              <a:rPr lang="en-US" altLang="ko-KR" sz="1100"/>
-              <a:t>Record-Route </a:t>
-            </a:r>
-            <a:r>
-              <a:rPr lang="ko-KR" altLang="en-US" sz="1100"/>
-              <a:t>헤더 필드 값을 삽입하지 않기로 선택하면 프록시는 경로에 남아있음</a:t>
-            </a:r>
-            <a:endParaRPr lang="en-US" altLang="ko-KR" sz="1100"/>
-          </a:p>
-          <a:p>
-            <a:pPr>
-              <a:lnSpc>
-                <a:spcPct val="200000"/>
-              </a:lnSpc>
-            </a:pPr>
-            <a:r>
-              <a:rPr lang="ko-KR" altLang="en-US" sz="1100"/>
-              <a:t>프록시는 모든 요청에 </a:t>
-            </a:r>
-            <a:r>
-              <a:rPr lang="en-US" altLang="ko-KR" sz="1100"/>
-              <a:t>Record-Route </a:t>
-            </a:r>
-            <a:r>
-              <a:rPr lang="ko-KR" altLang="en-US" sz="1100"/>
-              <a:t>헤더 값을 삽입할 수 있음</a:t>
-            </a:r>
-            <a:r>
-              <a:rPr lang="en-US" altLang="ko-KR" sz="1100"/>
-              <a:t>. </a:t>
-            </a:r>
-            <a:r>
-              <a:rPr lang="ko-KR" altLang="en-US" sz="1100"/>
-              <a:t>요청이 다이얼로그를 게시하지 않으면 엔드포인트는 해당 값을 무시</a:t>
-            </a:r>
-            <a:endParaRPr lang="en-US" altLang="ko-KR" sz="1100"/>
-          </a:p>
-          <a:p>
-            <a:pPr>
-              <a:lnSpc>
-                <a:spcPct val="200000"/>
-              </a:lnSpc>
-            </a:pPr>
-            <a:endParaRPr lang="en-US" altLang="ko-KR" sz="1100"/>
+              <a:t>)</a:t>
+            </a:r>
           </a:p>
         </p:txBody>
       </p:sp>
     </p:spTree>
     <p:extLst>
       <p:ext uri="{BB962C8B-B14F-4D97-AF65-F5344CB8AC3E}">
-        <p14:creationId xmlns:p14="http://schemas.microsoft.com/office/powerpoint/2010/main" val="551920194"/>
+        <p14:creationId xmlns:p14="http://schemas.microsoft.com/office/powerpoint/2010/main" val="783417116"/>
       </p:ext>
     </p:extLst>
   </p:cSld>
@@ -3948,6 +6248,1225 @@
 </file>
 
 <file path=ppt/slides/slide14.xml><?xml version="1.0" encoding="utf-8"?>
+<p:sld xmlns:a="http://schemas.openxmlformats.org/drawingml/2006/main" xmlns:r="http://schemas.openxmlformats.org/officeDocument/2006/relationships" xmlns:p="http://schemas.openxmlformats.org/presentationml/2006/main">
+  <p:cSld>
+    <p:spTree>
+      <p:nvGrpSpPr>
+        <p:cNvPr id="1" name=""/>
+        <p:cNvGrpSpPr/>
+        <p:nvPr/>
+      </p:nvGrpSpPr>
+      <p:grpSpPr>
+        <a:xfrm>
+          <a:off x="0" y="0"/>
+          <a:ext cx="0" cy="0"/>
+          <a:chOff x="0" y="0"/>
+          <a:chExt cx="0" cy="0"/>
+        </a:xfrm>
+      </p:grpSpPr>
+      <p:sp>
+        <p:nvSpPr>
+          <p:cNvPr id="2" name="제목 1">
+            <a:extLst>
+              <a:ext uri="{FF2B5EF4-FFF2-40B4-BE49-F238E27FC236}">
+                <a16:creationId xmlns:a16="http://schemas.microsoft.com/office/drawing/2014/main" id="{70F22706-C19C-4D37-953F-8A651D4CB7A4}"/>
+              </a:ext>
+            </a:extLst>
+          </p:cNvPr>
+          <p:cNvSpPr>
+            <a:spLocks noGrp="1"/>
+          </p:cNvSpPr>
+          <p:nvPr>
+            <p:ph type="title"/>
+          </p:nvPr>
+        </p:nvSpPr>
+        <p:spPr>
+          <a:xfrm>
+            <a:off x="0" y="1"/>
+            <a:ext cx="12192000" cy="550415"/>
+          </a:xfrm>
+        </p:spPr>
+        <p:txBody>
+          <a:bodyPr/>
+          <a:lstStyle/>
+          <a:p>
+            <a:r>
+              <a:rPr lang="en-US" altLang="ko-KR"/>
+              <a:t>1. Proxy Behavior – Process all responses</a:t>
+            </a:r>
+            <a:endParaRPr lang="ko-KR" altLang="en-US"/>
+          </a:p>
+        </p:txBody>
+      </p:sp>
+      <p:sp>
+        <p:nvSpPr>
+          <p:cNvPr id="3" name="슬라이드 번호 개체 틀 2">
+            <a:extLst>
+              <a:ext uri="{FF2B5EF4-FFF2-40B4-BE49-F238E27FC236}">
+                <a16:creationId xmlns:a16="http://schemas.microsoft.com/office/drawing/2014/main" id="{7C06E1FC-B274-42F0-8885-FADDAB6271F6}"/>
+              </a:ext>
+            </a:extLst>
+          </p:cNvPr>
+          <p:cNvSpPr>
+            <a:spLocks noGrp="1"/>
+          </p:cNvSpPr>
+          <p:nvPr>
+            <p:ph type="sldNum" sz="quarter" idx="12"/>
+          </p:nvPr>
+        </p:nvSpPr>
+        <p:spPr/>
+        <p:txBody>
+          <a:bodyPr/>
+          <a:lstStyle/>
+          <a:p>
+            <a:fld id="{A9252A94-CC09-4928-8209-20295AE91AEF}" type="slidenum">
+              <a:rPr lang="ko-KR" altLang="en-US" smtClean="0"/>
+              <a:pPr/>
+              <a:t>14</a:t>
+            </a:fld>
+            <a:endParaRPr lang="ko-KR" altLang="en-US"/>
+          </a:p>
+        </p:txBody>
+      </p:sp>
+      <p:sp>
+        <p:nvSpPr>
+          <p:cNvPr id="8" name="TextBox 7">
+            <a:extLst>
+              <a:ext uri="{FF2B5EF4-FFF2-40B4-BE49-F238E27FC236}">
+                <a16:creationId xmlns:a16="http://schemas.microsoft.com/office/drawing/2014/main" id="{6E28806E-A6C4-48BB-BA9C-1D09A27FAF88}"/>
+              </a:ext>
+            </a:extLst>
+          </p:cNvPr>
+          <p:cNvSpPr txBox="1"/>
+          <p:nvPr/>
+        </p:nvSpPr>
+        <p:spPr>
+          <a:xfrm>
+            <a:off x="9606093" y="597481"/>
+            <a:ext cx="2521844" cy="1220847"/>
+          </a:xfrm>
+          <a:prstGeom prst="rect">
+            <a:avLst/>
+          </a:prstGeom>
+          <a:noFill/>
+        </p:spPr>
+        <p:txBody>
+          <a:bodyPr wrap="none" rtlCol="0">
+            <a:spAutoFit/>
+          </a:bodyPr>
+          <a:lstStyle/>
+          <a:p>
+            <a:pPr marL="342900" indent="-342900">
+              <a:lnSpc>
+                <a:spcPct val="150000"/>
+              </a:lnSpc>
+              <a:buAutoNum type="arabicPeriod"/>
+            </a:pPr>
+            <a:r>
+              <a:rPr lang="en-US" altLang="ko-KR" sz="1000">
+                <a:solidFill>
+                  <a:schemeClr val="bg1">
+                    <a:lumMod val="75000"/>
+                  </a:schemeClr>
+                </a:solidFill>
+              </a:rPr>
+              <a:t>Validate the request</a:t>
+            </a:r>
+          </a:p>
+          <a:p>
+            <a:pPr marL="342900" indent="-342900">
+              <a:lnSpc>
+                <a:spcPct val="150000"/>
+              </a:lnSpc>
+              <a:buAutoNum type="arabicPeriod"/>
+            </a:pPr>
+            <a:r>
+              <a:rPr lang="en-US" altLang="ko-KR" sz="1000">
+                <a:solidFill>
+                  <a:schemeClr val="bg1">
+                    <a:lumMod val="75000"/>
+                  </a:schemeClr>
+                </a:solidFill>
+              </a:rPr>
+              <a:t>Preprocess routing information</a:t>
+            </a:r>
+          </a:p>
+          <a:p>
+            <a:pPr marL="342900" indent="-342900">
+              <a:lnSpc>
+                <a:spcPct val="150000"/>
+              </a:lnSpc>
+              <a:buAutoNum type="arabicPeriod"/>
+            </a:pPr>
+            <a:r>
+              <a:rPr lang="en-US" altLang="ko-KR" sz="1000">
+                <a:solidFill>
+                  <a:schemeClr val="bg1">
+                    <a:lumMod val="75000"/>
+                  </a:schemeClr>
+                </a:solidFill>
+              </a:rPr>
+              <a:t>Determine target for the request</a:t>
+            </a:r>
+          </a:p>
+          <a:p>
+            <a:pPr marL="342900" indent="-342900">
+              <a:lnSpc>
+                <a:spcPct val="150000"/>
+              </a:lnSpc>
+              <a:buAutoNum type="arabicPeriod"/>
+            </a:pPr>
+            <a:r>
+              <a:rPr lang="en-US" altLang="ko-KR" sz="1000">
+                <a:solidFill>
+                  <a:schemeClr val="bg1">
+                    <a:lumMod val="75000"/>
+                  </a:schemeClr>
+                </a:solidFill>
+              </a:rPr>
+              <a:t>Forward the request to each target</a:t>
+            </a:r>
+          </a:p>
+          <a:p>
+            <a:pPr marL="342900" indent="-342900">
+              <a:lnSpc>
+                <a:spcPct val="150000"/>
+              </a:lnSpc>
+              <a:buAutoNum type="arabicPeriod"/>
+            </a:pPr>
+            <a:r>
+              <a:rPr lang="en-US" altLang="ko-KR" sz="1000" b="1"/>
+              <a:t>Process all responses</a:t>
+            </a:r>
+          </a:p>
+        </p:txBody>
+      </p:sp>
+      <p:sp>
+        <p:nvSpPr>
+          <p:cNvPr id="9" name="TextBox 8">
+            <a:extLst>
+              <a:ext uri="{FF2B5EF4-FFF2-40B4-BE49-F238E27FC236}">
+                <a16:creationId xmlns:a16="http://schemas.microsoft.com/office/drawing/2014/main" id="{A4333DBB-0BE3-43C0-B017-9DD1521C3124}"/>
+              </a:ext>
+            </a:extLst>
+          </p:cNvPr>
+          <p:cNvSpPr txBox="1"/>
+          <p:nvPr/>
+        </p:nvSpPr>
+        <p:spPr>
+          <a:xfrm>
+            <a:off x="1035251" y="900463"/>
+            <a:ext cx="6253055" cy="5336717"/>
+          </a:xfrm>
+          <a:prstGeom prst="rect">
+            <a:avLst/>
+          </a:prstGeom>
+          <a:noFill/>
+        </p:spPr>
+        <p:txBody>
+          <a:bodyPr wrap="square" rtlCol="0">
+            <a:spAutoFit/>
+          </a:bodyPr>
+          <a:lstStyle/>
+          <a:p>
+            <a:pPr>
+              <a:lnSpc>
+                <a:spcPct val="200000"/>
+              </a:lnSpc>
+            </a:pPr>
+            <a:r>
+              <a:rPr lang="en-US" altLang="ko-KR" sz="1600" b="1">
+                <a:solidFill>
+                  <a:schemeClr val="accent3">
+                    <a:lumMod val="50000"/>
+                  </a:schemeClr>
+                </a:solidFill>
+              </a:rPr>
+              <a:t>Overview</a:t>
+            </a:r>
+            <a:endParaRPr lang="en-US" altLang="ko-KR" sz="1200" b="1">
+              <a:solidFill>
+                <a:schemeClr val="accent3">
+                  <a:lumMod val="50000"/>
+                </a:schemeClr>
+              </a:solidFill>
+            </a:endParaRPr>
+          </a:p>
+          <a:p>
+            <a:pPr marL="171450" indent="-171450">
+              <a:lnSpc>
+                <a:spcPct val="200000"/>
+              </a:lnSpc>
+              <a:buFont typeface="Arial" panose="020B0604020202020204" pitchFamily="34" charset="0"/>
+              <a:buChar char="•"/>
+            </a:pPr>
+            <a:r>
+              <a:rPr lang="ko-KR" altLang="en-US" sz="1200"/>
+              <a:t>프록시는 응답을 받으면 먼저 응답과 일치하는 클라이언트 트랜잭션을 찾으려고 시도</a:t>
+            </a:r>
+            <a:endParaRPr lang="en-US" altLang="ko-KR" sz="1200"/>
+          </a:p>
+          <a:p>
+            <a:pPr marL="628650" lvl="1" indent="-171450">
+              <a:lnSpc>
+                <a:spcPct val="200000"/>
+              </a:lnSpc>
+              <a:buFont typeface="Arial" panose="020B0604020202020204" pitchFamily="34" charset="0"/>
+              <a:buChar char="•"/>
+            </a:pPr>
+            <a:r>
+              <a:rPr lang="ko-KR" altLang="en-US" sz="1100"/>
+              <a:t>일치하는 트랜잭션을 찾을 수 없는 경우</a:t>
+            </a:r>
+            <a:r>
+              <a:rPr lang="en-US" altLang="ko-KR" sz="1100"/>
+              <a:t>, </a:t>
+            </a:r>
+            <a:r>
+              <a:rPr lang="ko-KR" altLang="en-US" sz="1100"/>
+              <a:t>해당 응답을 </a:t>
+            </a:r>
+            <a:r>
+              <a:rPr lang="en-US" altLang="ko-KR" sz="1100"/>
+              <a:t>state less </a:t>
+            </a:r>
+            <a:r>
+              <a:rPr lang="ko-KR" altLang="en-US" sz="1100"/>
+              <a:t>프록시로서 응답을 처리</a:t>
+            </a:r>
+            <a:endParaRPr lang="en-US" altLang="ko-KR" sz="1100"/>
+          </a:p>
+          <a:p>
+            <a:pPr marL="628650" lvl="1" indent="-171450">
+              <a:lnSpc>
+                <a:spcPct val="200000"/>
+              </a:lnSpc>
+              <a:buFont typeface="Arial" panose="020B0604020202020204" pitchFamily="34" charset="0"/>
+              <a:buChar char="•"/>
+            </a:pPr>
+            <a:r>
+              <a:rPr lang="ko-KR" altLang="en-US" sz="1100"/>
+              <a:t>찾은 경우</a:t>
+            </a:r>
+            <a:r>
+              <a:rPr lang="en-US" altLang="ko-KR" sz="1100"/>
+              <a:t>, </a:t>
+            </a:r>
+            <a:r>
+              <a:rPr lang="ko-KR" altLang="en-US" sz="1100"/>
+              <a:t>응답이 클라이언트 트랜잭션으로 전달</a:t>
+            </a:r>
+            <a:endParaRPr lang="en-US" altLang="ko-KR" sz="1100"/>
+          </a:p>
+          <a:p>
+            <a:pPr marL="171450" indent="-171450">
+              <a:lnSpc>
+                <a:spcPct val="200000"/>
+              </a:lnSpc>
+              <a:buFont typeface="Arial" panose="020B0604020202020204" pitchFamily="34" charset="0"/>
+              <a:buChar char="•"/>
+            </a:pPr>
+            <a:r>
+              <a:rPr lang="ko-KR" altLang="en-US" sz="1200"/>
+              <a:t>클라이언트 트랜잭션이 </a:t>
+            </a:r>
+            <a:r>
+              <a:rPr lang="en-US" altLang="ko-KR" sz="1200" b="1"/>
+              <a:t>Proxy Layer</a:t>
+            </a:r>
+            <a:r>
+              <a:rPr lang="en-US" altLang="ko-KR" sz="1200"/>
+              <a:t> </a:t>
+            </a:r>
+            <a:r>
+              <a:rPr lang="ko-KR" altLang="en-US" sz="1200"/>
+              <a:t>로 응답을 전달할 때 다음 처리가 수행</a:t>
+            </a:r>
+            <a:r>
+              <a:rPr lang="en-US" altLang="ko-KR" sz="1200"/>
+              <a:t>:</a:t>
+            </a:r>
+          </a:p>
+          <a:p>
+            <a:pPr marL="685800" lvl="1" indent="-228600">
+              <a:lnSpc>
+                <a:spcPct val="200000"/>
+              </a:lnSpc>
+              <a:buFont typeface="+mj-lt"/>
+              <a:buAutoNum type="arabicPeriod"/>
+            </a:pPr>
+            <a:r>
+              <a:rPr lang="en-US" altLang="ko-KR" sz="1100"/>
+              <a:t>Find the appropriate response context</a:t>
+            </a:r>
+          </a:p>
+          <a:p>
+            <a:pPr marL="685800" lvl="1" indent="-228600">
+              <a:lnSpc>
+                <a:spcPct val="200000"/>
+              </a:lnSpc>
+              <a:buFont typeface="+mj-lt"/>
+              <a:buAutoNum type="arabicPeriod"/>
+            </a:pPr>
+            <a:r>
+              <a:rPr lang="en-US" altLang="ko-KR" sz="1100"/>
+              <a:t>Update timer C for provisional responses</a:t>
+            </a:r>
+          </a:p>
+          <a:p>
+            <a:pPr marL="685800" lvl="1" indent="-228600">
+              <a:lnSpc>
+                <a:spcPct val="200000"/>
+              </a:lnSpc>
+              <a:buFont typeface="+mj-lt"/>
+              <a:buAutoNum type="arabicPeriod"/>
+            </a:pPr>
+            <a:r>
+              <a:rPr lang="en-US" altLang="ko-KR" sz="1100"/>
+              <a:t>Remove the topmost Via</a:t>
+            </a:r>
+          </a:p>
+          <a:p>
+            <a:pPr marL="685800" lvl="1" indent="-228600">
+              <a:lnSpc>
+                <a:spcPct val="200000"/>
+              </a:lnSpc>
+              <a:buFont typeface="+mj-lt"/>
+              <a:buAutoNum type="arabicPeriod"/>
+            </a:pPr>
+            <a:r>
+              <a:rPr lang="en-US" altLang="ko-KR" sz="1100"/>
+              <a:t>Add the response to the response context</a:t>
+            </a:r>
+          </a:p>
+          <a:p>
+            <a:pPr marL="685800" lvl="1" indent="-228600">
+              <a:lnSpc>
+                <a:spcPct val="200000"/>
+              </a:lnSpc>
+              <a:buFont typeface="+mj-lt"/>
+              <a:buAutoNum type="arabicPeriod"/>
+            </a:pPr>
+            <a:r>
+              <a:rPr lang="en-US" altLang="ko-KR" sz="1100"/>
+              <a:t>Check to see if this response should be forwarded immediately</a:t>
+            </a:r>
+          </a:p>
+          <a:p>
+            <a:pPr marL="685800" lvl="1" indent="-228600">
+              <a:lnSpc>
+                <a:spcPct val="200000"/>
+              </a:lnSpc>
+              <a:buFont typeface="+mj-lt"/>
+              <a:buAutoNum type="arabicPeriod"/>
+            </a:pPr>
+            <a:r>
+              <a:rPr lang="en-US" altLang="ko-KR" sz="1100"/>
+              <a:t>When necessary, choose the best final response from the response context</a:t>
+            </a:r>
+          </a:p>
+          <a:p>
+            <a:pPr marL="685800" lvl="1" indent="-228600">
+              <a:lnSpc>
+                <a:spcPct val="200000"/>
+              </a:lnSpc>
+              <a:buFont typeface="+mj-lt"/>
+              <a:buAutoNum type="arabicPeriod"/>
+            </a:pPr>
+            <a:r>
+              <a:rPr lang="en-US" altLang="ko-KR" sz="1100"/>
+              <a:t>Aggregate authorization header field values if necessary</a:t>
+            </a:r>
+          </a:p>
+          <a:p>
+            <a:pPr marL="685800" lvl="1" indent="-228600">
+              <a:lnSpc>
+                <a:spcPct val="200000"/>
+              </a:lnSpc>
+              <a:buFont typeface="+mj-lt"/>
+              <a:buAutoNum type="arabicPeriod"/>
+            </a:pPr>
+            <a:r>
+              <a:rPr lang="en-US" altLang="ko-KR" sz="1100"/>
+              <a:t>Optionally rewrite Record-Route header field values</a:t>
+            </a:r>
+          </a:p>
+          <a:p>
+            <a:pPr marL="685800" lvl="1" indent="-228600">
+              <a:lnSpc>
+                <a:spcPct val="200000"/>
+              </a:lnSpc>
+              <a:buFont typeface="+mj-lt"/>
+              <a:buAutoNum type="arabicPeriod"/>
+            </a:pPr>
+            <a:r>
+              <a:rPr lang="en-US" altLang="ko-KR" sz="1100"/>
+              <a:t>Forward the response</a:t>
+            </a:r>
+          </a:p>
+          <a:p>
+            <a:pPr marL="685800" lvl="1" indent="-228600">
+              <a:lnSpc>
+                <a:spcPct val="200000"/>
+              </a:lnSpc>
+              <a:buFont typeface="+mj-lt"/>
+              <a:buAutoNum type="arabicPeriod"/>
+            </a:pPr>
+            <a:r>
+              <a:rPr lang="en-US" altLang="ko-KR" sz="1100"/>
+              <a:t>Generate any necessary CANCEL requests</a:t>
+            </a:r>
+          </a:p>
+        </p:txBody>
+      </p:sp>
+      <p:cxnSp>
+        <p:nvCxnSpPr>
+          <p:cNvPr id="10" name="연결선: 꺾임 9">
+            <a:extLst>
+              <a:ext uri="{FF2B5EF4-FFF2-40B4-BE49-F238E27FC236}">
+                <a16:creationId xmlns:a16="http://schemas.microsoft.com/office/drawing/2014/main" id="{3AF695BA-802F-46A3-AC7C-A379891D7813}"/>
+              </a:ext>
+            </a:extLst>
+          </p:cNvPr>
+          <p:cNvCxnSpPr>
+            <a:cxnSpLocks/>
+            <a:endCxn id="11" idx="1"/>
+          </p:cNvCxnSpPr>
+          <p:nvPr/>
+        </p:nvCxnSpPr>
+        <p:spPr>
+          <a:xfrm flipV="1">
+            <a:off x="6723529" y="4256335"/>
+            <a:ext cx="989257" cy="450136"/>
+          </a:xfrm>
+          <a:prstGeom prst="bentConnector3">
+            <a:avLst>
+              <a:gd name="adj1" fmla="val 50000"/>
+            </a:avLst>
+          </a:prstGeom>
+          <a:ln w="3175">
+            <a:solidFill>
+              <a:schemeClr val="tx1"/>
+            </a:solidFill>
+          </a:ln>
+        </p:spPr>
+        <p:style>
+          <a:lnRef idx="1">
+            <a:schemeClr val="accent1"/>
+          </a:lnRef>
+          <a:fillRef idx="0">
+            <a:schemeClr val="accent1"/>
+          </a:fillRef>
+          <a:effectRef idx="0">
+            <a:schemeClr val="accent1"/>
+          </a:effectRef>
+          <a:fontRef idx="minor">
+            <a:schemeClr val="tx1"/>
+          </a:fontRef>
+        </p:style>
+      </p:cxnSp>
+      <p:sp>
+        <p:nvSpPr>
+          <p:cNvPr id="11" name="TextBox 10">
+            <a:extLst>
+              <a:ext uri="{FF2B5EF4-FFF2-40B4-BE49-F238E27FC236}">
+                <a16:creationId xmlns:a16="http://schemas.microsoft.com/office/drawing/2014/main" id="{E50C0DF1-C2AA-4F99-A52B-ACCB4CCBDC84}"/>
+              </a:ext>
+            </a:extLst>
+          </p:cNvPr>
+          <p:cNvSpPr txBox="1"/>
+          <p:nvPr/>
+        </p:nvSpPr>
+        <p:spPr>
+          <a:xfrm>
+            <a:off x="7712786" y="4002419"/>
+            <a:ext cx="3786614" cy="507831"/>
+          </a:xfrm>
+          <a:prstGeom prst="rect">
+            <a:avLst/>
+          </a:prstGeom>
+          <a:solidFill>
+            <a:schemeClr val="bg1"/>
+          </a:solidFill>
+          <a:ln>
+            <a:solidFill>
+              <a:schemeClr val="tx1"/>
+            </a:solidFill>
+          </a:ln>
+        </p:spPr>
+        <p:txBody>
+          <a:bodyPr wrap="none" rtlCol="0">
+            <a:spAutoFit/>
+          </a:bodyPr>
+          <a:lstStyle/>
+          <a:p>
+            <a:r>
+              <a:rPr lang="ko-KR" altLang="en-US" sz="900"/>
+              <a:t>응답 컨텍스트와 관련된 모든 클라이언트 트랜잭션이 종료된 후에도 </a:t>
+            </a:r>
+            <a:br>
+              <a:rPr lang="en-US" altLang="ko-KR" sz="900"/>
+            </a:br>
+            <a:r>
+              <a:rPr lang="en-US" altLang="ko-KR" sz="900"/>
+              <a:t>final </a:t>
+            </a:r>
+            <a:r>
+              <a:rPr lang="ko-KR" altLang="en-US" sz="900"/>
+              <a:t>응답이 전달되지 않으면</a:t>
+            </a:r>
+            <a:r>
+              <a:rPr lang="en-US" altLang="ko-KR" sz="900"/>
+              <a:t>, </a:t>
+            </a:r>
+            <a:r>
+              <a:rPr lang="ko-KR" altLang="en-US" sz="900"/>
+              <a:t>프록시는 지금까지 본 응답 중 </a:t>
+            </a:r>
+            <a:r>
+              <a:rPr lang="en-US" altLang="ko-KR" sz="900"/>
+              <a:t>“best” </a:t>
+            </a:r>
+            <a:r>
+              <a:rPr lang="ko-KR" altLang="en-US" sz="900"/>
+              <a:t>응답을</a:t>
+            </a:r>
+            <a:br>
+              <a:rPr lang="en-US" altLang="ko-KR" sz="900"/>
+            </a:br>
+            <a:r>
+              <a:rPr lang="ko-KR" altLang="en-US" sz="900"/>
+              <a:t>선택해서 전달해야 한다</a:t>
+            </a:r>
+            <a:r>
+              <a:rPr lang="en-US" altLang="ko-KR" sz="900"/>
+              <a:t>.</a:t>
+            </a:r>
+            <a:endParaRPr lang="ko-KR" altLang="en-US" sz="900"/>
+          </a:p>
+        </p:txBody>
+      </p:sp>
+    </p:spTree>
+    <p:extLst>
+      <p:ext uri="{BB962C8B-B14F-4D97-AF65-F5344CB8AC3E}">
+        <p14:creationId xmlns:p14="http://schemas.microsoft.com/office/powerpoint/2010/main" val="3423770965"/>
+      </p:ext>
+    </p:extLst>
+  </p:cSld>
+  <p:clrMapOvr>
+    <a:masterClrMapping/>
+  </p:clrMapOvr>
+</p:sld>
+</file>
+
+<file path=ppt/slides/slide15.xml><?xml version="1.0" encoding="utf-8"?>
+<p:sld xmlns:a="http://schemas.openxmlformats.org/drawingml/2006/main" xmlns:r="http://schemas.openxmlformats.org/officeDocument/2006/relationships" xmlns:p="http://schemas.openxmlformats.org/presentationml/2006/main">
+  <p:cSld>
+    <p:spTree>
+      <p:nvGrpSpPr>
+        <p:cNvPr id="1" name=""/>
+        <p:cNvGrpSpPr/>
+        <p:nvPr/>
+      </p:nvGrpSpPr>
+      <p:grpSpPr>
+        <a:xfrm>
+          <a:off x="0" y="0"/>
+          <a:ext cx="0" cy="0"/>
+          <a:chOff x="0" y="0"/>
+          <a:chExt cx="0" cy="0"/>
+        </a:xfrm>
+      </p:grpSpPr>
+      <p:sp>
+        <p:nvSpPr>
+          <p:cNvPr id="2" name="제목 1">
+            <a:extLst>
+              <a:ext uri="{FF2B5EF4-FFF2-40B4-BE49-F238E27FC236}">
+                <a16:creationId xmlns:a16="http://schemas.microsoft.com/office/drawing/2014/main" id="{70F22706-C19C-4D37-953F-8A651D4CB7A4}"/>
+              </a:ext>
+            </a:extLst>
+          </p:cNvPr>
+          <p:cNvSpPr>
+            <a:spLocks noGrp="1"/>
+          </p:cNvSpPr>
+          <p:nvPr>
+            <p:ph type="title"/>
+          </p:nvPr>
+        </p:nvSpPr>
+        <p:spPr>
+          <a:xfrm>
+            <a:off x="0" y="1"/>
+            <a:ext cx="12192000" cy="550415"/>
+          </a:xfrm>
+        </p:spPr>
+        <p:txBody>
+          <a:bodyPr/>
+          <a:lstStyle/>
+          <a:p>
+            <a:r>
+              <a:rPr lang="en-US" altLang="ko-KR"/>
+              <a:t>1. Proxy Behavior – Process all responses</a:t>
+            </a:r>
+            <a:endParaRPr lang="ko-KR" altLang="en-US"/>
+          </a:p>
+        </p:txBody>
+      </p:sp>
+      <p:sp>
+        <p:nvSpPr>
+          <p:cNvPr id="3" name="슬라이드 번호 개체 틀 2">
+            <a:extLst>
+              <a:ext uri="{FF2B5EF4-FFF2-40B4-BE49-F238E27FC236}">
+                <a16:creationId xmlns:a16="http://schemas.microsoft.com/office/drawing/2014/main" id="{7C06E1FC-B274-42F0-8885-FADDAB6271F6}"/>
+              </a:ext>
+            </a:extLst>
+          </p:cNvPr>
+          <p:cNvSpPr>
+            <a:spLocks noGrp="1"/>
+          </p:cNvSpPr>
+          <p:nvPr>
+            <p:ph type="sldNum" sz="quarter" idx="12"/>
+          </p:nvPr>
+        </p:nvSpPr>
+        <p:spPr/>
+        <p:txBody>
+          <a:bodyPr/>
+          <a:lstStyle/>
+          <a:p>
+            <a:fld id="{A9252A94-CC09-4928-8209-20295AE91AEF}" type="slidenum">
+              <a:rPr lang="ko-KR" altLang="en-US" smtClean="0"/>
+              <a:pPr/>
+              <a:t>15</a:t>
+            </a:fld>
+            <a:endParaRPr lang="ko-KR" altLang="en-US"/>
+          </a:p>
+        </p:txBody>
+      </p:sp>
+      <p:sp>
+        <p:nvSpPr>
+          <p:cNvPr id="12" name="TextBox 11">
+            <a:extLst>
+              <a:ext uri="{FF2B5EF4-FFF2-40B4-BE49-F238E27FC236}">
+                <a16:creationId xmlns:a16="http://schemas.microsoft.com/office/drawing/2014/main" id="{090A8AA4-F5B9-4002-A3C5-16CA491103B0}"/>
+              </a:ext>
+            </a:extLst>
+          </p:cNvPr>
+          <p:cNvSpPr txBox="1"/>
+          <p:nvPr/>
+        </p:nvSpPr>
+        <p:spPr>
+          <a:xfrm>
+            <a:off x="876988" y="1049621"/>
+            <a:ext cx="9352240" cy="1215717"/>
+          </a:xfrm>
+          <a:prstGeom prst="rect">
+            <a:avLst/>
+          </a:prstGeom>
+          <a:noFill/>
+        </p:spPr>
+        <p:txBody>
+          <a:bodyPr wrap="none" rtlCol="0">
+            <a:spAutoFit/>
+          </a:bodyPr>
+          <a:lstStyle/>
+          <a:p>
+            <a:pPr>
+              <a:lnSpc>
+                <a:spcPct val="200000"/>
+              </a:lnSpc>
+            </a:pPr>
+            <a:r>
+              <a:rPr lang="en-US" altLang="ko-KR" sz="1400" b="1">
+                <a:solidFill>
+                  <a:schemeClr val="accent3">
+                    <a:lumMod val="50000"/>
+                  </a:schemeClr>
+                </a:solidFill>
+                <a:ea typeface="+mj-ea"/>
+              </a:rPr>
+              <a:t>1. Finding Context</a:t>
+            </a:r>
+            <a:endParaRPr lang="en-US" altLang="ko-KR" sz="1200">
+              <a:solidFill>
+                <a:schemeClr val="accent3">
+                  <a:lumMod val="50000"/>
+                </a:schemeClr>
+              </a:solidFill>
+              <a:ea typeface="+mj-ea"/>
+            </a:endParaRPr>
+          </a:p>
+          <a:p>
+            <a:pPr marL="628650" lvl="1" indent="-171450">
+              <a:lnSpc>
+                <a:spcPct val="200000"/>
+              </a:lnSpc>
+              <a:buFont typeface="Arial" panose="020B0604020202020204" pitchFamily="34" charset="0"/>
+              <a:buChar char="•"/>
+            </a:pPr>
+            <a:r>
+              <a:rPr lang="ko-KR" altLang="en-US" sz="1200"/>
+              <a:t>프록시는 </a:t>
+            </a:r>
+            <a:r>
+              <a:rPr lang="en-US" altLang="ko-KR" sz="1200"/>
+              <a:t>Request-Forwarding </a:t>
+            </a:r>
+            <a:r>
+              <a:rPr lang="ko-KR" altLang="en-US" sz="1200"/>
+              <a:t>단계에서 설명한 키를 사용하여 </a:t>
+            </a:r>
+            <a:r>
+              <a:rPr lang="en-US" altLang="ko-KR" sz="1200"/>
+              <a:t>original </a:t>
+            </a:r>
+            <a:r>
+              <a:rPr lang="ko-KR" altLang="en-US" sz="1200"/>
+              <a:t>요청을 전달하기 전에 만들었던 </a:t>
+            </a:r>
+            <a:r>
+              <a:rPr lang="en-US" altLang="ko-KR" sz="1200"/>
+              <a:t>"response context“ </a:t>
+            </a:r>
+            <a:r>
+              <a:rPr lang="ko-KR" altLang="en-US" sz="1200"/>
+              <a:t>를 찾음</a:t>
+            </a:r>
+            <a:endParaRPr lang="en-US" altLang="ko-KR" sz="1200"/>
+          </a:p>
+          <a:p>
+            <a:pPr marL="628650" lvl="1" indent="-171450">
+              <a:lnSpc>
+                <a:spcPct val="200000"/>
+              </a:lnSpc>
+              <a:buFont typeface="Arial" panose="020B0604020202020204" pitchFamily="34" charset="0"/>
+              <a:buChar char="•"/>
+            </a:pPr>
+            <a:r>
+              <a:rPr lang="ko-KR" altLang="en-US" sz="1200"/>
+              <a:t>나머지 처리 단계는 이 </a:t>
+            </a:r>
+            <a:r>
+              <a:rPr lang="en-US" altLang="ko-KR" sz="1200"/>
+              <a:t>context </a:t>
+            </a:r>
+            <a:r>
+              <a:rPr lang="ko-KR" altLang="en-US" sz="1200"/>
+              <a:t>에서 발생</a:t>
+            </a:r>
+            <a:endParaRPr lang="en-US" altLang="ko-KR" sz="1200"/>
+          </a:p>
+        </p:txBody>
+      </p:sp>
+      <p:sp>
+        <p:nvSpPr>
+          <p:cNvPr id="13" name="TextBox 12">
+            <a:extLst>
+              <a:ext uri="{FF2B5EF4-FFF2-40B4-BE49-F238E27FC236}">
+                <a16:creationId xmlns:a16="http://schemas.microsoft.com/office/drawing/2014/main" id="{D58543A8-E241-4A5F-A89B-BBC0726452CD}"/>
+              </a:ext>
+            </a:extLst>
+          </p:cNvPr>
+          <p:cNvSpPr txBox="1"/>
+          <p:nvPr/>
+        </p:nvSpPr>
+        <p:spPr>
+          <a:xfrm>
+            <a:off x="876988" y="2257644"/>
+            <a:ext cx="10578537" cy="1215717"/>
+          </a:xfrm>
+          <a:prstGeom prst="rect">
+            <a:avLst/>
+          </a:prstGeom>
+          <a:noFill/>
+        </p:spPr>
+        <p:txBody>
+          <a:bodyPr wrap="none" rtlCol="0">
+            <a:spAutoFit/>
+          </a:bodyPr>
+          <a:lstStyle/>
+          <a:p>
+            <a:pPr>
+              <a:lnSpc>
+                <a:spcPct val="200000"/>
+              </a:lnSpc>
+            </a:pPr>
+            <a:r>
+              <a:rPr lang="en-US" altLang="ko-KR" sz="1400" b="1">
+                <a:solidFill>
+                  <a:schemeClr val="accent3">
+                    <a:lumMod val="50000"/>
+                  </a:schemeClr>
+                </a:solidFill>
+                <a:ea typeface="+mj-ea"/>
+              </a:rPr>
+              <a:t>2. Update timer C For provisional responses</a:t>
+            </a:r>
+            <a:endParaRPr lang="en-US" altLang="ko-KR" sz="1200">
+              <a:solidFill>
+                <a:schemeClr val="accent3">
+                  <a:lumMod val="50000"/>
+                </a:schemeClr>
+              </a:solidFill>
+              <a:ea typeface="+mj-ea"/>
+            </a:endParaRPr>
+          </a:p>
+          <a:p>
+            <a:pPr marL="628650" lvl="1" indent="-171450">
+              <a:lnSpc>
+                <a:spcPct val="200000"/>
+              </a:lnSpc>
+              <a:buFont typeface="Arial" panose="020B0604020202020204" pitchFamily="34" charset="0"/>
+              <a:buChar char="•"/>
+            </a:pPr>
+            <a:r>
+              <a:rPr lang="en-US" altLang="ko-KR" sz="1200"/>
+              <a:t>INVITE </a:t>
+            </a:r>
+            <a:r>
+              <a:rPr lang="ko-KR" altLang="en-US" sz="1200"/>
+              <a:t>트랜잭션의 경우</a:t>
+            </a:r>
+            <a:r>
+              <a:rPr lang="en-US" altLang="ko-KR" sz="1200"/>
+              <a:t>, </a:t>
+            </a:r>
+            <a:r>
+              <a:rPr lang="ko-KR" altLang="en-US" sz="1200"/>
+              <a:t>응답이 상태 코드 </a:t>
+            </a:r>
+            <a:r>
+              <a:rPr lang="en-US" altLang="ko-KR" sz="1200"/>
+              <a:t>101 ~ 199 </a:t>
+            </a:r>
+            <a:r>
+              <a:rPr lang="ko-KR" altLang="en-US" sz="1200"/>
+              <a:t>를 포함하는 임시 응답 </a:t>
+            </a:r>
+            <a:r>
+              <a:rPr lang="en-US" altLang="ko-KR" sz="1200"/>
+              <a:t>(100 </a:t>
+            </a:r>
+            <a:r>
+              <a:rPr lang="ko-KR" altLang="en-US" sz="1200"/>
+              <a:t>제외</a:t>
+            </a:r>
+            <a:r>
+              <a:rPr lang="en-US" altLang="ko-KR" sz="1200"/>
+              <a:t>)</a:t>
+            </a:r>
+            <a:r>
+              <a:rPr lang="ko-KR" altLang="en-US" sz="1200"/>
+              <a:t>인 경우 프록시는 해당 클라이언트 트랜잭션 </a:t>
+            </a:r>
+            <a:r>
+              <a:rPr lang="en-US" altLang="ko-KR" sz="1200"/>
+              <a:t>timer C</a:t>
+            </a:r>
+            <a:r>
+              <a:rPr lang="ko-KR" altLang="en-US" sz="1200"/>
+              <a:t> 를 재설정</a:t>
+            </a:r>
+            <a:endParaRPr lang="en-US" altLang="ko-KR" sz="1200"/>
+          </a:p>
+          <a:p>
+            <a:pPr marL="628650" lvl="1" indent="-171450">
+              <a:lnSpc>
+                <a:spcPct val="200000"/>
+              </a:lnSpc>
+              <a:buFont typeface="Arial" panose="020B0604020202020204" pitchFamily="34" charset="0"/>
+              <a:buChar char="•"/>
+            </a:pPr>
+            <a:r>
+              <a:rPr lang="ko-KR" altLang="en-US" sz="1200"/>
+              <a:t>타이머는 다른 값으로 재설정할 수 있지만</a:t>
+            </a:r>
+            <a:r>
+              <a:rPr lang="en-US" altLang="ko-KR" sz="1200"/>
+              <a:t> 3</a:t>
+            </a:r>
+            <a:r>
+              <a:rPr lang="ko-KR" altLang="en-US" sz="1200"/>
+              <a:t>분보다 커야 함</a:t>
+            </a:r>
+            <a:endParaRPr lang="en-US" altLang="ko-KR" sz="1200"/>
+          </a:p>
+        </p:txBody>
+      </p:sp>
+      <p:sp>
+        <p:nvSpPr>
+          <p:cNvPr id="14" name="TextBox 13">
+            <a:extLst>
+              <a:ext uri="{FF2B5EF4-FFF2-40B4-BE49-F238E27FC236}">
+                <a16:creationId xmlns:a16="http://schemas.microsoft.com/office/drawing/2014/main" id="{3A916EAB-68E2-4559-9F3A-72A525533F58}"/>
+              </a:ext>
+            </a:extLst>
+          </p:cNvPr>
+          <p:cNvSpPr txBox="1"/>
+          <p:nvPr/>
+        </p:nvSpPr>
+        <p:spPr>
+          <a:xfrm>
+            <a:off x="876988" y="3473361"/>
+            <a:ext cx="9956572" cy="1215717"/>
+          </a:xfrm>
+          <a:prstGeom prst="rect">
+            <a:avLst/>
+          </a:prstGeom>
+          <a:noFill/>
+        </p:spPr>
+        <p:txBody>
+          <a:bodyPr wrap="none" rtlCol="0">
+            <a:spAutoFit/>
+          </a:bodyPr>
+          <a:lstStyle/>
+          <a:p>
+            <a:pPr>
+              <a:lnSpc>
+                <a:spcPct val="200000"/>
+              </a:lnSpc>
+            </a:pPr>
+            <a:r>
+              <a:rPr lang="en-US" altLang="ko-KR" sz="1400" b="1">
+                <a:solidFill>
+                  <a:schemeClr val="accent3">
+                    <a:lumMod val="50000"/>
+                  </a:schemeClr>
+                </a:solidFill>
+                <a:ea typeface="+mj-ea"/>
+              </a:rPr>
+              <a:t>3. Via</a:t>
+            </a:r>
+            <a:endParaRPr lang="en-US" altLang="ko-KR" sz="1200">
+              <a:solidFill>
+                <a:schemeClr val="accent3">
+                  <a:lumMod val="50000"/>
+                </a:schemeClr>
+              </a:solidFill>
+              <a:ea typeface="+mj-ea"/>
+            </a:endParaRPr>
+          </a:p>
+          <a:p>
+            <a:pPr marL="628650" lvl="1" indent="-171450">
+              <a:lnSpc>
+                <a:spcPct val="200000"/>
+              </a:lnSpc>
+              <a:buFont typeface="Arial" panose="020B0604020202020204" pitchFamily="34" charset="0"/>
+              <a:buChar char="•"/>
+            </a:pPr>
+            <a:r>
+              <a:rPr lang="ko-KR" altLang="en-US" sz="1200"/>
+              <a:t>프록시는 응답에서 최상위 </a:t>
+            </a:r>
+            <a:r>
+              <a:rPr lang="en-US" altLang="ko-KR" sz="1200"/>
+              <a:t>Via </a:t>
+            </a:r>
+            <a:r>
+              <a:rPr lang="ko-KR" altLang="en-US" sz="1200"/>
+              <a:t>헤더 필드 값을 제거</a:t>
+            </a:r>
+            <a:endParaRPr lang="en-US" altLang="ko-KR" sz="1200"/>
+          </a:p>
+          <a:p>
+            <a:pPr marL="628650" lvl="1" indent="-171450">
+              <a:lnSpc>
+                <a:spcPct val="200000"/>
+              </a:lnSpc>
+              <a:buFont typeface="Arial" panose="020B0604020202020204" pitchFamily="34" charset="0"/>
+              <a:buChar char="•"/>
+            </a:pPr>
+            <a:r>
+              <a:rPr lang="ko-KR" altLang="en-US" sz="1200"/>
+              <a:t>응답에 </a:t>
+            </a:r>
+            <a:r>
+              <a:rPr lang="en-US" altLang="ko-KR" sz="1200"/>
+              <a:t>Via </a:t>
+            </a:r>
+            <a:r>
+              <a:rPr lang="ko-KR" altLang="en-US" sz="1200"/>
+              <a:t>헤더 값이 남아 있지 않은 경우</a:t>
+            </a:r>
+            <a:r>
+              <a:rPr lang="en-US" altLang="ko-KR" sz="1200"/>
+              <a:t>, </a:t>
+            </a:r>
+            <a:r>
+              <a:rPr lang="ko-KR" altLang="en-US" sz="1200"/>
+              <a:t>응답을 전달해서는 안됨 </a:t>
+            </a:r>
+            <a:r>
+              <a:rPr lang="en-US" altLang="ko-KR" sz="1200"/>
+              <a:t>(</a:t>
+            </a:r>
+            <a:r>
+              <a:rPr lang="ko-KR" altLang="en-US" sz="1200"/>
+              <a:t>나머지 처리는 이 메시지에 대해 수행되지 않으며 </a:t>
+            </a:r>
+            <a:r>
+              <a:rPr lang="en-US" altLang="ko-KR" sz="1200" b="1"/>
+              <a:t>UAC</a:t>
+            </a:r>
+            <a:r>
+              <a:rPr lang="en-US" altLang="ko-KR" sz="1200"/>
+              <a:t> </a:t>
+            </a:r>
+            <a:r>
+              <a:rPr lang="ko-KR" altLang="en-US" sz="1200"/>
+              <a:t>처리 규칙을 따름</a:t>
+            </a:r>
+            <a:r>
+              <a:rPr lang="en-US" altLang="ko-KR" sz="1200"/>
+              <a:t>)</a:t>
+            </a:r>
+          </a:p>
+        </p:txBody>
+      </p:sp>
+      <p:sp>
+        <p:nvSpPr>
+          <p:cNvPr id="15" name="TextBox 14">
+            <a:extLst>
+              <a:ext uri="{FF2B5EF4-FFF2-40B4-BE49-F238E27FC236}">
+                <a16:creationId xmlns:a16="http://schemas.microsoft.com/office/drawing/2014/main" id="{9853F5B2-BA02-4586-9754-876D6A24E60E}"/>
+              </a:ext>
+            </a:extLst>
+          </p:cNvPr>
+          <p:cNvSpPr txBox="1"/>
+          <p:nvPr/>
+        </p:nvSpPr>
+        <p:spPr>
+          <a:xfrm>
+            <a:off x="876988" y="4689078"/>
+            <a:ext cx="6699270" cy="1527341"/>
+          </a:xfrm>
+          <a:prstGeom prst="rect">
+            <a:avLst/>
+          </a:prstGeom>
+          <a:noFill/>
+        </p:spPr>
+        <p:txBody>
+          <a:bodyPr wrap="none" rtlCol="0">
+            <a:spAutoFit/>
+          </a:bodyPr>
+          <a:lstStyle/>
+          <a:p>
+            <a:pPr>
+              <a:lnSpc>
+                <a:spcPct val="200000"/>
+              </a:lnSpc>
+            </a:pPr>
+            <a:r>
+              <a:rPr lang="en-US" altLang="ko-KR" sz="1400" b="1">
+                <a:solidFill>
+                  <a:schemeClr val="accent3">
+                    <a:lumMod val="50000"/>
+                  </a:schemeClr>
+                </a:solidFill>
+                <a:ea typeface="+mj-ea"/>
+              </a:rPr>
+              <a:t>4. Add response to context</a:t>
+            </a:r>
+            <a:endParaRPr lang="en-US" altLang="ko-KR" sz="1200">
+              <a:solidFill>
+                <a:schemeClr val="accent3">
+                  <a:lumMod val="50000"/>
+                </a:schemeClr>
+              </a:solidFill>
+              <a:ea typeface="+mj-ea"/>
+            </a:endParaRPr>
+          </a:p>
+          <a:p>
+            <a:pPr marL="628650" lvl="1" indent="-171450">
+              <a:lnSpc>
+                <a:spcPct val="200000"/>
+              </a:lnSpc>
+              <a:buFont typeface="Arial" panose="020B0604020202020204" pitchFamily="34" charset="0"/>
+              <a:buChar char="•"/>
+            </a:pPr>
+            <a:r>
+              <a:rPr lang="ko-KR" altLang="en-US" sz="1200"/>
+              <a:t>이 컨텍스트와 연관된 서버 트랜잭션에서 최종 응답이 생성될 때까지 응답 컨텍스트에 </a:t>
+            </a:r>
+            <a:r>
+              <a:rPr lang="ko-KR" altLang="en-US" sz="1200" b="1"/>
+              <a:t>저장</a:t>
+            </a:r>
+            <a:endParaRPr lang="en-US" altLang="ko-KR" sz="1200" b="1"/>
+          </a:p>
+          <a:p>
+            <a:pPr marL="1085850" lvl="2" indent="-171450">
+              <a:lnSpc>
+                <a:spcPct val="200000"/>
+              </a:lnSpc>
+              <a:buFont typeface="Arial" panose="020B0604020202020204" pitchFamily="34" charset="0"/>
+              <a:buChar char="•"/>
+            </a:pPr>
+            <a:r>
+              <a:rPr lang="ko-KR" altLang="en-US" sz="1100"/>
+              <a:t>이 응답은 해당 서버 트랜잭션에서 </a:t>
+            </a:r>
+            <a:r>
+              <a:rPr lang="en-US" altLang="ko-KR" sz="1100"/>
+              <a:t>“</a:t>
+            </a:r>
+            <a:r>
+              <a:rPr lang="en-US" altLang="ko-KR" sz="1100" b="1"/>
+              <a:t>best</a:t>
+            </a:r>
+            <a:r>
+              <a:rPr lang="en-US" altLang="ko-KR" sz="1100"/>
+              <a:t>” </a:t>
+            </a:r>
+            <a:r>
+              <a:rPr lang="ko-KR" altLang="en-US" sz="1100"/>
+              <a:t>최종 응답의 후보일 수 있음</a:t>
+            </a:r>
+            <a:endParaRPr lang="en-US" altLang="ko-KR" sz="1100"/>
+          </a:p>
+          <a:p>
+            <a:pPr marL="1085850" lvl="2" indent="-171450">
+              <a:lnSpc>
+                <a:spcPct val="200000"/>
+              </a:lnSpc>
+              <a:buFont typeface="Arial" panose="020B0604020202020204" pitchFamily="34" charset="0"/>
+              <a:buChar char="•"/>
+            </a:pPr>
+            <a:r>
+              <a:rPr lang="ko-KR" altLang="en-US" sz="1100"/>
+              <a:t>이 응답이 선택되지 않더라도 이 응답의 정보는 </a:t>
+            </a:r>
+            <a:r>
+              <a:rPr lang="en-US" altLang="ko-KR" sz="1100"/>
+              <a:t>“</a:t>
+            </a:r>
+            <a:r>
+              <a:rPr lang="en-US" altLang="ko-KR" sz="1100" b="1"/>
+              <a:t>best</a:t>
+            </a:r>
+            <a:r>
+              <a:rPr lang="en-US" altLang="ko-KR" sz="1100"/>
+              <a:t>” </a:t>
+            </a:r>
+            <a:r>
+              <a:rPr lang="ko-KR" altLang="en-US" sz="1100"/>
+              <a:t>응답을 생성하는 데 필요할 수 있음</a:t>
+            </a:r>
+            <a:endParaRPr lang="en-US" altLang="ko-KR" sz="1100"/>
+          </a:p>
+        </p:txBody>
+      </p:sp>
+    </p:spTree>
+    <p:extLst>
+      <p:ext uri="{BB962C8B-B14F-4D97-AF65-F5344CB8AC3E}">
+        <p14:creationId xmlns:p14="http://schemas.microsoft.com/office/powerpoint/2010/main" val="109216527"/>
+      </p:ext>
+    </p:extLst>
+  </p:cSld>
+  <p:clrMapOvr>
+    <a:masterClrMapping/>
+  </p:clrMapOvr>
+</p:sld>
+</file>
+
+<file path=ppt/slides/slide16.xml><?xml version="1.0" encoding="utf-8"?>
 <p:sld xmlns:a="http://schemas.openxmlformats.org/drawingml/2006/main" xmlns:r="http://schemas.openxmlformats.org/officeDocument/2006/relationships" xmlns:p="http://schemas.openxmlformats.org/presentationml/2006/main">
   <p:cSld>
     <p:spTree>
@@ -3987,7 +7506,7 @@
           <a:p>
             <a:fld id="{A9252A94-CC09-4928-8209-20295AE91AEF}" type="slidenum">
               <a:rPr lang="ko-KR" altLang="en-US" smtClean="0"/>
-              <a:t>14</a:t>
+              <a:t>16</a:t>
             </a:fld>
             <a:endParaRPr lang="ko-KR" altLang="en-US" dirty="0"/>
           </a:p>
@@ -5975,7 +9494,7 @@
               <a:buAutoNum type="arabicPeriod"/>
             </a:pPr>
             <a:r>
-              <a:rPr lang="en-US" altLang="ko-KR"/>
+              <a:rPr lang="en-US" altLang="ko-KR" b="1"/>
               <a:t>Validate the request</a:t>
             </a:r>
           </a:p>
@@ -5987,7 +9506,7 @@
               <a:buAutoNum type="arabicPeriod"/>
             </a:pPr>
             <a:r>
-              <a:rPr lang="en-US" altLang="ko-KR"/>
+              <a:rPr lang="en-US" altLang="ko-KR" b="1"/>
               <a:t>Preprocess routing information</a:t>
             </a:r>
           </a:p>
@@ -5999,7 +9518,7 @@
               <a:buAutoNum type="arabicPeriod"/>
             </a:pPr>
             <a:r>
-              <a:rPr lang="en-US" altLang="ko-KR"/>
+              <a:rPr lang="en-US" altLang="ko-KR" b="1"/>
               <a:t>Determine target for the request</a:t>
             </a:r>
           </a:p>
@@ -6011,7 +9530,7 @@
               <a:buAutoNum type="arabicPeriod"/>
             </a:pPr>
             <a:r>
-              <a:rPr lang="en-US" altLang="ko-KR"/>
+              <a:rPr lang="en-US" altLang="ko-KR" b="1"/>
               <a:t>Forward the request to each target</a:t>
             </a:r>
           </a:p>
@@ -6023,99 +9542,10 @@
               <a:buAutoNum type="arabicPeriod"/>
             </a:pPr>
             <a:r>
-              <a:rPr lang="en-US" altLang="ko-KR"/>
+              <a:rPr lang="en-US" altLang="ko-KR" b="1"/>
               <a:t>Process all responses</a:t>
             </a:r>
-            <a:endParaRPr lang="ko-KR" altLang="en-US"/>
-          </a:p>
-        </p:txBody>
-      </p:sp>
-      <p:sp>
-        <p:nvSpPr>
-          <p:cNvPr id="14" name="TextBox 13">
-            <a:extLst>
-              <a:ext uri="{FF2B5EF4-FFF2-40B4-BE49-F238E27FC236}">
-                <a16:creationId xmlns:a16="http://schemas.microsoft.com/office/drawing/2014/main" id="{8C8FF478-BBDF-4E57-9EE1-560C323DE0B4}"/>
-              </a:ext>
-            </a:extLst>
-          </p:cNvPr>
-          <p:cNvSpPr txBox="1"/>
-          <p:nvPr/>
-        </p:nvSpPr>
-        <p:spPr>
-          <a:xfrm>
-            <a:off x="127747" y="679287"/>
-            <a:ext cx="2593980" cy="1277273"/>
-          </a:xfrm>
-          <a:prstGeom prst="rect">
-            <a:avLst/>
-          </a:prstGeom>
-          <a:noFill/>
-        </p:spPr>
-        <p:txBody>
-          <a:bodyPr wrap="none" rtlCol="0">
-            <a:spAutoFit/>
-          </a:bodyPr>
-          <a:lstStyle/>
-          <a:p>
-            <a:pPr marL="342900" indent="-342900">
-              <a:lnSpc>
-                <a:spcPct val="150000"/>
-              </a:lnSpc>
-              <a:buAutoNum type="arabicPeriod"/>
-            </a:pPr>
-            <a:r>
-              <a:rPr lang="en-US" altLang="ko-KR" sz="1050"/>
-              <a:t>Validate the request</a:t>
-            </a:r>
-          </a:p>
-          <a:p>
-            <a:pPr marL="342900" indent="-342900">
-              <a:lnSpc>
-                <a:spcPct val="150000"/>
-              </a:lnSpc>
-              <a:buAutoNum type="arabicPeriod"/>
-            </a:pPr>
-            <a:r>
-              <a:rPr lang="en-US" altLang="ko-KR" sz="1050"/>
-              <a:t>Preprocess routing information</a:t>
-            </a:r>
-          </a:p>
-          <a:p>
-            <a:pPr marL="342900" indent="-342900">
-              <a:lnSpc>
-                <a:spcPct val="150000"/>
-              </a:lnSpc>
-              <a:buAutoNum type="arabicPeriod"/>
-            </a:pPr>
-            <a:r>
-              <a:rPr lang="en-US" altLang="ko-KR" sz="1050"/>
-              <a:t>Determine target for the request</a:t>
-            </a:r>
-          </a:p>
-          <a:p>
-            <a:pPr marL="342900" indent="-342900">
-              <a:lnSpc>
-                <a:spcPct val="150000"/>
-              </a:lnSpc>
-              <a:buAutoNum type="arabicPeriod"/>
-            </a:pPr>
-            <a:r>
-              <a:rPr lang="en-US" altLang="ko-KR" sz="1050"/>
-              <a:t>Forward the request to each target</a:t>
-            </a:r>
-          </a:p>
-          <a:p>
-            <a:pPr marL="342900" indent="-342900">
-              <a:lnSpc>
-                <a:spcPct val="150000"/>
-              </a:lnSpc>
-              <a:buAutoNum type="arabicPeriod"/>
-            </a:pPr>
-            <a:r>
-              <a:rPr lang="en-US" altLang="ko-KR" sz="1050"/>
-              <a:t>Process all responses</a:t>
-            </a:r>
+            <a:endParaRPr lang="ko-KR" altLang="en-US" b="1"/>
           </a:p>
         </p:txBody>
       </p:sp>
@@ -6177,7 +9607,7 @@
           <a:p>
             <a:r>
               <a:rPr lang="en-US" altLang="ko-KR"/>
-              <a:t>1. Proxy Behavior – Request Validation</a:t>
+              <a:t>1. Proxy Behavior – Request Validation (1/3)</a:t>
             </a:r>
             <a:endParaRPr lang="ko-KR" altLang="en-US"/>
           </a:p>
@@ -6228,7 +9658,7 @@
         <p:spPr>
           <a:xfrm>
             <a:off x="1257127" y="1119725"/>
-            <a:ext cx="4841390" cy="3362459"/>
+            <a:ext cx="4879862" cy="3862596"/>
           </a:xfrm>
           <a:prstGeom prst="rect">
             <a:avLst/>
@@ -6247,21 +9677,26 @@
               </a:lnSpc>
             </a:pPr>
             <a:r>
-              <a:rPr lang="ko-KR" altLang="en-US" sz="1200"/>
-              <a:t>요청을 프록시하기 전에 메시지의 유효성</a:t>
-            </a:r>
-            <a:r>
-              <a:rPr lang="en-US" altLang="ko-KR" sz="1200"/>
-              <a:t>(Validation)</a:t>
-            </a:r>
-            <a:r>
-              <a:rPr lang="ko-KR" altLang="en-US" sz="1200"/>
-              <a:t>을 확인해야 한다</a:t>
-            </a:r>
-            <a:r>
-              <a:rPr lang="en-US" altLang="ko-KR" sz="1200"/>
-              <a:t>. </a:t>
-            </a:r>
+              <a:rPr lang="ko-KR" altLang="en-US" sz="1400" b="1">
+                <a:solidFill>
+                  <a:schemeClr val="accent3">
+                    <a:lumMod val="50000"/>
+                  </a:schemeClr>
+                </a:solidFill>
+                <a:latin typeface="+mj-ea"/>
+                <a:ea typeface="+mj-ea"/>
+              </a:rPr>
+              <a:t>요청 메시지 유효성 검사</a:t>
+            </a:r>
+            <a:endParaRPr lang="en-US" altLang="ko-KR" sz="1200">
+              <a:solidFill>
+                <a:schemeClr val="accent3">
+                  <a:lumMod val="50000"/>
+                </a:schemeClr>
+              </a:solidFill>
+              <a:latin typeface="+mj-ea"/>
+              <a:ea typeface="+mj-ea"/>
+            </a:endParaRPr>
           </a:p>
           <a:p>
             <a:pPr>
@@ -6286,7 +9721,7 @@
               <a:buAutoNum type="arabicPeriod"/>
             </a:pPr>
             <a:r>
-              <a:rPr lang="en-US" altLang="ko-KR" sz="1200"/>
+              <a:rPr lang="en-US" altLang="ko-KR" sz="1400" b="1"/>
               <a:t>Reasonable Syntax</a:t>
             </a:r>
           </a:p>
@@ -6298,7 +9733,7 @@
               <a:buAutoNum type="arabicPeriod"/>
             </a:pPr>
             <a:r>
-              <a:rPr lang="en-US" altLang="ko-KR" sz="1200"/>
+              <a:rPr lang="en-US" altLang="ko-KR" sz="1400" b="1"/>
               <a:t>URI scheme</a:t>
             </a:r>
           </a:p>
@@ -6310,7 +9745,7 @@
               <a:buAutoNum type="arabicPeriod"/>
             </a:pPr>
             <a:r>
-              <a:rPr lang="en-US" altLang="ko-KR" sz="1200"/>
+              <a:rPr lang="en-US" altLang="ko-KR" sz="1400" b="1"/>
               <a:t>Max-Forwards</a:t>
             </a:r>
           </a:p>
@@ -6322,7 +9757,7 @@
               <a:buAutoNum type="arabicPeriod"/>
             </a:pPr>
             <a:r>
-              <a:rPr lang="en-US" altLang="ko-KR" sz="1200"/>
+              <a:rPr lang="en-US" altLang="ko-KR" sz="1400" b="1"/>
               <a:t>(Optional) Loop Detection</a:t>
             </a:r>
           </a:p>
@@ -6334,7 +9769,7 @@
               <a:buAutoNum type="arabicPeriod"/>
             </a:pPr>
             <a:r>
-              <a:rPr lang="en-US" altLang="ko-KR" sz="1200"/>
+              <a:rPr lang="en-US" altLang="ko-KR" sz="1400" b="1"/>
               <a:t>Proxy-Require</a:t>
             </a:r>
           </a:p>
@@ -6346,7 +9781,7 @@
               <a:buAutoNum type="arabicPeriod"/>
             </a:pPr>
             <a:r>
-              <a:rPr lang="en-US" altLang="ko-KR" sz="1200"/>
+              <a:rPr lang="en-US" altLang="ko-KR" sz="1400" b="1"/>
               <a:t>Proxy-Authorization</a:t>
             </a:r>
           </a:p>
@@ -6358,7 +9793,7 @@
             </a:pPr>
             <a:r>
               <a:rPr lang="ko-KR" altLang="en-US" sz="1200"/>
-              <a:t>위 검사중 하나라도 실패하면</a:t>
+              <a:t>위 검사 중 하나라도 실패하면</a:t>
             </a:r>
             <a:r>
               <a:rPr lang="en-US" altLang="ko-KR" sz="1200"/>
@@ -6551,7 +9986,7 @@
           <a:p>
             <a:r>
               <a:rPr lang="en-US" altLang="ko-KR"/>
-              <a:t>1. Proxy Behavior – Request Validation</a:t>
+              <a:t>1. Proxy Behavior – Request Validation (2/3)</a:t>
             </a:r>
             <a:endParaRPr lang="ko-KR" altLang="en-US"/>
           </a:p>
@@ -6649,7 +10084,23 @@
             </a:pPr>
             <a:r>
               <a:rPr lang="ko-KR" altLang="en-US" sz="1200"/>
-              <a:t>나머지 요청 유효성 검사 단계 또는 요청 전달 섹션에 관련된 모든 컴포넌트는 반드시 올바르게 형성되어야 함</a:t>
+              <a:t>나머지 </a:t>
+            </a:r>
+            <a:r>
+              <a:rPr lang="ko-KR" altLang="en-US" sz="1200" b="1"/>
+              <a:t>유효성 검사 단계</a:t>
+            </a:r>
+            <a:r>
+              <a:rPr lang="ko-KR" altLang="en-US" sz="1200"/>
+              <a:t> 또는 </a:t>
+            </a:r>
+            <a:r>
+              <a:rPr lang="ko-KR" altLang="en-US" sz="1200" b="1"/>
+              <a:t>요청 전달 단계</a:t>
+            </a:r>
+            <a:r>
+              <a:rPr lang="ko-KR" altLang="en-US" sz="1200"/>
+              <a:t>에 관련된 모든 컴포넌트는 반드시 올바르게 형성되어야 함</a:t>
             </a:r>
             <a:endParaRPr lang="en-US" altLang="ko-KR" sz="1200"/>
           </a:p>
@@ -6688,10 +10139,22 @@
               <a:t>, </a:t>
             </a:r>
             <a:r>
-              <a:rPr lang="ko-KR" altLang="en-US" sz="1200"/>
+              <a:rPr lang="ko-KR" altLang="en-US" sz="1200" u="sng">
+                <a:solidFill>
+                  <a:schemeClr val="bg2">
+                    <a:lumMod val="50000"/>
+                  </a:schemeClr>
+                </a:solidFill>
+              </a:rPr>
               <a:t>프록시는 자신이 모르는 메서드나 헤더가 포함되어 있어도 프록시하는 것을 거부하면 안됨</a:t>
             </a:r>
-            <a:endParaRPr lang="en-US" altLang="ko-KR" sz="1200"/>
+            <a:endParaRPr lang="en-US" altLang="ko-KR" sz="1200" u="sng">
+              <a:solidFill>
+                <a:schemeClr val="bg2">
+                  <a:lumMod val="50000"/>
+                </a:schemeClr>
+              </a:solidFill>
+            </a:endParaRPr>
           </a:p>
         </p:txBody>
       </p:sp>
@@ -6766,7 +10229,7 @@
                 <a:latin typeface="Roboto" panose="02000000000000000000" pitchFamily="2" charset="0"/>
                 <a:ea typeface="Roboto" panose="02000000000000000000" pitchFamily="2" charset="0"/>
               </a:rPr>
-              <a:t>416(Unsupported URI Scheme)</a:t>
+              <a:t>416 (Unsupported URI Scheme)</a:t>
             </a:r>
             <a:r>
               <a:rPr lang="en-US" altLang="ko-KR" sz="1200" b="1"/>
@@ -6795,7 +10258,7 @@
         <p:spPr>
           <a:xfrm>
             <a:off x="1035250" y="4055186"/>
-            <a:ext cx="9610323" cy="2316019"/>
+            <a:ext cx="6926896" cy="2323713"/>
           </a:xfrm>
           <a:prstGeom prst="rect">
             <a:avLst/>
@@ -6857,12 +10320,24 @@
               <a:t>요청에 </a:t>
             </a:r>
             <a:r>
-              <a:rPr lang="en-US" altLang="ko-KR" sz="1200"/>
+              <a:rPr lang="en-US" altLang="ko-KR" sz="1200">
+                <a:highlight>
+                  <a:srgbClr val="FFFF00"/>
+                </a:highlight>
+              </a:rPr>
               <a:t>Max-Forwards </a:t>
             </a:r>
             <a:r>
-              <a:rPr lang="ko-KR" altLang="en-US" sz="1200"/>
-              <a:t>헤더가 없는 경우 이 검사는 패스</a:t>
+              <a:rPr lang="ko-KR" altLang="en-US" sz="1200">
+                <a:highlight>
+                  <a:srgbClr val="FFFF00"/>
+                </a:highlight>
+              </a:rPr>
+              <a:t>헤더가 없는 경우 </a:t>
+            </a:r>
+            <a:r>
+              <a:rPr lang="ko-KR" altLang="en-US" sz="1200"/>
+              <a:t>이 검사는 패스</a:t>
             </a:r>
             <a:endParaRPr lang="en-US" altLang="ko-KR" sz="1200"/>
           </a:p>
@@ -6922,155 +10397,54 @@
             </a:r>
             <a:r>
               <a:rPr lang="ko-KR" altLang="en-US" sz="1200"/>
-              <a:t>헤더가 포함된 경우 요소는 요청을 전달하지 않아야 하며</a:t>
-            </a:r>
-            <a:r>
-              <a:rPr lang="en-US" altLang="ko-KR" sz="1200"/>
-              <a:t>, OPTIONS </a:t>
+              <a:t>헤더가 포함된 경우 요소는 </a:t>
+            </a:r>
+            <a:r>
+              <a:rPr lang="en-US" altLang="ko-KR" sz="1200" b="1"/>
+              <a:t>483 (Too many hops)</a:t>
+            </a:r>
+            <a:r>
+              <a:rPr lang="en-US" altLang="ko-KR" sz="1200"/>
+              <a:t> </a:t>
+            </a:r>
+            <a:r>
+              <a:rPr lang="ko-KR" altLang="en-US" sz="1200"/>
+              <a:t>응답을 반환</a:t>
+            </a:r>
+            <a:r>
+              <a:rPr lang="en-US" altLang="ko-KR" sz="1200"/>
+              <a:t> </a:t>
+            </a:r>
+            <a:br>
+              <a:rPr lang="en-US" altLang="ko-KR" sz="1200"/>
+            </a:br>
+            <a:r>
+              <a:rPr lang="en-US" altLang="ko-KR" sz="1200"/>
+              <a:t>(</a:t>
+            </a:r>
+            <a:r>
+              <a:rPr lang="ko-KR" altLang="en-US" sz="1200"/>
+              <a:t>단</a:t>
+            </a:r>
+            <a:r>
+              <a:rPr lang="en-US" altLang="ko-KR" sz="1200"/>
+              <a:t>, </a:t>
+            </a:r>
+            <a:r>
+              <a:rPr lang="en-US" altLang="ko-KR" sz="1200" b="1"/>
+              <a:t>OPTIONS</a:t>
+            </a:r>
+            <a:r>
+              <a:rPr lang="en-US" altLang="ko-KR" sz="1200"/>
+              <a:t> </a:t>
             </a:r>
             <a:r>
               <a:rPr lang="ko-KR" altLang="en-US" sz="1200"/>
               <a:t>요청인 경우 최종 수신자 역할로 응답</a:t>
             </a:r>
-            <a:br>
-              <a:rPr lang="en-US" altLang="ko-KR" sz="1200"/>
-            </a:br>
-            <a:r>
-              <a:rPr lang="en-US" altLang="ko-KR" sz="1200"/>
-              <a:t>(</a:t>
-            </a:r>
-            <a:r>
-              <a:rPr lang="ko-KR" altLang="en-US" sz="1200"/>
-              <a:t>그렇지 않으면 </a:t>
-            </a:r>
-            <a:r>
-              <a:rPr lang="en-US" altLang="ko-KR" sz="1200" b="1"/>
-              <a:t>483(Too many hops)</a:t>
-            </a:r>
-            <a:r>
-              <a:rPr lang="en-US" altLang="ko-KR" sz="1200"/>
-              <a:t> </a:t>
-            </a:r>
-            <a:r>
-              <a:rPr lang="ko-KR" altLang="en-US" sz="1200"/>
-              <a:t>응답을 반환</a:t>
-            </a:r>
             <a:r>
               <a:rPr lang="en-US" altLang="ko-KR" sz="1200"/>
               <a:t>)</a:t>
-            </a:r>
-          </a:p>
-        </p:txBody>
-      </p:sp>
-      <p:sp>
-        <p:nvSpPr>
-          <p:cNvPr id="8" name="TextBox 7">
-            <a:extLst>
-              <a:ext uri="{FF2B5EF4-FFF2-40B4-BE49-F238E27FC236}">
-                <a16:creationId xmlns:a16="http://schemas.microsoft.com/office/drawing/2014/main" id="{F39BFE2D-126A-4414-95EE-C7C9A4EE07AA}"/>
-              </a:ext>
-            </a:extLst>
-          </p:cNvPr>
-          <p:cNvSpPr txBox="1"/>
-          <p:nvPr/>
-        </p:nvSpPr>
-        <p:spPr>
-          <a:xfrm>
-            <a:off x="9606093" y="597481"/>
-            <a:ext cx="2496196" cy="1220847"/>
-          </a:xfrm>
-          <a:prstGeom prst="rect">
-            <a:avLst/>
-          </a:prstGeom>
-          <a:noFill/>
-        </p:spPr>
-        <p:txBody>
-          <a:bodyPr wrap="none" rtlCol="0">
-            <a:spAutoFit/>
-          </a:bodyPr>
-          <a:lstStyle/>
-          <a:p>
-            <a:pPr marL="342900" indent="-342900">
-              <a:lnSpc>
-                <a:spcPct val="150000"/>
-              </a:lnSpc>
-              <a:buAutoNum type="arabicPeriod"/>
-            </a:pPr>
-            <a:r>
-              <a:rPr lang="en-US" altLang="ko-KR" sz="1000" b="1"/>
-              <a:t>Validate the request</a:t>
-            </a:r>
-          </a:p>
-          <a:p>
-            <a:pPr marL="342900" indent="-342900">
-              <a:lnSpc>
-                <a:spcPct val="150000"/>
-              </a:lnSpc>
-              <a:buAutoNum type="arabicPeriod"/>
-            </a:pPr>
-            <a:r>
-              <a:rPr lang="en-US" altLang="ko-KR" sz="1000">
-                <a:solidFill>
-                  <a:schemeClr val="bg1">
-                    <a:lumMod val="75000"/>
-                  </a:schemeClr>
-                </a:solidFill>
-              </a:rPr>
-              <a:t>Preprocess routing information</a:t>
-            </a:r>
-          </a:p>
-          <a:p>
-            <a:pPr marL="342900" indent="-342900">
-              <a:lnSpc>
-                <a:spcPct val="150000"/>
-              </a:lnSpc>
-              <a:buAutoNum type="arabicPeriod"/>
-            </a:pPr>
-            <a:r>
-              <a:rPr lang="en-US" altLang="ko-KR" sz="1000">
-                <a:solidFill>
-                  <a:schemeClr val="bg1">
-                    <a:lumMod val="75000"/>
-                  </a:schemeClr>
-                </a:solidFill>
-              </a:rPr>
-              <a:t>Determine target for the request</a:t>
-            </a:r>
-          </a:p>
-          <a:p>
-            <a:pPr marL="342900" indent="-342900">
-              <a:lnSpc>
-                <a:spcPct val="150000"/>
-              </a:lnSpc>
-              <a:buAutoNum type="arabicPeriod"/>
-            </a:pPr>
-            <a:r>
-              <a:rPr lang="en-US" altLang="ko-KR" sz="1000">
-                <a:solidFill>
-                  <a:schemeClr val="bg1">
-                    <a:lumMod val="75000"/>
-                  </a:schemeClr>
-                </a:solidFill>
-              </a:rPr>
-              <a:t>Forward the request to each target</a:t>
-            </a:r>
-          </a:p>
-          <a:p>
-            <a:pPr marL="342900" indent="-342900">
-              <a:lnSpc>
-                <a:spcPct val="150000"/>
-              </a:lnSpc>
-              <a:buAutoNum type="arabicPeriod"/>
-            </a:pPr>
-            <a:r>
-              <a:rPr lang="en-US" altLang="ko-KR" sz="1000">
-                <a:solidFill>
-                  <a:schemeClr val="bg1">
-                    <a:lumMod val="75000"/>
-                  </a:schemeClr>
-                </a:solidFill>
-              </a:rPr>
-              <a:t>Process all responses</a:t>
             </a:r>
           </a:p>
         </p:txBody>
@@ -7133,7 +10507,7 @@
           <a:p>
             <a:r>
               <a:rPr lang="en-US" altLang="ko-KR"/>
-              <a:t>1. Proxy Behavior – Request Validation</a:t>
+              <a:t>1. Proxy Behavior – Request Validation (3/3)</a:t>
             </a:r>
             <a:endParaRPr lang="ko-KR" altLang="en-US"/>
           </a:p>
@@ -7184,7 +10558,7 @@
         <p:spPr>
           <a:xfrm>
             <a:off x="1035250" y="900463"/>
-            <a:ext cx="8866530" cy="2316019"/>
+            <a:ext cx="8584401" cy="1896673"/>
           </a:xfrm>
           <a:prstGeom prst="rect">
             <a:avLst/>
@@ -7277,7 +10651,11 @@
                   </a:schemeClr>
                 </a:solidFill>
               </a:rPr>
-              <a:t>branch”</a:t>
+              <a:t>branch</a:t>
+            </a:r>
+            <a:r>
+              <a:rPr lang="en-US" altLang="ko-KR" sz="1200" b="1"/>
+              <a:t>”</a:t>
             </a:r>
             <a:r>
               <a:rPr lang="en-US" altLang="ko-KR" sz="1200"/>
@@ -7339,7 +10717,23 @@
             </a:r>
             <a:r>
               <a:rPr lang="ko-KR" altLang="en-US" sz="1100"/>
-              <a:t>된 것</a:t>
+              <a:t>된 것이므로</a:t>
+            </a:r>
+            <a:r>
+              <a:rPr lang="en-US" altLang="ko-KR" sz="1100"/>
+              <a:t>, </a:t>
+            </a:r>
+            <a:r>
+              <a:rPr lang="en-US" altLang="ko-KR" sz="1100" b="1"/>
+              <a:t>482 (Loop Detected)</a:t>
+            </a:r>
+            <a:r>
+              <a:rPr lang="en-US" altLang="ko-KR" sz="1100"/>
+              <a:t> </a:t>
+            </a:r>
+            <a:r>
+              <a:rPr lang="ko-KR" altLang="en-US" sz="1100"/>
+              <a:t>응답</a:t>
             </a:r>
             <a:endParaRPr lang="en-US" altLang="ko-KR" sz="1100"/>
           </a:p>
@@ -7361,53 +10755,7 @@
             </a:r>
             <a:r>
               <a:rPr lang="ko-KR" altLang="en-US" sz="1100"/>
-              <a:t>요청은 </a:t>
-            </a:r>
-            <a:r>
-              <a:rPr lang="en-US" altLang="ko-KR" sz="1100"/>
-              <a:t>spiraling </a:t>
-            </a:r>
-            <a:r>
-              <a:rPr lang="ko-KR" altLang="en-US" sz="1100"/>
-              <a:t>하고 계속 처리</a:t>
-            </a:r>
-            <a:endParaRPr lang="en-US" altLang="ko-KR" sz="1100"/>
-          </a:p>
-          <a:p>
-            <a:pPr marL="628650" lvl="1" indent="-171450">
-              <a:lnSpc>
-                <a:spcPct val="200000"/>
-              </a:lnSpc>
-              <a:buFont typeface="Roboto" panose="02000000000000000000" pitchFamily="2" charset="0"/>
-              <a:buChar char="−"/>
-            </a:pPr>
-            <a:r>
-              <a:rPr lang="en-US" altLang="ko-KR" sz="1100"/>
-              <a:t>Loop </a:t>
-            </a:r>
-            <a:r>
-              <a:rPr lang="ko-KR" altLang="en-US" sz="1100"/>
-              <a:t>가 감지되면</a:t>
-            </a:r>
-            <a:r>
-              <a:rPr lang="en-US" altLang="ko-KR" sz="1100"/>
-              <a:t>, </a:t>
-            </a:r>
-            <a:r>
-              <a:rPr lang="en-US" altLang="ko-KR" sz="1100" b="1"/>
-              <a:t>482 (Loop Detected) </a:t>
-            </a:r>
-            <a:r>
-              <a:rPr lang="ko-KR" altLang="en-US" sz="1100"/>
-              <a:t>응답</a:t>
-            </a:r>
-            <a:r>
-              <a:rPr lang="en-US" altLang="ko-KR" sz="1100"/>
-              <a:t> </a:t>
-            </a:r>
-            <a:r>
-              <a:rPr lang="ko-KR" altLang="en-US" sz="1100"/>
-              <a:t>  </a:t>
+              <a:t>계속 처리</a:t>
             </a:r>
             <a:endParaRPr lang="en-US" altLang="ko-KR" sz="1100"/>
           </a:p>
@@ -7427,7 +10775,7 @@
         </p:nvSpPr>
         <p:spPr>
           <a:xfrm>
-            <a:off x="1035250" y="3264253"/>
+            <a:off x="1035250" y="3030573"/>
             <a:ext cx="9110186" cy="1188787"/>
           </a:xfrm>
           <a:prstGeom prst="rect">
@@ -7448,7 +10796,7 @@
             </a:pPr>
             <a:r>
               <a:rPr lang="en-US" altLang="ko-KR" sz="1400" b="1"/>
-              <a:t>[ 5 ]Proxy-Require check</a:t>
+              <a:t>[ 5 ] Proxy-Require check</a:t>
             </a:r>
           </a:p>
           <a:p>
@@ -7470,7 +10818,7 @@
             <a:r>
               <a:rPr lang="ko-KR" altLang="en-US" sz="1200" b="1">
                 <a:solidFill>
-                  <a:schemeClr val="bg2">
+                  <a:schemeClr val="bg1">
                     <a:lumMod val="50000"/>
                   </a:schemeClr>
                 </a:solidFill>
@@ -7538,7 +10886,7 @@
             <a:r>
               <a:rPr lang="ko-KR" altLang="en-US" sz="1100" b="1">
                 <a:solidFill>
-                  <a:schemeClr val="bg2">
+                  <a:schemeClr val="bg1">
                     <a:lumMod val="50000"/>
                   </a:schemeClr>
                 </a:solidFill>
@@ -7579,7 +10927,7 @@
             </a:r>
             <a:r>
               <a:rPr lang="en-US" altLang="ko-KR" sz="1100" b="1" u="sng"/>
-              <a:t>420(Bad Extension)</a:t>
+              <a:t>420 (Bad Extension)</a:t>
             </a:r>
             <a:r>
               <a:rPr lang="en-US" altLang="ko-KR" sz="1100" b="1"/>
@@ -7607,7 +10955,7 @@
         </p:nvSpPr>
         <p:spPr>
           <a:xfrm>
-            <a:off x="1035250" y="4728197"/>
+            <a:off x="1035250" y="4494517"/>
             <a:ext cx="6197530" cy="846386"/>
           </a:xfrm>
           <a:prstGeom prst="rect">
@@ -7702,15 +11050,15 @@
         </p:nvCxnSpPr>
         <p:spPr>
           <a:xfrm>
-            <a:off x="8084819" y="4366331"/>
+            <a:off x="8084819" y="4126789"/>
             <a:ext cx="3023721" cy="594297"/>
           </a:xfrm>
           <a:prstGeom prst="bentConnector3">
             <a:avLst>
-              <a:gd name="adj1" fmla="val 79"/>
+              <a:gd name="adj1" fmla="val 106892"/>
             </a:avLst>
           </a:prstGeom>
-          <a:ln>
+          <a:ln w="3175">
             <a:solidFill>
               <a:schemeClr val="tx1"/>
             </a:solidFill>
@@ -7745,7 +11093,7 @@
         </p:nvSpPr>
         <p:spPr>
           <a:xfrm>
-            <a:off x="8317391" y="4782058"/>
+            <a:off x="8317391" y="4548378"/>
             <a:ext cx="2791149" cy="369332"/>
           </a:xfrm>
           <a:prstGeom prst="rect">
@@ -7794,119 +11142,6 @@
               <a:t>.</a:t>
             </a:r>
             <a:endParaRPr lang="ko-KR" altLang="en-US" sz="900"/>
-          </a:p>
-        </p:txBody>
-      </p:sp>
-      <p:sp>
-        <p:nvSpPr>
-          <p:cNvPr id="18" name="TextBox 17">
-            <a:extLst>
-              <a:ext uri="{FF2B5EF4-FFF2-40B4-BE49-F238E27FC236}">
-                <a16:creationId xmlns:a16="http://schemas.microsoft.com/office/drawing/2014/main" id="{FCCCBC05-3E5F-4604-84D7-2AFC9E3AA1EB}"/>
-              </a:ext>
-            </a:extLst>
-          </p:cNvPr>
-          <p:cNvSpPr txBox="1"/>
-          <p:nvPr/>
-        </p:nvSpPr>
-        <p:spPr>
-          <a:xfrm>
-            <a:off x="9606093" y="597481"/>
-            <a:ext cx="2496196" cy="1220847"/>
-          </a:xfrm>
-          <a:prstGeom prst="rect">
-            <a:avLst/>
-          </a:prstGeom>
-          <a:noFill/>
-        </p:spPr>
-        <p:txBody>
-          <a:bodyPr wrap="none" rtlCol="0">
-            <a:spAutoFit/>
-          </a:bodyPr>
-          <a:lstStyle/>
-          <a:p>
-            <a:pPr marL="342900" indent="-342900">
-              <a:lnSpc>
-                <a:spcPct val="150000"/>
-              </a:lnSpc>
-              <a:buAutoNum type="arabicPeriod"/>
-            </a:pPr>
-            <a:r>
-              <a:rPr lang="en-US" altLang="ko-KR" sz="1000" b="1"/>
-              <a:t>Validate the request</a:t>
-            </a:r>
-          </a:p>
-          <a:p>
-            <a:pPr marL="342900" indent="-342900">
-              <a:lnSpc>
-                <a:spcPct val="150000"/>
-              </a:lnSpc>
-              <a:buAutoNum type="arabicPeriod"/>
-            </a:pPr>
-            <a:r>
-              <a:rPr lang="en-US" altLang="ko-KR" sz="1000">
-                <a:solidFill>
-                  <a:schemeClr val="bg1">
-                    <a:lumMod val="75000"/>
-                  </a:schemeClr>
-                </a:solidFill>
-              </a:rPr>
-              <a:t>Preprocess routing information</a:t>
-            </a:r>
-          </a:p>
-          <a:p>
-            <a:pPr marL="342900" indent="-342900">
-              <a:lnSpc>
-                <a:spcPct val="150000"/>
-              </a:lnSpc>
-              <a:buAutoNum type="arabicPeriod"/>
-            </a:pPr>
-            <a:r>
-              <a:rPr lang="en-US" altLang="ko-KR" sz="1000">
-                <a:solidFill>
-                  <a:schemeClr val="bg1">
-                    <a:lumMod val="75000"/>
-                  </a:schemeClr>
-                </a:solidFill>
-              </a:rPr>
-              <a:t>Determine target for the request</a:t>
-            </a:r>
-          </a:p>
-          <a:p>
-            <a:pPr marL="342900" indent="-342900">
-              <a:lnSpc>
-                <a:spcPct val="150000"/>
-              </a:lnSpc>
-              <a:buAutoNum type="arabicPeriod"/>
-            </a:pPr>
-            <a:r>
-              <a:rPr lang="en-US" altLang="ko-KR" sz="1000">
-                <a:solidFill>
-                  <a:schemeClr val="bg1">
-                    <a:lumMod val="75000"/>
-                  </a:schemeClr>
-                </a:solidFill>
-              </a:rPr>
-              <a:t>Forward the request to each target</a:t>
-            </a:r>
-          </a:p>
-          <a:p>
-            <a:pPr marL="342900" indent="-342900">
-              <a:lnSpc>
-                <a:spcPct val="150000"/>
-              </a:lnSpc>
-              <a:buAutoNum type="arabicPeriod"/>
-            </a:pPr>
-            <a:r>
-              <a:rPr lang="en-US" altLang="ko-KR" sz="1000">
-                <a:solidFill>
-                  <a:schemeClr val="bg1">
-                    <a:lumMod val="75000"/>
-                  </a:schemeClr>
-                </a:solidFill>
-              </a:rPr>
-              <a:t>Process all responses</a:t>
-            </a:r>
           </a:p>
         </p:txBody>
       </p:sp>
@@ -8018,8 +11253,8 @@
         </p:nvSpPr>
         <p:spPr>
           <a:xfrm>
-            <a:off x="1035250" y="900463"/>
-            <a:ext cx="10230686" cy="2419893"/>
+            <a:off x="1035250" y="1818328"/>
+            <a:ext cx="10352514" cy="2323713"/>
           </a:xfrm>
           <a:prstGeom prst="rect">
             <a:avLst/>
@@ -8038,181 +11273,339 @@
               </a:lnSpc>
             </a:pPr>
             <a:r>
-              <a:rPr lang="en-US" altLang="ko-KR" sz="1100" b="1"/>
+              <a:rPr lang="ko-KR" altLang="en-US" sz="1400" b="1">
+                <a:solidFill>
+                  <a:schemeClr val="accent3">
+                    <a:lumMod val="50000"/>
+                  </a:schemeClr>
+                </a:solidFill>
+                <a:latin typeface="+mj-ea"/>
+                <a:ea typeface="+mj-ea"/>
+              </a:rPr>
+              <a:t>라우팅 정보 전처리</a:t>
+            </a:r>
+            <a:endParaRPr lang="en-US" altLang="ko-KR" sz="1200">
+              <a:solidFill>
+                <a:schemeClr val="accent3">
+                  <a:lumMod val="50000"/>
+                </a:schemeClr>
+              </a:solidFill>
+              <a:latin typeface="+mj-ea"/>
+              <a:ea typeface="+mj-ea"/>
+            </a:endParaRPr>
+          </a:p>
+          <a:p>
+            <a:pPr marL="171450" indent="-171450">
+              <a:lnSpc>
+                <a:spcPct val="200000"/>
+              </a:lnSpc>
+              <a:buFont typeface="Arial" panose="020B0604020202020204" pitchFamily="34" charset="0"/>
+              <a:buChar char="•"/>
+            </a:pPr>
+            <a:r>
+              <a:rPr lang="en-US" altLang="ko-KR" sz="1200" b="1"/>
+              <a:t>Request-URI</a:t>
+            </a:r>
+            <a:r>
+              <a:rPr lang="en-US" altLang="ko-KR" sz="1200"/>
+              <a:t> </a:t>
+            </a:r>
+            <a:r>
+              <a:rPr lang="ko-KR" altLang="en-US" sz="1200"/>
+              <a:t>에 </a:t>
+            </a:r>
+            <a:r>
+              <a:rPr lang="en-US" altLang="ko-KR" sz="1200"/>
+              <a:t>“</a:t>
+            </a:r>
+            <a:r>
+              <a:rPr lang="en-US" altLang="ko-KR" sz="1200" b="1">
+                <a:solidFill>
+                  <a:schemeClr val="accent4">
+                    <a:lumMod val="50000"/>
+                  </a:schemeClr>
+                </a:solidFill>
+              </a:rPr>
+              <a:t>maddr</a:t>
+            </a:r>
+            <a:r>
+              <a:rPr lang="en-US" altLang="ko-KR" sz="1200"/>
+              <a:t>” </a:t>
+            </a:r>
+            <a:r>
+              <a:rPr lang="ko-KR" altLang="en-US" sz="1200"/>
+              <a:t>파라미터가 포함된 경우</a:t>
+            </a:r>
+            <a:r>
+              <a:rPr lang="en-US" altLang="ko-KR" sz="1200"/>
+              <a:t>, </a:t>
+            </a:r>
+            <a:r>
+              <a:rPr lang="ko-KR" altLang="en-US" sz="1200"/>
+              <a:t>프록시는 해당 값이 프록시가 책임지도록 구성된 </a:t>
+            </a:r>
+            <a:r>
+              <a:rPr lang="ko-KR" altLang="en-US" sz="1200" b="1"/>
+              <a:t>주소</a:t>
+            </a:r>
+            <a:r>
+              <a:rPr lang="ko-KR" altLang="en-US" sz="1200"/>
+              <a:t> 또는 </a:t>
+            </a:r>
+            <a:r>
+              <a:rPr lang="ko-KR" altLang="en-US" sz="1200" b="1"/>
+              <a:t>도메인 집합</a:t>
+            </a:r>
+            <a:r>
+              <a:rPr lang="ko-KR" altLang="en-US" sz="1200"/>
+              <a:t>에 있는 지 검사</a:t>
+            </a:r>
+            <a:endParaRPr lang="en-US" altLang="ko-KR" sz="1200"/>
+          </a:p>
+          <a:p>
+            <a:pPr marL="628650" lvl="1" indent="-171450">
+              <a:lnSpc>
+                <a:spcPct val="200000"/>
+              </a:lnSpc>
+              <a:buFont typeface="Roboto" panose="02000000000000000000" pitchFamily="2" charset="0"/>
+              <a:buChar char="−"/>
+            </a:pPr>
+            <a:r>
+              <a:rPr lang="en-US" altLang="ko-KR" sz="1200">
+                <a:highlight>
+                  <a:srgbClr val="FFFF00"/>
+                </a:highlight>
+              </a:rPr>
               <a:t>Request-URI </a:t>
             </a:r>
             <a:r>
-              <a:rPr lang="ko-KR" altLang="en-US" sz="1100" b="1"/>
-              <a:t>검사</a:t>
-            </a:r>
-            <a:endParaRPr lang="en-US" altLang="ko-KR" sz="1100" b="1"/>
-          </a:p>
-          <a:p>
-            <a:pPr>
+              <a:rPr lang="ko-KR" altLang="en-US" sz="1200">
+                <a:highlight>
+                  <a:srgbClr val="FFFF00"/>
+                </a:highlight>
+              </a:rPr>
+              <a:t>에 </a:t>
+            </a:r>
+            <a:r>
+              <a:rPr lang="en-US" altLang="ko-KR" sz="1200" b="1">
+                <a:highlight>
+                  <a:srgbClr val="FFFF00"/>
+                </a:highlight>
+              </a:rPr>
+              <a:t>maddr</a:t>
+            </a:r>
+            <a:r>
+              <a:rPr lang="en-US" altLang="ko-KR" sz="1200">
+                <a:highlight>
+                  <a:srgbClr val="FFFF00"/>
+                </a:highlight>
+              </a:rPr>
+              <a:t> </a:t>
+            </a:r>
+            <a:r>
+              <a:rPr lang="ko-KR" altLang="en-US" sz="1200">
+                <a:highlight>
+                  <a:srgbClr val="FFFF00"/>
+                </a:highlight>
+              </a:rPr>
+              <a:t>파라미터를 사용하는 대신 </a:t>
+            </a:r>
+            <a:r>
+              <a:rPr lang="en-US" altLang="ko-KR" sz="1200">
+                <a:highlight>
+                  <a:srgbClr val="FFFF00"/>
+                </a:highlight>
+              </a:rPr>
+              <a:t>Route </a:t>
+            </a:r>
+            <a:r>
+              <a:rPr lang="ko-KR" altLang="en-US" sz="1200">
+                <a:highlight>
+                  <a:srgbClr val="FFFF00"/>
+                </a:highlight>
+              </a:rPr>
+              <a:t>헤더를 사용하는 방식을 권고</a:t>
+            </a:r>
+            <a:endParaRPr lang="en-US" altLang="ko-KR" sz="1200">
+              <a:highlight>
+                <a:srgbClr val="FFFF00"/>
+              </a:highlight>
+            </a:endParaRPr>
+          </a:p>
+          <a:p>
+            <a:pPr marL="628650" lvl="1" indent="-171450">
               <a:lnSpc>
                 <a:spcPct val="200000"/>
               </a:lnSpc>
-            </a:pPr>
-            <a:r>
-              <a:rPr lang="en-US" altLang="ko-KR" sz="1100" b="1"/>
-              <a:t>Request-URI</a:t>
-            </a:r>
-            <a:r>
-              <a:rPr lang="en-US" altLang="ko-KR" sz="1100"/>
+              <a:buFont typeface="Roboto" panose="02000000000000000000" pitchFamily="2" charset="0"/>
+              <a:buChar char="−"/>
+            </a:pPr>
+            <a:r>
+              <a:rPr lang="en-US" altLang="ko-KR" sz="1200"/>
+              <a:t>Request-URI </a:t>
+            </a:r>
+            <a:r>
+              <a:rPr lang="ko-KR" altLang="en-US" sz="1200"/>
+              <a:t>에 프록시가 책임지는 값이 갖는 </a:t>
+            </a:r>
+            <a:r>
+              <a:rPr lang="en-US" altLang="ko-KR" sz="1200" b="1"/>
+              <a:t>maddr</a:t>
+            </a:r>
+            <a:r>
+              <a:rPr lang="en-US" altLang="ko-KR" sz="1200"/>
               <a:t> </a:t>
             </a:r>
             <a:r>
-              <a:rPr lang="ko-KR" altLang="en-US" sz="1100"/>
-              <a:t>에 프록시가 이전에 </a:t>
-            </a:r>
-            <a:r>
-              <a:rPr lang="en-US" altLang="ko-KR" sz="1100" b="1"/>
-              <a:t>Record-Route</a:t>
-            </a:r>
-            <a:r>
-              <a:rPr lang="en-US" altLang="ko-KR" sz="1100"/>
+              <a:rPr lang="ko-KR" altLang="en-US" sz="1200"/>
+              <a:t>파라미터가 있고 요청이 </a:t>
+            </a:r>
+            <a:r>
+              <a:rPr lang="en-US" altLang="ko-KR" sz="1200"/>
+              <a:t>Request-URI </a:t>
+            </a:r>
+            <a:r>
+              <a:rPr lang="ko-KR" altLang="en-US" sz="1200"/>
+              <a:t>에 표현된 </a:t>
+            </a:r>
+            <a:r>
+              <a:rPr lang="en-US" altLang="ko-KR" sz="1200" b="1"/>
+              <a:t>port</a:t>
+            </a:r>
+            <a:r>
+              <a:rPr lang="en-US" altLang="ko-KR" sz="1200"/>
               <a:t> </a:t>
             </a:r>
             <a:r>
-              <a:rPr lang="ko-KR" altLang="en-US" sz="1100"/>
-              <a:t>헤더에 입력한 값이 포함된 경우</a:t>
-            </a:r>
-            <a:r>
-              <a:rPr lang="en-US" altLang="ko-KR" sz="1100"/>
+              <a:rPr lang="ko-KR" altLang="en-US" sz="1200"/>
+              <a:t>와 </a:t>
+            </a:r>
+            <a:r>
+              <a:rPr lang="en-US" altLang="ko-KR" sz="1200" b="1"/>
+              <a:t>transport</a:t>
+            </a:r>
+            <a:r>
+              <a:rPr lang="en-US" altLang="ko-KR" sz="1200"/>
+              <a:t> </a:t>
+            </a:r>
+            <a:r>
+              <a:rPr lang="ko-KR" altLang="en-US" sz="1200"/>
+              <a:t>를 사용하여 수신되었다면</a:t>
+            </a:r>
+            <a:r>
+              <a:rPr lang="en-US" altLang="ko-KR" sz="1200"/>
               <a:t>, </a:t>
             </a:r>
             <a:br>
-              <a:rPr lang="en-US" altLang="ko-KR" sz="1100"/>
+              <a:rPr lang="en-US" altLang="ko-KR" sz="1200"/>
             </a:br>
             <a:r>
-              <a:rPr lang="ko-KR" altLang="en-US" sz="1100"/>
-              <a:t>프록시는 요청의 </a:t>
-            </a:r>
-            <a:r>
-              <a:rPr lang="en-US" altLang="ko-KR" sz="1100" b="1"/>
-              <a:t>Request-URI</a:t>
-            </a:r>
-            <a:r>
-              <a:rPr lang="en-US" altLang="ko-KR" sz="1100"/>
+              <a:rPr lang="ko-KR" altLang="en-US" sz="1200"/>
+              <a:t>프록시는 </a:t>
+            </a:r>
+            <a:r>
+              <a:rPr lang="en-US" altLang="ko-KR" sz="1200" b="1"/>
+              <a:t>maddr</a:t>
+            </a:r>
+            <a:r>
+              <a:rPr lang="en-US" altLang="ko-KR" sz="1200"/>
               <a:t> </a:t>
             </a:r>
             <a:r>
-              <a:rPr lang="ko-KR" altLang="en-US" sz="1100"/>
-              <a:t>를 </a:t>
-            </a:r>
-            <a:r>
-              <a:rPr lang="en-US" altLang="ko-KR" sz="1100" b="1"/>
+              <a:rPr lang="ko-KR" altLang="en-US" sz="1200"/>
+              <a:t>와 </a:t>
+            </a:r>
+            <a:r>
+              <a:rPr lang="en-US" altLang="ko-KR" sz="1200" b="1"/>
+              <a:t>port</a:t>
+            </a:r>
+            <a:r>
+              <a:rPr lang="en-US" altLang="ko-KR" sz="1200"/>
+              <a:t>(non-default) </a:t>
+            </a:r>
+            <a:r>
+              <a:rPr lang="ko-KR" altLang="en-US" sz="1200"/>
+              <a:t>또는 </a:t>
+            </a:r>
+            <a:r>
+              <a:rPr lang="en-US" altLang="ko-KR" sz="1200" b="1"/>
+              <a:t>transport</a:t>
+            </a:r>
+            <a:r>
+              <a:rPr lang="en-US" altLang="ko-KR" sz="1200"/>
+              <a:t> </a:t>
+            </a:r>
+            <a:r>
+              <a:rPr lang="ko-KR" altLang="en-US" sz="1200"/>
+              <a:t>파라미터를 </a:t>
+            </a:r>
+            <a:r>
+              <a:rPr lang="ko-KR" altLang="en-US" sz="1200" b="1"/>
+              <a:t>제거</a:t>
+            </a:r>
+            <a:r>
+              <a:rPr lang="ko-KR" altLang="en-US" sz="1200"/>
+              <a:t>하고 해당 값이 요청에 </a:t>
+            </a:r>
+            <a:r>
+              <a:rPr lang="ko-KR" altLang="en-US" sz="1200" b="1"/>
+              <a:t>없는 것처럼 처리</a:t>
+            </a:r>
+            <a:endParaRPr lang="en-US" altLang="ko-KR" sz="1200" b="1"/>
+          </a:p>
+          <a:p>
+            <a:pPr marL="171450" indent="-171450">
+              <a:lnSpc>
+                <a:spcPct val="200000"/>
+              </a:lnSpc>
+              <a:buFont typeface="Arial" panose="020B0604020202020204" pitchFamily="34" charset="0"/>
+              <a:buChar char="•"/>
+            </a:pPr>
+            <a:r>
+              <a:rPr lang="en-US" altLang="ko-KR" sz="1200" b="1">
+                <a:solidFill>
+                  <a:srgbClr val="002060"/>
+                </a:solidFill>
+              </a:rPr>
               <a:t>Route</a:t>
             </a:r>
             <a:r>
-              <a:rPr lang="en-US" altLang="ko-KR" sz="1100"/>
+              <a:rPr lang="en-US" altLang="ko-KR" sz="1200"/>
               <a:t> </a:t>
             </a:r>
             <a:r>
-              <a:rPr lang="ko-KR" altLang="en-US" sz="1100"/>
-              <a:t>헤더의 마지막 값으로 바꾸고</a:t>
-            </a:r>
-            <a:r>
-              <a:rPr lang="en-US" altLang="ko-KR" sz="1100"/>
+              <a:rPr lang="ko-KR" altLang="en-US" sz="1200"/>
+              <a:t>헤더 필드의 </a:t>
+            </a:r>
+            <a:r>
+              <a:rPr lang="ko-KR" altLang="en-US" sz="1200" b="1"/>
+              <a:t>첫 번째 값</a:t>
+            </a:r>
+            <a:r>
+              <a:rPr lang="ko-KR" altLang="en-US" sz="1200"/>
+              <a:t>이 프록시 자신을 가리키는 경우</a:t>
+            </a:r>
+            <a:r>
+              <a:rPr lang="en-US" altLang="ko-KR" sz="1200"/>
+              <a:t>, </a:t>
+            </a:r>
+            <a:r>
+              <a:rPr lang="en-US" altLang="ko-KR" sz="1200" b="1"/>
+              <a:t>Route</a:t>
+            </a:r>
+            <a:r>
+              <a:rPr lang="en-US" altLang="ko-KR" sz="1200"/>
               <a:t> </a:t>
             </a:r>
             <a:r>
-              <a:rPr lang="en-US" altLang="ko-KR" sz="1100" b="1"/>
-              <a:t>Route</a:t>
-            </a:r>
-            <a:r>
-              <a:rPr lang="en-US" altLang="ko-KR" sz="1100"/>
-              <a:t> </a:t>
-            </a:r>
-            <a:r>
-              <a:rPr lang="ko-KR" altLang="en-US" sz="1100"/>
-              <a:t>헤더에서 해당 값을 제거</a:t>
-            </a:r>
-            <a:endParaRPr lang="en-US" altLang="ko-KR" sz="1100"/>
-          </a:p>
-          <a:p>
-            <a:pPr>
-              <a:lnSpc>
-                <a:spcPct val="200000"/>
-              </a:lnSpc>
-            </a:pPr>
-            <a:endParaRPr lang="en-US" altLang="ko-KR" sz="1100"/>
-          </a:p>
-          <a:p>
-            <a:pPr>
-              <a:lnSpc>
-                <a:spcPct val="200000"/>
-              </a:lnSpc>
-            </a:pPr>
-            <a:r>
-              <a:rPr lang="en-US" altLang="ko-KR" sz="1100"/>
-              <a:t>Request-URI </a:t>
-            </a:r>
-            <a:r>
-              <a:rPr lang="ko-KR" altLang="en-US" sz="1100"/>
-              <a:t>에 </a:t>
-            </a:r>
-            <a:r>
-              <a:rPr lang="en-US" altLang="ko-KR" sz="1100"/>
-              <a:t>maddr </a:t>
-            </a:r>
-            <a:r>
-              <a:rPr lang="ko-KR" altLang="en-US" sz="1100"/>
-              <a:t>매개변수가 포함된 경우 프록시는 해당 값이 프록시가 책임지도록 구성된 주소 또는 도메인 집합에 있는 지 확인</a:t>
-            </a:r>
-            <a:endParaRPr lang="en-US" altLang="ko-KR" sz="1100"/>
-          </a:p>
-          <a:p>
-            <a:pPr>
-              <a:lnSpc>
-                <a:spcPct val="200000"/>
-              </a:lnSpc>
-            </a:pPr>
-            <a:r>
-              <a:rPr lang="en-US" altLang="ko-KR" sz="1100"/>
-              <a:t>Request-URI </a:t>
-            </a:r>
-            <a:r>
-              <a:rPr lang="ko-KR" altLang="en-US" sz="1100"/>
-              <a:t>에 프록시가 담당하는 값이 있는 </a:t>
-            </a:r>
-            <a:r>
-              <a:rPr lang="en-US" altLang="ko-KR" sz="1100"/>
-              <a:t>maddr </a:t>
-            </a:r>
-            <a:r>
-              <a:rPr lang="ko-KR" altLang="en-US" sz="1100"/>
-              <a:t>매개변수가 있고 </a:t>
-            </a:r>
-            <a:r>
-              <a:rPr lang="en-US" altLang="ko-KR" sz="1100"/>
-              <a:t>Request-URI </a:t>
-            </a:r>
-            <a:r>
-              <a:rPr lang="ko-KR" altLang="en-US" sz="1100"/>
-              <a:t>에 명시적으로 또는 기본적으로 지정된 포트 및 전송을 사용하여 요청이 수신된 경우</a:t>
-            </a:r>
-            <a:endParaRPr lang="en-US" altLang="ko-KR" sz="1100"/>
-          </a:p>
-          <a:p>
-            <a:pPr>
-              <a:lnSpc>
-                <a:spcPct val="200000"/>
-              </a:lnSpc>
-            </a:pPr>
-            <a:r>
-              <a:rPr lang="ko-KR" altLang="en-US" sz="1100"/>
-              <a:t>프록시는 </a:t>
-            </a:r>
-            <a:r>
-              <a:rPr lang="en-US" altLang="ko-KR" sz="1100"/>
-              <a:t>maddr </a:t>
-            </a:r>
-            <a:r>
-              <a:rPr lang="ko-KR" altLang="en-US" sz="1100"/>
-              <a:t>및 기본값이 아닌 포트 또는 전송 매개변수를 제거하고 해당 값이 요청에 없는 것처럼 처리</a:t>
-            </a:r>
-            <a:endParaRPr lang="en-US" altLang="ko-KR" sz="1100"/>
+              <a:rPr lang="ko-KR" altLang="en-US" sz="1200"/>
+              <a:t>헤더의 첫 번째 값을  </a:t>
+            </a:r>
+            <a:r>
+              <a:rPr lang="ko-KR" altLang="en-US" sz="1200" b="1"/>
+              <a:t>제거</a:t>
+            </a:r>
+            <a:endParaRPr lang="en-US" altLang="ko-KR" sz="1200" b="1"/>
           </a:p>
         </p:txBody>
       </p:sp>
@@ -8339,18 +11732,6 @@
   <p:clrMapOvr>
     <a:masterClrMapping/>
   </p:clrMapOvr>
-  <mc:AlternateContent xmlns:mc="http://schemas.openxmlformats.org/markup-compatibility/2006">
-    <mc:Choice xmlns:p159="http://schemas.microsoft.com/office/powerpoint/2015/09/main" Requires="p159">
-      <p:transition spd="slow">
-        <p159:morph option="byObject"/>
-      </p:transition>
-    </mc:Choice>
-    <mc:Fallback>
-      <p:transition spd="slow">
-        <p:fade/>
-      </p:transition>
-    </mc:Fallback>
-  </mc:AlternateContent>
 </p:sld>
 </file>
 

--- a/세미나 3차.pptx
+++ b/세미나 3차.pptx
@@ -5,10 +5,10 @@
     <p:sldMasterId id="2147483648" r:id="rId1"/>
   </p:sldMasterIdLst>
   <p:notesMasterIdLst>
-    <p:notesMasterId r:id="rId47"/>
+    <p:notesMasterId r:id="rId55"/>
   </p:notesMasterIdLst>
   <p:handoutMasterIdLst>
-    <p:handoutMasterId r:id="rId48"/>
+    <p:handoutMasterId r:id="rId56"/>
   </p:handoutMasterIdLst>
   <p:sldIdLst>
     <p:sldId id="264" r:id="rId2"/>
@@ -55,49 +55,57 @@
     <p:sldId id="334" r:id="rId43"/>
     <p:sldId id="335" r:id="rId44"/>
     <p:sldId id="336" r:id="rId45"/>
-    <p:sldId id="290" r:id="rId46"/>
+    <p:sldId id="337" r:id="rId46"/>
+    <p:sldId id="339" r:id="rId47"/>
+    <p:sldId id="338" r:id="rId48"/>
+    <p:sldId id="340" r:id="rId49"/>
+    <p:sldId id="341" r:id="rId50"/>
+    <p:sldId id="342" r:id="rId51"/>
+    <p:sldId id="343" r:id="rId52"/>
+    <p:sldId id="344" r:id="rId53"/>
+    <p:sldId id="290" r:id="rId54"/>
   </p:sldIdLst>
   <p:sldSz cx="12192000" cy="6858000"/>
   <p:notesSz cx="6858000" cy="9144000"/>
   <p:embeddedFontLst>
     <p:embeddedFont>
       <p:font typeface="G마켓 산스 TTF Bold" panose="02000000000000000000" pitchFamily="2" charset="-127"/>
-      <p:bold r:id="rId49"/>
+      <p:bold r:id="rId57"/>
     </p:embeddedFont>
     <p:embeddedFont>
       <p:font typeface="G마켓 산스 TTF Light" panose="02000000000000000000" pitchFamily="2" charset="-127"/>
-      <p:regular r:id="rId50"/>
+      <p:regular r:id="rId58"/>
     </p:embeddedFont>
     <p:embeddedFont>
       <p:font typeface="G마켓 산스 TTF Medium" panose="02000000000000000000" pitchFamily="2" charset="-127"/>
-      <p:regular r:id="rId51"/>
+      <p:regular r:id="rId59"/>
     </p:embeddedFont>
     <p:embeddedFont>
       <p:font typeface="Roboto" panose="02000000000000000000" pitchFamily="2" charset="0"/>
-      <p:regular r:id="rId52"/>
-      <p:bold r:id="rId53"/>
-      <p:italic r:id="rId54"/>
-      <p:boldItalic r:id="rId55"/>
+      <p:regular r:id="rId60"/>
+      <p:bold r:id="rId61"/>
+      <p:italic r:id="rId62"/>
+      <p:boldItalic r:id="rId63"/>
     </p:embeddedFont>
     <p:embeddedFont>
       <p:font typeface="Roboto Black" panose="02000000000000000000" pitchFamily="2" charset="0"/>
-      <p:bold r:id="rId56"/>
-      <p:boldItalic r:id="rId57"/>
+      <p:bold r:id="rId64"/>
+      <p:boldItalic r:id="rId65"/>
     </p:embeddedFont>
     <p:embeddedFont>
       <p:font typeface="Roboto Light" panose="02000000000000000000" pitchFamily="2" charset="0"/>
-      <p:regular r:id="rId58"/>
-      <p:italic r:id="rId59"/>
+      <p:regular r:id="rId66"/>
+      <p:italic r:id="rId67"/>
     </p:embeddedFont>
     <p:embeddedFont>
       <p:font typeface="Roboto Medium" panose="02000000000000000000" pitchFamily="2" charset="0"/>
-      <p:regular r:id="rId60"/>
-      <p:italic r:id="rId61"/>
+      <p:regular r:id="rId68"/>
+      <p:italic r:id="rId69"/>
     </p:embeddedFont>
     <p:embeddedFont>
       <p:font typeface="맑은 고딕" panose="020B0503020000020004" pitchFamily="50" charset="-127"/>
-      <p:regular r:id="rId62"/>
-      <p:bold r:id="rId63"/>
+      <p:regular r:id="rId70"/>
+      <p:bold r:id="rId71"/>
     </p:embeddedFont>
   </p:embeddedFontLst>
   <p:defaultTextStyle>
@@ -300,7 +308,7 @@
           <a:p>
             <a:fld id="{8D7A30CD-047B-418C-B390-82335D751AE2}" type="datetimeFigureOut">
               <a:rPr lang="ko-KR" altLang="en-US" smtClean="0"/>
-              <a:t>2023-07-12</a:t>
+              <a:t>2023-07-13</a:t>
             </a:fld>
             <a:endParaRPr lang="ko-KR" altLang="en-US"/>
           </a:p>
@@ -477,7 +485,7 @@
           <a:p>
             <a:fld id="{697B1179-EA2C-4F66-A7B6-E78EE214E3F0}" type="datetimeFigureOut">
               <a:rPr lang="ko-KR" altLang="en-US" smtClean="0"/>
-              <a:t>2023-07-12</a:t>
+              <a:t>2023-07-13</a:t>
             </a:fld>
             <a:endParaRPr lang="ko-KR" altLang="en-US"/>
           </a:p>
@@ -19268,8 +19276,8 @@
         </p:nvSpPr>
         <p:spPr>
           <a:xfrm>
-            <a:off x="1286261" y="3934533"/>
-            <a:ext cx="7133684" cy="2421817"/>
+            <a:off x="1286261" y="3811423"/>
+            <a:ext cx="7133684" cy="2544927"/>
           </a:xfrm>
           <a:prstGeom prst="rect">
             <a:avLst/>
@@ -19288,7 +19296,7 @@
               </a:lnSpc>
             </a:pPr>
             <a:r>
-              <a:rPr lang="en-US" altLang="ko-KR" sz="1200" b="1">
+              <a:rPr lang="en-US" altLang="ko-KR" sz="1600" b="1">
                 <a:solidFill>
                   <a:schemeClr val="accent3">
                     <a:lumMod val="50000"/>
@@ -19300,7 +19308,7 @@
               <a:t>INVITE</a:t>
             </a:r>
             <a:r>
-              <a:rPr lang="ko-KR" altLang="en-US" sz="1200" b="1">
+              <a:rPr lang="ko-KR" altLang="en-US" sz="1600" b="1">
                 <a:solidFill>
                   <a:schemeClr val="accent3">
                     <a:lumMod val="50000"/>
@@ -19311,7 +19319,7 @@
               </a:rPr>
               <a:t> 클라이언트 트랜잭션</a:t>
             </a:r>
-            <a:endParaRPr lang="en-US" altLang="ko-KR" sz="1200">
+            <a:endParaRPr lang="en-US" altLang="ko-KR" sz="1600">
               <a:solidFill>
                 <a:schemeClr val="accent3">
                   <a:lumMod val="50000"/>
@@ -23464,7 +23472,7 @@
         </p:nvSpPr>
         <p:spPr>
           <a:xfrm>
-            <a:off x="739722" y="1068909"/>
+            <a:off x="739722" y="898925"/>
             <a:ext cx="6644768" cy="3158557"/>
           </a:xfrm>
           <a:prstGeom prst="rect">
@@ -23940,7 +23948,7 @@
         </p:nvSpPr>
         <p:spPr>
           <a:xfrm>
-            <a:off x="739722" y="4333141"/>
+            <a:off x="739722" y="4163157"/>
             <a:ext cx="6571030" cy="1835118"/>
           </a:xfrm>
           <a:prstGeom prst="rect">
@@ -25232,8 +25240,8 @@
         </p:nvSpPr>
         <p:spPr>
           <a:xfrm>
-            <a:off x="739722" y="1007183"/>
-            <a:ext cx="6040436" cy="2037096"/>
+            <a:off x="739722" y="915201"/>
+            <a:ext cx="6040436" cy="2160207"/>
           </a:xfrm>
           <a:prstGeom prst="rect">
             <a:avLst/>
@@ -25252,7 +25260,7 @@
               </a:lnSpc>
             </a:pPr>
             <a:r>
-              <a:rPr lang="en-US" altLang="ko-KR" sz="1200" b="1">
+              <a:rPr lang="en-US" altLang="ko-KR" sz="1600" b="1">
                 <a:solidFill>
                   <a:schemeClr val="accent3">
                     <a:lumMod val="50000"/>
@@ -25264,7 +25272,7 @@
               <a:t>Non-INVITE</a:t>
             </a:r>
             <a:r>
-              <a:rPr lang="ko-KR" altLang="en-US" sz="1200" b="1">
+              <a:rPr lang="ko-KR" altLang="en-US" sz="1600" b="1">
                 <a:solidFill>
                   <a:schemeClr val="accent3">
                     <a:lumMod val="50000"/>
@@ -25275,7 +25283,7 @@
               </a:rPr>
               <a:t> 클라이언트 트랜잭션</a:t>
             </a:r>
-            <a:endParaRPr lang="en-US" altLang="ko-KR" sz="1200">
+            <a:endParaRPr lang="en-US" altLang="ko-KR" sz="1600">
               <a:solidFill>
                 <a:schemeClr val="accent3">
                   <a:lumMod val="50000"/>
@@ -26582,7 +26590,7 @@
         </p:nvSpPr>
         <p:spPr>
           <a:xfrm>
-            <a:off x="739722" y="3101587"/>
+            <a:off x="739722" y="3242926"/>
             <a:ext cx="6160661" cy="2850780"/>
           </a:xfrm>
           <a:prstGeom prst="rect">
@@ -28977,7 +28985,7 @@
         <p:spPr>
           <a:xfrm>
             <a:off x="739722" y="1007183"/>
-            <a:ext cx="8052204" cy="2144818"/>
+            <a:ext cx="8063426" cy="2206373"/>
           </a:xfrm>
           <a:prstGeom prst="rect">
             <a:avLst/>
@@ -28996,7 +29004,7 @@
               </a:lnSpc>
             </a:pPr>
             <a:r>
-              <a:rPr lang="ko-KR" altLang="en-US" sz="1400">
+              <a:rPr lang="ko-KR" altLang="en-US" sz="1600">
                 <a:solidFill>
                   <a:schemeClr val="accent3">
                     <a:lumMod val="50000"/>
@@ -29007,7 +29015,7 @@
               </a:rPr>
               <a:t>응답 매치</a:t>
             </a:r>
-            <a:endParaRPr lang="en-US" altLang="ko-KR" sz="1400">
+            <a:endParaRPr lang="en-US" altLang="ko-KR" sz="1600">
               <a:solidFill>
                 <a:schemeClr val="accent3">
                   <a:lumMod val="50000"/>
@@ -29268,7 +29276,7 @@
         <p:spPr>
           <a:xfrm>
             <a:off x="739722" y="3429000"/>
-            <a:ext cx="7848623" cy="1460977"/>
+            <a:ext cx="7859844" cy="1529265"/>
           </a:xfrm>
           <a:prstGeom prst="rect">
             <a:avLst/>
@@ -29287,7 +29295,7 @@
               </a:lnSpc>
             </a:pPr>
             <a:r>
-              <a:rPr lang="ko-KR" altLang="en-US" sz="1400">
+              <a:rPr lang="ko-KR" altLang="en-US" sz="1600">
                 <a:solidFill>
                   <a:schemeClr val="accent3">
                     <a:lumMod val="50000"/>
@@ -29298,7 +29306,7 @@
               </a:rPr>
               <a:t>전송 오류 처리</a:t>
             </a:r>
-            <a:endParaRPr lang="en-US" altLang="ko-KR" sz="1400">
+            <a:endParaRPr lang="en-US" altLang="ko-KR" sz="1600">
               <a:solidFill>
                 <a:schemeClr val="accent3">
                   <a:lumMod val="50000"/>
@@ -30595,7 +30603,7 @@
         <p:spPr>
           <a:xfrm>
             <a:off x="739722" y="1007183"/>
-            <a:ext cx="6274475" cy="1144544"/>
+            <a:ext cx="6280887" cy="1206099"/>
           </a:xfrm>
           <a:prstGeom prst="rect">
             <a:avLst/>
@@ -30614,7 +30622,7 @@
               </a:lnSpc>
             </a:pPr>
             <a:r>
-              <a:rPr lang="en-US" altLang="ko-KR" sz="1400" b="1">
+              <a:rPr lang="en-US" altLang="ko-KR" sz="1600" b="1">
                 <a:solidFill>
                   <a:schemeClr val="accent3">
                     <a:lumMod val="50000"/>
@@ -30698,7 +30706,7 @@
         <p:spPr>
           <a:xfrm>
             <a:off x="739722" y="2320380"/>
-            <a:ext cx="7810151" cy="3620222"/>
+            <a:ext cx="7810151" cy="3681777"/>
           </a:xfrm>
           <a:prstGeom prst="rect">
             <a:avLst/>
@@ -30717,7 +30725,7 @@
               </a:lnSpc>
             </a:pPr>
             <a:r>
-              <a:rPr lang="en-US" altLang="ko-KR" sz="1400" b="1">
+              <a:rPr lang="en-US" altLang="ko-KR" sz="1600" b="1">
                 <a:solidFill>
                   <a:schemeClr val="accent3">
                     <a:lumMod val="50000"/>
@@ -30728,7 +30736,7 @@
               <a:t>INVITE </a:t>
             </a:r>
             <a:r>
-              <a:rPr lang="ko-KR" altLang="en-US" sz="1400" b="1">
+              <a:rPr lang="ko-KR" altLang="en-US" sz="1600" b="1">
                 <a:solidFill>
                   <a:schemeClr val="accent3">
                     <a:lumMod val="50000"/>
@@ -30738,7 +30746,7 @@
               </a:rPr>
               <a:t>서버 트랜잭션</a:t>
             </a:r>
-            <a:endParaRPr lang="en-US" altLang="ko-KR" sz="1400" b="1">
+            <a:endParaRPr lang="en-US" altLang="ko-KR" sz="1600" b="1">
               <a:solidFill>
                 <a:schemeClr val="accent3">
                   <a:lumMod val="50000"/>
@@ -34451,7 +34459,7 @@
         <p:spPr>
           <a:xfrm>
             <a:off x="739722" y="927935"/>
-            <a:ext cx="5101076" cy="2266005"/>
+            <a:ext cx="5101076" cy="2327560"/>
           </a:xfrm>
           <a:prstGeom prst="rect">
             <a:avLst/>
@@ -34470,7 +34478,7 @@
               </a:lnSpc>
             </a:pPr>
             <a:r>
-              <a:rPr lang="en-US" altLang="ko-KR" sz="1400" b="1">
+              <a:rPr lang="en-US" altLang="ko-KR" sz="1600" b="1">
                 <a:solidFill>
                   <a:schemeClr val="accent3">
                     <a:lumMod val="50000"/>
@@ -34482,7 +34490,7 @@
               <a:t>Non-INVITE</a:t>
             </a:r>
             <a:r>
-              <a:rPr lang="ko-KR" altLang="en-US" sz="1400" b="1">
+              <a:rPr lang="ko-KR" altLang="en-US" sz="1600" b="1">
                 <a:solidFill>
                   <a:schemeClr val="accent3">
                     <a:lumMod val="50000"/>
@@ -34493,7 +34501,7 @@
               </a:rPr>
               <a:t> 클라이언트 트랜잭션</a:t>
             </a:r>
-            <a:endParaRPr lang="en-US" altLang="ko-KR" sz="1400">
+            <a:endParaRPr lang="en-US" altLang="ko-KR" sz="1600">
               <a:solidFill>
                 <a:schemeClr val="accent3">
                   <a:lumMod val="50000"/>
@@ -37741,7 +37749,7 @@
         <p:spPr>
           <a:xfrm>
             <a:off x="739722" y="1007183"/>
-            <a:ext cx="8504251" cy="4738798"/>
+            <a:ext cx="10491975" cy="4393510"/>
           </a:xfrm>
           <a:prstGeom prst="rect">
             <a:avLst/>
@@ -37760,7 +37768,7 @@
               </a:lnSpc>
             </a:pPr>
             <a:r>
-              <a:rPr lang="ko-KR" altLang="en-US" sz="1400">
+              <a:rPr lang="ko-KR" altLang="en-US" sz="1600">
                 <a:solidFill>
                   <a:schemeClr val="accent3">
                     <a:lumMod val="50000"/>
@@ -37771,7 +37779,7 @@
               </a:rPr>
               <a:t>응답 매치</a:t>
             </a:r>
-            <a:endParaRPr lang="en-US" altLang="ko-KR" sz="1400">
+            <a:endParaRPr lang="en-US" altLang="ko-KR" sz="1600">
               <a:solidFill>
                 <a:schemeClr val="accent3">
                   <a:lumMod val="50000"/>
@@ -37880,34 +37888,34 @@
               <a:buAutoNum type="arabicPeriod"/>
             </a:pPr>
             <a:r>
-              <a:rPr lang="ko-KR" altLang="en-US" sz="1050"/>
+              <a:rPr lang="ko-KR" altLang="en-US" sz="1000"/>
               <a:t>요청의 </a:t>
             </a:r>
             <a:r>
-              <a:rPr lang="en-US" altLang="ko-KR" sz="1050"/>
+              <a:rPr lang="en-US" altLang="ko-KR" sz="1000"/>
               <a:t>“</a:t>
             </a:r>
             <a:r>
-              <a:rPr lang="en-US" altLang="ko-KR" sz="1050" b="1"/>
+              <a:rPr lang="en-US" altLang="ko-KR" sz="1000" b="1"/>
               <a:t>branch</a:t>
             </a:r>
             <a:r>
-              <a:rPr lang="en-US" altLang="ko-KR" sz="1050"/>
+              <a:rPr lang="en-US" altLang="ko-KR" sz="1000"/>
               <a:t>”</a:t>
             </a:r>
             <a:r>
-              <a:rPr lang="ko-KR" altLang="en-US" sz="1050"/>
+              <a:rPr lang="ko-KR" altLang="en-US" sz="1000"/>
               <a:t> 파라미터가 트랜잭션을 생성한 요청의 최상단 </a:t>
             </a:r>
             <a:r>
-              <a:rPr lang="en-US" altLang="ko-KR" sz="1050"/>
+              <a:rPr lang="en-US" altLang="ko-KR" sz="1000"/>
               <a:t>Via </a:t>
             </a:r>
             <a:r>
-              <a:rPr lang="ko-KR" altLang="en-US" sz="1050"/>
+              <a:rPr lang="ko-KR" altLang="en-US" sz="1000"/>
               <a:t>헤더 값과 같은 경우</a:t>
             </a:r>
-            <a:endParaRPr lang="en-US" altLang="ko-KR" sz="1050"/>
+            <a:endParaRPr lang="en-US" altLang="ko-KR" sz="1000"/>
           </a:p>
           <a:p>
             <a:pPr marL="685800" lvl="1" indent="-228600">
@@ -37917,34 +37925,34 @@
               <a:buAutoNum type="arabicPeriod"/>
             </a:pPr>
             <a:r>
-              <a:rPr lang="ko-KR" altLang="en-US" sz="1050"/>
+              <a:rPr lang="ko-KR" altLang="en-US" sz="1000"/>
               <a:t>요청의 최상단 </a:t>
             </a:r>
             <a:r>
-              <a:rPr lang="en-US" altLang="ko-KR" sz="1050" b="1"/>
+              <a:rPr lang="en-US" altLang="ko-KR" sz="1000" b="1"/>
               <a:t>Via</a:t>
             </a:r>
             <a:r>
-              <a:rPr lang="en-US" altLang="ko-KR" sz="1050"/>
+              <a:rPr lang="en-US" altLang="ko-KR" sz="1000"/>
               <a:t> </a:t>
             </a:r>
             <a:r>
-              <a:rPr lang="ko-KR" altLang="en-US" sz="1050"/>
+              <a:rPr lang="ko-KR" altLang="en-US" sz="1000"/>
               <a:t>에 있는 </a:t>
             </a:r>
             <a:r>
-              <a:rPr lang="en-US" altLang="ko-KR" sz="1050" b="1"/>
+              <a:rPr lang="en-US" altLang="ko-KR" sz="1000" b="1"/>
               <a:t>sent-by</a:t>
             </a:r>
             <a:r>
-              <a:rPr lang="en-US" altLang="ko-KR" sz="1050"/>
+              <a:rPr lang="en-US" altLang="ko-KR" sz="1000"/>
               <a:t> </a:t>
             </a:r>
             <a:r>
-              <a:rPr lang="ko-KR" altLang="en-US" sz="1050"/>
+              <a:rPr lang="ko-KR" altLang="en-US" sz="1000"/>
               <a:t>값이 트랜잭션을 생성한 요청의 값과 같은 경우</a:t>
             </a:r>
-            <a:endParaRPr lang="en-US" altLang="ko-KR" sz="1050"/>
+            <a:endParaRPr lang="en-US" altLang="ko-KR" sz="1000"/>
           </a:p>
           <a:p>
             <a:pPr marL="685800" lvl="1" indent="-228600">
@@ -37954,35 +37962,35 @@
               <a:buAutoNum type="arabicPeriod"/>
             </a:pPr>
             <a:r>
-              <a:rPr lang="ko-KR" altLang="en-US" sz="1050"/>
+              <a:rPr lang="ko-KR" altLang="en-US" sz="1000"/>
               <a:t>요청의 메서드가 트랜잭션을 생성한 요청의 메서드와 일치 </a:t>
             </a:r>
             <a:r>
-              <a:rPr lang="en-US" altLang="ko-KR" sz="1050"/>
+              <a:rPr lang="en-US" altLang="ko-KR" sz="1000"/>
               <a:t>(</a:t>
             </a:r>
             <a:r>
-              <a:rPr lang="ko-KR" altLang="en-US" sz="1050"/>
+              <a:rPr lang="ko-KR" altLang="en-US" sz="1000"/>
               <a:t>단</a:t>
             </a:r>
             <a:r>
-              <a:rPr lang="en-US" altLang="ko-KR" sz="1050"/>
+              <a:rPr lang="en-US" altLang="ko-KR" sz="1000"/>
               <a:t>, ACK </a:t>
             </a:r>
             <a:r>
-              <a:rPr lang="ko-KR" altLang="en-US" sz="1050"/>
+              <a:rPr lang="ko-KR" altLang="en-US" sz="1000"/>
               <a:t>는 트랜잭션을 생성한 </a:t>
             </a:r>
             <a:r>
-              <a:rPr lang="en-US" altLang="ko-KR" sz="1050"/>
+              <a:rPr lang="en-US" altLang="ko-KR" sz="1000"/>
               <a:t>INVITE </a:t>
             </a:r>
             <a:r>
-              <a:rPr lang="ko-KR" altLang="en-US" sz="1050"/>
+              <a:rPr lang="ko-KR" altLang="en-US" sz="1000"/>
               <a:t>인 경우 제외</a:t>
             </a:r>
             <a:r>
-              <a:rPr lang="en-US" altLang="ko-KR" sz="1050"/>
+              <a:rPr lang="en-US" altLang="ko-KR" sz="1000"/>
               <a:t>)</a:t>
             </a:r>
           </a:p>
@@ -37995,34 +38003,34 @@
               <a:buChar char="•"/>
             </a:pPr>
             <a:r>
-              <a:rPr lang="ko-KR" altLang="en-US" sz="1050"/>
+              <a:rPr lang="ko-KR" altLang="en-US" sz="1100"/>
               <a:t>위 규칙은 </a:t>
             </a:r>
             <a:r>
-              <a:rPr lang="en-US" altLang="ko-KR" sz="1050" b="1"/>
+              <a:rPr lang="en-US" altLang="ko-KR" sz="1100" b="1"/>
               <a:t>INVITE</a:t>
             </a:r>
             <a:r>
-              <a:rPr lang="ko-KR" altLang="en-US" sz="1050" b="1"/>
+              <a:rPr lang="ko-KR" altLang="en-US" sz="1100" b="1"/>
               <a:t> 트랜잭션</a:t>
             </a:r>
             <a:r>
-              <a:rPr lang="ko-KR" altLang="en-US" sz="1050"/>
+              <a:rPr lang="ko-KR" altLang="en-US" sz="1100"/>
               <a:t>과 </a:t>
             </a:r>
             <a:r>
-              <a:rPr lang="en-US" altLang="ko-KR" sz="1050" b="1"/>
+              <a:rPr lang="en-US" altLang="ko-KR" sz="1100" b="1"/>
               <a:t>Non-INVITE </a:t>
             </a:r>
             <a:r>
-              <a:rPr lang="ko-KR" altLang="en-US" sz="1050" b="1"/>
+              <a:rPr lang="ko-KR" altLang="en-US" sz="1100" b="1"/>
               <a:t>트랜잭션</a:t>
             </a:r>
             <a:r>
-              <a:rPr lang="ko-KR" altLang="en-US" sz="1050"/>
+              <a:rPr lang="ko-KR" altLang="en-US" sz="1100"/>
               <a:t> 모두에 적용</a:t>
             </a:r>
-            <a:endParaRPr lang="en-US" altLang="ko-KR" sz="1050"/>
+            <a:endParaRPr lang="en-US" altLang="ko-KR" sz="1100"/>
           </a:p>
           <a:p>
             <a:pPr marL="171450" indent="-171450">
@@ -38033,136 +38041,219 @@
               <a:buChar char="•"/>
             </a:pPr>
             <a:r>
-              <a:rPr lang="ko-KR" altLang="en-US" sz="1050"/>
+              <a:rPr lang="ko-KR" altLang="en-US" sz="1100"/>
               <a:t>최상단 </a:t>
             </a:r>
             <a:r>
-              <a:rPr lang="en-US" altLang="ko-KR" sz="1050"/>
+              <a:rPr lang="en-US" altLang="ko-KR" sz="1100" b="1"/>
+              <a:t>Via</a:t>
+            </a:r>
+            <a:r>
+              <a:rPr lang="en-US" altLang="ko-KR" sz="1100"/>
+              <a:t> </a:t>
+            </a:r>
+            <a:r>
+              <a:rPr lang="ko-KR" altLang="en-US" sz="1100"/>
+              <a:t>헤더에 </a:t>
+            </a:r>
+            <a:r>
+              <a:rPr lang="en-US" altLang="ko-KR" sz="1100"/>
+              <a:t>“</a:t>
+            </a:r>
+            <a:r>
+              <a:rPr lang="en-US" altLang="ko-KR" sz="1100" b="1"/>
+              <a:t>branch</a:t>
+            </a:r>
+            <a:r>
+              <a:rPr lang="en-US" altLang="ko-KR" sz="1100"/>
+              <a:t>” </a:t>
+            </a:r>
+            <a:r>
+              <a:rPr lang="ko-KR" altLang="en-US" sz="1100"/>
+              <a:t>파라미터가 없거나 매직 쿠키를 포함하지 않으면</a:t>
+            </a:r>
+            <a:r>
+              <a:rPr lang="en-US" altLang="ko-KR" sz="1100"/>
+              <a:t>, </a:t>
+            </a:r>
+            <a:r>
+              <a:rPr lang="ko-KR" altLang="en-US" sz="1100"/>
+              <a:t>다음 절차를 따름</a:t>
+            </a:r>
+            <a:endParaRPr lang="en-US" altLang="ko-KR" sz="1100"/>
+          </a:p>
+          <a:p>
+            <a:pPr marL="628650" lvl="1" indent="-171450">
+              <a:lnSpc>
+                <a:spcPct val="200000"/>
+              </a:lnSpc>
+              <a:buFont typeface="Roboto" panose="02000000000000000000" pitchFamily="2" charset="0"/>
+              <a:buChar char="−"/>
+            </a:pPr>
+            <a:r>
+              <a:rPr lang="en-US" altLang="ko-KR" sz="1000"/>
+              <a:t>INVITE </a:t>
+            </a:r>
+            <a:r>
+              <a:rPr lang="ko-KR" altLang="en-US" sz="1000"/>
+              <a:t>요청은 </a:t>
+            </a:r>
+            <a:r>
+              <a:rPr lang="en-US" altLang="ko-KR" sz="1000"/>
+              <a:t>Request-URI, To </a:t>
+            </a:r>
+            <a:r>
+              <a:rPr lang="ko-KR" altLang="en-US" sz="1000"/>
+              <a:t>태그</a:t>
+            </a:r>
+            <a:r>
+              <a:rPr lang="en-US" altLang="ko-KR" sz="1000"/>
+              <a:t>, From </a:t>
+            </a:r>
+            <a:r>
+              <a:rPr lang="ko-KR" altLang="en-US" sz="1000"/>
+              <a:t>태그</a:t>
+            </a:r>
+            <a:r>
+              <a:rPr lang="en-US" altLang="ko-KR" sz="1000"/>
+              <a:t>, Call-ID, CSeq, </a:t>
+            </a:r>
+            <a:r>
+              <a:rPr lang="ko-KR" altLang="en-US" sz="1000"/>
+              <a:t>최상단 </a:t>
+            </a:r>
+            <a:r>
+              <a:rPr lang="en-US" altLang="ko-KR" sz="1000"/>
               <a:t>Via </a:t>
             </a:r>
             <a:r>
-              <a:rPr lang="ko-KR" altLang="en-US" sz="1050"/>
-              <a:t>헤더에 </a:t>
-            </a:r>
-            <a:r>
-              <a:rPr lang="en-US" altLang="ko-KR" sz="1050"/>
-              <a:t>“branch” </a:t>
-            </a:r>
-            <a:r>
-              <a:rPr lang="ko-KR" altLang="en-US" sz="1050"/>
-              <a:t>파라미터가 없거나 매직 쿠키를 포함하지 않으면</a:t>
-            </a:r>
-            <a:r>
-              <a:rPr lang="en-US" altLang="ko-KR" sz="1050"/>
+              <a:rPr lang="ko-KR" altLang="en-US" sz="1000"/>
+              <a:t>헤더 필드가 트랜잭션을 생성한 </a:t>
+            </a:r>
+            <a:r>
+              <a:rPr lang="en-US" altLang="ko-KR" sz="1000"/>
+              <a:t>INVITE </a:t>
+            </a:r>
+            <a:r>
+              <a:rPr lang="ko-KR" altLang="en-US" sz="1000"/>
+              <a:t>요청과 같으면 일치</a:t>
+            </a:r>
+            <a:endParaRPr lang="en-US" altLang="ko-KR" sz="1000"/>
+          </a:p>
+          <a:p>
+            <a:pPr marL="628650" lvl="1" indent="-171450">
+              <a:lnSpc>
+                <a:spcPct val="200000"/>
+              </a:lnSpc>
+              <a:buFont typeface="Roboto" panose="02000000000000000000" pitchFamily="2" charset="0"/>
+              <a:buChar char="−"/>
+            </a:pPr>
+            <a:r>
+              <a:rPr lang="en-US" altLang="ko-KR" sz="1000"/>
+              <a:t>ACK </a:t>
+            </a:r>
+            <a:r>
+              <a:rPr lang="ko-KR" altLang="en-US" sz="1000"/>
+              <a:t>요청은 </a:t>
+            </a:r>
+            <a:r>
+              <a:rPr lang="en-US" altLang="ko-KR" sz="1000"/>
+              <a:t>Request-URI, From </a:t>
+            </a:r>
+            <a:r>
+              <a:rPr lang="ko-KR" altLang="en-US" sz="1000"/>
+              <a:t>태그</a:t>
+            </a:r>
+            <a:r>
+              <a:rPr lang="en-US" altLang="ko-KR" sz="1000"/>
+              <a:t>, Call-ID, CSeq </a:t>
+            </a:r>
+            <a:r>
+              <a:rPr lang="ko-KR" altLang="en-US" sz="1000"/>
+              <a:t>번호</a:t>
+            </a:r>
+            <a:r>
+              <a:rPr lang="en-US" altLang="ko-KR" sz="1000"/>
               <a:t>, </a:t>
             </a:r>
             <a:r>
-              <a:rPr lang="ko-KR" altLang="en-US" sz="1050"/>
-              <a:t>다음 절차를 따름</a:t>
-            </a:r>
-            <a:endParaRPr lang="en-US" altLang="ko-KR" sz="1050"/>
+              <a:rPr lang="ko-KR" altLang="en-US" sz="1000"/>
+              <a:t>최상단 </a:t>
+            </a:r>
+            <a:r>
+              <a:rPr lang="en-US" altLang="ko-KR" sz="1000"/>
+              <a:t>Via </a:t>
+            </a:r>
+            <a:r>
+              <a:rPr lang="ko-KR" altLang="en-US" sz="1000"/>
+              <a:t>헤더가 트랜잭션을 생성한 </a:t>
+            </a:r>
+            <a:r>
+              <a:rPr lang="en-US" altLang="ko-KR" sz="1000"/>
+              <a:t>INVITE </a:t>
+            </a:r>
+            <a:r>
+              <a:rPr lang="ko-KR" altLang="en-US" sz="1000"/>
+              <a:t>요청과 같고</a:t>
+            </a:r>
+            <a:r>
+              <a:rPr lang="en-US" altLang="ko-KR" sz="1000"/>
+              <a:t>, ACK </a:t>
+            </a:r>
+            <a:r>
+              <a:rPr lang="ko-KR" altLang="en-US" sz="1000"/>
+              <a:t>의 </a:t>
+            </a:r>
+            <a:r>
+              <a:rPr lang="en-US" altLang="ko-KR" sz="1000"/>
+              <a:t>To  </a:t>
+            </a:r>
+            <a:r>
+              <a:rPr lang="ko-KR" altLang="en-US" sz="1000"/>
+              <a:t>태그가 서버 트랜잭션이 전송한 응답의 </a:t>
+            </a:r>
+            <a:r>
+              <a:rPr lang="en-US" altLang="ko-KR" sz="1000"/>
+              <a:t>To </a:t>
+            </a:r>
+            <a:r>
+              <a:rPr lang="ko-KR" altLang="en-US" sz="1000"/>
+              <a:t>태그와</a:t>
+            </a:r>
+            <a:br>
+              <a:rPr lang="en-US" altLang="ko-KR" sz="1000"/>
+            </a:br>
+            <a:r>
+              <a:rPr lang="ko-KR" altLang="en-US" sz="1000"/>
+              <a:t>같으면 트랜잭션과 일치</a:t>
+            </a:r>
+            <a:endParaRPr lang="en-US" altLang="ko-KR" sz="1000"/>
           </a:p>
           <a:p>
             <a:pPr marL="628650" lvl="1" indent="-171450">
               <a:lnSpc>
                 <a:spcPct val="200000"/>
               </a:lnSpc>
-              <a:buFont typeface="Arial" panose="020B0604020202020204" pitchFamily="34" charset="0"/>
-              <a:buChar char="•"/>
-            </a:pPr>
-            <a:r>
-              <a:rPr lang="en-US" altLang="ko-KR" sz="1050"/>
-              <a:t>INVITE </a:t>
-            </a:r>
-            <a:r>
-              <a:rPr lang="ko-KR" altLang="en-US" sz="1050"/>
-              <a:t>요청은 </a:t>
-            </a:r>
-            <a:r>
-              <a:rPr lang="en-US" altLang="ko-KR" sz="1050"/>
-              <a:t>Request-URI, To </a:t>
-            </a:r>
-            <a:r>
-              <a:rPr lang="ko-KR" altLang="en-US" sz="1050"/>
-              <a:t>태그</a:t>
-            </a:r>
-            <a:r>
-              <a:rPr lang="en-US" altLang="ko-KR" sz="1050"/>
-              <a:t>, From </a:t>
-            </a:r>
-            <a:r>
-              <a:rPr lang="ko-KR" altLang="en-US" sz="1050"/>
-              <a:t>태그</a:t>
-            </a:r>
-            <a:r>
-              <a:rPr lang="en-US" altLang="ko-KR" sz="1050"/>
-              <a:t>, Call-ID, CSeq, </a:t>
-            </a:r>
-            <a:r>
-              <a:rPr lang="ko-KR" altLang="en-US" sz="1050"/>
-              <a:t>최상단 </a:t>
-            </a:r>
-            <a:r>
-              <a:rPr lang="en-US" altLang="ko-KR" sz="1050"/>
-              <a:t>Via </a:t>
-            </a:r>
-            <a:r>
-              <a:rPr lang="ko-KR" altLang="en-US" sz="1050"/>
-              <a:t>헤더 필드가 트랜잭션을 생성한 </a:t>
-            </a:r>
-            <a:r>
-              <a:rPr lang="en-US" altLang="ko-KR" sz="1050"/>
-              <a:t>INVITE </a:t>
-            </a:r>
-            <a:r>
-              <a:rPr lang="ko-KR" altLang="en-US" sz="1050"/>
-              <a:t>요청과 같으면 일치</a:t>
-            </a:r>
-            <a:endParaRPr lang="en-US" altLang="ko-KR" sz="1050"/>
-          </a:p>
-          <a:p>
-            <a:pPr marL="628650" lvl="1" indent="-171450">
-              <a:lnSpc>
-                <a:spcPct val="200000"/>
-              </a:lnSpc>
-              <a:buFont typeface="Arial" panose="020B0604020202020204" pitchFamily="34" charset="0"/>
-              <a:buChar char="•"/>
-            </a:pPr>
-            <a:r>
-              <a:rPr lang="ko-KR" altLang="en-US" sz="1050"/>
-              <a:t>이 경우 재전송</a:t>
-            </a:r>
-            <a:endParaRPr lang="en-US" altLang="ko-KR" sz="1050"/>
-          </a:p>
-          <a:p>
-            <a:pPr marL="628650" lvl="1" indent="-171450">
-              <a:lnSpc>
-                <a:spcPct val="200000"/>
-              </a:lnSpc>
-              <a:buFont typeface="Arial" panose="020B0604020202020204" pitchFamily="34" charset="0"/>
-              <a:buChar char="•"/>
-            </a:pPr>
-            <a:endParaRPr lang="en-US" altLang="ko-KR" sz="1050"/>
-          </a:p>
-          <a:p>
-            <a:pPr marL="171450" indent="-171450">
-              <a:lnSpc>
-                <a:spcPct val="200000"/>
-              </a:lnSpc>
-              <a:buFont typeface="Arial" panose="020B0604020202020204" pitchFamily="34" charset="0"/>
-              <a:buChar char="•"/>
-            </a:pPr>
-            <a:endParaRPr lang="en-US" altLang="ko-KR" sz="1100"/>
-          </a:p>
-          <a:p>
-            <a:pPr marL="171450" indent="-171450">
-              <a:lnSpc>
-                <a:spcPct val="200000"/>
-              </a:lnSpc>
-              <a:buFont typeface="Arial" panose="020B0604020202020204" pitchFamily="34" charset="0"/>
-              <a:buChar char="•"/>
-            </a:pPr>
-            <a:endParaRPr lang="en-US" altLang="ko-KR" sz="1050"/>
+              <a:buFont typeface="Roboto" panose="02000000000000000000" pitchFamily="2" charset="0"/>
+              <a:buChar char="−"/>
+            </a:pPr>
+            <a:r>
+              <a:rPr lang="en-US" altLang="ko-KR" sz="1000"/>
+              <a:t>Non-INVITE </a:t>
+            </a:r>
+            <a:r>
+              <a:rPr lang="ko-KR" altLang="en-US" sz="1000"/>
+              <a:t>요청이 기존 트랜잭션과 일치할 때</a:t>
+            </a:r>
+            <a:r>
+              <a:rPr lang="en-US" altLang="ko-KR" sz="1000"/>
+              <a:t>, </a:t>
+            </a:r>
+            <a:r>
+              <a:rPr lang="ko-KR" altLang="en-US" sz="1000"/>
+              <a:t>그것은 그 트랜잭션을 생성한 요청의 재전송</a:t>
+            </a:r>
+            <a:endParaRPr lang="en-US" altLang="ko-KR" sz="1000"/>
           </a:p>
         </p:txBody>
       </p:sp>
@@ -38198,10 +38289,44 @@
       </p:grpSpPr>
       <p:sp>
         <p:nvSpPr>
-          <p:cNvPr id="4" name="슬라이드 번호 개체 틀 3">
-            <a:extLst>
-              <a:ext uri="{FF2B5EF4-FFF2-40B4-BE49-F238E27FC236}">
-                <a16:creationId xmlns:a16="http://schemas.microsoft.com/office/drawing/2014/main" id="{63151CCF-057C-4F06-8A51-C3671F753532}"/>
+          <p:cNvPr id="2" name="제목 1">
+            <a:extLst>
+              <a:ext uri="{FF2B5EF4-FFF2-40B4-BE49-F238E27FC236}">
+                <a16:creationId xmlns:a16="http://schemas.microsoft.com/office/drawing/2014/main" id="{70F22706-C19C-4D37-953F-8A651D4CB7A4}"/>
+              </a:ext>
+            </a:extLst>
+          </p:cNvPr>
+          <p:cNvSpPr>
+            <a:spLocks noGrp="1"/>
+          </p:cNvSpPr>
+          <p:nvPr>
+            <p:ph type="title"/>
+          </p:nvPr>
+        </p:nvSpPr>
+        <p:spPr>
+          <a:xfrm>
+            <a:off x="0" y="1"/>
+            <a:ext cx="12192000" cy="550415"/>
+          </a:xfrm>
+        </p:spPr>
+        <p:txBody>
+          <a:bodyPr/>
+          <a:lstStyle/>
+          <a:p>
+            <a:r>
+              <a:rPr lang="en-US" altLang="ko-KR"/>
+              <a:t>2. Transactions – Server Transaction</a:t>
+            </a:r>
+            <a:endParaRPr lang="ko-KR" altLang="en-US"/>
+          </a:p>
+        </p:txBody>
+      </p:sp>
+      <p:sp>
+        <p:nvSpPr>
+          <p:cNvPr id="3" name="슬라이드 번호 개체 틀 2">
+            <a:extLst>
+              <a:ext uri="{FF2B5EF4-FFF2-40B4-BE49-F238E27FC236}">
+                <a16:creationId xmlns:a16="http://schemas.microsoft.com/office/drawing/2014/main" id="{7C06E1FC-B274-42F0-8885-FADDAB6271F6}"/>
               </a:ext>
             </a:extLst>
           </p:cNvPr>
@@ -38219,18 +38344,19 @@
           <a:p>
             <a:fld id="{A9252A94-CC09-4928-8209-20295AE91AEF}" type="slidenum">
               <a:rPr lang="ko-KR" altLang="en-US" smtClean="0"/>
+              <a:pPr/>
               <a:t>45</a:t>
             </a:fld>
-            <a:endParaRPr lang="ko-KR" altLang="en-US" dirty="0"/>
+            <a:endParaRPr lang="ko-KR" altLang="en-US"/>
           </a:p>
         </p:txBody>
       </p:sp>
       <p:sp>
         <p:nvSpPr>
-          <p:cNvPr id="5" name="TextBox 4">
-            <a:extLst>
-              <a:ext uri="{FF2B5EF4-FFF2-40B4-BE49-F238E27FC236}">
-                <a16:creationId xmlns:a16="http://schemas.microsoft.com/office/drawing/2014/main" id="{2C4EDA3F-1542-B44B-C801-83CCECD10FBF}"/>
+          <p:cNvPr id="31" name="TextBox 30">
+            <a:extLst>
+              <a:ext uri="{FF2B5EF4-FFF2-40B4-BE49-F238E27FC236}">
+                <a16:creationId xmlns:a16="http://schemas.microsoft.com/office/drawing/2014/main" id="{3CAC487F-05C2-4832-9D63-EE8F27616AEE}"/>
               </a:ext>
             </a:extLst>
           </p:cNvPr>
@@ -38239,8 +38365,8 @@
         </p:nvSpPr>
         <p:spPr>
           <a:xfrm>
-            <a:off x="4714051" y="3105834"/>
-            <a:ext cx="2763898" cy="646331"/>
+            <a:off x="739722" y="1007183"/>
+            <a:ext cx="8008924" cy="1558119"/>
           </a:xfrm>
           <a:prstGeom prst="rect">
             <a:avLst/>
@@ -38253,24 +38379,5361 @@
           </a:bodyPr>
           <a:lstStyle/>
           <a:p>
-            <a:pPr algn="ctr"/>
-            <a:r>
-              <a:rPr lang="en-US" altLang="ko-KR" sz="3600" dirty="0">
-                <a:latin typeface="Roboto Light" panose="02000000000000000000" pitchFamily="2" charset="0"/>
-                <a:ea typeface="Roboto Light" panose="02000000000000000000" pitchFamily="2" charset="0"/>
+            <a:pPr>
+              <a:lnSpc>
+                <a:spcPct val="200000"/>
+              </a:lnSpc>
+            </a:pPr>
+            <a:r>
+              <a:rPr lang="ko-KR" altLang="en-US" sz="1600">
+                <a:solidFill>
+                  <a:schemeClr val="accent3">
+                    <a:lumMod val="50000"/>
+                  </a:schemeClr>
+                </a:solidFill>
+                <a:latin typeface="+mj-ea"/>
+                <a:ea typeface="+mj-ea"/>
               </a:rPr>
-              <a:t>THANK YOU</a:t>
-            </a:r>
-            <a:endParaRPr lang="ko-KR" altLang="en-US" sz="3600" dirty="0">
-              <a:latin typeface="Roboto Light" panose="02000000000000000000" pitchFamily="2" charset="0"/>
+              <a:t>전송 오류 처리</a:t>
+            </a:r>
+            <a:endParaRPr lang="en-US" altLang="ko-KR" sz="1600">
+              <a:solidFill>
+                <a:schemeClr val="accent3">
+                  <a:lumMod val="50000"/>
+                </a:schemeClr>
+              </a:solidFill>
+              <a:latin typeface="+mj-ea"/>
+              <a:ea typeface="+mj-ea"/>
             </a:endParaRPr>
+          </a:p>
+          <a:p>
+            <a:pPr marL="171450" indent="-171450">
+              <a:lnSpc>
+                <a:spcPct val="200000"/>
+              </a:lnSpc>
+              <a:buFont typeface="Arial" panose="020B0604020202020204" pitchFamily="34" charset="0"/>
+              <a:buChar char="•"/>
+            </a:pPr>
+            <a:r>
+              <a:rPr lang="ko-KR" altLang="en-US" sz="1100"/>
+              <a:t>서버 트랜잭션이 </a:t>
+            </a:r>
+            <a:r>
+              <a:rPr lang="en-US" altLang="ko-KR" sz="1100"/>
+              <a:t>Transport Layer </a:t>
+            </a:r>
+            <a:r>
+              <a:rPr lang="ko-KR" altLang="en-US" sz="1100"/>
+              <a:t>로 응답을 전송할 때</a:t>
+            </a:r>
+            <a:r>
+              <a:rPr lang="en-US" altLang="ko-KR" sz="1100"/>
+              <a:t>, Transport Layer </a:t>
+            </a:r>
+            <a:r>
+              <a:rPr lang="ko-KR" altLang="en-US" sz="1100"/>
+              <a:t>가 실패를 반환하면 다음 절차를 따름</a:t>
+            </a:r>
+            <a:endParaRPr lang="en-US" altLang="ko-KR" sz="1100"/>
+          </a:p>
+          <a:p>
+            <a:pPr marL="628650" lvl="1" indent="-171450">
+              <a:lnSpc>
+                <a:spcPct val="200000"/>
+              </a:lnSpc>
+              <a:buFont typeface="Roboto" panose="02000000000000000000" pitchFamily="2" charset="0"/>
+              <a:buChar char="−"/>
+            </a:pPr>
+            <a:r>
+              <a:rPr lang="en-US" altLang="ko-KR" sz="1100"/>
+              <a:t>TU </a:t>
+            </a:r>
+            <a:r>
+              <a:rPr lang="ko-KR" altLang="en-US" sz="1100"/>
+              <a:t>는 </a:t>
+            </a:r>
+            <a:r>
+              <a:rPr lang="en-US" altLang="ko-KR" sz="1100" b="1"/>
+              <a:t>RFC 3263 </a:t>
+            </a:r>
+            <a:r>
+              <a:rPr lang="ko-KR" altLang="en-US" sz="1100"/>
+              <a:t>의 절차에 따라 </a:t>
+            </a:r>
+            <a:r>
+              <a:rPr lang="ko-KR" altLang="en-US" sz="1100" b="1"/>
+              <a:t>백업</a:t>
+            </a:r>
+            <a:r>
+              <a:rPr lang="ko-KR" altLang="en-US" sz="1100"/>
+              <a:t>에 대한 응답을 전달하려고 시도</a:t>
+            </a:r>
+            <a:endParaRPr lang="en-US" altLang="ko-KR" sz="1100"/>
+          </a:p>
+          <a:p>
+            <a:pPr marL="628650" lvl="1" indent="-171450">
+              <a:lnSpc>
+                <a:spcPct val="200000"/>
+              </a:lnSpc>
+              <a:buFont typeface="Roboto" panose="02000000000000000000" pitchFamily="2" charset="0"/>
+              <a:buChar char="−"/>
+            </a:pPr>
+            <a:r>
+              <a:rPr lang="ko-KR" altLang="en-US" sz="1100"/>
+              <a:t>서버 트랜잭션은 위 모든 절차가 </a:t>
+            </a:r>
+            <a:r>
+              <a:rPr lang="ko-KR" altLang="en-US" sz="1100" b="1"/>
+              <a:t>실패가 발생</a:t>
+            </a:r>
+            <a:r>
+              <a:rPr lang="ko-KR" altLang="en-US" sz="1100"/>
+              <a:t>했음을 </a:t>
+            </a:r>
+            <a:r>
+              <a:rPr lang="en-US" altLang="ko-KR" sz="1100" b="1"/>
+              <a:t>TU </a:t>
+            </a:r>
+            <a:r>
+              <a:rPr lang="ko-KR" altLang="en-US" sz="1100"/>
+              <a:t>에 알려야 하며</a:t>
+            </a:r>
+            <a:r>
+              <a:rPr lang="en-US" altLang="ko-KR" sz="1100"/>
+              <a:t>, </a:t>
+            </a:r>
+            <a:r>
+              <a:rPr lang="ko-KR" altLang="en-US" sz="1100"/>
+              <a:t>서버 트랜잭션은 </a:t>
+            </a:r>
+            <a:r>
+              <a:rPr lang="en-US" altLang="ko-KR" sz="1100"/>
+              <a:t>“</a:t>
+            </a:r>
+            <a:r>
+              <a:rPr lang="en-US" altLang="ko-KR" sz="1100" b="1"/>
+              <a:t>Terminated</a:t>
+            </a:r>
+            <a:r>
+              <a:rPr lang="en-US" altLang="ko-KR" sz="1100"/>
+              <a:t>” </a:t>
+            </a:r>
+            <a:r>
+              <a:rPr lang="ko-KR" altLang="en-US" sz="1100"/>
+              <a:t>상태로 즉시 전환</a:t>
+            </a:r>
+            <a:endParaRPr lang="en-US" altLang="ko-KR" sz="1100"/>
           </a:p>
         </p:txBody>
       </p:sp>
     </p:spTree>
     <p:extLst>
       <p:ext uri="{BB962C8B-B14F-4D97-AF65-F5344CB8AC3E}">
-        <p14:creationId xmlns:p14="http://schemas.microsoft.com/office/powerpoint/2010/main" val="1137186482"/>
+        <p14:creationId xmlns:p14="http://schemas.microsoft.com/office/powerpoint/2010/main" val="3257074614"/>
+      </p:ext>
+    </p:extLst>
+  </p:cSld>
+  <p:clrMapOvr>
+    <a:masterClrMapping/>
+  </p:clrMapOvr>
+</p:sld>
+</file>
+
+<file path=ppt/slides/slide46.xml><?xml version="1.0" encoding="utf-8"?>
+<p:sld xmlns:a="http://schemas.openxmlformats.org/drawingml/2006/main" xmlns:r="http://schemas.openxmlformats.org/officeDocument/2006/relationships" xmlns:p="http://schemas.openxmlformats.org/presentationml/2006/main">
+  <p:cSld>
+    <p:spTree>
+      <p:nvGrpSpPr>
+        <p:cNvPr id="1" name=""/>
+        <p:cNvGrpSpPr/>
+        <p:nvPr/>
+      </p:nvGrpSpPr>
+      <p:grpSpPr>
+        <a:xfrm>
+          <a:off x="0" y="0"/>
+          <a:ext cx="0" cy="0"/>
+          <a:chOff x="0" y="0"/>
+          <a:chExt cx="0" cy="0"/>
+        </a:xfrm>
+      </p:grpSpPr>
+      <p:sp>
+        <p:nvSpPr>
+          <p:cNvPr id="2" name="제목 1">
+            <a:extLst>
+              <a:ext uri="{FF2B5EF4-FFF2-40B4-BE49-F238E27FC236}">
+                <a16:creationId xmlns:a16="http://schemas.microsoft.com/office/drawing/2014/main" id="{70F22706-C19C-4D37-953F-8A651D4CB7A4}"/>
+              </a:ext>
+            </a:extLst>
+          </p:cNvPr>
+          <p:cNvSpPr>
+            <a:spLocks noGrp="1"/>
+          </p:cNvSpPr>
+          <p:nvPr>
+            <p:ph type="title"/>
+          </p:nvPr>
+        </p:nvSpPr>
+        <p:spPr>
+          <a:xfrm>
+            <a:off x="0" y="1"/>
+            <a:ext cx="12192000" cy="550415"/>
+          </a:xfrm>
+        </p:spPr>
+        <p:txBody>
+          <a:bodyPr/>
+          <a:lstStyle/>
+          <a:p>
+            <a:r>
+              <a:rPr lang="en-US" altLang="ko-KR"/>
+              <a:t>3. Transport (1/6)</a:t>
+            </a:r>
+            <a:endParaRPr lang="ko-KR" altLang="en-US"/>
+          </a:p>
+        </p:txBody>
+      </p:sp>
+      <p:sp>
+        <p:nvSpPr>
+          <p:cNvPr id="3" name="슬라이드 번호 개체 틀 2">
+            <a:extLst>
+              <a:ext uri="{FF2B5EF4-FFF2-40B4-BE49-F238E27FC236}">
+                <a16:creationId xmlns:a16="http://schemas.microsoft.com/office/drawing/2014/main" id="{7C06E1FC-B274-42F0-8885-FADDAB6271F6}"/>
+              </a:ext>
+            </a:extLst>
+          </p:cNvPr>
+          <p:cNvSpPr>
+            <a:spLocks noGrp="1"/>
+          </p:cNvSpPr>
+          <p:nvPr>
+            <p:ph type="sldNum" sz="quarter" idx="12"/>
+          </p:nvPr>
+        </p:nvSpPr>
+        <p:spPr/>
+        <p:txBody>
+          <a:bodyPr/>
+          <a:lstStyle/>
+          <a:p>
+            <a:fld id="{A9252A94-CC09-4928-8209-20295AE91AEF}" type="slidenum">
+              <a:rPr lang="ko-KR" altLang="en-US" smtClean="0"/>
+              <a:pPr/>
+              <a:t>46</a:t>
+            </a:fld>
+            <a:endParaRPr lang="ko-KR" altLang="en-US"/>
+          </a:p>
+        </p:txBody>
+      </p:sp>
+      <p:sp>
+        <p:nvSpPr>
+          <p:cNvPr id="31" name="TextBox 30">
+            <a:extLst>
+              <a:ext uri="{FF2B5EF4-FFF2-40B4-BE49-F238E27FC236}">
+                <a16:creationId xmlns:a16="http://schemas.microsoft.com/office/drawing/2014/main" id="{3CAC487F-05C2-4832-9D63-EE8F27616AEE}"/>
+              </a:ext>
+            </a:extLst>
+          </p:cNvPr>
+          <p:cNvSpPr txBox="1"/>
+          <p:nvPr/>
+        </p:nvSpPr>
+        <p:spPr>
+          <a:xfrm>
+            <a:off x="739722" y="1007183"/>
+            <a:ext cx="6061275" cy="3574055"/>
+          </a:xfrm>
+          <a:prstGeom prst="rect">
+            <a:avLst/>
+          </a:prstGeom>
+          <a:noFill/>
+        </p:spPr>
+        <p:txBody>
+          <a:bodyPr wrap="none" rtlCol="0">
+            <a:spAutoFit/>
+          </a:bodyPr>
+          <a:lstStyle/>
+          <a:p>
+            <a:pPr>
+              <a:lnSpc>
+                <a:spcPct val="200000"/>
+              </a:lnSpc>
+            </a:pPr>
+            <a:r>
+              <a:rPr lang="en-US" altLang="ko-KR" sz="1600" b="1">
+                <a:solidFill>
+                  <a:schemeClr val="accent3">
+                    <a:lumMod val="50000"/>
+                  </a:schemeClr>
+                </a:solidFill>
+                <a:ea typeface="+mj-ea"/>
+              </a:rPr>
+              <a:t>Overview</a:t>
+            </a:r>
+          </a:p>
+          <a:p>
+            <a:pPr marL="171450" indent="-171450">
+              <a:lnSpc>
+                <a:spcPct val="200000"/>
+              </a:lnSpc>
+              <a:buFont typeface="Arial" panose="020B0604020202020204" pitchFamily="34" charset="0"/>
+              <a:buChar char="•"/>
+            </a:pPr>
+            <a:r>
+              <a:rPr lang="ko-KR" altLang="en-US" sz="1100"/>
+              <a:t>네트워크 전송을 통한 요청 및 응답의 실제 전송을 담당</a:t>
+            </a:r>
+            <a:endParaRPr lang="en-US" altLang="ko-KR" sz="1100"/>
+          </a:p>
+          <a:p>
+            <a:pPr marL="171450" indent="-171450">
+              <a:lnSpc>
+                <a:spcPct val="200000"/>
+              </a:lnSpc>
+              <a:buFont typeface="Arial" panose="020B0604020202020204" pitchFamily="34" charset="0"/>
+              <a:buChar char="•"/>
+            </a:pPr>
+            <a:r>
+              <a:rPr lang="ko-KR" altLang="en-US" sz="1100">
+                <a:latin typeface="+mj-ea"/>
+                <a:ea typeface="+mj-ea"/>
+              </a:rPr>
+              <a:t>연결 지향 전송</a:t>
+            </a:r>
+            <a:r>
+              <a:rPr lang="ko-KR" altLang="en-US" sz="1100"/>
+              <a:t>의 경우 요청 또는 응답에 사용할 </a:t>
+            </a:r>
+            <a:r>
+              <a:rPr lang="en-US" altLang="ko-KR" sz="1100" b="1"/>
+              <a:t>connection</a:t>
+            </a:r>
+            <a:r>
+              <a:rPr lang="en-US" altLang="ko-KR" sz="1100"/>
+              <a:t> </a:t>
+            </a:r>
+            <a:r>
+              <a:rPr lang="ko-KR" altLang="en-US" sz="1100"/>
+              <a:t>을 결정</a:t>
+            </a:r>
+            <a:endParaRPr lang="en-US" altLang="ko-KR" sz="1100"/>
+          </a:p>
+          <a:p>
+            <a:pPr marL="171450" indent="-171450">
+              <a:lnSpc>
+                <a:spcPct val="200000"/>
+              </a:lnSpc>
+              <a:buFont typeface="Arial" panose="020B0604020202020204" pitchFamily="34" charset="0"/>
+              <a:buChar char="•"/>
+            </a:pPr>
+            <a:r>
+              <a:rPr lang="en-US" altLang="ko-KR" sz="1100"/>
+              <a:t>TCP, SCTP </a:t>
+            </a:r>
+            <a:r>
+              <a:rPr lang="ko-KR" altLang="en-US" sz="1100"/>
+              <a:t>와 같은 전송 프로토콜 또는 </a:t>
+            </a:r>
+            <a:r>
+              <a:rPr lang="en-US" altLang="ko-KR" sz="1100"/>
+              <a:t>TLS </a:t>
+            </a:r>
+            <a:r>
+              <a:rPr lang="ko-KR" altLang="en-US" sz="1100"/>
+              <a:t>에 대한 끊임없는 </a:t>
+            </a:r>
+            <a:r>
+              <a:rPr lang="en-US" altLang="ko-KR" sz="1100"/>
+              <a:t>connection </a:t>
+            </a:r>
+            <a:r>
+              <a:rPr lang="ko-KR" altLang="en-US" sz="1100"/>
+              <a:t>관리 책임이 있음</a:t>
+            </a:r>
+            <a:endParaRPr lang="en-US" altLang="ko-KR" sz="1100"/>
+          </a:p>
+          <a:p>
+            <a:pPr marL="171450" indent="-171450">
+              <a:lnSpc>
+                <a:spcPct val="200000"/>
+              </a:lnSpc>
+              <a:buFont typeface="Arial" panose="020B0604020202020204" pitchFamily="34" charset="0"/>
+              <a:buChar char="•"/>
+            </a:pPr>
+            <a:r>
+              <a:rPr lang="ko-KR" altLang="en-US" sz="1100"/>
+              <a:t>이 </a:t>
+            </a:r>
+            <a:r>
+              <a:rPr lang="en-US" altLang="ko-KR" sz="1100"/>
+              <a:t>connection </a:t>
+            </a:r>
+            <a:r>
+              <a:rPr lang="ko-KR" altLang="en-US" sz="1100"/>
+              <a:t>들은 주소</a:t>
+            </a:r>
+            <a:r>
+              <a:rPr lang="en-US" altLang="ko-KR" sz="1100"/>
+              <a:t>, </a:t>
+            </a:r>
+            <a:r>
+              <a:rPr lang="ko-KR" altLang="en-US" sz="1100"/>
+              <a:t>포트</a:t>
+            </a:r>
+            <a:r>
+              <a:rPr lang="en-US" altLang="ko-KR" sz="1100"/>
+              <a:t>, </a:t>
+            </a:r>
+            <a:r>
+              <a:rPr lang="ko-KR" altLang="en-US" sz="1100"/>
+              <a:t>전송 프로토콜로 부터 형성된 튜플에 의해 인덱싱</a:t>
+            </a:r>
+            <a:endParaRPr lang="en-US" altLang="ko-KR" sz="1100"/>
+          </a:p>
+          <a:p>
+            <a:pPr marL="171450" indent="-171450">
+              <a:lnSpc>
+                <a:spcPct val="200000"/>
+              </a:lnSpc>
+              <a:buFont typeface="Arial" panose="020B0604020202020204" pitchFamily="34" charset="0"/>
+              <a:buChar char="•"/>
+            </a:pPr>
+            <a:r>
+              <a:rPr lang="en-US" altLang="ko-KR" sz="1100"/>
+              <a:t>Transport Layer </a:t>
+            </a:r>
+            <a:r>
+              <a:rPr lang="ko-KR" altLang="en-US" sz="1100"/>
+              <a:t>에서 </a:t>
+            </a:r>
+            <a:r>
+              <a:rPr lang="en-US" altLang="ko-KR" sz="1100"/>
+              <a:t>connection </a:t>
+            </a:r>
+            <a:r>
+              <a:rPr lang="ko-KR" altLang="en-US" sz="1100"/>
+              <a:t>이 열리면 이 인덱스는 목적지 </a:t>
+            </a:r>
+            <a:r>
+              <a:rPr lang="en-US" altLang="ko-KR" sz="1100"/>
+              <a:t>IP, </a:t>
+            </a:r>
+            <a:r>
+              <a:rPr lang="ko-KR" altLang="en-US" sz="1100"/>
+              <a:t>포트</a:t>
+            </a:r>
+            <a:r>
+              <a:rPr lang="en-US" altLang="ko-KR" sz="1100"/>
+              <a:t>, </a:t>
+            </a:r>
+            <a:r>
+              <a:rPr lang="ko-KR" altLang="en-US" sz="1100"/>
+              <a:t>전송 프로토콜로 설정</a:t>
+            </a:r>
+            <a:endParaRPr lang="en-US" altLang="ko-KR" sz="1100"/>
+          </a:p>
+          <a:p>
+            <a:pPr marL="171450" indent="-171450">
+              <a:lnSpc>
+                <a:spcPct val="200000"/>
+              </a:lnSpc>
+              <a:buFont typeface="Arial" panose="020B0604020202020204" pitchFamily="34" charset="0"/>
+              <a:buChar char="•"/>
+            </a:pPr>
+            <a:r>
+              <a:rPr lang="en-US" altLang="ko-KR" sz="1100"/>
+              <a:t>Transport Layer </a:t>
+            </a:r>
+            <a:r>
+              <a:rPr lang="ko-KR" altLang="en-US" sz="1100"/>
+              <a:t>에서 </a:t>
+            </a:r>
+            <a:r>
+              <a:rPr lang="en-US" altLang="ko-KR" sz="1100"/>
+              <a:t>connection </a:t>
+            </a:r>
+            <a:r>
+              <a:rPr lang="ko-KR" altLang="en-US" sz="1100"/>
+              <a:t>을 수락하면 이 인덱스는 소스 </a:t>
+            </a:r>
+            <a:r>
+              <a:rPr lang="en-US" altLang="ko-KR" sz="1100"/>
+              <a:t>IP, </a:t>
+            </a:r>
+            <a:r>
+              <a:rPr lang="ko-KR" altLang="en-US" sz="1100"/>
+              <a:t>포트</a:t>
+            </a:r>
+            <a:r>
+              <a:rPr lang="en-US" altLang="ko-KR" sz="1100"/>
+              <a:t>, </a:t>
+            </a:r>
+            <a:r>
+              <a:rPr lang="ko-KR" altLang="en-US" sz="1100"/>
+              <a:t>전송 프로토콜로 설정</a:t>
+            </a:r>
+            <a:endParaRPr lang="en-US" altLang="ko-KR" sz="1100"/>
+          </a:p>
+          <a:p>
+            <a:pPr marL="171450" indent="-171450">
+              <a:lnSpc>
+                <a:spcPct val="200000"/>
+              </a:lnSpc>
+              <a:buFont typeface="Arial" panose="020B0604020202020204" pitchFamily="34" charset="0"/>
+              <a:buChar char="•"/>
+            </a:pPr>
+            <a:r>
+              <a:rPr lang="ko-KR" altLang="en-US" sz="1100"/>
+              <a:t>마지막 메시지를 송수신한 후에 일정 시간 동안 </a:t>
+            </a:r>
+            <a:r>
+              <a:rPr lang="en-US" altLang="ko-KR" sz="1100" b="1"/>
+              <a:t>connection</a:t>
+            </a:r>
+            <a:r>
+              <a:rPr lang="en-US" altLang="ko-KR" sz="1100"/>
+              <a:t> </a:t>
+            </a:r>
+            <a:r>
+              <a:rPr lang="ko-KR" altLang="en-US" sz="1100"/>
+              <a:t>을 유지하는 것을 권고</a:t>
+            </a:r>
+            <a:endParaRPr lang="en-US" altLang="ko-KR" sz="1100"/>
+          </a:p>
+          <a:p>
+            <a:pPr marL="628650" lvl="1" indent="-171450">
+              <a:lnSpc>
+                <a:spcPct val="200000"/>
+              </a:lnSpc>
+              <a:buFont typeface="Roboto" panose="02000000000000000000" pitchFamily="2" charset="0"/>
+              <a:buChar char="−"/>
+            </a:pPr>
+            <a:r>
+              <a:rPr lang="ko-KR" altLang="en-US" sz="1050"/>
+              <a:t>이 시간은 최소한 트랜잭션의 상태가 </a:t>
+            </a:r>
+            <a:r>
+              <a:rPr lang="en-US" altLang="ko-KR" sz="1050"/>
+              <a:t>“</a:t>
+            </a:r>
+            <a:r>
+              <a:rPr lang="en-US" altLang="ko-KR" sz="1050" b="1"/>
+              <a:t>Terminated</a:t>
+            </a:r>
+            <a:r>
+              <a:rPr lang="en-US" altLang="ko-KR" sz="1050"/>
+              <a:t>” </a:t>
+            </a:r>
+            <a:r>
+              <a:rPr lang="ko-KR" altLang="en-US" sz="1050"/>
+              <a:t>상태로 변경되는 데 필요한 시간 이상</a:t>
+            </a:r>
+            <a:endParaRPr lang="en-US" altLang="ko-KR" sz="1050"/>
+          </a:p>
+          <a:p>
+            <a:pPr marL="171450" indent="-171450">
+              <a:lnSpc>
+                <a:spcPct val="200000"/>
+              </a:lnSpc>
+              <a:buFont typeface="Arial" panose="020B0604020202020204" pitchFamily="34" charset="0"/>
+              <a:buChar char="•"/>
+            </a:pPr>
+            <a:r>
+              <a:rPr lang="ko-KR" altLang="en-US" sz="1100"/>
+              <a:t>모든 </a:t>
+            </a:r>
+            <a:r>
+              <a:rPr lang="en-US" altLang="ko-KR" sz="1100"/>
+              <a:t>SIP </a:t>
+            </a:r>
+            <a:r>
+              <a:rPr lang="ko-KR" altLang="en-US" sz="1100"/>
+              <a:t>요소들은 반드시 </a:t>
+            </a:r>
+            <a:r>
+              <a:rPr lang="en-US" altLang="ko-KR" sz="1100" b="1"/>
+              <a:t>UDP</a:t>
+            </a:r>
+            <a:r>
+              <a:rPr lang="en-US" altLang="ko-KR" sz="1100"/>
+              <a:t> </a:t>
+            </a:r>
+            <a:r>
+              <a:rPr lang="ko-KR" altLang="en-US" sz="1100"/>
+              <a:t>와 </a:t>
+            </a:r>
+            <a:r>
+              <a:rPr lang="en-US" altLang="ko-KR" sz="1100" b="1"/>
+              <a:t>TCP</a:t>
+            </a:r>
+            <a:r>
+              <a:rPr lang="en-US" altLang="ko-KR" sz="1100"/>
+              <a:t> </a:t>
+            </a:r>
+            <a:r>
+              <a:rPr lang="ko-KR" altLang="en-US" sz="1100"/>
+              <a:t>를 구현하고</a:t>
+            </a:r>
+            <a:r>
+              <a:rPr lang="en-US" altLang="ko-KR" sz="1100"/>
+              <a:t>, </a:t>
+            </a:r>
+            <a:r>
+              <a:rPr lang="ko-KR" altLang="en-US" sz="1100"/>
+              <a:t>다른 프로토콜을 구현할 수 있음 </a:t>
+            </a:r>
+            <a:endParaRPr lang="en-US" altLang="ko-KR" sz="1100"/>
+          </a:p>
+        </p:txBody>
+      </p:sp>
+    </p:spTree>
+    <p:extLst>
+      <p:ext uri="{BB962C8B-B14F-4D97-AF65-F5344CB8AC3E}">
+        <p14:creationId xmlns:p14="http://schemas.microsoft.com/office/powerpoint/2010/main" val="381828518"/>
+      </p:ext>
+    </p:extLst>
+  </p:cSld>
+  <p:clrMapOvr>
+    <a:masterClrMapping/>
+  </p:clrMapOvr>
+</p:sld>
+</file>
+
+<file path=ppt/slides/slide47.xml><?xml version="1.0" encoding="utf-8"?>
+<p:sld xmlns:a="http://schemas.openxmlformats.org/drawingml/2006/main" xmlns:r="http://schemas.openxmlformats.org/officeDocument/2006/relationships" xmlns:p="http://schemas.openxmlformats.org/presentationml/2006/main">
+  <p:cSld>
+    <p:spTree>
+      <p:nvGrpSpPr>
+        <p:cNvPr id="1" name=""/>
+        <p:cNvGrpSpPr/>
+        <p:nvPr/>
+      </p:nvGrpSpPr>
+      <p:grpSpPr>
+        <a:xfrm>
+          <a:off x="0" y="0"/>
+          <a:ext cx="0" cy="0"/>
+          <a:chOff x="0" y="0"/>
+          <a:chExt cx="0" cy="0"/>
+        </a:xfrm>
+      </p:grpSpPr>
+      <p:sp>
+        <p:nvSpPr>
+          <p:cNvPr id="2" name="제목 1">
+            <a:extLst>
+              <a:ext uri="{FF2B5EF4-FFF2-40B4-BE49-F238E27FC236}">
+                <a16:creationId xmlns:a16="http://schemas.microsoft.com/office/drawing/2014/main" id="{70F22706-C19C-4D37-953F-8A651D4CB7A4}"/>
+              </a:ext>
+            </a:extLst>
+          </p:cNvPr>
+          <p:cNvSpPr>
+            <a:spLocks noGrp="1"/>
+          </p:cNvSpPr>
+          <p:nvPr>
+            <p:ph type="title"/>
+          </p:nvPr>
+        </p:nvSpPr>
+        <p:spPr>
+          <a:xfrm>
+            <a:off x="0" y="1"/>
+            <a:ext cx="12192000" cy="550415"/>
+          </a:xfrm>
+        </p:spPr>
+        <p:txBody>
+          <a:bodyPr/>
+          <a:lstStyle/>
+          <a:p>
+            <a:r>
+              <a:rPr lang="en-US" altLang="ko-KR"/>
+              <a:t>3. Transport – Clients (2/6)</a:t>
+            </a:r>
+            <a:endParaRPr lang="ko-KR" altLang="en-US"/>
+          </a:p>
+        </p:txBody>
+      </p:sp>
+      <p:sp>
+        <p:nvSpPr>
+          <p:cNvPr id="3" name="슬라이드 번호 개체 틀 2">
+            <a:extLst>
+              <a:ext uri="{FF2B5EF4-FFF2-40B4-BE49-F238E27FC236}">
+                <a16:creationId xmlns:a16="http://schemas.microsoft.com/office/drawing/2014/main" id="{7C06E1FC-B274-42F0-8885-FADDAB6271F6}"/>
+              </a:ext>
+            </a:extLst>
+          </p:cNvPr>
+          <p:cNvSpPr>
+            <a:spLocks noGrp="1"/>
+          </p:cNvSpPr>
+          <p:nvPr>
+            <p:ph type="sldNum" sz="quarter" idx="12"/>
+          </p:nvPr>
+        </p:nvSpPr>
+        <p:spPr/>
+        <p:txBody>
+          <a:bodyPr/>
+          <a:lstStyle/>
+          <a:p>
+            <a:fld id="{A9252A94-CC09-4928-8209-20295AE91AEF}" type="slidenum">
+              <a:rPr lang="ko-KR" altLang="en-US" smtClean="0"/>
+              <a:pPr/>
+              <a:t>47</a:t>
+            </a:fld>
+            <a:endParaRPr lang="ko-KR" altLang="en-US"/>
+          </a:p>
+        </p:txBody>
+      </p:sp>
+      <p:sp>
+        <p:nvSpPr>
+          <p:cNvPr id="31" name="TextBox 30">
+            <a:extLst>
+              <a:ext uri="{FF2B5EF4-FFF2-40B4-BE49-F238E27FC236}">
+                <a16:creationId xmlns:a16="http://schemas.microsoft.com/office/drawing/2014/main" id="{3CAC487F-05C2-4832-9D63-EE8F27616AEE}"/>
+              </a:ext>
+            </a:extLst>
+          </p:cNvPr>
+          <p:cNvSpPr txBox="1"/>
+          <p:nvPr/>
+        </p:nvSpPr>
+        <p:spPr>
+          <a:xfrm>
+            <a:off x="732463" y="1007183"/>
+            <a:ext cx="7330853" cy="4143442"/>
+          </a:xfrm>
+          <a:prstGeom prst="rect">
+            <a:avLst/>
+          </a:prstGeom>
+          <a:noFill/>
+        </p:spPr>
+        <p:txBody>
+          <a:bodyPr wrap="none" rtlCol="0">
+            <a:spAutoFit/>
+          </a:bodyPr>
+          <a:lstStyle/>
+          <a:p>
+            <a:pPr>
+              <a:lnSpc>
+                <a:spcPct val="200000"/>
+              </a:lnSpc>
+            </a:pPr>
+            <a:r>
+              <a:rPr lang="ko-KR" altLang="en-US" sz="1600" b="1">
+                <a:solidFill>
+                  <a:schemeClr val="accent3">
+                    <a:lumMod val="50000"/>
+                  </a:schemeClr>
+                </a:solidFill>
+                <a:ea typeface="+mj-ea"/>
+              </a:rPr>
+              <a:t>요청 전송</a:t>
+            </a:r>
+            <a:endParaRPr lang="en-US" altLang="ko-KR" sz="1600" b="1">
+              <a:solidFill>
+                <a:schemeClr val="accent3">
+                  <a:lumMod val="50000"/>
+                </a:schemeClr>
+              </a:solidFill>
+              <a:ea typeface="+mj-ea"/>
+            </a:endParaRPr>
+          </a:p>
+          <a:p>
+            <a:pPr marL="171450" indent="-171450">
+              <a:lnSpc>
+                <a:spcPct val="200000"/>
+              </a:lnSpc>
+              <a:buFont typeface="Arial" panose="020B0604020202020204" pitchFamily="34" charset="0"/>
+              <a:buChar char="•"/>
+            </a:pPr>
+            <a:r>
+              <a:rPr lang="ko-KR" altLang="en-US" sz="1100">
+                <a:solidFill>
+                  <a:srgbClr val="7030A0"/>
+                </a:solidFill>
+                <a:latin typeface="+mj-ea"/>
+                <a:ea typeface="+mj-ea"/>
+              </a:rPr>
+              <a:t>전송계층</a:t>
+            </a:r>
+            <a:r>
+              <a:rPr lang="ko-KR" altLang="en-US" sz="1100"/>
+              <a:t>의 </a:t>
+            </a:r>
+            <a:r>
+              <a:rPr lang="ko-KR" altLang="en-US" sz="1100">
+                <a:solidFill>
+                  <a:srgbClr val="CC0099"/>
+                </a:solidFill>
+              </a:rPr>
+              <a:t>클라이언트</a:t>
+            </a:r>
+            <a:r>
+              <a:rPr lang="ko-KR" altLang="en-US" sz="1100"/>
+              <a:t> </a:t>
+            </a:r>
+            <a:r>
+              <a:rPr lang="ko-KR" altLang="en-US" sz="1100">
+                <a:solidFill>
+                  <a:srgbClr val="CC0099"/>
+                </a:solidFill>
+              </a:rPr>
+              <a:t>전송단</a:t>
+            </a:r>
+            <a:r>
+              <a:rPr lang="ko-KR" altLang="en-US" sz="1100"/>
+              <a:t>은 요청을 보내고 응답을 받는 것을 책임</a:t>
+            </a:r>
+            <a:endParaRPr lang="en-US" altLang="ko-KR" sz="1100"/>
+          </a:p>
+          <a:p>
+            <a:pPr marL="171450" indent="-171450">
+              <a:lnSpc>
+                <a:spcPct val="200000"/>
+              </a:lnSpc>
+              <a:buFont typeface="Arial" panose="020B0604020202020204" pitchFamily="34" charset="0"/>
+              <a:buChar char="•"/>
+            </a:pPr>
+            <a:r>
+              <a:rPr lang="ko-KR" altLang="en-US" sz="1100">
+                <a:solidFill>
+                  <a:srgbClr val="CC0099"/>
+                </a:solidFill>
+              </a:rPr>
+              <a:t>클라이언트 전송단</a:t>
+            </a:r>
+            <a:r>
+              <a:rPr lang="ko-KR" altLang="en-US" sz="1100"/>
+              <a:t>에 요청</a:t>
+            </a:r>
+            <a:r>
+              <a:rPr lang="en-US" altLang="ko-KR" sz="1100"/>
+              <a:t>, IP </a:t>
+            </a:r>
+            <a:r>
+              <a:rPr lang="ko-KR" altLang="en-US" sz="1100"/>
+              <a:t>주소</a:t>
+            </a:r>
+            <a:r>
+              <a:rPr lang="en-US" altLang="ko-KR" sz="1100"/>
+              <a:t>, </a:t>
+            </a:r>
+            <a:r>
+              <a:rPr lang="ko-KR" altLang="en-US" sz="1100"/>
+              <a:t>포트</a:t>
+            </a:r>
+            <a:r>
+              <a:rPr lang="en-US" altLang="ko-KR" sz="1100"/>
+              <a:t>, </a:t>
+            </a:r>
+            <a:r>
+              <a:rPr lang="ko-KR" altLang="en-US" sz="1100"/>
+              <a:t>전송 프로토콜 및 멀티캐스트 대상에 대한 </a:t>
+            </a:r>
+            <a:r>
+              <a:rPr lang="en-US" altLang="ko-KR" sz="1100"/>
+              <a:t>TTL </a:t>
+            </a:r>
+            <a:r>
+              <a:rPr lang="ko-KR" altLang="en-US" sz="1100"/>
+              <a:t>을 받음</a:t>
+            </a:r>
+            <a:endParaRPr lang="en-US" altLang="ko-KR" sz="1100"/>
+          </a:p>
+          <a:p>
+            <a:pPr marL="171450" indent="-171450">
+              <a:lnSpc>
+                <a:spcPct val="200000"/>
+              </a:lnSpc>
+              <a:buFont typeface="Arial" panose="020B0604020202020204" pitchFamily="34" charset="0"/>
+              <a:buChar char="•"/>
+            </a:pPr>
+            <a:r>
+              <a:rPr lang="ko-KR" altLang="en-US" sz="1100">
+                <a:highlight>
+                  <a:srgbClr val="FFFF00"/>
+                </a:highlight>
+              </a:rPr>
+              <a:t>요청이 </a:t>
+            </a:r>
+            <a:r>
+              <a:rPr lang="en-US" altLang="ko-KR" sz="1100">
+                <a:highlight>
+                  <a:srgbClr val="FFFF00"/>
+                </a:highlight>
+              </a:rPr>
+              <a:t>path MTU </a:t>
+            </a:r>
+            <a:r>
+              <a:rPr lang="ko-KR" altLang="en-US" sz="1100">
+                <a:highlight>
+                  <a:srgbClr val="FFFF00"/>
+                </a:highlight>
+              </a:rPr>
+              <a:t>의 </a:t>
+            </a:r>
+            <a:r>
+              <a:rPr lang="en-US" altLang="ko-KR" sz="1100">
+                <a:highlight>
+                  <a:srgbClr val="FFFF00"/>
+                </a:highlight>
+              </a:rPr>
+              <a:t>200 byte </a:t>
+            </a:r>
+            <a:r>
+              <a:rPr lang="ko-KR" altLang="en-US" sz="1100">
+                <a:highlight>
+                  <a:srgbClr val="FFFF00"/>
+                </a:highlight>
+              </a:rPr>
+              <a:t>이내이거나 </a:t>
+            </a:r>
+            <a:r>
+              <a:rPr lang="en-US" altLang="ko-KR" sz="1100">
+                <a:highlight>
+                  <a:srgbClr val="FFFF00"/>
+                </a:highlight>
+              </a:rPr>
+              <a:t>1300 byte </a:t>
+            </a:r>
+            <a:r>
+              <a:rPr lang="ko-KR" altLang="en-US" sz="1100">
+                <a:highlight>
+                  <a:srgbClr val="FFFF00"/>
+                </a:highlight>
+              </a:rPr>
+              <a:t>보다 크고 </a:t>
+            </a:r>
+            <a:r>
+              <a:rPr lang="en-US" altLang="ko-KR" sz="1100">
+                <a:highlight>
+                  <a:srgbClr val="FFFF00"/>
+                </a:highlight>
+              </a:rPr>
+              <a:t>path MTU </a:t>
+            </a:r>
+            <a:r>
+              <a:rPr lang="ko-KR" altLang="en-US" sz="1100">
+                <a:highlight>
+                  <a:srgbClr val="FFFF00"/>
+                </a:highlight>
+              </a:rPr>
+              <a:t>를 알 수 없는 경우</a:t>
+            </a:r>
+            <a:r>
+              <a:rPr lang="en-US" altLang="ko-KR" sz="1100">
+                <a:highlight>
+                  <a:srgbClr val="FFFF00"/>
+                </a:highlight>
+              </a:rPr>
+              <a:t>,TCP </a:t>
+            </a:r>
+            <a:r>
+              <a:rPr lang="ko-KR" altLang="en-US" sz="1100">
+                <a:highlight>
+                  <a:srgbClr val="FFFF00"/>
+                </a:highlight>
+              </a:rPr>
+              <a:t>같은 </a:t>
+            </a:r>
+            <a:br>
+              <a:rPr lang="en-US" altLang="ko-KR" sz="1100">
+                <a:highlight>
+                  <a:srgbClr val="FFFF00"/>
+                </a:highlight>
+              </a:rPr>
+            </a:br>
+            <a:r>
+              <a:rPr lang="ko-KR" altLang="en-US" sz="1100">
+                <a:highlight>
+                  <a:srgbClr val="FFFF00"/>
+                </a:highlight>
+              </a:rPr>
+              <a:t>혼잡 제어 전송 프로토콜</a:t>
+            </a:r>
+            <a:r>
+              <a:rPr lang="en-US" altLang="ko-KR" sz="1100">
+                <a:highlight>
+                  <a:srgbClr val="FFFF00"/>
+                </a:highlight>
+              </a:rPr>
+              <a:t>(RFC 2914)</a:t>
+            </a:r>
+            <a:r>
+              <a:rPr lang="ko-KR" altLang="en-US" sz="1100">
+                <a:highlight>
+                  <a:srgbClr val="FFFF00"/>
+                </a:highlight>
+              </a:rPr>
+              <a:t>을 사용하여 전송</a:t>
+            </a:r>
+            <a:endParaRPr lang="en-US" altLang="ko-KR" sz="1100">
+              <a:highlight>
+                <a:srgbClr val="FFFF00"/>
+              </a:highlight>
+            </a:endParaRPr>
+          </a:p>
+          <a:p>
+            <a:pPr marL="628650" lvl="1" indent="-171450">
+              <a:lnSpc>
+                <a:spcPct val="200000"/>
+              </a:lnSpc>
+              <a:buFont typeface="Arial" panose="020B0604020202020204" pitchFamily="34" charset="0"/>
+              <a:buChar char="•"/>
+            </a:pPr>
+            <a:r>
+              <a:rPr lang="ko-KR" altLang="en-US" sz="1000"/>
+              <a:t>이로 인해 최상단 </a:t>
+            </a:r>
+            <a:r>
+              <a:rPr lang="en-US" altLang="ko-KR" sz="1000"/>
+              <a:t>Via </a:t>
+            </a:r>
+            <a:r>
+              <a:rPr lang="ko-KR" altLang="en-US" sz="1000"/>
+              <a:t>에 표시된 전송 프로토콜 변경이 발생하면</a:t>
+            </a:r>
+            <a:r>
+              <a:rPr lang="en-US" altLang="ko-KR" sz="1000"/>
+              <a:t>, </a:t>
+            </a:r>
+            <a:r>
+              <a:rPr lang="ko-KR" altLang="en-US" sz="1000"/>
+              <a:t>그 값은 바뀌어야 함</a:t>
+            </a:r>
+            <a:endParaRPr lang="en-US" altLang="ko-KR" sz="1000"/>
+          </a:p>
+          <a:p>
+            <a:pPr marL="628650" lvl="1" indent="-171450">
+              <a:lnSpc>
+                <a:spcPct val="200000"/>
+              </a:lnSpc>
+              <a:buFont typeface="Arial" panose="020B0604020202020204" pitchFamily="34" charset="0"/>
+              <a:buChar char="•"/>
+            </a:pPr>
+            <a:r>
+              <a:rPr lang="ko-KR" altLang="en-US" sz="1000"/>
+              <a:t>이렇게 하면 </a:t>
+            </a:r>
+            <a:r>
+              <a:rPr lang="en-US" altLang="ko-KR" sz="1000"/>
+              <a:t>UDP </a:t>
+            </a:r>
+            <a:r>
+              <a:rPr lang="ko-KR" altLang="en-US" sz="1000"/>
+              <a:t>를 통한 메시지 조각화를 방지하고 더 큰 메시지에 대한 혼잡 제어 기능을 제공</a:t>
+            </a:r>
+            <a:endParaRPr lang="en-US" altLang="ko-KR" sz="1000"/>
+          </a:p>
+          <a:p>
+            <a:pPr marL="628650" lvl="1" indent="-171450">
+              <a:lnSpc>
+                <a:spcPct val="200000"/>
+              </a:lnSpc>
+              <a:buFont typeface="Arial" panose="020B0604020202020204" pitchFamily="34" charset="0"/>
+              <a:buChar char="•"/>
+            </a:pPr>
+            <a:r>
+              <a:rPr lang="ko-KR" altLang="en-US" sz="1000"/>
+              <a:t>구현은 최대 데이터그램 패킷 사이즈까지 메시지를 처리할 수 있어야 함</a:t>
+            </a:r>
+            <a:endParaRPr lang="en-US" altLang="ko-KR" sz="1000"/>
+          </a:p>
+          <a:p>
+            <a:pPr marL="628650" lvl="1" indent="-171450">
+              <a:lnSpc>
+                <a:spcPct val="200000"/>
+              </a:lnSpc>
+              <a:buFont typeface="Arial" panose="020B0604020202020204" pitchFamily="34" charset="0"/>
+              <a:buChar char="•"/>
+            </a:pPr>
+            <a:r>
+              <a:rPr lang="en-US" altLang="ko-KR" sz="1000"/>
+              <a:t>UDP </a:t>
+            </a:r>
+            <a:r>
+              <a:rPr lang="ko-KR" altLang="en-US" sz="1000"/>
+              <a:t>의 경우 크기는 </a:t>
+            </a:r>
+            <a:r>
+              <a:rPr lang="en-US" altLang="ko-KR" sz="1000"/>
+              <a:t>IP </a:t>
+            </a:r>
+            <a:r>
+              <a:rPr lang="ko-KR" altLang="en-US" sz="1000"/>
+              <a:t>및 </a:t>
+            </a:r>
+            <a:r>
+              <a:rPr lang="en-US" altLang="ko-KR" sz="1000"/>
+              <a:t>UDP </a:t>
+            </a:r>
+            <a:r>
+              <a:rPr lang="ko-KR" altLang="en-US" sz="1000"/>
+              <a:t>헤더를 포함하여 </a:t>
+            </a:r>
+            <a:r>
+              <a:rPr lang="en-US" altLang="ko-KR" sz="1000"/>
+              <a:t>65,535 byte </a:t>
+            </a:r>
+          </a:p>
+          <a:p>
+            <a:pPr marL="171450" indent="-171450">
+              <a:lnSpc>
+                <a:spcPct val="200000"/>
+              </a:lnSpc>
+              <a:buFont typeface="Arial" panose="020B0604020202020204" pitchFamily="34" charset="0"/>
+              <a:buChar char="•"/>
+            </a:pPr>
+            <a:r>
+              <a:rPr lang="ko-KR" altLang="en-US" sz="1100"/>
+              <a:t> 요청이 전송되기 전에 </a:t>
+            </a:r>
+            <a:r>
+              <a:rPr lang="ko-KR" altLang="en-US" sz="1100">
+                <a:solidFill>
+                  <a:srgbClr val="CC0099"/>
+                </a:solidFill>
+              </a:rPr>
+              <a:t>클라이언트 전송단</a:t>
+            </a:r>
+            <a:r>
+              <a:rPr lang="ko-KR" altLang="en-US" sz="1100"/>
+              <a:t>은 반드시 </a:t>
+            </a:r>
+            <a:r>
+              <a:rPr lang="en-US" altLang="ko-KR" sz="1100"/>
+              <a:t>“</a:t>
+            </a:r>
+            <a:r>
+              <a:rPr lang="en-US" altLang="ko-KR" sz="1100" b="1"/>
+              <a:t>sent-by</a:t>
+            </a:r>
+            <a:r>
+              <a:rPr lang="en-US" altLang="ko-KR" sz="1100"/>
+              <a:t>” </a:t>
+            </a:r>
+            <a:r>
+              <a:rPr lang="ko-KR" altLang="en-US" sz="1100"/>
+              <a:t>필드 값을 </a:t>
+            </a:r>
+            <a:r>
+              <a:rPr lang="en-US" altLang="ko-KR" sz="1100" b="1"/>
+              <a:t>Via</a:t>
+            </a:r>
+            <a:r>
+              <a:rPr lang="en-US" altLang="ko-KR" sz="1100"/>
+              <a:t> </a:t>
+            </a:r>
+            <a:r>
+              <a:rPr lang="ko-KR" altLang="en-US" sz="1100"/>
+              <a:t>헤더에 삽입</a:t>
+            </a:r>
+            <a:endParaRPr lang="en-US" altLang="ko-KR" sz="1100"/>
+          </a:p>
+          <a:p>
+            <a:pPr marL="628650" lvl="1" indent="-171450">
+              <a:lnSpc>
+                <a:spcPct val="200000"/>
+              </a:lnSpc>
+              <a:buFont typeface="Arial" panose="020B0604020202020204" pitchFamily="34" charset="0"/>
+              <a:buChar char="•"/>
+            </a:pPr>
+            <a:r>
+              <a:rPr lang="ko-KR" altLang="en-US" sz="1100"/>
+              <a:t>이 필드에는 </a:t>
+            </a:r>
+            <a:r>
+              <a:rPr lang="en-US" altLang="ko-KR" sz="1100"/>
+              <a:t>IP </a:t>
+            </a:r>
+            <a:r>
+              <a:rPr lang="ko-KR" altLang="en-US" sz="1100"/>
+              <a:t>주소</a:t>
+            </a:r>
+            <a:r>
+              <a:rPr lang="en-US" altLang="ko-KR" sz="1100"/>
+              <a:t> </a:t>
+            </a:r>
+            <a:r>
+              <a:rPr lang="ko-KR" altLang="en-US" sz="1100"/>
+              <a:t>또는 호스트 이름과 포트가 포함 </a:t>
+            </a:r>
+            <a:r>
+              <a:rPr lang="en-US" altLang="ko-KR" sz="1100"/>
+              <a:t>(</a:t>
+            </a:r>
+            <a:r>
+              <a:rPr lang="en-US" altLang="ko-KR" sz="1100" b="1"/>
+              <a:t>FQDN</a:t>
+            </a:r>
+            <a:r>
+              <a:rPr lang="en-US" altLang="ko-KR" sz="1100"/>
+              <a:t> </a:t>
+            </a:r>
+            <a:r>
+              <a:rPr lang="ko-KR" altLang="en-US" sz="1100"/>
+              <a:t>사용 권장</a:t>
+            </a:r>
+            <a:r>
+              <a:rPr lang="en-US" altLang="ko-KR" sz="1100"/>
+              <a:t>)</a:t>
+            </a:r>
+          </a:p>
+          <a:p>
+            <a:pPr marL="171450" indent="-171450">
+              <a:lnSpc>
+                <a:spcPct val="200000"/>
+              </a:lnSpc>
+              <a:buFont typeface="Arial" panose="020B0604020202020204" pitchFamily="34" charset="0"/>
+              <a:buChar char="•"/>
+            </a:pPr>
+            <a:r>
+              <a:rPr lang="en-US" altLang="ko-KR" sz="1100" b="1"/>
+              <a:t>realible</a:t>
+            </a:r>
+            <a:r>
+              <a:rPr lang="en-US" altLang="ko-KR" sz="1100"/>
+              <a:t> </a:t>
+            </a:r>
+            <a:r>
+              <a:rPr lang="ko-KR" altLang="en-US" sz="1100"/>
+              <a:t>전송일 때</a:t>
+            </a:r>
+            <a:r>
+              <a:rPr lang="en-US" altLang="ko-KR" sz="1100"/>
+              <a:t>, </a:t>
+            </a:r>
+            <a:r>
+              <a:rPr lang="ko-KR" altLang="en-US" sz="1100"/>
+              <a:t>응답은 요청을 수신한 </a:t>
+            </a:r>
+            <a:r>
+              <a:rPr lang="en-US" altLang="ko-KR" sz="1100" b="1"/>
+              <a:t>connection</a:t>
+            </a:r>
+            <a:r>
+              <a:rPr lang="en-US" altLang="ko-KR" sz="1100"/>
+              <a:t> </a:t>
+            </a:r>
+            <a:r>
+              <a:rPr lang="ko-KR" altLang="en-US" sz="1100"/>
+              <a:t>으로 전송 </a:t>
+            </a:r>
+            <a:r>
+              <a:rPr lang="en-US" altLang="ko-KR" sz="1100"/>
+              <a:t>(</a:t>
+            </a:r>
+            <a:r>
+              <a:rPr lang="en-US" altLang="ko-KR" sz="1100" b="1"/>
+              <a:t>Error</a:t>
+            </a:r>
+            <a:r>
+              <a:rPr lang="en-US" altLang="ko-KR" sz="1100"/>
+              <a:t> </a:t>
+            </a:r>
+            <a:r>
+              <a:rPr lang="ko-KR" altLang="en-US" sz="1100"/>
+              <a:t>발생 시 새로운 </a:t>
+            </a:r>
+            <a:r>
+              <a:rPr lang="en-US" altLang="ko-KR" sz="1100" b="1"/>
+              <a:t>connection</a:t>
+            </a:r>
+            <a:r>
+              <a:rPr lang="en-US" altLang="ko-KR" sz="1100"/>
+              <a:t> </a:t>
+            </a:r>
+            <a:r>
+              <a:rPr lang="ko-KR" altLang="en-US" sz="1100"/>
+              <a:t>을 시작하여 전송</a:t>
+            </a:r>
+            <a:r>
+              <a:rPr lang="en-US" altLang="ko-KR" sz="1100"/>
+              <a:t>)</a:t>
+            </a:r>
+          </a:p>
+        </p:txBody>
+      </p:sp>
+      <p:sp>
+        <p:nvSpPr>
+          <p:cNvPr id="4" name="직사각형 3">
+            <a:extLst>
+              <a:ext uri="{FF2B5EF4-FFF2-40B4-BE49-F238E27FC236}">
+                <a16:creationId xmlns:a16="http://schemas.microsoft.com/office/drawing/2014/main" id="{BD0CA118-FBAE-4DB3-81B1-5D0436EC897F}"/>
+              </a:ext>
+            </a:extLst>
+          </p:cNvPr>
+          <p:cNvSpPr/>
+          <p:nvPr/>
+        </p:nvSpPr>
+        <p:spPr>
+          <a:xfrm>
+            <a:off x="8789377" y="3030415"/>
+            <a:ext cx="2385646" cy="973016"/>
+          </a:xfrm>
+          <a:prstGeom prst="rect">
+            <a:avLst/>
+          </a:prstGeom>
+          <a:solidFill>
+            <a:srgbClr val="B298F2"/>
+          </a:solidFill>
+          <a:ln>
+            <a:solidFill>
+              <a:schemeClr val="tx1"/>
+            </a:solidFill>
+          </a:ln>
+        </p:spPr>
+        <p:style>
+          <a:lnRef idx="2">
+            <a:schemeClr val="accent1">
+              <a:shade val="50000"/>
+            </a:schemeClr>
+          </a:lnRef>
+          <a:fillRef idx="1">
+            <a:schemeClr val="accent1"/>
+          </a:fillRef>
+          <a:effectRef idx="0">
+            <a:schemeClr val="accent1"/>
+          </a:effectRef>
+          <a:fontRef idx="minor">
+            <a:schemeClr val="lt1"/>
+          </a:fontRef>
+        </p:style>
+        <p:txBody>
+          <a:bodyPr rtlCol="0" anchor="ctr"/>
+          <a:lstStyle/>
+          <a:p>
+            <a:pPr algn="ctr"/>
+            <a:endParaRPr lang="ko-KR" altLang="en-US"/>
+          </a:p>
+        </p:txBody>
+      </p:sp>
+      <p:sp>
+        <p:nvSpPr>
+          <p:cNvPr id="5" name="직사각형 4">
+            <a:extLst>
+              <a:ext uri="{FF2B5EF4-FFF2-40B4-BE49-F238E27FC236}">
+                <a16:creationId xmlns:a16="http://schemas.microsoft.com/office/drawing/2014/main" id="{E2B1FA27-5F58-47E6-AA65-F67F41A7969B}"/>
+              </a:ext>
+            </a:extLst>
+          </p:cNvPr>
+          <p:cNvSpPr/>
+          <p:nvPr/>
+        </p:nvSpPr>
+        <p:spPr>
+          <a:xfrm>
+            <a:off x="8889023" y="3165231"/>
+            <a:ext cx="1043354" cy="715108"/>
+          </a:xfrm>
+          <a:prstGeom prst="rect">
+            <a:avLst/>
+          </a:prstGeom>
+          <a:solidFill>
+            <a:schemeClr val="bg1"/>
+          </a:solidFill>
+          <a:ln w="19050">
+            <a:solidFill>
+              <a:srgbClr val="CC0099"/>
+            </a:solidFill>
+          </a:ln>
+        </p:spPr>
+        <p:style>
+          <a:lnRef idx="2">
+            <a:schemeClr val="accent1">
+              <a:shade val="50000"/>
+            </a:schemeClr>
+          </a:lnRef>
+          <a:fillRef idx="1">
+            <a:schemeClr val="accent1"/>
+          </a:fillRef>
+          <a:effectRef idx="0">
+            <a:schemeClr val="accent1"/>
+          </a:effectRef>
+          <a:fontRef idx="minor">
+            <a:schemeClr val="lt1"/>
+          </a:fontRef>
+        </p:style>
+        <p:txBody>
+          <a:bodyPr rtlCol="0" anchor="ctr"/>
+          <a:lstStyle/>
+          <a:p>
+            <a:pPr algn="ctr"/>
+            <a:r>
+              <a:rPr lang="en-US" altLang="ko-KR" sz="1200" b="1">
+                <a:solidFill>
+                  <a:srgbClr val="CC0099"/>
+                </a:solidFill>
+              </a:rPr>
+              <a:t>Client</a:t>
+            </a:r>
+          </a:p>
+          <a:p>
+            <a:pPr algn="ctr"/>
+            <a:r>
+              <a:rPr lang="en-US" altLang="ko-KR" sz="1200" b="1">
+                <a:solidFill>
+                  <a:srgbClr val="CC0099"/>
+                </a:solidFill>
+              </a:rPr>
+              <a:t>Transport</a:t>
+            </a:r>
+            <a:endParaRPr lang="ko-KR" altLang="en-US" sz="1200" b="1">
+              <a:solidFill>
+                <a:srgbClr val="CC0099"/>
+              </a:solidFill>
+            </a:endParaRPr>
+          </a:p>
+        </p:txBody>
+      </p:sp>
+      <p:sp>
+        <p:nvSpPr>
+          <p:cNvPr id="7" name="직사각형 6">
+            <a:extLst>
+              <a:ext uri="{FF2B5EF4-FFF2-40B4-BE49-F238E27FC236}">
+                <a16:creationId xmlns:a16="http://schemas.microsoft.com/office/drawing/2014/main" id="{7EA8AA59-BDDB-4106-93EA-B2F6FCEDFA73}"/>
+              </a:ext>
+            </a:extLst>
+          </p:cNvPr>
+          <p:cNvSpPr/>
+          <p:nvPr/>
+        </p:nvSpPr>
+        <p:spPr>
+          <a:xfrm>
+            <a:off x="10032023" y="3159369"/>
+            <a:ext cx="1043354" cy="715108"/>
+          </a:xfrm>
+          <a:prstGeom prst="rect">
+            <a:avLst/>
+          </a:prstGeom>
+          <a:solidFill>
+            <a:schemeClr val="bg1"/>
+          </a:solidFill>
+          <a:ln>
+            <a:solidFill>
+              <a:schemeClr val="bg1">
+                <a:lumMod val="50000"/>
+              </a:schemeClr>
+            </a:solidFill>
+          </a:ln>
+        </p:spPr>
+        <p:style>
+          <a:lnRef idx="2">
+            <a:schemeClr val="accent1">
+              <a:shade val="50000"/>
+            </a:schemeClr>
+          </a:lnRef>
+          <a:fillRef idx="1">
+            <a:schemeClr val="accent1"/>
+          </a:fillRef>
+          <a:effectRef idx="0">
+            <a:schemeClr val="accent1"/>
+          </a:effectRef>
+          <a:fontRef idx="minor">
+            <a:schemeClr val="lt1"/>
+          </a:fontRef>
+        </p:style>
+        <p:txBody>
+          <a:bodyPr rtlCol="0" anchor="ctr"/>
+          <a:lstStyle/>
+          <a:p>
+            <a:pPr algn="ctr"/>
+            <a:r>
+              <a:rPr lang="en-US" altLang="ko-KR" sz="1200" b="1">
+                <a:solidFill>
+                  <a:schemeClr val="bg1">
+                    <a:lumMod val="75000"/>
+                  </a:schemeClr>
+                </a:solidFill>
+              </a:rPr>
+              <a:t>Server</a:t>
+            </a:r>
+          </a:p>
+          <a:p>
+            <a:pPr algn="ctr"/>
+            <a:r>
+              <a:rPr lang="en-US" altLang="ko-KR" sz="1200" b="1">
+                <a:solidFill>
+                  <a:schemeClr val="bg1">
+                    <a:lumMod val="75000"/>
+                  </a:schemeClr>
+                </a:solidFill>
+              </a:rPr>
+              <a:t>Transport</a:t>
+            </a:r>
+          </a:p>
+        </p:txBody>
+      </p:sp>
+      <p:sp>
+        <p:nvSpPr>
+          <p:cNvPr id="19" name="직사각형 18">
+            <a:extLst>
+              <a:ext uri="{FF2B5EF4-FFF2-40B4-BE49-F238E27FC236}">
+                <a16:creationId xmlns:a16="http://schemas.microsoft.com/office/drawing/2014/main" id="{B0D4E687-745D-4B8C-ACA7-1932FE2C11A0}"/>
+              </a:ext>
+            </a:extLst>
+          </p:cNvPr>
+          <p:cNvSpPr/>
+          <p:nvPr/>
+        </p:nvSpPr>
+        <p:spPr>
+          <a:xfrm>
+            <a:off x="8789377" y="1414559"/>
+            <a:ext cx="2385646" cy="973016"/>
+          </a:xfrm>
+          <a:prstGeom prst="rect">
+            <a:avLst/>
+          </a:prstGeom>
+          <a:solidFill>
+            <a:srgbClr val="89A3F7"/>
+          </a:solidFill>
+          <a:ln>
+            <a:solidFill>
+              <a:schemeClr val="tx1"/>
+            </a:solidFill>
+          </a:ln>
+        </p:spPr>
+        <p:style>
+          <a:lnRef idx="2">
+            <a:schemeClr val="accent1">
+              <a:shade val="50000"/>
+            </a:schemeClr>
+          </a:lnRef>
+          <a:fillRef idx="1">
+            <a:schemeClr val="accent1"/>
+          </a:fillRef>
+          <a:effectRef idx="0">
+            <a:schemeClr val="accent1"/>
+          </a:effectRef>
+          <a:fontRef idx="minor">
+            <a:schemeClr val="lt1"/>
+          </a:fontRef>
+        </p:style>
+        <p:txBody>
+          <a:bodyPr rtlCol="0" anchor="ctr"/>
+          <a:lstStyle/>
+          <a:p>
+            <a:pPr algn="ctr"/>
+            <a:endParaRPr lang="ko-KR" altLang="en-US"/>
+          </a:p>
+        </p:txBody>
+      </p:sp>
+      <p:cxnSp>
+        <p:nvCxnSpPr>
+          <p:cNvPr id="9" name="직선 화살표 연결선 8">
+            <a:extLst>
+              <a:ext uri="{FF2B5EF4-FFF2-40B4-BE49-F238E27FC236}">
+                <a16:creationId xmlns:a16="http://schemas.microsoft.com/office/drawing/2014/main" id="{495703D2-5576-42F6-93CB-26132602DDDF}"/>
+              </a:ext>
+            </a:extLst>
+          </p:cNvPr>
+          <p:cNvCxnSpPr>
+            <a:cxnSpLocks/>
+            <a:stCxn id="5" idx="0"/>
+            <a:endCxn id="20" idx="2"/>
+          </p:cNvCxnSpPr>
+          <p:nvPr/>
+        </p:nvCxnSpPr>
+        <p:spPr>
+          <a:xfrm flipV="1">
+            <a:off x="9410700" y="2258621"/>
+            <a:ext cx="0" cy="906610"/>
+          </a:xfrm>
+          <a:prstGeom prst="straightConnector1">
+            <a:avLst/>
+          </a:prstGeom>
+          <a:ln w="12700">
+            <a:solidFill>
+              <a:srgbClr val="FF0000"/>
+            </a:solidFill>
+            <a:headEnd type="triangle"/>
+            <a:tailEnd type="none"/>
+          </a:ln>
+        </p:spPr>
+        <p:style>
+          <a:lnRef idx="1">
+            <a:schemeClr val="accent1"/>
+          </a:lnRef>
+          <a:fillRef idx="0">
+            <a:schemeClr val="accent1"/>
+          </a:fillRef>
+          <a:effectRef idx="0">
+            <a:schemeClr val="accent1"/>
+          </a:effectRef>
+          <a:fontRef idx="minor">
+            <a:schemeClr val="tx1"/>
+          </a:fontRef>
+        </p:style>
+      </p:cxnSp>
+      <p:sp>
+        <p:nvSpPr>
+          <p:cNvPr id="10" name="TextBox 9">
+            <a:extLst>
+              <a:ext uri="{FF2B5EF4-FFF2-40B4-BE49-F238E27FC236}">
+                <a16:creationId xmlns:a16="http://schemas.microsoft.com/office/drawing/2014/main" id="{1C076903-653A-409A-A0E5-FB594C4F2997}"/>
+              </a:ext>
+            </a:extLst>
+          </p:cNvPr>
+          <p:cNvSpPr txBox="1"/>
+          <p:nvPr/>
+        </p:nvSpPr>
+        <p:spPr>
+          <a:xfrm>
+            <a:off x="8789377" y="2593579"/>
+            <a:ext cx="604653" cy="230832"/>
+          </a:xfrm>
+          <a:prstGeom prst="rect">
+            <a:avLst/>
+          </a:prstGeom>
+          <a:noFill/>
+        </p:spPr>
+        <p:txBody>
+          <a:bodyPr wrap="none" rtlCol="0">
+            <a:spAutoFit/>
+          </a:bodyPr>
+          <a:lstStyle/>
+          <a:p>
+            <a:r>
+              <a:rPr lang="en-US" altLang="ko-KR" sz="900"/>
+              <a:t>Request</a:t>
+            </a:r>
+          </a:p>
+        </p:txBody>
+      </p:sp>
+      <p:cxnSp>
+        <p:nvCxnSpPr>
+          <p:cNvPr id="12" name="직선 화살표 연결선 11">
+            <a:extLst>
+              <a:ext uri="{FF2B5EF4-FFF2-40B4-BE49-F238E27FC236}">
+                <a16:creationId xmlns:a16="http://schemas.microsoft.com/office/drawing/2014/main" id="{61ACD8B9-CEF4-4ECF-9588-AF4EAD3E1BD9}"/>
+              </a:ext>
+            </a:extLst>
+          </p:cNvPr>
+          <p:cNvCxnSpPr>
+            <a:cxnSpLocks/>
+            <a:endCxn id="5" idx="2"/>
+          </p:cNvCxnSpPr>
+          <p:nvPr/>
+        </p:nvCxnSpPr>
+        <p:spPr>
+          <a:xfrm flipV="1">
+            <a:off x="9410700" y="3880339"/>
+            <a:ext cx="0" cy="634002"/>
+          </a:xfrm>
+          <a:prstGeom prst="straightConnector1">
+            <a:avLst/>
+          </a:prstGeom>
+          <a:ln w="12700">
+            <a:solidFill>
+              <a:srgbClr val="FF0000"/>
+            </a:solidFill>
+            <a:headEnd type="triangle"/>
+            <a:tailEnd type="none"/>
+          </a:ln>
+        </p:spPr>
+        <p:style>
+          <a:lnRef idx="1">
+            <a:schemeClr val="accent1"/>
+          </a:lnRef>
+          <a:fillRef idx="0">
+            <a:schemeClr val="accent1"/>
+          </a:fillRef>
+          <a:effectRef idx="0">
+            <a:schemeClr val="accent1"/>
+          </a:effectRef>
+          <a:fontRef idx="minor">
+            <a:schemeClr val="tx1"/>
+          </a:fontRef>
+        </p:style>
+      </p:cxnSp>
+      <p:sp>
+        <p:nvSpPr>
+          <p:cNvPr id="13" name="TextBox 12">
+            <a:extLst>
+              <a:ext uri="{FF2B5EF4-FFF2-40B4-BE49-F238E27FC236}">
+                <a16:creationId xmlns:a16="http://schemas.microsoft.com/office/drawing/2014/main" id="{0257DCB8-2575-4846-A923-652F6D5208E3}"/>
+              </a:ext>
+            </a:extLst>
+          </p:cNvPr>
+          <p:cNvSpPr txBox="1"/>
+          <p:nvPr/>
+        </p:nvSpPr>
+        <p:spPr>
+          <a:xfrm>
+            <a:off x="8870437" y="4144958"/>
+            <a:ext cx="434734" cy="230832"/>
+          </a:xfrm>
+          <a:prstGeom prst="rect">
+            <a:avLst/>
+          </a:prstGeom>
+          <a:noFill/>
+        </p:spPr>
+        <p:txBody>
+          <a:bodyPr wrap="none" rtlCol="0">
+            <a:spAutoFit/>
+          </a:bodyPr>
+          <a:lstStyle/>
+          <a:p>
+            <a:r>
+              <a:rPr lang="en-US" altLang="ko-KR" sz="900"/>
+              <a:t>send</a:t>
+            </a:r>
+          </a:p>
+        </p:txBody>
+      </p:sp>
+      <p:sp>
+        <p:nvSpPr>
+          <p:cNvPr id="20" name="직사각형 19">
+            <a:extLst>
+              <a:ext uri="{FF2B5EF4-FFF2-40B4-BE49-F238E27FC236}">
+                <a16:creationId xmlns:a16="http://schemas.microsoft.com/office/drawing/2014/main" id="{45827712-E300-438A-AF60-D3AB6FC8E84C}"/>
+              </a:ext>
+            </a:extLst>
+          </p:cNvPr>
+          <p:cNvSpPr/>
+          <p:nvPr/>
+        </p:nvSpPr>
+        <p:spPr>
+          <a:xfrm>
+            <a:off x="8889023" y="1543513"/>
+            <a:ext cx="1043354" cy="715108"/>
+          </a:xfrm>
+          <a:prstGeom prst="rect">
+            <a:avLst/>
+          </a:prstGeom>
+          <a:solidFill>
+            <a:schemeClr val="bg1"/>
+          </a:solidFill>
+          <a:ln w="19050">
+            <a:solidFill>
+              <a:srgbClr val="0070C0"/>
+            </a:solidFill>
+          </a:ln>
+        </p:spPr>
+        <p:style>
+          <a:lnRef idx="2">
+            <a:schemeClr val="accent1">
+              <a:shade val="50000"/>
+            </a:schemeClr>
+          </a:lnRef>
+          <a:fillRef idx="1">
+            <a:schemeClr val="accent1"/>
+          </a:fillRef>
+          <a:effectRef idx="0">
+            <a:schemeClr val="accent1"/>
+          </a:effectRef>
+          <a:fontRef idx="minor">
+            <a:schemeClr val="lt1"/>
+          </a:fontRef>
+        </p:style>
+        <p:txBody>
+          <a:bodyPr rtlCol="0" anchor="ctr"/>
+          <a:lstStyle/>
+          <a:p>
+            <a:pPr algn="ctr"/>
+            <a:r>
+              <a:rPr lang="en-US" altLang="ko-KR" sz="1200" b="1">
+                <a:solidFill>
+                  <a:srgbClr val="0070C0"/>
+                </a:solidFill>
+              </a:rPr>
+              <a:t>Client</a:t>
+            </a:r>
+          </a:p>
+          <a:p>
+            <a:pPr algn="ctr"/>
+            <a:r>
+              <a:rPr lang="en-US" altLang="ko-KR" sz="1200" b="1">
+                <a:solidFill>
+                  <a:srgbClr val="0070C0"/>
+                </a:solidFill>
+              </a:rPr>
+              <a:t>Transaction</a:t>
+            </a:r>
+            <a:endParaRPr lang="ko-KR" altLang="en-US" sz="1200" b="1">
+              <a:solidFill>
+                <a:srgbClr val="0070C0"/>
+              </a:solidFill>
+            </a:endParaRPr>
+          </a:p>
+        </p:txBody>
+      </p:sp>
+      <p:cxnSp>
+        <p:nvCxnSpPr>
+          <p:cNvPr id="22" name="직선 화살표 연결선 21">
+            <a:extLst>
+              <a:ext uri="{FF2B5EF4-FFF2-40B4-BE49-F238E27FC236}">
+                <a16:creationId xmlns:a16="http://schemas.microsoft.com/office/drawing/2014/main" id="{8779F524-72AE-479B-A319-F2A8B83ABD83}"/>
+              </a:ext>
+            </a:extLst>
+          </p:cNvPr>
+          <p:cNvCxnSpPr>
+            <a:cxnSpLocks/>
+          </p:cNvCxnSpPr>
+          <p:nvPr/>
+        </p:nvCxnSpPr>
+        <p:spPr>
+          <a:xfrm flipV="1">
+            <a:off x="9410700" y="1178169"/>
+            <a:ext cx="0" cy="365344"/>
+          </a:xfrm>
+          <a:prstGeom prst="straightConnector1">
+            <a:avLst/>
+          </a:prstGeom>
+          <a:ln w="12700">
+            <a:solidFill>
+              <a:srgbClr val="FF0000"/>
+            </a:solidFill>
+            <a:headEnd type="triangle"/>
+            <a:tailEnd type="none"/>
+          </a:ln>
+        </p:spPr>
+        <p:style>
+          <a:lnRef idx="1">
+            <a:schemeClr val="accent1"/>
+          </a:lnRef>
+          <a:fillRef idx="0">
+            <a:schemeClr val="accent1"/>
+          </a:fillRef>
+          <a:effectRef idx="0">
+            <a:schemeClr val="accent1"/>
+          </a:effectRef>
+          <a:fontRef idx="minor">
+            <a:schemeClr val="tx1"/>
+          </a:fontRef>
+        </p:style>
+      </p:cxnSp>
+      <p:sp>
+        <p:nvSpPr>
+          <p:cNvPr id="24" name="TextBox 23">
+            <a:extLst>
+              <a:ext uri="{FF2B5EF4-FFF2-40B4-BE49-F238E27FC236}">
+                <a16:creationId xmlns:a16="http://schemas.microsoft.com/office/drawing/2014/main" id="{640F84F8-8B8C-409C-86CB-B3A945CD632A}"/>
+              </a:ext>
+            </a:extLst>
+          </p:cNvPr>
+          <p:cNvSpPr txBox="1"/>
+          <p:nvPr/>
+        </p:nvSpPr>
+        <p:spPr>
+          <a:xfrm>
+            <a:off x="9141235" y="906050"/>
+            <a:ext cx="582211" cy="246221"/>
+          </a:xfrm>
+          <a:prstGeom prst="rect">
+            <a:avLst/>
+          </a:prstGeom>
+          <a:noFill/>
+        </p:spPr>
+        <p:txBody>
+          <a:bodyPr wrap="none" rtlCol="0">
+            <a:spAutoFit/>
+          </a:bodyPr>
+          <a:lstStyle/>
+          <a:p>
+            <a:r>
+              <a:rPr lang="en-US" altLang="ko-KR" sz="1000" b="1">
+                <a:solidFill>
+                  <a:srgbClr val="FF0000"/>
+                </a:solidFill>
+              </a:rPr>
+              <a:t>INVITE</a:t>
+            </a:r>
+          </a:p>
+        </p:txBody>
+      </p:sp>
+      <p:grpSp>
+        <p:nvGrpSpPr>
+          <p:cNvPr id="35" name="그룹 34">
+            <a:extLst>
+              <a:ext uri="{FF2B5EF4-FFF2-40B4-BE49-F238E27FC236}">
+                <a16:creationId xmlns:a16="http://schemas.microsoft.com/office/drawing/2014/main" id="{FA269D3F-1171-496C-A7B9-396E0ACC59FD}"/>
+              </a:ext>
+            </a:extLst>
+          </p:cNvPr>
+          <p:cNvGrpSpPr/>
+          <p:nvPr/>
+        </p:nvGrpSpPr>
+        <p:grpSpPr>
+          <a:xfrm>
+            <a:off x="8789377" y="4517317"/>
+            <a:ext cx="2385646" cy="973016"/>
+            <a:chOff x="8339802" y="4501662"/>
+            <a:chExt cx="2385646" cy="973016"/>
+          </a:xfrm>
+        </p:grpSpPr>
+        <p:sp>
+          <p:nvSpPr>
+            <p:cNvPr id="26" name="직사각형 25">
+              <a:extLst>
+                <a:ext uri="{FF2B5EF4-FFF2-40B4-BE49-F238E27FC236}">
+                  <a16:creationId xmlns:a16="http://schemas.microsoft.com/office/drawing/2014/main" id="{D0269D9B-D12B-4BE0-9AD9-B6F6C63DC0FE}"/>
+                </a:ext>
+              </a:extLst>
+            </p:cNvPr>
+            <p:cNvSpPr/>
+            <p:nvPr/>
+          </p:nvSpPr>
+          <p:spPr>
+            <a:xfrm>
+              <a:off x="8339802" y="4501662"/>
+              <a:ext cx="2385646" cy="973016"/>
+            </a:xfrm>
+            <a:prstGeom prst="rect">
+              <a:avLst/>
+            </a:prstGeom>
+            <a:solidFill>
+              <a:schemeClr val="bg2"/>
+            </a:solidFill>
+            <a:ln>
+              <a:solidFill>
+                <a:schemeClr val="tx1"/>
+              </a:solidFill>
+            </a:ln>
+          </p:spPr>
+          <p:style>
+            <a:lnRef idx="2">
+              <a:schemeClr val="accent1">
+                <a:shade val="50000"/>
+              </a:schemeClr>
+            </a:lnRef>
+            <a:fillRef idx="1">
+              <a:schemeClr val="accent1"/>
+            </a:fillRef>
+            <a:effectRef idx="0">
+              <a:schemeClr val="accent1"/>
+            </a:effectRef>
+            <a:fontRef idx="minor">
+              <a:schemeClr val="lt1"/>
+            </a:fontRef>
+          </p:style>
+          <p:txBody>
+            <a:bodyPr rtlCol="0" anchor="ctr"/>
+            <a:lstStyle/>
+            <a:p>
+              <a:pPr algn="ctr"/>
+              <a:endParaRPr lang="ko-KR" altLang="en-US"/>
+            </a:p>
+          </p:txBody>
+        </p:sp>
+        <p:grpSp>
+          <p:nvGrpSpPr>
+            <p:cNvPr id="25" name="그룹 24">
+              <a:extLst>
+                <a:ext uri="{FF2B5EF4-FFF2-40B4-BE49-F238E27FC236}">
+                  <a16:creationId xmlns:a16="http://schemas.microsoft.com/office/drawing/2014/main" id="{B026AB7A-5757-4823-8218-B626EBEB8F42}"/>
+                </a:ext>
+              </a:extLst>
+            </p:cNvPr>
+            <p:cNvGrpSpPr/>
+            <p:nvPr/>
+          </p:nvGrpSpPr>
+          <p:grpSpPr>
+            <a:xfrm>
+              <a:off x="8557167" y="4674044"/>
+              <a:ext cx="1881185" cy="692717"/>
+              <a:chOff x="8557167" y="4674044"/>
+              <a:chExt cx="1881185" cy="692717"/>
+            </a:xfrm>
+          </p:grpSpPr>
+          <p:sp>
+            <p:nvSpPr>
+              <p:cNvPr id="27" name="TextBox 26">
+                <a:extLst>
+                  <a:ext uri="{FF2B5EF4-FFF2-40B4-BE49-F238E27FC236}">
+                    <a16:creationId xmlns:a16="http://schemas.microsoft.com/office/drawing/2014/main" id="{6F5B241E-B170-4D86-A508-6FE797B27CFE}"/>
+                  </a:ext>
+                </a:extLst>
+              </p:cNvPr>
+              <p:cNvSpPr txBox="1"/>
+              <p:nvPr/>
+            </p:nvSpPr>
+            <p:spPr>
+              <a:xfrm>
+                <a:off x="8969676" y="4674044"/>
+                <a:ext cx="425597" cy="230832"/>
+              </a:xfrm>
+              <a:prstGeom prst="rect">
+                <a:avLst/>
+              </a:prstGeom>
+              <a:solidFill>
+                <a:schemeClr val="bg1"/>
+              </a:solidFill>
+              <a:ln>
+                <a:solidFill>
+                  <a:schemeClr val="tx1"/>
+                </a:solidFill>
+              </a:ln>
+            </p:spPr>
+            <p:txBody>
+              <a:bodyPr wrap="square" rtlCol="0">
+                <a:spAutoFit/>
+              </a:bodyPr>
+              <a:lstStyle/>
+              <a:p>
+                <a:pPr algn="ctr"/>
+                <a:r>
+                  <a:rPr lang="en-US" altLang="ko-KR" sz="900"/>
+                  <a:t>TLS</a:t>
+                </a:r>
+              </a:p>
+            </p:txBody>
+          </p:sp>
+          <p:sp>
+            <p:nvSpPr>
+              <p:cNvPr id="28" name="TextBox 27">
+                <a:extLst>
+                  <a:ext uri="{FF2B5EF4-FFF2-40B4-BE49-F238E27FC236}">
+                    <a16:creationId xmlns:a16="http://schemas.microsoft.com/office/drawing/2014/main" id="{569D8EA4-C41A-483A-AB54-FE10AB46C472}"/>
+                  </a:ext>
+                </a:extLst>
+              </p:cNvPr>
+              <p:cNvSpPr txBox="1"/>
+              <p:nvPr/>
+            </p:nvSpPr>
+            <p:spPr>
+              <a:xfrm>
+                <a:off x="9911604" y="4674044"/>
+                <a:ext cx="526748" cy="230832"/>
+              </a:xfrm>
+              <a:prstGeom prst="rect">
+                <a:avLst/>
+              </a:prstGeom>
+              <a:solidFill>
+                <a:schemeClr val="bg1"/>
+              </a:solidFill>
+              <a:ln>
+                <a:solidFill>
+                  <a:schemeClr val="tx1"/>
+                </a:solidFill>
+              </a:ln>
+            </p:spPr>
+            <p:txBody>
+              <a:bodyPr wrap="square" rtlCol="0">
+                <a:spAutoFit/>
+              </a:bodyPr>
+              <a:lstStyle/>
+              <a:p>
+                <a:pPr algn="ctr"/>
+                <a:r>
+                  <a:rPr lang="en-US" altLang="ko-KR" sz="900"/>
+                  <a:t>RTP</a:t>
+                </a:r>
+              </a:p>
+            </p:txBody>
+          </p:sp>
+          <p:sp>
+            <p:nvSpPr>
+              <p:cNvPr id="29" name="TextBox 28">
+                <a:extLst>
+                  <a:ext uri="{FF2B5EF4-FFF2-40B4-BE49-F238E27FC236}">
+                    <a16:creationId xmlns:a16="http://schemas.microsoft.com/office/drawing/2014/main" id="{8AEABDC9-01BB-4B28-9F73-8EAA3ED1AC90}"/>
+                  </a:ext>
+                </a:extLst>
+              </p:cNvPr>
+              <p:cNvSpPr txBox="1"/>
+              <p:nvPr/>
+            </p:nvSpPr>
+            <p:spPr>
+              <a:xfrm>
+                <a:off x="8557167" y="4905097"/>
+                <a:ext cx="690630" cy="230832"/>
+              </a:xfrm>
+              <a:prstGeom prst="rect">
+                <a:avLst/>
+              </a:prstGeom>
+              <a:solidFill>
+                <a:schemeClr val="bg1"/>
+              </a:solidFill>
+              <a:ln>
+                <a:solidFill>
+                  <a:schemeClr val="tx1"/>
+                </a:solidFill>
+              </a:ln>
+            </p:spPr>
+            <p:txBody>
+              <a:bodyPr wrap="square" rtlCol="0">
+                <a:spAutoFit/>
+              </a:bodyPr>
+              <a:lstStyle/>
+              <a:p>
+                <a:pPr algn="ctr"/>
+                <a:r>
+                  <a:rPr lang="en-US" altLang="ko-KR" sz="900"/>
+                  <a:t>TCP</a:t>
+                </a:r>
+              </a:p>
+            </p:txBody>
+          </p:sp>
+          <p:sp>
+            <p:nvSpPr>
+              <p:cNvPr id="30" name="TextBox 29">
+                <a:extLst>
+                  <a:ext uri="{FF2B5EF4-FFF2-40B4-BE49-F238E27FC236}">
+                    <a16:creationId xmlns:a16="http://schemas.microsoft.com/office/drawing/2014/main" id="{3AE6D095-2AE9-41B3-A736-BD0538C129C3}"/>
+                  </a:ext>
+                </a:extLst>
+              </p:cNvPr>
+              <p:cNvSpPr txBox="1"/>
+              <p:nvPr/>
+            </p:nvSpPr>
+            <p:spPr>
+              <a:xfrm>
+                <a:off x="9247802" y="4905097"/>
+                <a:ext cx="470000" cy="230832"/>
+              </a:xfrm>
+              <a:prstGeom prst="rect">
+                <a:avLst/>
+              </a:prstGeom>
+              <a:solidFill>
+                <a:schemeClr val="bg1"/>
+              </a:solidFill>
+              <a:ln>
+                <a:solidFill>
+                  <a:schemeClr val="tx1"/>
+                </a:solidFill>
+              </a:ln>
+            </p:spPr>
+            <p:txBody>
+              <a:bodyPr wrap="none" rtlCol="0">
+                <a:spAutoFit/>
+              </a:bodyPr>
+              <a:lstStyle/>
+              <a:p>
+                <a:pPr algn="ctr"/>
+                <a:r>
+                  <a:rPr lang="en-US" altLang="ko-KR" sz="900"/>
+                  <a:t>SCTP</a:t>
+                </a:r>
+              </a:p>
+            </p:txBody>
+          </p:sp>
+          <p:sp>
+            <p:nvSpPr>
+              <p:cNvPr id="32" name="TextBox 31">
+                <a:extLst>
+                  <a:ext uri="{FF2B5EF4-FFF2-40B4-BE49-F238E27FC236}">
+                    <a16:creationId xmlns:a16="http://schemas.microsoft.com/office/drawing/2014/main" id="{F01F5002-8D58-4619-9021-EEEE8201399C}"/>
+                  </a:ext>
+                </a:extLst>
+              </p:cNvPr>
+              <p:cNvSpPr txBox="1"/>
+              <p:nvPr/>
+            </p:nvSpPr>
+            <p:spPr>
+              <a:xfrm>
+                <a:off x="9717802" y="4905097"/>
+                <a:ext cx="720550" cy="230832"/>
+              </a:xfrm>
+              <a:prstGeom prst="rect">
+                <a:avLst/>
+              </a:prstGeom>
+              <a:solidFill>
+                <a:schemeClr val="bg1"/>
+              </a:solidFill>
+              <a:ln>
+                <a:solidFill>
+                  <a:schemeClr val="tx1"/>
+                </a:solidFill>
+              </a:ln>
+            </p:spPr>
+            <p:txBody>
+              <a:bodyPr wrap="square" rtlCol="0">
+                <a:spAutoFit/>
+              </a:bodyPr>
+              <a:lstStyle/>
+              <a:p>
+                <a:pPr algn="ctr"/>
+                <a:r>
+                  <a:rPr lang="en-US" altLang="ko-KR" sz="900"/>
+                  <a:t>UDP</a:t>
+                </a:r>
+              </a:p>
+            </p:txBody>
+          </p:sp>
+          <p:sp>
+            <p:nvSpPr>
+              <p:cNvPr id="33" name="TextBox 32">
+                <a:extLst>
+                  <a:ext uri="{FF2B5EF4-FFF2-40B4-BE49-F238E27FC236}">
+                    <a16:creationId xmlns:a16="http://schemas.microsoft.com/office/drawing/2014/main" id="{DA0B1DEE-AEDE-4C2B-A50C-532D53781960}"/>
+                  </a:ext>
+                </a:extLst>
+              </p:cNvPr>
+              <p:cNvSpPr txBox="1"/>
+              <p:nvPr/>
+            </p:nvSpPr>
+            <p:spPr>
+              <a:xfrm>
+                <a:off x="8557168" y="5135929"/>
+                <a:ext cx="1881184" cy="230832"/>
+              </a:xfrm>
+              <a:prstGeom prst="rect">
+                <a:avLst/>
+              </a:prstGeom>
+              <a:solidFill>
+                <a:schemeClr val="bg1"/>
+              </a:solidFill>
+              <a:ln>
+                <a:solidFill>
+                  <a:schemeClr val="tx1"/>
+                </a:solidFill>
+              </a:ln>
+            </p:spPr>
+            <p:txBody>
+              <a:bodyPr wrap="square" rtlCol="0">
+                <a:spAutoFit/>
+              </a:bodyPr>
+              <a:lstStyle/>
+              <a:p>
+                <a:pPr algn="ctr"/>
+                <a:r>
+                  <a:rPr lang="en-US" altLang="ko-KR" sz="900"/>
+                  <a:t>IP</a:t>
+                </a:r>
+              </a:p>
+            </p:txBody>
+          </p:sp>
+        </p:grpSp>
+      </p:grpSp>
+      <p:cxnSp>
+        <p:nvCxnSpPr>
+          <p:cNvPr id="39" name="연결선: 꺾임 38">
+            <a:extLst>
+              <a:ext uri="{FF2B5EF4-FFF2-40B4-BE49-F238E27FC236}">
+                <a16:creationId xmlns:a16="http://schemas.microsoft.com/office/drawing/2014/main" id="{D528F291-1408-4350-88C2-0BB3AEB8F4F3}"/>
+              </a:ext>
+            </a:extLst>
+          </p:cNvPr>
+          <p:cNvCxnSpPr>
+            <a:stCxn id="26" idx="2"/>
+          </p:cNvCxnSpPr>
+          <p:nvPr/>
+        </p:nvCxnSpPr>
+        <p:spPr>
+          <a:xfrm rot="16200000" flipH="1">
+            <a:off x="10538082" y="4934451"/>
+            <a:ext cx="464990" cy="1576754"/>
+          </a:xfrm>
+          <a:prstGeom prst="bentConnector2">
+            <a:avLst/>
+          </a:prstGeom>
+          <a:ln w="12700">
+            <a:solidFill>
+              <a:srgbClr val="FF0000"/>
+            </a:solidFill>
+            <a:prstDash val="dash"/>
+            <a:tailEnd type="triangle"/>
+          </a:ln>
+        </p:spPr>
+        <p:style>
+          <a:lnRef idx="1">
+            <a:schemeClr val="accent1"/>
+          </a:lnRef>
+          <a:fillRef idx="0">
+            <a:schemeClr val="accent1"/>
+          </a:fillRef>
+          <a:effectRef idx="0">
+            <a:schemeClr val="accent1"/>
+          </a:effectRef>
+          <a:fontRef idx="minor">
+            <a:schemeClr val="tx1"/>
+          </a:fontRef>
+        </p:style>
+      </p:cxnSp>
+    </p:spTree>
+    <p:extLst>
+      <p:ext uri="{BB962C8B-B14F-4D97-AF65-F5344CB8AC3E}">
+        <p14:creationId xmlns:p14="http://schemas.microsoft.com/office/powerpoint/2010/main" val="3238178133"/>
+      </p:ext>
+    </p:extLst>
+  </p:cSld>
+  <p:clrMapOvr>
+    <a:masterClrMapping/>
+  </p:clrMapOvr>
+</p:sld>
+</file>
+
+<file path=ppt/slides/slide48.xml><?xml version="1.0" encoding="utf-8"?>
+<p:sld xmlns:a="http://schemas.openxmlformats.org/drawingml/2006/main" xmlns:r="http://schemas.openxmlformats.org/officeDocument/2006/relationships" xmlns:p="http://schemas.openxmlformats.org/presentationml/2006/main">
+  <p:cSld>
+    <p:spTree>
+      <p:nvGrpSpPr>
+        <p:cNvPr id="1" name=""/>
+        <p:cNvGrpSpPr/>
+        <p:nvPr/>
+      </p:nvGrpSpPr>
+      <p:grpSpPr>
+        <a:xfrm>
+          <a:off x="0" y="0"/>
+          <a:ext cx="0" cy="0"/>
+          <a:chOff x="0" y="0"/>
+          <a:chExt cx="0" cy="0"/>
+        </a:xfrm>
+      </p:grpSpPr>
+      <p:sp>
+        <p:nvSpPr>
+          <p:cNvPr id="2" name="제목 1">
+            <a:extLst>
+              <a:ext uri="{FF2B5EF4-FFF2-40B4-BE49-F238E27FC236}">
+                <a16:creationId xmlns:a16="http://schemas.microsoft.com/office/drawing/2014/main" id="{70F22706-C19C-4D37-953F-8A651D4CB7A4}"/>
+              </a:ext>
+            </a:extLst>
+          </p:cNvPr>
+          <p:cNvSpPr>
+            <a:spLocks noGrp="1"/>
+          </p:cNvSpPr>
+          <p:nvPr>
+            <p:ph type="title"/>
+          </p:nvPr>
+        </p:nvSpPr>
+        <p:spPr>
+          <a:xfrm>
+            <a:off x="0" y="1"/>
+            <a:ext cx="12192000" cy="550415"/>
+          </a:xfrm>
+        </p:spPr>
+        <p:txBody>
+          <a:bodyPr/>
+          <a:lstStyle/>
+          <a:p>
+            <a:r>
+              <a:rPr lang="en-US" altLang="ko-KR"/>
+              <a:t>3. Transport – Clients (3/6)</a:t>
+            </a:r>
+            <a:endParaRPr lang="ko-KR" altLang="en-US"/>
+          </a:p>
+        </p:txBody>
+      </p:sp>
+      <p:sp>
+        <p:nvSpPr>
+          <p:cNvPr id="3" name="슬라이드 번호 개체 틀 2">
+            <a:extLst>
+              <a:ext uri="{FF2B5EF4-FFF2-40B4-BE49-F238E27FC236}">
+                <a16:creationId xmlns:a16="http://schemas.microsoft.com/office/drawing/2014/main" id="{7C06E1FC-B274-42F0-8885-FADDAB6271F6}"/>
+              </a:ext>
+            </a:extLst>
+          </p:cNvPr>
+          <p:cNvSpPr>
+            <a:spLocks noGrp="1"/>
+          </p:cNvSpPr>
+          <p:nvPr>
+            <p:ph type="sldNum" sz="quarter" idx="12"/>
+          </p:nvPr>
+        </p:nvSpPr>
+        <p:spPr/>
+        <p:txBody>
+          <a:bodyPr/>
+          <a:lstStyle/>
+          <a:p>
+            <a:fld id="{A9252A94-CC09-4928-8209-20295AE91AEF}" type="slidenum">
+              <a:rPr lang="ko-KR" altLang="en-US" smtClean="0"/>
+              <a:pPr/>
+              <a:t>48</a:t>
+            </a:fld>
+            <a:endParaRPr lang="ko-KR" altLang="en-US"/>
+          </a:p>
+        </p:txBody>
+      </p:sp>
+      <p:sp>
+        <p:nvSpPr>
+          <p:cNvPr id="31" name="TextBox 30">
+            <a:extLst>
+              <a:ext uri="{FF2B5EF4-FFF2-40B4-BE49-F238E27FC236}">
+                <a16:creationId xmlns:a16="http://schemas.microsoft.com/office/drawing/2014/main" id="{3CAC487F-05C2-4832-9D63-EE8F27616AEE}"/>
+              </a:ext>
+            </a:extLst>
+          </p:cNvPr>
+          <p:cNvSpPr txBox="1"/>
+          <p:nvPr/>
+        </p:nvSpPr>
+        <p:spPr>
+          <a:xfrm>
+            <a:off x="732463" y="1007183"/>
+            <a:ext cx="6763390" cy="2166619"/>
+          </a:xfrm>
+          <a:prstGeom prst="rect">
+            <a:avLst/>
+          </a:prstGeom>
+          <a:noFill/>
+        </p:spPr>
+        <p:txBody>
+          <a:bodyPr wrap="none" rtlCol="0">
+            <a:spAutoFit/>
+          </a:bodyPr>
+          <a:lstStyle/>
+          <a:p>
+            <a:pPr>
+              <a:lnSpc>
+                <a:spcPct val="200000"/>
+              </a:lnSpc>
+            </a:pPr>
+            <a:r>
+              <a:rPr lang="ko-KR" altLang="en-US" sz="1600" b="1">
+                <a:solidFill>
+                  <a:schemeClr val="accent3">
+                    <a:lumMod val="50000"/>
+                  </a:schemeClr>
+                </a:solidFill>
+                <a:ea typeface="+mj-ea"/>
+              </a:rPr>
+              <a:t>응답 수신</a:t>
+            </a:r>
+            <a:endParaRPr lang="en-US" altLang="ko-KR" sz="1600" b="1">
+              <a:solidFill>
+                <a:schemeClr val="accent3">
+                  <a:lumMod val="50000"/>
+                </a:schemeClr>
+              </a:solidFill>
+              <a:ea typeface="+mj-ea"/>
+            </a:endParaRPr>
+          </a:p>
+          <a:p>
+            <a:pPr marL="171450" indent="-171450">
+              <a:lnSpc>
+                <a:spcPct val="200000"/>
+              </a:lnSpc>
+              <a:buFont typeface="Arial" panose="020B0604020202020204" pitchFamily="34" charset="0"/>
+              <a:buChar char="•"/>
+            </a:pPr>
+            <a:r>
+              <a:rPr lang="ko-KR" altLang="en-US" sz="1100"/>
+              <a:t>응답이 수신되면 </a:t>
+            </a:r>
+            <a:r>
+              <a:rPr lang="ko-KR" altLang="en-US" sz="1100">
+                <a:solidFill>
+                  <a:srgbClr val="CC0099"/>
+                </a:solidFill>
+              </a:rPr>
+              <a:t>클라이언트 전송단</a:t>
+            </a:r>
+            <a:r>
+              <a:rPr lang="ko-KR" altLang="en-US" sz="1100"/>
+              <a:t>은 최상단 </a:t>
+            </a:r>
+            <a:r>
+              <a:rPr lang="en-US" altLang="ko-KR" sz="1100" b="1"/>
+              <a:t>Via </a:t>
+            </a:r>
+            <a:r>
+              <a:rPr lang="ko-KR" altLang="en-US" sz="1100"/>
+              <a:t>헤더 필드 값을 검사</a:t>
+            </a:r>
+            <a:endParaRPr lang="en-US" altLang="ko-KR" sz="1100"/>
+          </a:p>
+          <a:p>
+            <a:pPr marL="628650" lvl="1" indent="-171450">
+              <a:lnSpc>
+                <a:spcPct val="200000"/>
+              </a:lnSpc>
+              <a:buFont typeface="Arial" panose="020B0604020202020204" pitchFamily="34" charset="0"/>
+              <a:buChar char="•"/>
+            </a:pPr>
+            <a:r>
+              <a:rPr lang="ko-KR" altLang="en-US" sz="1100"/>
+              <a:t>해당 헤더 값의 </a:t>
+            </a:r>
+            <a:r>
+              <a:rPr lang="en-US" altLang="ko-KR" sz="1100"/>
+              <a:t>“</a:t>
+            </a:r>
+            <a:r>
+              <a:rPr lang="en-US" altLang="ko-KR" sz="1100" b="1"/>
+              <a:t>sent-by</a:t>
+            </a:r>
+            <a:r>
+              <a:rPr lang="en-US" altLang="ko-KR" sz="1100"/>
+              <a:t>” </a:t>
+            </a:r>
+            <a:r>
+              <a:rPr lang="ko-KR" altLang="en-US" sz="1100"/>
+              <a:t>파라미터 값이 요청에 삽입하도록 구성된 값과 일치하지 않으면 </a:t>
+            </a:r>
+            <a:r>
+              <a:rPr lang="ko-KR" altLang="en-US" sz="1100" b="1"/>
+              <a:t>응답</a:t>
+            </a:r>
+            <a:r>
+              <a:rPr lang="ko-KR" altLang="en-US" sz="1100"/>
+              <a:t> </a:t>
+            </a:r>
+            <a:r>
+              <a:rPr lang="ko-KR" altLang="en-US" sz="1100" b="1"/>
+              <a:t>폐기</a:t>
+            </a:r>
+            <a:endParaRPr lang="en-US" altLang="ko-KR" sz="1100" b="1"/>
+          </a:p>
+          <a:p>
+            <a:pPr marL="171450" indent="-171450">
+              <a:lnSpc>
+                <a:spcPct val="200000"/>
+              </a:lnSpc>
+              <a:buFont typeface="Arial" panose="020B0604020202020204" pitchFamily="34" charset="0"/>
+              <a:buChar char="•"/>
+            </a:pPr>
+            <a:r>
+              <a:rPr lang="ko-KR" altLang="en-US" sz="1100">
+                <a:solidFill>
+                  <a:srgbClr val="0070C0"/>
+                </a:solidFill>
+                <a:latin typeface="+mj-ea"/>
+                <a:ea typeface="+mj-ea"/>
+              </a:rPr>
+              <a:t>클라이언트 트랜잭션</a:t>
+            </a:r>
+            <a:r>
+              <a:rPr lang="ko-KR" altLang="en-US" sz="1100"/>
+              <a:t>이 존재하는 경우</a:t>
+            </a:r>
+            <a:r>
+              <a:rPr lang="en-US" altLang="ko-KR" sz="1100"/>
+              <a:t>, </a:t>
+            </a:r>
+            <a:r>
+              <a:rPr lang="ko-KR" altLang="en-US" sz="1100"/>
+              <a:t>응답을 기존 트랜잭션과 </a:t>
+            </a:r>
+            <a:r>
+              <a:rPr lang="ko-KR" altLang="en-US" sz="1100" b="1">
+                <a:latin typeface="+mj-ea"/>
+                <a:ea typeface="+mj-ea"/>
+              </a:rPr>
+              <a:t>매칭 절차</a:t>
+            </a:r>
+            <a:r>
+              <a:rPr lang="ko-KR" altLang="en-US" sz="1100"/>
+              <a:t>를 수행</a:t>
+            </a:r>
+            <a:endParaRPr lang="en-US" altLang="ko-KR" sz="1100"/>
+          </a:p>
+          <a:p>
+            <a:pPr marL="628650" lvl="1" indent="-171450">
+              <a:lnSpc>
+                <a:spcPct val="200000"/>
+              </a:lnSpc>
+              <a:buFont typeface="Arial" panose="020B0604020202020204" pitchFamily="34" charset="0"/>
+              <a:buChar char="•"/>
+            </a:pPr>
+            <a:r>
+              <a:rPr lang="ko-KR" altLang="en-US" sz="1000"/>
+              <a:t>일치하면 응답을 해당 트랜잭션으로 전달</a:t>
+            </a:r>
+            <a:endParaRPr lang="en-US" altLang="ko-KR" sz="1000"/>
+          </a:p>
+          <a:p>
+            <a:pPr marL="628650" lvl="1" indent="-171450">
+              <a:lnSpc>
+                <a:spcPct val="200000"/>
+              </a:lnSpc>
+              <a:buFont typeface="Arial" panose="020B0604020202020204" pitchFamily="34" charset="0"/>
+              <a:buChar char="•"/>
+            </a:pPr>
+            <a:r>
+              <a:rPr lang="ko-KR" altLang="en-US" sz="1000"/>
+              <a:t>그렇지 않으면 응답을 </a:t>
+            </a:r>
+            <a:r>
+              <a:rPr lang="en-US" altLang="ko-KR" sz="1000"/>
+              <a:t>proxy core </a:t>
+            </a:r>
+            <a:r>
+              <a:rPr lang="ko-KR" altLang="en-US" sz="1000"/>
+              <a:t>또는 </a:t>
+            </a:r>
+            <a:r>
+              <a:rPr lang="en-US" altLang="ko-KR" sz="1000"/>
+              <a:t>UA core </a:t>
+            </a:r>
+            <a:r>
+              <a:rPr lang="ko-KR" altLang="en-US" sz="1000"/>
+              <a:t>로 전달 </a:t>
+            </a:r>
+            <a:r>
+              <a:rPr lang="en-US" altLang="ko-KR" sz="1000"/>
+              <a:t>(</a:t>
+            </a:r>
+            <a:r>
+              <a:rPr lang="ko-KR" altLang="en-US" sz="1000"/>
+              <a:t>프록시는 응답을 전달</a:t>
+            </a:r>
+            <a:r>
+              <a:rPr lang="en-US" altLang="ko-KR" sz="1000"/>
+              <a:t>, UA </a:t>
+            </a:r>
+            <a:r>
+              <a:rPr lang="ko-KR" altLang="en-US" sz="1000"/>
+              <a:t>는 삭제</a:t>
+            </a:r>
+            <a:r>
+              <a:rPr lang="en-US" altLang="ko-KR" sz="1000"/>
+              <a:t>)</a:t>
+            </a:r>
+          </a:p>
+        </p:txBody>
+      </p:sp>
+      <p:sp>
+        <p:nvSpPr>
+          <p:cNvPr id="4" name="직사각형 3">
+            <a:extLst>
+              <a:ext uri="{FF2B5EF4-FFF2-40B4-BE49-F238E27FC236}">
+                <a16:creationId xmlns:a16="http://schemas.microsoft.com/office/drawing/2014/main" id="{BD0CA118-FBAE-4DB3-81B1-5D0436EC897F}"/>
+              </a:ext>
+            </a:extLst>
+          </p:cNvPr>
+          <p:cNvSpPr/>
+          <p:nvPr/>
+        </p:nvSpPr>
+        <p:spPr>
+          <a:xfrm>
+            <a:off x="8789377" y="3030415"/>
+            <a:ext cx="2385646" cy="973016"/>
+          </a:xfrm>
+          <a:prstGeom prst="rect">
+            <a:avLst/>
+          </a:prstGeom>
+          <a:solidFill>
+            <a:srgbClr val="B298F2"/>
+          </a:solidFill>
+          <a:ln>
+            <a:solidFill>
+              <a:schemeClr val="tx1"/>
+            </a:solidFill>
+          </a:ln>
+        </p:spPr>
+        <p:style>
+          <a:lnRef idx="2">
+            <a:schemeClr val="accent1">
+              <a:shade val="50000"/>
+            </a:schemeClr>
+          </a:lnRef>
+          <a:fillRef idx="1">
+            <a:schemeClr val="accent1"/>
+          </a:fillRef>
+          <a:effectRef idx="0">
+            <a:schemeClr val="accent1"/>
+          </a:effectRef>
+          <a:fontRef idx="minor">
+            <a:schemeClr val="lt1"/>
+          </a:fontRef>
+        </p:style>
+        <p:txBody>
+          <a:bodyPr rtlCol="0" anchor="ctr"/>
+          <a:lstStyle/>
+          <a:p>
+            <a:pPr algn="ctr"/>
+            <a:endParaRPr lang="ko-KR" altLang="en-US"/>
+          </a:p>
+        </p:txBody>
+      </p:sp>
+      <p:sp>
+        <p:nvSpPr>
+          <p:cNvPr id="5" name="직사각형 4">
+            <a:extLst>
+              <a:ext uri="{FF2B5EF4-FFF2-40B4-BE49-F238E27FC236}">
+                <a16:creationId xmlns:a16="http://schemas.microsoft.com/office/drawing/2014/main" id="{E2B1FA27-5F58-47E6-AA65-F67F41A7969B}"/>
+              </a:ext>
+            </a:extLst>
+          </p:cNvPr>
+          <p:cNvSpPr/>
+          <p:nvPr/>
+        </p:nvSpPr>
+        <p:spPr>
+          <a:xfrm>
+            <a:off x="8889023" y="3165231"/>
+            <a:ext cx="1043354" cy="715108"/>
+          </a:xfrm>
+          <a:prstGeom prst="rect">
+            <a:avLst/>
+          </a:prstGeom>
+          <a:solidFill>
+            <a:schemeClr val="bg1"/>
+          </a:solidFill>
+          <a:ln w="19050">
+            <a:solidFill>
+              <a:srgbClr val="CC0099"/>
+            </a:solidFill>
+          </a:ln>
+        </p:spPr>
+        <p:style>
+          <a:lnRef idx="2">
+            <a:schemeClr val="accent1">
+              <a:shade val="50000"/>
+            </a:schemeClr>
+          </a:lnRef>
+          <a:fillRef idx="1">
+            <a:schemeClr val="accent1"/>
+          </a:fillRef>
+          <a:effectRef idx="0">
+            <a:schemeClr val="accent1"/>
+          </a:effectRef>
+          <a:fontRef idx="minor">
+            <a:schemeClr val="lt1"/>
+          </a:fontRef>
+        </p:style>
+        <p:txBody>
+          <a:bodyPr rtlCol="0" anchor="ctr"/>
+          <a:lstStyle/>
+          <a:p>
+            <a:pPr algn="ctr"/>
+            <a:r>
+              <a:rPr lang="en-US" altLang="ko-KR" sz="1200" b="1">
+                <a:solidFill>
+                  <a:srgbClr val="CC0099"/>
+                </a:solidFill>
+              </a:rPr>
+              <a:t>Client</a:t>
+            </a:r>
+          </a:p>
+          <a:p>
+            <a:pPr algn="ctr"/>
+            <a:r>
+              <a:rPr lang="en-US" altLang="ko-KR" sz="1200" b="1">
+                <a:solidFill>
+                  <a:srgbClr val="CC0099"/>
+                </a:solidFill>
+              </a:rPr>
+              <a:t>Transport</a:t>
+            </a:r>
+            <a:endParaRPr lang="ko-KR" altLang="en-US" sz="1200" b="1">
+              <a:solidFill>
+                <a:srgbClr val="CC0099"/>
+              </a:solidFill>
+            </a:endParaRPr>
+          </a:p>
+        </p:txBody>
+      </p:sp>
+      <p:sp>
+        <p:nvSpPr>
+          <p:cNvPr id="7" name="직사각형 6">
+            <a:extLst>
+              <a:ext uri="{FF2B5EF4-FFF2-40B4-BE49-F238E27FC236}">
+                <a16:creationId xmlns:a16="http://schemas.microsoft.com/office/drawing/2014/main" id="{7EA8AA59-BDDB-4106-93EA-B2F6FCEDFA73}"/>
+              </a:ext>
+            </a:extLst>
+          </p:cNvPr>
+          <p:cNvSpPr/>
+          <p:nvPr/>
+        </p:nvSpPr>
+        <p:spPr>
+          <a:xfrm>
+            <a:off x="10032023" y="3159369"/>
+            <a:ext cx="1043354" cy="715108"/>
+          </a:xfrm>
+          <a:prstGeom prst="rect">
+            <a:avLst/>
+          </a:prstGeom>
+          <a:solidFill>
+            <a:schemeClr val="bg1"/>
+          </a:solidFill>
+          <a:ln>
+            <a:solidFill>
+              <a:schemeClr val="bg1">
+                <a:lumMod val="50000"/>
+              </a:schemeClr>
+            </a:solidFill>
+          </a:ln>
+        </p:spPr>
+        <p:style>
+          <a:lnRef idx="2">
+            <a:schemeClr val="accent1">
+              <a:shade val="50000"/>
+            </a:schemeClr>
+          </a:lnRef>
+          <a:fillRef idx="1">
+            <a:schemeClr val="accent1"/>
+          </a:fillRef>
+          <a:effectRef idx="0">
+            <a:schemeClr val="accent1"/>
+          </a:effectRef>
+          <a:fontRef idx="minor">
+            <a:schemeClr val="lt1"/>
+          </a:fontRef>
+        </p:style>
+        <p:txBody>
+          <a:bodyPr rtlCol="0" anchor="ctr"/>
+          <a:lstStyle/>
+          <a:p>
+            <a:pPr algn="ctr"/>
+            <a:r>
+              <a:rPr lang="en-US" altLang="ko-KR" sz="1200" b="1">
+                <a:solidFill>
+                  <a:schemeClr val="bg1">
+                    <a:lumMod val="75000"/>
+                  </a:schemeClr>
+                </a:solidFill>
+              </a:rPr>
+              <a:t>Server</a:t>
+            </a:r>
+          </a:p>
+          <a:p>
+            <a:pPr algn="ctr"/>
+            <a:r>
+              <a:rPr lang="en-US" altLang="ko-KR" sz="1200" b="1">
+                <a:solidFill>
+                  <a:schemeClr val="bg1">
+                    <a:lumMod val="75000"/>
+                  </a:schemeClr>
+                </a:solidFill>
+              </a:rPr>
+              <a:t>Transport</a:t>
+            </a:r>
+          </a:p>
+        </p:txBody>
+      </p:sp>
+      <p:sp>
+        <p:nvSpPr>
+          <p:cNvPr id="19" name="직사각형 18">
+            <a:extLst>
+              <a:ext uri="{FF2B5EF4-FFF2-40B4-BE49-F238E27FC236}">
+                <a16:creationId xmlns:a16="http://schemas.microsoft.com/office/drawing/2014/main" id="{B0D4E687-745D-4B8C-ACA7-1932FE2C11A0}"/>
+              </a:ext>
+            </a:extLst>
+          </p:cNvPr>
+          <p:cNvSpPr/>
+          <p:nvPr/>
+        </p:nvSpPr>
+        <p:spPr>
+          <a:xfrm>
+            <a:off x="8789377" y="1414559"/>
+            <a:ext cx="2385646" cy="973016"/>
+          </a:xfrm>
+          <a:prstGeom prst="rect">
+            <a:avLst/>
+          </a:prstGeom>
+          <a:solidFill>
+            <a:srgbClr val="89A3F7"/>
+          </a:solidFill>
+          <a:ln>
+            <a:solidFill>
+              <a:schemeClr val="tx1"/>
+            </a:solidFill>
+          </a:ln>
+        </p:spPr>
+        <p:style>
+          <a:lnRef idx="2">
+            <a:schemeClr val="accent1">
+              <a:shade val="50000"/>
+            </a:schemeClr>
+          </a:lnRef>
+          <a:fillRef idx="1">
+            <a:schemeClr val="accent1"/>
+          </a:fillRef>
+          <a:effectRef idx="0">
+            <a:schemeClr val="accent1"/>
+          </a:effectRef>
+          <a:fontRef idx="minor">
+            <a:schemeClr val="lt1"/>
+          </a:fontRef>
+        </p:style>
+        <p:txBody>
+          <a:bodyPr rtlCol="0" anchor="ctr"/>
+          <a:lstStyle/>
+          <a:p>
+            <a:pPr algn="ctr"/>
+            <a:endParaRPr lang="ko-KR" altLang="en-US"/>
+          </a:p>
+        </p:txBody>
+      </p:sp>
+      <p:cxnSp>
+        <p:nvCxnSpPr>
+          <p:cNvPr id="9" name="직선 화살표 연결선 8">
+            <a:extLst>
+              <a:ext uri="{FF2B5EF4-FFF2-40B4-BE49-F238E27FC236}">
+                <a16:creationId xmlns:a16="http://schemas.microsoft.com/office/drawing/2014/main" id="{495703D2-5576-42F6-93CB-26132602DDDF}"/>
+              </a:ext>
+            </a:extLst>
+          </p:cNvPr>
+          <p:cNvCxnSpPr>
+            <a:cxnSpLocks/>
+            <a:stCxn id="20" idx="2"/>
+          </p:cNvCxnSpPr>
+          <p:nvPr/>
+        </p:nvCxnSpPr>
+        <p:spPr>
+          <a:xfrm>
+            <a:off x="9410700" y="2258621"/>
+            <a:ext cx="0" cy="900748"/>
+          </a:xfrm>
+          <a:prstGeom prst="straightConnector1">
+            <a:avLst/>
+          </a:prstGeom>
+          <a:ln w="12700">
+            <a:solidFill>
+              <a:schemeClr val="accent2">
+                <a:lumMod val="75000"/>
+              </a:schemeClr>
+            </a:solidFill>
+            <a:headEnd type="triangle"/>
+            <a:tailEnd type="none"/>
+          </a:ln>
+        </p:spPr>
+        <p:style>
+          <a:lnRef idx="1">
+            <a:schemeClr val="accent1"/>
+          </a:lnRef>
+          <a:fillRef idx="0">
+            <a:schemeClr val="accent1"/>
+          </a:fillRef>
+          <a:effectRef idx="0">
+            <a:schemeClr val="accent1"/>
+          </a:effectRef>
+          <a:fontRef idx="minor">
+            <a:schemeClr val="tx1"/>
+          </a:fontRef>
+        </p:style>
+      </p:cxnSp>
+      <p:sp>
+        <p:nvSpPr>
+          <p:cNvPr id="10" name="TextBox 9">
+            <a:extLst>
+              <a:ext uri="{FF2B5EF4-FFF2-40B4-BE49-F238E27FC236}">
+                <a16:creationId xmlns:a16="http://schemas.microsoft.com/office/drawing/2014/main" id="{1C076903-653A-409A-A0E5-FB594C4F2997}"/>
+              </a:ext>
+            </a:extLst>
+          </p:cNvPr>
+          <p:cNvSpPr txBox="1"/>
+          <p:nvPr/>
+        </p:nvSpPr>
+        <p:spPr>
+          <a:xfrm>
+            <a:off x="8721088" y="2593579"/>
+            <a:ext cx="689612" cy="230832"/>
+          </a:xfrm>
+          <a:prstGeom prst="rect">
+            <a:avLst/>
+          </a:prstGeom>
+          <a:noFill/>
+        </p:spPr>
+        <p:txBody>
+          <a:bodyPr wrap="none" rtlCol="0">
+            <a:spAutoFit/>
+          </a:bodyPr>
+          <a:lstStyle/>
+          <a:p>
+            <a:r>
+              <a:rPr lang="en-US" altLang="ko-KR" sz="900"/>
+              <a:t>Response</a:t>
+            </a:r>
+          </a:p>
+        </p:txBody>
+      </p:sp>
+      <p:cxnSp>
+        <p:nvCxnSpPr>
+          <p:cNvPr id="12" name="직선 화살표 연결선 11">
+            <a:extLst>
+              <a:ext uri="{FF2B5EF4-FFF2-40B4-BE49-F238E27FC236}">
+                <a16:creationId xmlns:a16="http://schemas.microsoft.com/office/drawing/2014/main" id="{61ACD8B9-CEF4-4ECF-9588-AF4EAD3E1BD9}"/>
+              </a:ext>
+            </a:extLst>
+          </p:cNvPr>
+          <p:cNvCxnSpPr>
+            <a:cxnSpLocks/>
+            <a:stCxn id="5" idx="2"/>
+          </p:cNvCxnSpPr>
+          <p:nvPr/>
+        </p:nvCxnSpPr>
+        <p:spPr>
+          <a:xfrm>
+            <a:off x="9410700" y="3880339"/>
+            <a:ext cx="8551" cy="636978"/>
+          </a:xfrm>
+          <a:prstGeom prst="straightConnector1">
+            <a:avLst/>
+          </a:prstGeom>
+          <a:ln w="12700">
+            <a:solidFill>
+              <a:schemeClr val="accent2">
+                <a:lumMod val="75000"/>
+              </a:schemeClr>
+            </a:solidFill>
+            <a:headEnd type="triangle"/>
+            <a:tailEnd type="none"/>
+          </a:ln>
+        </p:spPr>
+        <p:style>
+          <a:lnRef idx="1">
+            <a:schemeClr val="accent1"/>
+          </a:lnRef>
+          <a:fillRef idx="0">
+            <a:schemeClr val="accent1"/>
+          </a:fillRef>
+          <a:effectRef idx="0">
+            <a:schemeClr val="accent1"/>
+          </a:effectRef>
+          <a:fontRef idx="minor">
+            <a:schemeClr val="tx1"/>
+          </a:fontRef>
+        </p:style>
+      </p:cxnSp>
+      <p:sp>
+        <p:nvSpPr>
+          <p:cNvPr id="13" name="TextBox 12">
+            <a:extLst>
+              <a:ext uri="{FF2B5EF4-FFF2-40B4-BE49-F238E27FC236}">
+                <a16:creationId xmlns:a16="http://schemas.microsoft.com/office/drawing/2014/main" id="{0257DCB8-2575-4846-A923-652F6D5208E3}"/>
+              </a:ext>
+            </a:extLst>
+          </p:cNvPr>
+          <p:cNvSpPr txBox="1"/>
+          <p:nvPr/>
+        </p:nvSpPr>
+        <p:spPr>
+          <a:xfrm>
+            <a:off x="8828489" y="4144958"/>
+            <a:ext cx="582211" cy="230832"/>
+          </a:xfrm>
+          <a:prstGeom prst="rect">
+            <a:avLst/>
+          </a:prstGeom>
+          <a:noFill/>
+        </p:spPr>
+        <p:txBody>
+          <a:bodyPr wrap="none" rtlCol="0">
+            <a:spAutoFit/>
+          </a:bodyPr>
+          <a:lstStyle/>
+          <a:p>
+            <a:r>
+              <a:rPr lang="en-US" altLang="ko-KR" sz="900"/>
+              <a:t>Receive</a:t>
+            </a:r>
+          </a:p>
+        </p:txBody>
+      </p:sp>
+      <p:sp>
+        <p:nvSpPr>
+          <p:cNvPr id="20" name="직사각형 19">
+            <a:extLst>
+              <a:ext uri="{FF2B5EF4-FFF2-40B4-BE49-F238E27FC236}">
+                <a16:creationId xmlns:a16="http://schemas.microsoft.com/office/drawing/2014/main" id="{45827712-E300-438A-AF60-D3AB6FC8E84C}"/>
+              </a:ext>
+            </a:extLst>
+          </p:cNvPr>
+          <p:cNvSpPr/>
+          <p:nvPr/>
+        </p:nvSpPr>
+        <p:spPr>
+          <a:xfrm>
+            <a:off x="8889023" y="1543513"/>
+            <a:ext cx="1043354" cy="715108"/>
+          </a:xfrm>
+          <a:prstGeom prst="rect">
+            <a:avLst/>
+          </a:prstGeom>
+          <a:solidFill>
+            <a:schemeClr val="bg1"/>
+          </a:solidFill>
+          <a:ln w="19050">
+            <a:solidFill>
+              <a:srgbClr val="0070C0"/>
+            </a:solidFill>
+          </a:ln>
+        </p:spPr>
+        <p:style>
+          <a:lnRef idx="2">
+            <a:schemeClr val="accent1">
+              <a:shade val="50000"/>
+            </a:schemeClr>
+          </a:lnRef>
+          <a:fillRef idx="1">
+            <a:schemeClr val="accent1"/>
+          </a:fillRef>
+          <a:effectRef idx="0">
+            <a:schemeClr val="accent1"/>
+          </a:effectRef>
+          <a:fontRef idx="minor">
+            <a:schemeClr val="lt1"/>
+          </a:fontRef>
+        </p:style>
+        <p:txBody>
+          <a:bodyPr rtlCol="0" anchor="ctr"/>
+          <a:lstStyle/>
+          <a:p>
+            <a:pPr algn="ctr"/>
+            <a:r>
+              <a:rPr lang="en-US" altLang="ko-KR" sz="1200" b="1">
+                <a:solidFill>
+                  <a:srgbClr val="0070C0"/>
+                </a:solidFill>
+              </a:rPr>
+              <a:t>Client</a:t>
+            </a:r>
+          </a:p>
+          <a:p>
+            <a:pPr algn="ctr"/>
+            <a:r>
+              <a:rPr lang="en-US" altLang="ko-KR" sz="1200" b="1">
+                <a:solidFill>
+                  <a:srgbClr val="0070C0"/>
+                </a:solidFill>
+              </a:rPr>
+              <a:t>Transaction</a:t>
+            </a:r>
+            <a:endParaRPr lang="ko-KR" altLang="en-US" sz="1200" b="1">
+              <a:solidFill>
+                <a:srgbClr val="0070C0"/>
+              </a:solidFill>
+            </a:endParaRPr>
+          </a:p>
+        </p:txBody>
+      </p:sp>
+      <p:cxnSp>
+        <p:nvCxnSpPr>
+          <p:cNvPr id="22" name="직선 화살표 연결선 21">
+            <a:extLst>
+              <a:ext uri="{FF2B5EF4-FFF2-40B4-BE49-F238E27FC236}">
+                <a16:creationId xmlns:a16="http://schemas.microsoft.com/office/drawing/2014/main" id="{8779F524-72AE-479B-A319-F2A8B83ABD83}"/>
+              </a:ext>
+            </a:extLst>
+          </p:cNvPr>
+          <p:cNvCxnSpPr>
+            <a:cxnSpLocks/>
+            <a:endCxn id="20" idx="0"/>
+          </p:cNvCxnSpPr>
+          <p:nvPr/>
+        </p:nvCxnSpPr>
+        <p:spPr>
+          <a:xfrm>
+            <a:off x="9410700" y="1126651"/>
+            <a:ext cx="0" cy="416862"/>
+          </a:xfrm>
+          <a:prstGeom prst="straightConnector1">
+            <a:avLst/>
+          </a:prstGeom>
+          <a:ln w="12700">
+            <a:solidFill>
+              <a:schemeClr val="accent2">
+                <a:lumMod val="75000"/>
+              </a:schemeClr>
+            </a:solidFill>
+            <a:headEnd type="triangle"/>
+            <a:tailEnd type="none"/>
+          </a:ln>
+        </p:spPr>
+        <p:style>
+          <a:lnRef idx="1">
+            <a:schemeClr val="accent1"/>
+          </a:lnRef>
+          <a:fillRef idx="0">
+            <a:schemeClr val="accent1"/>
+          </a:fillRef>
+          <a:effectRef idx="0">
+            <a:schemeClr val="accent1"/>
+          </a:effectRef>
+          <a:fontRef idx="minor">
+            <a:schemeClr val="tx1"/>
+          </a:fontRef>
+        </p:style>
+      </p:cxnSp>
+      <p:sp>
+        <p:nvSpPr>
+          <p:cNvPr id="24" name="TextBox 23">
+            <a:extLst>
+              <a:ext uri="{FF2B5EF4-FFF2-40B4-BE49-F238E27FC236}">
+                <a16:creationId xmlns:a16="http://schemas.microsoft.com/office/drawing/2014/main" id="{640F84F8-8B8C-409C-86CB-B3A945CD632A}"/>
+              </a:ext>
+            </a:extLst>
+          </p:cNvPr>
+          <p:cNvSpPr txBox="1"/>
+          <p:nvPr/>
+        </p:nvSpPr>
+        <p:spPr>
+          <a:xfrm>
+            <a:off x="8712061" y="906050"/>
+            <a:ext cx="2199641" cy="246221"/>
+          </a:xfrm>
+          <a:prstGeom prst="rect">
+            <a:avLst/>
+          </a:prstGeom>
+          <a:noFill/>
+        </p:spPr>
+        <p:txBody>
+          <a:bodyPr wrap="none" rtlCol="0">
+            <a:spAutoFit/>
+          </a:bodyPr>
+          <a:lstStyle/>
+          <a:p>
+            <a:r>
+              <a:rPr lang="en-US" altLang="ko-KR" sz="1000" b="1">
+                <a:solidFill>
+                  <a:schemeClr val="accent2">
+                    <a:lumMod val="75000"/>
+                  </a:schemeClr>
+                </a:solidFill>
+              </a:rPr>
+              <a:t>407 Proxy Authentication Required</a:t>
+            </a:r>
+          </a:p>
+        </p:txBody>
+      </p:sp>
+      <p:grpSp>
+        <p:nvGrpSpPr>
+          <p:cNvPr id="35" name="그룹 34">
+            <a:extLst>
+              <a:ext uri="{FF2B5EF4-FFF2-40B4-BE49-F238E27FC236}">
+                <a16:creationId xmlns:a16="http://schemas.microsoft.com/office/drawing/2014/main" id="{FA269D3F-1171-496C-A7B9-396E0ACC59FD}"/>
+              </a:ext>
+            </a:extLst>
+          </p:cNvPr>
+          <p:cNvGrpSpPr/>
+          <p:nvPr/>
+        </p:nvGrpSpPr>
+        <p:grpSpPr>
+          <a:xfrm>
+            <a:off x="8789377" y="4517317"/>
+            <a:ext cx="2385646" cy="973016"/>
+            <a:chOff x="8339802" y="4501662"/>
+            <a:chExt cx="2385646" cy="973016"/>
+          </a:xfrm>
+        </p:grpSpPr>
+        <p:sp>
+          <p:nvSpPr>
+            <p:cNvPr id="26" name="직사각형 25">
+              <a:extLst>
+                <a:ext uri="{FF2B5EF4-FFF2-40B4-BE49-F238E27FC236}">
+                  <a16:creationId xmlns:a16="http://schemas.microsoft.com/office/drawing/2014/main" id="{D0269D9B-D12B-4BE0-9AD9-B6F6C63DC0FE}"/>
+                </a:ext>
+              </a:extLst>
+            </p:cNvPr>
+            <p:cNvSpPr/>
+            <p:nvPr/>
+          </p:nvSpPr>
+          <p:spPr>
+            <a:xfrm>
+              <a:off x="8339802" y="4501662"/>
+              <a:ext cx="2385646" cy="973016"/>
+            </a:xfrm>
+            <a:prstGeom prst="rect">
+              <a:avLst/>
+            </a:prstGeom>
+            <a:solidFill>
+              <a:schemeClr val="bg2"/>
+            </a:solidFill>
+            <a:ln>
+              <a:solidFill>
+                <a:schemeClr val="tx1"/>
+              </a:solidFill>
+            </a:ln>
+          </p:spPr>
+          <p:style>
+            <a:lnRef idx="2">
+              <a:schemeClr val="accent1">
+                <a:shade val="50000"/>
+              </a:schemeClr>
+            </a:lnRef>
+            <a:fillRef idx="1">
+              <a:schemeClr val="accent1"/>
+            </a:fillRef>
+            <a:effectRef idx="0">
+              <a:schemeClr val="accent1"/>
+            </a:effectRef>
+            <a:fontRef idx="minor">
+              <a:schemeClr val="lt1"/>
+            </a:fontRef>
+          </p:style>
+          <p:txBody>
+            <a:bodyPr rtlCol="0" anchor="ctr"/>
+            <a:lstStyle/>
+            <a:p>
+              <a:pPr algn="ctr"/>
+              <a:endParaRPr lang="ko-KR" altLang="en-US"/>
+            </a:p>
+          </p:txBody>
+        </p:sp>
+        <p:grpSp>
+          <p:nvGrpSpPr>
+            <p:cNvPr id="25" name="그룹 24">
+              <a:extLst>
+                <a:ext uri="{FF2B5EF4-FFF2-40B4-BE49-F238E27FC236}">
+                  <a16:creationId xmlns:a16="http://schemas.microsoft.com/office/drawing/2014/main" id="{B026AB7A-5757-4823-8218-B626EBEB8F42}"/>
+                </a:ext>
+              </a:extLst>
+            </p:cNvPr>
+            <p:cNvGrpSpPr/>
+            <p:nvPr/>
+          </p:nvGrpSpPr>
+          <p:grpSpPr>
+            <a:xfrm>
+              <a:off x="8557167" y="4674044"/>
+              <a:ext cx="1881185" cy="692717"/>
+              <a:chOff x="8557167" y="4674044"/>
+              <a:chExt cx="1881185" cy="692717"/>
+            </a:xfrm>
+          </p:grpSpPr>
+          <p:sp>
+            <p:nvSpPr>
+              <p:cNvPr id="27" name="TextBox 26">
+                <a:extLst>
+                  <a:ext uri="{FF2B5EF4-FFF2-40B4-BE49-F238E27FC236}">
+                    <a16:creationId xmlns:a16="http://schemas.microsoft.com/office/drawing/2014/main" id="{6F5B241E-B170-4D86-A508-6FE797B27CFE}"/>
+                  </a:ext>
+                </a:extLst>
+              </p:cNvPr>
+              <p:cNvSpPr txBox="1"/>
+              <p:nvPr/>
+            </p:nvSpPr>
+            <p:spPr>
+              <a:xfrm>
+                <a:off x="8969676" y="4674044"/>
+                <a:ext cx="425597" cy="230832"/>
+              </a:xfrm>
+              <a:prstGeom prst="rect">
+                <a:avLst/>
+              </a:prstGeom>
+              <a:solidFill>
+                <a:schemeClr val="bg1"/>
+              </a:solidFill>
+              <a:ln>
+                <a:solidFill>
+                  <a:schemeClr val="tx1"/>
+                </a:solidFill>
+              </a:ln>
+            </p:spPr>
+            <p:txBody>
+              <a:bodyPr wrap="square" rtlCol="0">
+                <a:spAutoFit/>
+              </a:bodyPr>
+              <a:lstStyle/>
+              <a:p>
+                <a:pPr algn="ctr"/>
+                <a:r>
+                  <a:rPr lang="en-US" altLang="ko-KR" sz="900"/>
+                  <a:t>TLS</a:t>
+                </a:r>
+              </a:p>
+            </p:txBody>
+          </p:sp>
+          <p:sp>
+            <p:nvSpPr>
+              <p:cNvPr id="28" name="TextBox 27">
+                <a:extLst>
+                  <a:ext uri="{FF2B5EF4-FFF2-40B4-BE49-F238E27FC236}">
+                    <a16:creationId xmlns:a16="http://schemas.microsoft.com/office/drawing/2014/main" id="{569D8EA4-C41A-483A-AB54-FE10AB46C472}"/>
+                  </a:ext>
+                </a:extLst>
+              </p:cNvPr>
+              <p:cNvSpPr txBox="1"/>
+              <p:nvPr/>
+            </p:nvSpPr>
+            <p:spPr>
+              <a:xfrm>
+                <a:off x="9911604" y="4674044"/>
+                <a:ext cx="526748" cy="230832"/>
+              </a:xfrm>
+              <a:prstGeom prst="rect">
+                <a:avLst/>
+              </a:prstGeom>
+              <a:solidFill>
+                <a:schemeClr val="bg1"/>
+              </a:solidFill>
+              <a:ln>
+                <a:solidFill>
+                  <a:schemeClr val="tx1"/>
+                </a:solidFill>
+              </a:ln>
+            </p:spPr>
+            <p:txBody>
+              <a:bodyPr wrap="square" rtlCol="0">
+                <a:spAutoFit/>
+              </a:bodyPr>
+              <a:lstStyle/>
+              <a:p>
+                <a:pPr algn="ctr"/>
+                <a:r>
+                  <a:rPr lang="en-US" altLang="ko-KR" sz="900"/>
+                  <a:t>RTP</a:t>
+                </a:r>
+              </a:p>
+            </p:txBody>
+          </p:sp>
+          <p:sp>
+            <p:nvSpPr>
+              <p:cNvPr id="29" name="TextBox 28">
+                <a:extLst>
+                  <a:ext uri="{FF2B5EF4-FFF2-40B4-BE49-F238E27FC236}">
+                    <a16:creationId xmlns:a16="http://schemas.microsoft.com/office/drawing/2014/main" id="{8AEABDC9-01BB-4B28-9F73-8EAA3ED1AC90}"/>
+                  </a:ext>
+                </a:extLst>
+              </p:cNvPr>
+              <p:cNvSpPr txBox="1"/>
+              <p:nvPr/>
+            </p:nvSpPr>
+            <p:spPr>
+              <a:xfrm>
+                <a:off x="8557167" y="4905097"/>
+                <a:ext cx="690630" cy="230832"/>
+              </a:xfrm>
+              <a:prstGeom prst="rect">
+                <a:avLst/>
+              </a:prstGeom>
+              <a:solidFill>
+                <a:schemeClr val="bg1"/>
+              </a:solidFill>
+              <a:ln>
+                <a:solidFill>
+                  <a:schemeClr val="tx1"/>
+                </a:solidFill>
+              </a:ln>
+            </p:spPr>
+            <p:txBody>
+              <a:bodyPr wrap="square" rtlCol="0">
+                <a:spAutoFit/>
+              </a:bodyPr>
+              <a:lstStyle/>
+              <a:p>
+                <a:pPr algn="ctr"/>
+                <a:r>
+                  <a:rPr lang="en-US" altLang="ko-KR" sz="900"/>
+                  <a:t>TCP</a:t>
+                </a:r>
+              </a:p>
+            </p:txBody>
+          </p:sp>
+          <p:sp>
+            <p:nvSpPr>
+              <p:cNvPr id="30" name="TextBox 29">
+                <a:extLst>
+                  <a:ext uri="{FF2B5EF4-FFF2-40B4-BE49-F238E27FC236}">
+                    <a16:creationId xmlns:a16="http://schemas.microsoft.com/office/drawing/2014/main" id="{3AE6D095-2AE9-41B3-A736-BD0538C129C3}"/>
+                  </a:ext>
+                </a:extLst>
+              </p:cNvPr>
+              <p:cNvSpPr txBox="1"/>
+              <p:nvPr/>
+            </p:nvSpPr>
+            <p:spPr>
+              <a:xfrm>
+                <a:off x="9247802" y="4905097"/>
+                <a:ext cx="470000" cy="230832"/>
+              </a:xfrm>
+              <a:prstGeom prst="rect">
+                <a:avLst/>
+              </a:prstGeom>
+              <a:solidFill>
+                <a:schemeClr val="bg1"/>
+              </a:solidFill>
+              <a:ln>
+                <a:solidFill>
+                  <a:schemeClr val="tx1"/>
+                </a:solidFill>
+              </a:ln>
+            </p:spPr>
+            <p:txBody>
+              <a:bodyPr wrap="none" rtlCol="0">
+                <a:spAutoFit/>
+              </a:bodyPr>
+              <a:lstStyle/>
+              <a:p>
+                <a:pPr algn="ctr"/>
+                <a:r>
+                  <a:rPr lang="en-US" altLang="ko-KR" sz="900"/>
+                  <a:t>SCTP</a:t>
+                </a:r>
+              </a:p>
+            </p:txBody>
+          </p:sp>
+          <p:sp>
+            <p:nvSpPr>
+              <p:cNvPr id="32" name="TextBox 31">
+                <a:extLst>
+                  <a:ext uri="{FF2B5EF4-FFF2-40B4-BE49-F238E27FC236}">
+                    <a16:creationId xmlns:a16="http://schemas.microsoft.com/office/drawing/2014/main" id="{F01F5002-8D58-4619-9021-EEEE8201399C}"/>
+                  </a:ext>
+                </a:extLst>
+              </p:cNvPr>
+              <p:cNvSpPr txBox="1"/>
+              <p:nvPr/>
+            </p:nvSpPr>
+            <p:spPr>
+              <a:xfrm>
+                <a:off x="9717802" y="4905097"/>
+                <a:ext cx="720550" cy="230832"/>
+              </a:xfrm>
+              <a:prstGeom prst="rect">
+                <a:avLst/>
+              </a:prstGeom>
+              <a:solidFill>
+                <a:schemeClr val="bg1"/>
+              </a:solidFill>
+              <a:ln>
+                <a:solidFill>
+                  <a:schemeClr val="tx1"/>
+                </a:solidFill>
+              </a:ln>
+            </p:spPr>
+            <p:txBody>
+              <a:bodyPr wrap="square" rtlCol="0">
+                <a:spAutoFit/>
+              </a:bodyPr>
+              <a:lstStyle/>
+              <a:p>
+                <a:pPr algn="ctr"/>
+                <a:r>
+                  <a:rPr lang="en-US" altLang="ko-KR" sz="900"/>
+                  <a:t>UDP</a:t>
+                </a:r>
+              </a:p>
+            </p:txBody>
+          </p:sp>
+          <p:sp>
+            <p:nvSpPr>
+              <p:cNvPr id="33" name="TextBox 32">
+                <a:extLst>
+                  <a:ext uri="{FF2B5EF4-FFF2-40B4-BE49-F238E27FC236}">
+                    <a16:creationId xmlns:a16="http://schemas.microsoft.com/office/drawing/2014/main" id="{DA0B1DEE-AEDE-4C2B-A50C-532D53781960}"/>
+                  </a:ext>
+                </a:extLst>
+              </p:cNvPr>
+              <p:cNvSpPr txBox="1"/>
+              <p:nvPr/>
+            </p:nvSpPr>
+            <p:spPr>
+              <a:xfrm>
+                <a:off x="8557168" y="5135929"/>
+                <a:ext cx="1881184" cy="230832"/>
+              </a:xfrm>
+              <a:prstGeom prst="rect">
+                <a:avLst/>
+              </a:prstGeom>
+              <a:solidFill>
+                <a:schemeClr val="bg1"/>
+              </a:solidFill>
+              <a:ln>
+                <a:solidFill>
+                  <a:schemeClr val="tx1"/>
+                </a:solidFill>
+              </a:ln>
+            </p:spPr>
+            <p:txBody>
+              <a:bodyPr wrap="square" rtlCol="0">
+                <a:spAutoFit/>
+              </a:bodyPr>
+              <a:lstStyle/>
+              <a:p>
+                <a:pPr algn="ctr"/>
+                <a:r>
+                  <a:rPr lang="en-US" altLang="ko-KR" sz="900"/>
+                  <a:t>IP</a:t>
+                </a:r>
+              </a:p>
+            </p:txBody>
+          </p:sp>
+        </p:grpSp>
+      </p:grpSp>
+      <p:cxnSp>
+        <p:nvCxnSpPr>
+          <p:cNvPr id="42" name="연결선: 꺾임 41">
+            <a:extLst>
+              <a:ext uri="{FF2B5EF4-FFF2-40B4-BE49-F238E27FC236}">
+                <a16:creationId xmlns:a16="http://schemas.microsoft.com/office/drawing/2014/main" id="{445B1E98-49A1-48A4-A70A-7F36EEBA21BF}"/>
+              </a:ext>
+            </a:extLst>
+          </p:cNvPr>
+          <p:cNvCxnSpPr>
+            <a:cxnSpLocks/>
+          </p:cNvCxnSpPr>
+          <p:nvPr/>
+        </p:nvCxnSpPr>
+        <p:spPr>
+          <a:xfrm rot="10800000">
+            <a:off x="9982200" y="5490334"/>
+            <a:ext cx="1576754" cy="461617"/>
+          </a:xfrm>
+          <a:prstGeom prst="bentConnector2">
+            <a:avLst/>
+          </a:prstGeom>
+          <a:ln w="12700">
+            <a:solidFill>
+              <a:schemeClr val="accent2">
+                <a:lumMod val="75000"/>
+              </a:schemeClr>
+            </a:solidFill>
+            <a:prstDash val="dash"/>
+            <a:tailEnd type="triangle"/>
+          </a:ln>
+        </p:spPr>
+        <p:style>
+          <a:lnRef idx="1">
+            <a:schemeClr val="accent1"/>
+          </a:lnRef>
+          <a:fillRef idx="0">
+            <a:schemeClr val="accent1"/>
+          </a:fillRef>
+          <a:effectRef idx="0">
+            <a:schemeClr val="accent1"/>
+          </a:effectRef>
+          <a:fontRef idx="minor">
+            <a:schemeClr val="tx1"/>
+          </a:fontRef>
+        </p:style>
+      </p:cxnSp>
+    </p:spTree>
+    <p:extLst>
+      <p:ext uri="{BB962C8B-B14F-4D97-AF65-F5344CB8AC3E}">
+        <p14:creationId xmlns:p14="http://schemas.microsoft.com/office/powerpoint/2010/main" val="373808453"/>
+      </p:ext>
+    </p:extLst>
+  </p:cSld>
+  <p:clrMapOvr>
+    <a:masterClrMapping/>
+  </p:clrMapOvr>
+</p:sld>
+</file>
+
+<file path=ppt/slides/slide49.xml><?xml version="1.0" encoding="utf-8"?>
+<p:sld xmlns:a="http://schemas.openxmlformats.org/drawingml/2006/main" xmlns:r="http://schemas.openxmlformats.org/officeDocument/2006/relationships" xmlns:p="http://schemas.openxmlformats.org/presentationml/2006/main">
+  <p:cSld>
+    <p:spTree>
+      <p:nvGrpSpPr>
+        <p:cNvPr id="1" name=""/>
+        <p:cNvGrpSpPr/>
+        <p:nvPr/>
+      </p:nvGrpSpPr>
+      <p:grpSpPr>
+        <a:xfrm>
+          <a:off x="0" y="0"/>
+          <a:ext cx="0" cy="0"/>
+          <a:chOff x="0" y="0"/>
+          <a:chExt cx="0" cy="0"/>
+        </a:xfrm>
+      </p:grpSpPr>
+      <p:sp>
+        <p:nvSpPr>
+          <p:cNvPr id="2" name="제목 1">
+            <a:extLst>
+              <a:ext uri="{FF2B5EF4-FFF2-40B4-BE49-F238E27FC236}">
+                <a16:creationId xmlns:a16="http://schemas.microsoft.com/office/drawing/2014/main" id="{70F22706-C19C-4D37-953F-8A651D4CB7A4}"/>
+              </a:ext>
+            </a:extLst>
+          </p:cNvPr>
+          <p:cNvSpPr>
+            <a:spLocks noGrp="1"/>
+          </p:cNvSpPr>
+          <p:nvPr>
+            <p:ph type="title"/>
+          </p:nvPr>
+        </p:nvSpPr>
+        <p:spPr>
+          <a:xfrm>
+            <a:off x="0" y="1"/>
+            <a:ext cx="12192000" cy="550415"/>
+          </a:xfrm>
+        </p:spPr>
+        <p:txBody>
+          <a:bodyPr/>
+          <a:lstStyle/>
+          <a:p>
+            <a:r>
+              <a:rPr lang="en-US" altLang="ko-KR"/>
+              <a:t>3. Transport – Server (4/6)</a:t>
+            </a:r>
+            <a:endParaRPr lang="ko-KR" altLang="en-US"/>
+          </a:p>
+        </p:txBody>
+      </p:sp>
+      <p:sp>
+        <p:nvSpPr>
+          <p:cNvPr id="3" name="슬라이드 번호 개체 틀 2">
+            <a:extLst>
+              <a:ext uri="{FF2B5EF4-FFF2-40B4-BE49-F238E27FC236}">
+                <a16:creationId xmlns:a16="http://schemas.microsoft.com/office/drawing/2014/main" id="{7C06E1FC-B274-42F0-8885-FADDAB6271F6}"/>
+              </a:ext>
+            </a:extLst>
+          </p:cNvPr>
+          <p:cNvSpPr>
+            <a:spLocks noGrp="1"/>
+          </p:cNvSpPr>
+          <p:nvPr>
+            <p:ph type="sldNum" sz="quarter" idx="12"/>
+          </p:nvPr>
+        </p:nvSpPr>
+        <p:spPr/>
+        <p:txBody>
+          <a:bodyPr/>
+          <a:lstStyle/>
+          <a:p>
+            <a:fld id="{A9252A94-CC09-4928-8209-20295AE91AEF}" type="slidenum">
+              <a:rPr lang="ko-KR" altLang="en-US" smtClean="0"/>
+              <a:pPr/>
+              <a:t>49</a:t>
+            </a:fld>
+            <a:endParaRPr lang="ko-KR" altLang="en-US"/>
+          </a:p>
+        </p:txBody>
+      </p:sp>
+      <p:sp>
+        <p:nvSpPr>
+          <p:cNvPr id="31" name="TextBox 30">
+            <a:extLst>
+              <a:ext uri="{FF2B5EF4-FFF2-40B4-BE49-F238E27FC236}">
+                <a16:creationId xmlns:a16="http://schemas.microsoft.com/office/drawing/2014/main" id="{3CAC487F-05C2-4832-9D63-EE8F27616AEE}"/>
+              </a:ext>
+            </a:extLst>
+          </p:cNvPr>
+          <p:cNvSpPr txBox="1"/>
+          <p:nvPr/>
+        </p:nvSpPr>
+        <p:spPr>
+          <a:xfrm>
+            <a:off x="732463" y="1007183"/>
+            <a:ext cx="6841938" cy="5220660"/>
+          </a:xfrm>
+          <a:prstGeom prst="rect">
+            <a:avLst/>
+          </a:prstGeom>
+          <a:noFill/>
+        </p:spPr>
+        <p:txBody>
+          <a:bodyPr wrap="none" rtlCol="0">
+            <a:spAutoFit/>
+          </a:bodyPr>
+          <a:lstStyle/>
+          <a:p>
+            <a:pPr>
+              <a:lnSpc>
+                <a:spcPct val="200000"/>
+              </a:lnSpc>
+            </a:pPr>
+            <a:r>
+              <a:rPr lang="ko-KR" altLang="en-US" sz="1600" b="1">
+                <a:solidFill>
+                  <a:schemeClr val="accent3">
+                    <a:lumMod val="50000"/>
+                  </a:schemeClr>
+                </a:solidFill>
+                <a:ea typeface="+mj-ea"/>
+              </a:rPr>
+              <a:t>요청 수신</a:t>
+            </a:r>
+            <a:endParaRPr lang="en-US" altLang="ko-KR" sz="1600" b="1">
+              <a:solidFill>
+                <a:schemeClr val="accent3">
+                  <a:lumMod val="50000"/>
+                </a:schemeClr>
+              </a:solidFill>
+              <a:ea typeface="+mj-ea"/>
+            </a:endParaRPr>
+          </a:p>
+          <a:p>
+            <a:pPr marL="171450" indent="-171450">
+              <a:lnSpc>
+                <a:spcPct val="200000"/>
+              </a:lnSpc>
+              <a:buFont typeface="Arial" panose="020B0604020202020204" pitchFamily="34" charset="0"/>
+              <a:buChar char="•"/>
+            </a:pPr>
+            <a:r>
+              <a:rPr lang="ko-KR" altLang="en-US" sz="1100"/>
+              <a:t>서버는 </a:t>
+            </a:r>
+            <a:r>
+              <a:rPr lang="en-US" altLang="ko-KR" sz="1100"/>
+              <a:t>SIP or</a:t>
+            </a:r>
+            <a:r>
+              <a:rPr lang="ko-KR" altLang="en-US" sz="1100"/>
+              <a:t> </a:t>
+            </a:r>
+            <a:r>
+              <a:rPr lang="en-US" altLang="ko-KR" sz="1100"/>
+              <a:t>SIPS URI </a:t>
+            </a:r>
+            <a:r>
+              <a:rPr lang="ko-KR" altLang="en-US" sz="1100"/>
+              <a:t>에 대한 </a:t>
+            </a:r>
+            <a:r>
+              <a:rPr lang="en-US" altLang="ko-KR" sz="1100"/>
+              <a:t>DNS lookup </a:t>
+            </a:r>
+            <a:r>
+              <a:rPr lang="ko-KR" altLang="en-US" sz="1100"/>
+              <a:t>의 결과로 나올 수 있는 </a:t>
+            </a:r>
+            <a:r>
+              <a:rPr lang="en-US" altLang="ko-KR" sz="1100"/>
+              <a:t>IP </a:t>
+            </a:r>
+            <a:r>
+              <a:rPr lang="ko-KR" altLang="en-US" sz="1100"/>
+              <a:t>주소</a:t>
+            </a:r>
+            <a:r>
+              <a:rPr lang="en-US" altLang="ko-KR" sz="1100"/>
+              <a:t>, </a:t>
+            </a:r>
+            <a:r>
+              <a:rPr lang="ko-KR" altLang="en-US" sz="1100"/>
+              <a:t>포트</a:t>
+            </a:r>
+            <a:r>
+              <a:rPr lang="en-US" altLang="ko-KR" sz="1100"/>
+              <a:t>, </a:t>
+            </a:r>
+            <a:r>
+              <a:rPr lang="ko-KR" altLang="en-US" sz="1100"/>
+              <a:t>전송 프로토콜 조합</a:t>
+            </a:r>
+            <a:br>
+              <a:rPr lang="en-US" altLang="ko-KR" sz="1100"/>
+            </a:br>
+            <a:r>
+              <a:rPr lang="ko-KR" altLang="en-US" sz="1100"/>
+              <a:t>에 대한 요청을 수신할 준비가 되어야 함</a:t>
+            </a:r>
+            <a:endParaRPr lang="en-US" altLang="ko-KR" sz="1100"/>
+          </a:p>
+          <a:p>
+            <a:pPr marL="171450" indent="-171450">
+              <a:lnSpc>
+                <a:spcPct val="200000"/>
+              </a:lnSpc>
+              <a:buFont typeface="Arial" panose="020B0604020202020204" pitchFamily="34" charset="0"/>
+              <a:buChar char="•"/>
+            </a:pPr>
+            <a:r>
+              <a:rPr lang="ko-KR" altLang="en-US" sz="1100">
+                <a:solidFill>
+                  <a:srgbClr val="CC0099"/>
+                </a:solidFill>
+              </a:rPr>
+              <a:t>서버 전송단</a:t>
+            </a:r>
+            <a:r>
+              <a:rPr lang="ko-KR" altLang="en-US" sz="1100"/>
+              <a:t>이 어떤 전송 프로토콜을 통해 요청을 수신하든</a:t>
+            </a:r>
+            <a:r>
+              <a:rPr lang="en-US" altLang="ko-KR" sz="1100"/>
+              <a:t>,</a:t>
+            </a:r>
+            <a:r>
+              <a:rPr lang="ko-KR" altLang="en-US" sz="1100"/>
+              <a:t> 최상단 </a:t>
+            </a:r>
+            <a:r>
+              <a:rPr lang="en-US" altLang="ko-KR" sz="1100" b="1"/>
+              <a:t>Via</a:t>
+            </a:r>
+            <a:r>
+              <a:rPr lang="en-US" altLang="ko-KR" sz="1100"/>
+              <a:t> </a:t>
+            </a:r>
+            <a:r>
+              <a:rPr lang="ko-KR" altLang="en-US" sz="1100"/>
+              <a:t>헤더 값의 </a:t>
+            </a:r>
+            <a:r>
+              <a:rPr lang="en-US" altLang="ko-KR" sz="1100"/>
+              <a:t>“</a:t>
+            </a:r>
+            <a:r>
+              <a:rPr lang="en-US" altLang="ko-KR" sz="1100" b="1"/>
+              <a:t>sent-by</a:t>
+            </a:r>
+            <a:r>
+              <a:rPr lang="en-US" altLang="ko-KR" sz="1100"/>
+              <a:t>” </a:t>
+            </a:r>
+            <a:r>
+              <a:rPr lang="ko-KR" altLang="en-US" sz="1100"/>
+              <a:t>파라미터를 검사</a:t>
+            </a:r>
+            <a:endParaRPr lang="en-US" altLang="ko-KR" sz="1100"/>
+          </a:p>
+          <a:p>
+            <a:pPr marL="628650" lvl="1" indent="-171450">
+              <a:lnSpc>
+                <a:spcPct val="200000"/>
+              </a:lnSpc>
+              <a:buFont typeface="Arial" panose="020B0604020202020204" pitchFamily="34" charset="0"/>
+              <a:buChar char="•"/>
+            </a:pPr>
+            <a:r>
+              <a:rPr lang="en-US" altLang="ko-KR" sz="1000"/>
+              <a:t>“</a:t>
+            </a:r>
+            <a:r>
+              <a:rPr lang="en-US" altLang="ko-KR" sz="1000" b="1"/>
+              <a:t>sent-by</a:t>
+            </a:r>
+            <a:r>
+              <a:rPr lang="en-US" altLang="ko-KR" sz="1000"/>
+              <a:t>” </a:t>
+            </a:r>
+            <a:r>
+              <a:rPr lang="ko-KR" altLang="en-US" sz="1000"/>
+              <a:t>파라미터의 호스트 부분에 도메인 이름이 포함되어 있거나 패킷 수신지 </a:t>
+            </a:r>
+            <a:r>
+              <a:rPr lang="en-US" altLang="ko-KR" sz="1000"/>
+              <a:t>IP </a:t>
+            </a:r>
+            <a:r>
+              <a:rPr lang="ko-KR" altLang="en-US" sz="1000"/>
+              <a:t>와 다른 </a:t>
+            </a:r>
+            <a:r>
+              <a:rPr lang="en-US" altLang="ko-KR" sz="1000"/>
+              <a:t>IP </a:t>
+            </a:r>
+            <a:r>
+              <a:rPr lang="ko-KR" altLang="en-US" sz="1000"/>
+              <a:t>가</a:t>
+            </a:r>
+            <a:br>
+              <a:rPr lang="en-US" altLang="ko-KR" sz="1000"/>
+            </a:br>
+            <a:r>
+              <a:rPr lang="ko-KR" altLang="en-US" sz="1000"/>
+              <a:t>포함되어있는 경우</a:t>
+            </a:r>
+            <a:r>
+              <a:rPr lang="en-US" altLang="ko-KR" sz="1000"/>
+              <a:t>,</a:t>
+            </a:r>
+            <a:r>
+              <a:rPr lang="ko-KR" altLang="en-US" sz="1000"/>
+              <a:t> </a:t>
+            </a:r>
+            <a:r>
+              <a:rPr lang="en-US" altLang="ko-KR" sz="1000" b="1"/>
+              <a:t>Via</a:t>
+            </a:r>
+            <a:r>
+              <a:rPr lang="en-US" altLang="ko-KR" sz="1000"/>
+              <a:t> </a:t>
+            </a:r>
+            <a:r>
+              <a:rPr lang="ko-KR" altLang="en-US" sz="1000"/>
+              <a:t>헤더 값에 </a:t>
+            </a:r>
+            <a:r>
+              <a:rPr lang="en-US" altLang="ko-KR" sz="1000"/>
+              <a:t>“</a:t>
+            </a:r>
+            <a:r>
+              <a:rPr lang="en-US" altLang="ko-KR" sz="1000" b="1"/>
+              <a:t>received</a:t>
+            </a:r>
+            <a:r>
+              <a:rPr lang="en-US" altLang="ko-KR" sz="1000"/>
+              <a:t>”</a:t>
+            </a:r>
+            <a:r>
+              <a:rPr lang="ko-KR" altLang="en-US" sz="1000"/>
+              <a:t> 파라미터를 추가 </a:t>
+            </a:r>
+            <a:r>
+              <a:rPr lang="en-US" altLang="ko-KR" sz="1000"/>
+              <a:t>(</a:t>
+            </a:r>
+            <a:r>
+              <a:rPr lang="ko-KR" altLang="en-US" sz="1000"/>
+              <a:t>응답을 수신지 </a:t>
+            </a:r>
+            <a:r>
+              <a:rPr lang="en-US" altLang="ko-KR" sz="1000"/>
+              <a:t>IP </a:t>
+            </a:r>
+            <a:r>
+              <a:rPr lang="ko-KR" altLang="en-US" sz="1000"/>
+              <a:t>로  보내기 위함</a:t>
+            </a:r>
+            <a:r>
+              <a:rPr lang="en-US" altLang="ko-KR" sz="1000"/>
+              <a:t>)</a:t>
+            </a:r>
+          </a:p>
+          <a:p>
+            <a:pPr marL="628650" lvl="1" indent="-171450">
+              <a:lnSpc>
+                <a:spcPct val="200000"/>
+              </a:lnSpc>
+              <a:buFont typeface="Arial" panose="020B0604020202020204" pitchFamily="34" charset="0"/>
+              <a:buChar char="•"/>
+            </a:pPr>
+            <a:endParaRPr lang="en-US" altLang="ko-KR" sz="1100"/>
+          </a:p>
+          <a:p>
+            <a:pPr marL="628650" lvl="1" indent="-171450">
+              <a:lnSpc>
+                <a:spcPct val="200000"/>
+              </a:lnSpc>
+              <a:buFont typeface="Arial" panose="020B0604020202020204" pitchFamily="34" charset="0"/>
+              <a:buChar char="•"/>
+            </a:pPr>
+            <a:endParaRPr lang="en-US" altLang="ko-KR" sz="1100"/>
+          </a:p>
+          <a:p>
+            <a:pPr marL="628650" lvl="1" indent="-171450">
+              <a:lnSpc>
+                <a:spcPct val="200000"/>
+              </a:lnSpc>
+              <a:buFont typeface="Arial" panose="020B0604020202020204" pitchFamily="34" charset="0"/>
+              <a:buChar char="•"/>
+            </a:pPr>
+            <a:endParaRPr lang="en-US" altLang="ko-KR" sz="1100"/>
+          </a:p>
+          <a:p>
+            <a:pPr>
+              <a:lnSpc>
+                <a:spcPct val="200000"/>
+              </a:lnSpc>
+            </a:pPr>
+            <a:endParaRPr lang="en-US" altLang="ko-KR" sz="1100"/>
+          </a:p>
+          <a:p>
+            <a:pPr marL="171450" indent="-171450">
+              <a:lnSpc>
+                <a:spcPct val="200000"/>
+              </a:lnSpc>
+              <a:buFont typeface="Arial" panose="020B0604020202020204" pitchFamily="34" charset="0"/>
+              <a:buChar char="•"/>
+            </a:pPr>
+            <a:r>
+              <a:rPr lang="ko-KR" altLang="en-US" sz="1100">
+                <a:solidFill>
+                  <a:srgbClr val="CC0099"/>
+                </a:solidFill>
+              </a:rPr>
+              <a:t>서버 전송단</a:t>
+            </a:r>
+            <a:r>
+              <a:rPr lang="ko-KR" altLang="en-US" sz="1100"/>
+              <a:t>은 요청을 </a:t>
+            </a:r>
+            <a:r>
+              <a:rPr lang="ko-KR" altLang="en-US" sz="1100">
+                <a:solidFill>
+                  <a:srgbClr val="0070C0"/>
+                </a:solidFill>
+              </a:rPr>
+              <a:t>서버 트랜잭션</a:t>
+            </a:r>
+            <a:r>
+              <a:rPr lang="ko-KR" altLang="en-US" sz="1100"/>
+              <a:t>과 </a:t>
+            </a:r>
+            <a:r>
+              <a:rPr lang="ko-KR" altLang="en-US" sz="1100">
+                <a:latin typeface="+mj-ea"/>
+                <a:ea typeface="+mj-ea"/>
+              </a:rPr>
+              <a:t>매칭 절차</a:t>
+            </a:r>
+            <a:r>
+              <a:rPr lang="ko-KR" altLang="en-US" sz="1100"/>
+              <a:t>를 수행</a:t>
+            </a:r>
+            <a:endParaRPr lang="en-US" altLang="ko-KR" sz="1100"/>
+          </a:p>
+          <a:p>
+            <a:pPr marL="628650" lvl="1" indent="-171450">
+              <a:lnSpc>
+                <a:spcPct val="200000"/>
+              </a:lnSpc>
+              <a:buFont typeface="Arial" panose="020B0604020202020204" pitchFamily="34" charset="0"/>
+              <a:buChar char="•"/>
+            </a:pPr>
+            <a:r>
+              <a:rPr lang="ko-KR" altLang="en-US" sz="1100"/>
+              <a:t>일치하는 </a:t>
+            </a:r>
+            <a:r>
+              <a:rPr lang="ko-KR" altLang="en-US" sz="1100">
+                <a:solidFill>
+                  <a:srgbClr val="0070C0"/>
+                </a:solidFill>
+                <a:latin typeface="+mn-ea"/>
+              </a:rPr>
+              <a:t>서버 트랜잭션</a:t>
+            </a:r>
+            <a:r>
+              <a:rPr lang="ko-KR" altLang="en-US" sz="1100"/>
+              <a:t>이 발견되면 요청은 해당 트랜잭션으로 전달</a:t>
+            </a:r>
+            <a:endParaRPr lang="en-US" altLang="ko-KR" sz="1100"/>
+          </a:p>
+          <a:p>
+            <a:pPr marL="628650" lvl="1" indent="-171450">
+              <a:lnSpc>
+                <a:spcPct val="200000"/>
+              </a:lnSpc>
+              <a:buFont typeface="Arial" panose="020B0604020202020204" pitchFamily="34" charset="0"/>
+              <a:buChar char="•"/>
+            </a:pPr>
+            <a:r>
+              <a:rPr lang="ko-KR" altLang="en-US" sz="1100"/>
+              <a:t>그렇지 않으면 요청이 </a:t>
+            </a:r>
+            <a:r>
+              <a:rPr lang="en-US" altLang="ko-KR" sz="1100"/>
+              <a:t>core </a:t>
+            </a:r>
+            <a:r>
+              <a:rPr lang="ko-KR" altLang="en-US" sz="1100"/>
+              <a:t>로 전달되며</a:t>
+            </a:r>
+            <a:r>
+              <a:rPr lang="en-US" altLang="ko-KR" sz="1100"/>
+              <a:t>, core </a:t>
+            </a:r>
+            <a:r>
+              <a:rPr lang="ko-KR" altLang="en-US" sz="1100"/>
+              <a:t>는 해당 요청에 대해 새 서버 트랜잭션을 구성</a:t>
+            </a:r>
+            <a:endParaRPr lang="en-US" altLang="ko-KR" sz="1100"/>
+          </a:p>
+          <a:p>
+            <a:pPr marL="628650" lvl="1" indent="-171450">
+              <a:lnSpc>
+                <a:spcPct val="200000"/>
+              </a:lnSpc>
+              <a:buFont typeface="Arial" panose="020B0604020202020204" pitchFamily="34" charset="0"/>
+              <a:buChar char="•"/>
+            </a:pPr>
+            <a:r>
+              <a:rPr lang="en-US" altLang="ko-KR" sz="1100"/>
+              <a:t>UAS core </a:t>
+            </a:r>
+            <a:r>
+              <a:rPr lang="ko-KR" altLang="en-US" sz="1100"/>
+              <a:t>가 </a:t>
+            </a:r>
+            <a:r>
+              <a:rPr lang="en-US" altLang="ko-KR" sz="1100" b="1"/>
+              <a:t>INVITE</a:t>
+            </a:r>
+            <a:r>
+              <a:rPr lang="en-US" altLang="ko-KR" sz="1100"/>
+              <a:t> </a:t>
+            </a:r>
+            <a:r>
+              <a:rPr lang="ko-KR" altLang="en-US" sz="1100"/>
+              <a:t>에 </a:t>
+            </a:r>
+            <a:r>
+              <a:rPr lang="en-US" altLang="ko-KR" sz="1100" b="1"/>
+              <a:t>2xx</a:t>
+            </a:r>
+            <a:r>
+              <a:rPr lang="ko-KR" altLang="en-US" sz="1100"/>
+              <a:t> 응답을 보내면 </a:t>
+            </a:r>
+            <a:r>
+              <a:rPr lang="ko-KR" altLang="en-US" sz="1100">
+                <a:solidFill>
+                  <a:srgbClr val="0070C0"/>
+                </a:solidFill>
+              </a:rPr>
+              <a:t>서버 트랜잭션</a:t>
+            </a:r>
+            <a:r>
+              <a:rPr lang="ko-KR" altLang="en-US" sz="1100"/>
+              <a:t>이 삭제되므로</a:t>
+            </a:r>
+            <a:r>
+              <a:rPr lang="en-US" altLang="ko-KR" sz="1100"/>
+              <a:t>,</a:t>
+            </a:r>
+            <a:r>
+              <a:rPr lang="ko-KR" altLang="en-US" sz="1100"/>
+              <a:t> </a:t>
+            </a:r>
+            <a:r>
+              <a:rPr lang="en-US" altLang="ko-KR" sz="1100" b="1"/>
+              <a:t>ACK</a:t>
+            </a:r>
+            <a:r>
+              <a:rPr lang="en-US" altLang="ko-KR" sz="1100"/>
+              <a:t> </a:t>
+            </a:r>
+            <a:r>
+              <a:rPr lang="ko-KR" altLang="en-US" sz="1100"/>
+              <a:t>가 도착하면</a:t>
+            </a:r>
+            <a:br>
+              <a:rPr lang="en-US" altLang="ko-KR" sz="1100"/>
+            </a:br>
+            <a:r>
+              <a:rPr lang="ko-KR" altLang="en-US" sz="1100"/>
+              <a:t>일치하는 트랜잭션이 없으므로 </a:t>
+            </a:r>
+            <a:r>
+              <a:rPr lang="en-US" altLang="ko-KR" sz="1100"/>
+              <a:t>UAS core </a:t>
+            </a:r>
+            <a:r>
+              <a:rPr lang="ko-KR" altLang="en-US" sz="1100"/>
+              <a:t>로 전달되어 처리</a:t>
+            </a:r>
+            <a:endParaRPr lang="en-US" altLang="ko-KR" sz="1100"/>
+          </a:p>
+        </p:txBody>
+      </p:sp>
+      <p:sp>
+        <p:nvSpPr>
+          <p:cNvPr id="4" name="직사각형 3">
+            <a:extLst>
+              <a:ext uri="{FF2B5EF4-FFF2-40B4-BE49-F238E27FC236}">
+                <a16:creationId xmlns:a16="http://schemas.microsoft.com/office/drawing/2014/main" id="{BD0CA118-FBAE-4DB3-81B1-5D0436EC897F}"/>
+              </a:ext>
+            </a:extLst>
+          </p:cNvPr>
+          <p:cNvSpPr/>
+          <p:nvPr/>
+        </p:nvSpPr>
+        <p:spPr>
+          <a:xfrm>
+            <a:off x="8789377" y="3030415"/>
+            <a:ext cx="2385646" cy="973016"/>
+          </a:xfrm>
+          <a:prstGeom prst="rect">
+            <a:avLst/>
+          </a:prstGeom>
+          <a:solidFill>
+            <a:srgbClr val="B298F2"/>
+          </a:solidFill>
+          <a:ln>
+            <a:solidFill>
+              <a:schemeClr val="tx1"/>
+            </a:solidFill>
+          </a:ln>
+        </p:spPr>
+        <p:style>
+          <a:lnRef idx="2">
+            <a:schemeClr val="accent1">
+              <a:shade val="50000"/>
+            </a:schemeClr>
+          </a:lnRef>
+          <a:fillRef idx="1">
+            <a:schemeClr val="accent1"/>
+          </a:fillRef>
+          <a:effectRef idx="0">
+            <a:schemeClr val="accent1"/>
+          </a:effectRef>
+          <a:fontRef idx="minor">
+            <a:schemeClr val="lt1"/>
+          </a:fontRef>
+        </p:style>
+        <p:txBody>
+          <a:bodyPr rtlCol="0" anchor="ctr"/>
+          <a:lstStyle/>
+          <a:p>
+            <a:pPr algn="ctr"/>
+            <a:endParaRPr lang="ko-KR" altLang="en-US"/>
+          </a:p>
+        </p:txBody>
+      </p:sp>
+      <p:sp>
+        <p:nvSpPr>
+          <p:cNvPr id="5" name="직사각형 4">
+            <a:extLst>
+              <a:ext uri="{FF2B5EF4-FFF2-40B4-BE49-F238E27FC236}">
+                <a16:creationId xmlns:a16="http://schemas.microsoft.com/office/drawing/2014/main" id="{E2B1FA27-5F58-47E6-AA65-F67F41A7969B}"/>
+              </a:ext>
+            </a:extLst>
+          </p:cNvPr>
+          <p:cNvSpPr/>
+          <p:nvPr/>
+        </p:nvSpPr>
+        <p:spPr>
+          <a:xfrm>
+            <a:off x="8889023" y="3165231"/>
+            <a:ext cx="1043354" cy="715108"/>
+          </a:xfrm>
+          <a:prstGeom prst="rect">
+            <a:avLst/>
+          </a:prstGeom>
+          <a:solidFill>
+            <a:schemeClr val="bg1"/>
+          </a:solidFill>
+          <a:ln w="12700">
+            <a:solidFill>
+              <a:schemeClr val="bg1">
+                <a:lumMod val="50000"/>
+              </a:schemeClr>
+            </a:solidFill>
+          </a:ln>
+        </p:spPr>
+        <p:style>
+          <a:lnRef idx="2">
+            <a:schemeClr val="accent1">
+              <a:shade val="50000"/>
+            </a:schemeClr>
+          </a:lnRef>
+          <a:fillRef idx="1">
+            <a:schemeClr val="accent1"/>
+          </a:fillRef>
+          <a:effectRef idx="0">
+            <a:schemeClr val="accent1"/>
+          </a:effectRef>
+          <a:fontRef idx="minor">
+            <a:schemeClr val="lt1"/>
+          </a:fontRef>
+        </p:style>
+        <p:txBody>
+          <a:bodyPr rtlCol="0" anchor="ctr"/>
+          <a:lstStyle/>
+          <a:p>
+            <a:pPr algn="ctr"/>
+            <a:r>
+              <a:rPr lang="en-US" altLang="ko-KR" sz="1200" b="1">
+                <a:solidFill>
+                  <a:schemeClr val="bg1">
+                    <a:lumMod val="75000"/>
+                  </a:schemeClr>
+                </a:solidFill>
+              </a:rPr>
+              <a:t>Client</a:t>
+            </a:r>
+          </a:p>
+          <a:p>
+            <a:pPr algn="ctr"/>
+            <a:r>
+              <a:rPr lang="en-US" altLang="ko-KR" sz="1200" b="1">
+                <a:solidFill>
+                  <a:schemeClr val="bg1">
+                    <a:lumMod val="75000"/>
+                  </a:schemeClr>
+                </a:solidFill>
+              </a:rPr>
+              <a:t>Transport</a:t>
+            </a:r>
+            <a:endParaRPr lang="ko-KR" altLang="en-US" sz="1200" b="1">
+              <a:solidFill>
+                <a:schemeClr val="bg1">
+                  <a:lumMod val="75000"/>
+                </a:schemeClr>
+              </a:solidFill>
+            </a:endParaRPr>
+          </a:p>
+        </p:txBody>
+      </p:sp>
+      <p:sp>
+        <p:nvSpPr>
+          <p:cNvPr id="7" name="직사각형 6">
+            <a:extLst>
+              <a:ext uri="{FF2B5EF4-FFF2-40B4-BE49-F238E27FC236}">
+                <a16:creationId xmlns:a16="http://schemas.microsoft.com/office/drawing/2014/main" id="{7EA8AA59-BDDB-4106-93EA-B2F6FCEDFA73}"/>
+              </a:ext>
+            </a:extLst>
+          </p:cNvPr>
+          <p:cNvSpPr/>
+          <p:nvPr/>
+        </p:nvSpPr>
+        <p:spPr>
+          <a:xfrm>
+            <a:off x="10032023" y="3159369"/>
+            <a:ext cx="1043354" cy="715108"/>
+          </a:xfrm>
+          <a:prstGeom prst="rect">
+            <a:avLst/>
+          </a:prstGeom>
+          <a:solidFill>
+            <a:schemeClr val="bg1"/>
+          </a:solidFill>
+          <a:ln w="19050">
+            <a:solidFill>
+              <a:srgbClr val="CC0099"/>
+            </a:solidFill>
+          </a:ln>
+        </p:spPr>
+        <p:style>
+          <a:lnRef idx="2">
+            <a:schemeClr val="accent1">
+              <a:shade val="50000"/>
+            </a:schemeClr>
+          </a:lnRef>
+          <a:fillRef idx="1">
+            <a:schemeClr val="accent1"/>
+          </a:fillRef>
+          <a:effectRef idx="0">
+            <a:schemeClr val="accent1"/>
+          </a:effectRef>
+          <a:fontRef idx="minor">
+            <a:schemeClr val="lt1"/>
+          </a:fontRef>
+        </p:style>
+        <p:txBody>
+          <a:bodyPr rtlCol="0" anchor="ctr"/>
+          <a:lstStyle/>
+          <a:p>
+            <a:pPr algn="ctr"/>
+            <a:r>
+              <a:rPr lang="en-US" altLang="ko-KR" sz="1200" b="1">
+                <a:solidFill>
+                  <a:srgbClr val="CC0099"/>
+                </a:solidFill>
+              </a:rPr>
+              <a:t>Server</a:t>
+            </a:r>
+          </a:p>
+          <a:p>
+            <a:pPr algn="ctr"/>
+            <a:r>
+              <a:rPr lang="en-US" altLang="ko-KR" sz="1200" b="1">
+                <a:solidFill>
+                  <a:srgbClr val="CC0099"/>
+                </a:solidFill>
+              </a:rPr>
+              <a:t>Transport</a:t>
+            </a:r>
+          </a:p>
+        </p:txBody>
+      </p:sp>
+      <p:sp>
+        <p:nvSpPr>
+          <p:cNvPr id="19" name="직사각형 18">
+            <a:extLst>
+              <a:ext uri="{FF2B5EF4-FFF2-40B4-BE49-F238E27FC236}">
+                <a16:creationId xmlns:a16="http://schemas.microsoft.com/office/drawing/2014/main" id="{B0D4E687-745D-4B8C-ACA7-1932FE2C11A0}"/>
+              </a:ext>
+            </a:extLst>
+          </p:cNvPr>
+          <p:cNvSpPr/>
+          <p:nvPr/>
+        </p:nvSpPr>
+        <p:spPr>
+          <a:xfrm>
+            <a:off x="8789377" y="1414559"/>
+            <a:ext cx="2385646" cy="973016"/>
+          </a:xfrm>
+          <a:prstGeom prst="rect">
+            <a:avLst/>
+          </a:prstGeom>
+          <a:solidFill>
+            <a:srgbClr val="89A3F7"/>
+          </a:solidFill>
+          <a:ln>
+            <a:solidFill>
+              <a:schemeClr val="tx1"/>
+            </a:solidFill>
+          </a:ln>
+        </p:spPr>
+        <p:style>
+          <a:lnRef idx="2">
+            <a:schemeClr val="accent1">
+              <a:shade val="50000"/>
+            </a:schemeClr>
+          </a:lnRef>
+          <a:fillRef idx="1">
+            <a:schemeClr val="accent1"/>
+          </a:fillRef>
+          <a:effectRef idx="0">
+            <a:schemeClr val="accent1"/>
+          </a:effectRef>
+          <a:fontRef idx="minor">
+            <a:schemeClr val="lt1"/>
+          </a:fontRef>
+        </p:style>
+        <p:txBody>
+          <a:bodyPr rtlCol="0" anchor="ctr"/>
+          <a:lstStyle/>
+          <a:p>
+            <a:pPr algn="ctr"/>
+            <a:endParaRPr lang="ko-KR" altLang="en-US"/>
+          </a:p>
+        </p:txBody>
+      </p:sp>
+      <p:cxnSp>
+        <p:nvCxnSpPr>
+          <p:cNvPr id="9" name="직선 화살표 연결선 8">
+            <a:extLst>
+              <a:ext uri="{FF2B5EF4-FFF2-40B4-BE49-F238E27FC236}">
+                <a16:creationId xmlns:a16="http://schemas.microsoft.com/office/drawing/2014/main" id="{495703D2-5576-42F6-93CB-26132602DDDF}"/>
+              </a:ext>
+            </a:extLst>
+          </p:cNvPr>
+          <p:cNvCxnSpPr>
+            <a:cxnSpLocks/>
+            <a:stCxn id="20" idx="2"/>
+          </p:cNvCxnSpPr>
+          <p:nvPr/>
+        </p:nvCxnSpPr>
+        <p:spPr>
+          <a:xfrm>
+            <a:off x="10557974" y="2258621"/>
+            <a:ext cx="0" cy="900748"/>
+          </a:xfrm>
+          <a:prstGeom prst="straightConnector1">
+            <a:avLst/>
+          </a:prstGeom>
+          <a:ln w="12700">
+            <a:solidFill>
+              <a:srgbClr val="FF0000"/>
+            </a:solidFill>
+            <a:headEnd type="triangle"/>
+            <a:tailEnd type="none"/>
+          </a:ln>
+        </p:spPr>
+        <p:style>
+          <a:lnRef idx="1">
+            <a:schemeClr val="accent1"/>
+          </a:lnRef>
+          <a:fillRef idx="0">
+            <a:schemeClr val="accent1"/>
+          </a:fillRef>
+          <a:effectRef idx="0">
+            <a:schemeClr val="accent1"/>
+          </a:effectRef>
+          <a:fontRef idx="minor">
+            <a:schemeClr val="tx1"/>
+          </a:fontRef>
+        </p:style>
+      </p:cxnSp>
+      <p:sp>
+        <p:nvSpPr>
+          <p:cNvPr id="10" name="TextBox 9">
+            <a:extLst>
+              <a:ext uri="{FF2B5EF4-FFF2-40B4-BE49-F238E27FC236}">
+                <a16:creationId xmlns:a16="http://schemas.microsoft.com/office/drawing/2014/main" id="{1C076903-653A-409A-A0E5-FB594C4F2997}"/>
+              </a:ext>
+            </a:extLst>
+          </p:cNvPr>
+          <p:cNvSpPr txBox="1"/>
+          <p:nvPr/>
+        </p:nvSpPr>
+        <p:spPr>
+          <a:xfrm>
+            <a:off x="9948611" y="2593579"/>
+            <a:ext cx="604653" cy="230832"/>
+          </a:xfrm>
+          <a:prstGeom prst="rect">
+            <a:avLst/>
+          </a:prstGeom>
+          <a:noFill/>
+        </p:spPr>
+        <p:txBody>
+          <a:bodyPr wrap="none" rtlCol="0">
+            <a:spAutoFit/>
+          </a:bodyPr>
+          <a:lstStyle/>
+          <a:p>
+            <a:r>
+              <a:rPr lang="en-US" altLang="ko-KR" sz="900"/>
+              <a:t>Request</a:t>
+            </a:r>
+          </a:p>
+        </p:txBody>
+      </p:sp>
+      <p:cxnSp>
+        <p:nvCxnSpPr>
+          <p:cNvPr id="12" name="직선 화살표 연결선 11">
+            <a:extLst>
+              <a:ext uri="{FF2B5EF4-FFF2-40B4-BE49-F238E27FC236}">
+                <a16:creationId xmlns:a16="http://schemas.microsoft.com/office/drawing/2014/main" id="{61ACD8B9-CEF4-4ECF-9588-AF4EAD3E1BD9}"/>
+              </a:ext>
+            </a:extLst>
+          </p:cNvPr>
+          <p:cNvCxnSpPr>
+            <a:cxnSpLocks/>
+          </p:cNvCxnSpPr>
+          <p:nvPr/>
+        </p:nvCxnSpPr>
+        <p:spPr>
+          <a:xfrm>
+            <a:off x="10549423" y="3880339"/>
+            <a:ext cx="0" cy="636978"/>
+          </a:xfrm>
+          <a:prstGeom prst="straightConnector1">
+            <a:avLst/>
+          </a:prstGeom>
+          <a:ln w="12700">
+            <a:solidFill>
+              <a:srgbClr val="FF0000"/>
+            </a:solidFill>
+            <a:headEnd type="triangle"/>
+            <a:tailEnd type="none"/>
+          </a:ln>
+        </p:spPr>
+        <p:style>
+          <a:lnRef idx="1">
+            <a:schemeClr val="accent1"/>
+          </a:lnRef>
+          <a:fillRef idx="0">
+            <a:schemeClr val="accent1"/>
+          </a:fillRef>
+          <a:effectRef idx="0">
+            <a:schemeClr val="accent1"/>
+          </a:effectRef>
+          <a:fontRef idx="minor">
+            <a:schemeClr val="tx1"/>
+          </a:fontRef>
+        </p:style>
+      </p:cxnSp>
+      <p:sp>
+        <p:nvSpPr>
+          <p:cNvPr id="13" name="TextBox 12">
+            <a:extLst>
+              <a:ext uri="{FF2B5EF4-FFF2-40B4-BE49-F238E27FC236}">
+                <a16:creationId xmlns:a16="http://schemas.microsoft.com/office/drawing/2014/main" id="{0257DCB8-2575-4846-A923-652F6D5208E3}"/>
+              </a:ext>
+            </a:extLst>
+          </p:cNvPr>
+          <p:cNvSpPr txBox="1"/>
+          <p:nvPr/>
+        </p:nvSpPr>
+        <p:spPr>
+          <a:xfrm>
+            <a:off x="9967212" y="4144958"/>
+            <a:ext cx="582211" cy="230832"/>
+          </a:xfrm>
+          <a:prstGeom prst="rect">
+            <a:avLst/>
+          </a:prstGeom>
+          <a:noFill/>
+        </p:spPr>
+        <p:txBody>
+          <a:bodyPr wrap="none" rtlCol="0">
+            <a:spAutoFit/>
+          </a:bodyPr>
+          <a:lstStyle/>
+          <a:p>
+            <a:r>
+              <a:rPr lang="en-US" altLang="ko-KR" sz="900"/>
+              <a:t>Receive</a:t>
+            </a:r>
+          </a:p>
+        </p:txBody>
+      </p:sp>
+      <p:sp>
+        <p:nvSpPr>
+          <p:cNvPr id="20" name="직사각형 19">
+            <a:extLst>
+              <a:ext uri="{FF2B5EF4-FFF2-40B4-BE49-F238E27FC236}">
+                <a16:creationId xmlns:a16="http://schemas.microsoft.com/office/drawing/2014/main" id="{45827712-E300-438A-AF60-D3AB6FC8E84C}"/>
+              </a:ext>
+            </a:extLst>
+          </p:cNvPr>
+          <p:cNvSpPr/>
+          <p:nvPr/>
+        </p:nvSpPr>
+        <p:spPr>
+          <a:xfrm>
+            <a:off x="10036297" y="1543513"/>
+            <a:ext cx="1043354" cy="715108"/>
+          </a:xfrm>
+          <a:prstGeom prst="rect">
+            <a:avLst/>
+          </a:prstGeom>
+          <a:solidFill>
+            <a:schemeClr val="bg1"/>
+          </a:solidFill>
+          <a:ln w="19050">
+            <a:solidFill>
+              <a:srgbClr val="0070C0"/>
+            </a:solidFill>
+          </a:ln>
+        </p:spPr>
+        <p:style>
+          <a:lnRef idx="2">
+            <a:schemeClr val="accent1">
+              <a:shade val="50000"/>
+            </a:schemeClr>
+          </a:lnRef>
+          <a:fillRef idx="1">
+            <a:schemeClr val="accent1"/>
+          </a:fillRef>
+          <a:effectRef idx="0">
+            <a:schemeClr val="accent1"/>
+          </a:effectRef>
+          <a:fontRef idx="minor">
+            <a:schemeClr val="lt1"/>
+          </a:fontRef>
+        </p:style>
+        <p:txBody>
+          <a:bodyPr rtlCol="0" anchor="ctr"/>
+          <a:lstStyle/>
+          <a:p>
+            <a:pPr algn="ctr"/>
+            <a:r>
+              <a:rPr lang="en-US" altLang="ko-KR" sz="1200" b="1">
+                <a:solidFill>
+                  <a:srgbClr val="0070C0"/>
+                </a:solidFill>
+              </a:rPr>
+              <a:t>Server</a:t>
+            </a:r>
+          </a:p>
+          <a:p>
+            <a:pPr algn="ctr"/>
+            <a:r>
+              <a:rPr lang="en-US" altLang="ko-KR" sz="1200" b="1">
+                <a:solidFill>
+                  <a:srgbClr val="0070C0"/>
+                </a:solidFill>
+              </a:rPr>
+              <a:t>Transaction</a:t>
+            </a:r>
+            <a:endParaRPr lang="ko-KR" altLang="en-US" sz="1200" b="1">
+              <a:solidFill>
+                <a:srgbClr val="0070C0"/>
+              </a:solidFill>
+            </a:endParaRPr>
+          </a:p>
+        </p:txBody>
+      </p:sp>
+      <p:cxnSp>
+        <p:nvCxnSpPr>
+          <p:cNvPr id="22" name="직선 화살표 연결선 21">
+            <a:extLst>
+              <a:ext uri="{FF2B5EF4-FFF2-40B4-BE49-F238E27FC236}">
+                <a16:creationId xmlns:a16="http://schemas.microsoft.com/office/drawing/2014/main" id="{8779F524-72AE-479B-A319-F2A8B83ABD83}"/>
+              </a:ext>
+            </a:extLst>
+          </p:cNvPr>
+          <p:cNvCxnSpPr>
+            <a:cxnSpLocks/>
+            <a:endCxn id="20" idx="0"/>
+          </p:cNvCxnSpPr>
+          <p:nvPr/>
+        </p:nvCxnSpPr>
+        <p:spPr>
+          <a:xfrm>
+            <a:off x="10557974" y="1126651"/>
+            <a:ext cx="0" cy="416862"/>
+          </a:xfrm>
+          <a:prstGeom prst="straightConnector1">
+            <a:avLst/>
+          </a:prstGeom>
+          <a:ln w="12700">
+            <a:solidFill>
+              <a:srgbClr val="FF0000"/>
+            </a:solidFill>
+            <a:headEnd type="triangle"/>
+            <a:tailEnd type="none"/>
+          </a:ln>
+        </p:spPr>
+        <p:style>
+          <a:lnRef idx="1">
+            <a:schemeClr val="accent1"/>
+          </a:lnRef>
+          <a:fillRef idx="0">
+            <a:schemeClr val="accent1"/>
+          </a:fillRef>
+          <a:effectRef idx="0">
+            <a:schemeClr val="accent1"/>
+          </a:effectRef>
+          <a:fontRef idx="minor">
+            <a:schemeClr val="tx1"/>
+          </a:fontRef>
+        </p:style>
+      </p:cxnSp>
+      <p:sp>
+        <p:nvSpPr>
+          <p:cNvPr id="24" name="TextBox 23">
+            <a:extLst>
+              <a:ext uri="{FF2B5EF4-FFF2-40B4-BE49-F238E27FC236}">
+                <a16:creationId xmlns:a16="http://schemas.microsoft.com/office/drawing/2014/main" id="{640F84F8-8B8C-409C-86CB-B3A945CD632A}"/>
+              </a:ext>
+            </a:extLst>
+          </p:cNvPr>
+          <p:cNvSpPr txBox="1"/>
+          <p:nvPr/>
+        </p:nvSpPr>
+        <p:spPr>
+          <a:xfrm>
+            <a:off x="10266868" y="906050"/>
+            <a:ext cx="582211" cy="246221"/>
+          </a:xfrm>
+          <a:prstGeom prst="rect">
+            <a:avLst/>
+          </a:prstGeom>
+          <a:noFill/>
+        </p:spPr>
+        <p:txBody>
+          <a:bodyPr wrap="none" rtlCol="0">
+            <a:spAutoFit/>
+          </a:bodyPr>
+          <a:lstStyle/>
+          <a:p>
+            <a:r>
+              <a:rPr lang="en-US" altLang="ko-KR" sz="1000" b="1">
+                <a:solidFill>
+                  <a:srgbClr val="FF0000"/>
+                </a:solidFill>
+              </a:rPr>
+              <a:t>INVITE</a:t>
+            </a:r>
+          </a:p>
+        </p:txBody>
+      </p:sp>
+      <p:grpSp>
+        <p:nvGrpSpPr>
+          <p:cNvPr id="35" name="그룹 34">
+            <a:extLst>
+              <a:ext uri="{FF2B5EF4-FFF2-40B4-BE49-F238E27FC236}">
+                <a16:creationId xmlns:a16="http://schemas.microsoft.com/office/drawing/2014/main" id="{FA269D3F-1171-496C-A7B9-396E0ACC59FD}"/>
+              </a:ext>
+            </a:extLst>
+          </p:cNvPr>
+          <p:cNvGrpSpPr/>
+          <p:nvPr/>
+        </p:nvGrpSpPr>
+        <p:grpSpPr>
+          <a:xfrm>
+            <a:off x="8789377" y="4517317"/>
+            <a:ext cx="2385646" cy="973016"/>
+            <a:chOff x="8339802" y="4501662"/>
+            <a:chExt cx="2385646" cy="973016"/>
+          </a:xfrm>
+        </p:grpSpPr>
+        <p:sp>
+          <p:nvSpPr>
+            <p:cNvPr id="26" name="직사각형 25">
+              <a:extLst>
+                <a:ext uri="{FF2B5EF4-FFF2-40B4-BE49-F238E27FC236}">
+                  <a16:creationId xmlns:a16="http://schemas.microsoft.com/office/drawing/2014/main" id="{D0269D9B-D12B-4BE0-9AD9-B6F6C63DC0FE}"/>
+                </a:ext>
+              </a:extLst>
+            </p:cNvPr>
+            <p:cNvSpPr/>
+            <p:nvPr/>
+          </p:nvSpPr>
+          <p:spPr>
+            <a:xfrm>
+              <a:off x="8339802" y="4501662"/>
+              <a:ext cx="2385646" cy="973016"/>
+            </a:xfrm>
+            <a:prstGeom prst="rect">
+              <a:avLst/>
+            </a:prstGeom>
+            <a:solidFill>
+              <a:schemeClr val="bg2"/>
+            </a:solidFill>
+            <a:ln>
+              <a:solidFill>
+                <a:schemeClr val="tx1"/>
+              </a:solidFill>
+            </a:ln>
+          </p:spPr>
+          <p:style>
+            <a:lnRef idx="2">
+              <a:schemeClr val="accent1">
+                <a:shade val="50000"/>
+              </a:schemeClr>
+            </a:lnRef>
+            <a:fillRef idx="1">
+              <a:schemeClr val="accent1"/>
+            </a:fillRef>
+            <a:effectRef idx="0">
+              <a:schemeClr val="accent1"/>
+            </a:effectRef>
+            <a:fontRef idx="minor">
+              <a:schemeClr val="lt1"/>
+            </a:fontRef>
+          </p:style>
+          <p:txBody>
+            <a:bodyPr rtlCol="0" anchor="ctr"/>
+            <a:lstStyle/>
+            <a:p>
+              <a:pPr algn="ctr"/>
+              <a:endParaRPr lang="ko-KR" altLang="en-US"/>
+            </a:p>
+          </p:txBody>
+        </p:sp>
+        <p:grpSp>
+          <p:nvGrpSpPr>
+            <p:cNvPr id="25" name="그룹 24">
+              <a:extLst>
+                <a:ext uri="{FF2B5EF4-FFF2-40B4-BE49-F238E27FC236}">
+                  <a16:creationId xmlns:a16="http://schemas.microsoft.com/office/drawing/2014/main" id="{B026AB7A-5757-4823-8218-B626EBEB8F42}"/>
+                </a:ext>
+              </a:extLst>
+            </p:cNvPr>
+            <p:cNvGrpSpPr/>
+            <p:nvPr/>
+          </p:nvGrpSpPr>
+          <p:grpSpPr>
+            <a:xfrm>
+              <a:off x="8557167" y="4674044"/>
+              <a:ext cx="1881185" cy="692717"/>
+              <a:chOff x="8557167" y="4674044"/>
+              <a:chExt cx="1881185" cy="692717"/>
+            </a:xfrm>
+          </p:grpSpPr>
+          <p:sp>
+            <p:nvSpPr>
+              <p:cNvPr id="27" name="TextBox 26">
+                <a:extLst>
+                  <a:ext uri="{FF2B5EF4-FFF2-40B4-BE49-F238E27FC236}">
+                    <a16:creationId xmlns:a16="http://schemas.microsoft.com/office/drawing/2014/main" id="{6F5B241E-B170-4D86-A508-6FE797B27CFE}"/>
+                  </a:ext>
+                </a:extLst>
+              </p:cNvPr>
+              <p:cNvSpPr txBox="1"/>
+              <p:nvPr/>
+            </p:nvSpPr>
+            <p:spPr>
+              <a:xfrm>
+                <a:off x="8969676" y="4674044"/>
+                <a:ext cx="425597" cy="230832"/>
+              </a:xfrm>
+              <a:prstGeom prst="rect">
+                <a:avLst/>
+              </a:prstGeom>
+              <a:solidFill>
+                <a:schemeClr val="bg1"/>
+              </a:solidFill>
+              <a:ln>
+                <a:solidFill>
+                  <a:schemeClr val="tx1"/>
+                </a:solidFill>
+              </a:ln>
+            </p:spPr>
+            <p:txBody>
+              <a:bodyPr wrap="square" rtlCol="0">
+                <a:spAutoFit/>
+              </a:bodyPr>
+              <a:lstStyle/>
+              <a:p>
+                <a:pPr algn="ctr"/>
+                <a:r>
+                  <a:rPr lang="en-US" altLang="ko-KR" sz="900"/>
+                  <a:t>TLS</a:t>
+                </a:r>
+              </a:p>
+            </p:txBody>
+          </p:sp>
+          <p:sp>
+            <p:nvSpPr>
+              <p:cNvPr id="28" name="TextBox 27">
+                <a:extLst>
+                  <a:ext uri="{FF2B5EF4-FFF2-40B4-BE49-F238E27FC236}">
+                    <a16:creationId xmlns:a16="http://schemas.microsoft.com/office/drawing/2014/main" id="{569D8EA4-C41A-483A-AB54-FE10AB46C472}"/>
+                  </a:ext>
+                </a:extLst>
+              </p:cNvPr>
+              <p:cNvSpPr txBox="1"/>
+              <p:nvPr/>
+            </p:nvSpPr>
+            <p:spPr>
+              <a:xfrm>
+                <a:off x="9911604" y="4674044"/>
+                <a:ext cx="526748" cy="230832"/>
+              </a:xfrm>
+              <a:prstGeom prst="rect">
+                <a:avLst/>
+              </a:prstGeom>
+              <a:solidFill>
+                <a:schemeClr val="bg1"/>
+              </a:solidFill>
+              <a:ln>
+                <a:solidFill>
+                  <a:schemeClr val="tx1"/>
+                </a:solidFill>
+              </a:ln>
+            </p:spPr>
+            <p:txBody>
+              <a:bodyPr wrap="square" rtlCol="0">
+                <a:spAutoFit/>
+              </a:bodyPr>
+              <a:lstStyle/>
+              <a:p>
+                <a:pPr algn="ctr"/>
+                <a:r>
+                  <a:rPr lang="en-US" altLang="ko-KR" sz="900"/>
+                  <a:t>RTP</a:t>
+                </a:r>
+              </a:p>
+            </p:txBody>
+          </p:sp>
+          <p:sp>
+            <p:nvSpPr>
+              <p:cNvPr id="29" name="TextBox 28">
+                <a:extLst>
+                  <a:ext uri="{FF2B5EF4-FFF2-40B4-BE49-F238E27FC236}">
+                    <a16:creationId xmlns:a16="http://schemas.microsoft.com/office/drawing/2014/main" id="{8AEABDC9-01BB-4B28-9F73-8EAA3ED1AC90}"/>
+                  </a:ext>
+                </a:extLst>
+              </p:cNvPr>
+              <p:cNvSpPr txBox="1"/>
+              <p:nvPr/>
+            </p:nvSpPr>
+            <p:spPr>
+              <a:xfrm>
+                <a:off x="8557167" y="4905097"/>
+                <a:ext cx="690630" cy="230832"/>
+              </a:xfrm>
+              <a:prstGeom prst="rect">
+                <a:avLst/>
+              </a:prstGeom>
+              <a:solidFill>
+                <a:schemeClr val="bg1"/>
+              </a:solidFill>
+              <a:ln>
+                <a:solidFill>
+                  <a:schemeClr val="tx1"/>
+                </a:solidFill>
+              </a:ln>
+            </p:spPr>
+            <p:txBody>
+              <a:bodyPr wrap="square" rtlCol="0">
+                <a:spAutoFit/>
+              </a:bodyPr>
+              <a:lstStyle/>
+              <a:p>
+                <a:pPr algn="ctr"/>
+                <a:r>
+                  <a:rPr lang="en-US" altLang="ko-KR" sz="900"/>
+                  <a:t>TCP</a:t>
+                </a:r>
+              </a:p>
+            </p:txBody>
+          </p:sp>
+          <p:sp>
+            <p:nvSpPr>
+              <p:cNvPr id="30" name="TextBox 29">
+                <a:extLst>
+                  <a:ext uri="{FF2B5EF4-FFF2-40B4-BE49-F238E27FC236}">
+                    <a16:creationId xmlns:a16="http://schemas.microsoft.com/office/drawing/2014/main" id="{3AE6D095-2AE9-41B3-A736-BD0538C129C3}"/>
+                  </a:ext>
+                </a:extLst>
+              </p:cNvPr>
+              <p:cNvSpPr txBox="1"/>
+              <p:nvPr/>
+            </p:nvSpPr>
+            <p:spPr>
+              <a:xfrm>
+                <a:off x="9247802" y="4905097"/>
+                <a:ext cx="470000" cy="230832"/>
+              </a:xfrm>
+              <a:prstGeom prst="rect">
+                <a:avLst/>
+              </a:prstGeom>
+              <a:solidFill>
+                <a:schemeClr val="bg1"/>
+              </a:solidFill>
+              <a:ln>
+                <a:solidFill>
+                  <a:schemeClr val="tx1"/>
+                </a:solidFill>
+              </a:ln>
+            </p:spPr>
+            <p:txBody>
+              <a:bodyPr wrap="none" rtlCol="0">
+                <a:spAutoFit/>
+              </a:bodyPr>
+              <a:lstStyle/>
+              <a:p>
+                <a:pPr algn="ctr"/>
+                <a:r>
+                  <a:rPr lang="en-US" altLang="ko-KR" sz="900"/>
+                  <a:t>SCTP</a:t>
+                </a:r>
+              </a:p>
+            </p:txBody>
+          </p:sp>
+          <p:sp>
+            <p:nvSpPr>
+              <p:cNvPr id="32" name="TextBox 31">
+                <a:extLst>
+                  <a:ext uri="{FF2B5EF4-FFF2-40B4-BE49-F238E27FC236}">
+                    <a16:creationId xmlns:a16="http://schemas.microsoft.com/office/drawing/2014/main" id="{F01F5002-8D58-4619-9021-EEEE8201399C}"/>
+                  </a:ext>
+                </a:extLst>
+              </p:cNvPr>
+              <p:cNvSpPr txBox="1"/>
+              <p:nvPr/>
+            </p:nvSpPr>
+            <p:spPr>
+              <a:xfrm>
+                <a:off x="9717802" y="4905097"/>
+                <a:ext cx="720550" cy="230832"/>
+              </a:xfrm>
+              <a:prstGeom prst="rect">
+                <a:avLst/>
+              </a:prstGeom>
+              <a:solidFill>
+                <a:schemeClr val="bg1"/>
+              </a:solidFill>
+              <a:ln>
+                <a:solidFill>
+                  <a:schemeClr val="tx1"/>
+                </a:solidFill>
+              </a:ln>
+            </p:spPr>
+            <p:txBody>
+              <a:bodyPr wrap="square" rtlCol="0">
+                <a:spAutoFit/>
+              </a:bodyPr>
+              <a:lstStyle/>
+              <a:p>
+                <a:pPr algn="ctr"/>
+                <a:r>
+                  <a:rPr lang="en-US" altLang="ko-KR" sz="900"/>
+                  <a:t>UDP</a:t>
+                </a:r>
+              </a:p>
+            </p:txBody>
+          </p:sp>
+          <p:sp>
+            <p:nvSpPr>
+              <p:cNvPr id="33" name="TextBox 32">
+                <a:extLst>
+                  <a:ext uri="{FF2B5EF4-FFF2-40B4-BE49-F238E27FC236}">
+                    <a16:creationId xmlns:a16="http://schemas.microsoft.com/office/drawing/2014/main" id="{DA0B1DEE-AEDE-4C2B-A50C-532D53781960}"/>
+                  </a:ext>
+                </a:extLst>
+              </p:cNvPr>
+              <p:cNvSpPr txBox="1"/>
+              <p:nvPr/>
+            </p:nvSpPr>
+            <p:spPr>
+              <a:xfrm>
+                <a:off x="8557168" y="5135929"/>
+                <a:ext cx="1881184" cy="230832"/>
+              </a:xfrm>
+              <a:prstGeom prst="rect">
+                <a:avLst/>
+              </a:prstGeom>
+              <a:solidFill>
+                <a:schemeClr val="bg1"/>
+              </a:solidFill>
+              <a:ln>
+                <a:solidFill>
+                  <a:schemeClr val="tx1"/>
+                </a:solidFill>
+              </a:ln>
+            </p:spPr>
+            <p:txBody>
+              <a:bodyPr wrap="square" rtlCol="0">
+                <a:spAutoFit/>
+              </a:bodyPr>
+              <a:lstStyle/>
+              <a:p>
+                <a:pPr algn="ctr"/>
+                <a:r>
+                  <a:rPr lang="en-US" altLang="ko-KR" sz="900"/>
+                  <a:t>IP</a:t>
+                </a:r>
+              </a:p>
+            </p:txBody>
+          </p:sp>
+        </p:grpSp>
+      </p:grpSp>
+      <p:cxnSp>
+        <p:nvCxnSpPr>
+          <p:cNvPr id="37" name="연결선: 꺾임 36">
+            <a:extLst>
+              <a:ext uri="{FF2B5EF4-FFF2-40B4-BE49-F238E27FC236}">
+                <a16:creationId xmlns:a16="http://schemas.microsoft.com/office/drawing/2014/main" id="{D9E6BD4C-F5F9-41FC-ADCC-EF2CBE85A6C6}"/>
+              </a:ext>
+            </a:extLst>
+          </p:cNvPr>
+          <p:cNvCxnSpPr>
+            <a:cxnSpLocks/>
+            <a:endCxn id="26" idx="2"/>
+          </p:cNvCxnSpPr>
+          <p:nvPr/>
+        </p:nvCxnSpPr>
+        <p:spPr>
+          <a:xfrm flipV="1">
+            <a:off x="8610600" y="5490333"/>
+            <a:ext cx="1371600" cy="447405"/>
+          </a:xfrm>
+          <a:prstGeom prst="bentConnector2">
+            <a:avLst/>
+          </a:prstGeom>
+          <a:ln w="12700">
+            <a:solidFill>
+              <a:srgbClr val="FF0000"/>
+            </a:solidFill>
+            <a:prstDash val="dash"/>
+            <a:tailEnd type="triangle"/>
+          </a:ln>
+        </p:spPr>
+        <p:style>
+          <a:lnRef idx="1">
+            <a:schemeClr val="accent1"/>
+          </a:lnRef>
+          <a:fillRef idx="0">
+            <a:schemeClr val="accent1"/>
+          </a:fillRef>
+          <a:effectRef idx="0">
+            <a:schemeClr val="accent1"/>
+          </a:effectRef>
+          <a:fontRef idx="minor">
+            <a:schemeClr val="tx1"/>
+          </a:fontRef>
+        </p:style>
+      </p:cxnSp>
+      <p:sp>
+        <p:nvSpPr>
+          <p:cNvPr id="34" name="TextBox 33">
+            <a:extLst>
+              <a:ext uri="{FF2B5EF4-FFF2-40B4-BE49-F238E27FC236}">
+                <a16:creationId xmlns:a16="http://schemas.microsoft.com/office/drawing/2014/main" id="{85575E94-5715-458C-979F-368CC318870A}"/>
+              </a:ext>
+            </a:extLst>
+          </p:cNvPr>
+          <p:cNvSpPr txBox="1"/>
+          <p:nvPr/>
+        </p:nvSpPr>
+        <p:spPr>
+          <a:xfrm>
+            <a:off x="1461053" y="3324427"/>
+            <a:ext cx="2555508" cy="447558"/>
+          </a:xfrm>
+          <a:prstGeom prst="rect">
+            <a:avLst/>
+          </a:prstGeom>
+          <a:noFill/>
+          <a:ln>
+            <a:solidFill>
+              <a:schemeClr val="tx1"/>
+            </a:solidFill>
+          </a:ln>
+        </p:spPr>
+        <p:txBody>
+          <a:bodyPr wrap="none" rtlCol="0">
+            <a:spAutoFit/>
+          </a:bodyPr>
+          <a:lstStyle/>
+          <a:p>
+            <a:pPr>
+              <a:lnSpc>
+                <a:spcPct val="120000"/>
+              </a:lnSpc>
+            </a:pPr>
+            <a:r>
+              <a:rPr lang="en-US" altLang="ko-KR" sz="1000"/>
+              <a:t>INVITE sip:bob@Biloxi.com SIP/2.0</a:t>
+            </a:r>
+          </a:p>
+          <a:p>
+            <a:pPr>
+              <a:lnSpc>
+                <a:spcPct val="120000"/>
+              </a:lnSpc>
+            </a:pPr>
+            <a:r>
+              <a:rPr lang="en-US" altLang="ko-KR" sz="1000"/>
+              <a:t>Via: SIP/2.0/UDP</a:t>
+            </a:r>
+            <a:r>
+              <a:rPr lang="ko-KR" altLang="en-US" sz="1000"/>
+              <a:t> </a:t>
+            </a:r>
+            <a:r>
+              <a:rPr lang="en-US" altLang="ko-KR" sz="1000"/>
+              <a:t>bobspc.Biloxi.com:5060</a:t>
+            </a:r>
+          </a:p>
+        </p:txBody>
+      </p:sp>
+      <p:sp>
+        <p:nvSpPr>
+          <p:cNvPr id="36" name="TextBox 35">
+            <a:extLst>
+              <a:ext uri="{FF2B5EF4-FFF2-40B4-BE49-F238E27FC236}">
+                <a16:creationId xmlns:a16="http://schemas.microsoft.com/office/drawing/2014/main" id="{B9C931E8-8A5C-467C-A2DE-8D7662AE7612}"/>
+              </a:ext>
+            </a:extLst>
+          </p:cNvPr>
+          <p:cNvSpPr txBox="1"/>
+          <p:nvPr/>
+        </p:nvSpPr>
+        <p:spPr>
+          <a:xfrm>
+            <a:off x="1461053" y="3872672"/>
+            <a:ext cx="3664786" cy="447558"/>
+          </a:xfrm>
+          <a:prstGeom prst="rect">
+            <a:avLst/>
+          </a:prstGeom>
+          <a:noFill/>
+          <a:ln>
+            <a:solidFill>
+              <a:schemeClr val="tx1"/>
+            </a:solidFill>
+          </a:ln>
+        </p:spPr>
+        <p:txBody>
+          <a:bodyPr wrap="none" rtlCol="0">
+            <a:spAutoFit/>
+          </a:bodyPr>
+          <a:lstStyle/>
+          <a:p>
+            <a:pPr>
+              <a:lnSpc>
+                <a:spcPct val="120000"/>
+              </a:lnSpc>
+            </a:pPr>
+            <a:r>
+              <a:rPr lang="en-US" altLang="ko-KR" sz="1000"/>
+              <a:t>INVITE sip:bob@Biloxi.com SIP/2.0</a:t>
+            </a:r>
+          </a:p>
+          <a:p>
+            <a:pPr>
+              <a:lnSpc>
+                <a:spcPct val="120000"/>
+              </a:lnSpc>
+            </a:pPr>
+            <a:r>
+              <a:rPr lang="en-US" altLang="ko-KR" sz="1000"/>
+              <a:t>Via: SIP/2.0/UDP</a:t>
+            </a:r>
+            <a:r>
+              <a:rPr lang="ko-KR" altLang="en-US" sz="1000"/>
+              <a:t> </a:t>
+            </a:r>
+            <a:r>
+              <a:rPr lang="en-US" altLang="ko-KR" sz="1000"/>
+              <a:t>bobspc.Biloxi.com:5060</a:t>
+            </a:r>
+            <a:r>
+              <a:rPr lang="en-US" altLang="ko-KR" sz="1000">
+                <a:solidFill>
+                  <a:srgbClr val="0000FF"/>
+                </a:solidFill>
+              </a:rPr>
+              <a:t>;received=192.0.2.4</a:t>
+            </a:r>
+          </a:p>
+        </p:txBody>
+      </p:sp>
+      <p:cxnSp>
+        <p:nvCxnSpPr>
+          <p:cNvPr id="11" name="연결선: 꺾임 10">
+            <a:extLst>
+              <a:ext uri="{FF2B5EF4-FFF2-40B4-BE49-F238E27FC236}">
+                <a16:creationId xmlns:a16="http://schemas.microsoft.com/office/drawing/2014/main" id="{B36644E8-BD2C-4181-9AAD-E6F2D5D256AB}"/>
+              </a:ext>
+            </a:extLst>
+          </p:cNvPr>
+          <p:cNvCxnSpPr>
+            <a:cxnSpLocks/>
+            <a:stCxn id="34" idx="3"/>
+          </p:cNvCxnSpPr>
+          <p:nvPr/>
+        </p:nvCxnSpPr>
+        <p:spPr>
+          <a:xfrm>
+            <a:off x="4016561" y="3548206"/>
+            <a:ext cx="244777" cy="324466"/>
+          </a:xfrm>
+          <a:prstGeom prst="bentConnector2">
+            <a:avLst/>
+          </a:prstGeom>
+          <a:ln>
+            <a:solidFill>
+              <a:schemeClr val="tx1"/>
+            </a:solidFill>
+            <a:tailEnd type="triangle"/>
+          </a:ln>
+        </p:spPr>
+        <p:style>
+          <a:lnRef idx="1">
+            <a:schemeClr val="accent1"/>
+          </a:lnRef>
+          <a:fillRef idx="0">
+            <a:schemeClr val="accent1"/>
+          </a:fillRef>
+          <a:effectRef idx="0">
+            <a:schemeClr val="accent1"/>
+          </a:effectRef>
+          <a:fontRef idx="minor">
+            <a:schemeClr val="tx1"/>
+          </a:fontRef>
+        </p:style>
+      </p:cxnSp>
+    </p:spTree>
+    <p:extLst>
+      <p:ext uri="{BB962C8B-B14F-4D97-AF65-F5344CB8AC3E}">
+        <p14:creationId xmlns:p14="http://schemas.microsoft.com/office/powerpoint/2010/main" val="1304974905"/>
       </p:ext>
     </p:extLst>
   </p:cSld>
@@ -38465,6 +43928,2563 @@
     <p:extLst>
       <p:ext uri="{BB962C8B-B14F-4D97-AF65-F5344CB8AC3E}">
         <p14:creationId xmlns:p14="http://schemas.microsoft.com/office/powerpoint/2010/main" val="111599501"/>
+      </p:ext>
+    </p:extLst>
+  </p:cSld>
+  <p:clrMapOvr>
+    <a:masterClrMapping/>
+  </p:clrMapOvr>
+</p:sld>
+</file>
+
+<file path=ppt/slides/slide50.xml><?xml version="1.0" encoding="utf-8"?>
+<p:sld xmlns:a="http://schemas.openxmlformats.org/drawingml/2006/main" xmlns:r="http://schemas.openxmlformats.org/officeDocument/2006/relationships" xmlns:p="http://schemas.openxmlformats.org/presentationml/2006/main">
+  <p:cSld>
+    <p:spTree>
+      <p:nvGrpSpPr>
+        <p:cNvPr id="1" name=""/>
+        <p:cNvGrpSpPr/>
+        <p:nvPr/>
+      </p:nvGrpSpPr>
+      <p:grpSpPr>
+        <a:xfrm>
+          <a:off x="0" y="0"/>
+          <a:ext cx="0" cy="0"/>
+          <a:chOff x="0" y="0"/>
+          <a:chExt cx="0" cy="0"/>
+        </a:xfrm>
+      </p:grpSpPr>
+      <p:sp>
+        <p:nvSpPr>
+          <p:cNvPr id="2" name="제목 1">
+            <a:extLst>
+              <a:ext uri="{FF2B5EF4-FFF2-40B4-BE49-F238E27FC236}">
+                <a16:creationId xmlns:a16="http://schemas.microsoft.com/office/drawing/2014/main" id="{70F22706-C19C-4D37-953F-8A651D4CB7A4}"/>
+              </a:ext>
+            </a:extLst>
+          </p:cNvPr>
+          <p:cNvSpPr>
+            <a:spLocks noGrp="1"/>
+          </p:cNvSpPr>
+          <p:nvPr>
+            <p:ph type="title"/>
+          </p:nvPr>
+        </p:nvSpPr>
+        <p:spPr>
+          <a:xfrm>
+            <a:off x="0" y="1"/>
+            <a:ext cx="12192000" cy="550415"/>
+          </a:xfrm>
+        </p:spPr>
+        <p:txBody>
+          <a:bodyPr/>
+          <a:lstStyle/>
+          <a:p>
+            <a:r>
+              <a:rPr lang="en-US" altLang="ko-KR"/>
+              <a:t>3. Transport – Server (5/6)</a:t>
+            </a:r>
+            <a:endParaRPr lang="ko-KR" altLang="en-US"/>
+          </a:p>
+        </p:txBody>
+      </p:sp>
+      <p:sp>
+        <p:nvSpPr>
+          <p:cNvPr id="3" name="슬라이드 번호 개체 틀 2">
+            <a:extLst>
+              <a:ext uri="{FF2B5EF4-FFF2-40B4-BE49-F238E27FC236}">
+                <a16:creationId xmlns:a16="http://schemas.microsoft.com/office/drawing/2014/main" id="{7C06E1FC-B274-42F0-8885-FADDAB6271F6}"/>
+              </a:ext>
+            </a:extLst>
+          </p:cNvPr>
+          <p:cNvSpPr>
+            <a:spLocks noGrp="1"/>
+          </p:cNvSpPr>
+          <p:nvPr>
+            <p:ph type="sldNum" sz="quarter" idx="12"/>
+          </p:nvPr>
+        </p:nvSpPr>
+        <p:spPr/>
+        <p:txBody>
+          <a:bodyPr/>
+          <a:lstStyle/>
+          <a:p>
+            <a:fld id="{A9252A94-CC09-4928-8209-20295AE91AEF}" type="slidenum">
+              <a:rPr lang="ko-KR" altLang="en-US" smtClean="0"/>
+              <a:pPr/>
+              <a:t>50</a:t>
+            </a:fld>
+            <a:endParaRPr lang="ko-KR" altLang="en-US"/>
+          </a:p>
+        </p:txBody>
+      </p:sp>
+      <p:sp>
+        <p:nvSpPr>
+          <p:cNvPr id="31" name="TextBox 30">
+            <a:extLst>
+              <a:ext uri="{FF2B5EF4-FFF2-40B4-BE49-F238E27FC236}">
+                <a16:creationId xmlns:a16="http://schemas.microsoft.com/office/drawing/2014/main" id="{3CAC487F-05C2-4832-9D63-EE8F27616AEE}"/>
+              </a:ext>
+            </a:extLst>
+          </p:cNvPr>
+          <p:cNvSpPr txBox="1"/>
+          <p:nvPr/>
+        </p:nvSpPr>
+        <p:spPr>
+          <a:xfrm>
+            <a:off x="732463" y="1007183"/>
+            <a:ext cx="7096815" cy="3589444"/>
+          </a:xfrm>
+          <a:prstGeom prst="rect">
+            <a:avLst/>
+          </a:prstGeom>
+          <a:noFill/>
+        </p:spPr>
+        <p:txBody>
+          <a:bodyPr wrap="none" rtlCol="0">
+            <a:spAutoFit/>
+          </a:bodyPr>
+          <a:lstStyle/>
+          <a:p>
+            <a:pPr>
+              <a:lnSpc>
+                <a:spcPct val="200000"/>
+              </a:lnSpc>
+            </a:pPr>
+            <a:r>
+              <a:rPr lang="ko-KR" altLang="en-US" sz="1600" b="1">
+                <a:solidFill>
+                  <a:schemeClr val="accent3">
+                    <a:lumMod val="50000"/>
+                  </a:schemeClr>
+                </a:solidFill>
+                <a:ea typeface="+mj-ea"/>
+              </a:rPr>
+              <a:t>응답 전달</a:t>
+            </a:r>
+            <a:endParaRPr lang="en-US" altLang="ko-KR" sz="1600" b="1">
+              <a:solidFill>
+                <a:schemeClr val="accent3">
+                  <a:lumMod val="50000"/>
+                </a:schemeClr>
+              </a:solidFill>
+              <a:ea typeface="+mj-ea"/>
+            </a:endParaRPr>
+          </a:p>
+          <a:p>
+            <a:pPr marL="171450" indent="-171450">
+              <a:lnSpc>
+                <a:spcPct val="200000"/>
+              </a:lnSpc>
+              <a:buFont typeface="Arial" panose="020B0604020202020204" pitchFamily="34" charset="0"/>
+              <a:buChar char="•"/>
+            </a:pPr>
+            <a:r>
+              <a:rPr lang="ko-KR" altLang="en-US" sz="1100">
+                <a:solidFill>
+                  <a:srgbClr val="CC0099"/>
+                </a:solidFill>
+              </a:rPr>
+              <a:t>서버 전송단</a:t>
+            </a:r>
+            <a:r>
+              <a:rPr lang="ko-KR" altLang="en-US" sz="1100"/>
+              <a:t>은 응답을 전송할 위치를 결정하기 위해 </a:t>
+            </a:r>
+            <a:r>
+              <a:rPr lang="ko-KR" altLang="en-US" sz="1100" b="1"/>
+              <a:t>최상단 </a:t>
+            </a:r>
+            <a:r>
+              <a:rPr lang="en-US" altLang="ko-KR" sz="1100" b="1"/>
+              <a:t>Via</a:t>
+            </a:r>
+            <a:r>
+              <a:rPr lang="en-US" altLang="ko-KR" sz="1100"/>
+              <a:t> </a:t>
+            </a:r>
+            <a:r>
+              <a:rPr lang="ko-KR" altLang="en-US" sz="1100"/>
+              <a:t>헤더 필드의 값을 사용</a:t>
+            </a:r>
+            <a:endParaRPr lang="en-US" altLang="ko-KR" sz="1100"/>
+          </a:p>
+          <a:p>
+            <a:pPr marL="628650" lvl="1" indent="-171450">
+              <a:lnSpc>
+                <a:spcPct val="200000"/>
+              </a:lnSpc>
+              <a:buFont typeface="Arial" panose="020B0604020202020204" pitchFamily="34" charset="0"/>
+              <a:buChar char="•"/>
+            </a:pPr>
+            <a:r>
+              <a:rPr lang="en-US" altLang="ko-KR" sz="1100"/>
+              <a:t>TCP </a:t>
+            </a:r>
+            <a:r>
+              <a:rPr lang="ko-KR" altLang="en-US" sz="1100"/>
+              <a:t>또는 </a:t>
+            </a:r>
+            <a:r>
+              <a:rPr lang="en-US" altLang="ko-KR" sz="1100"/>
+              <a:t>SCTP </a:t>
+            </a:r>
+            <a:r>
+              <a:rPr lang="ko-KR" altLang="en-US" sz="1100"/>
+              <a:t>와 같은 </a:t>
+            </a:r>
+            <a:r>
+              <a:rPr lang="en-US" altLang="ko-KR" sz="1100" b="1"/>
+              <a:t>reliable</a:t>
+            </a:r>
+            <a:r>
+              <a:rPr lang="en-US" altLang="ko-KR" sz="1100"/>
+              <a:t> </a:t>
+            </a:r>
+            <a:r>
+              <a:rPr lang="ko-KR" altLang="en-US" sz="1100" b="1"/>
+              <a:t>전송 프로토콜</a:t>
+            </a:r>
+            <a:r>
+              <a:rPr lang="ko-KR" altLang="en-US" sz="1100"/>
+              <a:t> 또는 이를 통한 </a:t>
+            </a:r>
+            <a:r>
+              <a:rPr lang="en-US" altLang="ko-KR" sz="1100" b="1"/>
+              <a:t>TLS</a:t>
+            </a:r>
+            <a:r>
+              <a:rPr lang="en-US" altLang="ko-KR" sz="1100"/>
+              <a:t> </a:t>
+            </a:r>
+            <a:r>
+              <a:rPr lang="ko-KR" altLang="en-US" sz="1100"/>
+              <a:t>인 경우</a:t>
+            </a:r>
+            <a:r>
+              <a:rPr lang="en-US" altLang="ko-KR" sz="1100"/>
+              <a:t>, </a:t>
+            </a:r>
+            <a:r>
+              <a:rPr lang="ko-KR" altLang="en-US" sz="1100"/>
+              <a:t>응답은 </a:t>
+            </a:r>
+            <a:r>
+              <a:rPr lang="en-US" altLang="ko-KR" sz="1100" b="1"/>
+              <a:t>origin</a:t>
+            </a:r>
+            <a:r>
+              <a:rPr lang="en-US" altLang="ko-KR" sz="1100"/>
+              <a:t> </a:t>
+            </a:r>
+            <a:r>
+              <a:rPr lang="ko-KR" altLang="en-US" sz="1100"/>
+              <a:t>요청의 </a:t>
+            </a:r>
+            <a:br>
+              <a:rPr lang="en-US" altLang="ko-KR" sz="1100"/>
+            </a:br>
+            <a:r>
+              <a:rPr lang="en-US" altLang="ko-KR" sz="1100" b="1"/>
+              <a:t>connection</a:t>
+            </a:r>
+            <a:r>
+              <a:rPr lang="en-US" altLang="ko-KR" sz="1100"/>
+              <a:t> </a:t>
+            </a:r>
+            <a:r>
+              <a:rPr lang="ko-KR" altLang="en-US" sz="1100"/>
+              <a:t>을 사용하여 전송</a:t>
+            </a:r>
+            <a:endParaRPr lang="en-US" altLang="ko-KR" sz="1100"/>
+          </a:p>
+          <a:p>
+            <a:pPr marL="628650" lvl="1" indent="-171450">
+              <a:lnSpc>
+                <a:spcPct val="200000"/>
+              </a:lnSpc>
+              <a:buFont typeface="Arial" panose="020B0604020202020204" pitchFamily="34" charset="0"/>
+              <a:buChar char="•"/>
+            </a:pPr>
+            <a:r>
+              <a:rPr lang="ko-KR" altLang="en-US" sz="1100"/>
+              <a:t>오픈된 </a:t>
+            </a:r>
+            <a:r>
+              <a:rPr lang="en-US" altLang="ko-KR" sz="1100" b="1"/>
+              <a:t>connection</a:t>
+            </a:r>
+            <a:r>
+              <a:rPr lang="en-US" altLang="ko-KR" sz="1100"/>
+              <a:t> </a:t>
+            </a:r>
+            <a:r>
+              <a:rPr lang="ko-KR" altLang="en-US" sz="1100"/>
+              <a:t>이 없다면</a:t>
+            </a:r>
+            <a:r>
+              <a:rPr lang="en-US" altLang="ko-KR" sz="1100"/>
+              <a:t>, </a:t>
+            </a:r>
+            <a:r>
+              <a:rPr lang="en-US" altLang="ko-KR" sz="1100" b="1"/>
+              <a:t>Via</a:t>
+            </a:r>
+            <a:r>
+              <a:rPr lang="en-US" altLang="ko-KR" sz="1100"/>
+              <a:t> </a:t>
+            </a:r>
+            <a:r>
+              <a:rPr lang="ko-KR" altLang="en-US" sz="1100"/>
+              <a:t>의 </a:t>
+            </a:r>
+            <a:r>
+              <a:rPr lang="en-US" altLang="ko-KR" sz="1100"/>
+              <a:t>“</a:t>
+            </a:r>
+            <a:r>
+              <a:rPr lang="en-US" altLang="ko-KR" sz="1100" b="1"/>
+              <a:t>received</a:t>
+            </a:r>
+            <a:r>
+              <a:rPr lang="en-US" altLang="ko-KR" sz="1100"/>
+              <a:t>” </a:t>
+            </a:r>
+            <a:r>
+              <a:rPr lang="ko-KR" altLang="en-US" sz="1100"/>
+              <a:t>파라미터 값으로 </a:t>
+            </a:r>
+            <a:r>
+              <a:rPr lang="en-US" altLang="ko-KR" sz="1100" b="1"/>
+              <a:t>connection</a:t>
+            </a:r>
+            <a:r>
+              <a:rPr lang="en-US" altLang="ko-KR" sz="1100"/>
+              <a:t> </a:t>
+            </a:r>
+            <a:r>
+              <a:rPr lang="ko-KR" altLang="en-US" sz="1100"/>
+              <a:t>을 오픈</a:t>
+            </a:r>
+            <a:br>
+              <a:rPr lang="en-US" altLang="ko-KR" sz="1100"/>
+            </a:br>
+            <a:r>
+              <a:rPr lang="en-US" altLang="ko-KR" sz="1100"/>
+              <a:t>(“sent-by” </a:t>
+            </a:r>
+            <a:r>
+              <a:rPr lang="ko-KR" altLang="en-US" sz="1100"/>
+              <a:t>값은 기술되어 있으면 그 값을 사용하고 없으면 </a:t>
+            </a:r>
+            <a:r>
+              <a:rPr lang="en-US" altLang="ko-KR" sz="1100"/>
+              <a:t>default)</a:t>
+            </a:r>
+          </a:p>
+          <a:p>
+            <a:pPr marL="628650" lvl="1" indent="-171450">
+              <a:lnSpc>
+                <a:spcPct val="200000"/>
+              </a:lnSpc>
+              <a:buFont typeface="Arial" panose="020B0604020202020204" pitchFamily="34" charset="0"/>
+              <a:buChar char="•"/>
+            </a:pPr>
+            <a:r>
+              <a:rPr lang="en-US" altLang="ko-KR" sz="1100"/>
+              <a:t>Via </a:t>
+            </a:r>
+            <a:r>
+              <a:rPr lang="ko-KR" altLang="en-US" sz="1100"/>
+              <a:t>헤더 값이 </a:t>
+            </a:r>
+            <a:r>
+              <a:rPr lang="en-US" altLang="ko-KR" sz="1100"/>
+              <a:t>“maddr” </a:t>
+            </a:r>
+            <a:r>
+              <a:rPr lang="ko-KR" altLang="en-US" sz="1100"/>
+              <a:t>파라미터를 포함하면</a:t>
+            </a:r>
+            <a:r>
+              <a:rPr lang="en-US" altLang="ko-KR" sz="1100"/>
+              <a:t>, </a:t>
+            </a:r>
+            <a:r>
+              <a:rPr lang="ko-KR" altLang="en-US" sz="1100"/>
+              <a:t>응답은 </a:t>
+            </a:r>
+            <a:r>
+              <a:rPr lang="en-US" altLang="ko-KR" sz="1100"/>
+              <a:t>“sent-by” </a:t>
+            </a:r>
+            <a:r>
+              <a:rPr lang="ko-KR" altLang="en-US" sz="1100"/>
+              <a:t>에 나타난 포트를 사용</a:t>
+            </a:r>
+            <a:r>
+              <a:rPr lang="en-US" altLang="ko-KR" sz="1100"/>
+              <a:t>(</a:t>
+            </a:r>
+            <a:r>
+              <a:rPr lang="ko-KR" altLang="en-US" sz="1100"/>
+              <a:t>없으면 </a:t>
+            </a:r>
+            <a:r>
+              <a:rPr lang="en-US" altLang="ko-KR" sz="1100"/>
+              <a:t>5060)</a:t>
+            </a:r>
+            <a:r>
+              <a:rPr lang="ko-KR" altLang="en-US" sz="1100"/>
+              <a:t>하여</a:t>
+            </a:r>
+            <a:r>
+              <a:rPr lang="en-US" altLang="ko-KR" sz="1100"/>
+              <a:t>, </a:t>
+            </a:r>
+            <a:br>
+              <a:rPr lang="en-US" altLang="ko-KR" sz="1100"/>
+            </a:br>
+            <a:r>
+              <a:rPr lang="ko-KR" altLang="en-US" sz="1100"/>
+              <a:t>거기에 나열된 주소로 전달</a:t>
+            </a:r>
+            <a:endParaRPr lang="en-US" altLang="ko-KR" sz="1100"/>
+          </a:p>
+          <a:p>
+            <a:pPr marL="628650" lvl="1" indent="-171450">
+              <a:lnSpc>
+                <a:spcPct val="200000"/>
+              </a:lnSpc>
+              <a:buFont typeface="Arial" panose="020B0604020202020204" pitchFamily="34" charset="0"/>
+              <a:buChar char="•"/>
+            </a:pPr>
+            <a:r>
+              <a:rPr lang="en-US" altLang="ko-KR" sz="1100" b="1"/>
+              <a:t>UDP </a:t>
+            </a:r>
+            <a:r>
+              <a:rPr lang="ko-KR" altLang="en-US" sz="1100"/>
+              <a:t>인 경우</a:t>
+            </a:r>
+            <a:r>
+              <a:rPr lang="en-US" altLang="ko-KR" sz="1100"/>
+              <a:t>, </a:t>
+            </a:r>
+            <a:r>
+              <a:rPr lang="ko-KR" altLang="en-US" sz="1100" b="1"/>
+              <a:t>최상단 </a:t>
+            </a:r>
+            <a:r>
+              <a:rPr lang="en-US" altLang="ko-KR" sz="1100" b="1"/>
+              <a:t>Via</a:t>
+            </a:r>
+            <a:r>
+              <a:rPr lang="en-US" altLang="ko-KR" sz="1100"/>
+              <a:t> </a:t>
+            </a:r>
+            <a:r>
+              <a:rPr lang="ko-KR" altLang="en-US" sz="1100"/>
+              <a:t>헤더에 </a:t>
+            </a:r>
+            <a:r>
+              <a:rPr lang="en-US" altLang="ko-KR" sz="1100"/>
+              <a:t>“</a:t>
+            </a:r>
+            <a:r>
+              <a:rPr lang="en-US" altLang="ko-KR" sz="1100" b="1"/>
+              <a:t>received</a:t>
+            </a:r>
+            <a:r>
+              <a:rPr lang="en-US" altLang="ko-KR" sz="1100"/>
+              <a:t>” </a:t>
+            </a:r>
+            <a:r>
+              <a:rPr lang="ko-KR" altLang="en-US" sz="1100"/>
+              <a:t>파라미터가 있는 경우</a:t>
+            </a:r>
+            <a:r>
+              <a:rPr lang="en-US" altLang="ko-KR" sz="1100"/>
+              <a:t>,</a:t>
+            </a:r>
+            <a:r>
+              <a:rPr lang="ko-KR" altLang="en-US" sz="1100"/>
+              <a:t> 응답은 </a:t>
+            </a:r>
+            <a:r>
+              <a:rPr lang="en-US" altLang="ko-KR" sz="1100"/>
+              <a:t>“sent-by” </a:t>
+            </a:r>
+            <a:r>
+              <a:rPr lang="ko-KR" altLang="en-US" sz="1100"/>
+              <a:t>값에 표시된 </a:t>
+            </a:r>
+            <a:br>
+              <a:rPr lang="en-US" altLang="ko-KR" sz="1100"/>
+            </a:br>
+            <a:r>
+              <a:rPr lang="ko-KR" altLang="en-US" sz="1100"/>
+              <a:t>포트를 사용하여 </a:t>
+            </a:r>
+            <a:r>
+              <a:rPr lang="en-US" altLang="ko-KR" sz="1100"/>
+              <a:t>“received” </a:t>
+            </a:r>
+            <a:r>
+              <a:rPr lang="ko-KR" altLang="en-US" sz="1100"/>
+              <a:t>파라미터에 있는 주소로 전송</a:t>
+            </a:r>
+            <a:r>
+              <a:rPr lang="en-US" altLang="ko-KR" sz="1100"/>
+              <a:t> </a:t>
+            </a:r>
+            <a:r>
+              <a:rPr lang="ko-KR" altLang="en-US" sz="1100"/>
+              <a:t> </a:t>
+            </a:r>
+            <a:endParaRPr lang="en-US" altLang="ko-KR" sz="1100"/>
+          </a:p>
+        </p:txBody>
+      </p:sp>
+      <p:sp>
+        <p:nvSpPr>
+          <p:cNvPr id="4" name="직사각형 3">
+            <a:extLst>
+              <a:ext uri="{FF2B5EF4-FFF2-40B4-BE49-F238E27FC236}">
+                <a16:creationId xmlns:a16="http://schemas.microsoft.com/office/drawing/2014/main" id="{BD0CA118-FBAE-4DB3-81B1-5D0436EC897F}"/>
+              </a:ext>
+            </a:extLst>
+          </p:cNvPr>
+          <p:cNvSpPr/>
+          <p:nvPr/>
+        </p:nvSpPr>
+        <p:spPr>
+          <a:xfrm>
+            <a:off x="8789377" y="3030415"/>
+            <a:ext cx="2385646" cy="973016"/>
+          </a:xfrm>
+          <a:prstGeom prst="rect">
+            <a:avLst/>
+          </a:prstGeom>
+          <a:solidFill>
+            <a:srgbClr val="B298F2"/>
+          </a:solidFill>
+          <a:ln>
+            <a:solidFill>
+              <a:schemeClr val="tx1"/>
+            </a:solidFill>
+          </a:ln>
+        </p:spPr>
+        <p:style>
+          <a:lnRef idx="2">
+            <a:schemeClr val="accent1">
+              <a:shade val="50000"/>
+            </a:schemeClr>
+          </a:lnRef>
+          <a:fillRef idx="1">
+            <a:schemeClr val="accent1"/>
+          </a:fillRef>
+          <a:effectRef idx="0">
+            <a:schemeClr val="accent1"/>
+          </a:effectRef>
+          <a:fontRef idx="minor">
+            <a:schemeClr val="lt1"/>
+          </a:fontRef>
+        </p:style>
+        <p:txBody>
+          <a:bodyPr rtlCol="0" anchor="ctr"/>
+          <a:lstStyle/>
+          <a:p>
+            <a:pPr algn="ctr"/>
+            <a:endParaRPr lang="ko-KR" altLang="en-US"/>
+          </a:p>
+        </p:txBody>
+      </p:sp>
+      <p:sp>
+        <p:nvSpPr>
+          <p:cNvPr id="5" name="직사각형 4">
+            <a:extLst>
+              <a:ext uri="{FF2B5EF4-FFF2-40B4-BE49-F238E27FC236}">
+                <a16:creationId xmlns:a16="http://schemas.microsoft.com/office/drawing/2014/main" id="{E2B1FA27-5F58-47E6-AA65-F67F41A7969B}"/>
+              </a:ext>
+            </a:extLst>
+          </p:cNvPr>
+          <p:cNvSpPr/>
+          <p:nvPr/>
+        </p:nvSpPr>
+        <p:spPr>
+          <a:xfrm>
+            <a:off x="8889023" y="3165231"/>
+            <a:ext cx="1043354" cy="715108"/>
+          </a:xfrm>
+          <a:prstGeom prst="rect">
+            <a:avLst/>
+          </a:prstGeom>
+          <a:solidFill>
+            <a:schemeClr val="bg1"/>
+          </a:solidFill>
+          <a:ln w="12700">
+            <a:solidFill>
+              <a:schemeClr val="bg1">
+                <a:lumMod val="50000"/>
+              </a:schemeClr>
+            </a:solidFill>
+          </a:ln>
+        </p:spPr>
+        <p:style>
+          <a:lnRef idx="2">
+            <a:schemeClr val="accent1">
+              <a:shade val="50000"/>
+            </a:schemeClr>
+          </a:lnRef>
+          <a:fillRef idx="1">
+            <a:schemeClr val="accent1"/>
+          </a:fillRef>
+          <a:effectRef idx="0">
+            <a:schemeClr val="accent1"/>
+          </a:effectRef>
+          <a:fontRef idx="minor">
+            <a:schemeClr val="lt1"/>
+          </a:fontRef>
+        </p:style>
+        <p:txBody>
+          <a:bodyPr rtlCol="0" anchor="ctr"/>
+          <a:lstStyle/>
+          <a:p>
+            <a:pPr algn="ctr"/>
+            <a:r>
+              <a:rPr lang="en-US" altLang="ko-KR" sz="1200" b="1">
+                <a:solidFill>
+                  <a:schemeClr val="bg1">
+                    <a:lumMod val="75000"/>
+                  </a:schemeClr>
+                </a:solidFill>
+              </a:rPr>
+              <a:t>Client</a:t>
+            </a:r>
+          </a:p>
+          <a:p>
+            <a:pPr algn="ctr"/>
+            <a:r>
+              <a:rPr lang="en-US" altLang="ko-KR" sz="1200" b="1">
+                <a:solidFill>
+                  <a:schemeClr val="bg1">
+                    <a:lumMod val="75000"/>
+                  </a:schemeClr>
+                </a:solidFill>
+              </a:rPr>
+              <a:t>Transport</a:t>
+            </a:r>
+            <a:endParaRPr lang="ko-KR" altLang="en-US" sz="1200" b="1">
+              <a:solidFill>
+                <a:schemeClr val="bg1">
+                  <a:lumMod val="75000"/>
+                </a:schemeClr>
+              </a:solidFill>
+            </a:endParaRPr>
+          </a:p>
+        </p:txBody>
+      </p:sp>
+      <p:sp>
+        <p:nvSpPr>
+          <p:cNvPr id="7" name="직사각형 6">
+            <a:extLst>
+              <a:ext uri="{FF2B5EF4-FFF2-40B4-BE49-F238E27FC236}">
+                <a16:creationId xmlns:a16="http://schemas.microsoft.com/office/drawing/2014/main" id="{7EA8AA59-BDDB-4106-93EA-B2F6FCEDFA73}"/>
+              </a:ext>
+            </a:extLst>
+          </p:cNvPr>
+          <p:cNvSpPr/>
+          <p:nvPr/>
+        </p:nvSpPr>
+        <p:spPr>
+          <a:xfrm>
+            <a:off x="10032023" y="3159369"/>
+            <a:ext cx="1043354" cy="715108"/>
+          </a:xfrm>
+          <a:prstGeom prst="rect">
+            <a:avLst/>
+          </a:prstGeom>
+          <a:solidFill>
+            <a:schemeClr val="bg1"/>
+          </a:solidFill>
+          <a:ln w="19050">
+            <a:solidFill>
+              <a:srgbClr val="CC0099"/>
+            </a:solidFill>
+          </a:ln>
+        </p:spPr>
+        <p:style>
+          <a:lnRef idx="2">
+            <a:schemeClr val="accent1">
+              <a:shade val="50000"/>
+            </a:schemeClr>
+          </a:lnRef>
+          <a:fillRef idx="1">
+            <a:schemeClr val="accent1"/>
+          </a:fillRef>
+          <a:effectRef idx="0">
+            <a:schemeClr val="accent1"/>
+          </a:effectRef>
+          <a:fontRef idx="minor">
+            <a:schemeClr val="lt1"/>
+          </a:fontRef>
+        </p:style>
+        <p:txBody>
+          <a:bodyPr rtlCol="0" anchor="ctr"/>
+          <a:lstStyle/>
+          <a:p>
+            <a:pPr algn="ctr"/>
+            <a:r>
+              <a:rPr lang="en-US" altLang="ko-KR" sz="1200" b="1">
+                <a:solidFill>
+                  <a:srgbClr val="CC0099"/>
+                </a:solidFill>
+              </a:rPr>
+              <a:t>Server</a:t>
+            </a:r>
+          </a:p>
+          <a:p>
+            <a:pPr algn="ctr"/>
+            <a:r>
+              <a:rPr lang="en-US" altLang="ko-KR" sz="1200" b="1">
+                <a:solidFill>
+                  <a:srgbClr val="CC0099"/>
+                </a:solidFill>
+              </a:rPr>
+              <a:t>Transport</a:t>
+            </a:r>
+          </a:p>
+        </p:txBody>
+      </p:sp>
+      <p:sp>
+        <p:nvSpPr>
+          <p:cNvPr id="19" name="직사각형 18">
+            <a:extLst>
+              <a:ext uri="{FF2B5EF4-FFF2-40B4-BE49-F238E27FC236}">
+                <a16:creationId xmlns:a16="http://schemas.microsoft.com/office/drawing/2014/main" id="{B0D4E687-745D-4B8C-ACA7-1932FE2C11A0}"/>
+              </a:ext>
+            </a:extLst>
+          </p:cNvPr>
+          <p:cNvSpPr/>
+          <p:nvPr/>
+        </p:nvSpPr>
+        <p:spPr>
+          <a:xfrm>
+            <a:off x="8789377" y="1414559"/>
+            <a:ext cx="2385646" cy="973016"/>
+          </a:xfrm>
+          <a:prstGeom prst="rect">
+            <a:avLst/>
+          </a:prstGeom>
+          <a:solidFill>
+            <a:srgbClr val="89A3F7"/>
+          </a:solidFill>
+          <a:ln>
+            <a:solidFill>
+              <a:schemeClr val="tx1"/>
+            </a:solidFill>
+          </a:ln>
+        </p:spPr>
+        <p:style>
+          <a:lnRef idx="2">
+            <a:schemeClr val="accent1">
+              <a:shade val="50000"/>
+            </a:schemeClr>
+          </a:lnRef>
+          <a:fillRef idx="1">
+            <a:schemeClr val="accent1"/>
+          </a:fillRef>
+          <a:effectRef idx="0">
+            <a:schemeClr val="accent1"/>
+          </a:effectRef>
+          <a:fontRef idx="minor">
+            <a:schemeClr val="lt1"/>
+          </a:fontRef>
+        </p:style>
+        <p:txBody>
+          <a:bodyPr rtlCol="0" anchor="ctr"/>
+          <a:lstStyle/>
+          <a:p>
+            <a:pPr algn="ctr"/>
+            <a:endParaRPr lang="ko-KR" altLang="en-US"/>
+          </a:p>
+        </p:txBody>
+      </p:sp>
+      <p:cxnSp>
+        <p:nvCxnSpPr>
+          <p:cNvPr id="9" name="직선 화살표 연결선 8">
+            <a:extLst>
+              <a:ext uri="{FF2B5EF4-FFF2-40B4-BE49-F238E27FC236}">
+                <a16:creationId xmlns:a16="http://schemas.microsoft.com/office/drawing/2014/main" id="{495703D2-5576-42F6-93CB-26132602DDDF}"/>
+              </a:ext>
+            </a:extLst>
+          </p:cNvPr>
+          <p:cNvCxnSpPr>
+            <a:cxnSpLocks/>
+            <a:stCxn id="7" idx="0"/>
+          </p:cNvCxnSpPr>
+          <p:nvPr/>
+        </p:nvCxnSpPr>
+        <p:spPr>
+          <a:xfrm flipH="1" flipV="1">
+            <a:off x="10549424" y="2258621"/>
+            <a:ext cx="4276" cy="900748"/>
+          </a:xfrm>
+          <a:prstGeom prst="straightConnector1">
+            <a:avLst/>
+          </a:prstGeom>
+          <a:ln w="12700">
+            <a:solidFill>
+              <a:schemeClr val="accent2">
+                <a:lumMod val="75000"/>
+              </a:schemeClr>
+            </a:solidFill>
+            <a:headEnd type="triangle"/>
+            <a:tailEnd type="none"/>
+          </a:ln>
+        </p:spPr>
+        <p:style>
+          <a:lnRef idx="1">
+            <a:schemeClr val="accent1"/>
+          </a:lnRef>
+          <a:fillRef idx="0">
+            <a:schemeClr val="accent1"/>
+          </a:fillRef>
+          <a:effectRef idx="0">
+            <a:schemeClr val="accent1"/>
+          </a:effectRef>
+          <a:fontRef idx="minor">
+            <a:schemeClr val="tx1"/>
+          </a:fontRef>
+        </p:style>
+      </p:cxnSp>
+      <p:sp>
+        <p:nvSpPr>
+          <p:cNvPr id="10" name="TextBox 9">
+            <a:extLst>
+              <a:ext uri="{FF2B5EF4-FFF2-40B4-BE49-F238E27FC236}">
+                <a16:creationId xmlns:a16="http://schemas.microsoft.com/office/drawing/2014/main" id="{1C076903-653A-409A-A0E5-FB594C4F2997}"/>
+              </a:ext>
+            </a:extLst>
+          </p:cNvPr>
+          <p:cNvSpPr txBox="1"/>
+          <p:nvPr/>
+        </p:nvSpPr>
+        <p:spPr>
+          <a:xfrm>
+            <a:off x="9872642" y="2593579"/>
+            <a:ext cx="689612" cy="230832"/>
+          </a:xfrm>
+          <a:prstGeom prst="rect">
+            <a:avLst/>
+          </a:prstGeom>
+          <a:noFill/>
+        </p:spPr>
+        <p:txBody>
+          <a:bodyPr wrap="none" rtlCol="0">
+            <a:spAutoFit/>
+          </a:bodyPr>
+          <a:lstStyle/>
+          <a:p>
+            <a:r>
+              <a:rPr lang="en-US" altLang="ko-KR" sz="900"/>
+              <a:t>Response</a:t>
+            </a:r>
+          </a:p>
+        </p:txBody>
+      </p:sp>
+      <p:cxnSp>
+        <p:nvCxnSpPr>
+          <p:cNvPr id="12" name="직선 화살표 연결선 11">
+            <a:extLst>
+              <a:ext uri="{FF2B5EF4-FFF2-40B4-BE49-F238E27FC236}">
+                <a16:creationId xmlns:a16="http://schemas.microsoft.com/office/drawing/2014/main" id="{61ACD8B9-CEF4-4ECF-9588-AF4EAD3E1BD9}"/>
+              </a:ext>
+            </a:extLst>
+          </p:cNvPr>
+          <p:cNvCxnSpPr>
+            <a:cxnSpLocks/>
+            <a:endCxn id="7" idx="2"/>
+          </p:cNvCxnSpPr>
+          <p:nvPr/>
+        </p:nvCxnSpPr>
+        <p:spPr>
+          <a:xfrm flipH="1" flipV="1">
+            <a:off x="10553700" y="3874477"/>
+            <a:ext cx="4274" cy="642840"/>
+          </a:xfrm>
+          <a:prstGeom prst="straightConnector1">
+            <a:avLst/>
+          </a:prstGeom>
+          <a:ln w="12700">
+            <a:solidFill>
+              <a:schemeClr val="accent2">
+                <a:lumMod val="75000"/>
+              </a:schemeClr>
+            </a:solidFill>
+            <a:headEnd type="triangle"/>
+            <a:tailEnd type="none"/>
+          </a:ln>
+        </p:spPr>
+        <p:style>
+          <a:lnRef idx="1">
+            <a:schemeClr val="accent1"/>
+          </a:lnRef>
+          <a:fillRef idx="0">
+            <a:schemeClr val="accent1"/>
+          </a:fillRef>
+          <a:effectRef idx="0">
+            <a:schemeClr val="accent1"/>
+          </a:effectRef>
+          <a:fontRef idx="minor">
+            <a:schemeClr val="tx1"/>
+          </a:fontRef>
+        </p:style>
+      </p:cxnSp>
+      <p:sp>
+        <p:nvSpPr>
+          <p:cNvPr id="13" name="TextBox 12">
+            <a:extLst>
+              <a:ext uri="{FF2B5EF4-FFF2-40B4-BE49-F238E27FC236}">
+                <a16:creationId xmlns:a16="http://schemas.microsoft.com/office/drawing/2014/main" id="{0257DCB8-2575-4846-A923-652F6D5208E3}"/>
+              </a:ext>
+            </a:extLst>
+          </p:cNvPr>
+          <p:cNvSpPr txBox="1"/>
+          <p:nvPr/>
+        </p:nvSpPr>
+        <p:spPr>
+          <a:xfrm>
+            <a:off x="10092918" y="4144958"/>
+            <a:ext cx="434734" cy="230832"/>
+          </a:xfrm>
+          <a:prstGeom prst="rect">
+            <a:avLst/>
+          </a:prstGeom>
+          <a:noFill/>
+        </p:spPr>
+        <p:txBody>
+          <a:bodyPr wrap="none" rtlCol="0">
+            <a:spAutoFit/>
+          </a:bodyPr>
+          <a:lstStyle/>
+          <a:p>
+            <a:r>
+              <a:rPr lang="en-US" altLang="ko-KR" sz="900"/>
+              <a:t>send</a:t>
+            </a:r>
+          </a:p>
+        </p:txBody>
+      </p:sp>
+      <p:sp>
+        <p:nvSpPr>
+          <p:cNvPr id="20" name="직사각형 19">
+            <a:extLst>
+              <a:ext uri="{FF2B5EF4-FFF2-40B4-BE49-F238E27FC236}">
+                <a16:creationId xmlns:a16="http://schemas.microsoft.com/office/drawing/2014/main" id="{45827712-E300-438A-AF60-D3AB6FC8E84C}"/>
+              </a:ext>
+            </a:extLst>
+          </p:cNvPr>
+          <p:cNvSpPr/>
+          <p:nvPr/>
+        </p:nvSpPr>
+        <p:spPr>
+          <a:xfrm>
+            <a:off x="10036297" y="1543513"/>
+            <a:ext cx="1043354" cy="715108"/>
+          </a:xfrm>
+          <a:prstGeom prst="rect">
+            <a:avLst/>
+          </a:prstGeom>
+          <a:solidFill>
+            <a:schemeClr val="bg1"/>
+          </a:solidFill>
+          <a:ln w="19050">
+            <a:solidFill>
+              <a:srgbClr val="0070C0"/>
+            </a:solidFill>
+          </a:ln>
+        </p:spPr>
+        <p:style>
+          <a:lnRef idx="2">
+            <a:schemeClr val="accent1">
+              <a:shade val="50000"/>
+            </a:schemeClr>
+          </a:lnRef>
+          <a:fillRef idx="1">
+            <a:schemeClr val="accent1"/>
+          </a:fillRef>
+          <a:effectRef idx="0">
+            <a:schemeClr val="accent1"/>
+          </a:effectRef>
+          <a:fontRef idx="minor">
+            <a:schemeClr val="lt1"/>
+          </a:fontRef>
+        </p:style>
+        <p:txBody>
+          <a:bodyPr rtlCol="0" anchor="ctr"/>
+          <a:lstStyle/>
+          <a:p>
+            <a:pPr algn="ctr"/>
+            <a:r>
+              <a:rPr lang="en-US" altLang="ko-KR" sz="1200" b="1">
+                <a:solidFill>
+                  <a:srgbClr val="0070C0"/>
+                </a:solidFill>
+              </a:rPr>
+              <a:t>Server</a:t>
+            </a:r>
+          </a:p>
+          <a:p>
+            <a:pPr algn="ctr"/>
+            <a:r>
+              <a:rPr lang="en-US" altLang="ko-KR" sz="1200" b="1">
+                <a:solidFill>
+                  <a:srgbClr val="0070C0"/>
+                </a:solidFill>
+              </a:rPr>
+              <a:t>Transaction</a:t>
+            </a:r>
+            <a:endParaRPr lang="ko-KR" altLang="en-US" sz="1200" b="1">
+              <a:solidFill>
+                <a:srgbClr val="0070C0"/>
+              </a:solidFill>
+            </a:endParaRPr>
+          </a:p>
+        </p:txBody>
+      </p:sp>
+      <p:cxnSp>
+        <p:nvCxnSpPr>
+          <p:cNvPr id="22" name="직선 화살표 연결선 21">
+            <a:extLst>
+              <a:ext uri="{FF2B5EF4-FFF2-40B4-BE49-F238E27FC236}">
+                <a16:creationId xmlns:a16="http://schemas.microsoft.com/office/drawing/2014/main" id="{8779F524-72AE-479B-A319-F2A8B83ABD83}"/>
+              </a:ext>
+            </a:extLst>
+          </p:cNvPr>
+          <p:cNvCxnSpPr>
+            <a:cxnSpLocks/>
+          </p:cNvCxnSpPr>
+          <p:nvPr/>
+        </p:nvCxnSpPr>
+        <p:spPr>
+          <a:xfrm flipV="1">
+            <a:off x="10557974" y="1152271"/>
+            <a:ext cx="0" cy="391242"/>
+          </a:xfrm>
+          <a:prstGeom prst="straightConnector1">
+            <a:avLst/>
+          </a:prstGeom>
+          <a:ln w="12700">
+            <a:solidFill>
+              <a:schemeClr val="accent2">
+                <a:lumMod val="75000"/>
+              </a:schemeClr>
+            </a:solidFill>
+            <a:headEnd type="triangle"/>
+            <a:tailEnd type="none"/>
+          </a:ln>
+        </p:spPr>
+        <p:style>
+          <a:lnRef idx="1">
+            <a:schemeClr val="accent1"/>
+          </a:lnRef>
+          <a:fillRef idx="0">
+            <a:schemeClr val="accent1"/>
+          </a:fillRef>
+          <a:effectRef idx="0">
+            <a:schemeClr val="accent1"/>
+          </a:effectRef>
+          <a:fontRef idx="minor">
+            <a:schemeClr val="tx1"/>
+          </a:fontRef>
+        </p:style>
+      </p:cxnSp>
+      <p:grpSp>
+        <p:nvGrpSpPr>
+          <p:cNvPr id="35" name="그룹 34">
+            <a:extLst>
+              <a:ext uri="{FF2B5EF4-FFF2-40B4-BE49-F238E27FC236}">
+                <a16:creationId xmlns:a16="http://schemas.microsoft.com/office/drawing/2014/main" id="{FA269D3F-1171-496C-A7B9-396E0ACC59FD}"/>
+              </a:ext>
+            </a:extLst>
+          </p:cNvPr>
+          <p:cNvGrpSpPr/>
+          <p:nvPr/>
+        </p:nvGrpSpPr>
+        <p:grpSpPr>
+          <a:xfrm>
+            <a:off x="8789377" y="4517317"/>
+            <a:ext cx="2385646" cy="973016"/>
+            <a:chOff x="8339802" y="4501662"/>
+            <a:chExt cx="2385646" cy="973016"/>
+          </a:xfrm>
+        </p:grpSpPr>
+        <p:sp>
+          <p:nvSpPr>
+            <p:cNvPr id="26" name="직사각형 25">
+              <a:extLst>
+                <a:ext uri="{FF2B5EF4-FFF2-40B4-BE49-F238E27FC236}">
+                  <a16:creationId xmlns:a16="http://schemas.microsoft.com/office/drawing/2014/main" id="{D0269D9B-D12B-4BE0-9AD9-B6F6C63DC0FE}"/>
+                </a:ext>
+              </a:extLst>
+            </p:cNvPr>
+            <p:cNvSpPr/>
+            <p:nvPr/>
+          </p:nvSpPr>
+          <p:spPr>
+            <a:xfrm>
+              <a:off x="8339802" y="4501662"/>
+              <a:ext cx="2385646" cy="973016"/>
+            </a:xfrm>
+            <a:prstGeom prst="rect">
+              <a:avLst/>
+            </a:prstGeom>
+            <a:solidFill>
+              <a:schemeClr val="bg2"/>
+            </a:solidFill>
+            <a:ln>
+              <a:solidFill>
+                <a:schemeClr val="tx1"/>
+              </a:solidFill>
+            </a:ln>
+          </p:spPr>
+          <p:style>
+            <a:lnRef idx="2">
+              <a:schemeClr val="accent1">
+                <a:shade val="50000"/>
+              </a:schemeClr>
+            </a:lnRef>
+            <a:fillRef idx="1">
+              <a:schemeClr val="accent1"/>
+            </a:fillRef>
+            <a:effectRef idx="0">
+              <a:schemeClr val="accent1"/>
+            </a:effectRef>
+            <a:fontRef idx="minor">
+              <a:schemeClr val="lt1"/>
+            </a:fontRef>
+          </p:style>
+          <p:txBody>
+            <a:bodyPr rtlCol="0" anchor="ctr"/>
+            <a:lstStyle/>
+            <a:p>
+              <a:pPr algn="ctr"/>
+              <a:endParaRPr lang="ko-KR" altLang="en-US"/>
+            </a:p>
+          </p:txBody>
+        </p:sp>
+        <p:grpSp>
+          <p:nvGrpSpPr>
+            <p:cNvPr id="25" name="그룹 24">
+              <a:extLst>
+                <a:ext uri="{FF2B5EF4-FFF2-40B4-BE49-F238E27FC236}">
+                  <a16:creationId xmlns:a16="http://schemas.microsoft.com/office/drawing/2014/main" id="{B026AB7A-5757-4823-8218-B626EBEB8F42}"/>
+                </a:ext>
+              </a:extLst>
+            </p:cNvPr>
+            <p:cNvGrpSpPr/>
+            <p:nvPr/>
+          </p:nvGrpSpPr>
+          <p:grpSpPr>
+            <a:xfrm>
+              <a:off x="8557167" y="4674044"/>
+              <a:ext cx="1881185" cy="692717"/>
+              <a:chOff x="8557167" y="4674044"/>
+              <a:chExt cx="1881185" cy="692717"/>
+            </a:xfrm>
+          </p:grpSpPr>
+          <p:sp>
+            <p:nvSpPr>
+              <p:cNvPr id="27" name="TextBox 26">
+                <a:extLst>
+                  <a:ext uri="{FF2B5EF4-FFF2-40B4-BE49-F238E27FC236}">
+                    <a16:creationId xmlns:a16="http://schemas.microsoft.com/office/drawing/2014/main" id="{6F5B241E-B170-4D86-A508-6FE797B27CFE}"/>
+                  </a:ext>
+                </a:extLst>
+              </p:cNvPr>
+              <p:cNvSpPr txBox="1"/>
+              <p:nvPr/>
+            </p:nvSpPr>
+            <p:spPr>
+              <a:xfrm>
+                <a:off x="8969676" y="4674044"/>
+                <a:ext cx="425597" cy="230832"/>
+              </a:xfrm>
+              <a:prstGeom prst="rect">
+                <a:avLst/>
+              </a:prstGeom>
+              <a:solidFill>
+                <a:schemeClr val="bg1"/>
+              </a:solidFill>
+              <a:ln>
+                <a:solidFill>
+                  <a:schemeClr val="tx1"/>
+                </a:solidFill>
+              </a:ln>
+            </p:spPr>
+            <p:txBody>
+              <a:bodyPr wrap="square" rtlCol="0">
+                <a:spAutoFit/>
+              </a:bodyPr>
+              <a:lstStyle/>
+              <a:p>
+                <a:pPr algn="ctr"/>
+                <a:r>
+                  <a:rPr lang="en-US" altLang="ko-KR" sz="900"/>
+                  <a:t>TLS</a:t>
+                </a:r>
+              </a:p>
+            </p:txBody>
+          </p:sp>
+          <p:sp>
+            <p:nvSpPr>
+              <p:cNvPr id="28" name="TextBox 27">
+                <a:extLst>
+                  <a:ext uri="{FF2B5EF4-FFF2-40B4-BE49-F238E27FC236}">
+                    <a16:creationId xmlns:a16="http://schemas.microsoft.com/office/drawing/2014/main" id="{569D8EA4-C41A-483A-AB54-FE10AB46C472}"/>
+                  </a:ext>
+                </a:extLst>
+              </p:cNvPr>
+              <p:cNvSpPr txBox="1"/>
+              <p:nvPr/>
+            </p:nvSpPr>
+            <p:spPr>
+              <a:xfrm>
+                <a:off x="9911604" y="4674044"/>
+                <a:ext cx="526748" cy="230832"/>
+              </a:xfrm>
+              <a:prstGeom prst="rect">
+                <a:avLst/>
+              </a:prstGeom>
+              <a:solidFill>
+                <a:schemeClr val="bg1"/>
+              </a:solidFill>
+              <a:ln>
+                <a:solidFill>
+                  <a:schemeClr val="tx1"/>
+                </a:solidFill>
+              </a:ln>
+            </p:spPr>
+            <p:txBody>
+              <a:bodyPr wrap="square" rtlCol="0">
+                <a:spAutoFit/>
+              </a:bodyPr>
+              <a:lstStyle/>
+              <a:p>
+                <a:pPr algn="ctr"/>
+                <a:r>
+                  <a:rPr lang="en-US" altLang="ko-KR" sz="900"/>
+                  <a:t>RTP</a:t>
+                </a:r>
+              </a:p>
+            </p:txBody>
+          </p:sp>
+          <p:sp>
+            <p:nvSpPr>
+              <p:cNvPr id="29" name="TextBox 28">
+                <a:extLst>
+                  <a:ext uri="{FF2B5EF4-FFF2-40B4-BE49-F238E27FC236}">
+                    <a16:creationId xmlns:a16="http://schemas.microsoft.com/office/drawing/2014/main" id="{8AEABDC9-01BB-4B28-9F73-8EAA3ED1AC90}"/>
+                  </a:ext>
+                </a:extLst>
+              </p:cNvPr>
+              <p:cNvSpPr txBox="1"/>
+              <p:nvPr/>
+            </p:nvSpPr>
+            <p:spPr>
+              <a:xfrm>
+                <a:off x="8557167" y="4905097"/>
+                <a:ext cx="690630" cy="230832"/>
+              </a:xfrm>
+              <a:prstGeom prst="rect">
+                <a:avLst/>
+              </a:prstGeom>
+              <a:solidFill>
+                <a:schemeClr val="bg1"/>
+              </a:solidFill>
+              <a:ln>
+                <a:solidFill>
+                  <a:schemeClr val="tx1"/>
+                </a:solidFill>
+              </a:ln>
+            </p:spPr>
+            <p:txBody>
+              <a:bodyPr wrap="square" rtlCol="0">
+                <a:spAutoFit/>
+              </a:bodyPr>
+              <a:lstStyle/>
+              <a:p>
+                <a:pPr algn="ctr"/>
+                <a:r>
+                  <a:rPr lang="en-US" altLang="ko-KR" sz="900"/>
+                  <a:t>TCP</a:t>
+                </a:r>
+              </a:p>
+            </p:txBody>
+          </p:sp>
+          <p:sp>
+            <p:nvSpPr>
+              <p:cNvPr id="30" name="TextBox 29">
+                <a:extLst>
+                  <a:ext uri="{FF2B5EF4-FFF2-40B4-BE49-F238E27FC236}">
+                    <a16:creationId xmlns:a16="http://schemas.microsoft.com/office/drawing/2014/main" id="{3AE6D095-2AE9-41B3-A736-BD0538C129C3}"/>
+                  </a:ext>
+                </a:extLst>
+              </p:cNvPr>
+              <p:cNvSpPr txBox="1"/>
+              <p:nvPr/>
+            </p:nvSpPr>
+            <p:spPr>
+              <a:xfrm>
+                <a:off x="9247802" y="4905097"/>
+                <a:ext cx="470000" cy="230832"/>
+              </a:xfrm>
+              <a:prstGeom prst="rect">
+                <a:avLst/>
+              </a:prstGeom>
+              <a:solidFill>
+                <a:schemeClr val="bg1"/>
+              </a:solidFill>
+              <a:ln>
+                <a:solidFill>
+                  <a:schemeClr val="tx1"/>
+                </a:solidFill>
+              </a:ln>
+            </p:spPr>
+            <p:txBody>
+              <a:bodyPr wrap="none" rtlCol="0">
+                <a:spAutoFit/>
+              </a:bodyPr>
+              <a:lstStyle/>
+              <a:p>
+                <a:pPr algn="ctr"/>
+                <a:r>
+                  <a:rPr lang="en-US" altLang="ko-KR" sz="900"/>
+                  <a:t>SCTP</a:t>
+                </a:r>
+              </a:p>
+            </p:txBody>
+          </p:sp>
+          <p:sp>
+            <p:nvSpPr>
+              <p:cNvPr id="32" name="TextBox 31">
+                <a:extLst>
+                  <a:ext uri="{FF2B5EF4-FFF2-40B4-BE49-F238E27FC236}">
+                    <a16:creationId xmlns:a16="http://schemas.microsoft.com/office/drawing/2014/main" id="{F01F5002-8D58-4619-9021-EEEE8201399C}"/>
+                  </a:ext>
+                </a:extLst>
+              </p:cNvPr>
+              <p:cNvSpPr txBox="1"/>
+              <p:nvPr/>
+            </p:nvSpPr>
+            <p:spPr>
+              <a:xfrm>
+                <a:off x="9717802" y="4905097"/>
+                <a:ext cx="720550" cy="230832"/>
+              </a:xfrm>
+              <a:prstGeom prst="rect">
+                <a:avLst/>
+              </a:prstGeom>
+              <a:solidFill>
+                <a:schemeClr val="bg1"/>
+              </a:solidFill>
+              <a:ln>
+                <a:solidFill>
+                  <a:schemeClr val="tx1"/>
+                </a:solidFill>
+              </a:ln>
+            </p:spPr>
+            <p:txBody>
+              <a:bodyPr wrap="square" rtlCol="0">
+                <a:spAutoFit/>
+              </a:bodyPr>
+              <a:lstStyle/>
+              <a:p>
+                <a:pPr algn="ctr"/>
+                <a:r>
+                  <a:rPr lang="en-US" altLang="ko-KR" sz="900"/>
+                  <a:t>UDP</a:t>
+                </a:r>
+              </a:p>
+            </p:txBody>
+          </p:sp>
+          <p:sp>
+            <p:nvSpPr>
+              <p:cNvPr id="33" name="TextBox 32">
+                <a:extLst>
+                  <a:ext uri="{FF2B5EF4-FFF2-40B4-BE49-F238E27FC236}">
+                    <a16:creationId xmlns:a16="http://schemas.microsoft.com/office/drawing/2014/main" id="{DA0B1DEE-AEDE-4C2B-A50C-532D53781960}"/>
+                  </a:ext>
+                </a:extLst>
+              </p:cNvPr>
+              <p:cNvSpPr txBox="1"/>
+              <p:nvPr/>
+            </p:nvSpPr>
+            <p:spPr>
+              <a:xfrm>
+                <a:off x="8557168" y="5135929"/>
+                <a:ext cx="1881184" cy="230832"/>
+              </a:xfrm>
+              <a:prstGeom prst="rect">
+                <a:avLst/>
+              </a:prstGeom>
+              <a:solidFill>
+                <a:schemeClr val="bg1"/>
+              </a:solidFill>
+              <a:ln>
+                <a:solidFill>
+                  <a:schemeClr val="tx1"/>
+                </a:solidFill>
+              </a:ln>
+            </p:spPr>
+            <p:txBody>
+              <a:bodyPr wrap="square" rtlCol="0">
+                <a:spAutoFit/>
+              </a:bodyPr>
+              <a:lstStyle/>
+              <a:p>
+                <a:pPr algn="ctr"/>
+                <a:r>
+                  <a:rPr lang="en-US" altLang="ko-KR" sz="900"/>
+                  <a:t>IP</a:t>
+                </a:r>
+              </a:p>
+            </p:txBody>
+          </p:sp>
+        </p:grpSp>
+      </p:grpSp>
+      <p:cxnSp>
+        <p:nvCxnSpPr>
+          <p:cNvPr id="39" name="연결선: 꺾임 38">
+            <a:extLst>
+              <a:ext uri="{FF2B5EF4-FFF2-40B4-BE49-F238E27FC236}">
+                <a16:creationId xmlns:a16="http://schemas.microsoft.com/office/drawing/2014/main" id="{F29F655C-F29B-4CCA-8566-51AB639585FC}"/>
+              </a:ext>
+            </a:extLst>
+          </p:cNvPr>
+          <p:cNvCxnSpPr>
+            <a:cxnSpLocks/>
+          </p:cNvCxnSpPr>
+          <p:nvPr/>
+        </p:nvCxnSpPr>
+        <p:spPr>
+          <a:xfrm flipV="1">
+            <a:off x="8610600" y="5490333"/>
+            <a:ext cx="1371600" cy="447405"/>
+          </a:xfrm>
+          <a:prstGeom prst="bentConnector2">
+            <a:avLst/>
+          </a:prstGeom>
+          <a:ln w="12700">
+            <a:solidFill>
+              <a:schemeClr val="accent2">
+                <a:lumMod val="75000"/>
+              </a:schemeClr>
+            </a:solidFill>
+            <a:prstDash val="dash"/>
+            <a:headEnd type="triangle" w="med" len="med"/>
+            <a:tailEnd type="none" w="med" len="med"/>
+          </a:ln>
+        </p:spPr>
+        <p:style>
+          <a:lnRef idx="1">
+            <a:schemeClr val="accent1"/>
+          </a:lnRef>
+          <a:fillRef idx="0">
+            <a:schemeClr val="accent1"/>
+          </a:fillRef>
+          <a:effectRef idx="0">
+            <a:schemeClr val="accent1"/>
+          </a:effectRef>
+          <a:fontRef idx="minor">
+            <a:schemeClr val="tx1"/>
+          </a:fontRef>
+        </p:style>
+      </p:cxnSp>
+      <p:sp>
+        <p:nvSpPr>
+          <p:cNvPr id="41" name="TextBox 40">
+            <a:extLst>
+              <a:ext uri="{FF2B5EF4-FFF2-40B4-BE49-F238E27FC236}">
+                <a16:creationId xmlns:a16="http://schemas.microsoft.com/office/drawing/2014/main" id="{4482C288-565B-4A42-8A70-991DEE55C3BE}"/>
+              </a:ext>
+            </a:extLst>
+          </p:cNvPr>
+          <p:cNvSpPr txBox="1"/>
+          <p:nvPr/>
+        </p:nvSpPr>
+        <p:spPr>
+          <a:xfrm>
+            <a:off x="9067556" y="906050"/>
+            <a:ext cx="2199641" cy="246221"/>
+          </a:xfrm>
+          <a:prstGeom prst="rect">
+            <a:avLst/>
+          </a:prstGeom>
+          <a:noFill/>
+        </p:spPr>
+        <p:txBody>
+          <a:bodyPr wrap="none" rtlCol="0">
+            <a:spAutoFit/>
+          </a:bodyPr>
+          <a:lstStyle/>
+          <a:p>
+            <a:r>
+              <a:rPr lang="en-US" altLang="ko-KR" sz="1000" b="1">
+                <a:solidFill>
+                  <a:schemeClr val="accent2">
+                    <a:lumMod val="75000"/>
+                  </a:schemeClr>
+                </a:solidFill>
+              </a:rPr>
+              <a:t>407 Proxy Authentication Required</a:t>
+            </a:r>
+          </a:p>
+        </p:txBody>
+      </p:sp>
+    </p:spTree>
+    <p:extLst>
+      <p:ext uri="{BB962C8B-B14F-4D97-AF65-F5344CB8AC3E}">
+        <p14:creationId xmlns:p14="http://schemas.microsoft.com/office/powerpoint/2010/main" val="3163917458"/>
+      </p:ext>
+    </p:extLst>
+  </p:cSld>
+  <p:clrMapOvr>
+    <a:masterClrMapping/>
+  </p:clrMapOvr>
+</p:sld>
+</file>
+
+<file path=ppt/slides/slide51.xml><?xml version="1.0" encoding="utf-8"?>
+<p:sld xmlns:a="http://schemas.openxmlformats.org/drawingml/2006/main" xmlns:r="http://schemas.openxmlformats.org/officeDocument/2006/relationships" xmlns:p="http://schemas.openxmlformats.org/presentationml/2006/main">
+  <p:cSld>
+    <p:spTree>
+      <p:nvGrpSpPr>
+        <p:cNvPr id="1" name=""/>
+        <p:cNvGrpSpPr/>
+        <p:nvPr/>
+      </p:nvGrpSpPr>
+      <p:grpSpPr>
+        <a:xfrm>
+          <a:off x="0" y="0"/>
+          <a:ext cx="0" cy="0"/>
+          <a:chOff x="0" y="0"/>
+          <a:chExt cx="0" cy="0"/>
+        </a:xfrm>
+      </p:grpSpPr>
+      <p:sp>
+        <p:nvSpPr>
+          <p:cNvPr id="2" name="제목 1">
+            <a:extLst>
+              <a:ext uri="{FF2B5EF4-FFF2-40B4-BE49-F238E27FC236}">
+                <a16:creationId xmlns:a16="http://schemas.microsoft.com/office/drawing/2014/main" id="{70F22706-C19C-4D37-953F-8A651D4CB7A4}"/>
+              </a:ext>
+            </a:extLst>
+          </p:cNvPr>
+          <p:cNvSpPr>
+            <a:spLocks noGrp="1"/>
+          </p:cNvSpPr>
+          <p:nvPr>
+            <p:ph type="title"/>
+          </p:nvPr>
+        </p:nvSpPr>
+        <p:spPr>
+          <a:xfrm>
+            <a:off x="0" y="1"/>
+            <a:ext cx="12192000" cy="550415"/>
+          </a:xfrm>
+        </p:spPr>
+        <p:txBody>
+          <a:bodyPr/>
+          <a:lstStyle/>
+          <a:p>
+            <a:r>
+              <a:rPr lang="en-US" altLang="ko-KR"/>
+              <a:t>3. Transport – Framing &amp; Error Handling (6/6)</a:t>
+            </a:r>
+            <a:endParaRPr lang="ko-KR" altLang="en-US"/>
+          </a:p>
+        </p:txBody>
+      </p:sp>
+      <p:sp>
+        <p:nvSpPr>
+          <p:cNvPr id="3" name="슬라이드 번호 개체 틀 2">
+            <a:extLst>
+              <a:ext uri="{FF2B5EF4-FFF2-40B4-BE49-F238E27FC236}">
+                <a16:creationId xmlns:a16="http://schemas.microsoft.com/office/drawing/2014/main" id="{7C06E1FC-B274-42F0-8885-FADDAB6271F6}"/>
+              </a:ext>
+            </a:extLst>
+          </p:cNvPr>
+          <p:cNvSpPr>
+            <a:spLocks noGrp="1"/>
+          </p:cNvSpPr>
+          <p:nvPr>
+            <p:ph type="sldNum" sz="quarter" idx="12"/>
+          </p:nvPr>
+        </p:nvSpPr>
+        <p:spPr/>
+        <p:txBody>
+          <a:bodyPr/>
+          <a:lstStyle/>
+          <a:p>
+            <a:fld id="{A9252A94-CC09-4928-8209-20295AE91AEF}" type="slidenum">
+              <a:rPr lang="ko-KR" altLang="en-US" smtClean="0"/>
+              <a:pPr/>
+              <a:t>51</a:t>
+            </a:fld>
+            <a:endParaRPr lang="ko-KR" altLang="en-US"/>
+          </a:p>
+        </p:txBody>
+      </p:sp>
+      <p:sp>
+        <p:nvSpPr>
+          <p:cNvPr id="31" name="TextBox 30">
+            <a:extLst>
+              <a:ext uri="{FF2B5EF4-FFF2-40B4-BE49-F238E27FC236}">
+                <a16:creationId xmlns:a16="http://schemas.microsoft.com/office/drawing/2014/main" id="{3CAC487F-05C2-4832-9D63-EE8F27616AEE}"/>
+              </a:ext>
+            </a:extLst>
+          </p:cNvPr>
+          <p:cNvSpPr txBox="1"/>
+          <p:nvPr/>
+        </p:nvSpPr>
+        <p:spPr>
+          <a:xfrm>
+            <a:off x="732463" y="1007183"/>
+            <a:ext cx="7994496" cy="2573782"/>
+          </a:xfrm>
+          <a:prstGeom prst="rect">
+            <a:avLst/>
+          </a:prstGeom>
+          <a:noFill/>
+        </p:spPr>
+        <p:txBody>
+          <a:bodyPr wrap="none" rtlCol="0">
+            <a:spAutoFit/>
+          </a:bodyPr>
+          <a:lstStyle/>
+          <a:p>
+            <a:pPr>
+              <a:lnSpc>
+                <a:spcPct val="200000"/>
+              </a:lnSpc>
+            </a:pPr>
+            <a:r>
+              <a:rPr lang="en-US" altLang="ko-KR" sz="1600" b="1"/>
+              <a:t>Framing</a:t>
+            </a:r>
+          </a:p>
+          <a:p>
+            <a:pPr marL="285750" indent="-285750">
+              <a:lnSpc>
+                <a:spcPct val="200000"/>
+              </a:lnSpc>
+              <a:buFont typeface="Arial" panose="020B0604020202020204" pitchFamily="34" charset="0"/>
+              <a:buChar char="•"/>
+            </a:pPr>
+            <a:r>
+              <a:rPr lang="ko-KR" altLang="en-US" sz="1100"/>
+              <a:t>메시지 지향 전송</a:t>
+            </a:r>
+            <a:r>
+              <a:rPr lang="en-US" altLang="ko-KR" sz="1100"/>
+              <a:t>(</a:t>
+            </a:r>
+            <a:r>
+              <a:rPr lang="ko-KR" altLang="en-US" sz="1100"/>
+              <a:t>예</a:t>
+            </a:r>
+            <a:r>
+              <a:rPr lang="en-US" altLang="ko-KR" sz="1100"/>
+              <a:t>: UDP)</a:t>
+            </a:r>
+            <a:r>
+              <a:rPr lang="ko-KR" altLang="en-US" sz="1100"/>
+              <a:t>의</a:t>
+            </a:r>
+            <a:r>
+              <a:rPr lang="en-US" altLang="ko-KR" sz="1100"/>
+              <a:t> </a:t>
+            </a:r>
+            <a:r>
+              <a:rPr lang="ko-KR" altLang="en-US" sz="1100"/>
+              <a:t>경우</a:t>
+            </a:r>
+            <a:r>
+              <a:rPr lang="en-US" altLang="ko-KR" sz="1100"/>
+              <a:t>, </a:t>
+            </a:r>
+            <a:r>
+              <a:rPr lang="ko-KR" altLang="en-US" sz="1100"/>
+              <a:t>메시지에 </a:t>
+            </a:r>
+            <a:r>
+              <a:rPr lang="en-US" altLang="ko-KR" sz="1100" b="1"/>
+              <a:t>Content-Length</a:t>
+            </a:r>
+            <a:r>
+              <a:rPr lang="en-US" altLang="ko-KR" sz="1100"/>
+              <a:t> </a:t>
+            </a:r>
+            <a:r>
+              <a:rPr lang="ko-KR" altLang="en-US" sz="1100"/>
+              <a:t>헤더가 있다면 메시지 </a:t>
+            </a:r>
+            <a:r>
+              <a:rPr lang="en-US" altLang="ko-KR" sz="1100" b="1"/>
+              <a:t>body </a:t>
+            </a:r>
+            <a:r>
+              <a:rPr lang="ko-KR" altLang="en-US" sz="1100"/>
+              <a:t>에 해당 </a:t>
+            </a:r>
+            <a:r>
+              <a:rPr lang="en-US" altLang="ko-KR" sz="1100" b="1"/>
+              <a:t>byte </a:t>
+            </a:r>
+            <a:r>
+              <a:rPr lang="ko-KR" altLang="en-US" sz="1100"/>
+              <a:t>가 포함된 것으로 간주</a:t>
+            </a:r>
+            <a:endParaRPr lang="en-US" altLang="ko-KR" sz="1100"/>
+          </a:p>
+          <a:p>
+            <a:pPr marL="742950" lvl="1" indent="-285750">
+              <a:lnSpc>
+                <a:spcPct val="200000"/>
+              </a:lnSpc>
+              <a:buFont typeface="Roboto" panose="02000000000000000000" pitchFamily="2" charset="0"/>
+              <a:buChar char="−"/>
+            </a:pPr>
+            <a:r>
+              <a:rPr lang="ko-KR" altLang="en-US" sz="1100"/>
+              <a:t>전송 패킷에 </a:t>
+            </a:r>
+            <a:r>
+              <a:rPr lang="en-US" altLang="ko-KR" sz="1100" b="1"/>
+              <a:t>body</a:t>
+            </a:r>
+            <a:r>
+              <a:rPr lang="en-US" altLang="ko-KR" sz="1100"/>
+              <a:t> </a:t>
+            </a:r>
+            <a:r>
+              <a:rPr lang="ko-KR" altLang="en-US" sz="1100"/>
+              <a:t>끝은 넘어서는 추가 </a:t>
+            </a:r>
+            <a:r>
+              <a:rPr lang="en-US" altLang="ko-KR" sz="1100" b="1"/>
+              <a:t>byte </a:t>
+            </a:r>
+            <a:r>
+              <a:rPr lang="ko-KR" altLang="en-US" sz="1100"/>
+              <a:t>가 있는 경우 반드시 버림</a:t>
+            </a:r>
+            <a:endParaRPr lang="en-US" altLang="ko-KR" sz="1100"/>
+          </a:p>
+          <a:p>
+            <a:pPr marL="742950" lvl="1" indent="-285750">
+              <a:lnSpc>
+                <a:spcPct val="200000"/>
+              </a:lnSpc>
+              <a:buFont typeface="Roboto" panose="02000000000000000000" pitchFamily="2" charset="0"/>
+              <a:buChar char="−"/>
+            </a:pPr>
+            <a:r>
+              <a:rPr lang="ko-KR" altLang="en-US" sz="1100"/>
+              <a:t>전송 패킷이 메시지 </a:t>
+            </a:r>
+            <a:r>
+              <a:rPr lang="en-US" altLang="ko-KR" sz="1100" b="1"/>
+              <a:t>body </a:t>
+            </a:r>
+            <a:r>
+              <a:rPr lang="ko-KR" altLang="en-US" sz="1100"/>
+              <a:t>가 끝나기 전에 끝나면 오류로 간주</a:t>
+            </a:r>
+            <a:endParaRPr lang="en-US" altLang="ko-KR" sz="1100"/>
+          </a:p>
+          <a:p>
+            <a:pPr marL="742950" lvl="1" indent="-285750">
+              <a:lnSpc>
+                <a:spcPct val="200000"/>
+              </a:lnSpc>
+              <a:buFont typeface="Roboto" panose="02000000000000000000" pitchFamily="2" charset="0"/>
+              <a:buChar char="−"/>
+            </a:pPr>
+            <a:r>
+              <a:rPr lang="ko-KR" altLang="en-US" sz="1100"/>
+              <a:t>메시지가 응답인 경우 반드시 삭제하고</a:t>
+            </a:r>
+            <a:r>
+              <a:rPr lang="en-US" altLang="ko-KR" sz="1100"/>
+              <a:t>, </a:t>
+            </a:r>
+            <a:r>
+              <a:rPr lang="ko-KR" altLang="en-US" sz="1100"/>
+              <a:t>요청인 경우 </a:t>
+            </a:r>
+            <a:r>
+              <a:rPr lang="en-US" altLang="ko-KR" sz="1100" b="1"/>
+              <a:t>400 (Bad Request)</a:t>
+            </a:r>
+            <a:r>
+              <a:rPr lang="en-US" altLang="ko-KR" sz="1100"/>
+              <a:t> </a:t>
+            </a:r>
+            <a:r>
+              <a:rPr lang="ko-KR" altLang="en-US" sz="1100"/>
+              <a:t>응답을 생성</a:t>
+            </a:r>
+            <a:endParaRPr lang="en-US" altLang="ko-KR" sz="1100"/>
+          </a:p>
+          <a:p>
+            <a:pPr marL="742950" lvl="1" indent="-285750">
+              <a:lnSpc>
+                <a:spcPct val="200000"/>
+              </a:lnSpc>
+              <a:buFont typeface="Roboto" panose="02000000000000000000" pitchFamily="2" charset="0"/>
+              <a:buChar char="−"/>
+            </a:pPr>
+            <a:r>
+              <a:rPr lang="ko-KR" altLang="en-US" sz="1100"/>
+              <a:t>메시지에 </a:t>
+            </a:r>
+            <a:r>
+              <a:rPr lang="en-US" altLang="ko-KR" sz="1100"/>
+              <a:t>Content-Length </a:t>
+            </a:r>
+            <a:r>
+              <a:rPr lang="ko-KR" altLang="en-US" sz="1100"/>
+              <a:t>헤더가 없는 경우</a:t>
+            </a:r>
+            <a:r>
+              <a:rPr lang="en-US" altLang="ko-KR" sz="1100"/>
+              <a:t>, </a:t>
+            </a:r>
+            <a:r>
+              <a:rPr lang="ko-KR" altLang="en-US" sz="1100"/>
+              <a:t>메시지 </a:t>
+            </a:r>
+            <a:r>
+              <a:rPr lang="en-US" altLang="ko-KR" sz="1100"/>
+              <a:t>body </a:t>
+            </a:r>
+            <a:r>
+              <a:rPr lang="ko-KR" altLang="en-US" sz="1100"/>
+              <a:t>는 전송 패킷의 끝에서 끝나는 것으로 간주</a:t>
+            </a:r>
+            <a:endParaRPr lang="en-US" altLang="ko-KR" sz="1100"/>
+          </a:p>
+          <a:p>
+            <a:pPr marL="285750" indent="-285750">
+              <a:lnSpc>
+                <a:spcPct val="200000"/>
+              </a:lnSpc>
+              <a:buFont typeface="Arial" panose="020B0604020202020204" pitchFamily="34" charset="0"/>
+              <a:buChar char="•"/>
+            </a:pPr>
+            <a:r>
+              <a:rPr lang="ko-KR" altLang="en-US" sz="1100"/>
+              <a:t>스트림 지향 전송</a:t>
+            </a:r>
+            <a:r>
+              <a:rPr lang="en-US" altLang="ko-KR" sz="1100"/>
+              <a:t>(</a:t>
+            </a:r>
+            <a:r>
+              <a:rPr lang="ko-KR" altLang="en-US" sz="1100"/>
+              <a:t>예</a:t>
+            </a:r>
+            <a:r>
+              <a:rPr lang="en-US" altLang="ko-KR" sz="1100"/>
+              <a:t>: TCP)</a:t>
+            </a:r>
+            <a:r>
+              <a:rPr lang="ko-KR" altLang="en-US" sz="1100"/>
+              <a:t>의 경우</a:t>
+            </a:r>
+            <a:r>
+              <a:rPr lang="en-US" altLang="ko-KR" sz="1100"/>
+              <a:t>, </a:t>
+            </a:r>
+            <a:r>
+              <a:rPr lang="en-US" altLang="ko-KR" sz="1100" b="1"/>
+              <a:t>Content-Length</a:t>
+            </a:r>
+            <a:r>
+              <a:rPr lang="en-US" altLang="ko-KR" sz="1100"/>
+              <a:t> </a:t>
+            </a:r>
+            <a:r>
+              <a:rPr lang="ko-KR" altLang="en-US" sz="1100"/>
+              <a:t>헤더는 </a:t>
+            </a:r>
+            <a:r>
+              <a:rPr lang="en-US" altLang="ko-KR" sz="1100"/>
+              <a:t>body</a:t>
+            </a:r>
+            <a:r>
+              <a:rPr lang="ko-KR" altLang="en-US" sz="1100"/>
+              <a:t>의 크기를 나타내며</a:t>
+            </a:r>
+            <a:r>
+              <a:rPr lang="en-US" altLang="ko-KR" sz="1100"/>
+              <a:t>, </a:t>
+            </a:r>
+            <a:r>
+              <a:rPr lang="en-US" altLang="ko-KR" sz="1100" b="1"/>
+              <a:t>Content-Length</a:t>
+            </a:r>
+            <a:r>
+              <a:rPr lang="en-US" altLang="ko-KR" sz="1100"/>
+              <a:t> </a:t>
+            </a:r>
+            <a:r>
+              <a:rPr lang="ko-KR" altLang="en-US" sz="1100"/>
+              <a:t>헤더를 반드시 사용</a:t>
+            </a:r>
+            <a:endParaRPr lang="en-US" altLang="ko-KR" sz="1100"/>
+          </a:p>
+        </p:txBody>
+      </p:sp>
+      <p:sp>
+        <p:nvSpPr>
+          <p:cNvPr id="34" name="TextBox 33">
+            <a:extLst>
+              <a:ext uri="{FF2B5EF4-FFF2-40B4-BE49-F238E27FC236}">
+                <a16:creationId xmlns:a16="http://schemas.microsoft.com/office/drawing/2014/main" id="{483842F1-8BDD-4656-9E0F-C2A32A873ADC}"/>
+              </a:ext>
+            </a:extLst>
+          </p:cNvPr>
+          <p:cNvSpPr txBox="1"/>
+          <p:nvPr/>
+        </p:nvSpPr>
+        <p:spPr>
+          <a:xfrm>
+            <a:off x="732463" y="3681766"/>
+            <a:ext cx="8267007" cy="2228174"/>
+          </a:xfrm>
+          <a:prstGeom prst="rect">
+            <a:avLst/>
+          </a:prstGeom>
+          <a:noFill/>
+        </p:spPr>
+        <p:txBody>
+          <a:bodyPr wrap="none" rtlCol="0">
+            <a:spAutoFit/>
+          </a:bodyPr>
+          <a:lstStyle/>
+          <a:p>
+            <a:pPr>
+              <a:lnSpc>
+                <a:spcPct val="200000"/>
+              </a:lnSpc>
+            </a:pPr>
+            <a:r>
+              <a:rPr lang="en-US" altLang="ko-KR" sz="1600" b="1"/>
+              <a:t>Error Handling</a:t>
+            </a:r>
+          </a:p>
+          <a:p>
+            <a:pPr marL="285750" indent="-285750">
+              <a:lnSpc>
+                <a:spcPct val="200000"/>
+              </a:lnSpc>
+              <a:buFont typeface="Arial" panose="020B0604020202020204" pitchFamily="34" charset="0"/>
+              <a:buChar char="•"/>
+            </a:pPr>
+            <a:r>
+              <a:rPr lang="ko-KR" altLang="en-US" sz="1100"/>
+              <a:t>오류 처리는 메시지가 </a:t>
+            </a:r>
+            <a:r>
+              <a:rPr lang="ko-KR" altLang="en-US" sz="1100" b="1"/>
+              <a:t>요청</a:t>
+            </a:r>
+            <a:r>
+              <a:rPr lang="ko-KR" altLang="en-US" sz="1100"/>
+              <a:t>인지 </a:t>
+            </a:r>
+            <a:r>
+              <a:rPr lang="ko-KR" altLang="en-US" sz="1100" b="1"/>
+              <a:t>응답</a:t>
+            </a:r>
+            <a:r>
+              <a:rPr lang="ko-KR" altLang="en-US" sz="1100"/>
+              <a:t>인지에 </a:t>
+            </a:r>
+            <a:r>
+              <a:rPr lang="ko-KR" altLang="en-US" sz="1100" b="1"/>
+              <a:t>독립적</a:t>
+            </a:r>
+            <a:endParaRPr lang="en-US" altLang="ko-KR" sz="1100" b="1"/>
+          </a:p>
+          <a:p>
+            <a:pPr marL="285750" indent="-285750">
+              <a:lnSpc>
+                <a:spcPct val="200000"/>
+              </a:lnSpc>
+              <a:buFont typeface="Arial" panose="020B0604020202020204" pitchFamily="34" charset="0"/>
+              <a:buChar char="•"/>
+            </a:pPr>
+            <a:r>
+              <a:rPr lang="en-US" altLang="ko-KR" sz="1100"/>
+              <a:t>unreliable </a:t>
+            </a:r>
+            <a:r>
+              <a:rPr lang="ko-KR" altLang="en-US" sz="1100"/>
+              <a:t>전송을 통해 메시지를 전송하도록 요청하고 그 결과 </a:t>
+            </a:r>
+            <a:r>
+              <a:rPr lang="en-US" altLang="ko-KR" sz="1100"/>
+              <a:t>ICMP </a:t>
+            </a:r>
+            <a:r>
+              <a:rPr lang="ko-KR" altLang="en-US" sz="1100"/>
+              <a:t>오류가 발생하는 경우</a:t>
+            </a:r>
+            <a:r>
+              <a:rPr lang="en-US" altLang="ko-KR" sz="1100"/>
+              <a:t>:</a:t>
+            </a:r>
+          </a:p>
+          <a:p>
+            <a:pPr marL="742950" lvl="1" indent="-285750">
+              <a:lnSpc>
+                <a:spcPct val="200000"/>
+              </a:lnSpc>
+              <a:buFont typeface="Roboto" panose="02000000000000000000" pitchFamily="2" charset="0"/>
+              <a:buChar char="−"/>
+            </a:pPr>
+            <a:r>
+              <a:rPr lang="ko-KR" altLang="en-US" sz="1100"/>
+              <a:t>호스트</a:t>
+            </a:r>
+            <a:r>
+              <a:rPr lang="en-US" altLang="ko-KR" sz="1100"/>
+              <a:t>, </a:t>
+            </a:r>
+            <a:r>
+              <a:rPr lang="ko-KR" altLang="en-US" sz="1100"/>
+              <a:t>네트워크</a:t>
+            </a:r>
+            <a:r>
+              <a:rPr lang="en-US" altLang="ko-KR" sz="1100"/>
+              <a:t>, </a:t>
+            </a:r>
+            <a:r>
+              <a:rPr lang="ko-KR" altLang="en-US" sz="1100"/>
+              <a:t>포트</a:t>
+            </a:r>
+            <a:r>
+              <a:rPr lang="en-US" altLang="ko-KR" sz="1100"/>
+              <a:t>, </a:t>
+            </a:r>
+            <a:r>
+              <a:rPr lang="ko-KR" altLang="en-US" sz="1100"/>
+              <a:t>프로토콜에 연결할 수 없는 오류</a:t>
+            </a:r>
+            <a:r>
+              <a:rPr lang="en-US" altLang="ko-KR" sz="1100"/>
+              <a:t>, </a:t>
+            </a:r>
+            <a:r>
+              <a:rPr lang="ko-KR" altLang="en-US" sz="1100"/>
+              <a:t>매개변수 문제 오류로 인해 </a:t>
+            </a:r>
+            <a:r>
+              <a:rPr lang="en-US" altLang="ko-KR" sz="1100"/>
+              <a:t>Transport User </a:t>
+            </a:r>
+            <a:r>
+              <a:rPr lang="ko-KR" altLang="en-US" sz="1100"/>
+              <a:t>에게 전송 실패를 알림</a:t>
+            </a:r>
+            <a:endParaRPr lang="en-US" altLang="ko-KR" sz="1100"/>
+          </a:p>
+          <a:p>
+            <a:pPr marL="742950" lvl="1" indent="-285750">
+              <a:lnSpc>
+                <a:spcPct val="200000"/>
+              </a:lnSpc>
+              <a:buFont typeface="Roboto" panose="02000000000000000000" pitchFamily="2" charset="0"/>
+              <a:buChar char="−"/>
+            </a:pPr>
+            <a:r>
+              <a:rPr lang="en-US" altLang="ko-KR" sz="1100"/>
+              <a:t>Source</a:t>
+            </a:r>
+            <a:r>
+              <a:rPr lang="ko-KR" altLang="en-US" sz="1100"/>
+              <a:t> </a:t>
+            </a:r>
+            <a:r>
+              <a:rPr lang="en-US" altLang="ko-KR" sz="1100"/>
+              <a:t>quench </a:t>
+            </a:r>
+            <a:r>
+              <a:rPr lang="ko-KR" altLang="en-US" sz="1100"/>
+              <a:t>및 </a:t>
+            </a:r>
+            <a:r>
+              <a:rPr lang="en-US" altLang="ko-KR" sz="1100"/>
+              <a:t>TTL </a:t>
+            </a:r>
+            <a:r>
+              <a:rPr lang="ko-KR" altLang="en-US" sz="1100"/>
+              <a:t>초과 오류는 무시</a:t>
+            </a:r>
+            <a:endParaRPr lang="en-US" altLang="ko-KR" sz="1100"/>
+          </a:p>
+          <a:p>
+            <a:pPr marL="285750" indent="-285750">
+              <a:lnSpc>
+                <a:spcPct val="200000"/>
+              </a:lnSpc>
+              <a:buFont typeface="Arial" panose="020B0604020202020204" pitchFamily="34" charset="0"/>
+              <a:buChar char="•"/>
+            </a:pPr>
+            <a:r>
+              <a:rPr lang="en-US" altLang="ko-KR" sz="1100"/>
+              <a:t>reliable</a:t>
+            </a:r>
+            <a:r>
+              <a:rPr lang="ko-KR" altLang="en-US" sz="1100"/>
+              <a:t> 전송을 통해 요청을 전송하도록 요청하고 그 결과 연결이 실패한 경우</a:t>
+            </a:r>
+            <a:r>
+              <a:rPr lang="en-US" altLang="ko-KR" sz="1100"/>
+              <a:t>, Trasport</a:t>
+            </a:r>
+            <a:r>
+              <a:rPr lang="ko-KR" altLang="en-US" sz="1100"/>
+              <a:t> </a:t>
+            </a:r>
+            <a:r>
+              <a:rPr lang="en-US" altLang="ko-KR" sz="1100"/>
+              <a:t>User </a:t>
+            </a:r>
+            <a:r>
+              <a:rPr lang="ko-KR" altLang="en-US" sz="1100"/>
+              <a:t>에게 실패를 알림</a:t>
+            </a:r>
+            <a:endParaRPr lang="en-US" altLang="ko-KR" sz="1100"/>
+          </a:p>
+        </p:txBody>
+      </p:sp>
+    </p:spTree>
+    <p:extLst>
+      <p:ext uri="{BB962C8B-B14F-4D97-AF65-F5344CB8AC3E}">
+        <p14:creationId xmlns:p14="http://schemas.microsoft.com/office/powerpoint/2010/main" val="371629766"/>
+      </p:ext>
+    </p:extLst>
+  </p:cSld>
+  <p:clrMapOvr>
+    <a:masterClrMapping/>
+  </p:clrMapOvr>
+</p:sld>
+</file>
+
+<file path=ppt/slides/slide52.xml><?xml version="1.0" encoding="utf-8"?>
+<p:sld xmlns:a="http://schemas.openxmlformats.org/drawingml/2006/main" xmlns:r="http://schemas.openxmlformats.org/officeDocument/2006/relationships" xmlns:p="http://schemas.openxmlformats.org/presentationml/2006/main">
+  <p:cSld>
+    <p:spTree>
+      <p:nvGrpSpPr>
+        <p:cNvPr id="1" name=""/>
+        <p:cNvGrpSpPr/>
+        <p:nvPr/>
+      </p:nvGrpSpPr>
+      <p:grpSpPr>
+        <a:xfrm>
+          <a:off x="0" y="0"/>
+          <a:ext cx="0" cy="0"/>
+          <a:chOff x="0" y="0"/>
+          <a:chExt cx="0" cy="0"/>
+        </a:xfrm>
+      </p:grpSpPr>
+      <p:sp>
+        <p:nvSpPr>
+          <p:cNvPr id="2" name="제목 1">
+            <a:extLst>
+              <a:ext uri="{FF2B5EF4-FFF2-40B4-BE49-F238E27FC236}">
+                <a16:creationId xmlns:a16="http://schemas.microsoft.com/office/drawing/2014/main" id="{70F22706-C19C-4D37-953F-8A651D4CB7A4}"/>
+              </a:ext>
+            </a:extLst>
+          </p:cNvPr>
+          <p:cNvSpPr>
+            <a:spLocks noGrp="1"/>
+          </p:cNvSpPr>
+          <p:nvPr>
+            <p:ph type="title"/>
+          </p:nvPr>
+        </p:nvSpPr>
+        <p:spPr>
+          <a:xfrm>
+            <a:off x="0" y="1"/>
+            <a:ext cx="12192000" cy="550415"/>
+          </a:xfrm>
+        </p:spPr>
+        <p:txBody>
+          <a:bodyPr/>
+          <a:lstStyle/>
+          <a:p>
+            <a:r>
+              <a:rPr lang="en-US" altLang="ko-KR"/>
+              <a:t>4. Common Message Components</a:t>
+            </a:r>
+            <a:endParaRPr lang="ko-KR" altLang="en-US"/>
+          </a:p>
+        </p:txBody>
+      </p:sp>
+      <p:sp>
+        <p:nvSpPr>
+          <p:cNvPr id="3" name="슬라이드 번호 개체 틀 2">
+            <a:extLst>
+              <a:ext uri="{FF2B5EF4-FFF2-40B4-BE49-F238E27FC236}">
+                <a16:creationId xmlns:a16="http://schemas.microsoft.com/office/drawing/2014/main" id="{7C06E1FC-B274-42F0-8885-FADDAB6271F6}"/>
+              </a:ext>
+            </a:extLst>
+          </p:cNvPr>
+          <p:cNvSpPr>
+            <a:spLocks noGrp="1"/>
+          </p:cNvSpPr>
+          <p:nvPr>
+            <p:ph type="sldNum" sz="quarter" idx="12"/>
+          </p:nvPr>
+        </p:nvSpPr>
+        <p:spPr/>
+        <p:txBody>
+          <a:bodyPr/>
+          <a:lstStyle/>
+          <a:p>
+            <a:fld id="{A9252A94-CC09-4928-8209-20295AE91AEF}" type="slidenum">
+              <a:rPr lang="ko-KR" altLang="en-US" smtClean="0"/>
+              <a:pPr/>
+              <a:t>52</a:t>
+            </a:fld>
+            <a:endParaRPr lang="ko-KR" altLang="en-US"/>
+          </a:p>
+        </p:txBody>
+      </p:sp>
+      <p:sp>
+        <p:nvSpPr>
+          <p:cNvPr id="5" name="TextBox 4">
+            <a:extLst>
+              <a:ext uri="{FF2B5EF4-FFF2-40B4-BE49-F238E27FC236}">
+                <a16:creationId xmlns:a16="http://schemas.microsoft.com/office/drawing/2014/main" id="{A58438FB-B94A-44EF-A5B4-84AF8C49AC6B}"/>
+              </a:ext>
+            </a:extLst>
+          </p:cNvPr>
+          <p:cNvSpPr txBox="1"/>
+          <p:nvPr/>
+        </p:nvSpPr>
+        <p:spPr>
+          <a:xfrm>
+            <a:off x="3248105" y="1180922"/>
+            <a:ext cx="5695790" cy="369332"/>
+          </a:xfrm>
+          <a:prstGeom prst="rect">
+            <a:avLst/>
+          </a:prstGeom>
+          <a:noFill/>
+          <a:ln>
+            <a:solidFill>
+              <a:schemeClr val="tx1"/>
+            </a:solidFill>
+          </a:ln>
+        </p:spPr>
+        <p:txBody>
+          <a:bodyPr wrap="none" rtlCol="0">
+            <a:spAutoFit/>
+          </a:bodyPr>
+          <a:lstStyle/>
+          <a:p>
+            <a:pPr algn="ctr"/>
+            <a:r>
+              <a:rPr lang="en-US" altLang="ko-KR"/>
+              <a:t>sip:user:password@host:port;uri-parameters?headers</a:t>
+            </a:r>
+          </a:p>
+        </p:txBody>
+      </p:sp>
+      <p:sp>
+        <p:nvSpPr>
+          <p:cNvPr id="7" name="TextBox 6">
+            <a:extLst>
+              <a:ext uri="{FF2B5EF4-FFF2-40B4-BE49-F238E27FC236}">
+                <a16:creationId xmlns:a16="http://schemas.microsoft.com/office/drawing/2014/main" id="{C59153C4-D8D5-4CDC-98B8-D7B45B68D746}"/>
+              </a:ext>
+            </a:extLst>
+          </p:cNvPr>
+          <p:cNvSpPr txBox="1"/>
+          <p:nvPr/>
+        </p:nvSpPr>
+        <p:spPr>
+          <a:xfrm>
+            <a:off x="3060192" y="2072640"/>
+            <a:ext cx="4532010" cy="2262158"/>
+          </a:xfrm>
+          <a:prstGeom prst="rect">
+            <a:avLst/>
+          </a:prstGeom>
+          <a:noFill/>
+        </p:spPr>
+        <p:txBody>
+          <a:bodyPr wrap="none" rtlCol="0">
+            <a:spAutoFit/>
+          </a:bodyPr>
+          <a:lstStyle/>
+          <a:p>
+            <a:pPr>
+              <a:lnSpc>
+                <a:spcPct val="200000"/>
+              </a:lnSpc>
+            </a:pPr>
+            <a:r>
+              <a:rPr lang="en-US" altLang="ko-KR" sz="1200" b="1"/>
+              <a:t>User</a:t>
+            </a:r>
+            <a:r>
+              <a:rPr lang="en-US" altLang="ko-KR" sz="1200"/>
+              <a:t> : address </a:t>
+            </a:r>
+            <a:r>
+              <a:rPr lang="ko-KR" altLang="en-US" sz="1200"/>
+              <a:t>을 호스트에 있는 특별한 자원의 </a:t>
+            </a:r>
+            <a:r>
+              <a:rPr lang="en-US" altLang="ko-KR" sz="1200"/>
+              <a:t>identifier</a:t>
+            </a:r>
+          </a:p>
+          <a:p>
+            <a:pPr>
+              <a:lnSpc>
+                <a:spcPct val="200000"/>
+              </a:lnSpc>
+            </a:pPr>
+            <a:r>
+              <a:rPr lang="en-US" altLang="ko-KR" sz="1200" b="1"/>
+              <a:t>Password </a:t>
+            </a:r>
+            <a:r>
+              <a:rPr lang="en-US" altLang="ko-KR" sz="1200"/>
+              <a:t>: </a:t>
+            </a:r>
+            <a:r>
+              <a:rPr lang="ko-KR" altLang="en-US" sz="1200"/>
+              <a:t>사용자와 관련된 </a:t>
+            </a:r>
+            <a:r>
+              <a:rPr lang="en-US" altLang="ko-KR" sz="1200"/>
+              <a:t>password</a:t>
+            </a:r>
+          </a:p>
+          <a:p>
+            <a:pPr>
+              <a:lnSpc>
+                <a:spcPct val="200000"/>
+              </a:lnSpc>
+            </a:pPr>
+            <a:r>
+              <a:rPr lang="en-US" altLang="ko-KR" sz="1200" b="1"/>
+              <a:t>Host</a:t>
+            </a:r>
+            <a:r>
+              <a:rPr lang="ko-KR" altLang="en-US" sz="1200" b="1"/>
+              <a:t> </a:t>
+            </a:r>
+            <a:r>
+              <a:rPr lang="en-US" altLang="ko-KR" sz="1200"/>
+              <a:t>:</a:t>
+            </a:r>
+            <a:r>
+              <a:rPr lang="ko-KR" altLang="en-US" sz="1200"/>
+              <a:t> </a:t>
+            </a:r>
+            <a:r>
+              <a:rPr lang="en-US" altLang="ko-KR" sz="1200"/>
+              <a:t>SIP</a:t>
+            </a:r>
+            <a:r>
+              <a:rPr lang="ko-KR" altLang="en-US" sz="1200"/>
+              <a:t> 자원을 제공하는 호스트</a:t>
+            </a:r>
+            <a:endParaRPr lang="en-US" altLang="ko-KR" sz="1200"/>
+          </a:p>
+          <a:p>
+            <a:pPr>
+              <a:lnSpc>
+                <a:spcPct val="200000"/>
+              </a:lnSpc>
+            </a:pPr>
+            <a:r>
+              <a:rPr lang="en-US" altLang="ko-KR" sz="1200" b="1"/>
+              <a:t>Port</a:t>
+            </a:r>
+            <a:r>
+              <a:rPr lang="en-US" altLang="ko-KR" sz="1200"/>
+              <a:t> : </a:t>
+            </a:r>
+            <a:r>
+              <a:rPr lang="ko-KR" altLang="en-US" sz="1200"/>
+              <a:t>요청이 전송될 포트 번호</a:t>
+            </a:r>
+            <a:r>
+              <a:rPr lang="en-US" altLang="ko-KR" sz="1200"/>
+              <a:t> </a:t>
+            </a:r>
+          </a:p>
+          <a:p>
+            <a:pPr>
+              <a:lnSpc>
+                <a:spcPct val="200000"/>
+              </a:lnSpc>
+            </a:pPr>
+            <a:r>
+              <a:rPr lang="en-US" altLang="ko-KR" sz="1200" b="1"/>
+              <a:t>URI parameters</a:t>
+            </a:r>
+            <a:r>
+              <a:rPr lang="en-US" altLang="ko-KR" sz="1200"/>
+              <a:t> : URI </a:t>
+            </a:r>
+            <a:r>
+              <a:rPr lang="ko-KR" altLang="en-US" sz="1200"/>
+              <a:t>로 부터 구성된 요청에 영향을 주는 파라미터</a:t>
+            </a:r>
+            <a:endParaRPr lang="en-US" altLang="ko-KR" sz="1200"/>
+          </a:p>
+          <a:p>
+            <a:pPr>
+              <a:lnSpc>
+                <a:spcPct val="200000"/>
+              </a:lnSpc>
+            </a:pPr>
+            <a:r>
+              <a:rPr lang="en-US" altLang="ko-KR" sz="1200" b="1"/>
+              <a:t>Headers</a:t>
+            </a:r>
+            <a:r>
+              <a:rPr lang="en-US" altLang="ko-KR" sz="1200"/>
+              <a:t> : URI</a:t>
+            </a:r>
+            <a:r>
+              <a:rPr lang="ko-KR" altLang="en-US" sz="1200"/>
+              <a:t> 로 부터 구성된 요청에 포함</a:t>
+            </a:r>
+            <a:endParaRPr lang="en-US" altLang="ko-KR" sz="1200"/>
+          </a:p>
+        </p:txBody>
+      </p:sp>
+    </p:spTree>
+    <p:extLst>
+      <p:ext uri="{BB962C8B-B14F-4D97-AF65-F5344CB8AC3E}">
+        <p14:creationId xmlns:p14="http://schemas.microsoft.com/office/powerpoint/2010/main" val="466330650"/>
+      </p:ext>
+    </p:extLst>
+  </p:cSld>
+  <p:clrMapOvr>
+    <a:masterClrMapping/>
+  </p:clrMapOvr>
+</p:sld>
+</file>
+
+<file path=ppt/slides/slide53.xml><?xml version="1.0" encoding="utf-8"?>
+<p:sld xmlns:a="http://schemas.openxmlformats.org/drawingml/2006/main" xmlns:r="http://schemas.openxmlformats.org/officeDocument/2006/relationships" xmlns:p="http://schemas.openxmlformats.org/presentationml/2006/main">
+  <p:cSld>
+    <p:spTree>
+      <p:nvGrpSpPr>
+        <p:cNvPr id="1" name=""/>
+        <p:cNvGrpSpPr/>
+        <p:nvPr/>
+      </p:nvGrpSpPr>
+      <p:grpSpPr>
+        <a:xfrm>
+          <a:off x="0" y="0"/>
+          <a:ext cx="0" cy="0"/>
+          <a:chOff x="0" y="0"/>
+          <a:chExt cx="0" cy="0"/>
+        </a:xfrm>
+      </p:grpSpPr>
+      <p:sp>
+        <p:nvSpPr>
+          <p:cNvPr id="4" name="슬라이드 번호 개체 틀 3">
+            <a:extLst>
+              <a:ext uri="{FF2B5EF4-FFF2-40B4-BE49-F238E27FC236}">
+                <a16:creationId xmlns:a16="http://schemas.microsoft.com/office/drawing/2014/main" id="{63151CCF-057C-4F06-8A51-C3671F753532}"/>
+              </a:ext>
+            </a:extLst>
+          </p:cNvPr>
+          <p:cNvSpPr>
+            <a:spLocks noGrp="1"/>
+          </p:cNvSpPr>
+          <p:nvPr>
+            <p:ph type="sldNum" sz="quarter" idx="12"/>
+          </p:nvPr>
+        </p:nvSpPr>
+        <p:spPr/>
+        <p:txBody>
+          <a:bodyPr/>
+          <a:lstStyle/>
+          <a:p>
+            <a:fld id="{A9252A94-CC09-4928-8209-20295AE91AEF}" type="slidenum">
+              <a:rPr lang="ko-KR" altLang="en-US" smtClean="0"/>
+              <a:t>53</a:t>
+            </a:fld>
+            <a:endParaRPr lang="ko-KR" altLang="en-US" dirty="0"/>
+          </a:p>
+        </p:txBody>
+      </p:sp>
+      <p:sp>
+        <p:nvSpPr>
+          <p:cNvPr id="5" name="TextBox 4">
+            <a:extLst>
+              <a:ext uri="{FF2B5EF4-FFF2-40B4-BE49-F238E27FC236}">
+                <a16:creationId xmlns:a16="http://schemas.microsoft.com/office/drawing/2014/main" id="{2C4EDA3F-1542-B44B-C801-83CCECD10FBF}"/>
+              </a:ext>
+            </a:extLst>
+          </p:cNvPr>
+          <p:cNvSpPr txBox="1"/>
+          <p:nvPr/>
+        </p:nvSpPr>
+        <p:spPr>
+          <a:xfrm>
+            <a:off x="4714051" y="3105834"/>
+            <a:ext cx="2763898" cy="646331"/>
+          </a:xfrm>
+          <a:prstGeom prst="rect">
+            <a:avLst/>
+          </a:prstGeom>
+          <a:noFill/>
+        </p:spPr>
+        <p:txBody>
+          <a:bodyPr wrap="none" rtlCol="0">
+            <a:spAutoFit/>
+          </a:bodyPr>
+          <a:lstStyle/>
+          <a:p>
+            <a:pPr algn="ctr"/>
+            <a:r>
+              <a:rPr lang="en-US" altLang="ko-KR" sz="3600" dirty="0">
+                <a:latin typeface="Roboto Light" panose="02000000000000000000" pitchFamily="2" charset="0"/>
+                <a:ea typeface="Roboto Light" panose="02000000000000000000" pitchFamily="2" charset="0"/>
+              </a:rPr>
+              <a:t>THANK YOU</a:t>
+            </a:r>
+            <a:endParaRPr lang="ko-KR" altLang="en-US" sz="3600" dirty="0">
+              <a:latin typeface="Roboto Light" panose="02000000000000000000" pitchFamily="2" charset="0"/>
+            </a:endParaRPr>
+          </a:p>
+        </p:txBody>
+      </p:sp>
+    </p:spTree>
+    <p:extLst>
+      <p:ext uri="{BB962C8B-B14F-4D97-AF65-F5344CB8AC3E}">
+        <p14:creationId xmlns:p14="http://schemas.microsoft.com/office/powerpoint/2010/main" val="1137186482"/>
       </p:ext>
     </p:extLst>
   </p:cSld>

--- a/세미나 3차.pptx
+++ b/세미나 3차.pptx
@@ -5,10 +5,10 @@
     <p:sldMasterId id="2147483648" r:id="rId1"/>
   </p:sldMasterIdLst>
   <p:notesMasterIdLst>
-    <p:notesMasterId r:id="rId55"/>
+    <p:notesMasterId r:id="rId58"/>
   </p:notesMasterIdLst>
   <p:handoutMasterIdLst>
-    <p:handoutMasterId r:id="rId56"/>
+    <p:handoutMasterId r:id="rId59"/>
   </p:handoutMasterIdLst>
   <p:sldIdLst>
     <p:sldId id="264" r:id="rId2"/>
@@ -63,49 +63,52 @@
     <p:sldId id="342" r:id="rId51"/>
     <p:sldId id="343" r:id="rId52"/>
     <p:sldId id="344" r:id="rId53"/>
-    <p:sldId id="290" r:id="rId54"/>
+    <p:sldId id="345" r:id="rId54"/>
+    <p:sldId id="346" r:id="rId55"/>
+    <p:sldId id="347" r:id="rId56"/>
+    <p:sldId id="290" r:id="rId57"/>
   </p:sldIdLst>
   <p:sldSz cx="12192000" cy="6858000"/>
   <p:notesSz cx="6858000" cy="9144000"/>
   <p:embeddedFontLst>
     <p:embeddedFont>
       <p:font typeface="G마켓 산스 TTF Bold" panose="02000000000000000000" pitchFamily="2" charset="-127"/>
-      <p:bold r:id="rId57"/>
+      <p:bold r:id="rId60"/>
     </p:embeddedFont>
     <p:embeddedFont>
       <p:font typeface="G마켓 산스 TTF Light" panose="02000000000000000000" pitchFamily="2" charset="-127"/>
-      <p:regular r:id="rId58"/>
+      <p:regular r:id="rId61"/>
     </p:embeddedFont>
     <p:embeddedFont>
       <p:font typeface="G마켓 산스 TTF Medium" panose="02000000000000000000" pitchFamily="2" charset="-127"/>
-      <p:regular r:id="rId59"/>
+      <p:regular r:id="rId62"/>
     </p:embeddedFont>
     <p:embeddedFont>
       <p:font typeface="Roboto" panose="02000000000000000000" pitchFamily="2" charset="0"/>
-      <p:regular r:id="rId60"/>
-      <p:bold r:id="rId61"/>
-      <p:italic r:id="rId62"/>
-      <p:boldItalic r:id="rId63"/>
+      <p:regular r:id="rId63"/>
+      <p:bold r:id="rId64"/>
+      <p:italic r:id="rId65"/>
+      <p:boldItalic r:id="rId66"/>
     </p:embeddedFont>
     <p:embeddedFont>
       <p:font typeface="Roboto Black" panose="02000000000000000000" pitchFamily="2" charset="0"/>
-      <p:bold r:id="rId64"/>
-      <p:boldItalic r:id="rId65"/>
+      <p:bold r:id="rId67"/>
+      <p:boldItalic r:id="rId68"/>
     </p:embeddedFont>
     <p:embeddedFont>
       <p:font typeface="Roboto Light" panose="02000000000000000000" pitchFamily="2" charset="0"/>
-      <p:regular r:id="rId66"/>
-      <p:italic r:id="rId67"/>
+      <p:regular r:id="rId69"/>
+      <p:italic r:id="rId70"/>
     </p:embeddedFont>
     <p:embeddedFont>
       <p:font typeface="Roboto Medium" panose="02000000000000000000" pitchFamily="2" charset="0"/>
-      <p:regular r:id="rId68"/>
-      <p:italic r:id="rId69"/>
+      <p:regular r:id="rId71"/>
+      <p:italic r:id="rId72"/>
     </p:embeddedFont>
     <p:embeddedFont>
       <p:font typeface="맑은 고딕" panose="020B0503020000020004" pitchFamily="50" charset="-127"/>
-      <p:regular r:id="rId70"/>
-      <p:bold r:id="rId71"/>
+      <p:regular r:id="rId73"/>
+      <p:bold r:id="rId74"/>
     </p:embeddedFont>
   </p:embeddedFontLst>
   <p:defaultTextStyle>
@@ -308,7 +311,7 @@
           <a:p>
             <a:fld id="{8D7A30CD-047B-418C-B390-82335D751AE2}" type="datetimeFigureOut">
               <a:rPr lang="ko-KR" altLang="en-US" smtClean="0"/>
-              <a:t>2023-07-13</a:t>
+              <a:t>2023-07-14</a:t>
             </a:fld>
             <a:endParaRPr lang="ko-KR" altLang="en-US"/>
           </a:p>
@@ -485,7 +488,7 @@
           <a:p>
             <a:fld id="{697B1179-EA2C-4F66-A7B6-E78EE214E3F0}" type="datetimeFigureOut">
               <a:rPr lang="ko-KR" altLang="en-US" smtClean="0"/>
-              <a:t>2023-07-13</a:t>
+              <a:t>2023-07-14</a:t>
             </a:fld>
             <a:endParaRPr lang="ko-KR" altLang="en-US"/>
           </a:p>
@@ -43833,7 +43836,7 @@
         </p:nvSpPr>
         <p:spPr>
           <a:xfrm>
-            <a:off x="3872474" y="1822791"/>
+            <a:off x="3221843" y="1822791"/>
             <a:ext cx="4447051" cy="3212418"/>
           </a:xfrm>
           <a:prstGeom prst="rect">
@@ -46183,7 +46186,7 @@
         </p:nvSpPr>
         <p:spPr>
           <a:xfrm>
-            <a:off x="3248105" y="1180922"/>
+            <a:off x="3230178" y="1292911"/>
             <a:ext cx="5695790" cy="369332"/>
           </a:xfrm>
           <a:prstGeom prst="rect">
@@ -46224,7 +46227,7 @@
         </p:nvSpPr>
         <p:spPr>
           <a:xfrm>
-            <a:off x="3060192" y="2072640"/>
+            <a:off x="3230178" y="1994431"/>
             <a:ext cx="4532010" cy="2262158"/>
           </a:xfrm>
           <a:prstGeom prst="rect">
@@ -46249,11 +46252,11 @@
             </a:r>
             <a:r>
               <a:rPr lang="en-US" altLang="ko-KR" sz="1200"/>
-              <a:t> : address </a:t>
+              <a:t> : address</a:t>
             </a:r>
             <a:r>
               <a:rPr lang="ko-KR" altLang="en-US" sz="1200"/>
-              <a:t>을 호스트에 있는 특별한 자원의 </a:t>
+              <a:t> 될 호스트에 있는 특별한 자원의 </a:t>
             </a:r>
             <a:r>
               <a:rPr lang="en-US" altLang="ko-KR" sz="1200"/>
@@ -46377,6 +46380,129 @@
               <a:t> 로 부터 구성된 요청에 포함</a:t>
             </a:r>
             <a:endParaRPr lang="en-US" altLang="ko-KR" sz="1200"/>
+          </a:p>
+        </p:txBody>
+      </p:sp>
+      <p:sp>
+        <p:nvSpPr>
+          <p:cNvPr id="4" name="TextBox 3">
+            <a:extLst>
+              <a:ext uri="{FF2B5EF4-FFF2-40B4-BE49-F238E27FC236}">
+                <a16:creationId xmlns:a16="http://schemas.microsoft.com/office/drawing/2014/main" id="{0F2C41EC-DB32-413D-8510-FB7B950E31F0}"/>
+              </a:ext>
+            </a:extLst>
+          </p:cNvPr>
+          <p:cNvSpPr txBox="1"/>
+          <p:nvPr/>
+        </p:nvSpPr>
+        <p:spPr>
+          <a:xfrm>
+            <a:off x="3230178" y="4588777"/>
+            <a:ext cx="4020652" cy="1701876"/>
+          </a:xfrm>
+          <a:prstGeom prst="rect">
+            <a:avLst/>
+          </a:prstGeom>
+          <a:noFill/>
+          <a:ln>
+            <a:solidFill>
+              <a:schemeClr val="tx1"/>
+            </a:solidFill>
+          </a:ln>
+        </p:spPr>
+        <p:txBody>
+          <a:bodyPr wrap="none" rtlCol="0">
+            <a:spAutoFit/>
+          </a:bodyPr>
+          <a:lstStyle/>
+          <a:p>
+            <a:pPr>
+              <a:lnSpc>
+                <a:spcPct val="120000"/>
+              </a:lnSpc>
+            </a:pPr>
+            <a:r>
+              <a:rPr lang="en-US" altLang="ko-KR" sz="1100"/>
+              <a:t>sip:alice@atlanta.com</a:t>
+            </a:r>
+          </a:p>
+          <a:p>
+            <a:pPr>
+              <a:lnSpc>
+                <a:spcPct val="120000"/>
+              </a:lnSpc>
+            </a:pPr>
+            <a:r>
+              <a:rPr lang="en-US" altLang="ko-KR" sz="1100"/>
+              <a:t>sip:alice:secretword@atlanta.com;transport=tcp</a:t>
+            </a:r>
+          </a:p>
+          <a:p>
+            <a:pPr>
+              <a:lnSpc>
+                <a:spcPct val="120000"/>
+              </a:lnSpc>
+            </a:pPr>
+            <a:r>
+              <a:rPr lang="en-US" altLang="ko-KR" sz="1100"/>
+              <a:t>sips:alice@atlanta.com?subject=project%20x&amp;priority=urgent</a:t>
+            </a:r>
+          </a:p>
+          <a:p>
+            <a:pPr>
+              <a:lnSpc>
+                <a:spcPct val="120000"/>
+              </a:lnSpc>
+            </a:pPr>
+            <a:r>
+              <a:rPr lang="en-US" altLang="ko-KR" sz="1100"/>
+              <a:t>sip:+1-212-555-1212:1234@gateway.com;user=phone</a:t>
+            </a:r>
+          </a:p>
+          <a:p>
+            <a:pPr>
+              <a:lnSpc>
+                <a:spcPct val="120000"/>
+              </a:lnSpc>
+            </a:pPr>
+            <a:r>
+              <a:rPr lang="en-US" altLang="ko-KR" sz="1100"/>
+              <a:t>sips:1212@gateway.com</a:t>
+            </a:r>
+          </a:p>
+          <a:p>
+            <a:pPr>
+              <a:lnSpc>
+                <a:spcPct val="120000"/>
+              </a:lnSpc>
+            </a:pPr>
+            <a:r>
+              <a:rPr lang="en-US" altLang="ko-KR" sz="1100"/>
+              <a:t>sip:alice@192.0.2.4</a:t>
+            </a:r>
+          </a:p>
+          <a:p>
+            <a:pPr>
+              <a:lnSpc>
+                <a:spcPct val="120000"/>
+              </a:lnSpc>
+            </a:pPr>
+            <a:r>
+              <a:rPr lang="en-US" altLang="ko-KR" sz="1100"/>
+              <a:t>sip:atlanta.com;method=REGISTER?to=alice%40atlanta.com</a:t>
+            </a:r>
+          </a:p>
+          <a:p>
+            <a:pPr>
+              <a:lnSpc>
+                <a:spcPct val="120000"/>
+              </a:lnSpc>
+            </a:pPr>
+            <a:r>
+              <a:rPr lang="en-US" altLang="ko-KR" sz="1100"/>
+              <a:t>sip:alice;day=Tuesday@atlanta.com</a:t>
+            </a:r>
+            <a:endParaRPr lang="ko-KR" altLang="en-US" sz="1100"/>
           </a:p>
         </p:txBody>
       </p:sp>
@@ -46394,6 +46520,7789 @@
 </file>
 
 <file path=ppt/slides/slide53.xml><?xml version="1.0" encoding="utf-8"?>
+<p:sld xmlns:a="http://schemas.openxmlformats.org/drawingml/2006/main" xmlns:r="http://schemas.openxmlformats.org/officeDocument/2006/relationships" xmlns:p="http://schemas.openxmlformats.org/presentationml/2006/main">
+  <p:cSld>
+    <p:spTree>
+      <p:nvGrpSpPr>
+        <p:cNvPr id="1" name=""/>
+        <p:cNvGrpSpPr/>
+        <p:nvPr/>
+      </p:nvGrpSpPr>
+      <p:grpSpPr>
+        <a:xfrm>
+          <a:off x="0" y="0"/>
+          <a:ext cx="0" cy="0"/>
+          <a:chOff x="0" y="0"/>
+          <a:chExt cx="0" cy="0"/>
+        </a:xfrm>
+      </p:grpSpPr>
+      <p:sp>
+        <p:nvSpPr>
+          <p:cNvPr id="2" name="제목 1">
+            <a:extLst>
+              <a:ext uri="{FF2B5EF4-FFF2-40B4-BE49-F238E27FC236}">
+                <a16:creationId xmlns:a16="http://schemas.microsoft.com/office/drawing/2014/main" id="{70F22706-C19C-4D37-953F-8A651D4CB7A4}"/>
+              </a:ext>
+            </a:extLst>
+          </p:cNvPr>
+          <p:cNvSpPr>
+            <a:spLocks noGrp="1"/>
+          </p:cNvSpPr>
+          <p:nvPr>
+            <p:ph type="title"/>
+          </p:nvPr>
+        </p:nvSpPr>
+        <p:spPr>
+          <a:xfrm>
+            <a:off x="0" y="1"/>
+            <a:ext cx="12192000" cy="550415"/>
+          </a:xfrm>
+        </p:spPr>
+        <p:txBody>
+          <a:bodyPr/>
+          <a:lstStyle/>
+          <a:p>
+            <a:r>
+              <a:rPr lang="en-US" altLang="ko-KR"/>
+              <a:t>4. Common Message Components</a:t>
+            </a:r>
+            <a:endParaRPr lang="ko-KR" altLang="en-US"/>
+          </a:p>
+        </p:txBody>
+      </p:sp>
+      <p:sp>
+        <p:nvSpPr>
+          <p:cNvPr id="3" name="슬라이드 번호 개체 틀 2">
+            <a:extLst>
+              <a:ext uri="{FF2B5EF4-FFF2-40B4-BE49-F238E27FC236}">
+                <a16:creationId xmlns:a16="http://schemas.microsoft.com/office/drawing/2014/main" id="{7C06E1FC-B274-42F0-8885-FADDAB6271F6}"/>
+              </a:ext>
+            </a:extLst>
+          </p:cNvPr>
+          <p:cNvSpPr>
+            <a:spLocks noGrp="1"/>
+          </p:cNvSpPr>
+          <p:nvPr>
+            <p:ph type="sldNum" sz="quarter" idx="12"/>
+          </p:nvPr>
+        </p:nvSpPr>
+        <p:spPr/>
+        <p:txBody>
+          <a:bodyPr/>
+          <a:lstStyle/>
+          <a:p>
+            <a:fld id="{A9252A94-CC09-4928-8209-20295AE91AEF}" type="slidenum">
+              <a:rPr lang="ko-KR" altLang="en-US" smtClean="0"/>
+              <a:pPr/>
+              <a:t>53</a:t>
+            </a:fld>
+            <a:endParaRPr lang="ko-KR" altLang="en-US"/>
+          </a:p>
+        </p:txBody>
+      </p:sp>
+      <p:graphicFrame>
+        <p:nvGraphicFramePr>
+          <p:cNvPr id="4" name="표 3">
+            <a:extLst>
+              <a:ext uri="{FF2B5EF4-FFF2-40B4-BE49-F238E27FC236}">
+                <a16:creationId xmlns:a16="http://schemas.microsoft.com/office/drawing/2014/main" id="{9072532C-AACC-471E-9EE7-C2AD0371B98E}"/>
+              </a:ext>
+            </a:extLst>
+          </p:cNvPr>
+          <p:cNvGraphicFramePr>
+            <a:graphicFrameLocks noGrp="1"/>
+          </p:cNvGraphicFramePr>
+          <p:nvPr>
+            <p:extLst>
+              <p:ext uri="{D42A27DB-BD31-4B8C-83A1-F6EECF244321}">
+                <p14:modId xmlns:p14="http://schemas.microsoft.com/office/powerpoint/2010/main" val="1506832590"/>
+              </p:ext>
+            </p:extLst>
+          </p:nvPr>
+        </p:nvGraphicFramePr>
+        <p:xfrm>
+          <a:off x="2056423" y="1088943"/>
+          <a:ext cx="8079154" cy="3495138"/>
+        </p:xfrm>
+        <a:graphic>
+          <a:graphicData uri="http://schemas.openxmlformats.org/drawingml/2006/table">
+            <a:tbl>
+              <a:tblPr firstRow="1" bandRow="1">
+                <a:tableStyleId>{5C22544A-7EE6-4342-B048-85BDC9FD1C3A}</a:tableStyleId>
+              </a:tblPr>
+              <a:tblGrid>
+                <a:gridCol w="1144206">
+                  <a:extLst>
+                    <a:ext uri="{9D8B030D-6E8A-4147-A177-3AD203B41FA5}">
+                      <a16:colId xmlns:a16="http://schemas.microsoft.com/office/drawing/2014/main" val="31872949"/>
+                    </a:ext>
+                  </a:extLst>
+                </a:gridCol>
+                <a:gridCol w="750884">
+                  <a:extLst>
+                    <a:ext uri="{9D8B030D-6E8A-4147-A177-3AD203B41FA5}">
+                      <a16:colId xmlns:a16="http://schemas.microsoft.com/office/drawing/2014/main" val="1570999987"/>
+                    </a:ext>
+                  </a:extLst>
+                </a:gridCol>
+                <a:gridCol w="906424">
+                  <a:extLst>
+                    <a:ext uri="{9D8B030D-6E8A-4147-A177-3AD203B41FA5}">
+                      <a16:colId xmlns:a16="http://schemas.microsoft.com/office/drawing/2014/main" val="2032601688"/>
+                    </a:ext>
+                  </a:extLst>
+                </a:gridCol>
+                <a:gridCol w="670432">
+                  <a:extLst>
+                    <a:ext uri="{9D8B030D-6E8A-4147-A177-3AD203B41FA5}">
+                      <a16:colId xmlns:a16="http://schemas.microsoft.com/office/drawing/2014/main" val="910150286"/>
+                    </a:ext>
+                  </a:extLst>
+                </a:gridCol>
+                <a:gridCol w="665068">
+                  <a:extLst>
+                    <a:ext uri="{9D8B030D-6E8A-4147-A177-3AD203B41FA5}">
+                      <a16:colId xmlns:a16="http://schemas.microsoft.com/office/drawing/2014/main" val="3187873230"/>
+                    </a:ext>
+                  </a:extLst>
+                </a:gridCol>
+                <a:gridCol w="1249685">
+                  <a:extLst>
+                    <a:ext uri="{9D8B030D-6E8A-4147-A177-3AD203B41FA5}">
+                      <a16:colId xmlns:a16="http://schemas.microsoft.com/office/drawing/2014/main" val="3052766851"/>
+                    </a:ext>
+                  </a:extLst>
+                </a:gridCol>
+                <a:gridCol w="1678762">
+                  <a:extLst>
+                    <a:ext uri="{9D8B030D-6E8A-4147-A177-3AD203B41FA5}">
+                      <a16:colId xmlns:a16="http://schemas.microsoft.com/office/drawing/2014/main" val="3874246634"/>
+                    </a:ext>
+                  </a:extLst>
+                </a:gridCol>
+                <a:gridCol w="1013693">
+                  <a:extLst>
+                    <a:ext uri="{9D8B030D-6E8A-4147-A177-3AD203B41FA5}">
+                      <a16:colId xmlns:a16="http://schemas.microsoft.com/office/drawing/2014/main" val="1585996132"/>
+                    </a:ext>
+                  </a:extLst>
+                </a:gridCol>
+              </a:tblGrid>
+              <a:tr h="376395">
+                <a:tc>
+                  <a:txBody>
+                    <a:bodyPr/>
+                    <a:lstStyle/>
+                    <a:p>
+                      <a:pPr algn="ctr" latinLnBrk="1"/>
+                      <a:endParaRPr lang="ko-KR" altLang="en-US" sz="1000">
+                        <a:solidFill>
+                          <a:schemeClr val="tx1"/>
+                        </a:solidFill>
+                      </a:endParaRPr>
+                    </a:p>
+                  </a:txBody>
+                  <a:tcPr marL="83670" marR="83670" marT="41835" marB="41835" anchor="ctr">
+                    <a:lnL w="38100" cap="flat" cmpd="sng" algn="ctr">
+                      <a:solidFill>
+                        <a:schemeClr val="tx1"/>
+                      </a:solidFill>
+                      <a:prstDash val="solid"/>
+                      <a:round/>
+                      <a:headEnd type="none" w="med" len="med"/>
+                      <a:tailEnd type="none" w="med" len="med"/>
+                    </a:lnL>
+                    <a:lnR w="12700" cap="flat" cmpd="sng" algn="ctr">
+                      <a:solidFill>
+                        <a:schemeClr val="tx1"/>
+                      </a:solidFill>
+                      <a:prstDash val="solid"/>
+                      <a:round/>
+                      <a:headEnd type="none" w="med" len="med"/>
+                      <a:tailEnd type="none" w="med" len="med"/>
+                    </a:lnR>
+                    <a:lnT w="38100" cap="flat" cmpd="sng" algn="ctr">
+                      <a:solidFill>
+                        <a:schemeClr val="tx1"/>
+                      </a:solidFill>
+                      <a:prstDash val="solid"/>
+                      <a:round/>
+                      <a:headEnd type="none" w="med" len="med"/>
+                      <a:tailEnd type="none" w="med" len="med"/>
+                    </a:lnT>
+                    <a:lnB w="12700" cap="flat" cmpd="sng" algn="ctr">
+                      <a:solidFill>
+                        <a:schemeClr val="tx1"/>
+                      </a:solidFill>
+                      <a:prstDash val="solid"/>
+                      <a:round/>
+                      <a:headEnd type="none" w="med" len="med"/>
+                      <a:tailEnd type="none" w="med" len="med"/>
+                    </a:lnB>
+                    <a:solidFill>
+                      <a:schemeClr val="bg1"/>
+                    </a:solidFill>
+                  </a:tcPr>
+                </a:tc>
+                <a:tc>
+                  <a:txBody>
+                    <a:bodyPr/>
+                    <a:lstStyle/>
+                    <a:p>
+                      <a:pPr algn="ctr" latinLnBrk="1"/>
+                      <a:r>
+                        <a:rPr lang="en-US" altLang="ko-KR" sz="1000">
+                          <a:solidFill>
+                            <a:schemeClr val="tx1"/>
+                          </a:solidFill>
+                        </a:rPr>
+                        <a:t>default</a:t>
+                      </a:r>
+                      <a:endParaRPr lang="ko-KR" altLang="en-US" sz="1000">
+                        <a:solidFill>
+                          <a:schemeClr val="tx1"/>
+                        </a:solidFill>
+                      </a:endParaRPr>
+                    </a:p>
+                  </a:txBody>
+                  <a:tcPr marL="83670" marR="83670" marT="41835" marB="41835" anchor="ctr">
+                    <a:lnL w="12700" cap="flat" cmpd="sng" algn="ctr">
+                      <a:solidFill>
+                        <a:schemeClr val="tx1"/>
+                      </a:solidFill>
+                      <a:prstDash val="solid"/>
+                      <a:round/>
+                      <a:headEnd type="none" w="med" len="med"/>
+                      <a:tailEnd type="none" w="med" len="med"/>
+                    </a:lnL>
+                    <a:lnR w="12700" cap="flat" cmpd="sng" algn="ctr">
+                      <a:solidFill>
+                        <a:schemeClr val="tx1"/>
+                      </a:solidFill>
+                      <a:prstDash val="solid"/>
+                      <a:round/>
+                      <a:headEnd type="none" w="med" len="med"/>
+                      <a:tailEnd type="none" w="med" len="med"/>
+                    </a:lnR>
+                    <a:lnT w="38100" cap="flat" cmpd="sng" algn="ctr">
+                      <a:solidFill>
+                        <a:schemeClr val="tx1"/>
+                      </a:solidFill>
+                      <a:prstDash val="solid"/>
+                      <a:round/>
+                      <a:headEnd type="none" w="med" len="med"/>
+                      <a:tailEnd type="none" w="med" len="med"/>
+                    </a:lnT>
+                    <a:lnB w="12700" cap="flat" cmpd="sng" algn="ctr">
+                      <a:solidFill>
+                        <a:schemeClr val="tx1"/>
+                      </a:solidFill>
+                      <a:prstDash val="solid"/>
+                      <a:round/>
+                      <a:headEnd type="none" w="med" len="med"/>
+                      <a:tailEnd type="none" w="med" len="med"/>
+                    </a:lnB>
+                    <a:solidFill>
+                      <a:schemeClr val="bg1">
+                        <a:lumMod val="95000"/>
+                      </a:schemeClr>
+                    </a:solidFill>
+                  </a:tcPr>
+                </a:tc>
+                <a:tc>
+                  <a:txBody>
+                    <a:bodyPr/>
+                    <a:lstStyle/>
+                    <a:p>
+                      <a:pPr algn="ctr" latinLnBrk="1"/>
+                      <a:r>
+                        <a:rPr lang="en-US" altLang="ko-KR" sz="1000">
+                          <a:solidFill>
+                            <a:schemeClr val="tx1"/>
+                          </a:solidFill>
+                        </a:rPr>
+                        <a:t>Req-URI</a:t>
+                      </a:r>
+                      <a:endParaRPr lang="ko-KR" altLang="en-US" sz="1000">
+                        <a:solidFill>
+                          <a:schemeClr val="tx1"/>
+                        </a:solidFill>
+                      </a:endParaRPr>
+                    </a:p>
+                  </a:txBody>
+                  <a:tcPr marL="83670" marR="83670" marT="41835" marB="41835" anchor="ctr">
+                    <a:lnL w="12700" cap="flat" cmpd="sng" algn="ctr">
+                      <a:solidFill>
+                        <a:schemeClr val="tx1"/>
+                      </a:solidFill>
+                      <a:prstDash val="solid"/>
+                      <a:round/>
+                      <a:headEnd type="none" w="med" len="med"/>
+                      <a:tailEnd type="none" w="med" len="med"/>
+                    </a:lnL>
+                    <a:lnR w="12700" cap="flat" cmpd="sng" algn="ctr">
+                      <a:solidFill>
+                        <a:schemeClr val="tx1"/>
+                      </a:solidFill>
+                      <a:prstDash val="solid"/>
+                      <a:round/>
+                      <a:headEnd type="none" w="med" len="med"/>
+                      <a:tailEnd type="none" w="med" len="med"/>
+                    </a:lnR>
+                    <a:lnT w="38100" cap="flat" cmpd="sng" algn="ctr">
+                      <a:solidFill>
+                        <a:schemeClr val="tx1"/>
+                      </a:solidFill>
+                      <a:prstDash val="solid"/>
+                      <a:round/>
+                      <a:headEnd type="none" w="med" len="med"/>
+                      <a:tailEnd type="none" w="med" len="med"/>
+                    </a:lnT>
+                    <a:lnB w="12700" cap="flat" cmpd="sng" algn="ctr">
+                      <a:solidFill>
+                        <a:schemeClr val="tx1"/>
+                      </a:solidFill>
+                      <a:prstDash val="solid"/>
+                      <a:round/>
+                      <a:headEnd type="none" w="med" len="med"/>
+                      <a:tailEnd type="none" w="med" len="med"/>
+                    </a:lnB>
+                    <a:solidFill>
+                      <a:schemeClr val="bg1">
+                        <a:lumMod val="95000"/>
+                      </a:schemeClr>
+                    </a:solidFill>
+                  </a:tcPr>
+                </a:tc>
+                <a:tc>
+                  <a:txBody>
+                    <a:bodyPr/>
+                    <a:lstStyle/>
+                    <a:p>
+                      <a:pPr algn="ctr" latinLnBrk="1"/>
+                      <a:r>
+                        <a:rPr lang="en-US" altLang="ko-KR" sz="1000">
+                          <a:solidFill>
+                            <a:schemeClr val="tx1"/>
+                          </a:solidFill>
+                        </a:rPr>
+                        <a:t>To</a:t>
+                      </a:r>
+                      <a:endParaRPr lang="ko-KR" altLang="en-US" sz="1000">
+                        <a:solidFill>
+                          <a:schemeClr val="tx1"/>
+                        </a:solidFill>
+                      </a:endParaRPr>
+                    </a:p>
+                  </a:txBody>
+                  <a:tcPr marL="83670" marR="83670" marT="41835" marB="41835" anchor="ctr">
+                    <a:lnL w="12700" cap="flat" cmpd="sng" algn="ctr">
+                      <a:solidFill>
+                        <a:schemeClr val="tx1"/>
+                      </a:solidFill>
+                      <a:prstDash val="solid"/>
+                      <a:round/>
+                      <a:headEnd type="none" w="med" len="med"/>
+                      <a:tailEnd type="none" w="med" len="med"/>
+                    </a:lnL>
+                    <a:lnR w="12700" cap="flat" cmpd="sng" algn="ctr">
+                      <a:solidFill>
+                        <a:schemeClr val="tx1"/>
+                      </a:solidFill>
+                      <a:prstDash val="solid"/>
+                      <a:round/>
+                      <a:headEnd type="none" w="med" len="med"/>
+                      <a:tailEnd type="none" w="med" len="med"/>
+                    </a:lnR>
+                    <a:lnT w="38100" cap="flat" cmpd="sng" algn="ctr">
+                      <a:solidFill>
+                        <a:schemeClr val="tx1"/>
+                      </a:solidFill>
+                      <a:prstDash val="solid"/>
+                      <a:round/>
+                      <a:headEnd type="none" w="med" len="med"/>
+                      <a:tailEnd type="none" w="med" len="med"/>
+                    </a:lnT>
+                    <a:lnB w="12700" cap="flat" cmpd="sng" algn="ctr">
+                      <a:solidFill>
+                        <a:schemeClr val="tx1"/>
+                      </a:solidFill>
+                      <a:prstDash val="solid"/>
+                      <a:round/>
+                      <a:headEnd type="none" w="med" len="med"/>
+                      <a:tailEnd type="none" w="med" len="med"/>
+                    </a:lnB>
+                    <a:solidFill>
+                      <a:schemeClr val="bg1">
+                        <a:lumMod val="95000"/>
+                      </a:schemeClr>
+                    </a:solidFill>
+                  </a:tcPr>
+                </a:tc>
+                <a:tc>
+                  <a:txBody>
+                    <a:bodyPr/>
+                    <a:lstStyle/>
+                    <a:p>
+                      <a:pPr algn="ctr" latinLnBrk="1"/>
+                      <a:r>
+                        <a:rPr lang="en-US" altLang="ko-KR" sz="1000">
+                          <a:solidFill>
+                            <a:schemeClr val="tx1"/>
+                          </a:solidFill>
+                        </a:rPr>
+                        <a:t>From</a:t>
+                      </a:r>
+                      <a:endParaRPr lang="ko-KR" altLang="en-US" sz="1000">
+                        <a:solidFill>
+                          <a:schemeClr val="tx1"/>
+                        </a:solidFill>
+                      </a:endParaRPr>
+                    </a:p>
+                  </a:txBody>
+                  <a:tcPr marL="83670" marR="83670" marT="41835" marB="41835" anchor="ctr">
+                    <a:lnL w="12700" cap="flat" cmpd="sng" algn="ctr">
+                      <a:solidFill>
+                        <a:schemeClr val="tx1"/>
+                      </a:solidFill>
+                      <a:prstDash val="solid"/>
+                      <a:round/>
+                      <a:headEnd type="none" w="med" len="med"/>
+                      <a:tailEnd type="none" w="med" len="med"/>
+                    </a:lnL>
+                    <a:lnR w="12700" cap="flat" cmpd="sng" algn="ctr">
+                      <a:solidFill>
+                        <a:schemeClr val="tx1"/>
+                      </a:solidFill>
+                      <a:prstDash val="solid"/>
+                      <a:round/>
+                      <a:headEnd type="none" w="med" len="med"/>
+                      <a:tailEnd type="none" w="med" len="med"/>
+                    </a:lnR>
+                    <a:lnT w="38100" cap="flat" cmpd="sng" algn="ctr">
+                      <a:solidFill>
+                        <a:schemeClr val="tx1"/>
+                      </a:solidFill>
+                      <a:prstDash val="solid"/>
+                      <a:round/>
+                      <a:headEnd type="none" w="med" len="med"/>
+                      <a:tailEnd type="none" w="med" len="med"/>
+                    </a:lnT>
+                    <a:lnB w="12700" cap="flat" cmpd="sng" algn="ctr">
+                      <a:solidFill>
+                        <a:schemeClr val="tx1"/>
+                      </a:solidFill>
+                      <a:prstDash val="solid"/>
+                      <a:round/>
+                      <a:headEnd type="none" w="med" len="med"/>
+                      <a:tailEnd type="none" w="med" len="med"/>
+                    </a:lnB>
+                    <a:solidFill>
+                      <a:schemeClr val="bg1">
+                        <a:lumMod val="95000"/>
+                      </a:schemeClr>
+                    </a:solidFill>
+                  </a:tcPr>
+                </a:tc>
+                <a:tc>
+                  <a:txBody>
+                    <a:bodyPr/>
+                    <a:lstStyle/>
+                    <a:p>
+                      <a:pPr algn="ctr" latinLnBrk="1"/>
+                      <a:r>
+                        <a:rPr lang="en-US" altLang="ko-KR" sz="1000">
+                          <a:solidFill>
+                            <a:schemeClr val="tx1"/>
+                          </a:solidFill>
+                        </a:rPr>
+                        <a:t>reg./redir.</a:t>
+                      </a:r>
+                      <a:br>
+                        <a:rPr lang="en-US" altLang="ko-KR" sz="1000">
+                          <a:solidFill>
+                            <a:schemeClr val="tx1"/>
+                          </a:solidFill>
+                        </a:rPr>
+                      </a:br>
+                      <a:r>
+                        <a:rPr lang="en-US" altLang="ko-KR" sz="1000">
+                          <a:solidFill>
+                            <a:schemeClr val="tx1"/>
+                          </a:solidFill>
+                        </a:rPr>
+                        <a:t>Contact</a:t>
+                      </a:r>
+                      <a:endParaRPr lang="ko-KR" altLang="en-US" sz="1000">
+                        <a:solidFill>
+                          <a:schemeClr val="tx1"/>
+                        </a:solidFill>
+                      </a:endParaRPr>
+                    </a:p>
+                  </a:txBody>
+                  <a:tcPr marL="83670" marR="83670" marT="41835" marB="41835" anchor="ctr">
+                    <a:lnL w="12700" cap="flat" cmpd="sng" algn="ctr">
+                      <a:solidFill>
+                        <a:schemeClr val="tx1"/>
+                      </a:solidFill>
+                      <a:prstDash val="solid"/>
+                      <a:round/>
+                      <a:headEnd type="none" w="med" len="med"/>
+                      <a:tailEnd type="none" w="med" len="med"/>
+                    </a:lnL>
+                    <a:lnR w="12700" cap="flat" cmpd="sng" algn="ctr">
+                      <a:solidFill>
+                        <a:schemeClr val="tx1"/>
+                      </a:solidFill>
+                      <a:prstDash val="solid"/>
+                      <a:round/>
+                      <a:headEnd type="none" w="med" len="med"/>
+                      <a:tailEnd type="none" w="med" len="med"/>
+                    </a:lnR>
+                    <a:lnT w="38100" cap="flat" cmpd="sng" algn="ctr">
+                      <a:solidFill>
+                        <a:schemeClr val="tx1"/>
+                      </a:solidFill>
+                      <a:prstDash val="solid"/>
+                      <a:round/>
+                      <a:headEnd type="none" w="med" len="med"/>
+                      <a:tailEnd type="none" w="med" len="med"/>
+                    </a:lnT>
+                    <a:lnB w="12700" cap="flat" cmpd="sng" algn="ctr">
+                      <a:solidFill>
+                        <a:schemeClr val="tx1"/>
+                      </a:solidFill>
+                      <a:prstDash val="solid"/>
+                      <a:round/>
+                      <a:headEnd type="none" w="med" len="med"/>
+                      <a:tailEnd type="none" w="med" len="med"/>
+                    </a:lnB>
+                    <a:solidFill>
+                      <a:schemeClr val="bg1">
+                        <a:lumMod val="95000"/>
+                      </a:schemeClr>
+                    </a:solidFill>
+                  </a:tcPr>
+                </a:tc>
+                <a:tc>
+                  <a:txBody>
+                    <a:bodyPr/>
+                    <a:lstStyle/>
+                    <a:p>
+                      <a:pPr algn="ctr" latinLnBrk="1"/>
+                      <a:r>
+                        <a:rPr lang="en-US" altLang="ko-KR" sz="1000">
+                          <a:solidFill>
+                            <a:schemeClr val="tx1"/>
+                          </a:solidFill>
+                        </a:rPr>
+                        <a:t>dialog</a:t>
+                      </a:r>
+                      <a:br>
+                        <a:rPr lang="en-US" altLang="ko-KR" sz="1000">
+                          <a:solidFill>
+                            <a:schemeClr val="tx1"/>
+                          </a:solidFill>
+                        </a:rPr>
+                      </a:br>
+                      <a:r>
+                        <a:rPr lang="en-US" altLang="ko-KR" sz="1000">
+                          <a:solidFill>
+                            <a:schemeClr val="tx1"/>
+                          </a:solidFill>
+                        </a:rPr>
+                        <a:t>Contact/R-R/Route</a:t>
+                      </a:r>
+                      <a:endParaRPr lang="ko-KR" altLang="en-US" sz="1000">
+                        <a:solidFill>
+                          <a:schemeClr val="tx1"/>
+                        </a:solidFill>
+                      </a:endParaRPr>
+                    </a:p>
+                  </a:txBody>
+                  <a:tcPr marL="83670" marR="83670" marT="41835" marB="41835" anchor="ctr">
+                    <a:lnL w="12700" cap="flat" cmpd="sng" algn="ctr">
+                      <a:solidFill>
+                        <a:schemeClr val="tx1"/>
+                      </a:solidFill>
+                      <a:prstDash val="solid"/>
+                      <a:round/>
+                      <a:headEnd type="none" w="med" len="med"/>
+                      <a:tailEnd type="none" w="med" len="med"/>
+                    </a:lnL>
+                    <a:lnR w="12700" cap="flat" cmpd="sng" algn="ctr">
+                      <a:solidFill>
+                        <a:schemeClr val="tx1"/>
+                      </a:solidFill>
+                      <a:prstDash val="solid"/>
+                      <a:round/>
+                      <a:headEnd type="none" w="med" len="med"/>
+                      <a:tailEnd type="none" w="med" len="med"/>
+                    </a:lnR>
+                    <a:lnT w="38100" cap="flat" cmpd="sng" algn="ctr">
+                      <a:solidFill>
+                        <a:schemeClr val="tx1"/>
+                      </a:solidFill>
+                      <a:prstDash val="solid"/>
+                      <a:round/>
+                      <a:headEnd type="none" w="med" len="med"/>
+                      <a:tailEnd type="none" w="med" len="med"/>
+                    </a:lnT>
+                    <a:lnB w="12700" cap="flat" cmpd="sng" algn="ctr">
+                      <a:solidFill>
+                        <a:schemeClr val="tx1"/>
+                      </a:solidFill>
+                      <a:prstDash val="solid"/>
+                      <a:round/>
+                      <a:headEnd type="none" w="med" len="med"/>
+                      <a:tailEnd type="none" w="med" len="med"/>
+                    </a:lnB>
+                    <a:solidFill>
+                      <a:schemeClr val="bg1">
+                        <a:lumMod val="95000"/>
+                      </a:schemeClr>
+                    </a:solidFill>
+                  </a:tcPr>
+                </a:tc>
+                <a:tc>
+                  <a:txBody>
+                    <a:bodyPr/>
+                    <a:lstStyle/>
+                    <a:p>
+                      <a:pPr algn="ctr" latinLnBrk="1"/>
+                      <a:r>
+                        <a:rPr lang="en-US" altLang="ko-KR" sz="1000">
+                          <a:solidFill>
+                            <a:schemeClr val="tx1"/>
+                          </a:solidFill>
+                        </a:rPr>
+                        <a:t>external</a:t>
+                      </a:r>
+                      <a:endParaRPr lang="ko-KR" altLang="en-US" sz="1000">
+                        <a:solidFill>
+                          <a:schemeClr val="tx1"/>
+                        </a:solidFill>
+                      </a:endParaRPr>
+                    </a:p>
+                  </a:txBody>
+                  <a:tcPr marL="83670" marR="83670" marT="41835" marB="41835" anchor="ctr">
+                    <a:lnL w="12700" cap="flat" cmpd="sng" algn="ctr">
+                      <a:solidFill>
+                        <a:schemeClr val="tx1"/>
+                      </a:solidFill>
+                      <a:prstDash val="solid"/>
+                      <a:round/>
+                      <a:headEnd type="none" w="med" len="med"/>
+                      <a:tailEnd type="none" w="med" len="med"/>
+                    </a:lnL>
+                    <a:lnR w="38100" cap="flat" cmpd="sng" algn="ctr">
+                      <a:solidFill>
+                        <a:schemeClr val="tx1"/>
+                      </a:solidFill>
+                      <a:prstDash val="solid"/>
+                      <a:round/>
+                      <a:headEnd type="none" w="med" len="med"/>
+                      <a:tailEnd type="none" w="med" len="med"/>
+                    </a:lnR>
+                    <a:lnT w="38100" cap="flat" cmpd="sng" algn="ctr">
+                      <a:solidFill>
+                        <a:schemeClr val="tx1"/>
+                      </a:solidFill>
+                      <a:prstDash val="solid"/>
+                      <a:round/>
+                      <a:headEnd type="none" w="med" len="med"/>
+                      <a:tailEnd type="none" w="med" len="med"/>
+                    </a:lnT>
+                    <a:lnB w="12700" cap="flat" cmpd="sng" algn="ctr">
+                      <a:solidFill>
+                        <a:schemeClr val="tx1"/>
+                      </a:solidFill>
+                      <a:prstDash val="solid"/>
+                      <a:round/>
+                      <a:headEnd type="none" w="med" len="med"/>
+                      <a:tailEnd type="none" w="med" len="med"/>
+                    </a:lnB>
+                    <a:solidFill>
+                      <a:schemeClr val="bg1">
+                        <a:lumMod val="95000"/>
+                      </a:schemeClr>
+                    </a:solidFill>
+                  </a:tcPr>
+                </a:tc>
+                <a:extLst>
+                  <a:ext uri="{0D108BD9-81ED-4DB2-BD59-A6C34878D82A}">
+                    <a16:rowId xmlns:a16="http://schemas.microsoft.com/office/drawing/2014/main" val="138515980"/>
+                  </a:ext>
+                </a:extLst>
+              </a:tr>
+              <a:tr h="258889">
+                <a:tc>
+                  <a:txBody>
+                    <a:bodyPr/>
+                    <a:lstStyle/>
+                    <a:p>
+                      <a:pPr algn="ctr" latinLnBrk="1"/>
+                      <a:r>
+                        <a:rPr lang="en-US" altLang="ko-KR" sz="1000">
+                          <a:solidFill>
+                            <a:schemeClr val="tx1"/>
+                          </a:solidFill>
+                        </a:rPr>
+                        <a:t>user</a:t>
+                      </a:r>
+                      <a:endParaRPr lang="ko-KR" altLang="en-US" sz="1000">
+                        <a:solidFill>
+                          <a:schemeClr val="tx1"/>
+                        </a:solidFill>
+                      </a:endParaRPr>
+                    </a:p>
+                  </a:txBody>
+                  <a:tcPr marL="83670" marR="83670" marT="41835" marB="41835" anchor="ctr">
+                    <a:lnL w="38100" cap="flat" cmpd="sng" algn="ctr">
+                      <a:solidFill>
+                        <a:schemeClr val="tx1"/>
+                      </a:solidFill>
+                      <a:prstDash val="solid"/>
+                      <a:round/>
+                      <a:headEnd type="none" w="med" len="med"/>
+                      <a:tailEnd type="none" w="med" len="med"/>
+                    </a:lnL>
+                    <a:lnR w="12700" cap="flat" cmpd="sng" algn="ctr">
+                      <a:solidFill>
+                        <a:schemeClr val="tx1"/>
+                      </a:solidFill>
+                      <a:prstDash val="solid"/>
+                      <a:round/>
+                      <a:headEnd type="none" w="med" len="med"/>
+                      <a:tailEnd type="none" w="med" len="med"/>
+                    </a:lnR>
+                    <a:lnT w="12700" cap="flat" cmpd="sng" algn="ctr">
+                      <a:solidFill>
+                        <a:schemeClr val="tx1"/>
+                      </a:solidFill>
+                      <a:prstDash val="solid"/>
+                      <a:round/>
+                      <a:headEnd type="none" w="med" len="med"/>
+                      <a:tailEnd type="none" w="med" len="med"/>
+                    </a:lnT>
+                    <a:lnB w="12700" cap="flat" cmpd="sng" algn="ctr">
+                      <a:solidFill>
+                        <a:schemeClr val="tx1"/>
+                      </a:solidFill>
+                      <a:prstDash val="solid"/>
+                      <a:round/>
+                      <a:headEnd type="none" w="med" len="med"/>
+                      <a:tailEnd type="none" w="med" len="med"/>
+                    </a:lnB>
+                    <a:solidFill>
+                      <a:schemeClr val="bg1">
+                        <a:lumMod val="95000"/>
+                      </a:schemeClr>
+                    </a:solidFill>
+                  </a:tcPr>
+                </a:tc>
+                <a:tc>
+                  <a:txBody>
+                    <a:bodyPr/>
+                    <a:lstStyle/>
+                    <a:p>
+                      <a:pPr algn="ctr" latinLnBrk="1"/>
+                      <a:r>
+                        <a:rPr lang="en-US" altLang="ko-KR" sz="1000">
+                          <a:solidFill>
+                            <a:schemeClr val="tx1"/>
+                          </a:solidFill>
+                        </a:rPr>
+                        <a:t>-</a:t>
+                      </a:r>
+                      <a:endParaRPr lang="ko-KR" altLang="en-US" sz="1000">
+                        <a:solidFill>
+                          <a:schemeClr val="tx1"/>
+                        </a:solidFill>
+                      </a:endParaRPr>
+                    </a:p>
+                  </a:txBody>
+                  <a:tcPr marL="83670" marR="83670" marT="41835" marB="41835" anchor="ctr">
+                    <a:lnL w="12700" cap="flat" cmpd="sng" algn="ctr">
+                      <a:solidFill>
+                        <a:schemeClr val="tx1"/>
+                      </a:solidFill>
+                      <a:prstDash val="solid"/>
+                      <a:round/>
+                      <a:headEnd type="none" w="med" len="med"/>
+                      <a:tailEnd type="none" w="med" len="med"/>
+                    </a:lnL>
+                    <a:lnR w="12700" cap="flat" cmpd="sng" algn="ctr">
+                      <a:solidFill>
+                        <a:schemeClr val="tx1"/>
+                      </a:solidFill>
+                      <a:prstDash val="solid"/>
+                      <a:round/>
+                      <a:headEnd type="none" w="med" len="med"/>
+                      <a:tailEnd type="none" w="med" len="med"/>
+                    </a:lnR>
+                    <a:lnT w="12700" cap="flat" cmpd="sng" algn="ctr">
+                      <a:solidFill>
+                        <a:schemeClr val="tx1"/>
+                      </a:solidFill>
+                      <a:prstDash val="solid"/>
+                      <a:round/>
+                      <a:headEnd type="none" w="med" len="med"/>
+                      <a:tailEnd type="none" w="med" len="med"/>
+                    </a:lnT>
+                    <a:lnB w="12700" cap="flat" cmpd="sng" algn="ctr">
+                      <a:solidFill>
+                        <a:schemeClr val="tx1"/>
+                      </a:solidFill>
+                      <a:prstDash val="solid"/>
+                      <a:round/>
+                      <a:headEnd type="none" w="med" len="med"/>
+                      <a:tailEnd type="none" w="med" len="med"/>
+                    </a:lnB>
+                    <a:solidFill>
+                      <a:schemeClr val="bg1"/>
+                    </a:solidFill>
+                  </a:tcPr>
+                </a:tc>
+                <a:tc>
+                  <a:txBody>
+                    <a:bodyPr/>
+                    <a:lstStyle/>
+                    <a:p>
+                      <a:pPr algn="ctr" latinLnBrk="1"/>
+                      <a:r>
+                        <a:rPr lang="en-US" altLang="ko-KR" sz="1000">
+                          <a:solidFill>
+                            <a:schemeClr val="tx1"/>
+                          </a:solidFill>
+                        </a:rPr>
+                        <a:t>o</a:t>
+                      </a:r>
+                      <a:endParaRPr lang="ko-KR" altLang="en-US" sz="1000">
+                        <a:solidFill>
+                          <a:schemeClr val="tx1"/>
+                        </a:solidFill>
+                      </a:endParaRPr>
+                    </a:p>
+                  </a:txBody>
+                  <a:tcPr marL="83670" marR="83670" marT="41835" marB="41835" anchor="ctr">
+                    <a:lnL w="12700" cap="flat" cmpd="sng" algn="ctr">
+                      <a:solidFill>
+                        <a:schemeClr val="tx1"/>
+                      </a:solidFill>
+                      <a:prstDash val="solid"/>
+                      <a:round/>
+                      <a:headEnd type="none" w="med" len="med"/>
+                      <a:tailEnd type="none" w="med" len="med"/>
+                    </a:lnL>
+                    <a:lnR w="12700" cap="flat" cmpd="sng" algn="ctr">
+                      <a:solidFill>
+                        <a:schemeClr val="tx1"/>
+                      </a:solidFill>
+                      <a:prstDash val="solid"/>
+                      <a:round/>
+                      <a:headEnd type="none" w="med" len="med"/>
+                      <a:tailEnd type="none" w="med" len="med"/>
+                    </a:lnR>
+                    <a:lnT w="12700" cap="flat" cmpd="sng" algn="ctr">
+                      <a:solidFill>
+                        <a:schemeClr val="tx1"/>
+                      </a:solidFill>
+                      <a:prstDash val="solid"/>
+                      <a:round/>
+                      <a:headEnd type="none" w="med" len="med"/>
+                      <a:tailEnd type="none" w="med" len="med"/>
+                    </a:lnT>
+                    <a:lnB w="12700" cap="flat" cmpd="sng" algn="ctr">
+                      <a:solidFill>
+                        <a:schemeClr val="tx1"/>
+                      </a:solidFill>
+                      <a:prstDash val="solid"/>
+                      <a:round/>
+                      <a:headEnd type="none" w="med" len="med"/>
+                      <a:tailEnd type="none" w="med" len="med"/>
+                    </a:lnB>
+                    <a:solidFill>
+                      <a:schemeClr val="bg1"/>
+                    </a:solidFill>
+                  </a:tcPr>
+                </a:tc>
+                <a:tc>
+                  <a:txBody>
+                    <a:bodyPr/>
+                    <a:lstStyle/>
+                    <a:p>
+                      <a:pPr algn="ctr" latinLnBrk="1"/>
+                      <a:r>
+                        <a:rPr lang="en-US" altLang="ko-KR" sz="1000">
+                          <a:solidFill>
+                            <a:schemeClr val="tx1"/>
+                          </a:solidFill>
+                        </a:rPr>
+                        <a:t>o</a:t>
+                      </a:r>
+                      <a:endParaRPr lang="ko-KR" altLang="en-US" sz="1000">
+                        <a:solidFill>
+                          <a:schemeClr val="tx1"/>
+                        </a:solidFill>
+                      </a:endParaRPr>
+                    </a:p>
+                  </a:txBody>
+                  <a:tcPr marL="83670" marR="83670" marT="41835" marB="41835" anchor="ctr">
+                    <a:lnL w="12700" cap="flat" cmpd="sng" algn="ctr">
+                      <a:solidFill>
+                        <a:schemeClr val="tx1"/>
+                      </a:solidFill>
+                      <a:prstDash val="solid"/>
+                      <a:round/>
+                      <a:headEnd type="none" w="med" len="med"/>
+                      <a:tailEnd type="none" w="med" len="med"/>
+                    </a:lnL>
+                    <a:lnR w="12700" cap="flat" cmpd="sng" algn="ctr">
+                      <a:solidFill>
+                        <a:schemeClr val="tx1"/>
+                      </a:solidFill>
+                      <a:prstDash val="solid"/>
+                      <a:round/>
+                      <a:headEnd type="none" w="med" len="med"/>
+                      <a:tailEnd type="none" w="med" len="med"/>
+                    </a:lnR>
+                    <a:lnT w="12700" cap="flat" cmpd="sng" algn="ctr">
+                      <a:solidFill>
+                        <a:schemeClr val="tx1"/>
+                      </a:solidFill>
+                      <a:prstDash val="solid"/>
+                      <a:round/>
+                      <a:headEnd type="none" w="med" len="med"/>
+                      <a:tailEnd type="none" w="med" len="med"/>
+                    </a:lnT>
+                    <a:lnB w="12700" cap="flat" cmpd="sng" algn="ctr">
+                      <a:solidFill>
+                        <a:schemeClr val="tx1"/>
+                      </a:solidFill>
+                      <a:prstDash val="solid"/>
+                      <a:round/>
+                      <a:headEnd type="none" w="med" len="med"/>
+                      <a:tailEnd type="none" w="med" len="med"/>
+                    </a:lnB>
+                    <a:solidFill>
+                      <a:schemeClr val="bg1"/>
+                    </a:solidFill>
+                  </a:tcPr>
+                </a:tc>
+                <a:tc>
+                  <a:txBody>
+                    <a:bodyPr/>
+                    <a:lstStyle/>
+                    <a:p>
+                      <a:pPr algn="ctr" latinLnBrk="1"/>
+                      <a:r>
+                        <a:rPr lang="en-US" altLang="ko-KR" sz="1000">
+                          <a:solidFill>
+                            <a:schemeClr val="tx1"/>
+                          </a:solidFill>
+                        </a:rPr>
+                        <a:t>o</a:t>
+                      </a:r>
+                      <a:endParaRPr lang="ko-KR" altLang="en-US" sz="1000">
+                        <a:solidFill>
+                          <a:schemeClr val="tx1"/>
+                        </a:solidFill>
+                      </a:endParaRPr>
+                    </a:p>
+                  </a:txBody>
+                  <a:tcPr marL="83670" marR="83670" marT="41835" marB="41835" anchor="ctr">
+                    <a:lnL w="12700" cap="flat" cmpd="sng" algn="ctr">
+                      <a:solidFill>
+                        <a:schemeClr val="tx1"/>
+                      </a:solidFill>
+                      <a:prstDash val="solid"/>
+                      <a:round/>
+                      <a:headEnd type="none" w="med" len="med"/>
+                      <a:tailEnd type="none" w="med" len="med"/>
+                    </a:lnL>
+                    <a:lnR w="12700" cap="flat" cmpd="sng" algn="ctr">
+                      <a:solidFill>
+                        <a:schemeClr val="tx1"/>
+                      </a:solidFill>
+                      <a:prstDash val="solid"/>
+                      <a:round/>
+                      <a:headEnd type="none" w="med" len="med"/>
+                      <a:tailEnd type="none" w="med" len="med"/>
+                    </a:lnR>
+                    <a:lnT w="12700" cap="flat" cmpd="sng" algn="ctr">
+                      <a:solidFill>
+                        <a:schemeClr val="tx1"/>
+                      </a:solidFill>
+                      <a:prstDash val="solid"/>
+                      <a:round/>
+                      <a:headEnd type="none" w="med" len="med"/>
+                      <a:tailEnd type="none" w="med" len="med"/>
+                    </a:lnT>
+                    <a:lnB w="12700" cap="flat" cmpd="sng" algn="ctr">
+                      <a:solidFill>
+                        <a:schemeClr val="tx1"/>
+                      </a:solidFill>
+                      <a:prstDash val="solid"/>
+                      <a:round/>
+                      <a:headEnd type="none" w="med" len="med"/>
+                      <a:tailEnd type="none" w="med" len="med"/>
+                    </a:lnB>
+                    <a:solidFill>
+                      <a:schemeClr val="bg1"/>
+                    </a:solidFill>
+                  </a:tcPr>
+                </a:tc>
+                <a:tc>
+                  <a:txBody>
+                    <a:bodyPr/>
+                    <a:lstStyle/>
+                    <a:p>
+                      <a:pPr algn="ctr" latinLnBrk="1"/>
+                      <a:r>
+                        <a:rPr lang="en-US" altLang="ko-KR" sz="1000">
+                          <a:solidFill>
+                            <a:schemeClr val="tx1"/>
+                          </a:solidFill>
+                        </a:rPr>
+                        <a:t>o</a:t>
+                      </a:r>
+                      <a:endParaRPr lang="ko-KR" altLang="en-US" sz="1000">
+                        <a:solidFill>
+                          <a:schemeClr val="tx1"/>
+                        </a:solidFill>
+                      </a:endParaRPr>
+                    </a:p>
+                  </a:txBody>
+                  <a:tcPr marL="83670" marR="83670" marT="41835" marB="41835" anchor="ctr">
+                    <a:lnL w="12700" cap="flat" cmpd="sng" algn="ctr">
+                      <a:solidFill>
+                        <a:schemeClr val="tx1"/>
+                      </a:solidFill>
+                      <a:prstDash val="solid"/>
+                      <a:round/>
+                      <a:headEnd type="none" w="med" len="med"/>
+                      <a:tailEnd type="none" w="med" len="med"/>
+                    </a:lnL>
+                    <a:lnR w="12700" cap="flat" cmpd="sng" algn="ctr">
+                      <a:solidFill>
+                        <a:schemeClr val="tx1"/>
+                      </a:solidFill>
+                      <a:prstDash val="solid"/>
+                      <a:round/>
+                      <a:headEnd type="none" w="med" len="med"/>
+                      <a:tailEnd type="none" w="med" len="med"/>
+                    </a:lnR>
+                    <a:lnT w="12700" cap="flat" cmpd="sng" algn="ctr">
+                      <a:solidFill>
+                        <a:schemeClr val="tx1"/>
+                      </a:solidFill>
+                      <a:prstDash val="solid"/>
+                      <a:round/>
+                      <a:headEnd type="none" w="med" len="med"/>
+                      <a:tailEnd type="none" w="med" len="med"/>
+                    </a:lnT>
+                    <a:lnB w="12700" cap="flat" cmpd="sng" algn="ctr">
+                      <a:solidFill>
+                        <a:schemeClr val="tx1"/>
+                      </a:solidFill>
+                      <a:prstDash val="solid"/>
+                      <a:round/>
+                      <a:headEnd type="none" w="med" len="med"/>
+                      <a:tailEnd type="none" w="med" len="med"/>
+                    </a:lnB>
+                    <a:solidFill>
+                      <a:schemeClr val="bg1"/>
+                    </a:solidFill>
+                  </a:tcPr>
+                </a:tc>
+                <a:tc>
+                  <a:txBody>
+                    <a:bodyPr/>
+                    <a:lstStyle/>
+                    <a:p>
+                      <a:pPr algn="ctr" latinLnBrk="1"/>
+                      <a:r>
+                        <a:rPr lang="en-US" altLang="ko-KR" sz="1000">
+                          <a:solidFill>
+                            <a:schemeClr val="tx1"/>
+                          </a:solidFill>
+                        </a:rPr>
+                        <a:t>o</a:t>
+                      </a:r>
+                      <a:endParaRPr lang="ko-KR" altLang="en-US" sz="1000">
+                        <a:solidFill>
+                          <a:schemeClr val="tx1"/>
+                        </a:solidFill>
+                      </a:endParaRPr>
+                    </a:p>
+                  </a:txBody>
+                  <a:tcPr marL="83670" marR="83670" marT="41835" marB="41835" anchor="ctr">
+                    <a:lnL w="12700" cap="flat" cmpd="sng" algn="ctr">
+                      <a:solidFill>
+                        <a:schemeClr val="tx1"/>
+                      </a:solidFill>
+                      <a:prstDash val="solid"/>
+                      <a:round/>
+                      <a:headEnd type="none" w="med" len="med"/>
+                      <a:tailEnd type="none" w="med" len="med"/>
+                    </a:lnL>
+                    <a:lnR w="12700" cap="flat" cmpd="sng" algn="ctr">
+                      <a:solidFill>
+                        <a:schemeClr val="tx1"/>
+                      </a:solidFill>
+                      <a:prstDash val="solid"/>
+                      <a:round/>
+                      <a:headEnd type="none" w="med" len="med"/>
+                      <a:tailEnd type="none" w="med" len="med"/>
+                    </a:lnR>
+                    <a:lnT w="12700" cap="flat" cmpd="sng" algn="ctr">
+                      <a:solidFill>
+                        <a:schemeClr val="tx1"/>
+                      </a:solidFill>
+                      <a:prstDash val="solid"/>
+                      <a:round/>
+                      <a:headEnd type="none" w="med" len="med"/>
+                      <a:tailEnd type="none" w="med" len="med"/>
+                    </a:lnT>
+                    <a:lnB w="12700" cap="flat" cmpd="sng" algn="ctr">
+                      <a:solidFill>
+                        <a:schemeClr val="tx1"/>
+                      </a:solidFill>
+                      <a:prstDash val="solid"/>
+                      <a:round/>
+                      <a:headEnd type="none" w="med" len="med"/>
+                      <a:tailEnd type="none" w="med" len="med"/>
+                    </a:lnB>
+                    <a:solidFill>
+                      <a:schemeClr val="bg1"/>
+                    </a:solidFill>
+                  </a:tcPr>
+                </a:tc>
+                <a:tc>
+                  <a:txBody>
+                    <a:bodyPr/>
+                    <a:lstStyle/>
+                    <a:p>
+                      <a:pPr algn="ctr" latinLnBrk="1"/>
+                      <a:r>
+                        <a:rPr lang="en-US" altLang="ko-KR" sz="1000">
+                          <a:solidFill>
+                            <a:schemeClr val="tx1"/>
+                          </a:solidFill>
+                        </a:rPr>
+                        <a:t>o</a:t>
+                      </a:r>
+                      <a:endParaRPr lang="ko-KR" altLang="en-US" sz="1000">
+                        <a:solidFill>
+                          <a:schemeClr val="tx1"/>
+                        </a:solidFill>
+                      </a:endParaRPr>
+                    </a:p>
+                  </a:txBody>
+                  <a:tcPr marL="83670" marR="83670" marT="41835" marB="41835" anchor="ctr">
+                    <a:lnL w="12700" cap="flat" cmpd="sng" algn="ctr">
+                      <a:solidFill>
+                        <a:schemeClr val="tx1"/>
+                      </a:solidFill>
+                      <a:prstDash val="solid"/>
+                      <a:round/>
+                      <a:headEnd type="none" w="med" len="med"/>
+                      <a:tailEnd type="none" w="med" len="med"/>
+                    </a:lnL>
+                    <a:lnR w="38100" cap="flat" cmpd="sng" algn="ctr">
+                      <a:solidFill>
+                        <a:schemeClr val="tx1"/>
+                      </a:solidFill>
+                      <a:prstDash val="solid"/>
+                      <a:round/>
+                      <a:headEnd type="none" w="med" len="med"/>
+                      <a:tailEnd type="none" w="med" len="med"/>
+                    </a:lnR>
+                    <a:lnT w="12700" cap="flat" cmpd="sng" algn="ctr">
+                      <a:solidFill>
+                        <a:schemeClr val="tx1"/>
+                      </a:solidFill>
+                      <a:prstDash val="solid"/>
+                      <a:round/>
+                      <a:headEnd type="none" w="med" len="med"/>
+                      <a:tailEnd type="none" w="med" len="med"/>
+                    </a:lnT>
+                    <a:lnB w="12700" cap="flat" cmpd="sng" algn="ctr">
+                      <a:solidFill>
+                        <a:schemeClr val="tx1"/>
+                      </a:solidFill>
+                      <a:prstDash val="solid"/>
+                      <a:round/>
+                      <a:headEnd type="none" w="med" len="med"/>
+                      <a:tailEnd type="none" w="med" len="med"/>
+                    </a:lnB>
+                    <a:solidFill>
+                      <a:schemeClr val="bg1"/>
+                    </a:solidFill>
+                  </a:tcPr>
+                </a:tc>
+                <a:extLst>
+                  <a:ext uri="{0D108BD9-81ED-4DB2-BD59-A6C34878D82A}">
+                    <a16:rowId xmlns:a16="http://schemas.microsoft.com/office/drawing/2014/main" val="1495722848"/>
+                  </a:ext>
+                </a:extLst>
+              </a:tr>
+              <a:tr h="258889">
+                <a:tc>
+                  <a:txBody>
+                    <a:bodyPr/>
+                    <a:lstStyle/>
+                    <a:p>
+                      <a:pPr algn="ctr" latinLnBrk="1"/>
+                      <a:r>
+                        <a:rPr lang="en-US" altLang="ko-KR" sz="1000">
+                          <a:solidFill>
+                            <a:schemeClr val="tx1"/>
+                          </a:solidFill>
+                        </a:rPr>
+                        <a:t>password</a:t>
+                      </a:r>
+                      <a:endParaRPr lang="ko-KR" altLang="en-US" sz="1000">
+                        <a:solidFill>
+                          <a:schemeClr val="tx1"/>
+                        </a:solidFill>
+                      </a:endParaRPr>
+                    </a:p>
+                  </a:txBody>
+                  <a:tcPr marL="83670" marR="83670" marT="41835" marB="41835" anchor="ctr">
+                    <a:lnL w="38100" cap="flat" cmpd="sng" algn="ctr">
+                      <a:solidFill>
+                        <a:schemeClr val="tx1"/>
+                      </a:solidFill>
+                      <a:prstDash val="solid"/>
+                      <a:round/>
+                      <a:headEnd type="none" w="med" len="med"/>
+                      <a:tailEnd type="none" w="med" len="med"/>
+                    </a:lnL>
+                    <a:lnR w="12700" cap="flat" cmpd="sng" algn="ctr">
+                      <a:solidFill>
+                        <a:schemeClr val="tx1"/>
+                      </a:solidFill>
+                      <a:prstDash val="solid"/>
+                      <a:round/>
+                      <a:headEnd type="none" w="med" len="med"/>
+                      <a:tailEnd type="none" w="med" len="med"/>
+                    </a:lnR>
+                    <a:lnT w="12700" cap="flat" cmpd="sng" algn="ctr">
+                      <a:solidFill>
+                        <a:schemeClr val="tx1"/>
+                      </a:solidFill>
+                      <a:prstDash val="solid"/>
+                      <a:round/>
+                      <a:headEnd type="none" w="med" len="med"/>
+                      <a:tailEnd type="none" w="med" len="med"/>
+                    </a:lnT>
+                    <a:lnB w="12700" cap="flat" cmpd="sng" algn="ctr">
+                      <a:solidFill>
+                        <a:schemeClr val="tx1"/>
+                      </a:solidFill>
+                      <a:prstDash val="solid"/>
+                      <a:round/>
+                      <a:headEnd type="none" w="med" len="med"/>
+                      <a:tailEnd type="none" w="med" len="med"/>
+                    </a:lnB>
+                    <a:solidFill>
+                      <a:schemeClr val="bg1">
+                        <a:lumMod val="95000"/>
+                      </a:schemeClr>
+                    </a:solidFill>
+                  </a:tcPr>
+                </a:tc>
+                <a:tc>
+                  <a:txBody>
+                    <a:bodyPr/>
+                    <a:lstStyle/>
+                    <a:p>
+                      <a:pPr algn="ctr" latinLnBrk="1"/>
+                      <a:r>
+                        <a:rPr lang="en-US" altLang="ko-KR" sz="1000">
+                          <a:solidFill>
+                            <a:schemeClr val="tx1"/>
+                          </a:solidFill>
+                        </a:rPr>
+                        <a:t>-</a:t>
+                      </a:r>
+                      <a:endParaRPr lang="ko-KR" altLang="en-US" sz="1000">
+                        <a:solidFill>
+                          <a:schemeClr val="tx1"/>
+                        </a:solidFill>
+                      </a:endParaRPr>
+                    </a:p>
+                  </a:txBody>
+                  <a:tcPr marL="83670" marR="83670" marT="41835" marB="41835" anchor="ctr">
+                    <a:lnL w="12700" cap="flat" cmpd="sng" algn="ctr">
+                      <a:solidFill>
+                        <a:schemeClr val="tx1"/>
+                      </a:solidFill>
+                      <a:prstDash val="solid"/>
+                      <a:round/>
+                      <a:headEnd type="none" w="med" len="med"/>
+                      <a:tailEnd type="none" w="med" len="med"/>
+                    </a:lnL>
+                    <a:lnR w="12700" cap="flat" cmpd="sng" algn="ctr">
+                      <a:solidFill>
+                        <a:schemeClr val="tx1"/>
+                      </a:solidFill>
+                      <a:prstDash val="solid"/>
+                      <a:round/>
+                      <a:headEnd type="none" w="med" len="med"/>
+                      <a:tailEnd type="none" w="med" len="med"/>
+                    </a:lnR>
+                    <a:lnT w="12700" cap="flat" cmpd="sng" algn="ctr">
+                      <a:solidFill>
+                        <a:schemeClr val="tx1"/>
+                      </a:solidFill>
+                      <a:prstDash val="solid"/>
+                      <a:round/>
+                      <a:headEnd type="none" w="med" len="med"/>
+                      <a:tailEnd type="none" w="med" len="med"/>
+                    </a:lnT>
+                    <a:lnB w="12700" cap="flat" cmpd="sng" algn="ctr">
+                      <a:solidFill>
+                        <a:schemeClr val="tx1"/>
+                      </a:solidFill>
+                      <a:prstDash val="solid"/>
+                      <a:round/>
+                      <a:headEnd type="none" w="med" len="med"/>
+                      <a:tailEnd type="none" w="med" len="med"/>
+                    </a:lnB>
+                    <a:solidFill>
+                      <a:schemeClr val="bg1"/>
+                    </a:solidFill>
+                  </a:tcPr>
+                </a:tc>
+                <a:tc>
+                  <a:txBody>
+                    <a:bodyPr/>
+                    <a:lstStyle/>
+                    <a:p>
+                      <a:pPr algn="ctr" latinLnBrk="1"/>
+                      <a:r>
+                        <a:rPr lang="en-US" altLang="ko-KR" sz="1000">
+                          <a:solidFill>
+                            <a:schemeClr val="tx1"/>
+                          </a:solidFill>
+                        </a:rPr>
+                        <a:t>o</a:t>
+                      </a:r>
+                      <a:endParaRPr lang="ko-KR" altLang="en-US" sz="1000">
+                        <a:solidFill>
+                          <a:schemeClr val="tx1"/>
+                        </a:solidFill>
+                      </a:endParaRPr>
+                    </a:p>
+                  </a:txBody>
+                  <a:tcPr marL="83670" marR="83670" marT="41835" marB="41835" anchor="ctr">
+                    <a:lnL w="12700" cap="flat" cmpd="sng" algn="ctr">
+                      <a:solidFill>
+                        <a:schemeClr val="tx1"/>
+                      </a:solidFill>
+                      <a:prstDash val="solid"/>
+                      <a:round/>
+                      <a:headEnd type="none" w="med" len="med"/>
+                      <a:tailEnd type="none" w="med" len="med"/>
+                    </a:lnL>
+                    <a:lnR w="12700" cap="flat" cmpd="sng" algn="ctr">
+                      <a:solidFill>
+                        <a:schemeClr val="tx1"/>
+                      </a:solidFill>
+                      <a:prstDash val="solid"/>
+                      <a:round/>
+                      <a:headEnd type="none" w="med" len="med"/>
+                      <a:tailEnd type="none" w="med" len="med"/>
+                    </a:lnR>
+                    <a:lnT w="12700" cap="flat" cmpd="sng" algn="ctr">
+                      <a:solidFill>
+                        <a:schemeClr val="tx1"/>
+                      </a:solidFill>
+                      <a:prstDash val="solid"/>
+                      <a:round/>
+                      <a:headEnd type="none" w="med" len="med"/>
+                      <a:tailEnd type="none" w="med" len="med"/>
+                    </a:lnT>
+                    <a:lnB w="12700" cap="flat" cmpd="sng" algn="ctr">
+                      <a:solidFill>
+                        <a:schemeClr val="tx1"/>
+                      </a:solidFill>
+                      <a:prstDash val="solid"/>
+                      <a:round/>
+                      <a:headEnd type="none" w="med" len="med"/>
+                      <a:tailEnd type="none" w="med" len="med"/>
+                    </a:lnB>
+                    <a:solidFill>
+                      <a:schemeClr val="bg1"/>
+                    </a:solidFill>
+                  </a:tcPr>
+                </a:tc>
+                <a:tc>
+                  <a:txBody>
+                    <a:bodyPr/>
+                    <a:lstStyle/>
+                    <a:p>
+                      <a:pPr algn="ctr" latinLnBrk="1"/>
+                      <a:r>
+                        <a:rPr lang="en-US" altLang="ko-KR" sz="1000">
+                          <a:solidFill>
+                            <a:schemeClr val="tx1"/>
+                          </a:solidFill>
+                        </a:rPr>
+                        <a:t>o</a:t>
+                      </a:r>
+                      <a:endParaRPr lang="ko-KR" altLang="en-US" sz="1000">
+                        <a:solidFill>
+                          <a:schemeClr val="tx1"/>
+                        </a:solidFill>
+                      </a:endParaRPr>
+                    </a:p>
+                  </a:txBody>
+                  <a:tcPr marL="83670" marR="83670" marT="41835" marB="41835" anchor="ctr">
+                    <a:lnL w="12700" cap="flat" cmpd="sng" algn="ctr">
+                      <a:solidFill>
+                        <a:schemeClr val="tx1"/>
+                      </a:solidFill>
+                      <a:prstDash val="solid"/>
+                      <a:round/>
+                      <a:headEnd type="none" w="med" len="med"/>
+                      <a:tailEnd type="none" w="med" len="med"/>
+                    </a:lnL>
+                    <a:lnR w="12700" cap="flat" cmpd="sng" algn="ctr">
+                      <a:solidFill>
+                        <a:schemeClr val="tx1"/>
+                      </a:solidFill>
+                      <a:prstDash val="solid"/>
+                      <a:round/>
+                      <a:headEnd type="none" w="med" len="med"/>
+                      <a:tailEnd type="none" w="med" len="med"/>
+                    </a:lnR>
+                    <a:lnT w="12700" cap="flat" cmpd="sng" algn="ctr">
+                      <a:solidFill>
+                        <a:schemeClr val="tx1"/>
+                      </a:solidFill>
+                      <a:prstDash val="solid"/>
+                      <a:round/>
+                      <a:headEnd type="none" w="med" len="med"/>
+                      <a:tailEnd type="none" w="med" len="med"/>
+                    </a:lnT>
+                    <a:lnB w="12700" cap="flat" cmpd="sng" algn="ctr">
+                      <a:solidFill>
+                        <a:schemeClr val="tx1"/>
+                      </a:solidFill>
+                      <a:prstDash val="solid"/>
+                      <a:round/>
+                      <a:headEnd type="none" w="med" len="med"/>
+                      <a:tailEnd type="none" w="med" len="med"/>
+                    </a:lnB>
+                    <a:solidFill>
+                      <a:schemeClr val="bg1"/>
+                    </a:solidFill>
+                  </a:tcPr>
+                </a:tc>
+                <a:tc>
+                  <a:txBody>
+                    <a:bodyPr/>
+                    <a:lstStyle/>
+                    <a:p>
+                      <a:pPr algn="ctr" latinLnBrk="1"/>
+                      <a:r>
+                        <a:rPr lang="en-US" altLang="ko-KR" sz="1000">
+                          <a:solidFill>
+                            <a:schemeClr val="tx1"/>
+                          </a:solidFill>
+                        </a:rPr>
+                        <a:t>o</a:t>
+                      </a:r>
+                      <a:endParaRPr lang="ko-KR" altLang="en-US" sz="1000">
+                        <a:solidFill>
+                          <a:schemeClr val="tx1"/>
+                        </a:solidFill>
+                      </a:endParaRPr>
+                    </a:p>
+                  </a:txBody>
+                  <a:tcPr marL="83670" marR="83670" marT="41835" marB="41835" anchor="ctr">
+                    <a:lnL w="12700" cap="flat" cmpd="sng" algn="ctr">
+                      <a:solidFill>
+                        <a:schemeClr val="tx1"/>
+                      </a:solidFill>
+                      <a:prstDash val="solid"/>
+                      <a:round/>
+                      <a:headEnd type="none" w="med" len="med"/>
+                      <a:tailEnd type="none" w="med" len="med"/>
+                    </a:lnL>
+                    <a:lnR w="12700" cap="flat" cmpd="sng" algn="ctr">
+                      <a:solidFill>
+                        <a:schemeClr val="tx1"/>
+                      </a:solidFill>
+                      <a:prstDash val="solid"/>
+                      <a:round/>
+                      <a:headEnd type="none" w="med" len="med"/>
+                      <a:tailEnd type="none" w="med" len="med"/>
+                    </a:lnR>
+                    <a:lnT w="12700" cap="flat" cmpd="sng" algn="ctr">
+                      <a:solidFill>
+                        <a:schemeClr val="tx1"/>
+                      </a:solidFill>
+                      <a:prstDash val="solid"/>
+                      <a:round/>
+                      <a:headEnd type="none" w="med" len="med"/>
+                      <a:tailEnd type="none" w="med" len="med"/>
+                    </a:lnT>
+                    <a:lnB w="12700" cap="flat" cmpd="sng" algn="ctr">
+                      <a:solidFill>
+                        <a:schemeClr val="tx1"/>
+                      </a:solidFill>
+                      <a:prstDash val="solid"/>
+                      <a:round/>
+                      <a:headEnd type="none" w="med" len="med"/>
+                      <a:tailEnd type="none" w="med" len="med"/>
+                    </a:lnB>
+                    <a:solidFill>
+                      <a:schemeClr val="bg1"/>
+                    </a:solidFill>
+                  </a:tcPr>
+                </a:tc>
+                <a:tc>
+                  <a:txBody>
+                    <a:bodyPr/>
+                    <a:lstStyle/>
+                    <a:p>
+                      <a:pPr algn="ctr" latinLnBrk="1"/>
+                      <a:r>
+                        <a:rPr lang="en-US" altLang="ko-KR" sz="1000">
+                          <a:solidFill>
+                            <a:schemeClr val="tx1"/>
+                          </a:solidFill>
+                        </a:rPr>
+                        <a:t>o</a:t>
+                      </a:r>
+                      <a:endParaRPr lang="ko-KR" altLang="en-US" sz="1000">
+                        <a:solidFill>
+                          <a:schemeClr val="tx1"/>
+                        </a:solidFill>
+                      </a:endParaRPr>
+                    </a:p>
+                  </a:txBody>
+                  <a:tcPr marL="83670" marR="83670" marT="41835" marB="41835" anchor="ctr">
+                    <a:lnL w="12700" cap="flat" cmpd="sng" algn="ctr">
+                      <a:solidFill>
+                        <a:schemeClr val="tx1"/>
+                      </a:solidFill>
+                      <a:prstDash val="solid"/>
+                      <a:round/>
+                      <a:headEnd type="none" w="med" len="med"/>
+                      <a:tailEnd type="none" w="med" len="med"/>
+                    </a:lnL>
+                    <a:lnR w="12700" cap="flat" cmpd="sng" algn="ctr">
+                      <a:solidFill>
+                        <a:schemeClr val="tx1"/>
+                      </a:solidFill>
+                      <a:prstDash val="solid"/>
+                      <a:round/>
+                      <a:headEnd type="none" w="med" len="med"/>
+                      <a:tailEnd type="none" w="med" len="med"/>
+                    </a:lnR>
+                    <a:lnT w="12700" cap="flat" cmpd="sng" algn="ctr">
+                      <a:solidFill>
+                        <a:schemeClr val="tx1"/>
+                      </a:solidFill>
+                      <a:prstDash val="solid"/>
+                      <a:round/>
+                      <a:headEnd type="none" w="med" len="med"/>
+                      <a:tailEnd type="none" w="med" len="med"/>
+                    </a:lnT>
+                    <a:lnB w="12700" cap="flat" cmpd="sng" algn="ctr">
+                      <a:solidFill>
+                        <a:schemeClr val="tx1"/>
+                      </a:solidFill>
+                      <a:prstDash val="solid"/>
+                      <a:round/>
+                      <a:headEnd type="none" w="med" len="med"/>
+                      <a:tailEnd type="none" w="med" len="med"/>
+                    </a:lnB>
+                    <a:solidFill>
+                      <a:schemeClr val="bg1"/>
+                    </a:solidFill>
+                  </a:tcPr>
+                </a:tc>
+                <a:tc>
+                  <a:txBody>
+                    <a:bodyPr/>
+                    <a:lstStyle/>
+                    <a:p>
+                      <a:pPr algn="ctr" latinLnBrk="1"/>
+                      <a:r>
+                        <a:rPr lang="en-US" altLang="ko-KR" sz="1000">
+                          <a:solidFill>
+                            <a:schemeClr val="tx1"/>
+                          </a:solidFill>
+                        </a:rPr>
+                        <a:t>o</a:t>
+                      </a:r>
+                      <a:endParaRPr lang="ko-KR" altLang="en-US" sz="1000">
+                        <a:solidFill>
+                          <a:schemeClr val="tx1"/>
+                        </a:solidFill>
+                      </a:endParaRPr>
+                    </a:p>
+                  </a:txBody>
+                  <a:tcPr marL="83670" marR="83670" marT="41835" marB="41835" anchor="ctr">
+                    <a:lnL w="12700" cap="flat" cmpd="sng" algn="ctr">
+                      <a:solidFill>
+                        <a:schemeClr val="tx1"/>
+                      </a:solidFill>
+                      <a:prstDash val="solid"/>
+                      <a:round/>
+                      <a:headEnd type="none" w="med" len="med"/>
+                      <a:tailEnd type="none" w="med" len="med"/>
+                    </a:lnL>
+                    <a:lnR w="12700" cap="flat" cmpd="sng" algn="ctr">
+                      <a:solidFill>
+                        <a:schemeClr val="tx1"/>
+                      </a:solidFill>
+                      <a:prstDash val="solid"/>
+                      <a:round/>
+                      <a:headEnd type="none" w="med" len="med"/>
+                      <a:tailEnd type="none" w="med" len="med"/>
+                    </a:lnR>
+                    <a:lnT w="12700" cap="flat" cmpd="sng" algn="ctr">
+                      <a:solidFill>
+                        <a:schemeClr val="tx1"/>
+                      </a:solidFill>
+                      <a:prstDash val="solid"/>
+                      <a:round/>
+                      <a:headEnd type="none" w="med" len="med"/>
+                      <a:tailEnd type="none" w="med" len="med"/>
+                    </a:lnT>
+                    <a:lnB w="12700" cap="flat" cmpd="sng" algn="ctr">
+                      <a:solidFill>
+                        <a:schemeClr val="tx1"/>
+                      </a:solidFill>
+                      <a:prstDash val="solid"/>
+                      <a:round/>
+                      <a:headEnd type="none" w="med" len="med"/>
+                      <a:tailEnd type="none" w="med" len="med"/>
+                    </a:lnB>
+                    <a:solidFill>
+                      <a:schemeClr val="bg1"/>
+                    </a:solidFill>
+                  </a:tcPr>
+                </a:tc>
+                <a:tc>
+                  <a:txBody>
+                    <a:bodyPr/>
+                    <a:lstStyle/>
+                    <a:p>
+                      <a:pPr algn="ctr" latinLnBrk="1"/>
+                      <a:r>
+                        <a:rPr lang="en-US" altLang="ko-KR" sz="1000">
+                          <a:solidFill>
+                            <a:schemeClr val="tx1"/>
+                          </a:solidFill>
+                        </a:rPr>
+                        <a:t>o</a:t>
+                      </a:r>
+                      <a:endParaRPr lang="ko-KR" altLang="en-US" sz="1000">
+                        <a:solidFill>
+                          <a:schemeClr val="tx1"/>
+                        </a:solidFill>
+                      </a:endParaRPr>
+                    </a:p>
+                  </a:txBody>
+                  <a:tcPr marL="83670" marR="83670" marT="41835" marB="41835" anchor="ctr">
+                    <a:lnL w="12700" cap="flat" cmpd="sng" algn="ctr">
+                      <a:solidFill>
+                        <a:schemeClr val="tx1"/>
+                      </a:solidFill>
+                      <a:prstDash val="solid"/>
+                      <a:round/>
+                      <a:headEnd type="none" w="med" len="med"/>
+                      <a:tailEnd type="none" w="med" len="med"/>
+                    </a:lnL>
+                    <a:lnR w="38100" cap="flat" cmpd="sng" algn="ctr">
+                      <a:solidFill>
+                        <a:schemeClr val="tx1"/>
+                      </a:solidFill>
+                      <a:prstDash val="solid"/>
+                      <a:round/>
+                      <a:headEnd type="none" w="med" len="med"/>
+                      <a:tailEnd type="none" w="med" len="med"/>
+                    </a:lnR>
+                    <a:lnT w="12700" cap="flat" cmpd="sng" algn="ctr">
+                      <a:solidFill>
+                        <a:schemeClr val="tx1"/>
+                      </a:solidFill>
+                      <a:prstDash val="solid"/>
+                      <a:round/>
+                      <a:headEnd type="none" w="med" len="med"/>
+                      <a:tailEnd type="none" w="med" len="med"/>
+                    </a:lnT>
+                    <a:lnB w="12700" cap="flat" cmpd="sng" algn="ctr">
+                      <a:solidFill>
+                        <a:schemeClr val="tx1"/>
+                      </a:solidFill>
+                      <a:prstDash val="solid"/>
+                      <a:round/>
+                      <a:headEnd type="none" w="med" len="med"/>
+                      <a:tailEnd type="none" w="med" len="med"/>
+                    </a:lnB>
+                    <a:solidFill>
+                      <a:schemeClr val="bg1"/>
+                    </a:solidFill>
+                  </a:tcPr>
+                </a:tc>
+                <a:extLst>
+                  <a:ext uri="{0D108BD9-81ED-4DB2-BD59-A6C34878D82A}">
+                    <a16:rowId xmlns:a16="http://schemas.microsoft.com/office/drawing/2014/main" val="2675387661"/>
+                  </a:ext>
+                </a:extLst>
+              </a:tr>
+              <a:tr h="258889">
+                <a:tc>
+                  <a:txBody>
+                    <a:bodyPr/>
+                    <a:lstStyle/>
+                    <a:p>
+                      <a:pPr algn="ctr" latinLnBrk="1"/>
+                      <a:r>
+                        <a:rPr lang="en-US" altLang="ko-KR" sz="1000">
+                          <a:solidFill>
+                            <a:schemeClr val="tx1"/>
+                          </a:solidFill>
+                        </a:rPr>
+                        <a:t>host</a:t>
+                      </a:r>
+                      <a:endParaRPr lang="ko-KR" altLang="en-US" sz="1000">
+                        <a:solidFill>
+                          <a:schemeClr val="tx1"/>
+                        </a:solidFill>
+                      </a:endParaRPr>
+                    </a:p>
+                  </a:txBody>
+                  <a:tcPr marL="83670" marR="83670" marT="41835" marB="41835" anchor="ctr">
+                    <a:lnL w="38100" cap="flat" cmpd="sng" algn="ctr">
+                      <a:solidFill>
+                        <a:schemeClr val="tx1"/>
+                      </a:solidFill>
+                      <a:prstDash val="solid"/>
+                      <a:round/>
+                      <a:headEnd type="none" w="med" len="med"/>
+                      <a:tailEnd type="none" w="med" len="med"/>
+                    </a:lnL>
+                    <a:lnR w="12700" cap="flat" cmpd="sng" algn="ctr">
+                      <a:solidFill>
+                        <a:schemeClr val="tx1"/>
+                      </a:solidFill>
+                      <a:prstDash val="solid"/>
+                      <a:round/>
+                      <a:headEnd type="none" w="med" len="med"/>
+                      <a:tailEnd type="none" w="med" len="med"/>
+                    </a:lnR>
+                    <a:lnT w="12700" cap="flat" cmpd="sng" algn="ctr">
+                      <a:solidFill>
+                        <a:schemeClr val="tx1"/>
+                      </a:solidFill>
+                      <a:prstDash val="solid"/>
+                      <a:round/>
+                      <a:headEnd type="none" w="med" len="med"/>
+                      <a:tailEnd type="none" w="med" len="med"/>
+                    </a:lnT>
+                    <a:lnB w="12700" cap="flat" cmpd="sng" algn="ctr">
+                      <a:solidFill>
+                        <a:schemeClr val="tx1"/>
+                      </a:solidFill>
+                      <a:prstDash val="solid"/>
+                      <a:round/>
+                      <a:headEnd type="none" w="med" len="med"/>
+                      <a:tailEnd type="none" w="med" len="med"/>
+                    </a:lnB>
+                    <a:solidFill>
+                      <a:schemeClr val="bg1">
+                        <a:lumMod val="95000"/>
+                      </a:schemeClr>
+                    </a:solidFill>
+                  </a:tcPr>
+                </a:tc>
+                <a:tc>
+                  <a:txBody>
+                    <a:bodyPr/>
+                    <a:lstStyle/>
+                    <a:p>
+                      <a:pPr algn="ctr" latinLnBrk="1"/>
+                      <a:r>
+                        <a:rPr lang="en-US" altLang="ko-KR" sz="1000">
+                          <a:solidFill>
+                            <a:schemeClr val="tx1"/>
+                          </a:solidFill>
+                        </a:rPr>
+                        <a:t>-</a:t>
+                      </a:r>
+                      <a:endParaRPr lang="ko-KR" altLang="en-US" sz="1000">
+                        <a:solidFill>
+                          <a:schemeClr val="tx1"/>
+                        </a:solidFill>
+                      </a:endParaRPr>
+                    </a:p>
+                  </a:txBody>
+                  <a:tcPr marL="83670" marR="83670" marT="41835" marB="41835" anchor="ctr">
+                    <a:lnL w="12700" cap="flat" cmpd="sng" algn="ctr">
+                      <a:solidFill>
+                        <a:schemeClr val="tx1"/>
+                      </a:solidFill>
+                      <a:prstDash val="solid"/>
+                      <a:round/>
+                      <a:headEnd type="none" w="med" len="med"/>
+                      <a:tailEnd type="none" w="med" len="med"/>
+                    </a:lnL>
+                    <a:lnR w="12700" cap="flat" cmpd="sng" algn="ctr">
+                      <a:solidFill>
+                        <a:schemeClr val="tx1"/>
+                      </a:solidFill>
+                      <a:prstDash val="solid"/>
+                      <a:round/>
+                      <a:headEnd type="none" w="med" len="med"/>
+                      <a:tailEnd type="none" w="med" len="med"/>
+                    </a:lnR>
+                    <a:lnT w="12700" cap="flat" cmpd="sng" algn="ctr">
+                      <a:solidFill>
+                        <a:schemeClr val="tx1"/>
+                      </a:solidFill>
+                      <a:prstDash val="solid"/>
+                      <a:round/>
+                      <a:headEnd type="none" w="med" len="med"/>
+                      <a:tailEnd type="none" w="med" len="med"/>
+                    </a:lnT>
+                    <a:lnB w="12700" cap="flat" cmpd="sng" algn="ctr">
+                      <a:solidFill>
+                        <a:schemeClr val="tx1"/>
+                      </a:solidFill>
+                      <a:prstDash val="solid"/>
+                      <a:round/>
+                      <a:headEnd type="none" w="med" len="med"/>
+                      <a:tailEnd type="none" w="med" len="med"/>
+                    </a:lnB>
+                    <a:solidFill>
+                      <a:schemeClr val="bg1"/>
+                    </a:solidFill>
+                  </a:tcPr>
+                </a:tc>
+                <a:tc>
+                  <a:txBody>
+                    <a:bodyPr/>
+                    <a:lstStyle/>
+                    <a:p>
+                      <a:pPr algn="ctr" latinLnBrk="1"/>
+                      <a:r>
+                        <a:rPr lang="en-US" altLang="ko-KR" sz="1000">
+                          <a:solidFill>
+                            <a:schemeClr val="tx1"/>
+                          </a:solidFill>
+                        </a:rPr>
+                        <a:t>m</a:t>
+                      </a:r>
+                      <a:endParaRPr lang="ko-KR" altLang="en-US" sz="1000">
+                        <a:solidFill>
+                          <a:schemeClr val="tx1"/>
+                        </a:solidFill>
+                      </a:endParaRPr>
+                    </a:p>
+                  </a:txBody>
+                  <a:tcPr marL="83670" marR="83670" marT="41835" marB="41835" anchor="ctr">
+                    <a:lnL w="12700" cap="flat" cmpd="sng" algn="ctr">
+                      <a:solidFill>
+                        <a:schemeClr val="tx1"/>
+                      </a:solidFill>
+                      <a:prstDash val="solid"/>
+                      <a:round/>
+                      <a:headEnd type="none" w="med" len="med"/>
+                      <a:tailEnd type="none" w="med" len="med"/>
+                    </a:lnL>
+                    <a:lnR w="12700" cap="flat" cmpd="sng" algn="ctr">
+                      <a:solidFill>
+                        <a:schemeClr val="tx1"/>
+                      </a:solidFill>
+                      <a:prstDash val="solid"/>
+                      <a:round/>
+                      <a:headEnd type="none" w="med" len="med"/>
+                      <a:tailEnd type="none" w="med" len="med"/>
+                    </a:lnR>
+                    <a:lnT w="12700" cap="flat" cmpd="sng" algn="ctr">
+                      <a:solidFill>
+                        <a:schemeClr val="tx1"/>
+                      </a:solidFill>
+                      <a:prstDash val="solid"/>
+                      <a:round/>
+                      <a:headEnd type="none" w="med" len="med"/>
+                      <a:tailEnd type="none" w="med" len="med"/>
+                    </a:lnT>
+                    <a:lnB w="12700" cap="flat" cmpd="sng" algn="ctr">
+                      <a:solidFill>
+                        <a:schemeClr val="tx1"/>
+                      </a:solidFill>
+                      <a:prstDash val="solid"/>
+                      <a:round/>
+                      <a:headEnd type="none" w="med" len="med"/>
+                      <a:tailEnd type="none" w="med" len="med"/>
+                    </a:lnB>
+                    <a:solidFill>
+                      <a:schemeClr val="bg1"/>
+                    </a:solidFill>
+                  </a:tcPr>
+                </a:tc>
+                <a:tc>
+                  <a:txBody>
+                    <a:bodyPr/>
+                    <a:lstStyle/>
+                    <a:p>
+                      <a:pPr algn="ctr" latinLnBrk="1"/>
+                      <a:r>
+                        <a:rPr lang="en-US" altLang="ko-KR" sz="1000">
+                          <a:solidFill>
+                            <a:schemeClr val="tx1"/>
+                          </a:solidFill>
+                        </a:rPr>
+                        <a:t>m</a:t>
+                      </a:r>
+                      <a:endParaRPr lang="ko-KR" altLang="en-US" sz="1000">
+                        <a:solidFill>
+                          <a:schemeClr val="tx1"/>
+                        </a:solidFill>
+                      </a:endParaRPr>
+                    </a:p>
+                  </a:txBody>
+                  <a:tcPr marL="83670" marR="83670" marT="41835" marB="41835" anchor="ctr">
+                    <a:lnL w="12700" cap="flat" cmpd="sng" algn="ctr">
+                      <a:solidFill>
+                        <a:schemeClr val="tx1"/>
+                      </a:solidFill>
+                      <a:prstDash val="solid"/>
+                      <a:round/>
+                      <a:headEnd type="none" w="med" len="med"/>
+                      <a:tailEnd type="none" w="med" len="med"/>
+                    </a:lnL>
+                    <a:lnR w="12700" cap="flat" cmpd="sng" algn="ctr">
+                      <a:solidFill>
+                        <a:schemeClr val="tx1"/>
+                      </a:solidFill>
+                      <a:prstDash val="solid"/>
+                      <a:round/>
+                      <a:headEnd type="none" w="med" len="med"/>
+                      <a:tailEnd type="none" w="med" len="med"/>
+                    </a:lnR>
+                    <a:lnT w="12700" cap="flat" cmpd="sng" algn="ctr">
+                      <a:solidFill>
+                        <a:schemeClr val="tx1"/>
+                      </a:solidFill>
+                      <a:prstDash val="solid"/>
+                      <a:round/>
+                      <a:headEnd type="none" w="med" len="med"/>
+                      <a:tailEnd type="none" w="med" len="med"/>
+                    </a:lnT>
+                    <a:lnB w="12700" cap="flat" cmpd="sng" algn="ctr">
+                      <a:solidFill>
+                        <a:schemeClr val="tx1"/>
+                      </a:solidFill>
+                      <a:prstDash val="solid"/>
+                      <a:round/>
+                      <a:headEnd type="none" w="med" len="med"/>
+                      <a:tailEnd type="none" w="med" len="med"/>
+                    </a:lnB>
+                    <a:solidFill>
+                      <a:schemeClr val="bg1"/>
+                    </a:solidFill>
+                  </a:tcPr>
+                </a:tc>
+                <a:tc>
+                  <a:txBody>
+                    <a:bodyPr/>
+                    <a:lstStyle/>
+                    <a:p>
+                      <a:pPr algn="ctr" latinLnBrk="1"/>
+                      <a:r>
+                        <a:rPr lang="en-US" altLang="ko-KR" sz="1000">
+                          <a:solidFill>
+                            <a:schemeClr val="tx1"/>
+                          </a:solidFill>
+                        </a:rPr>
+                        <a:t>m</a:t>
+                      </a:r>
+                      <a:endParaRPr lang="ko-KR" altLang="en-US" sz="1000">
+                        <a:solidFill>
+                          <a:schemeClr val="tx1"/>
+                        </a:solidFill>
+                      </a:endParaRPr>
+                    </a:p>
+                  </a:txBody>
+                  <a:tcPr marL="83670" marR="83670" marT="41835" marB="41835" anchor="ctr">
+                    <a:lnL w="12700" cap="flat" cmpd="sng" algn="ctr">
+                      <a:solidFill>
+                        <a:schemeClr val="tx1"/>
+                      </a:solidFill>
+                      <a:prstDash val="solid"/>
+                      <a:round/>
+                      <a:headEnd type="none" w="med" len="med"/>
+                      <a:tailEnd type="none" w="med" len="med"/>
+                    </a:lnL>
+                    <a:lnR w="12700" cap="flat" cmpd="sng" algn="ctr">
+                      <a:solidFill>
+                        <a:schemeClr val="tx1"/>
+                      </a:solidFill>
+                      <a:prstDash val="solid"/>
+                      <a:round/>
+                      <a:headEnd type="none" w="med" len="med"/>
+                      <a:tailEnd type="none" w="med" len="med"/>
+                    </a:lnR>
+                    <a:lnT w="12700" cap="flat" cmpd="sng" algn="ctr">
+                      <a:solidFill>
+                        <a:schemeClr val="tx1"/>
+                      </a:solidFill>
+                      <a:prstDash val="solid"/>
+                      <a:round/>
+                      <a:headEnd type="none" w="med" len="med"/>
+                      <a:tailEnd type="none" w="med" len="med"/>
+                    </a:lnT>
+                    <a:lnB w="12700" cap="flat" cmpd="sng" algn="ctr">
+                      <a:solidFill>
+                        <a:schemeClr val="tx1"/>
+                      </a:solidFill>
+                      <a:prstDash val="solid"/>
+                      <a:round/>
+                      <a:headEnd type="none" w="med" len="med"/>
+                      <a:tailEnd type="none" w="med" len="med"/>
+                    </a:lnB>
+                    <a:solidFill>
+                      <a:schemeClr val="bg1"/>
+                    </a:solidFill>
+                  </a:tcPr>
+                </a:tc>
+                <a:tc>
+                  <a:txBody>
+                    <a:bodyPr/>
+                    <a:lstStyle/>
+                    <a:p>
+                      <a:pPr algn="ctr" latinLnBrk="1"/>
+                      <a:r>
+                        <a:rPr lang="en-US" altLang="ko-KR" sz="1000">
+                          <a:solidFill>
+                            <a:schemeClr val="tx1"/>
+                          </a:solidFill>
+                        </a:rPr>
+                        <a:t>m</a:t>
+                      </a:r>
+                      <a:endParaRPr lang="ko-KR" altLang="en-US" sz="1000">
+                        <a:solidFill>
+                          <a:schemeClr val="tx1"/>
+                        </a:solidFill>
+                      </a:endParaRPr>
+                    </a:p>
+                  </a:txBody>
+                  <a:tcPr marL="83670" marR="83670" marT="41835" marB="41835" anchor="ctr">
+                    <a:lnL w="12700" cap="flat" cmpd="sng" algn="ctr">
+                      <a:solidFill>
+                        <a:schemeClr val="tx1"/>
+                      </a:solidFill>
+                      <a:prstDash val="solid"/>
+                      <a:round/>
+                      <a:headEnd type="none" w="med" len="med"/>
+                      <a:tailEnd type="none" w="med" len="med"/>
+                    </a:lnL>
+                    <a:lnR w="12700" cap="flat" cmpd="sng" algn="ctr">
+                      <a:solidFill>
+                        <a:schemeClr val="tx1"/>
+                      </a:solidFill>
+                      <a:prstDash val="solid"/>
+                      <a:round/>
+                      <a:headEnd type="none" w="med" len="med"/>
+                      <a:tailEnd type="none" w="med" len="med"/>
+                    </a:lnR>
+                    <a:lnT w="12700" cap="flat" cmpd="sng" algn="ctr">
+                      <a:solidFill>
+                        <a:schemeClr val="tx1"/>
+                      </a:solidFill>
+                      <a:prstDash val="solid"/>
+                      <a:round/>
+                      <a:headEnd type="none" w="med" len="med"/>
+                      <a:tailEnd type="none" w="med" len="med"/>
+                    </a:lnT>
+                    <a:lnB w="12700" cap="flat" cmpd="sng" algn="ctr">
+                      <a:solidFill>
+                        <a:schemeClr val="tx1"/>
+                      </a:solidFill>
+                      <a:prstDash val="solid"/>
+                      <a:round/>
+                      <a:headEnd type="none" w="med" len="med"/>
+                      <a:tailEnd type="none" w="med" len="med"/>
+                    </a:lnB>
+                    <a:solidFill>
+                      <a:schemeClr val="bg1"/>
+                    </a:solidFill>
+                  </a:tcPr>
+                </a:tc>
+                <a:tc>
+                  <a:txBody>
+                    <a:bodyPr/>
+                    <a:lstStyle/>
+                    <a:p>
+                      <a:pPr algn="ctr" latinLnBrk="1"/>
+                      <a:r>
+                        <a:rPr lang="en-US" altLang="ko-KR" sz="1000">
+                          <a:solidFill>
+                            <a:schemeClr val="tx1"/>
+                          </a:solidFill>
+                        </a:rPr>
+                        <a:t>m</a:t>
+                      </a:r>
+                      <a:endParaRPr lang="ko-KR" altLang="en-US" sz="1000">
+                        <a:solidFill>
+                          <a:schemeClr val="tx1"/>
+                        </a:solidFill>
+                      </a:endParaRPr>
+                    </a:p>
+                  </a:txBody>
+                  <a:tcPr marL="83670" marR="83670" marT="41835" marB="41835" anchor="ctr">
+                    <a:lnL w="12700" cap="flat" cmpd="sng" algn="ctr">
+                      <a:solidFill>
+                        <a:schemeClr val="tx1"/>
+                      </a:solidFill>
+                      <a:prstDash val="solid"/>
+                      <a:round/>
+                      <a:headEnd type="none" w="med" len="med"/>
+                      <a:tailEnd type="none" w="med" len="med"/>
+                    </a:lnL>
+                    <a:lnR w="12700" cap="flat" cmpd="sng" algn="ctr">
+                      <a:solidFill>
+                        <a:schemeClr val="tx1"/>
+                      </a:solidFill>
+                      <a:prstDash val="solid"/>
+                      <a:round/>
+                      <a:headEnd type="none" w="med" len="med"/>
+                      <a:tailEnd type="none" w="med" len="med"/>
+                    </a:lnR>
+                    <a:lnT w="12700" cap="flat" cmpd="sng" algn="ctr">
+                      <a:solidFill>
+                        <a:schemeClr val="tx1"/>
+                      </a:solidFill>
+                      <a:prstDash val="solid"/>
+                      <a:round/>
+                      <a:headEnd type="none" w="med" len="med"/>
+                      <a:tailEnd type="none" w="med" len="med"/>
+                    </a:lnT>
+                    <a:lnB w="12700" cap="flat" cmpd="sng" algn="ctr">
+                      <a:solidFill>
+                        <a:schemeClr val="tx1"/>
+                      </a:solidFill>
+                      <a:prstDash val="solid"/>
+                      <a:round/>
+                      <a:headEnd type="none" w="med" len="med"/>
+                      <a:tailEnd type="none" w="med" len="med"/>
+                    </a:lnB>
+                    <a:solidFill>
+                      <a:schemeClr val="bg1"/>
+                    </a:solidFill>
+                  </a:tcPr>
+                </a:tc>
+                <a:tc>
+                  <a:txBody>
+                    <a:bodyPr/>
+                    <a:lstStyle/>
+                    <a:p>
+                      <a:pPr algn="ctr" latinLnBrk="1"/>
+                      <a:r>
+                        <a:rPr lang="en-US" altLang="ko-KR" sz="1000">
+                          <a:solidFill>
+                            <a:schemeClr val="tx1"/>
+                          </a:solidFill>
+                        </a:rPr>
+                        <a:t>m</a:t>
+                      </a:r>
+                      <a:endParaRPr lang="ko-KR" altLang="en-US" sz="1000">
+                        <a:solidFill>
+                          <a:schemeClr val="tx1"/>
+                        </a:solidFill>
+                      </a:endParaRPr>
+                    </a:p>
+                  </a:txBody>
+                  <a:tcPr marL="83670" marR="83670" marT="41835" marB="41835" anchor="ctr">
+                    <a:lnL w="12700" cap="flat" cmpd="sng" algn="ctr">
+                      <a:solidFill>
+                        <a:schemeClr val="tx1"/>
+                      </a:solidFill>
+                      <a:prstDash val="solid"/>
+                      <a:round/>
+                      <a:headEnd type="none" w="med" len="med"/>
+                      <a:tailEnd type="none" w="med" len="med"/>
+                    </a:lnL>
+                    <a:lnR w="38100" cap="flat" cmpd="sng" algn="ctr">
+                      <a:solidFill>
+                        <a:schemeClr val="tx1"/>
+                      </a:solidFill>
+                      <a:prstDash val="solid"/>
+                      <a:round/>
+                      <a:headEnd type="none" w="med" len="med"/>
+                      <a:tailEnd type="none" w="med" len="med"/>
+                    </a:lnR>
+                    <a:lnT w="12700" cap="flat" cmpd="sng" algn="ctr">
+                      <a:solidFill>
+                        <a:schemeClr val="tx1"/>
+                      </a:solidFill>
+                      <a:prstDash val="solid"/>
+                      <a:round/>
+                      <a:headEnd type="none" w="med" len="med"/>
+                      <a:tailEnd type="none" w="med" len="med"/>
+                    </a:lnT>
+                    <a:lnB w="12700" cap="flat" cmpd="sng" algn="ctr">
+                      <a:solidFill>
+                        <a:schemeClr val="tx1"/>
+                      </a:solidFill>
+                      <a:prstDash val="solid"/>
+                      <a:round/>
+                      <a:headEnd type="none" w="med" len="med"/>
+                      <a:tailEnd type="none" w="med" len="med"/>
+                    </a:lnB>
+                    <a:solidFill>
+                      <a:schemeClr val="bg1"/>
+                    </a:solidFill>
+                  </a:tcPr>
+                </a:tc>
+                <a:extLst>
+                  <a:ext uri="{0D108BD9-81ED-4DB2-BD59-A6C34878D82A}">
+                    <a16:rowId xmlns:a16="http://schemas.microsoft.com/office/drawing/2014/main" val="1642690703"/>
+                  </a:ext>
+                </a:extLst>
+              </a:tr>
+              <a:tr h="258889">
+                <a:tc>
+                  <a:txBody>
+                    <a:bodyPr/>
+                    <a:lstStyle/>
+                    <a:p>
+                      <a:pPr algn="ctr" latinLnBrk="1"/>
+                      <a:r>
+                        <a:rPr lang="en-US" altLang="ko-KR" sz="1000">
+                          <a:solidFill>
+                            <a:schemeClr val="tx1"/>
+                          </a:solidFill>
+                        </a:rPr>
+                        <a:t>port</a:t>
+                      </a:r>
+                      <a:endParaRPr lang="ko-KR" altLang="en-US" sz="1000">
+                        <a:solidFill>
+                          <a:schemeClr val="tx1"/>
+                        </a:solidFill>
+                      </a:endParaRPr>
+                    </a:p>
+                  </a:txBody>
+                  <a:tcPr marL="83670" marR="83670" marT="41835" marB="41835" anchor="ctr">
+                    <a:lnL w="38100" cap="flat" cmpd="sng" algn="ctr">
+                      <a:solidFill>
+                        <a:schemeClr val="tx1"/>
+                      </a:solidFill>
+                      <a:prstDash val="solid"/>
+                      <a:round/>
+                      <a:headEnd type="none" w="med" len="med"/>
+                      <a:tailEnd type="none" w="med" len="med"/>
+                    </a:lnL>
+                    <a:lnR w="12700" cap="flat" cmpd="sng" algn="ctr">
+                      <a:solidFill>
+                        <a:schemeClr val="tx1"/>
+                      </a:solidFill>
+                      <a:prstDash val="solid"/>
+                      <a:round/>
+                      <a:headEnd type="none" w="med" len="med"/>
+                      <a:tailEnd type="none" w="med" len="med"/>
+                    </a:lnR>
+                    <a:lnT w="12700" cap="flat" cmpd="sng" algn="ctr">
+                      <a:solidFill>
+                        <a:schemeClr val="tx1"/>
+                      </a:solidFill>
+                      <a:prstDash val="solid"/>
+                      <a:round/>
+                      <a:headEnd type="none" w="med" len="med"/>
+                      <a:tailEnd type="none" w="med" len="med"/>
+                    </a:lnT>
+                    <a:lnB w="12700" cap="flat" cmpd="sng" algn="ctr">
+                      <a:solidFill>
+                        <a:schemeClr val="tx1"/>
+                      </a:solidFill>
+                      <a:prstDash val="solid"/>
+                      <a:round/>
+                      <a:headEnd type="none" w="med" len="med"/>
+                      <a:tailEnd type="none" w="med" len="med"/>
+                    </a:lnB>
+                    <a:solidFill>
+                      <a:schemeClr val="bg1">
+                        <a:lumMod val="95000"/>
+                      </a:schemeClr>
+                    </a:solidFill>
+                  </a:tcPr>
+                </a:tc>
+                <a:tc>
+                  <a:txBody>
+                    <a:bodyPr/>
+                    <a:lstStyle/>
+                    <a:p>
+                      <a:pPr algn="ctr" latinLnBrk="1"/>
+                      <a:r>
+                        <a:rPr lang="en-US" altLang="ko-KR" sz="1000">
+                          <a:solidFill>
+                            <a:schemeClr val="tx1"/>
+                          </a:solidFill>
+                        </a:rPr>
+                        <a:t>(1)</a:t>
+                      </a:r>
+                      <a:endParaRPr lang="ko-KR" altLang="en-US" sz="1000">
+                        <a:solidFill>
+                          <a:schemeClr val="tx1"/>
+                        </a:solidFill>
+                      </a:endParaRPr>
+                    </a:p>
+                  </a:txBody>
+                  <a:tcPr marL="83670" marR="83670" marT="41835" marB="41835" anchor="ctr">
+                    <a:lnL w="12700" cap="flat" cmpd="sng" algn="ctr">
+                      <a:solidFill>
+                        <a:schemeClr val="tx1"/>
+                      </a:solidFill>
+                      <a:prstDash val="solid"/>
+                      <a:round/>
+                      <a:headEnd type="none" w="med" len="med"/>
+                      <a:tailEnd type="none" w="med" len="med"/>
+                    </a:lnL>
+                    <a:lnR w="12700" cap="flat" cmpd="sng" algn="ctr">
+                      <a:solidFill>
+                        <a:schemeClr val="tx1"/>
+                      </a:solidFill>
+                      <a:prstDash val="solid"/>
+                      <a:round/>
+                      <a:headEnd type="none" w="med" len="med"/>
+                      <a:tailEnd type="none" w="med" len="med"/>
+                    </a:lnR>
+                    <a:lnT w="12700" cap="flat" cmpd="sng" algn="ctr">
+                      <a:solidFill>
+                        <a:schemeClr val="tx1"/>
+                      </a:solidFill>
+                      <a:prstDash val="solid"/>
+                      <a:round/>
+                      <a:headEnd type="none" w="med" len="med"/>
+                      <a:tailEnd type="none" w="med" len="med"/>
+                    </a:lnT>
+                    <a:lnB w="12700" cap="flat" cmpd="sng" algn="ctr">
+                      <a:solidFill>
+                        <a:schemeClr val="tx1"/>
+                      </a:solidFill>
+                      <a:prstDash val="solid"/>
+                      <a:round/>
+                      <a:headEnd type="none" w="med" len="med"/>
+                      <a:tailEnd type="none" w="med" len="med"/>
+                    </a:lnB>
+                    <a:solidFill>
+                      <a:schemeClr val="bg1"/>
+                    </a:solidFill>
+                  </a:tcPr>
+                </a:tc>
+                <a:tc>
+                  <a:txBody>
+                    <a:bodyPr/>
+                    <a:lstStyle/>
+                    <a:p>
+                      <a:pPr algn="ctr" latinLnBrk="1"/>
+                      <a:r>
+                        <a:rPr lang="en-US" altLang="ko-KR" sz="1000">
+                          <a:solidFill>
+                            <a:schemeClr val="tx1"/>
+                          </a:solidFill>
+                        </a:rPr>
+                        <a:t>o</a:t>
+                      </a:r>
+                      <a:endParaRPr lang="ko-KR" altLang="en-US" sz="1000">
+                        <a:solidFill>
+                          <a:schemeClr val="tx1"/>
+                        </a:solidFill>
+                      </a:endParaRPr>
+                    </a:p>
+                  </a:txBody>
+                  <a:tcPr marL="83670" marR="83670" marT="41835" marB="41835" anchor="ctr">
+                    <a:lnL w="12700" cap="flat" cmpd="sng" algn="ctr">
+                      <a:solidFill>
+                        <a:schemeClr val="tx1"/>
+                      </a:solidFill>
+                      <a:prstDash val="solid"/>
+                      <a:round/>
+                      <a:headEnd type="none" w="med" len="med"/>
+                      <a:tailEnd type="none" w="med" len="med"/>
+                    </a:lnL>
+                    <a:lnR w="12700" cap="flat" cmpd="sng" algn="ctr">
+                      <a:solidFill>
+                        <a:schemeClr val="tx1"/>
+                      </a:solidFill>
+                      <a:prstDash val="solid"/>
+                      <a:round/>
+                      <a:headEnd type="none" w="med" len="med"/>
+                      <a:tailEnd type="none" w="med" len="med"/>
+                    </a:lnR>
+                    <a:lnT w="12700" cap="flat" cmpd="sng" algn="ctr">
+                      <a:solidFill>
+                        <a:schemeClr val="tx1"/>
+                      </a:solidFill>
+                      <a:prstDash val="solid"/>
+                      <a:round/>
+                      <a:headEnd type="none" w="med" len="med"/>
+                      <a:tailEnd type="none" w="med" len="med"/>
+                    </a:lnT>
+                    <a:lnB w="12700" cap="flat" cmpd="sng" algn="ctr">
+                      <a:solidFill>
+                        <a:schemeClr val="tx1"/>
+                      </a:solidFill>
+                      <a:prstDash val="solid"/>
+                      <a:round/>
+                      <a:headEnd type="none" w="med" len="med"/>
+                      <a:tailEnd type="none" w="med" len="med"/>
+                    </a:lnB>
+                    <a:solidFill>
+                      <a:schemeClr val="bg1"/>
+                    </a:solidFill>
+                  </a:tcPr>
+                </a:tc>
+                <a:tc>
+                  <a:txBody>
+                    <a:bodyPr/>
+                    <a:lstStyle/>
+                    <a:p>
+                      <a:pPr algn="ctr" latinLnBrk="1"/>
+                      <a:r>
+                        <a:rPr lang="en-US" altLang="ko-KR" sz="1000">
+                          <a:solidFill>
+                            <a:schemeClr val="tx1"/>
+                          </a:solidFill>
+                        </a:rPr>
+                        <a:t>-</a:t>
+                      </a:r>
+                      <a:endParaRPr lang="ko-KR" altLang="en-US" sz="1000">
+                        <a:solidFill>
+                          <a:schemeClr val="tx1"/>
+                        </a:solidFill>
+                      </a:endParaRPr>
+                    </a:p>
+                  </a:txBody>
+                  <a:tcPr marL="83670" marR="83670" marT="41835" marB="41835" anchor="ctr">
+                    <a:lnL w="12700" cap="flat" cmpd="sng" algn="ctr">
+                      <a:solidFill>
+                        <a:schemeClr val="tx1"/>
+                      </a:solidFill>
+                      <a:prstDash val="solid"/>
+                      <a:round/>
+                      <a:headEnd type="none" w="med" len="med"/>
+                      <a:tailEnd type="none" w="med" len="med"/>
+                    </a:lnL>
+                    <a:lnR w="12700" cap="flat" cmpd="sng" algn="ctr">
+                      <a:solidFill>
+                        <a:schemeClr val="tx1"/>
+                      </a:solidFill>
+                      <a:prstDash val="solid"/>
+                      <a:round/>
+                      <a:headEnd type="none" w="med" len="med"/>
+                      <a:tailEnd type="none" w="med" len="med"/>
+                    </a:lnR>
+                    <a:lnT w="12700" cap="flat" cmpd="sng" algn="ctr">
+                      <a:solidFill>
+                        <a:schemeClr val="tx1"/>
+                      </a:solidFill>
+                      <a:prstDash val="solid"/>
+                      <a:round/>
+                      <a:headEnd type="none" w="med" len="med"/>
+                      <a:tailEnd type="none" w="med" len="med"/>
+                    </a:lnT>
+                    <a:lnB w="12700" cap="flat" cmpd="sng" algn="ctr">
+                      <a:solidFill>
+                        <a:schemeClr val="tx1"/>
+                      </a:solidFill>
+                      <a:prstDash val="solid"/>
+                      <a:round/>
+                      <a:headEnd type="none" w="med" len="med"/>
+                      <a:tailEnd type="none" w="med" len="med"/>
+                    </a:lnB>
+                    <a:solidFill>
+                      <a:schemeClr val="bg1"/>
+                    </a:solidFill>
+                  </a:tcPr>
+                </a:tc>
+                <a:tc>
+                  <a:txBody>
+                    <a:bodyPr/>
+                    <a:lstStyle/>
+                    <a:p>
+                      <a:pPr algn="ctr" latinLnBrk="1"/>
+                      <a:r>
+                        <a:rPr lang="en-US" altLang="ko-KR" sz="1000">
+                          <a:solidFill>
+                            <a:schemeClr val="tx1"/>
+                          </a:solidFill>
+                        </a:rPr>
+                        <a:t>-</a:t>
+                      </a:r>
+                      <a:endParaRPr lang="ko-KR" altLang="en-US" sz="1000">
+                        <a:solidFill>
+                          <a:schemeClr val="tx1"/>
+                        </a:solidFill>
+                      </a:endParaRPr>
+                    </a:p>
+                  </a:txBody>
+                  <a:tcPr marL="83670" marR="83670" marT="41835" marB="41835" anchor="ctr">
+                    <a:lnL w="12700" cap="flat" cmpd="sng" algn="ctr">
+                      <a:solidFill>
+                        <a:schemeClr val="tx1"/>
+                      </a:solidFill>
+                      <a:prstDash val="solid"/>
+                      <a:round/>
+                      <a:headEnd type="none" w="med" len="med"/>
+                      <a:tailEnd type="none" w="med" len="med"/>
+                    </a:lnL>
+                    <a:lnR w="12700" cap="flat" cmpd="sng" algn="ctr">
+                      <a:solidFill>
+                        <a:schemeClr val="tx1"/>
+                      </a:solidFill>
+                      <a:prstDash val="solid"/>
+                      <a:round/>
+                      <a:headEnd type="none" w="med" len="med"/>
+                      <a:tailEnd type="none" w="med" len="med"/>
+                    </a:lnR>
+                    <a:lnT w="12700" cap="flat" cmpd="sng" algn="ctr">
+                      <a:solidFill>
+                        <a:schemeClr val="tx1"/>
+                      </a:solidFill>
+                      <a:prstDash val="solid"/>
+                      <a:round/>
+                      <a:headEnd type="none" w="med" len="med"/>
+                      <a:tailEnd type="none" w="med" len="med"/>
+                    </a:lnT>
+                    <a:lnB w="12700" cap="flat" cmpd="sng" algn="ctr">
+                      <a:solidFill>
+                        <a:schemeClr val="tx1"/>
+                      </a:solidFill>
+                      <a:prstDash val="solid"/>
+                      <a:round/>
+                      <a:headEnd type="none" w="med" len="med"/>
+                      <a:tailEnd type="none" w="med" len="med"/>
+                    </a:lnB>
+                    <a:solidFill>
+                      <a:schemeClr val="bg1"/>
+                    </a:solidFill>
+                  </a:tcPr>
+                </a:tc>
+                <a:tc>
+                  <a:txBody>
+                    <a:bodyPr/>
+                    <a:lstStyle/>
+                    <a:p>
+                      <a:pPr algn="ctr" latinLnBrk="1"/>
+                      <a:r>
+                        <a:rPr lang="en-US" altLang="ko-KR" sz="1000">
+                          <a:solidFill>
+                            <a:schemeClr val="tx1"/>
+                          </a:solidFill>
+                        </a:rPr>
+                        <a:t>o</a:t>
+                      </a:r>
+                      <a:endParaRPr lang="ko-KR" altLang="en-US" sz="1000">
+                        <a:solidFill>
+                          <a:schemeClr val="tx1"/>
+                        </a:solidFill>
+                      </a:endParaRPr>
+                    </a:p>
+                  </a:txBody>
+                  <a:tcPr marL="83670" marR="83670" marT="41835" marB="41835" anchor="ctr">
+                    <a:lnL w="12700" cap="flat" cmpd="sng" algn="ctr">
+                      <a:solidFill>
+                        <a:schemeClr val="tx1"/>
+                      </a:solidFill>
+                      <a:prstDash val="solid"/>
+                      <a:round/>
+                      <a:headEnd type="none" w="med" len="med"/>
+                      <a:tailEnd type="none" w="med" len="med"/>
+                    </a:lnL>
+                    <a:lnR w="12700" cap="flat" cmpd="sng" algn="ctr">
+                      <a:solidFill>
+                        <a:schemeClr val="tx1"/>
+                      </a:solidFill>
+                      <a:prstDash val="solid"/>
+                      <a:round/>
+                      <a:headEnd type="none" w="med" len="med"/>
+                      <a:tailEnd type="none" w="med" len="med"/>
+                    </a:lnR>
+                    <a:lnT w="12700" cap="flat" cmpd="sng" algn="ctr">
+                      <a:solidFill>
+                        <a:schemeClr val="tx1"/>
+                      </a:solidFill>
+                      <a:prstDash val="solid"/>
+                      <a:round/>
+                      <a:headEnd type="none" w="med" len="med"/>
+                      <a:tailEnd type="none" w="med" len="med"/>
+                    </a:lnT>
+                    <a:lnB w="12700" cap="flat" cmpd="sng" algn="ctr">
+                      <a:solidFill>
+                        <a:schemeClr val="tx1"/>
+                      </a:solidFill>
+                      <a:prstDash val="solid"/>
+                      <a:round/>
+                      <a:headEnd type="none" w="med" len="med"/>
+                      <a:tailEnd type="none" w="med" len="med"/>
+                    </a:lnB>
+                    <a:solidFill>
+                      <a:schemeClr val="bg1"/>
+                    </a:solidFill>
+                  </a:tcPr>
+                </a:tc>
+                <a:tc>
+                  <a:txBody>
+                    <a:bodyPr/>
+                    <a:lstStyle/>
+                    <a:p>
+                      <a:pPr algn="ctr" latinLnBrk="1"/>
+                      <a:r>
+                        <a:rPr lang="en-US" altLang="ko-KR" sz="1000">
+                          <a:solidFill>
+                            <a:schemeClr val="tx1"/>
+                          </a:solidFill>
+                        </a:rPr>
+                        <a:t>o</a:t>
+                      </a:r>
+                      <a:endParaRPr lang="ko-KR" altLang="en-US" sz="1000">
+                        <a:solidFill>
+                          <a:schemeClr val="tx1"/>
+                        </a:solidFill>
+                      </a:endParaRPr>
+                    </a:p>
+                  </a:txBody>
+                  <a:tcPr marL="83670" marR="83670" marT="41835" marB="41835" anchor="ctr">
+                    <a:lnL w="12700" cap="flat" cmpd="sng" algn="ctr">
+                      <a:solidFill>
+                        <a:schemeClr val="tx1"/>
+                      </a:solidFill>
+                      <a:prstDash val="solid"/>
+                      <a:round/>
+                      <a:headEnd type="none" w="med" len="med"/>
+                      <a:tailEnd type="none" w="med" len="med"/>
+                    </a:lnL>
+                    <a:lnR w="12700" cap="flat" cmpd="sng" algn="ctr">
+                      <a:solidFill>
+                        <a:schemeClr val="tx1"/>
+                      </a:solidFill>
+                      <a:prstDash val="solid"/>
+                      <a:round/>
+                      <a:headEnd type="none" w="med" len="med"/>
+                      <a:tailEnd type="none" w="med" len="med"/>
+                    </a:lnR>
+                    <a:lnT w="12700" cap="flat" cmpd="sng" algn="ctr">
+                      <a:solidFill>
+                        <a:schemeClr val="tx1"/>
+                      </a:solidFill>
+                      <a:prstDash val="solid"/>
+                      <a:round/>
+                      <a:headEnd type="none" w="med" len="med"/>
+                      <a:tailEnd type="none" w="med" len="med"/>
+                    </a:lnT>
+                    <a:lnB w="12700" cap="flat" cmpd="sng" algn="ctr">
+                      <a:solidFill>
+                        <a:schemeClr val="tx1"/>
+                      </a:solidFill>
+                      <a:prstDash val="solid"/>
+                      <a:round/>
+                      <a:headEnd type="none" w="med" len="med"/>
+                      <a:tailEnd type="none" w="med" len="med"/>
+                    </a:lnB>
+                    <a:solidFill>
+                      <a:schemeClr val="bg1"/>
+                    </a:solidFill>
+                  </a:tcPr>
+                </a:tc>
+                <a:tc>
+                  <a:txBody>
+                    <a:bodyPr/>
+                    <a:lstStyle/>
+                    <a:p>
+                      <a:pPr algn="ctr" latinLnBrk="1"/>
+                      <a:r>
+                        <a:rPr lang="en-US" altLang="ko-KR" sz="1000">
+                          <a:solidFill>
+                            <a:schemeClr val="tx1"/>
+                          </a:solidFill>
+                        </a:rPr>
+                        <a:t>o</a:t>
+                      </a:r>
+                      <a:endParaRPr lang="ko-KR" altLang="en-US" sz="1000">
+                        <a:solidFill>
+                          <a:schemeClr val="tx1"/>
+                        </a:solidFill>
+                      </a:endParaRPr>
+                    </a:p>
+                  </a:txBody>
+                  <a:tcPr marL="83670" marR="83670" marT="41835" marB="41835" anchor="ctr">
+                    <a:lnL w="12700" cap="flat" cmpd="sng" algn="ctr">
+                      <a:solidFill>
+                        <a:schemeClr val="tx1"/>
+                      </a:solidFill>
+                      <a:prstDash val="solid"/>
+                      <a:round/>
+                      <a:headEnd type="none" w="med" len="med"/>
+                      <a:tailEnd type="none" w="med" len="med"/>
+                    </a:lnL>
+                    <a:lnR w="38100" cap="flat" cmpd="sng" algn="ctr">
+                      <a:solidFill>
+                        <a:schemeClr val="tx1"/>
+                      </a:solidFill>
+                      <a:prstDash val="solid"/>
+                      <a:round/>
+                      <a:headEnd type="none" w="med" len="med"/>
+                      <a:tailEnd type="none" w="med" len="med"/>
+                    </a:lnR>
+                    <a:lnT w="12700" cap="flat" cmpd="sng" algn="ctr">
+                      <a:solidFill>
+                        <a:schemeClr val="tx1"/>
+                      </a:solidFill>
+                      <a:prstDash val="solid"/>
+                      <a:round/>
+                      <a:headEnd type="none" w="med" len="med"/>
+                      <a:tailEnd type="none" w="med" len="med"/>
+                    </a:lnT>
+                    <a:lnB w="12700" cap="flat" cmpd="sng" algn="ctr">
+                      <a:solidFill>
+                        <a:schemeClr val="tx1"/>
+                      </a:solidFill>
+                      <a:prstDash val="solid"/>
+                      <a:round/>
+                      <a:headEnd type="none" w="med" len="med"/>
+                      <a:tailEnd type="none" w="med" len="med"/>
+                    </a:lnB>
+                    <a:solidFill>
+                      <a:schemeClr val="bg1"/>
+                    </a:solidFill>
+                  </a:tcPr>
+                </a:tc>
+                <a:extLst>
+                  <a:ext uri="{0D108BD9-81ED-4DB2-BD59-A6C34878D82A}">
+                    <a16:rowId xmlns:a16="http://schemas.microsoft.com/office/drawing/2014/main" val="2937206687"/>
+                  </a:ext>
+                </a:extLst>
+              </a:tr>
+              <a:tr h="258889">
+                <a:tc>
+                  <a:txBody>
+                    <a:bodyPr/>
+                    <a:lstStyle/>
+                    <a:p>
+                      <a:pPr algn="ctr" latinLnBrk="1"/>
+                      <a:r>
+                        <a:rPr lang="en-US" altLang="ko-KR" sz="1000">
+                          <a:solidFill>
+                            <a:schemeClr val="tx1"/>
+                          </a:solidFill>
+                        </a:rPr>
+                        <a:t>user-param</a:t>
+                      </a:r>
+                      <a:endParaRPr lang="ko-KR" altLang="en-US" sz="1000">
+                        <a:solidFill>
+                          <a:schemeClr val="tx1"/>
+                        </a:solidFill>
+                      </a:endParaRPr>
+                    </a:p>
+                  </a:txBody>
+                  <a:tcPr marL="83670" marR="83670" marT="41835" marB="41835" anchor="ctr">
+                    <a:lnL w="38100" cap="flat" cmpd="sng" algn="ctr">
+                      <a:solidFill>
+                        <a:schemeClr val="tx1"/>
+                      </a:solidFill>
+                      <a:prstDash val="solid"/>
+                      <a:round/>
+                      <a:headEnd type="none" w="med" len="med"/>
+                      <a:tailEnd type="none" w="med" len="med"/>
+                    </a:lnL>
+                    <a:lnR w="12700" cap="flat" cmpd="sng" algn="ctr">
+                      <a:solidFill>
+                        <a:schemeClr val="tx1"/>
+                      </a:solidFill>
+                      <a:prstDash val="solid"/>
+                      <a:round/>
+                      <a:headEnd type="none" w="med" len="med"/>
+                      <a:tailEnd type="none" w="med" len="med"/>
+                    </a:lnR>
+                    <a:lnT w="12700" cap="flat" cmpd="sng" algn="ctr">
+                      <a:solidFill>
+                        <a:schemeClr val="tx1"/>
+                      </a:solidFill>
+                      <a:prstDash val="solid"/>
+                      <a:round/>
+                      <a:headEnd type="none" w="med" len="med"/>
+                      <a:tailEnd type="none" w="med" len="med"/>
+                    </a:lnT>
+                    <a:lnB w="12700" cap="flat" cmpd="sng" algn="ctr">
+                      <a:solidFill>
+                        <a:schemeClr val="tx1"/>
+                      </a:solidFill>
+                      <a:prstDash val="solid"/>
+                      <a:round/>
+                      <a:headEnd type="none" w="med" len="med"/>
+                      <a:tailEnd type="none" w="med" len="med"/>
+                    </a:lnB>
+                    <a:solidFill>
+                      <a:schemeClr val="bg1">
+                        <a:lumMod val="95000"/>
+                      </a:schemeClr>
+                    </a:solidFill>
+                  </a:tcPr>
+                </a:tc>
+                <a:tc>
+                  <a:txBody>
+                    <a:bodyPr/>
+                    <a:lstStyle/>
+                    <a:p>
+                      <a:pPr algn="ctr" latinLnBrk="1"/>
+                      <a:r>
+                        <a:rPr lang="en-US" altLang="ko-KR" sz="1000">
+                          <a:solidFill>
+                            <a:schemeClr val="tx1"/>
+                          </a:solidFill>
+                        </a:rPr>
+                        <a:t>ip</a:t>
+                      </a:r>
+                      <a:endParaRPr lang="ko-KR" altLang="en-US" sz="1000">
+                        <a:solidFill>
+                          <a:schemeClr val="tx1"/>
+                        </a:solidFill>
+                      </a:endParaRPr>
+                    </a:p>
+                  </a:txBody>
+                  <a:tcPr marL="83670" marR="83670" marT="41835" marB="41835" anchor="ctr">
+                    <a:lnL w="12700" cap="flat" cmpd="sng" algn="ctr">
+                      <a:solidFill>
+                        <a:schemeClr val="tx1"/>
+                      </a:solidFill>
+                      <a:prstDash val="solid"/>
+                      <a:round/>
+                      <a:headEnd type="none" w="med" len="med"/>
+                      <a:tailEnd type="none" w="med" len="med"/>
+                    </a:lnL>
+                    <a:lnR w="12700" cap="flat" cmpd="sng" algn="ctr">
+                      <a:solidFill>
+                        <a:schemeClr val="tx1"/>
+                      </a:solidFill>
+                      <a:prstDash val="solid"/>
+                      <a:round/>
+                      <a:headEnd type="none" w="med" len="med"/>
+                      <a:tailEnd type="none" w="med" len="med"/>
+                    </a:lnR>
+                    <a:lnT w="12700" cap="flat" cmpd="sng" algn="ctr">
+                      <a:solidFill>
+                        <a:schemeClr val="tx1"/>
+                      </a:solidFill>
+                      <a:prstDash val="solid"/>
+                      <a:round/>
+                      <a:headEnd type="none" w="med" len="med"/>
+                      <a:tailEnd type="none" w="med" len="med"/>
+                    </a:lnT>
+                    <a:lnB w="12700" cap="flat" cmpd="sng" algn="ctr">
+                      <a:solidFill>
+                        <a:schemeClr val="tx1"/>
+                      </a:solidFill>
+                      <a:prstDash val="solid"/>
+                      <a:round/>
+                      <a:headEnd type="none" w="med" len="med"/>
+                      <a:tailEnd type="none" w="med" len="med"/>
+                    </a:lnB>
+                    <a:solidFill>
+                      <a:schemeClr val="bg1"/>
+                    </a:solidFill>
+                  </a:tcPr>
+                </a:tc>
+                <a:tc>
+                  <a:txBody>
+                    <a:bodyPr/>
+                    <a:lstStyle/>
+                    <a:p>
+                      <a:pPr algn="ctr" latinLnBrk="1"/>
+                      <a:r>
+                        <a:rPr lang="en-US" altLang="ko-KR" sz="1000">
+                          <a:solidFill>
+                            <a:schemeClr val="tx1"/>
+                          </a:solidFill>
+                        </a:rPr>
+                        <a:t>o</a:t>
+                      </a:r>
+                      <a:endParaRPr lang="ko-KR" altLang="en-US" sz="1000">
+                        <a:solidFill>
+                          <a:schemeClr val="tx1"/>
+                        </a:solidFill>
+                      </a:endParaRPr>
+                    </a:p>
+                  </a:txBody>
+                  <a:tcPr marL="83670" marR="83670" marT="41835" marB="41835" anchor="ctr">
+                    <a:lnL w="12700" cap="flat" cmpd="sng" algn="ctr">
+                      <a:solidFill>
+                        <a:schemeClr val="tx1"/>
+                      </a:solidFill>
+                      <a:prstDash val="solid"/>
+                      <a:round/>
+                      <a:headEnd type="none" w="med" len="med"/>
+                      <a:tailEnd type="none" w="med" len="med"/>
+                    </a:lnL>
+                    <a:lnR w="12700" cap="flat" cmpd="sng" algn="ctr">
+                      <a:solidFill>
+                        <a:schemeClr val="tx1"/>
+                      </a:solidFill>
+                      <a:prstDash val="solid"/>
+                      <a:round/>
+                      <a:headEnd type="none" w="med" len="med"/>
+                      <a:tailEnd type="none" w="med" len="med"/>
+                    </a:lnR>
+                    <a:lnT w="12700" cap="flat" cmpd="sng" algn="ctr">
+                      <a:solidFill>
+                        <a:schemeClr val="tx1"/>
+                      </a:solidFill>
+                      <a:prstDash val="solid"/>
+                      <a:round/>
+                      <a:headEnd type="none" w="med" len="med"/>
+                      <a:tailEnd type="none" w="med" len="med"/>
+                    </a:lnT>
+                    <a:lnB w="12700" cap="flat" cmpd="sng" algn="ctr">
+                      <a:solidFill>
+                        <a:schemeClr val="tx1"/>
+                      </a:solidFill>
+                      <a:prstDash val="solid"/>
+                      <a:round/>
+                      <a:headEnd type="none" w="med" len="med"/>
+                      <a:tailEnd type="none" w="med" len="med"/>
+                    </a:lnB>
+                    <a:solidFill>
+                      <a:schemeClr val="bg1"/>
+                    </a:solidFill>
+                  </a:tcPr>
+                </a:tc>
+                <a:tc>
+                  <a:txBody>
+                    <a:bodyPr/>
+                    <a:lstStyle/>
+                    <a:p>
+                      <a:pPr algn="ctr" latinLnBrk="1"/>
+                      <a:r>
+                        <a:rPr lang="en-US" altLang="ko-KR" sz="1000">
+                          <a:solidFill>
+                            <a:schemeClr val="tx1"/>
+                          </a:solidFill>
+                        </a:rPr>
+                        <a:t>o</a:t>
+                      </a:r>
+                      <a:endParaRPr lang="ko-KR" altLang="en-US" sz="1000">
+                        <a:solidFill>
+                          <a:schemeClr val="tx1"/>
+                        </a:solidFill>
+                      </a:endParaRPr>
+                    </a:p>
+                  </a:txBody>
+                  <a:tcPr marL="83670" marR="83670" marT="41835" marB="41835" anchor="ctr">
+                    <a:lnL w="12700" cap="flat" cmpd="sng" algn="ctr">
+                      <a:solidFill>
+                        <a:schemeClr val="tx1"/>
+                      </a:solidFill>
+                      <a:prstDash val="solid"/>
+                      <a:round/>
+                      <a:headEnd type="none" w="med" len="med"/>
+                      <a:tailEnd type="none" w="med" len="med"/>
+                    </a:lnL>
+                    <a:lnR w="12700" cap="flat" cmpd="sng" algn="ctr">
+                      <a:solidFill>
+                        <a:schemeClr val="tx1"/>
+                      </a:solidFill>
+                      <a:prstDash val="solid"/>
+                      <a:round/>
+                      <a:headEnd type="none" w="med" len="med"/>
+                      <a:tailEnd type="none" w="med" len="med"/>
+                    </a:lnR>
+                    <a:lnT w="12700" cap="flat" cmpd="sng" algn="ctr">
+                      <a:solidFill>
+                        <a:schemeClr val="tx1"/>
+                      </a:solidFill>
+                      <a:prstDash val="solid"/>
+                      <a:round/>
+                      <a:headEnd type="none" w="med" len="med"/>
+                      <a:tailEnd type="none" w="med" len="med"/>
+                    </a:lnT>
+                    <a:lnB w="12700" cap="flat" cmpd="sng" algn="ctr">
+                      <a:solidFill>
+                        <a:schemeClr val="tx1"/>
+                      </a:solidFill>
+                      <a:prstDash val="solid"/>
+                      <a:round/>
+                      <a:headEnd type="none" w="med" len="med"/>
+                      <a:tailEnd type="none" w="med" len="med"/>
+                    </a:lnB>
+                    <a:solidFill>
+                      <a:schemeClr val="bg1"/>
+                    </a:solidFill>
+                  </a:tcPr>
+                </a:tc>
+                <a:tc>
+                  <a:txBody>
+                    <a:bodyPr/>
+                    <a:lstStyle/>
+                    <a:p>
+                      <a:pPr algn="ctr" latinLnBrk="1"/>
+                      <a:r>
+                        <a:rPr lang="en-US" altLang="ko-KR" sz="1000">
+                          <a:solidFill>
+                            <a:schemeClr val="tx1"/>
+                          </a:solidFill>
+                        </a:rPr>
+                        <a:t>o</a:t>
+                      </a:r>
+                      <a:endParaRPr lang="ko-KR" altLang="en-US" sz="1000">
+                        <a:solidFill>
+                          <a:schemeClr val="tx1"/>
+                        </a:solidFill>
+                      </a:endParaRPr>
+                    </a:p>
+                  </a:txBody>
+                  <a:tcPr marL="83670" marR="83670" marT="41835" marB="41835" anchor="ctr">
+                    <a:lnL w="12700" cap="flat" cmpd="sng" algn="ctr">
+                      <a:solidFill>
+                        <a:schemeClr val="tx1"/>
+                      </a:solidFill>
+                      <a:prstDash val="solid"/>
+                      <a:round/>
+                      <a:headEnd type="none" w="med" len="med"/>
+                      <a:tailEnd type="none" w="med" len="med"/>
+                    </a:lnL>
+                    <a:lnR w="12700" cap="flat" cmpd="sng" algn="ctr">
+                      <a:solidFill>
+                        <a:schemeClr val="tx1"/>
+                      </a:solidFill>
+                      <a:prstDash val="solid"/>
+                      <a:round/>
+                      <a:headEnd type="none" w="med" len="med"/>
+                      <a:tailEnd type="none" w="med" len="med"/>
+                    </a:lnR>
+                    <a:lnT w="12700" cap="flat" cmpd="sng" algn="ctr">
+                      <a:solidFill>
+                        <a:schemeClr val="tx1"/>
+                      </a:solidFill>
+                      <a:prstDash val="solid"/>
+                      <a:round/>
+                      <a:headEnd type="none" w="med" len="med"/>
+                      <a:tailEnd type="none" w="med" len="med"/>
+                    </a:lnT>
+                    <a:lnB w="12700" cap="flat" cmpd="sng" algn="ctr">
+                      <a:solidFill>
+                        <a:schemeClr val="tx1"/>
+                      </a:solidFill>
+                      <a:prstDash val="solid"/>
+                      <a:round/>
+                      <a:headEnd type="none" w="med" len="med"/>
+                      <a:tailEnd type="none" w="med" len="med"/>
+                    </a:lnB>
+                    <a:solidFill>
+                      <a:schemeClr val="bg1"/>
+                    </a:solidFill>
+                  </a:tcPr>
+                </a:tc>
+                <a:tc>
+                  <a:txBody>
+                    <a:bodyPr/>
+                    <a:lstStyle/>
+                    <a:p>
+                      <a:pPr algn="ctr" latinLnBrk="1"/>
+                      <a:r>
+                        <a:rPr lang="en-US" altLang="ko-KR" sz="1000">
+                          <a:solidFill>
+                            <a:schemeClr val="tx1"/>
+                          </a:solidFill>
+                        </a:rPr>
+                        <a:t>o</a:t>
+                      </a:r>
+                      <a:endParaRPr lang="ko-KR" altLang="en-US" sz="1000">
+                        <a:solidFill>
+                          <a:schemeClr val="tx1"/>
+                        </a:solidFill>
+                      </a:endParaRPr>
+                    </a:p>
+                  </a:txBody>
+                  <a:tcPr marL="83670" marR="83670" marT="41835" marB="41835" anchor="ctr">
+                    <a:lnL w="12700" cap="flat" cmpd="sng" algn="ctr">
+                      <a:solidFill>
+                        <a:schemeClr val="tx1"/>
+                      </a:solidFill>
+                      <a:prstDash val="solid"/>
+                      <a:round/>
+                      <a:headEnd type="none" w="med" len="med"/>
+                      <a:tailEnd type="none" w="med" len="med"/>
+                    </a:lnL>
+                    <a:lnR w="12700" cap="flat" cmpd="sng" algn="ctr">
+                      <a:solidFill>
+                        <a:schemeClr val="tx1"/>
+                      </a:solidFill>
+                      <a:prstDash val="solid"/>
+                      <a:round/>
+                      <a:headEnd type="none" w="med" len="med"/>
+                      <a:tailEnd type="none" w="med" len="med"/>
+                    </a:lnR>
+                    <a:lnT w="12700" cap="flat" cmpd="sng" algn="ctr">
+                      <a:solidFill>
+                        <a:schemeClr val="tx1"/>
+                      </a:solidFill>
+                      <a:prstDash val="solid"/>
+                      <a:round/>
+                      <a:headEnd type="none" w="med" len="med"/>
+                      <a:tailEnd type="none" w="med" len="med"/>
+                    </a:lnT>
+                    <a:lnB w="12700" cap="flat" cmpd="sng" algn="ctr">
+                      <a:solidFill>
+                        <a:schemeClr val="tx1"/>
+                      </a:solidFill>
+                      <a:prstDash val="solid"/>
+                      <a:round/>
+                      <a:headEnd type="none" w="med" len="med"/>
+                      <a:tailEnd type="none" w="med" len="med"/>
+                    </a:lnB>
+                    <a:solidFill>
+                      <a:schemeClr val="bg1"/>
+                    </a:solidFill>
+                  </a:tcPr>
+                </a:tc>
+                <a:tc>
+                  <a:txBody>
+                    <a:bodyPr/>
+                    <a:lstStyle/>
+                    <a:p>
+                      <a:pPr algn="ctr" latinLnBrk="1"/>
+                      <a:r>
+                        <a:rPr lang="en-US" altLang="ko-KR" sz="1000">
+                          <a:solidFill>
+                            <a:schemeClr val="tx1"/>
+                          </a:solidFill>
+                        </a:rPr>
+                        <a:t>o</a:t>
+                      </a:r>
+                      <a:endParaRPr lang="ko-KR" altLang="en-US" sz="1000">
+                        <a:solidFill>
+                          <a:schemeClr val="tx1"/>
+                        </a:solidFill>
+                      </a:endParaRPr>
+                    </a:p>
+                  </a:txBody>
+                  <a:tcPr marL="83670" marR="83670" marT="41835" marB="41835" anchor="ctr">
+                    <a:lnL w="12700" cap="flat" cmpd="sng" algn="ctr">
+                      <a:solidFill>
+                        <a:schemeClr val="tx1"/>
+                      </a:solidFill>
+                      <a:prstDash val="solid"/>
+                      <a:round/>
+                      <a:headEnd type="none" w="med" len="med"/>
+                      <a:tailEnd type="none" w="med" len="med"/>
+                    </a:lnL>
+                    <a:lnR w="12700" cap="flat" cmpd="sng" algn="ctr">
+                      <a:solidFill>
+                        <a:schemeClr val="tx1"/>
+                      </a:solidFill>
+                      <a:prstDash val="solid"/>
+                      <a:round/>
+                      <a:headEnd type="none" w="med" len="med"/>
+                      <a:tailEnd type="none" w="med" len="med"/>
+                    </a:lnR>
+                    <a:lnT w="12700" cap="flat" cmpd="sng" algn="ctr">
+                      <a:solidFill>
+                        <a:schemeClr val="tx1"/>
+                      </a:solidFill>
+                      <a:prstDash val="solid"/>
+                      <a:round/>
+                      <a:headEnd type="none" w="med" len="med"/>
+                      <a:tailEnd type="none" w="med" len="med"/>
+                    </a:lnT>
+                    <a:lnB w="12700" cap="flat" cmpd="sng" algn="ctr">
+                      <a:solidFill>
+                        <a:schemeClr val="tx1"/>
+                      </a:solidFill>
+                      <a:prstDash val="solid"/>
+                      <a:round/>
+                      <a:headEnd type="none" w="med" len="med"/>
+                      <a:tailEnd type="none" w="med" len="med"/>
+                    </a:lnB>
+                    <a:solidFill>
+                      <a:schemeClr val="bg1"/>
+                    </a:solidFill>
+                  </a:tcPr>
+                </a:tc>
+                <a:tc>
+                  <a:txBody>
+                    <a:bodyPr/>
+                    <a:lstStyle/>
+                    <a:p>
+                      <a:pPr algn="ctr" latinLnBrk="1"/>
+                      <a:r>
+                        <a:rPr lang="en-US" altLang="ko-KR" sz="1000">
+                          <a:solidFill>
+                            <a:schemeClr val="tx1"/>
+                          </a:solidFill>
+                        </a:rPr>
+                        <a:t>o</a:t>
+                      </a:r>
+                      <a:endParaRPr lang="ko-KR" altLang="en-US" sz="1000">
+                        <a:solidFill>
+                          <a:schemeClr val="tx1"/>
+                        </a:solidFill>
+                      </a:endParaRPr>
+                    </a:p>
+                  </a:txBody>
+                  <a:tcPr marL="83670" marR="83670" marT="41835" marB="41835" anchor="ctr">
+                    <a:lnL w="12700" cap="flat" cmpd="sng" algn="ctr">
+                      <a:solidFill>
+                        <a:schemeClr val="tx1"/>
+                      </a:solidFill>
+                      <a:prstDash val="solid"/>
+                      <a:round/>
+                      <a:headEnd type="none" w="med" len="med"/>
+                      <a:tailEnd type="none" w="med" len="med"/>
+                    </a:lnL>
+                    <a:lnR w="38100" cap="flat" cmpd="sng" algn="ctr">
+                      <a:solidFill>
+                        <a:schemeClr val="tx1"/>
+                      </a:solidFill>
+                      <a:prstDash val="solid"/>
+                      <a:round/>
+                      <a:headEnd type="none" w="med" len="med"/>
+                      <a:tailEnd type="none" w="med" len="med"/>
+                    </a:lnR>
+                    <a:lnT w="12700" cap="flat" cmpd="sng" algn="ctr">
+                      <a:solidFill>
+                        <a:schemeClr val="tx1"/>
+                      </a:solidFill>
+                      <a:prstDash val="solid"/>
+                      <a:round/>
+                      <a:headEnd type="none" w="med" len="med"/>
+                      <a:tailEnd type="none" w="med" len="med"/>
+                    </a:lnT>
+                    <a:lnB w="12700" cap="flat" cmpd="sng" algn="ctr">
+                      <a:solidFill>
+                        <a:schemeClr val="tx1"/>
+                      </a:solidFill>
+                      <a:prstDash val="solid"/>
+                      <a:round/>
+                      <a:headEnd type="none" w="med" len="med"/>
+                      <a:tailEnd type="none" w="med" len="med"/>
+                    </a:lnB>
+                    <a:solidFill>
+                      <a:schemeClr val="bg1"/>
+                    </a:solidFill>
+                  </a:tcPr>
+                </a:tc>
+                <a:extLst>
+                  <a:ext uri="{0D108BD9-81ED-4DB2-BD59-A6C34878D82A}">
+                    <a16:rowId xmlns:a16="http://schemas.microsoft.com/office/drawing/2014/main" val="2998245085"/>
+                  </a:ext>
+                </a:extLst>
+              </a:tr>
+              <a:tr h="258889">
+                <a:tc>
+                  <a:txBody>
+                    <a:bodyPr/>
+                    <a:lstStyle/>
+                    <a:p>
+                      <a:pPr algn="ctr" latinLnBrk="1"/>
+                      <a:r>
+                        <a:rPr lang="en-US" altLang="ko-KR" sz="1000">
+                          <a:solidFill>
+                            <a:schemeClr val="tx1"/>
+                          </a:solidFill>
+                        </a:rPr>
+                        <a:t>method</a:t>
+                      </a:r>
+                      <a:endParaRPr lang="ko-KR" altLang="en-US" sz="1000">
+                        <a:solidFill>
+                          <a:schemeClr val="tx1"/>
+                        </a:solidFill>
+                      </a:endParaRPr>
+                    </a:p>
+                  </a:txBody>
+                  <a:tcPr marL="83670" marR="83670" marT="41835" marB="41835" anchor="ctr">
+                    <a:lnL w="38100" cap="flat" cmpd="sng" algn="ctr">
+                      <a:solidFill>
+                        <a:schemeClr val="tx1"/>
+                      </a:solidFill>
+                      <a:prstDash val="solid"/>
+                      <a:round/>
+                      <a:headEnd type="none" w="med" len="med"/>
+                      <a:tailEnd type="none" w="med" len="med"/>
+                    </a:lnL>
+                    <a:lnR w="12700" cap="flat" cmpd="sng" algn="ctr">
+                      <a:solidFill>
+                        <a:schemeClr val="tx1"/>
+                      </a:solidFill>
+                      <a:prstDash val="solid"/>
+                      <a:round/>
+                      <a:headEnd type="none" w="med" len="med"/>
+                      <a:tailEnd type="none" w="med" len="med"/>
+                    </a:lnR>
+                    <a:lnT w="12700" cap="flat" cmpd="sng" algn="ctr">
+                      <a:solidFill>
+                        <a:schemeClr val="tx1"/>
+                      </a:solidFill>
+                      <a:prstDash val="solid"/>
+                      <a:round/>
+                      <a:headEnd type="none" w="med" len="med"/>
+                      <a:tailEnd type="none" w="med" len="med"/>
+                    </a:lnT>
+                    <a:lnB w="12700" cap="flat" cmpd="sng" algn="ctr">
+                      <a:solidFill>
+                        <a:schemeClr val="tx1"/>
+                      </a:solidFill>
+                      <a:prstDash val="solid"/>
+                      <a:round/>
+                      <a:headEnd type="none" w="med" len="med"/>
+                      <a:tailEnd type="none" w="med" len="med"/>
+                    </a:lnB>
+                    <a:solidFill>
+                      <a:schemeClr val="bg1">
+                        <a:lumMod val="95000"/>
+                      </a:schemeClr>
+                    </a:solidFill>
+                  </a:tcPr>
+                </a:tc>
+                <a:tc>
+                  <a:txBody>
+                    <a:bodyPr/>
+                    <a:lstStyle/>
+                    <a:p>
+                      <a:pPr algn="ctr" latinLnBrk="1"/>
+                      <a:r>
+                        <a:rPr lang="en-US" altLang="ko-KR" sz="1000">
+                          <a:solidFill>
+                            <a:schemeClr val="tx1"/>
+                          </a:solidFill>
+                        </a:rPr>
+                        <a:t>INVITE</a:t>
+                      </a:r>
+                      <a:endParaRPr lang="ko-KR" altLang="en-US" sz="1000">
+                        <a:solidFill>
+                          <a:schemeClr val="tx1"/>
+                        </a:solidFill>
+                      </a:endParaRPr>
+                    </a:p>
+                  </a:txBody>
+                  <a:tcPr marL="83670" marR="83670" marT="41835" marB="41835" anchor="ctr">
+                    <a:lnL w="12700" cap="flat" cmpd="sng" algn="ctr">
+                      <a:solidFill>
+                        <a:schemeClr val="tx1"/>
+                      </a:solidFill>
+                      <a:prstDash val="solid"/>
+                      <a:round/>
+                      <a:headEnd type="none" w="med" len="med"/>
+                      <a:tailEnd type="none" w="med" len="med"/>
+                    </a:lnL>
+                    <a:lnR w="12700" cap="flat" cmpd="sng" algn="ctr">
+                      <a:solidFill>
+                        <a:schemeClr val="tx1"/>
+                      </a:solidFill>
+                      <a:prstDash val="solid"/>
+                      <a:round/>
+                      <a:headEnd type="none" w="med" len="med"/>
+                      <a:tailEnd type="none" w="med" len="med"/>
+                    </a:lnR>
+                    <a:lnT w="12700" cap="flat" cmpd="sng" algn="ctr">
+                      <a:solidFill>
+                        <a:schemeClr val="tx1"/>
+                      </a:solidFill>
+                      <a:prstDash val="solid"/>
+                      <a:round/>
+                      <a:headEnd type="none" w="med" len="med"/>
+                      <a:tailEnd type="none" w="med" len="med"/>
+                    </a:lnT>
+                    <a:lnB w="12700" cap="flat" cmpd="sng" algn="ctr">
+                      <a:solidFill>
+                        <a:schemeClr val="tx1"/>
+                      </a:solidFill>
+                      <a:prstDash val="solid"/>
+                      <a:round/>
+                      <a:headEnd type="none" w="med" len="med"/>
+                      <a:tailEnd type="none" w="med" len="med"/>
+                    </a:lnB>
+                    <a:solidFill>
+                      <a:schemeClr val="bg1"/>
+                    </a:solidFill>
+                  </a:tcPr>
+                </a:tc>
+                <a:tc>
+                  <a:txBody>
+                    <a:bodyPr/>
+                    <a:lstStyle/>
+                    <a:p>
+                      <a:pPr algn="ctr" latinLnBrk="1"/>
+                      <a:r>
+                        <a:rPr lang="en-US" altLang="ko-KR" sz="1000">
+                          <a:solidFill>
+                            <a:schemeClr val="tx1"/>
+                          </a:solidFill>
+                        </a:rPr>
+                        <a:t>-</a:t>
+                      </a:r>
+                      <a:endParaRPr lang="ko-KR" altLang="en-US" sz="1000">
+                        <a:solidFill>
+                          <a:schemeClr val="tx1"/>
+                        </a:solidFill>
+                      </a:endParaRPr>
+                    </a:p>
+                  </a:txBody>
+                  <a:tcPr marL="83670" marR="83670" marT="41835" marB="41835" anchor="ctr">
+                    <a:lnL w="12700" cap="flat" cmpd="sng" algn="ctr">
+                      <a:solidFill>
+                        <a:schemeClr val="tx1"/>
+                      </a:solidFill>
+                      <a:prstDash val="solid"/>
+                      <a:round/>
+                      <a:headEnd type="none" w="med" len="med"/>
+                      <a:tailEnd type="none" w="med" len="med"/>
+                    </a:lnL>
+                    <a:lnR w="12700" cap="flat" cmpd="sng" algn="ctr">
+                      <a:solidFill>
+                        <a:schemeClr val="tx1"/>
+                      </a:solidFill>
+                      <a:prstDash val="solid"/>
+                      <a:round/>
+                      <a:headEnd type="none" w="med" len="med"/>
+                      <a:tailEnd type="none" w="med" len="med"/>
+                    </a:lnR>
+                    <a:lnT w="12700" cap="flat" cmpd="sng" algn="ctr">
+                      <a:solidFill>
+                        <a:schemeClr val="tx1"/>
+                      </a:solidFill>
+                      <a:prstDash val="solid"/>
+                      <a:round/>
+                      <a:headEnd type="none" w="med" len="med"/>
+                      <a:tailEnd type="none" w="med" len="med"/>
+                    </a:lnT>
+                    <a:lnB w="12700" cap="flat" cmpd="sng" algn="ctr">
+                      <a:solidFill>
+                        <a:schemeClr val="tx1"/>
+                      </a:solidFill>
+                      <a:prstDash val="solid"/>
+                      <a:round/>
+                      <a:headEnd type="none" w="med" len="med"/>
+                      <a:tailEnd type="none" w="med" len="med"/>
+                    </a:lnB>
+                    <a:solidFill>
+                      <a:schemeClr val="bg1"/>
+                    </a:solidFill>
+                  </a:tcPr>
+                </a:tc>
+                <a:tc>
+                  <a:txBody>
+                    <a:bodyPr/>
+                    <a:lstStyle/>
+                    <a:p>
+                      <a:pPr algn="ctr" latinLnBrk="1"/>
+                      <a:r>
+                        <a:rPr lang="en-US" altLang="ko-KR" sz="1000">
+                          <a:solidFill>
+                            <a:schemeClr val="tx1"/>
+                          </a:solidFill>
+                        </a:rPr>
+                        <a:t>-</a:t>
+                      </a:r>
+                      <a:endParaRPr lang="ko-KR" altLang="en-US" sz="1000">
+                        <a:solidFill>
+                          <a:schemeClr val="tx1"/>
+                        </a:solidFill>
+                      </a:endParaRPr>
+                    </a:p>
+                  </a:txBody>
+                  <a:tcPr marL="83670" marR="83670" marT="41835" marB="41835" anchor="ctr">
+                    <a:lnL w="12700" cap="flat" cmpd="sng" algn="ctr">
+                      <a:solidFill>
+                        <a:schemeClr val="tx1"/>
+                      </a:solidFill>
+                      <a:prstDash val="solid"/>
+                      <a:round/>
+                      <a:headEnd type="none" w="med" len="med"/>
+                      <a:tailEnd type="none" w="med" len="med"/>
+                    </a:lnL>
+                    <a:lnR w="12700" cap="flat" cmpd="sng" algn="ctr">
+                      <a:solidFill>
+                        <a:schemeClr val="tx1"/>
+                      </a:solidFill>
+                      <a:prstDash val="solid"/>
+                      <a:round/>
+                      <a:headEnd type="none" w="med" len="med"/>
+                      <a:tailEnd type="none" w="med" len="med"/>
+                    </a:lnR>
+                    <a:lnT w="12700" cap="flat" cmpd="sng" algn="ctr">
+                      <a:solidFill>
+                        <a:schemeClr val="tx1"/>
+                      </a:solidFill>
+                      <a:prstDash val="solid"/>
+                      <a:round/>
+                      <a:headEnd type="none" w="med" len="med"/>
+                      <a:tailEnd type="none" w="med" len="med"/>
+                    </a:lnT>
+                    <a:lnB w="12700" cap="flat" cmpd="sng" algn="ctr">
+                      <a:solidFill>
+                        <a:schemeClr val="tx1"/>
+                      </a:solidFill>
+                      <a:prstDash val="solid"/>
+                      <a:round/>
+                      <a:headEnd type="none" w="med" len="med"/>
+                      <a:tailEnd type="none" w="med" len="med"/>
+                    </a:lnB>
+                    <a:solidFill>
+                      <a:schemeClr val="bg1"/>
+                    </a:solidFill>
+                  </a:tcPr>
+                </a:tc>
+                <a:tc>
+                  <a:txBody>
+                    <a:bodyPr/>
+                    <a:lstStyle/>
+                    <a:p>
+                      <a:pPr algn="ctr" latinLnBrk="1"/>
+                      <a:r>
+                        <a:rPr lang="en-US" altLang="ko-KR" sz="1000">
+                          <a:solidFill>
+                            <a:schemeClr val="tx1"/>
+                          </a:solidFill>
+                        </a:rPr>
+                        <a:t>-</a:t>
+                      </a:r>
+                      <a:endParaRPr lang="ko-KR" altLang="en-US" sz="1000">
+                        <a:solidFill>
+                          <a:schemeClr val="tx1"/>
+                        </a:solidFill>
+                      </a:endParaRPr>
+                    </a:p>
+                  </a:txBody>
+                  <a:tcPr marL="83670" marR="83670" marT="41835" marB="41835" anchor="ctr">
+                    <a:lnL w="12700" cap="flat" cmpd="sng" algn="ctr">
+                      <a:solidFill>
+                        <a:schemeClr val="tx1"/>
+                      </a:solidFill>
+                      <a:prstDash val="solid"/>
+                      <a:round/>
+                      <a:headEnd type="none" w="med" len="med"/>
+                      <a:tailEnd type="none" w="med" len="med"/>
+                    </a:lnL>
+                    <a:lnR w="12700" cap="flat" cmpd="sng" algn="ctr">
+                      <a:solidFill>
+                        <a:schemeClr val="tx1"/>
+                      </a:solidFill>
+                      <a:prstDash val="solid"/>
+                      <a:round/>
+                      <a:headEnd type="none" w="med" len="med"/>
+                      <a:tailEnd type="none" w="med" len="med"/>
+                    </a:lnR>
+                    <a:lnT w="12700" cap="flat" cmpd="sng" algn="ctr">
+                      <a:solidFill>
+                        <a:schemeClr val="tx1"/>
+                      </a:solidFill>
+                      <a:prstDash val="solid"/>
+                      <a:round/>
+                      <a:headEnd type="none" w="med" len="med"/>
+                      <a:tailEnd type="none" w="med" len="med"/>
+                    </a:lnT>
+                    <a:lnB w="12700" cap="flat" cmpd="sng" algn="ctr">
+                      <a:solidFill>
+                        <a:schemeClr val="tx1"/>
+                      </a:solidFill>
+                      <a:prstDash val="solid"/>
+                      <a:round/>
+                      <a:headEnd type="none" w="med" len="med"/>
+                      <a:tailEnd type="none" w="med" len="med"/>
+                    </a:lnB>
+                    <a:solidFill>
+                      <a:schemeClr val="bg1"/>
+                    </a:solidFill>
+                  </a:tcPr>
+                </a:tc>
+                <a:tc>
+                  <a:txBody>
+                    <a:bodyPr/>
+                    <a:lstStyle/>
+                    <a:p>
+                      <a:pPr algn="ctr" latinLnBrk="1"/>
+                      <a:r>
+                        <a:rPr lang="en-US" altLang="ko-KR" sz="1000">
+                          <a:solidFill>
+                            <a:schemeClr val="tx1"/>
+                          </a:solidFill>
+                        </a:rPr>
+                        <a:t>-</a:t>
+                      </a:r>
+                      <a:endParaRPr lang="ko-KR" altLang="en-US" sz="1000">
+                        <a:solidFill>
+                          <a:schemeClr val="tx1"/>
+                        </a:solidFill>
+                      </a:endParaRPr>
+                    </a:p>
+                  </a:txBody>
+                  <a:tcPr marL="83670" marR="83670" marT="41835" marB="41835" anchor="ctr">
+                    <a:lnL w="12700" cap="flat" cmpd="sng" algn="ctr">
+                      <a:solidFill>
+                        <a:schemeClr val="tx1"/>
+                      </a:solidFill>
+                      <a:prstDash val="solid"/>
+                      <a:round/>
+                      <a:headEnd type="none" w="med" len="med"/>
+                      <a:tailEnd type="none" w="med" len="med"/>
+                    </a:lnL>
+                    <a:lnR w="12700" cap="flat" cmpd="sng" algn="ctr">
+                      <a:solidFill>
+                        <a:schemeClr val="tx1"/>
+                      </a:solidFill>
+                      <a:prstDash val="solid"/>
+                      <a:round/>
+                      <a:headEnd type="none" w="med" len="med"/>
+                      <a:tailEnd type="none" w="med" len="med"/>
+                    </a:lnR>
+                    <a:lnT w="12700" cap="flat" cmpd="sng" algn="ctr">
+                      <a:solidFill>
+                        <a:schemeClr val="tx1"/>
+                      </a:solidFill>
+                      <a:prstDash val="solid"/>
+                      <a:round/>
+                      <a:headEnd type="none" w="med" len="med"/>
+                      <a:tailEnd type="none" w="med" len="med"/>
+                    </a:lnT>
+                    <a:lnB w="12700" cap="flat" cmpd="sng" algn="ctr">
+                      <a:solidFill>
+                        <a:schemeClr val="tx1"/>
+                      </a:solidFill>
+                      <a:prstDash val="solid"/>
+                      <a:round/>
+                      <a:headEnd type="none" w="med" len="med"/>
+                      <a:tailEnd type="none" w="med" len="med"/>
+                    </a:lnB>
+                    <a:solidFill>
+                      <a:schemeClr val="bg1"/>
+                    </a:solidFill>
+                  </a:tcPr>
+                </a:tc>
+                <a:tc>
+                  <a:txBody>
+                    <a:bodyPr/>
+                    <a:lstStyle/>
+                    <a:p>
+                      <a:pPr algn="ctr" latinLnBrk="1"/>
+                      <a:r>
+                        <a:rPr lang="en-US" altLang="ko-KR" sz="1000">
+                          <a:solidFill>
+                            <a:schemeClr val="tx1"/>
+                          </a:solidFill>
+                        </a:rPr>
+                        <a:t>-</a:t>
+                      </a:r>
+                      <a:endParaRPr lang="ko-KR" altLang="en-US" sz="1000">
+                        <a:solidFill>
+                          <a:schemeClr val="tx1"/>
+                        </a:solidFill>
+                      </a:endParaRPr>
+                    </a:p>
+                  </a:txBody>
+                  <a:tcPr marL="83670" marR="83670" marT="41835" marB="41835" anchor="ctr">
+                    <a:lnL w="12700" cap="flat" cmpd="sng" algn="ctr">
+                      <a:solidFill>
+                        <a:schemeClr val="tx1"/>
+                      </a:solidFill>
+                      <a:prstDash val="solid"/>
+                      <a:round/>
+                      <a:headEnd type="none" w="med" len="med"/>
+                      <a:tailEnd type="none" w="med" len="med"/>
+                    </a:lnL>
+                    <a:lnR w="12700" cap="flat" cmpd="sng" algn="ctr">
+                      <a:solidFill>
+                        <a:schemeClr val="tx1"/>
+                      </a:solidFill>
+                      <a:prstDash val="solid"/>
+                      <a:round/>
+                      <a:headEnd type="none" w="med" len="med"/>
+                      <a:tailEnd type="none" w="med" len="med"/>
+                    </a:lnR>
+                    <a:lnT w="12700" cap="flat" cmpd="sng" algn="ctr">
+                      <a:solidFill>
+                        <a:schemeClr val="tx1"/>
+                      </a:solidFill>
+                      <a:prstDash val="solid"/>
+                      <a:round/>
+                      <a:headEnd type="none" w="med" len="med"/>
+                      <a:tailEnd type="none" w="med" len="med"/>
+                    </a:lnT>
+                    <a:lnB w="12700" cap="flat" cmpd="sng" algn="ctr">
+                      <a:solidFill>
+                        <a:schemeClr val="tx1"/>
+                      </a:solidFill>
+                      <a:prstDash val="solid"/>
+                      <a:round/>
+                      <a:headEnd type="none" w="med" len="med"/>
+                      <a:tailEnd type="none" w="med" len="med"/>
+                    </a:lnB>
+                    <a:solidFill>
+                      <a:schemeClr val="bg1"/>
+                    </a:solidFill>
+                  </a:tcPr>
+                </a:tc>
+                <a:tc>
+                  <a:txBody>
+                    <a:bodyPr/>
+                    <a:lstStyle/>
+                    <a:p>
+                      <a:pPr algn="ctr" latinLnBrk="1"/>
+                      <a:r>
+                        <a:rPr lang="en-US" altLang="ko-KR" sz="1000">
+                          <a:solidFill>
+                            <a:schemeClr val="tx1"/>
+                          </a:solidFill>
+                        </a:rPr>
+                        <a:t>o</a:t>
+                      </a:r>
+                      <a:endParaRPr lang="ko-KR" altLang="en-US" sz="1000">
+                        <a:solidFill>
+                          <a:schemeClr val="tx1"/>
+                        </a:solidFill>
+                      </a:endParaRPr>
+                    </a:p>
+                  </a:txBody>
+                  <a:tcPr marL="83670" marR="83670" marT="41835" marB="41835" anchor="ctr">
+                    <a:lnL w="12700" cap="flat" cmpd="sng" algn="ctr">
+                      <a:solidFill>
+                        <a:schemeClr val="tx1"/>
+                      </a:solidFill>
+                      <a:prstDash val="solid"/>
+                      <a:round/>
+                      <a:headEnd type="none" w="med" len="med"/>
+                      <a:tailEnd type="none" w="med" len="med"/>
+                    </a:lnL>
+                    <a:lnR w="38100" cap="flat" cmpd="sng" algn="ctr">
+                      <a:solidFill>
+                        <a:schemeClr val="tx1"/>
+                      </a:solidFill>
+                      <a:prstDash val="solid"/>
+                      <a:round/>
+                      <a:headEnd type="none" w="med" len="med"/>
+                      <a:tailEnd type="none" w="med" len="med"/>
+                    </a:lnR>
+                    <a:lnT w="12700" cap="flat" cmpd="sng" algn="ctr">
+                      <a:solidFill>
+                        <a:schemeClr val="tx1"/>
+                      </a:solidFill>
+                      <a:prstDash val="solid"/>
+                      <a:round/>
+                      <a:headEnd type="none" w="med" len="med"/>
+                      <a:tailEnd type="none" w="med" len="med"/>
+                    </a:lnT>
+                    <a:lnB w="12700" cap="flat" cmpd="sng" algn="ctr">
+                      <a:solidFill>
+                        <a:schemeClr val="tx1"/>
+                      </a:solidFill>
+                      <a:prstDash val="solid"/>
+                      <a:round/>
+                      <a:headEnd type="none" w="med" len="med"/>
+                      <a:tailEnd type="none" w="med" len="med"/>
+                    </a:lnB>
+                    <a:solidFill>
+                      <a:schemeClr val="bg1"/>
+                    </a:solidFill>
+                  </a:tcPr>
+                </a:tc>
+                <a:extLst>
+                  <a:ext uri="{0D108BD9-81ED-4DB2-BD59-A6C34878D82A}">
+                    <a16:rowId xmlns:a16="http://schemas.microsoft.com/office/drawing/2014/main" val="2525036264"/>
+                  </a:ext>
+                </a:extLst>
+              </a:tr>
+              <a:tr h="258889">
+                <a:tc>
+                  <a:txBody>
+                    <a:bodyPr/>
+                    <a:lstStyle/>
+                    <a:p>
+                      <a:pPr algn="ctr" latinLnBrk="1"/>
+                      <a:r>
+                        <a:rPr lang="en-US" altLang="ko-KR" sz="1000">
+                          <a:solidFill>
+                            <a:schemeClr val="tx1"/>
+                          </a:solidFill>
+                        </a:rPr>
+                        <a:t>maddr-param</a:t>
+                      </a:r>
+                      <a:endParaRPr lang="ko-KR" altLang="en-US" sz="1000">
+                        <a:solidFill>
+                          <a:schemeClr val="tx1"/>
+                        </a:solidFill>
+                      </a:endParaRPr>
+                    </a:p>
+                  </a:txBody>
+                  <a:tcPr marL="83670" marR="83670" marT="41835" marB="41835" anchor="ctr">
+                    <a:lnL w="38100" cap="flat" cmpd="sng" algn="ctr">
+                      <a:solidFill>
+                        <a:schemeClr val="tx1"/>
+                      </a:solidFill>
+                      <a:prstDash val="solid"/>
+                      <a:round/>
+                      <a:headEnd type="none" w="med" len="med"/>
+                      <a:tailEnd type="none" w="med" len="med"/>
+                    </a:lnL>
+                    <a:lnR w="12700" cap="flat" cmpd="sng" algn="ctr">
+                      <a:solidFill>
+                        <a:schemeClr val="tx1"/>
+                      </a:solidFill>
+                      <a:prstDash val="solid"/>
+                      <a:round/>
+                      <a:headEnd type="none" w="med" len="med"/>
+                      <a:tailEnd type="none" w="med" len="med"/>
+                    </a:lnR>
+                    <a:lnT w="12700" cap="flat" cmpd="sng" algn="ctr">
+                      <a:solidFill>
+                        <a:schemeClr val="tx1"/>
+                      </a:solidFill>
+                      <a:prstDash val="solid"/>
+                      <a:round/>
+                      <a:headEnd type="none" w="med" len="med"/>
+                      <a:tailEnd type="none" w="med" len="med"/>
+                    </a:lnT>
+                    <a:lnB w="12700" cap="flat" cmpd="sng" algn="ctr">
+                      <a:solidFill>
+                        <a:schemeClr val="tx1"/>
+                      </a:solidFill>
+                      <a:prstDash val="solid"/>
+                      <a:round/>
+                      <a:headEnd type="none" w="med" len="med"/>
+                      <a:tailEnd type="none" w="med" len="med"/>
+                    </a:lnB>
+                    <a:solidFill>
+                      <a:schemeClr val="bg1">
+                        <a:lumMod val="95000"/>
+                      </a:schemeClr>
+                    </a:solidFill>
+                  </a:tcPr>
+                </a:tc>
+                <a:tc>
+                  <a:txBody>
+                    <a:bodyPr/>
+                    <a:lstStyle/>
+                    <a:p>
+                      <a:pPr algn="ctr" latinLnBrk="1"/>
+                      <a:r>
+                        <a:rPr lang="en-US" altLang="ko-KR" sz="1000">
+                          <a:solidFill>
+                            <a:schemeClr val="tx1"/>
+                          </a:solidFill>
+                        </a:rPr>
+                        <a:t>-</a:t>
+                      </a:r>
+                      <a:endParaRPr lang="ko-KR" altLang="en-US" sz="1000">
+                        <a:solidFill>
+                          <a:schemeClr val="tx1"/>
+                        </a:solidFill>
+                      </a:endParaRPr>
+                    </a:p>
+                  </a:txBody>
+                  <a:tcPr marL="83670" marR="83670" marT="41835" marB="41835" anchor="ctr">
+                    <a:lnL w="12700" cap="flat" cmpd="sng" algn="ctr">
+                      <a:solidFill>
+                        <a:schemeClr val="tx1"/>
+                      </a:solidFill>
+                      <a:prstDash val="solid"/>
+                      <a:round/>
+                      <a:headEnd type="none" w="med" len="med"/>
+                      <a:tailEnd type="none" w="med" len="med"/>
+                    </a:lnL>
+                    <a:lnR w="12700" cap="flat" cmpd="sng" algn="ctr">
+                      <a:solidFill>
+                        <a:schemeClr val="tx1"/>
+                      </a:solidFill>
+                      <a:prstDash val="solid"/>
+                      <a:round/>
+                      <a:headEnd type="none" w="med" len="med"/>
+                      <a:tailEnd type="none" w="med" len="med"/>
+                    </a:lnR>
+                    <a:lnT w="12700" cap="flat" cmpd="sng" algn="ctr">
+                      <a:solidFill>
+                        <a:schemeClr val="tx1"/>
+                      </a:solidFill>
+                      <a:prstDash val="solid"/>
+                      <a:round/>
+                      <a:headEnd type="none" w="med" len="med"/>
+                      <a:tailEnd type="none" w="med" len="med"/>
+                    </a:lnT>
+                    <a:lnB w="12700" cap="flat" cmpd="sng" algn="ctr">
+                      <a:solidFill>
+                        <a:schemeClr val="tx1"/>
+                      </a:solidFill>
+                      <a:prstDash val="solid"/>
+                      <a:round/>
+                      <a:headEnd type="none" w="med" len="med"/>
+                      <a:tailEnd type="none" w="med" len="med"/>
+                    </a:lnB>
+                    <a:solidFill>
+                      <a:schemeClr val="bg1"/>
+                    </a:solidFill>
+                  </a:tcPr>
+                </a:tc>
+                <a:tc>
+                  <a:txBody>
+                    <a:bodyPr/>
+                    <a:lstStyle/>
+                    <a:p>
+                      <a:pPr algn="ctr" latinLnBrk="1"/>
+                      <a:r>
+                        <a:rPr lang="en-US" altLang="ko-KR" sz="1000">
+                          <a:solidFill>
+                            <a:schemeClr val="tx1"/>
+                          </a:solidFill>
+                        </a:rPr>
+                        <a:t>o</a:t>
+                      </a:r>
+                      <a:endParaRPr lang="ko-KR" altLang="en-US" sz="1000">
+                        <a:solidFill>
+                          <a:schemeClr val="tx1"/>
+                        </a:solidFill>
+                      </a:endParaRPr>
+                    </a:p>
+                  </a:txBody>
+                  <a:tcPr marL="83670" marR="83670" marT="41835" marB="41835" anchor="ctr">
+                    <a:lnL w="12700" cap="flat" cmpd="sng" algn="ctr">
+                      <a:solidFill>
+                        <a:schemeClr val="tx1"/>
+                      </a:solidFill>
+                      <a:prstDash val="solid"/>
+                      <a:round/>
+                      <a:headEnd type="none" w="med" len="med"/>
+                      <a:tailEnd type="none" w="med" len="med"/>
+                    </a:lnL>
+                    <a:lnR w="12700" cap="flat" cmpd="sng" algn="ctr">
+                      <a:solidFill>
+                        <a:schemeClr val="tx1"/>
+                      </a:solidFill>
+                      <a:prstDash val="solid"/>
+                      <a:round/>
+                      <a:headEnd type="none" w="med" len="med"/>
+                      <a:tailEnd type="none" w="med" len="med"/>
+                    </a:lnR>
+                    <a:lnT w="12700" cap="flat" cmpd="sng" algn="ctr">
+                      <a:solidFill>
+                        <a:schemeClr val="tx1"/>
+                      </a:solidFill>
+                      <a:prstDash val="solid"/>
+                      <a:round/>
+                      <a:headEnd type="none" w="med" len="med"/>
+                      <a:tailEnd type="none" w="med" len="med"/>
+                    </a:lnT>
+                    <a:lnB w="12700" cap="flat" cmpd="sng" algn="ctr">
+                      <a:solidFill>
+                        <a:schemeClr val="tx1"/>
+                      </a:solidFill>
+                      <a:prstDash val="solid"/>
+                      <a:round/>
+                      <a:headEnd type="none" w="med" len="med"/>
+                      <a:tailEnd type="none" w="med" len="med"/>
+                    </a:lnB>
+                    <a:solidFill>
+                      <a:schemeClr val="bg1"/>
+                    </a:solidFill>
+                  </a:tcPr>
+                </a:tc>
+                <a:tc>
+                  <a:txBody>
+                    <a:bodyPr/>
+                    <a:lstStyle/>
+                    <a:p>
+                      <a:pPr algn="ctr" latinLnBrk="1"/>
+                      <a:r>
+                        <a:rPr lang="en-US" altLang="ko-KR" sz="1000">
+                          <a:solidFill>
+                            <a:schemeClr val="tx1"/>
+                          </a:solidFill>
+                        </a:rPr>
+                        <a:t>-</a:t>
+                      </a:r>
+                      <a:endParaRPr lang="ko-KR" altLang="en-US" sz="1000">
+                        <a:solidFill>
+                          <a:schemeClr val="tx1"/>
+                        </a:solidFill>
+                      </a:endParaRPr>
+                    </a:p>
+                  </a:txBody>
+                  <a:tcPr marL="83670" marR="83670" marT="41835" marB="41835" anchor="ctr">
+                    <a:lnL w="12700" cap="flat" cmpd="sng" algn="ctr">
+                      <a:solidFill>
+                        <a:schemeClr val="tx1"/>
+                      </a:solidFill>
+                      <a:prstDash val="solid"/>
+                      <a:round/>
+                      <a:headEnd type="none" w="med" len="med"/>
+                      <a:tailEnd type="none" w="med" len="med"/>
+                    </a:lnL>
+                    <a:lnR w="12700" cap="flat" cmpd="sng" algn="ctr">
+                      <a:solidFill>
+                        <a:schemeClr val="tx1"/>
+                      </a:solidFill>
+                      <a:prstDash val="solid"/>
+                      <a:round/>
+                      <a:headEnd type="none" w="med" len="med"/>
+                      <a:tailEnd type="none" w="med" len="med"/>
+                    </a:lnR>
+                    <a:lnT w="12700" cap="flat" cmpd="sng" algn="ctr">
+                      <a:solidFill>
+                        <a:schemeClr val="tx1"/>
+                      </a:solidFill>
+                      <a:prstDash val="solid"/>
+                      <a:round/>
+                      <a:headEnd type="none" w="med" len="med"/>
+                      <a:tailEnd type="none" w="med" len="med"/>
+                    </a:lnT>
+                    <a:lnB w="12700" cap="flat" cmpd="sng" algn="ctr">
+                      <a:solidFill>
+                        <a:schemeClr val="tx1"/>
+                      </a:solidFill>
+                      <a:prstDash val="solid"/>
+                      <a:round/>
+                      <a:headEnd type="none" w="med" len="med"/>
+                      <a:tailEnd type="none" w="med" len="med"/>
+                    </a:lnB>
+                    <a:solidFill>
+                      <a:schemeClr val="bg1"/>
+                    </a:solidFill>
+                  </a:tcPr>
+                </a:tc>
+                <a:tc>
+                  <a:txBody>
+                    <a:bodyPr/>
+                    <a:lstStyle/>
+                    <a:p>
+                      <a:pPr algn="ctr" latinLnBrk="1"/>
+                      <a:r>
+                        <a:rPr lang="en-US" altLang="ko-KR" sz="1000">
+                          <a:solidFill>
+                            <a:schemeClr val="tx1"/>
+                          </a:solidFill>
+                        </a:rPr>
+                        <a:t>-</a:t>
+                      </a:r>
+                      <a:endParaRPr lang="ko-KR" altLang="en-US" sz="1000">
+                        <a:solidFill>
+                          <a:schemeClr val="tx1"/>
+                        </a:solidFill>
+                      </a:endParaRPr>
+                    </a:p>
+                  </a:txBody>
+                  <a:tcPr marL="83670" marR="83670" marT="41835" marB="41835" anchor="ctr">
+                    <a:lnL w="12700" cap="flat" cmpd="sng" algn="ctr">
+                      <a:solidFill>
+                        <a:schemeClr val="tx1"/>
+                      </a:solidFill>
+                      <a:prstDash val="solid"/>
+                      <a:round/>
+                      <a:headEnd type="none" w="med" len="med"/>
+                      <a:tailEnd type="none" w="med" len="med"/>
+                    </a:lnL>
+                    <a:lnR w="12700" cap="flat" cmpd="sng" algn="ctr">
+                      <a:solidFill>
+                        <a:schemeClr val="tx1"/>
+                      </a:solidFill>
+                      <a:prstDash val="solid"/>
+                      <a:round/>
+                      <a:headEnd type="none" w="med" len="med"/>
+                      <a:tailEnd type="none" w="med" len="med"/>
+                    </a:lnR>
+                    <a:lnT w="12700" cap="flat" cmpd="sng" algn="ctr">
+                      <a:solidFill>
+                        <a:schemeClr val="tx1"/>
+                      </a:solidFill>
+                      <a:prstDash val="solid"/>
+                      <a:round/>
+                      <a:headEnd type="none" w="med" len="med"/>
+                      <a:tailEnd type="none" w="med" len="med"/>
+                    </a:lnT>
+                    <a:lnB w="12700" cap="flat" cmpd="sng" algn="ctr">
+                      <a:solidFill>
+                        <a:schemeClr val="tx1"/>
+                      </a:solidFill>
+                      <a:prstDash val="solid"/>
+                      <a:round/>
+                      <a:headEnd type="none" w="med" len="med"/>
+                      <a:tailEnd type="none" w="med" len="med"/>
+                    </a:lnB>
+                    <a:solidFill>
+                      <a:schemeClr val="bg1"/>
+                    </a:solidFill>
+                  </a:tcPr>
+                </a:tc>
+                <a:tc>
+                  <a:txBody>
+                    <a:bodyPr/>
+                    <a:lstStyle/>
+                    <a:p>
+                      <a:pPr algn="ctr" latinLnBrk="1"/>
+                      <a:r>
+                        <a:rPr lang="en-US" altLang="ko-KR" sz="1000">
+                          <a:solidFill>
+                            <a:schemeClr val="tx1"/>
+                          </a:solidFill>
+                        </a:rPr>
+                        <a:t>o</a:t>
+                      </a:r>
+                      <a:endParaRPr lang="ko-KR" altLang="en-US" sz="1000">
+                        <a:solidFill>
+                          <a:schemeClr val="tx1"/>
+                        </a:solidFill>
+                      </a:endParaRPr>
+                    </a:p>
+                  </a:txBody>
+                  <a:tcPr marL="83670" marR="83670" marT="41835" marB="41835" anchor="ctr">
+                    <a:lnL w="12700" cap="flat" cmpd="sng" algn="ctr">
+                      <a:solidFill>
+                        <a:schemeClr val="tx1"/>
+                      </a:solidFill>
+                      <a:prstDash val="solid"/>
+                      <a:round/>
+                      <a:headEnd type="none" w="med" len="med"/>
+                      <a:tailEnd type="none" w="med" len="med"/>
+                    </a:lnL>
+                    <a:lnR w="12700" cap="flat" cmpd="sng" algn="ctr">
+                      <a:solidFill>
+                        <a:schemeClr val="tx1"/>
+                      </a:solidFill>
+                      <a:prstDash val="solid"/>
+                      <a:round/>
+                      <a:headEnd type="none" w="med" len="med"/>
+                      <a:tailEnd type="none" w="med" len="med"/>
+                    </a:lnR>
+                    <a:lnT w="12700" cap="flat" cmpd="sng" algn="ctr">
+                      <a:solidFill>
+                        <a:schemeClr val="tx1"/>
+                      </a:solidFill>
+                      <a:prstDash val="solid"/>
+                      <a:round/>
+                      <a:headEnd type="none" w="med" len="med"/>
+                      <a:tailEnd type="none" w="med" len="med"/>
+                    </a:lnT>
+                    <a:lnB w="12700" cap="flat" cmpd="sng" algn="ctr">
+                      <a:solidFill>
+                        <a:schemeClr val="tx1"/>
+                      </a:solidFill>
+                      <a:prstDash val="solid"/>
+                      <a:round/>
+                      <a:headEnd type="none" w="med" len="med"/>
+                      <a:tailEnd type="none" w="med" len="med"/>
+                    </a:lnB>
+                    <a:solidFill>
+                      <a:schemeClr val="bg1"/>
+                    </a:solidFill>
+                  </a:tcPr>
+                </a:tc>
+                <a:tc>
+                  <a:txBody>
+                    <a:bodyPr/>
+                    <a:lstStyle/>
+                    <a:p>
+                      <a:pPr algn="ctr" latinLnBrk="1"/>
+                      <a:r>
+                        <a:rPr lang="en-US" altLang="ko-KR" sz="1000">
+                          <a:solidFill>
+                            <a:schemeClr val="tx1"/>
+                          </a:solidFill>
+                        </a:rPr>
+                        <a:t>o</a:t>
+                      </a:r>
+                      <a:endParaRPr lang="ko-KR" altLang="en-US" sz="1000">
+                        <a:solidFill>
+                          <a:schemeClr val="tx1"/>
+                        </a:solidFill>
+                      </a:endParaRPr>
+                    </a:p>
+                  </a:txBody>
+                  <a:tcPr marL="83670" marR="83670" marT="41835" marB="41835" anchor="ctr">
+                    <a:lnL w="12700" cap="flat" cmpd="sng" algn="ctr">
+                      <a:solidFill>
+                        <a:schemeClr val="tx1"/>
+                      </a:solidFill>
+                      <a:prstDash val="solid"/>
+                      <a:round/>
+                      <a:headEnd type="none" w="med" len="med"/>
+                      <a:tailEnd type="none" w="med" len="med"/>
+                    </a:lnL>
+                    <a:lnR w="12700" cap="flat" cmpd="sng" algn="ctr">
+                      <a:solidFill>
+                        <a:schemeClr val="tx1"/>
+                      </a:solidFill>
+                      <a:prstDash val="solid"/>
+                      <a:round/>
+                      <a:headEnd type="none" w="med" len="med"/>
+                      <a:tailEnd type="none" w="med" len="med"/>
+                    </a:lnR>
+                    <a:lnT w="12700" cap="flat" cmpd="sng" algn="ctr">
+                      <a:solidFill>
+                        <a:schemeClr val="tx1"/>
+                      </a:solidFill>
+                      <a:prstDash val="solid"/>
+                      <a:round/>
+                      <a:headEnd type="none" w="med" len="med"/>
+                      <a:tailEnd type="none" w="med" len="med"/>
+                    </a:lnT>
+                    <a:lnB w="12700" cap="flat" cmpd="sng" algn="ctr">
+                      <a:solidFill>
+                        <a:schemeClr val="tx1"/>
+                      </a:solidFill>
+                      <a:prstDash val="solid"/>
+                      <a:round/>
+                      <a:headEnd type="none" w="med" len="med"/>
+                      <a:tailEnd type="none" w="med" len="med"/>
+                    </a:lnB>
+                    <a:solidFill>
+                      <a:schemeClr val="bg1"/>
+                    </a:solidFill>
+                  </a:tcPr>
+                </a:tc>
+                <a:tc>
+                  <a:txBody>
+                    <a:bodyPr/>
+                    <a:lstStyle/>
+                    <a:p>
+                      <a:pPr algn="ctr" latinLnBrk="1"/>
+                      <a:r>
+                        <a:rPr lang="en-US" altLang="ko-KR" sz="1000">
+                          <a:solidFill>
+                            <a:schemeClr val="tx1"/>
+                          </a:solidFill>
+                        </a:rPr>
+                        <a:t>o</a:t>
+                      </a:r>
+                      <a:endParaRPr lang="ko-KR" altLang="en-US" sz="1000">
+                        <a:solidFill>
+                          <a:schemeClr val="tx1"/>
+                        </a:solidFill>
+                      </a:endParaRPr>
+                    </a:p>
+                  </a:txBody>
+                  <a:tcPr marL="83670" marR="83670" marT="41835" marB="41835" anchor="ctr">
+                    <a:lnL w="12700" cap="flat" cmpd="sng" algn="ctr">
+                      <a:solidFill>
+                        <a:schemeClr val="tx1"/>
+                      </a:solidFill>
+                      <a:prstDash val="solid"/>
+                      <a:round/>
+                      <a:headEnd type="none" w="med" len="med"/>
+                      <a:tailEnd type="none" w="med" len="med"/>
+                    </a:lnL>
+                    <a:lnR w="38100" cap="flat" cmpd="sng" algn="ctr">
+                      <a:solidFill>
+                        <a:schemeClr val="tx1"/>
+                      </a:solidFill>
+                      <a:prstDash val="solid"/>
+                      <a:round/>
+                      <a:headEnd type="none" w="med" len="med"/>
+                      <a:tailEnd type="none" w="med" len="med"/>
+                    </a:lnR>
+                    <a:lnT w="12700" cap="flat" cmpd="sng" algn="ctr">
+                      <a:solidFill>
+                        <a:schemeClr val="tx1"/>
+                      </a:solidFill>
+                      <a:prstDash val="solid"/>
+                      <a:round/>
+                      <a:headEnd type="none" w="med" len="med"/>
+                      <a:tailEnd type="none" w="med" len="med"/>
+                    </a:lnT>
+                    <a:lnB w="12700" cap="flat" cmpd="sng" algn="ctr">
+                      <a:solidFill>
+                        <a:schemeClr val="tx1"/>
+                      </a:solidFill>
+                      <a:prstDash val="solid"/>
+                      <a:round/>
+                      <a:headEnd type="none" w="med" len="med"/>
+                      <a:tailEnd type="none" w="med" len="med"/>
+                    </a:lnB>
+                    <a:solidFill>
+                      <a:schemeClr val="bg1"/>
+                    </a:solidFill>
+                  </a:tcPr>
+                </a:tc>
+                <a:extLst>
+                  <a:ext uri="{0D108BD9-81ED-4DB2-BD59-A6C34878D82A}">
+                    <a16:rowId xmlns:a16="http://schemas.microsoft.com/office/drawing/2014/main" val="40786255"/>
+                  </a:ext>
+                </a:extLst>
+              </a:tr>
+              <a:tr h="258889">
+                <a:tc>
+                  <a:txBody>
+                    <a:bodyPr/>
+                    <a:lstStyle/>
+                    <a:p>
+                      <a:pPr algn="ctr" latinLnBrk="1"/>
+                      <a:r>
+                        <a:rPr lang="en-US" altLang="ko-KR" sz="1000">
+                          <a:solidFill>
+                            <a:schemeClr val="tx1"/>
+                          </a:solidFill>
+                        </a:rPr>
+                        <a:t>ttl-param</a:t>
+                      </a:r>
+                      <a:endParaRPr lang="ko-KR" altLang="en-US" sz="1000">
+                        <a:solidFill>
+                          <a:schemeClr val="tx1"/>
+                        </a:solidFill>
+                      </a:endParaRPr>
+                    </a:p>
+                  </a:txBody>
+                  <a:tcPr marL="83670" marR="83670" marT="41835" marB="41835" anchor="ctr">
+                    <a:lnL w="38100" cap="flat" cmpd="sng" algn="ctr">
+                      <a:solidFill>
+                        <a:schemeClr val="tx1"/>
+                      </a:solidFill>
+                      <a:prstDash val="solid"/>
+                      <a:round/>
+                      <a:headEnd type="none" w="med" len="med"/>
+                      <a:tailEnd type="none" w="med" len="med"/>
+                    </a:lnL>
+                    <a:lnR w="12700" cap="flat" cmpd="sng" algn="ctr">
+                      <a:solidFill>
+                        <a:schemeClr val="tx1"/>
+                      </a:solidFill>
+                      <a:prstDash val="solid"/>
+                      <a:round/>
+                      <a:headEnd type="none" w="med" len="med"/>
+                      <a:tailEnd type="none" w="med" len="med"/>
+                    </a:lnR>
+                    <a:lnT w="12700" cap="flat" cmpd="sng" algn="ctr">
+                      <a:solidFill>
+                        <a:schemeClr val="tx1"/>
+                      </a:solidFill>
+                      <a:prstDash val="solid"/>
+                      <a:round/>
+                      <a:headEnd type="none" w="med" len="med"/>
+                      <a:tailEnd type="none" w="med" len="med"/>
+                    </a:lnT>
+                    <a:lnB w="12700" cap="flat" cmpd="sng" algn="ctr">
+                      <a:solidFill>
+                        <a:schemeClr val="tx1"/>
+                      </a:solidFill>
+                      <a:prstDash val="solid"/>
+                      <a:round/>
+                      <a:headEnd type="none" w="med" len="med"/>
+                      <a:tailEnd type="none" w="med" len="med"/>
+                    </a:lnB>
+                    <a:solidFill>
+                      <a:schemeClr val="bg1">
+                        <a:lumMod val="95000"/>
+                      </a:schemeClr>
+                    </a:solidFill>
+                  </a:tcPr>
+                </a:tc>
+                <a:tc>
+                  <a:txBody>
+                    <a:bodyPr/>
+                    <a:lstStyle/>
+                    <a:p>
+                      <a:pPr algn="ctr" latinLnBrk="1"/>
+                      <a:r>
+                        <a:rPr lang="en-US" altLang="ko-KR" sz="1000">
+                          <a:solidFill>
+                            <a:schemeClr val="tx1"/>
+                          </a:solidFill>
+                        </a:rPr>
+                        <a:t>1</a:t>
+                      </a:r>
+                      <a:endParaRPr lang="ko-KR" altLang="en-US" sz="1000">
+                        <a:solidFill>
+                          <a:schemeClr val="tx1"/>
+                        </a:solidFill>
+                      </a:endParaRPr>
+                    </a:p>
+                  </a:txBody>
+                  <a:tcPr marL="83670" marR="83670" marT="41835" marB="41835" anchor="ctr">
+                    <a:lnL w="12700" cap="flat" cmpd="sng" algn="ctr">
+                      <a:solidFill>
+                        <a:schemeClr val="tx1"/>
+                      </a:solidFill>
+                      <a:prstDash val="solid"/>
+                      <a:round/>
+                      <a:headEnd type="none" w="med" len="med"/>
+                      <a:tailEnd type="none" w="med" len="med"/>
+                    </a:lnL>
+                    <a:lnR w="12700" cap="flat" cmpd="sng" algn="ctr">
+                      <a:solidFill>
+                        <a:schemeClr val="tx1"/>
+                      </a:solidFill>
+                      <a:prstDash val="solid"/>
+                      <a:round/>
+                      <a:headEnd type="none" w="med" len="med"/>
+                      <a:tailEnd type="none" w="med" len="med"/>
+                    </a:lnR>
+                    <a:lnT w="12700" cap="flat" cmpd="sng" algn="ctr">
+                      <a:solidFill>
+                        <a:schemeClr val="tx1"/>
+                      </a:solidFill>
+                      <a:prstDash val="solid"/>
+                      <a:round/>
+                      <a:headEnd type="none" w="med" len="med"/>
+                      <a:tailEnd type="none" w="med" len="med"/>
+                    </a:lnT>
+                    <a:lnB w="12700" cap="flat" cmpd="sng" algn="ctr">
+                      <a:solidFill>
+                        <a:schemeClr val="tx1"/>
+                      </a:solidFill>
+                      <a:prstDash val="solid"/>
+                      <a:round/>
+                      <a:headEnd type="none" w="med" len="med"/>
+                      <a:tailEnd type="none" w="med" len="med"/>
+                    </a:lnB>
+                    <a:solidFill>
+                      <a:schemeClr val="bg1"/>
+                    </a:solidFill>
+                  </a:tcPr>
+                </a:tc>
+                <a:tc>
+                  <a:txBody>
+                    <a:bodyPr/>
+                    <a:lstStyle/>
+                    <a:p>
+                      <a:pPr algn="ctr" latinLnBrk="1"/>
+                      <a:r>
+                        <a:rPr lang="en-US" altLang="ko-KR" sz="1000">
+                          <a:solidFill>
+                            <a:schemeClr val="tx1"/>
+                          </a:solidFill>
+                        </a:rPr>
+                        <a:t>o</a:t>
+                      </a:r>
+                      <a:endParaRPr lang="ko-KR" altLang="en-US" sz="1000">
+                        <a:solidFill>
+                          <a:schemeClr val="tx1"/>
+                        </a:solidFill>
+                      </a:endParaRPr>
+                    </a:p>
+                  </a:txBody>
+                  <a:tcPr marL="83670" marR="83670" marT="41835" marB="41835" anchor="ctr">
+                    <a:lnL w="12700" cap="flat" cmpd="sng" algn="ctr">
+                      <a:solidFill>
+                        <a:schemeClr val="tx1"/>
+                      </a:solidFill>
+                      <a:prstDash val="solid"/>
+                      <a:round/>
+                      <a:headEnd type="none" w="med" len="med"/>
+                      <a:tailEnd type="none" w="med" len="med"/>
+                    </a:lnL>
+                    <a:lnR w="12700" cap="flat" cmpd="sng" algn="ctr">
+                      <a:solidFill>
+                        <a:schemeClr val="tx1"/>
+                      </a:solidFill>
+                      <a:prstDash val="solid"/>
+                      <a:round/>
+                      <a:headEnd type="none" w="med" len="med"/>
+                      <a:tailEnd type="none" w="med" len="med"/>
+                    </a:lnR>
+                    <a:lnT w="12700" cap="flat" cmpd="sng" algn="ctr">
+                      <a:solidFill>
+                        <a:schemeClr val="tx1"/>
+                      </a:solidFill>
+                      <a:prstDash val="solid"/>
+                      <a:round/>
+                      <a:headEnd type="none" w="med" len="med"/>
+                      <a:tailEnd type="none" w="med" len="med"/>
+                    </a:lnT>
+                    <a:lnB w="12700" cap="flat" cmpd="sng" algn="ctr">
+                      <a:solidFill>
+                        <a:schemeClr val="tx1"/>
+                      </a:solidFill>
+                      <a:prstDash val="solid"/>
+                      <a:round/>
+                      <a:headEnd type="none" w="med" len="med"/>
+                      <a:tailEnd type="none" w="med" len="med"/>
+                    </a:lnB>
+                    <a:solidFill>
+                      <a:schemeClr val="bg1"/>
+                    </a:solidFill>
+                  </a:tcPr>
+                </a:tc>
+                <a:tc>
+                  <a:txBody>
+                    <a:bodyPr/>
+                    <a:lstStyle/>
+                    <a:p>
+                      <a:pPr algn="ctr" latinLnBrk="1"/>
+                      <a:r>
+                        <a:rPr lang="en-US" altLang="ko-KR" sz="1000">
+                          <a:solidFill>
+                            <a:schemeClr val="tx1"/>
+                          </a:solidFill>
+                        </a:rPr>
+                        <a:t>-</a:t>
+                      </a:r>
+                      <a:endParaRPr lang="ko-KR" altLang="en-US" sz="1000">
+                        <a:solidFill>
+                          <a:schemeClr val="tx1"/>
+                        </a:solidFill>
+                      </a:endParaRPr>
+                    </a:p>
+                  </a:txBody>
+                  <a:tcPr marL="83670" marR="83670" marT="41835" marB="41835" anchor="ctr">
+                    <a:lnL w="12700" cap="flat" cmpd="sng" algn="ctr">
+                      <a:solidFill>
+                        <a:schemeClr val="tx1"/>
+                      </a:solidFill>
+                      <a:prstDash val="solid"/>
+                      <a:round/>
+                      <a:headEnd type="none" w="med" len="med"/>
+                      <a:tailEnd type="none" w="med" len="med"/>
+                    </a:lnL>
+                    <a:lnR w="12700" cap="flat" cmpd="sng" algn="ctr">
+                      <a:solidFill>
+                        <a:schemeClr val="tx1"/>
+                      </a:solidFill>
+                      <a:prstDash val="solid"/>
+                      <a:round/>
+                      <a:headEnd type="none" w="med" len="med"/>
+                      <a:tailEnd type="none" w="med" len="med"/>
+                    </a:lnR>
+                    <a:lnT w="12700" cap="flat" cmpd="sng" algn="ctr">
+                      <a:solidFill>
+                        <a:schemeClr val="tx1"/>
+                      </a:solidFill>
+                      <a:prstDash val="solid"/>
+                      <a:round/>
+                      <a:headEnd type="none" w="med" len="med"/>
+                      <a:tailEnd type="none" w="med" len="med"/>
+                    </a:lnT>
+                    <a:lnB w="12700" cap="flat" cmpd="sng" algn="ctr">
+                      <a:solidFill>
+                        <a:schemeClr val="tx1"/>
+                      </a:solidFill>
+                      <a:prstDash val="solid"/>
+                      <a:round/>
+                      <a:headEnd type="none" w="med" len="med"/>
+                      <a:tailEnd type="none" w="med" len="med"/>
+                    </a:lnB>
+                    <a:solidFill>
+                      <a:schemeClr val="bg1"/>
+                    </a:solidFill>
+                  </a:tcPr>
+                </a:tc>
+                <a:tc>
+                  <a:txBody>
+                    <a:bodyPr/>
+                    <a:lstStyle/>
+                    <a:p>
+                      <a:pPr algn="ctr" latinLnBrk="1"/>
+                      <a:r>
+                        <a:rPr lang="en-US" altLang="ko-KR" sz="1000">
+                          <a:solidFill>
+                            <a:schemeClr val="tx1"/>
+                          </a:solidFill>
+                        </a:rPr>
+                        <a:t>-</a:t>
+                      </a:r>
+                      <a:endParaRPr lang="ko-KR" altLang="en-US" sz="1000">
+                        <a:solidFill>
+                          <a:schemeClr val="tx1"/>
+                        </a:solidFill>
+                      </a:endParaRPr>
+                    </a:p>
+                  </a:txBody>
+                  <a:tcPr marL="83670" marR="83670" marT="41835" marB="41835" anchor="ctr">
+                    <a:lnL w="12700" cap="flat" cmpd="sng" algn="ctr">
+                      <a:solidFill>
+                        <a:schemeClr val="tx1"/>
+                      </a:solidFill>
+                      <a:prstDash val="solid"/>
+                      <a:round/>
+                      <a:headEnd type="none" w="med" len="med"/>
+                      <a:tailEnd type="none" w="med" len="med"/>
+                    </a:lnL>
+                    <a:lnR w="12700" cap="flat" cmpd="sng" algn="ctr">
+                      <a:solidFill>
+                        <a:schemeClr val="tx1"/>
+                      </a:solidFill>
+                      <a:prstDash val="solid"/>
+                      <a:round/>
+                      <a:headEnd type="none" w="med" len="med"/>
+                      <a:tailEnd type="none" w="med" len="med"/>
+                    </a:lnR>
+                    <a:lnT w="12700" cap="flat" cmpd="sng" algn="ctr">
+                      <a:solidFill>
+                        <a:schemeClr val="tx1"/>
+                      </a:solidFill>
+                      <a:prstDash val="solid"/>
+                      <a:round/>
+                      <a:headEnd type="none" w="med" len="med"/>
+                      <a:tailEnd type="none" w="med" len="med"/>
+                    </a:lnT>
+                    <a:lnB w="12700" cap="flat" cmpd="sng" algn="ctr">
+                      <a:solidFill>
+                        <a:schemeClr val="tx1"/>
+                      </a:solidFill>
+                      <a:prstDash val="solid"/>
+                      <a:round/>
+                      <a:headEnd type="none" w="med" len="med"/>
+                      <a:tailEnd type="none" w="med" len="med"/>
+                    </a:lnB>
+                    <a:solidFill>
+                      <a:schemeClr val="bg1"/>
+                    </a:solidFill>
+                  </a:tcPr>
+                </a:tc>
+                <a:tc>
+                  <a:txBody>
+                    <a:bodyPr/>
+                    <a:lstStyle/>
+                    <a:p>
+                      <a:pPr algn="ctr" latinLnBrk="1"/>
+                      <a:r>
+                        <a:rPr lang="en-US" altLang="ko-KR" sz="1000">
+                          <a:solidFill>
+                            <a:schemeClr val="tx1"/>
+                          </a:solidFill>
+                        </a:rPr>
+                        <a:t>o</a:t>
+                      </a:r>
+                      <a:endParaRPr lang="ko-KR" altLang="en-US" sz="1000">
+                        <a:solidFill>
+                          <a:schemeClr val="tx1"/>
+                        </a:solidFill>
+                      </a:endParaRPr>
+                    </a:p>
+                  </a:txBody>
+                  <a:tcPr marL="83670" marR="83670" marT="41835" marB="41835" anchor="ctr">
+                    <a:lnL w="12700" cap="flat" cmpd="sng" algn="ctr">
+                      <a:solidFill>
+                        <a:schemeClr val="tx1"/>
+                      </a:solidFill>
+                      <a:prstDash val="solid"/>
+                      <a:round/>
+                      <a:headEnd type="none" w="med" len="med"/>
+                      <a:tailEnd type="none" w="med" len="med"/>
+                    </a:lnL>
+                    <a:lnR w="12700" cap="flat" cmpd="sng" algn="ctr">
+                      <a:solidFill>
+                        <a:schemeClr val="tx1"/>
+                      </a:solidFill>
+                      <a:prstDash val="solid"/>
+                      <a:round/>
+                      <a:headEnd type="none" w="med" len="med"/>
+                      <a:tailEnd type="none" w="med" len="med"/>
+                    </a:lnR>
+                    <a:lnT w="12700" cap="flat" cmpd="sng" algn="ctr">
+                      <a:solidFill>
+                        <a:schemeClr val="tx1"/>
+                      </a:solidFill>
+                      <a:prstDash val="solid"/>
+                      <a:round/>
+                      <a:headEnd type="none" w="med" len="med"/>
+                      <a:tailEnd type="none" w="med" len="med"/>
+                    </a:lnT>
+                    <a:lnB w="12700" cap="flat" cmpd="sng" algn="ctr">
+                      <a:solidFill>
+                        <a:schemeClr val="tx1"/>
+                      </a:solidFill>
+                      <a:prstDash val="solid"/>
+                      <a:round/>
+                      <a:headEnd type="none" w="med" len="med"/>
+                      <a:tailEnd type="none" w="med" len="med"/>
+                    </a:lnB>
+                    <a:solidFill>
+                      <a:schemeClr val="bg1"/>
+                    </a:solidFill>
+                  </a:tcPr>
+                </a:tc>
+                <a:tc>
+                  <a:txBody>
+                    <a:bodyPr/>
+                    <a:lstStyle/>
+                    <a:p>
+                      <a:pPr algn="ctr" latinLnBrk="1"/>
+                      <a:r>
+                        <a:rPr lang="en-US" altLang="ko-KR" sz="1000">
+                          <a:solidFill>
+                            <a:schemeClr val="tx1"/>
+                          </a:solidFill>
+                        </a:rPr>
+                        <a:t>-</a:t>
+                      </a:r>
+                      <a:endParaRPr lang="ko-KR" altLang="en-US" sz="1000">
+                        <a:solidFill>
+                          <a:schemeClr val="tx1"/>
+                        </a:solidFill>
+                      </a:endParaRPr>
+                    </a:p>
+                  </a:txBody>
+                  <a:tcPr marL="83670" marR="83670" marT="41835" marB="41835" anchor="ctr">
+                    <a:lnL w="12700" cap="flat" cmpd="sng" algn="ctr">
+                      <a:solidFill>
+                        <a:schemeClr val="tx1"/>
+                      </a:solidFill>
+                      <a:prstDash val="solid"/>
+                      <a:round/>
+                      <a:headEnd type="none" w="med" len="med"/>
+                      <a:tailEnd type="none" w="med" len="med"/>
+                    </a:lnL>
+                    <a:lnR w="12700" cap="flat" cmpd="sng" algn="ctr">
+                      <a:solidFill>
+                        <a:schemeClr val="tx1"/>
+                      </a:solidFill>
+                      <a:prstDash val="solid"/>
+                      <a:round/>
+                      <a:headEnd type="none" w="med" len="med"/>
+                      <a:tailEnd type="none" w="med" len="med"/>
+                    </a:lnR>
+                    <a:lnT w="12700" cap="flat" cmpd="sng" algn="ctr">
+                      <a:solidFill>
+                        <a:schemeClr val="tx1"/>
+                      </a:solidFill>
+                      <a:prstDash val="solid"/>
+                      <a:round/>
+                      <a:headEnd type="none" w="med" len="med"/>
+                      <a:tailEnd type="none" w="med" len="med"/>
+                    </a:lnT>
+                    <a:lnB w="12700" cap="flat" cmpd="sng" algn="ctr">
+                      <a:solidFill>
+                        <a:schemeClr val="tx1"/>
+                      </a:solidFill>
+                      <a:prstDash val="solid"/>
+                      <a:round/>
+                      <a:headEnd type="none" w="med" len="med"/>
+                      <a:tailEnd type="none" w="med" len="med"/>
+                    </a:lnB>
+                    <a:solidFill>
+                      <a:schemeClr val="bg1"/>
+                    </a:solidFill>
+                  </a:tcPr>
+                </a:tc>
+                <a:tc>
+                  <a:txBody>
+                    <a:bodyPr/>
+                    <a:lstStyle/>
+                    <a:p>
+                      <a:pPr algn="ctr" latinLnBrk="1"/>
+                      <a:r>
+                        <a:rPr lang="en-US" altLang="ko-KR" sz="1000">
+                          <a:solidFill>
+                            <a:schemeClr val="tx1"/>
+                          </a:solidFill>
+                        </a:rPr>
+                        <a:t>o</a:t>
+                      </a:r>
+                      <a:endParaRPr lang="ko-KR" altLang="en-US" sz="1000">
+                        <a:solidFill>
+                          <a:schemeClr val="tx1"/>
+                        </a:solidFill>
+                      </a:endParaRPr>
+                    </a:p>
+                  </a:txBody>
+                  <a:tcPr marL="83670" marR="83670" marT="41835" marB="41835" anchor="ctr">
+                    <a:lnL w="12700" cap="flat" cmpd="sng" algn="ctr">
+                      <a:solidFill>
+                        <a:schemeClr val="tx1"/>
+                      </a:solidFill>
+                      <a:prstDash val="solid"/>
+                      <a:round/>
+                      <a:headEnd type="none" w="med" len="med"/>
+                      <a:tailEnd type="none" w="med" len="med"/>
+                    </a:lnL>
+                    <a:lnR w="38100" cap="flat" cmpd="sng" algn="ctr">
+                      <a:solidFill>
+                        <a:schemeClr val="tx1"/>
+                      </a:solidFill>
+                      <a:prstDash val="solid"/>
+                      <a:round/>
+                      <a:headEnd type="none" w="med" len="med"/>
+                      <a:tailEnd type="none" w="med" len="med"/>
+                    </a:lnR>
+                    <a:lnT w="12700" cap="flat" cmpd="sng" algn="ctr">
+                      <a:solidFill>
+                        <a:schemeClr val="tx1"/>
+                      </a:solidFill>
+                      <a:prstDash val="solid"/>
+                      <a:round/>
+                      <a:headEnd type="none" w="med" len="med"/>
+                      <a:tailEnd type="none" w="med" len="med"/>
+                    </a:lnT>
+                    <a:lnB w="12700" cap="flat" cmpd="sng" algn="ctr">
+                      <a:solidFill>
+                        <a:schemeClr val="tx1"/>
+                      </a:solidFill>
+                      <a:prstDash val="solid"/>
+                      <a:round/>
+                      <a:headEnd type="none" w="med" len="med"/>
+                      <a:tailEnd type="none" w="med" len="med"/>
+                    </a:lnB>
+                    <a:solidFill>
+                      <a:schemeClr val="bg1"/>
+                    </a:solidFill>
+                  </a:tcPr>
+                </a:tc>
+                <a:extLst>
+                  <a:ext uri="{0D108BD9-81ED-4DB2-BD59-A6C34878D82A}">
+                    <a16:rowId xmlns:a16="http://schemas.microsoft.com/office/drawing/2014/main" val="1398927055"/>
+                  </a:ext>
+                </a:extLst>
+              </a:tr>
+              <a:tr h="258889">
+                <a:tc>
+                  <a:txBody>
+                    <a:bodyPr/>
+                    <a:lstStyle/>
+                    <a:p>
+                      <a:pPr algn="ctr" latinLnBrk="1"/>
+                      <a:r>
+                        <a:rPr lang="en-US" altLang="ko-KR" sz="1000">
+                          <a:solidFill>
+                            <a:schemeClr val="tx1"/>
+                          </a:solidFill>
+                        </a:rPr>
+                        <a:t>transp.-param</a:t>
+                      </a:r>
+                      <a:endParaRPr lang="ko-KR" altLang="en-US" sz="1000">
+                        <a:solidFill>
+                          <a:schemeClr val="tx1"/>
+                        </a:solidFill>
+                      </a:endParaRPr>
+                    </a:p>
+                  </a:txBody>
+                  <a:tcPr marL="83670" marR="83670" marT="41835" marB="41835" anchor="ctr">
+                    <a:lnL w="38100" cap="flat" cmpd="sng" algn="ctr">
+                      <a:solidFill>
+                        <a:schemeClr val="tx1"/>
+                      </a:solidFill>
+                      <a:prstDash val="solid"/>
+                      <a:round/>
+                      <a:headEnd type="none" w="med" len="med"/>
+                      <a:tailEnd type="none" w="med" len="med"/>
+                    </a:lnL>
+                    <a:lnR w="12700" cap="flat" cmpd="sng" algn="ctr">
+                      <a:solidFill>
+                        <a:schemeClr val="tx1"/>
+                      </a:solidFill>
+                      <a:prstDash val="solid"/>
+                      <a:round/>
+                      <a:headEnd type="none" w="med" len="med"/>
+                      <a:tailEnd type="none" w="med" len="med"/>
+                    </a:lnR>
+                    <a:lnT w="12700" cap="flat" cmpd="sng" algn="ctr">
+                      <a:solidFill>
+                        <a:schemeClr val="tx1"/>
+                      </a:solidFill>
+                      <a:prstDash val="solid"/>
+                      <a:round/>
+                      <a:headEnd type="none" w="med" len="med"/>
+                      <a:tailEnd type="none" w="med" len="med"/>
+                    </a:lnT>
+                    <a:lnB w="12700" cap="flat" cmpd="sng" algn="ctr">
+                      <a:solidFill>
+                        <a:schemeClr val="tx1"/>
+                      </a:solidFill>
+                      <a:prstDash val="solid"/>
+                      <a:round/>
+                      <a:headEnd type="none" w="med" len="med"/>
+                      <a:tailEnd type="none" w="med" len="med"/>
+                    </a:lnB>
+                    <a:solidFill>
+                      <a:schemeClr val="bg1">
+                        <a:lumMod val="95000"/>
+                      </a:schemeClr>
+                    </a:solidFill>
+                  </a:tcPr>
+                </a:tc>
+                <a:tc>
+                  <a:txBody>
+                    <a:bodyPr/>
+                    <a:lstStyle/>
+                    <a:p>
+                      <a:pPr algn="ctr" latinLnBrk="1"/>
+                      <a:r>
+                        <a:rPr lang="en-US" altLang="ko-KR" sz="1000">
+                          <a:solidFill>
+                            <a:schemeClr val="tx1"/>
+                          </a:solidFill>
+                        </a:rPr>
+                        <a:t>(2)</a:t>
+                      </a:r>
+                      <a:endParaRPr lang="ko-KR" altLang="en-US" sz="1000">
+                        <a:solidFill>
+                          <a:schemeClr val="tx1"/>
+                        </a:solidFill>
+                      </a:endParaRPr>
+                    </a:p>
+                  </a:txBody>
+                  <a:tcPr marL="83670" marR="83670" marT="41835" marB="41835" anchor="ctr">
+                    <a:lnL w="12700" cap="flat" cmpd="sng" algn="ctr">
+                      <a:solidFill>
+                        <a:schemeClr val="tx1"/>
+                      </a:solidFill>
+                      <a:prstDash val="solid"/>
+                      <a:round/>
+                      <a:headEnd type="none" w="med" len="med"/>
+                      <a:tailEnd type="none" w="med" len="med"/>
+                    </a:lnL>
+                    <a:lnR w="12700" cap="flat" cmpd="sng" algn="ctr">
+                      <a:solidFill>
+                        <a:schemeClr val="tx1"/>
+                      </a:solidFill>
+                      <a:prstDash val="solid"/>
+                      <a:round/>
+                      <a:headEnd type="none" w="med" len="med"/>
+                      <a:tailEnd type="none" w="med" len="med"/>
+                    </a:lnR>
+                    <a:lnT w="12700" cap="flat" cmpd="sng" algn="ctr">
+                      <a:solidFill>
+                        <a:schemeClr val="tx1"/>
+                      </a:solidFill>
+                      <a:prstDash val="solid"/>
+                      <a:round/>
+                      <a:headEnd type="none" w="med" len="med"/>
+                      <a:tailEnd type="none" w="med" len="med"/>
+                    </a:lnT>
+                    <a:lnB w="12700" cap="flat" cmpd="sng" algn="ctr">
+                      <a:solidFill>
+                        <a:schemeClr val="tx1"/>
+                      </a:solidFill>
+                      <a:prstDash val="solid"/>
+                      <a:round/>
+                      <a:headEnd type="none" w="med" len="med"/>
+                      <a:tailEnd type="none" w="med" len="med"/>
+                    </a:lnB>
+                    <a:solidFill>
+                      <a:schemeClr val="bg1"/>
+                    </a:solidFill>
+                  </a:tcPr>
+                </a:tc>
+                <a:tc>
+                  <a:txBody>
+                    <a:bodyPr/>
+                    <a:lstStyle/>
+                    <a:p>
+                      <a:pPr algn="ctr" latinLnBrk="1"/>
+                      <a:r>
+                        <a:rPr lang="en-US" altLang="ko-KR" sz="1000">
+                          <a:solidFill>
+                            <a:schemeClr val="tx1"/>
+                          </a:solidFill>
+                        </a:rPr>
+                        <a:t>o</a:t>
+                      </a:r>
+                      <a:endParaRPr lang="ko-KR" altLang="en-US" sz="1000">
+                        <a:solidFill>
+                          <a:schemeClr val="tx1"/>
+                        </a:solidFill>
+                      </a:endParaRPr>
+                    </a:p>
+                  </a:txBody>
+                  <a:tcPr marL="83670" marR="83670" marT="41835" marB="41835" anchor="ctr">
+                    <a:lnL w="12700" cap="flat" cmpd="sng" algn="ctr">
+                      <a:solidFill>
+                        <a:schemeClr val="tx1"/>
+                      </a:solidFill>
+                      <a:prstDash val="solid"/>
+                      <a:round/>
+                      <a:headEnd type="none" w="med" len="med"/>
+                      <a:tailEnd type="none" w="med" len="med"/>
+                    </a:lnL>
+                    <a:lnR w="12700" cap="flat" cmpd="sng" algn="ctr">
+                      <a:solidFill>
+                        <a:schemeClr val="tx1"/>
+                      </a:solidFill>
+                      <a:prstDash val="solid"/>
+                      <a:round/>
+                      <a:headEnd type="none" w="med" len="med"/>
+                      <a:tailEnd type="none" w="med" len="med"/>
+                    </a:lnR>
+                    <a:lnT w="12700" cap="flat" cmpd="sng" algn="ctr">
+                      <a:solidFill>
+                        <a:schemeClr val="tx1"/>
+                      </a:solidFill>
+                      <a:prstDash val="solid"/>
+                      <a:round/>
+                      <a:headEnd type="none" w="med" len="med"/>
+                      <a:tailEnd type="none" w="med" len="med"/>
+                    </a:lnT>
+                    <a:lnB w="12700" cap="flat" cmpd="sng" algn="ctr">
+                      <a:solidFill>
+                        <a:schemeClr val="tx1"/>
+                      </a:solidFill>
+                      <a:prstDash val="solid"/>
+                      <a:round/>
+                      <a:headEnd type="none" w="med" len="med"/>
+                      <a:tailEnd type="none" w="med" len="med"/>
+                    </a:lnB>
+                    <a:solidFill>
+                      <a:schemeClr val="bg1"/>
+                    </a:solidFill>
+                  </a:tcPr>
+                </a:tc>
+                <a:tc>
+                  <a:txBody>
+                    <a:bodyPr/>
+                    <a:lstStyle/>
+                    <a:p>
+                      <a:pPr algn="ctr" latinLnBrk="1"/>
+                      <a:r>
+                        <a:rPr lang="en-US" altLang="ko-KR" sz="1000">
+                          <a:solidFill>
+                            <a:schemeClr val="tx1"/>
+                          </a:solidFill>
+                        </a:rPr>
+                        <a:t>-</a:t>
+                      </a:r>
+                      <a:endParaRPr lang="ko-KR" altLang="en-US" sz="1000">
+                        <a:solidFill>
+                          <a:schemeClr val="tx1"/>
+                        </a:solidFill>
+                      </a:endParaRPr>
+                    </a:p>
+                  </a:txBody>
+                  <a:tcPr marL="83670" marR="83670" marT="41835" marB="41835" anchor="ctr">
+                    <a:lnL w="12700" cap="flat" cmpd="sng" algn="ctr">
+                      <a:solidFill>
+                        <a:schemeClr val="tx1"/>
+                      </a:solidFill>
+                      <a:prstDash val="solid"/>
+                      <a:round/>
+                      <a:headEnd type="none" w="med" len="med"/>
+                      <a:tailEnd type="none" w="med" len="med"/>
+                    </a:lnL>
+                    <a:lnR w="12700" cap="flat" cmpd="sng" algn="ctr">
+                      <a:solidFill>
+                        <a:schemeClr val="tx1"/>
+                      </a:solidFill>
+                      <a:prstDash val="solid"/>
+                      <a:round/>
+                      <a:headEnd type="none" w="med" len="med"/>
+                      <a:tailEnd type="none" w="med" len="med"/>
+                    </a:lnR>
+                    <a:lnT w="12700" cap="flat" cmpd="sng" algn="ctr">
+                      <a:solidFill>
+                        <a:schemeClr val="tx1"/>
+                      </a:solidFill>
+                      <a:prstDash val="solid"/>
+                      <a:round/>
+                      <a:headEnd type="none" w="med" len="med"/>
+                      <a:tailEnd type="none" w="med" len="med"/>
+                    </a:lnT>
+                    <a:lnB w="12700" cap="flat" cmpd="sng" algn="ctr">
+                      <a:solidFill>
+                        <a:schemeClr val="tx1"/>
+                      </a:solidFill>
+                      <a:prstDash val="solid"/>
+                      <a:round/>
+                      <a:headEnd type="none" w="med" len="med"/>
+                      <a:tailEnd type="none" w="med" len="med"/>
+                    </a:lnB>
+                    <a:solidFill>
+                      <a:schemeClr val="bg1"/>
+                    </a:solidFill>
+                  </a:tcPr>
+                </a:tc>
+                <a:tc>
+                  <a:txBody>
+                    <a:bodyPr/>
+                    <a:lstStyle/>
+                    <a:p>
+                      <a:pPr algn="ctr" latinLnBrk="1"/>
+                      <a:r>
+                        <a:rPr lang="en-US" altLang="ko-KR" sz="1000">
+                          <a:solidFill>
+                            <a:schemeClr val="tx1"/>
+                          </a:solidFill>
+                        </a:rPr>
+                        <a:t>-</a:t>
+                      </a:r>
+                      <a:endParaRPr lang="ko-KR" altLang="en-US" sz="1000">
+                        <a:solidFill>
+                          <a:schemeClr val="tx1"/>
+                        </a:solidFill>
+                      </a:endParaRPr>
+                    </a:p>
+                  </a:txBody>
+                  <a:tcPr marL="83670" marR="83670" marT="41835" marB="41835" anchor="ctr">
+                    <a:lnL w="12700" cap="flat" cmpd="sng" algn="ctr">
+                      <a:solidFill>
+                        <a:schemeClr val="tx1"/>
+                      </a:solidFill>
+                      <a:prstDash val="solid"/>
+                      <a:round/>
+                      <a:headEnd type="none" w="med" len="med"/>
+                      <a:tailEnd type="none" w="med" len="med"/>
+                    </a:lnL>
+                    <a:lnR w="12700" cap="flat" cmpd="sng" algn="ctr">
+                      <a:solidFill>
+                        <a:schemeClr val="tx1"/>
+                      </a:solidFill>
+                      <a:prstDash val="solid"/>
+                      <a:round/>
+                      <a:headEnd type="none" w="med" len="med"/>
+                      <a:tailEnd type="none" w="med" len="med"/>
+                    </a:lnR>
+                    <a:lnT w="12700" cap="flat" cmpd="sng" algn="ctr">
+                      <a:solidFill>
+                        <a:schemeClr val="tx1"/>
+                      </a:solidFill>
+                      <a:prstDash val="solid"/>
+                      <a:round/>
+                      <a:headEnd type="none" w="med" len="med"/>
+                      <a:tailEnd type="none" w="med" len="med"/>
+                    </a:lnT>
+                    <a:lnB w="12700" cap="flat" cmpd="sng" algn="ctr">
+                      <a:solidFill>
+                        <a:schemeClr val="tx1"/>
+                      </a:solidFill>
+                      <a:prstDash val="solid"/>
+                      <a:round/>
+                      <a:headEnd type="none" w="med" len="med"/>
+                      <a:tailEnd type="none" w="med" len="med"/>
+                    </a:lnB>
+                    <a:solidFill>
+                      <a:schemeClr val="bg1"/>
+                    </a:solidFill>
+                  </a:tcPr>
+                </a:tc>
+                <a:tc>
+                  <a:txBody>
+                    <a:bodyPr/>
+                    <a:lstStyle/>
+                    <a:p>
+                      <a:pPr algn="ctr" latinLnBrk="1"/>
+                      <a:r>
+                        <a:rPr lang="en-US" altLang="ko-KR" sz="1000">
+                          <a:solidFill>
+                            <a:schemeClr val="tx1"/>
+                          </a:solidFill>
+                        </a:rPr>
+                        <a:t>o</a:t>
+                      </a:r>
+                      <a:endParaRPr lang="ko-KR" altLang="en-US" sz="1000">
+                        <a:solidFill>
+                          <a:schemeClr val="tx1"/>
+                        </a:solidFill>
+                      </a:endParaRPr>
+                    </a:p>
+                  </a:txBody>
+                  <a:tcPr marL="83670" marR="83670" marT="41835" marB="41835" anchor="ctr">
+                    <a:lnL w="12700" cap="flat" cmpd="sng" algn="ctr">
+                      <a:solidFill>
+                        <a:schemeClr val="tx1"/>
+                      </a:solidFill>
+                      <a:prstDash val="solid"/>
+                      <a:round/>
+                      <a:headEnd type="none" w="med" len="med"/>
+                      <a:tailEnd type="none" w="med" len="med"/>
+                    </a:lnL>
+                    <a:lnR w="12700" cap="flat" cmpd="sng" algn="ctr">
+                      <a:solidFill>
+                        <a:schemeClr val="tx1"/>
+                      </a:solidFill>
+                      <a:prstDash val="solid"/>
+                      <a:round/>
+                      <a:headEnd type="none" w="med" len="med"/>
+                      <a:tailEnd type="none" w="med" len="med"/>
+                    </a:lnR>
+                    <a:lnT w="12700" cap="flat" cmpd="sng" algn="ctr">
+                      <a:solidFill>
+                        <a:schemeClr val="tx1"/>
+                      </a:solidFill>
+                      <a:prstDash val="solid"/>
+                      <a:round/>
+                      <a:headEnd type="none" w="med" len="med"/>
+                      <a:tailEnd type="none" w="med" len="med"/>
+                    </a:lnT>
+                    <a:lnB w="12700" cap="flat" cmpd="sng" algn="ctr">
+                      <a:solidFill>
+                        <a:schemeClr val="tx1"/>
+                      </a:solidFill>
+                      <a:prstDash val="solid"/>
+                      <a:round/>
+                      <a:headEnd type="none" w="med" len="med"/>
+                      <a:tailEnd type="none" w="med" len="med"/>
+                    </a:lnB>
+                    <a:solidFill>
+                      <a:schemeClr val="bg1"/>
+                    </a:solidFill>
+                  </a:tcPr>
+                </a:tc>
+                <a:tc>
+                  <a:txBody>
+                    <a:bodyPr/>
+                    <a:lstStyle/>
+                    <a:p>
+                      <a:pPr algn="ctr" latinLnBrk="1"/>
+                      <a:r>
+                        <a:rPr lang="en-US" altLang="ko-KR" sz="1000">
+                          <a:solidFill>
+                            <a:schemeClr val="tx1"/>
+                          </a:solidFill>
+                        </a:rPr>
+                        <a:t>o</a:t>
+                      </a:r>
+                      <a:endParaRPr lang="ko-KR" altLang="en-US" sz="1000">
+                        <a:solidFill>
+                          <a:schemeClr val="tx1"/>
+                        </a:solidFill>
+                      </a:endParaRPr>
+                    </a:p>
+                  </a:txBody>
+                  <a:tcPr marL="83670" marR="83670" marT="41835" marB="41835" anchor="ctr">
+                    <a:lnL w="12700" cap="flat" cmpd="sng" algn="ctr">
+                      <a:solidFill>
+                        <a:schemeClr val="tx1"/>
+                      </a:solidFill>
+                      <a:prstDash val="solid"/>
+                      <a:round/>
+                      <a:headEnd type="none" w="med" len="med"/>
+                      <a:tailEnd type="none" w="med" len="med"/>
+                    </a:lnL>
+                    <a:lnR w="12700" cap="flat" cmpd="sng" algn="ctr">
+                      <a:solidFill>
+                        <a:schemeClr val="tx1"/>
+                      </a:solidFill>
+                      <a:prstDash val="solid"/>
+                      <a:round/>
+                      <a:headEnd type="none" w="med" len="med"/>
+                      <a:tailEnd type="none" w="med" len="med"/>
+                    </a:lnR>
+                    <a:lnT w="12700" cap="flat" cmpd="sng" algn="ctr">
+                      <a:solidFill>
+                        <a:schemeClr val="tx1"/>
+                      </a:solidFill>
+                      <a:prstDash val="solid"/>
+                      <a:round/>
+                      <a:headEnd type="none" w="med" len="med"/>
+                      <a:tailEnd type="none" w="med" len="med"/>
+                    </a:lnT>
+                    <a:lnB w="12700" cap="flat" cmpd="sng" algn="ctr">
+                      <a:solidFill>
+                        <a:schemeClr val="tx1"/>
+                      </a:solidFill>
+                      <a:prstDash val="solid"/>
+                      <a:round/>
+                      <a:headEnd type="none" w="med" len="med"/>
+                      <a:tailEnd type="none" w="med" len="med"/>
+                    </a:lnB>
+                    <a:solidFill>
+                      <a:schemeClr val="bg1"/>
+                    </a:solidFill>
+                  </a:tcPr>
+                </a:tc>
+                <a:tc>
+                  <a:txBody>
+                    <a:bodyPr/>
+                    <a:lstStyle/>
+                    <a:p>
+                      <a:pPr algn="ctr" latinLnBrk="1"/>
+                      <a:r>
+                        <a:rPr lang="en-US" altLang="ko-KR" sz="1000">
+                          <a:solidFill>
+                            <a:schemeClr val="tx1"/>
+                          </a:solidFill>
+                        </a:rPr>
+                        <a:t>o</a:t>
+                      </a:r>
+                      <a:endParaRPr lang="ko-KR" altLang="en-US" sz="1000">
+                        <a:solidFill>
+                          <a:schemeClr val="tx1"/>
+                        </a:solidFill>
+                      </a:endParaRPr>
+                    </a:p>
+                  </a:txBody>
+                  <a:tcPr marL="83670" marR="83670" marT="41835" marB="41835" anchor="ctr">
+                    <a:lnL w="12700" cap="flat" cmpd="sng" algn="ctr">
+                      <a:solidFill>
+                        <a:schemeClr val="tx1"/>
+                      </a:solidFill>
+                      <a:prstDash val="solid"/>
+                      <a:round/>
+                      <a:headEnd type="none" w="med" len="med"/>
+                      <a:tailEnd type="none" w="med" len="med"/>
+                    </a:lnL>
+                    <a:lnR w="38100" cap="flat" cmpd="sng" algn="ctr">
+                      <a:solidFill>
+                        <a:schemeClr val="tx1"/>
+                      </a:solidFill>
+                      <a:prstDash val="solid"/>
+                      <a:round/>
+                      <a:headEnd type="none" w="med" len="med"/>
+                      <a:tailEnd type="none" w="med" len="med"/>
+                    </a:lnR>
+                    <a:lnT w="12700" cap="flat" cmpd="sng" algn="ctr">
+                      <a:solidFill>
+                        <a:schemeClr val="tx1"/>
+                      </a:solidFill>
+                      <a:prstDash val="solid"/>
+                      <a:round/>
+                      <a:headEnd type="none" w="med" len="med"/>
+                      <a:tailEnd type="none" w="med" len="med"/>
+                    </a:lnT>
+                    <a:lnB w="12700" cap="flat" cmpd="sng" algn="ctr">
+                      <a:solidFill>
+                        <a:schemeClr val="tx1"/>
+                      </a:solidFill>
+                      <a:prstDash val="solid"/>
+                      <a:round/>
+                      <a:headEnd type="none" w="med" len="med"/>
+                      <a:tailEnd type="none" w="med" len="med"/>
+                    </a:lnB>
+                    <a:solidFill>
+                      <a:schemeClr val="bg1"/>
+                    </a:solidFill>
+                  </a:tcPr>
+                </a:tc>
+                <a:extLst>
+                  <a:ext uri="{0D108BD9-81ED-4DB2-BD59-A6C34878D82A}">
+                    <a16:rowId xmlns:a16="http://schemas.microsoft.com/office/drawing/2014/main" val="2033988022"/>
+                  </a:ext>
+                </a:extLst>
+              </a:tr>
+              <a:tr h="258889">
+                <a:tc>
+                  <a:txBody>
+                    <a:bodyPr/>
+                    <a:lstStyle/>
+                    <a:p>
+                      <a:pPr algn="ctr" latinLnBrk="1"/>
+                      <a:r>
+                        <a:rPr lang="en-US" altLang="ko-KR" sz="1000">
+                          <a:solidFill>
+                            <a:schemeClr val="tx1"/>
+                          </a:solidFill>
+                        </a:rPr>
+                        <a:t>lr-param</a:t>
+                      </a:r>
+                      <a:endParaRPr lang="ko-KR" altLang="en-US" sz="1000">
+                        <a:solidFill>
+                          <a:schemeClr val="tx1"/>
+                        </a:solidFill>
+                      </a:endParaRPr>
+                    </a:p>
+                  </a:txBody>
+                  <a:tcPr marL="83670" marR="83670" marT="41835" marB="41835" anchor="ctr">
+                    <a:lnL w="38100" cap="flat" cmpd="sng" algn="ctr">
+                      <a:solidFill>
+                        <a:schemeClr val="tx1"/>
+                      </a:solidFill>
+                      <a:prstDash val="solid"/>
+                      <a:round/>
+                      <a:headEnd type="none" w="med" len="med"/>
+                      <a:tailEnd type="none" w="med" len="med"/>
+                    </a:lnL>
+                    <a:lnR w="12700" cap="flat" cmpd="sng" algn="ctr">
+                      <a:solidFill>
+                        <a:schemeClr val="tx1"/>
+                      </a:solidFill>
+                      <a:prstDash val="solid"/>
+                      <a:round/>
+                      <a:headEnd type="none" w="med" len="med"/>
+                      <a:tailEnd type="none" w="med" len="med"/>
+                    </a:lnR>
+                    <a:lnT w="12700" cap="flat" cmpd="sng" algn="ctr">
+                      <a:solidFill>
+                        <a:schemeClr val="tx1"/>
+                      </a:solidFill>
+                      <a:prstDash val="solid"/>
+                      <a:round/>
+                      <a:headEnd type="none" w="med" len="med"/>
+                      <a:tailEnd type="none" w="med" len="med"/>
+                    </a:lnT>
+                    <a:lnB w="12700" cap="flat" cmpd="sng" algn="ctr">
+                      <a:solidFill>
+                        <a:schemeClr val="tx1"/>
+                      </a:solidFill>
+                      <a:prstDash val="solid"/>
+                      <a:round/>
+                      <a:headEnd type="none" w="med" len="med"/>
+                      <a:tailEnd type="none" w="med" len="med"/>
+                    </a:lnB>
+                    <a:solidFill>
+                      <a:schemeClr val="bg1">
+                        <a:lumMod val="95000"/>
+                      </a:schemeClr>
+                    </a:solidFill>
+                  </a:tcPr>
+                </a:tc>
+                <a:tc>
+                  <a:txBody>
+                    <a:bodyPr/>
+                    <a:lstStyle/>
+                    <a:p>
+                      <a:pPr algn="ctr" latinLnBrk="1"/>
+                      <a:r>
+                        <a:rPr lang="en-US" altLang="ko-KR" sz="1000">
+                          <a:solidFill>
+                            <a:schemeClr val="tx1"/>
+                          </a:solidFill>
+                        </a:rPr>
+                        <a:t>-</a:t>
+                      </a:r>
+                      <a:endParaRPr lang="ko-KR" altLang="en-US" sz="1000">
+                        <a:solidFill>
+                          <a:schemeClr val="tx1"/>
+                        </a:solidFill>
+                      </a:endParaRPr>
+                    </a:p>
+                  </a:txBody>
+                  <a:tcPr marL="83670" marR="83670" marT="41835" marB="41835" anchor="ctr">
+                    <a:lnL w="12700" cap="flat" cmpd="sng" algn="ctr">
+                      <a:solidFill>
+                        <a:schemeClr val="tx1"/>
+                      </a:solidFill>
+                      <a:prstDash val="solid"/>
+                      <a:round/>
+                      <a:headEnd type="none" w="med" len="med"/>
+                      <a:tailEnd type="none" w="med" len="med"/>
+                    </a:lnL>
+                    <a:lnR w="12700" cap="flat" cmpd="sng" algn="ctr">
+                      <a:solidFill>
+                        <a:schemeClr val="tx1"/>
+                      </a:solidFill>
+                      <a:prstDash val="solid"/>
+                      <a:round/>
+                      <a:headEnd type="none" w="med" len="med"/>
+                      <a:tailEnd type="none" w="med" len="med"/>
+                    </a:lnR>
+                    <a:lnT w="12700" cap="flat" cmpd="sng" algn="ctr">
+                      <a:solidFill>
+                        <a:schemeClr val="tx1"/>
+                      </a:solidFill>
+                      <a:prstDash val="solid"/>
+                      <a:round/>
+                      <a:headEnd type="none" w="med" len="med"/>
+                      <a:tailEnd type="none" w="med" len="med"/>
+                    </a:lnT>
+                    <a:lnB w="12700" cap="flat" cmpd="sng" algn="ctr">
+                      <a:solidFill>
+                        <a:schemeClr val="tx1"/>
+                      </a:solidFill>
+                      <a:prstDash val="solid"/>
+                      <a:round/>
+                      <a:headEnd type="none" w="med" len="med"/>
+                      <a:tailEnd type="none" w="med" len="med"/>
+                    </a:lnB>
+                    <a:solidFill>
+                      <a:schemeClr val="bg1"/>
+                    </a:solidFill>
+                  </a:tcPr>
+                </a:tc>
+                <a:tc>
+                  <a:txBody>
+                    <a:bodyPr/>
+                    <a:lstStyle/>
+                    <a:p>
+                      <a:pPr algn="ctr" latinLnBrk="1"/>
+                      <a:r>
+                        <a:rPr lang="en-US" altLang="ko-KR" sz="1000">
+                          <a:solidFill>
+                            <a:schemeClr val="tx1"/>
+                          </a:solidFill>
+                        </a:rPr>
+                        <a:t>o</a:t>
+                      </a:r>
+                      <a:endParaRPr lang="ko-KR" altLang="en-US" sz="1000">
+                        <a:solidFill>
+                          <a:schemeClr val="tx1"/>
+                        </a:solidFill>
+                      </a:endParaRPr>
+                    </a:p>
+                  </a:txBody>
+                  <a:tcPr marL="83670" marR="83670" marT="41835" marB="41835" anchor="ctr">
+                    <a:lnL w="12700" cap="flat" cmpd="sng" algn="ctr">
+                      <a:solidFill>
+                        <a:schemeClr val="tx1"/>
+                      </a:solidFill>
+                      <a:prstDash val="solid"/>
+                      <a:round/>
+                      <a:headEnd type="none" w="med" len="med"/>
+                      <a:tailEnd type="none" w="med" len="med"/>
+                    </a:lnL>
+                    <a:lnR w="12700" cap="flat" cmpd="sng" algn="ctr">
+                      <a:solidFill>
+                        <a:schemeClr val="tx1"/>
+                      </a:solidFill>
+                      <a:prstDash val="solid"/>
+                      <a:round/>
+                      <a:headEnd type="none" w="med" len="med"/>
+                      <a:tailEnd type="none" w="med" len="med"/>
+                    </a:lnR>
+                    <a:lnT w="12700" cap="flat" cmpd="sng" algn="ctr">
+                      <a:solidFill>
+                        <a:schemeClr val="tx1"/>
+                      </a:solidFill>
+                      <a:prstDash val="solid"/>
+                      <a:round/>
+                      <a:headEnd type="none" w="med" len="med"/>
+                      <a:tailEnd type="none" w="med" len="med"/>
+                    </a:lnT>
+                    <a:lnB w="12700" cap="flat" cmpd="sng" algn="ctr">
+                      <a:solidFill>
+                        <a:schemeClr val="tx1"/>
+                      </a:solidFill>
+                      <a:prstDash val="solid"/>
+                      <a:round/>
+                      <a:headEnd type="none" w="med" len="med"/>
+                      <a:tailEnd type="none" w="med" len="med"/>
+                    </a:lnB>
+                    <a:solidFill>
+                      <a:schemeClr val="bg1"/>
+                    </a:solidFill>
+                  </a:tcPr>
+                </a:tc>
+                <a:tc>
+                  <a:txBody>
+                    <a:bodyPr/>
+                    <a:lstStyle/>
+                    <a:p>
+                      <a:pPr algn="ctr" latinLnBrk="1"/>
+                      <a:r>
+                        <a:rPr lang="en-US" altLang="ko-KR" sz="1000">
+                          <a:solidFill>
+                            <a:schemeClr val="tx1"/>
+                          </a:solidFill>
+                        </a:rPr>
+                        <a:t>-</a:t>
+                      </a:r>
+                      <a:endParaRPr lang="ko-KR" altLang="en-US" sz="1000">
+                        <a:solidFill>
+                          <a:schemeClr val="tx1"/>
+                        </a:solidFill>
+                      </a:endParaRPr>
+                    </a:p>
+                  </a:txBody>
+                  <a:tcPr marL="83670" marR="83670" marT="41835" marB="41835" anchor="ctr">
+                    <a:lnL w="12700" cap="flat" cmpd="sng" algn="ctr">
+                      <a:solidFill>
+                        <a:schemeClr val="tx1"/>
+                      </a:solidFill>
+                      <a:prstDash val="solid"/>
+                      <a:round/>
+                      <a:headEnd type="none" w="med" len="med"/>
+                      <a:tailEnd type="none" w="med" len="med"/>
+                    </a:lnL>
+                    <a:lnR w="12700" cap="flat" cmpd="sng" algn="ctr">
+                      <a:solidFill>
+                        <a:schemeClr val="tx1"/>
+                      </a:solidFill>
+                      <a:prstDash val="solid"/>
+                      <a:round/>
+                      <a:headEnd type="none" w="med" len="med"/>
+                      <a:tailEnd type="none" w="med" len="med"/>
+                    </a:lnR>
+                    <a:lnT w="12700" cap="flat" cmpd="sng" algn="ctr">
+                      <a:solidFill>
+                        <a:schemeClr val="tx1"/>
+                      </a:solidFill>
+                      <a:prstDash val="solid"/>
+                      <a:round/>
+                      <a:headEnd type="none" w="med" len="med"/>
+                      <a:tailEnd type="none" w="med" len="med"/>
+                    </a:lnT>
+                    <a:lnB w="12700" cap="flat" cmpd="sng" algn="ctr">
+                      <a:solidFill>
+                        <a:schemeClr val="tx1"/>
+                      </a:solidFill>
+                      <a:prstDash val="solid"/>
+                      <a:round/>
+                      <a:headEnd type="none" w="med" len="med"/>
+                      <a:tailEnd type="none" w="med" len="med"/>
+                    </a:lnB>
+                    <a:solidFill>
+                      <a:schemeClr val="bg1"/>
+                    </a:solidFill>
+                  </a:tcPr>
+                </a:tc>
+                <a:tc>
+                  <a:txBody>
+                    <a:bodyPr/>
+                    <a:lstStyle/>
+                    <a:p>
+                      <a:pPr algn="ctr" latinLnBrk="1"/>
+                      <a:r>
+                        <a:rPr lang="en-US" altLang="ko-KR" sz="1000">
+                          <a:solidFill>
+                            <a:schemeClr val="tx1"/>
+                          </a:solidFill>
+                        </a:rPr>
+                        <a:t>-</a:t>
+                      </a:r>
+                      <a:endParaRPr lang="ko-KR" altLang="en-US" sz="1000">
+                        <a:solidFill>
+                          <a:schemeClr val="tx1"/>
+                        </a:solidFill>
+                      </a:endParaRPr>
+                    </a:p>
+                  </a:txBody>
+                  <a:tcPr marL="83670" marR="83670" marT="41835" marB="41835" anchor="ctr">
+                    <a:lnL w="12700" cap="flat" cmpd="sng" algn="ctr">
+                      <a:solidFill>
+                        <a:schemeClr val="tx1"/>
+                      </a:solidFill>
+                      <a:prstDash val="solid"/>
+                      <a:round/>
+                      <a:headEnd type="none" w="med" len="med"/>
+                      <a:tailEnd type="none" w="med" len="med"/>
+                    </a:lnL>
+                    <a:lnR w="12700" cap="flat" cmpd="sng" algn="ctr">
+                      <a:solidFill>
+                        <a:schemeClr val="tx1"/>
+                      </a:solidFill>
+                      <a:prstDash val="solid"/>
+                      <a:round/>
+                      <a:headEnd type="none" w="med" len="med"/>
+                      <a:tailEnd type="none" w="med" len="med"/>
+                    </a:lnR>
+                    <a:lnT w="12700" cap="flat" cmpd="sng" algn="ctr">
+                      <a:solidFill>
+                        <a:schemeClr val="tx1"/>
+                      </a:solidFill>
+                      <a:prstDash val="solid"/>
+                      <a:round/>
+                      <a:headEnd type="none" w="med" len="med"/>
+                      <a:tailEnd type="none" w="med" len="med"/>
+                    </a:lnT>
+                    <a:lnB w="12700" cap="flat" cmpd="sng" algn="ctr">
+                      <a:solidFill>
+                        <a:schemeClr val="tx1"/>
+                      </a:solidFill>
+                      <a:prstDash val="solid"/>
+                      <a:round/>
+                      <a:headEnd type="none" w="med" len="med"/>
+                      <a:tailEnd type="none" w="med" len="med"/>
+                    </a:lnB>
+                    <a:solidFill>
+                      <a:schemeClr val="bg1"/>
+                    </a:solidFill>
+                  </a:tcPr>
+                </a:tc>
+                <a:tc>
+                  <a:txBody>
+                    <a:bodyPr/>
+                    <a:lstStyle/>
+                    <a:p>
+                      <a:pPr algn="ctr" latinLnBrk="1"/>
+                      <a:r>
+                        <a:rPr lang="en-US" altLang="ko-KR" sz="1000">
+                          <a:solidFill>
+                            <a:schemeClr val="tx1"/>
+                          </a:solidFill>
+                        </a:rPr>
+                        <a:t>-</a:t>
+                      </a:r>
+                      <a:endParaRPr lang="ko-KR" altLang="en-US" sz="1000">
+                        <a:solidFill>
+                          <a:schemeClr val="tx1"/>
+                        </a:solidFill>
+                      </a:endParaRPr>
+                    </a:p>
+                  </a:txBody>
+                  <a:tcPr marL="83670" marR="83670" marT="41835" marB="41835" anchor="ctr">
+                    <a:lnL w="12700" cap="flat" cmpd="sng" algn="ctr">
+                      <a:solidFill>
+                        <a:schemeClr val="tx1"/>
+                      </a:solidFill>
+                      <a:prstDash val="solid"/>
+                      <a:round/>
+                      <a:headEnd type="none" w="med" len="med"/>
+                      <a:tailEnd type="none" w="med" len="med"/>
+                    </a:lnL>
+                    <a:lnR w="12700" cap="flat" cmpd="sng" algn="ctr">
+                      <a:solidFill>
+                        <a:schemeClr val="tx1"/>
+                      </a:solidFill>
+                      <a:prstDash val="solid"/>
+                      <a:round/>
+                      <a:headEnd type="none" w="med" len="med"/>
+                      <a:tailEnd type="none" w="med" len="med"/>
+                    </a:lnR>
+                    <a:lnT w="12700" cap="flat" cmpd="sng" algn="ctr">
+                      <a:solidFill>
+                        <a:schemeClr val="tx1"/>
+                      </a:solidFill>
+                      <a:prstDash val="solid"/>
+                      <a:round/>
+                      <a:headEnd type="none" w="med" len="med"/>
+                      <a:tailEnd type="none" w="med" len="med"/>
+                    </a:lnT>
+                    <a:lnB w="12700" cap="flat" cmpd="sng" algn="ctr">
+                      <a:solidFill>
+                        <a:schemeClr val="tx1"/>
+                      </a:solidFill>
+                      <a:prstDash val="solid"/>
+                      <a:round/>
+                      <a:headEnd type="none" w="med" len="med"/>
+                      <a:tailEnd type="none" w="med" len="med"/>
+                    </a:lnB>
+                    <a:solidFill>
+                      <a:schemeClr val="bg1"/>
+                    </a:solidFill>
+                  </a:tcPr>
+                </a:tc>
+                <a:tc>
+                  <a:txBody>
+                    <a:bodyPr/>
+                    <a:lstStyle/>
+                    <a:p>
+                      <a:pPr algn="ctr" latinLnBrk="1"/>
+                      <a:r>
+                        <a:rPr lang="en-US" altLang="ko-KR" sz="1000">
+                          <a:solidFill>
+                            <a:schemeClr val="tx1"/>
+                          </a:solidFill>
+                        </a:rPr>
+                        <a:t>o</a:t>
+                      </a:r>
+                      <a:endParaRPr lang="ko-KR" altLang="en-US" sz="1000">
+                        <a:solidFill>
+                          <a:schemeClr val="tx1"/>
+                        </a:solidFill>
+                      </a:endParaRPr>
+                    </a:p>
+                  </a:txBody>
+                  <a:tcPr marL="83670" marR="83670" marT="41835" marB="41835" anchor="ctr">
+                    <a:lnL w="12700" cap="flat" cmpd="sng" algn="ctr">
+                      <a:solidFill>
+                        <a:schemeClr val="tx1"/>
+                      </a:solidFill>
+                      <a:prstDash val="solid"/>
+                      <a:round/>
+                      <a:headEnd type="none" w="med" len="med"/>
+                      <a:tailEnd type="none" w="med" len="med"/>
+                    </a:lnL>
+                    <a:lnR w="12700" cap="flat" cmpd="sng" algn="ctr">
+                      <a:solidFill>
+                        <a:schemeClr val="tx1"/>
+                      </a:solidFill>
+                      <a:prstDash val="solid"/>
+                      <a:round/>
+                      <a:headEnd type="none" w="med" len="med"/>
+                      <a:tailEnd type="none" w="med" len="med"/>
+                    </a:lnR>
+                    <a:lnT w="12700" cap="flat" cmpd="sng" algn="ctr">
+                      <a:solidFill>
+                        <a:schemeClr val="tx1"/>
+                      </a:solidFill>
+                      <a:prstDash val="solid"/>
+                      <a:round/>
+                      <a:headEnd type="none" w="med" len="med"/>
+                      <a:tailEnd type="none" w="med" len="med"/>
+                    </a:lnT>
+                    <a:lnB w="12700" cap="flat" cmpd="sng" algn="ctr">
+                      <a:solidFill>
+                        <a:schemeClr val="tx1"/>
+                      </a:solidFill>
+                      <a:prstDash val="solid"/>
+                      <a:round/>
+                      <a:headEnd type="none" w="med" len="med"/>
+                      <a:tailEnd type="none" w="med" len="med"/>
+                    </a:lnB>
+                    <a:solidFill>
+                      <a:schemeClr val="bg1"/>
+                    </a:solidFill>
+                  </a:tcPr>
+                </a:tc>
+                <a:tc>
+                  <a:txBody>
+                    <a:bodyPr/>
+                    <a:lstStyle/>
+                    <a:p>
+                      <a:pPr algn="ctr" latinLnBrk="1"/>
+                      <a:r>
+                        <a:rPr lang="en-US" altLang="ko-KR" sz="1000">
+                          <a:solidFill>
+                            <a:schemeClr val="tx1"/>
+                          </a:solidFill>
+                        </a:rPr>
+                        <a:t>o</a:t>
+                      </a:r>
+                      <a:endParaRPr lang="ko-KR" altLang="en-US" sz="1000">
+                        <a:solidFill>
+                          <a:schemeClr val="tx1"/>
+                        </a:solidFill>
+                      </a:endParaRPr>
+                    </a:p>
+                  </a:txBody>
+                  <a:tcPr marL="83670" marR="83670" marT="41835" marB="41835" anchor="ctr">
+                    <a:lnL w="12700" cap="flat" cmpd="sng" algn="ctr">
+                      <a:solidFill>
+                        <a:schemeClr val="tx1"/>
+                      </a:solidFill>
+                      <a:prstDash val="solid"/>
+                      <a:round/>
+                      <a:headEnd type="none" w="med" len="med"/>
+                      <a:tailEnd type="none" w="med" len="med"/>
+                    </a:lnL>
+                    <a:lnR w="38100" cap="flat" cmpd="sng" algn="ctr">
+                      <a:solidFill>
+                        <a:schemeClr val="tx1"/>
+                      </a:solidFill>
+                      <a:prstDash val="solid"/>
+                      <a:round/>
+                      <a:headEnd type="none" w="med" len="med"/>
+                      <a:tailEnd type="none" w="med" len="med"/>
+                    </a:lnR>
+                    <a:lnT w="12700" cap="flat" cmpd="sng" algn="ctr">
+                      <a:solidFill>
+                        <a:schemeClr val="tx1"/>
+                      </a:solidFill>
+                      <a:prstDash val="solid"/>
+                      <a:round/>
+                      <a:headEnd type="none" w="med" len="med"/>
+                      <a:tailEnd type="none" w="med" len="med"/>
+                    </a:lnT>
+                    <a:lnB w="12700" cap="flat" cmpd="sng" algn="ctr">
+                      <a:solidFill>
+                        <a:schemeClr val="tx1"/>
+                      </a:solidFill>
+                      <a:prstDash val="solid"/>
+                      <a:round/>
+                      <a:headEnd type="none" w="med" len="med"/>
+                      <a:tailEnd type="none" w="med" len="med"/>
+                    </a:lnB>
+                    <a:solidFill>
+                      <a:schemeClr val="bg1"/>
+                    </a:solidFill>
+                  </a:tcPr>
+                </a:tc>
+                <a:extLst>
+                  <a:ext uri="{0D108BD9-81ED-4DB2-BD59-A6C34878D82A}">
+                    <a16:rowId xmlns:a16="http://schemas.microsoft.com/office/drawing/2014/main" val="266480703"/>
+                  </a:ext>
+                </a:extLst>
+              </a:tr>
+              <a:tr h="258889">
+                <a:tc>
+                  <a:txBody>
+                    <a:bodyPr/>
+                    <a:lstStyle/>
+                    <a:p>
+                      <a:pPr algn="ctr" latinLnBrk="1"/>
+                      <a:r>
+                        <a:rPr lang="en-US" altLang="ko-KR" sz="1000">
+                          <a:solidFill>
+                            <a:schemeClr val="tx1"/>
+                          </a:solidFill>
+                        </a:rPr>
+                        <a:t>other-param</a:t>
+                      </a:r>
+                      <a:endParaRPr lang="ko-KR" altLang="en-US" sz="1000">
+                        <a:solidFill>
+                          <a:schemeClr val="tx1"/>
+                        </a:solidFill>
+                      </a:endParaRPr>
+                    </a:p>
+                  </a:txBody>
+                  <a:tcPr marL="83670" marR="83670" marT="41835" marB="41835" anchor="ctr">
+                    <a:lnL w="38100" cap="flat" cmpd="sng" algn="ctr">
+                      <a:solidFill>
+                        <a:schemeClr val="tx1"/>
+                      </a:solidFill>
+                      <a:prstDash val="solid"/>
+                      <a:round/>
+                      <a:headEnd type="none" w="med" len="med"/>
+                      <a:tailEnd type="none" w="med" len="med"/>
+                    </a:lnL>
+                    <a:lnR w="12700" cap="flat" cmpd="sng" algn="ctr">
+                      <a:solidFill>
+                        <a:schemeClr val="tx1"/>
+                      </a:solidFill>
+                      <a:prstDash val="solid"/>
+                      <a:round/>
+                      <a:headEnd type="none" w="med" len="med"/>
+                      <a:tailEnd type="none" w="med" len="med"/>
+                    </a:lnR>
+                    <a:lnT w="12700" cap="flat" cmpd="sng" algn="ctr">
+                      <a:solidFill>
+                        <a:schemeClr val="tx1"/>
+                      </a:solidFill>
+                      <a:prstDash val="solid"/>
+                      <a:round/>
+                      <a:headEnd type="none" w="med" len="med"/>
+                      <a:tailEnd type="none" w="med" len="med"/>
+                    </a:lnT>
+                    <a:lnB w="12700" cap="flat" cmpd="sng" algn="ctr">
+                      <a:solidFill>
+                        <a:schemeClr val="tx1"/>
+                      </a:solidFill>
+                      <a:prstDash val="solid"/>
+                      <a:round/>
+                      <a:headEnd type="none" w="med" len="med"/>
+                      <a:tailEnd type="none" w="med" len="med"/>
+                    </a:lnB>
+                    <a:solidFill>
+                      <a:schemeClr val="bg1">
+                        <a:lumMod val="95000"/>
+                      </a:schemeClr>
+                    </a:solidFill>
+                  </a:tcPr>
+                </a:tc>
+                <a:tc>
+                  <a:txBody>
+                    <a:bodyPr/>
+                    <a:lstStyle/>
+                    <a:p>
+                      <a:pPr algn="ctr" latinLnBrk="1"/>
+                      <a:r>
+                        <a:rPr lang="en-US" altLang="ko-KR" sz="1000">
+                          <a:solidFill>
+                            <a:schemeClr val="tx1"/>
+                          </a:solidFill>
+                        </a:rPr>
+                        <a:t>-</a:t>
+                      </a:r>
+                      <a:endParaRPr lang="ko-KR" altLang="en-US" sz="1000">
+                        <a:solidFill>
+                          <a:schemeClr val="tx1"/>
+                        </a:solidFill>
+                      </a:endParaRPr>
+                    </a:p>
+                  </a:txBody>
+                  <a:tcPr marL="83670" marR="83670" marT="41835" marB="41835" anchor="ctr">
+                    <a:lnL w="12700" cap="flat" cmpd="sng" algn="ctr">
+                      <a:solidFill>
+                        <a:schemeClr val="tx1"/>
+                      </a:solidFill>
+                      <a:prstDash val="solid"/>
+                      <a:round/>
+                      <a:headEnd type="none" w="med" len="med"/>
+                      <a:tailEnd type="none" w="med" len="med"/>
+                    </a:lnL>
+                    <a:lnR w="12700" cap="flat" cmpd="sng" algn="ctr">
+                      <a:solidFill>
+                        <a:schemeClr val="tx1"/>
+                      </a:solidFill>
+                      <a:prstDash val="solid"/>
+                      <a:round/>
+                      <a:headEnd type="none" w="med" len="med"/>
+                      <a:tailEnd type="none" w="med" len="med"/>
+                    </a:lnR>
+                    <a:lnT w="12700" cap="flat" cmpd="sng" algn="ctr">
+                      <a:solidFill>
+                        <a:schemeClr val="tx1"/>
+                      </a:solidFill>
+                      <a:prstDash val="solid"/>
+                      <a:round/>
+                      <a:headEnd type="none" w="med" len="med"/>
+                      <a:tailEnd type="none" w="med" len="med"/>
+                    </a:lnT>
+                    <a:lnB w="12700" cap="flat" cmpd="sng" algn="ctr">
+                      <a:solidFill>
+                        <a:schemeClr val="tx1"/>
+                      </a:solidFill>
+                      <a:prstDash val="solid"/>
+                      <a:round/>
+                      <a:headEnd type="none" w="med" len="med"/>
+                      <a:tailEnd type="none" w="med" len="med"/>
+                    </a:lnB>
+                    <a:solidFill>
+                      <a:schemeClr val="bg1"/>
+                    </a:solidFill>
+                  </a:tcPr>
+                </a:tc>
+                <a:tc>
+                  <a:txBody>
+                    <a:bodyPr/>
+                    <a:lstStyle/>
+                    <a:p>
+                      <a:pPr algn="ctr" latinLnBrk="1"/>
+                      <a:r>
+                        <a:rPr lang="en-US" altLang="ko-KR" sz="1000">
+                          <a:solidFill>
+                            <a:schemeClr val="tx1"/>
+                          </a:solidFill>
+                        </a:rPr>
+                        <a:t>o</a:t>
+                      </a:r>
+                      <a:endParaRPr lang="ko-KR" altLang="en-US" sz="1000">
+                        <a:solidFill>
+                          <a:schemeClr val="tx1"/>
+                        </a:solidFill>
+                      </a:endParaRPr>
+                    </a:p>
+                  </a:txBody>
+                  <a:tcPr marL="83670" marR="83670" marT="41835" marB="41835" anchor="ctr">
+                    <a:lnL w="12700" cap="flat" cmpd="sng" algn="ctr">
+                      <a:solidFill>
+                        <a:schemeClr val="tx1"/>
+                      </a:solidFill>
+                      <a:prstDash val="solid"/>
+                      <a:round/>
+                      <a:headEnd type="none" w="med" len="med"/>
+                      <a:tailEnd type="none" w="med" len="med"/>
+                    </a:lnL>
+                    <a:lnR w="12700" cap="flat" cmpd="sng" algn="ctr">
+                      <a:solidFill>
+                        <a:schemeClr val="tx1"/>
+                      </a:solidFill>
+                      <a:prstDash val="solid"/>
+                      <a:round/>
+                      <a:headEnd type="none" w="med" len="med"/>
+                      <a:tailEnd type="none" w="med" len="med"/>
+                    </a:lnR>
+                    <a:lnT w="12700" cap="flat" cmpd="sng" algn="ctr">
+                      <a:solidFill>
+                        <a:schemeClr val="tx1"/>
+                      </a:solidFill>
+                      <a:prstDash val="solid"/>
+                      <a:round/>
+                      <a:headEnd type="none" w="med" len="med"/>
+                      <a:tailEnd type="none" w="med" len="med"/>
+                    </a:lnT>
+                    <a:lnB w="12700" cap="flat" cmpd="sng" algn="ctr">
+                      <a:solidFill>
+                        <a:schemeClr val="tx1"/>
+                      </a:solidFill>
+                      <a:prstDash val="solid"/>
+                      <a:round/>
+                      <a:headEnd type="none" w="med" len="med"/>
+                      <a:tailEnd type="none" w="med" len="med"/>
+                    </a:lnB>
+                    <a:solidFill>
+                      <a:schemeClr val="bg1"/>
+                    </a:solidFill>
+                  </a:tcPr>
+                </a:tc>
+                <a:tc>
+                  <a:txBody>
+                    <a:bodyPr/>
+                    <a:lstStyle/>
+                    <a:p>
+                      <a:pPr algn="ctr" latinLnBrk="1"/>
+                      <a:r>
+                        <a:rPr lang="en-US" altLang="ko-KR" sz="1000">
+                          <a:solidFill>
+                            <a:schemeClr val="tx1"/>
+                          </a:solidFill>
+                        </a:rPr>
+                        <a:t>o</a:t>
+                      </a:r>
+                      <a:endParaRPr lang="ko-KR" altLang="en-US" sz="1000">
+                        <a:solidFill>
+                          <a:schemeClr val="tx1"/>
+                        </a:solidFill>
+                      </a:endParaRPr>
+                    </a:p>
+                  </a:txBody>
+                  <a:tcPr marL="83670" marR="83670" marT="41835" marB="41835" anchor="ctr">
+                    <a:lnL w="12700" cap="flat" cmpd="sng" algn="ctr">
+                      <a:solidFill>
+                        <a:schemeClr val="tx1"/>
+                      </a:solidFill>
+                      <a:prstDash val="solid"/>
+                      <a:round/>
+                      <a:headEnd type="none" w="med" len="med"/>
+                      <a:tailEnd type="none" w="med" len="med"/>
+                    </a:lnL>
+                    <a:lnR w="12700" cap="flat" cmpd="sng" algn="ctr">
+                      <a:solidFill>
+                        <a:schemeClr val="tx1"/>
+                      </a:solidFill>
+                      <a:prstDash val="solid"/>
+                      <a:round/>
+                      <a:headEnd type="none" w="med" len="med"/>
+                      <a:tailEnd type="none" w="med" len="med"/>
+                    </a:lnR>
+                    <a:lnT w="12700" cap="flat" cmpd="sng" algn="ctr">
+                      <a:solidFill>
+                        <a:schemeClr val="tx1"/>
+                      </a:solidFill>
+                      <a:prstDash val="solid"/>
+                      <a:round/>
+                      <a:headEnd type="none" w="med" len="med"/>
+                      <a:tailEnd type="none" w="med" len="med"/>
+                    </a:lnT>
+                    <a:lnB w="12700" cap="flat" cmpd="sng" algn="ctr">
+                      <a:solidFill>
+                        <a:schemeClr val="tx1"/>
+                      </a:solidFill>
+                      <a:prstDash val="solid"/>
+                      <a:round/>
+                      <a:headEnd type="none" w="med" len="med"/>
+                      <a:tailEnd type="none" w="med" len="med"/>
+                    </a:lnB>
+                    <a:solidFill>
+                      <a:schemeClr val="bg1"/>
+                    </a:solidFill>
+                  </a:tcPr>
+                </a:tc>
+                <a:tc>
+                  <a:txBody>
+                    <a:bodyPr/>
+                    <a:lstStyle/>
+                    <a:p>
+                      <a:pPr algn="ctr" latinLnBrk="1"/>
+                      <a:r>
+                        <a:rPr lang="en-US" altLang="ko-KR" sz="1000">
+                          <a:solidFill>
+                            <a:schemeClr val="tx1"/>
+                          </a:solidFill>
+                        </a:rPr>
+                        <a:t>o</a:t>
+                      </a:r>
+                      <a:endParaRPr lang="ko-KR" altLang="en-US" sz="1000">
+                        <a:solidFill>
+                          <a:schemeClr val="tx1"/>
+                        </a:solidFill>
+                      </a:endParaRPr>
+                    </a:p>
+                  </a:txBody>
+                  <a:tcPr marL="83670" marR="83670" marT="41835" marB="41835" anchor="ctr">
+                    <a:lnL w="12700" cap="flat" cmpd="sng" algn="ctr">
+                      <a:solidFill>
+                        <a:schemeClr val="tx1"/>
+                      </a:solidFill>
+                      <a:prstDash val="solid"/>
+                      <a:round/>
+                      <a:headEnd type="none" w="med" len="med"/>
+                      <a:tailEnd type="none" w="med" len="med"/>
+                    </a:lnL>
+                    <a:lnR w="12700" cap="flat" cmpd="sng" algn="ctr">
+                      <a:solidFill>
+                        <a:schemeClr val="tx1"/>
+                      </a:solidFill>
+                      <a:prstDash val="solid"/>
+                      <a:round/>
+                      <a:headEnd type="none" w="med" len="med"/>
+                      <a:tailEnd type="none" w="med" len="med"/>
+                    </a:lnR>
+                    <a:lnT w="12700" cap="flat" cmpd="sng" algn="ctr">
+                      <a:solidFill>
+                        <a:schemeClr val="tx1"/>
+                      </a:solidFill>
+                      <a:prstDash val="solid"/>
+                      <a:round/>
+                      <a:headEnd type="none" w="med" len="med"/>
+                      <a:tailEnd type="none" w="med" len="med"/>
+                    </a:lnT>
+                    <a:lnB w="12700" cap="flat" cmpd="sng" algn="ctr">
+                      <a:solidFill>
+                        <a:schemeClr val="tx1"/>
+                      </a:solidFill>
+                      <a:prstDash val="solid"/>
+                      <a:round/>
+                      <a:headEnd type="none" w="med" len="med"/>
+                      <a:tailEnd type="none" w="med" len="med"/>
+                    </a:lnB>
+                    <a:solidFill>
+                      <a:schemeClr val="bg1"/>
+                    </a:solidFill>
+                  </a:tcPr>
+                </a:tc>
+                <a:tc>
+                  <a:txBody>
+                    <a:bodyPr/>
+                    <a:lstStyle/>
+                    <a:p>
+                      <a:pPr algn="ctr" latinLnBrk="1"/>
+                      <a:r>
+                        <a:rPr lang="en-US" altLang="ko-KR" sz="1000">
+                          <a:solidFill>
+                            <a:schemeClr val="tx1"/>
+                          </a:solidFill>
+                        </a:rPr>
+                        <a:t>o</a:t>
+                      </a:r>
+                      <a:endParaRPr lang="ko-KR" altLang="en-US" sz="1000">
+                        <a:solidFill>
+                          <a:schemeClr val="tx1"/>
+                        </a:solidFill>
+                      </a:endParaRPr>
+                    </a:p>
+                  </a:txBody>
+                  <a:tcPr marL="83670" marR="83670" marT="41835" marB="41835" anchor="ctr">
+                    <a:lnL w="12700" cap="flat" cmpd="sng" algn="ctr">
+                      <a:solidFill>
+                        <a:schemeClr val="tx1"/>
+                      </a:solidFill>
+                      <a:prstDash val="solid"/>
+                      <a:round/>
+                      <a:headEnd type="none" w="med" len="med"/>
+                      <a:tailEnd type="none" w="med" len="med"/>
+                    </a:lnL>
+                    <a:lnR w="12700" cap="flat" cmpd="sng" algn="ctr">
+                      <a:solidFill>
+                        <a:schemeClr val="tx1"/>
+                      </a:solidFill>
+                      <a:prstDash val="solid"/>
+                      <a:round/>
+                      <a:headEnd type="none" w="med" len="med"/>
+                      <a:tailEnd type="none" w="med" len="med"/>
+                    </a:lnR>
+                    <a:lnT w="12700" cap="flat" cmpd="sng" algn="ctr">
+                      <a:solidFill>
+                        <a:schemeClr val="tx1"/>
+                      </a:solidFill>
+                      <a:prstDash val="solid"/>
+                      <a:round/>
+                      <a:headEnd type="none" w="med" len="med"/>
+                      <a:tailEnd type="none" w="med" len="med"/>
+                    </a:lnT>
+                    <a:lnB w="12700" cap="flat" cmpd="sng" algn="ctr">
+                      <a:solidFill>
+                        <a:schemeClr val="tx1"/>
+                      </a:solidFill>
+                      <a:prstDash val="solid"/>
+                      <a:round/>
+                      <a:headEnd type="none" w="med" len="med"/>
+                      <a:tailEnd type="none" w="med" len="med"/>
+                    </a:lnB>
+                    <a:solidFill>
+                      <a:schemeClr val="bg1"/>
+                    </a:solidFill>
+                  </a:tcPr>
+                </a:tc>
+                <a:tc>
+                  <a:txBody>
+                    <a:bodyPr/>
+                    <a:lstStyle/>
+                    <a:p>
+                      <a:pPr algn="ctr" latinLnBrk="1"/>
+                      <a:r>
+                        <a:rPr lang="en-US" altLang="ko-KR" sz="1000">
+                          <a:solidFill>
+                            <a:schemeClr val="tx1"/>
+                          </a:solidFill>
+                        </a:rPr>
+                        <a:t>o</a:t>
+                      </a:r>
+                      <a:endParaRPr lang="ko-KR" altLang="en-US" sz="1000">
+                        <a:solidFill>
+                          <a:schemeClr val="tx1"/>
+                        </a:solidFill>
+                      </a:endParaRPr>
+                    </a:p>
+                  </a:txBody>
+                  <a:tcPr marL="83670" marR="83670" marT="41835" marB="41835" anchor="ctr">
+                    <a:lnL w="12700" cap="flat" cmpd="sng" algn="ctr">
+                      <a:solidFill>
+                        <a:schemeClr val="tx1"/>
+                      </a:solidFill>
+                      <a:prstDash val="solid"/>
+                      <a:round/>
+                      <a:headEnd type="none" w="med" len="med"/>
+                      <a:tailEnd type="none" w="med" len="med"/>
+                    </a:lnL>
+                    <a:lnR w="12700" cap="flat" cmpd="sng" algn="ctr">
+                      <a:solidFill>
+                        <a:schemeClr val="tx1"/>
+                      </a:solidFill>
+                      <a:prstDash val="solid"/>
+                      <a:round/>
+                      <a:headEnd type="none" w="med" len="med"/>
+                      <a:tailEnd type="none" w="med" len="med"/>
+                    </a:lnR>
+                    <a:lnT w="12700" cap="flat" cmpd="sng" algn="ctr">
+                      <a:solidFill>
+                        <a:schemeClr val="tx1"/>
+                      </a:solidFill>
+                      <a:prstDash val="solid"/>
+                      <a:round/>
+                      <a:headEnd type="none" w="med" len="med"/>
+                      <a:tailEnd type="none" w="med" len="med"/>
+                    </a:lnT>
+                    <a:lnB w="12700" cap="flat" cmpd="sng" algn="ctr">
+                      <a:solidFill>
+                        <a:schemeClr val="tx1"/>
+                      </a:solidFill>
+                      <a:prstDash val="solid"/>
+                      <a:round/>
+                      <a:headEnd type="none" w="med" len="med"/>
+                      <a:tailEnd type="none" w="med" len="med"/>
+                    </a:lnB>
+                    <a:solidFill>
+                      <a:schemeClr val="bg1"/>
+                    </a:solidFill>
+                  </a:tcPr>
+                </a:tc>
+                <a:tc>
+                  <a:txBody>
+                    <a:bodyPr/>
+                    <a:lstStyle/>
+                    <a:p>
+                      <a:pPr algn="ctr" latinLnBrk="1"/>
+                      <a:r>
+                        <a:rPr lang="en-US" altLang="ko-KR" sz="1000">
+                          <a:solidFill>
+                            <a:schemeClr val="tx1"/>
+                          </a:solidFill>
+                        </a:rPr>
+                        <a:t>o</a:t>
+                      </a:r>
+                      <a:endParaRPr lang="ko-KR" altLang="en-US" sz="1000">
+                        <a:solidFill>
+                          <a:schemeClr val="tx1"/>
+                        </a:solidFill>
+                      </a:endParaRPr>
+                    </a:p>
+                  </a:txBody>
+                  <a:tcPr marL="83670" marR="83670" marT="41835" marB="41835" anchor="ctr">
+                    <a:lnL w="12700" cap="flat" cmpd="sng" algn="ctr">
+                      <a:solidFill>
+                        <a:schemeClr val="tx1"/>
+                      </a:solidFill>
+                      <a:prstDash val="solid"/>
+                      <a:round/>
+                      <a:headEnd type="none" w="med" len="med"/>
+                      <a:tailEnd type="none" w="med" len="med"/>
+                    </a:lnL>
+                    <a:lnR w="38100" cap="flat" cmpd="sng" algn="ctr">
+                      <a:solidFill>
+                        <a:schemeClr val="tx1"/>
+                      </a:solidFill>
+                      <a:prstDash val="solid"/>
+                      <a:round/>
+                      <a:headEnd type="none" w="med" len="med"/>
+                      <a:tailEnd type="none" w="med" len="med"/>
+                    </a:lnR>
+                    <a:lnT w="12700" cap="flat" cmpd="sng" algn="ctr">
+                      <a:solidFill>
+                        <a:schemeClr val="tx1"/>
+                      </a:solidFill>
+                      <a:prstDash val="solid"/>
+                      <a:round/>
+                      <a:headEnd type="none" w="med" len="med"/>
+                      <a:tailEnd type="none" w="med" len="med"/>
+                    </a:lnT>
+                    <a:lnB w="12700" cap="flat" cmpd="sng" algn="ctr">
+                      <a:solidFill>
+                        <a:schemeClr val="tx1"/>
+                      </a:solidFill>
+                      <a:prstDash val="solid"/>
+                      <a:round/>
+                      <a:headEnd type="none" w="med" len="med"/>
+                      <a:tailEnd type="none" w="med" len="med"/>
+                    </a:lnB>
+                    <a:solidFill>
+                      <a:schemeClr val="bg1"/>
+                    </a:solidFill>
+                  </a:tcPr>
+                </a:tc>
+                <a:extLst>
+                  <a:ext uri="{0D108BD9-81ED-4DB2-BD59-A6C34878D82A}">
+                    <a16:rowId xmlns:a16="http://schemas.microsoft.com/office/drawing/2014/main" val="899701427"/>
+                  </a:ext>
+                </a:extLst>
+              </a:tr>
+              <a:tr h="258889">
+                <a:tc>
+                  <a:txBody>
+                    <a:bodyPr/>
+                    <a:lstStyle/>
+                    <a:p>
+                      <a:pPr algn="ctr" latinLnBrk="1"/>
+                      <a:r>
+                        <a:rPr lang="en-US" altLang="ko-KR" sz="1000">
+                          <a:solidFill>
+                            <a:schemeClr val="tx1"/>
+                          </a:solidFill>
+                        </a:rPr>
+                        <a:t>headers</a:t>
+                      </a:r>
+                      <a:endParaRPr lang="ko-KR" altLang="en-US" sz="1000">
+                        <a:solidFill>
+                          <a:schemeClr val="tx1"/>
+                        </a:solidFill>
+                      </a:endParaRPr>
+                    </a:p>
+                  </a:txBody>
+                  <a:tcPr marL="83670" marR="83670" marT="41835" marB="41835" anchor="ctr">
+                    <a:lnL w="38100" cap="flat" cmpd="sng" algn="ctr">
+                      <a:solidFill>
+                        <a:schemeClr val="tx1"/>
+                      </a:solidFill>
+                      <a:prstDash val="solid"/>
+                      <a:round/>
+                      <a:headEnd type="none" w="med" len="med"/>
+                      <a:tailEnd type="none" w="med" len="med"/>
+                    </a:lnL>
+                    <a:lnR w="12700" cap="flat" cmpd="sng" algn="ctr">
+                      <a:solidFill>
+                        <a:schemeClr val="tx1"/>
+                      </a:solidFill>
+                      <a:prstDash val="solid"/>
+                      <a:round/>
+                      <a:headEnd type="none" w="med" len="med"/>
+                      <a:tailEnd type="none" w="med" len="med"/>
+                    </a:lnR>
+                    <a:lnT w="12700" cap="flat" cmpd="sng" algn="ctr">
+                      <a:solidFill>
+                        <a:schemeClr val="tx1"/>
+                      </a:solidFill>
+                      <a:prstDash val="solid"/>
+                      <a:round/>
+                      <a:headEnd type="none" w="med" len="med"/>
+                      <a:tailEnd type="none" w="med" len="med"/>
+                    </a:lnT>
+                    <a:lnB w="38100" cap="flat" cmpd="sng" algn="ctr">
+                      <a:solidFill>
+                        <a:schemeClr val="tx1"/>
+                      </a:solidFill>
+                      <a:prstDash val="solid"/>
+                      <a:round/>
+                      <a:headEnd type="none" w="med" len="med"/>
+                      <a:tailEnd type="none" w="med" len="med"/>
+                    </a:lnB>
+                    <a:solidFill>
+                      <a:schemeClr val="bg1">
+                        <a:lumMod val="95000"/>
+                      </a:schemeClr>
+                    </a:solidFill>
+                  </a:tcPr>
+                </a:tc>
+                <a:tc>
+                  <a:txBody>
+                    <a:bodyPr/>
+                    <a:lstStyle/>
+                    <a:p>
+                      <a:pPr algn="ctr" latinLnBrk="1"/>
+                      <a:r>
+                        <a:rPr lang="en-US" altLang="ko-KR" sz="1000">
+                          <a:solidFill>
+                            <a:schemeClr val="tx1"/>
+                          </a:solidFill>
+                        </a:rPr>
+                        <a:t>-</a:t>
+                      </a:r>
+                      <a:endParaRPr lang="ko-KR" altLang="en-US" sz="1000">
+                        <a:solidFill>
+                          <a:schemeClr val="tx1"/>
+                        </a:solidFill>
+                      </a:endParaRPr>
+                    </a:p>
+                  </a:txBody>
+                  <a:tcPr marL="83670" marR="83670" marT="41835" marB="41835" anchor="ctr">
+                    <a:lnL w="12700" cap="flat" cmpd="sng" algn="ctr">
+                      <a:solidFill>
+                        <a:schemeClr val="tx1"/>
+                      </a:solidFill>
+                      <a:prstDash val="solid"/>
+                      <a:round/>
+                      <a:headEnd type="none" w="med" len="med"/>
+                      <a:tailEnd type="none" w="med" len="med"/>
+                    </a:lnL>
+                    <a:lnR w="12700" cap="flat" cmpd="sng" algn="ctr">
+                      <a:solidFill>
+                        <a:schemeClr val="tx1"/>
+                      </a:solidFill>
+                      <a:prstDash val="solid"/>
+                      <a:round/>
+                      <a:headEnd type="none" w="med" len="med"/>
+                      <a:tailEnd type="none" w="med" len="med"/>
+                    </a:lnR>
+                    <a:lnT w="12700" cap="flat" cmpd="sng" algn="ctr">
+                      <a:solidFill>
+                        <a:schemeClr val="tx1"/>
+                      </a:solidFill>
+                      <a:prstDash val="solid"/>
+                      <a:round/>
+                      <a:headEnd type="none" w="med" len="med"/>
+                      <a:tailEnd type="none" w="med" len="med"/>
+                    </a:lnT>
+                    <a:lnB w="38100" cap="flat" cmpd="sng" algn="ctr">
+                      <a:solidFill>
+                        <a:schemeClr val="tx1"/>
+                      </a:solidFill>
+                      <a:prstDash val="solid"/>
+                      <a:round/>
+                      <a:headEnd type="none" w="med" len="med"/>
+                      <a:tailEnd type="none" w="med" len="med"/>
+                    </a:lnB>
+                    <a:solidFill>
+                      <a:schemeClr val="bg1"/>
+                    </a:solidFill>
+                  </a:tcPr>
+                </a:tc>
+                <a:tc>
+                  <a:txBody>
+                    <a:bodyPr/>
+                    <a:lstStyle/>
+                    <a:p>
+                      <a:pPr algn="ctr" latinLnBrk="1"/>
+                      <a:r>
+                        <a:rPr lang="en-US" altLang="ko-KR" sz="1000">
+                          <a:solidFill>
+                            <a:schemeClr val="tx1"/>
+                          </a:solidFill>
+                        </a:rPr>
+                        <a:t>-</a:t>
+                      </a:r>
+                      <a:endParaRPr lang="ko-KR" altLang="en-US" sz="1000">
+                        <a:solidFill>
+                          <a:schemeClr val="tx1"/>
+                        </a:solidFill>
+                      </a:endParaRPr>
+                    </a:p>
+                  </a:txBody>
+                  <a:tcPr marL="83670" marR="83670" marT="41835" marB="41835" anchor="ctr">
+                    <a:lnL w="12700" cap="flat" cmpd="sng" algn="ctr">
+                      <a:solidFill>
+                        <a:schemeClr val="tx1"/>
+                      </a:solidFill>
+                      <a:prstDash val="solid"/>
+                      <a:round/>
+                      <a:headEnd type="none" w="med" len="med"/>
+                      <a:tailEnd type="none" w="med" len="med"/>
+                    </a:lnL>
+                    <a:lnR w="12700" cap="flat" cmpd="sng" algn="ctr">
+                      <a:solidFill>
+                        <a:schemeClr val="tx1"/>
+                      </a:solidFill>
+                      <a:prstDash val="solid"/>
+                      <a:round/>
+                      <a:headEnd type="none" w="med" len="med"/>
+                      <a:tailEnd type="none" w="med" len="med"/>
+                    </a:lnR>
+                    <a:lnT w="12700" cap="flat" cmpd="sng" algn="ctr">
+                      <a:solidFill>
+                        <a:schemeClr val="tx1"/>
+                      </a:solidFill>
+                      <a:prstDash val="solid"/>
+                      <a:round/>
+                      <a:headEnd type="none" w="med" len="med"/>
+                      <a:tailEnd type="none" w="med" len="med"/>
+                    </a:lnT>
+                    <a:lnB w="38100" cap="flat" cmpd="sng" algn="ctr">
+                      <a:solidFill>
+                        <a:schemeClr val="tx1"/>
+                      </a:solidFill>
+                      <a:prstDash val="solid"/>
+                      <a:round/>
+                      <a:headEnd type="none" w="med" len="med"/>
+                      <a:tailEnd type="none" w="med" len="med"/>
+                    </a:lnB>
+                    <a:solidFill>
+                      <a:schemeClr val="bg1"/>
+                    </a:solidFill>
+                  </a:tcPr>
+                </a:tc>
+                <a:tc>
+                  <a:txBody>
+                    <a:bodyPr/>
+                    <a:lstStyle/>
+                    <a:p>
+                      <a:pPr algn="ctr" latinLnBrk="1"/>
+                      <a:r>
+                        <a:rPr lang="en-US" altLang="ko-KR" sz="1000">
+                          <a:solidFill>
+                            <a:schemeClr val="tx1"/>
+                          </a:solidFill>
+                        </a:rPr>
+                        <a:t>-</a:t>
+                      </a:r>
+                      <a:endParaRPr lang="ko-KR" altLang="en-US" sz="1000">
+                        <a:solidFill>
+                          <a:schemeClr val="tx1"/>
+                        </a:solidFill>
+                      </a:endParaRPr>
+                    </a:p>
+                  </a:txBody>
+                  <a:tcPr marL="83670" marR="83670" marT="41835" marB="41835" anchor="ctr">
+                    <a:lnL w="12700" cap="flat" cmpd="sng" algn="ctr">
+                      <a:solidFill>
+                        <a:schemeClr val="tx1"/>
+                      </a:solidFill>
+                      <a:prstDash val="solid"/>
+                      <a:round/>
+                      <a:headEnd type="none" w="med" len="med"/>
+                      <a:tailEnd type="none" w="med" len="med"/>
+                    </a:lnL>
+                    <a:lnR w="12700" cap="flat" cmpd="sng" algn="ctr">
+                      <a:solidFill>
+                        <a:schemeClr val="tx1"/>
+                      </a:solidFill>
+                      <a:prstDash val="solid"/>
+                      <a:round/>
+                      <a:headEnd type="none" w="med" len="med"/>
+                      <a:tailEnd type="none" w="med" len="med"/>
+                    </a:lnR>
+                    <a:lnT w="12700" cap="flat" cmpd="sng" algn="ctr">
+                      <a:solidFill>
+                        <a:schemeClr val="tx1"/>
+                      </a:solidFill>
+                      <a:prstDash val="solid"/>
+                      <a:round/>
+                      <a:headEnd type="none" w="med" len="med"/>
+                      <a:tailEnd type="none" w="med" len="med"/>
+                    </a:lnT>
+                    <a:lnB w="38100" cap="flat" cmpd="sng" algn="ctr">
+                      <a:solidFill>
+                        <a:schemeClr val="tx1"/>
+                      </a:solidFill>
+                      <a:prstDash val="solid"/>
+                      <a:round/>
+                      <a:headEnd type="none" w="med" len="med"/>
+                      <a:tailEnd type="none" w="med" len="med"/>
+                    </a:lnB>
+                    <a:solidFill>
+                      <a:schemeClr val="bg1"/>
+                    </a:solidFill>
+                  </a:tcPr>
+                </a:tc>
+                <a:tc>
+                  <a:txBody>
+                    <a:bodyPr/>
+                    <a:lstStyle/>
+                    <a:p>
+                      <a:pPr algn="ctr" latinLnBrk="1"/>
+                      <a:r>
+                        <a:rPr lang="en-US" altLang="ko-KR" sz="1000">
+                          <a:solidFill>
+                            <a:schemeClr val="tx1"/>
+                          </a:solidFill>
+                        </a:rPr>
+                        <a:t>-</a:t>
+                      </a:r>
+                      <a:endParaRPr lang="ko-KR" altLang="en-US" sz="1000">
+                        <a:solidFill>
+                          <a:schemeClr val="tx1"/>
+                        </a:solidFill>
+                      </a:endParaRPr>
+                    </a:p>
+                  </a:txBody>
+                  <a:tcPr marL="83670" marR="83670" marT="41835" marB="41835" anchor="ctr">
+                    <a:lnL w="12700" cap="flat" cmpd="sng" algn="ctr">
+                      <a:solidFill>
+                        <a:schemeClr val="tx1"/>
+                      </a:solidFill>
+                      <a:prstDash val="solid"/>
+                      <a:round/>
+                      <a:headEnd type="none" w="med" len="med"/>
+                      <a:tailEnd type="none" w="med" len="med"/>
+                    </a:lnL>
+                    <a:lnR w="12700" cap="flat" cmpd="sng" algn="ctr">
+                      <a:solidFill>
+                        <a:schemeClr val="tx1"/>
+                      </a:solidFill>
+                      <a:prstDash val="solid"/>
+                      <a:round/>
+                      <a:headEnd type="none" w="med" len="med"/>
+                      <a:tailEnd type="none" w="med" len="med"/>
+                    </a:lnR>
+                    <a:lnT w="12700" cap="flat" cmpd="sng" algn="ctr">
+                      <a:solidFill>
+                        <a:schemeClr val="tx1"/>
+                      </a:solidFill>
+                      <a:prstDash val="solid"/>
+                      <a:round/>
+                      <a:headEnd type="none" w="med" len="med"/>
+                      <a:tailEnd type="none" w="med" len="med"/>
+                    </a:lnT>
+                    <a:lnB w="38100" cap="flat" cmpd="sng" algn="ctr">
+                      <a:solidFill>
+                        <a:schemeClr val="tx1"/>
+                      </a:solidFill>
+                      <a:prstDash val="solid"/>
+                      <a:round/>
+                      <a:headEnd type="none" w="med" len="med"/>
+                      <a:tailEnd type="none" w="med" len="med"/>
+                    </a:lnB>
+                    <a:solidFill>
+                      <a:schemeClr val="bg1"/>
+                    </a:solidFill>
+                  </a:tcPr>
+                </a:tc>
+                <a:tc>
+                  <a:txBody>
+                    <a:bodyPr/>
+                    <a:lstStyle/>
+                    <a:p>
+                      <a:pPr algn="ctr" latinLnBrk="1"/>
+                      <a:r>
+                        <a:rPr lang="en-US" altLang="ko-KR" sz="1000">
+                          <a:solidFill>
+                            <a:schemeClr val="tx1"/>
+                          </a:solidFill>
+                        </a:rPr>
+                        <a:t>o</a:t>
+                      </a:r>
+                      <a:endParaRPr lang="ko-KR" altLang="en-US" sz="1000">
+                        <a:solidFill>
+                          <a:schemeClr val="tx1"/>
+                        </a:solidFill>
+                      </a:endParaRPr>
+                    </a:p>
+                  </a:txBody>
+                  <a:tcPr marL="83670" marR="83670" marT="41835" marB="41835" anchor="ctr">
+                    <a:lnL w="12700" cap="flat" cmpd="sng" algn="ctr">
+                      <a:solidFill>
+                        <a:schemeClr val="tx1"/>
+                      </a:solidFill>
+                      <a:prstDash val="solid"/>
+                      <a:round/>
+                      <a:headEnd type="none" w="med" len="med"/>
+                      <a:tailEnd type="none" w="med" len="med"/>
+                    </a:lnL>
+                    <a:lnR w="12700" cap="flat" cmpd="sng" algn="ctr">
+                      <a:solidFill>
+                        <a:schemeClr val="tx1"/>
+                      </a:solidFill>
+                      <a:prstDash val="solid"/>
+                      <a:round/>
+                      <a:headEnd type="none" w="med" len="med"/>
+                      <a:tailEnd type="none" w="med" len="med"/>
+                    </a:lnR>
+                    <a:lnT w="12700" cap="flat" cmpd="sng" algn="ctr">
+                      <a:solidFill>
+                        <a:schemeClr val="tx1"/>
+                      </a:solidFill>
+                      <a:prstDash val="solid"/>
+                      <a:round/>
+                      <a:headEnd type="none" w="med" len="med"/>
+                      <a:tailEnd type="none" w="med" len="med"/>
+                    </a:lnT>
+                    <a:lnB w="38100" cap="flat" cmpd="sng" algn="ctr">
+                      <a:solidFill>
+                        <a:schemeClr val="tx1"/>
+                      </a:solidFill>
+                      <a:prstDash val="solid"/>
+                      <a:round/>
+                      <a:headEnd type="none" w="med" len="med"/>
+                      <a:tailEnd type="none" w="med" len="med"/>
+                    </a:lnB>
+                    <a:solidFill>
+                      <a:schemeClr val="bg1"/>
+                    </a:solidFill>
+                  </a:tcPr>
+                </a:tc>
+                <a:tc>
+                  <a:txBody>
+                    <a:bodyPr/>
+                    <a:lstStyle/>
+                    <a:p>
+                      <a:pPr algn="ctr" latinLnBrk="1"/>
+                      <a:r>
+                        <a:rPr lang="en-US" altLang="ko-KR" sz="1000">
+                          <a:solidFill>
+                            <a:schemeClr val="tx1"/>
+                          </a:solidFill>
+                        </a:rPr>
+                        <a:t>-</a:t>
+                      </a:r>
+                      <a:endParaRPr lang="ko-KR" altLang="en-US" sz="1000">
+                        <a:solidFill>
+                          <a:schemeClr val="tx1"/>
+                        </a:solidFill>
+                      </a:endParaRPr>
+                    </a:p>
+                  </a:txBody>
+                  <a:tcPr marL="83670" marR="83670" marT="41835" marB="41835" anchor="ctr">
+                    <a:lnL w="12700" cap="flat" cmpd="sng" algn="ctr">
+                      <a:solidFill>
+                        <a:schemeClr val="tx1"/>
+                      </a:solidFill>
+                      <a:prstDash val="solid"/>
+                      <a:round/>
+                      <a:headEnd type="none" w="med" len="med"/>
+                      <a:tailEnd type="none" w="med" len="med"/>
+                    </a:lnL>
+                    <a:lnR w="12700" cap="flat" cmpd="sng" algn="ctr">
+                      <a:solidFill>
+                        <a:schemeClr val="tx1"/>
+                      </a:solidFill>
+                      <a:prstDash val="solid"/>
+                      <a:round/>
+                      <a:headEnd type="none" w="med" len="med"/>
+                      <a:tailEnd type="none" w="med" len="med"/>
+                    </a:lnR>
+                    <a:lnT w="12700" cap="flat" cmpd="sng" algn="ctr">
+                      <a:solidFill>
+                        <a:schemeClr val="tx1"/>
+                      </a:solidFill>
+                      <a:prstDash val="solid"/>
+                      <a:round/>
+                      <a:headEnd type="none" w="med" len="med"/>
+                      <a:tailEnd type="none" w="med" len="med"/>
+                    </a:lnT>
+                    <a:lnB w="38100" cap="flat" cmpd="sng" algn="ctr">
+                      <a:solidFill>
+                        <a:schemeClr val="tx1"/>
+                      </a:solidFill>
+                      <a:prstDash val="solid"/>
+                      <a:round/>
+                      <a:headEnd type="none" w="med" len="med"/>
+                      <a:tailEnd type="none" w="med" len="med"/>
+                    </a:lnB>
+                    <a:solidFill>
+                      <a:schemeClr val="bg1"/>
+                    </a:solidFill>
+                  </a:tcPr>
+                </a:tc>
+                <a:tc>
+                  <a:txBody>
+                    <a:bodyPr/>
+                    <a:lstStyle/>
+                    <a:p>
+                      <a:pPr algn="ctr" latinLnBrk="1"/>
+                      <a:r>
+                        <a:rPr lang="en-US" altLang="ko-KR" sz="1000">
+                          <a:solidFill>
+                            <a:schemeClr val="tx1"/>
+                          </a:solidFill>
+                        </a:rPr>
+                        <a:t>o</a:t>
+                      </a:r>
+                      <a:endParaRPr lang="ko-KR" altLang="en-US" sz="1000">
+                        <a:solidFill>
+                          <a:schemeClr val="tx1"/>
+                        </a:solidFill>
+                      </a:endParaRPr>
+                    </a:p>
+                  </a:txBody>
+                  <a:tcPr marL="83670" marR="83670" marT="41835" marB="41835" anchor="ctr">
+                    <a:lnL w="12700" cap="flat" cmpd="sng" algn="ctr">
+                      <a:solidFill>
+                        <a:schemeClr val="tx1"/>
+                      </a:solidFill>
+                      <a:prstDash val="solid"/>
+                      <a:round/>
+                      <a:headEnd type="none" w="med" len="med"/>
+                      <a:tailEnd type="none" w="med" len="med"/>
+                    </a:lnL>
+                    <a:lnR w="38100" cap="flat" cmpd="sng" algn="ctr">
+                      <a:solidFill>
+                        <a:schemeClr val="tx1"/>
+                      </a:solidFill>
+                      <a:prstDash val="solid"/>
+                      <a:round/>
+                      <a:headEnd type="none" w="med" len="med"/>
+                      <a:tailEnd type="none" w="med" len="med"/>
+                    </a:lnR>
+                    <a:lnT w="12700" cap="flat" cmpd="sng" algn="ctr">
+                      <a:solidFill>
+                        <a:schemeClr val="tx1"/>
+                      </a:solidFill>
+                      <a:prstDash val="solid"/>
+                      <a:round/>
+                      <a:headEnd type="none" w="med" len="med"/>
+                      <a:tailEnd type="none" w="med" len="med"/>
+                    </a:lnT>
+                    <a:lnB w="38100" cap="flat" cmpd="sng" algn="ctr">
+                      <a:solidFill>
+                        <a:schemeClr val="tx1"/>
+                      </a:solidFill>
+                      <a:prstDash val="solid"/>
+                      <a:round/>
+                      <a:headEnd type="none" w="med" len="med"/>
+                      <a:tailEnd type="none" w="med" len="med"/>
+                    </a:lnB>
+                    <a:solidFill>
+                      <a:schemeClr val="bg1"/>
+                    </a:solidFill>
+                  </a:tcPr>
+                </a:tc>
+                <a:extLst>
+                  <a:ext uri="{0D108BD9-81ED-4DB2-BD59-A6C34878D82A}">
+                    <a16:rowId xmlns:a16="http://schemas.microsoft.com/office/drawing/2014/main" val="3533413537"/>
+                  </a:ext>
+                </a:extLst>
+              </a:tr>
+            </a:tbl>
+          </a:graphicData>
+        </a:graphic>
+      </p:graphicFrame>
+      <p:sp>
+        <p:nvSpPr>
+          <p:cNvPr id="8" name="TextBox 7">
+            <a:extLst>
+              <a:ext uri="{FF2B5EF4-FFF2-40B4-BE49-F238E27FC236}">
+                <a16:creationId xmlns:a16="http://schemas.microsoft.com/office/drawing/2014/main" id="{5CE1DFF7-E1AB-4EE2-AD42-7C26AA53538A}"/>
+              </a:ext>
+            </a:extLst>
+          </p:cNvPr>
+          <p:cNvSpPr txBox="1"/>
+          <p:nvPr/>
+        </p:nvSpPr>
+        <p:spPr>
+          <a:xfrm>
+            <a:off x="2544376" y="4672004"/>
+            <a:ext cx="7810151" cy="1337867"/>
+          </a:xfrm>
+          <a:prstGeom prst="rect">
+            <a:avLst/>
+          </a:prstGeom>
+          <a:noFill/>
+        </p:spPr>
+        <p:txBody>
+          <a:bodyPr wrap="none" rtlCol="0">
+            <a:spAutoFit/>
+          </a:bodyPr>
+          <a:lstStyle/>
+          <a:p>
+            <a:pPr marL="228600" indent="-228600">
+              <a:lnSpc>
+                <a:spcPct val="200000"/>
+              </a:lnSpc>
+              <a:buAutoNum type="arabicParenBoth"/>
+            </a:pPr>
+            <a:r>
+              <a:rPr lang="en-US" altLang="ko-KR" sz="1050"/>
+              <a:t>: default port </a:t>
+            </a:r>
+            <a:r>
+              <a:rPr lang="ko-KR" altLang="en-US" sz="1050"/>
+              <a:t>값은 </a:t>
+            </a:r>
+            <a:r>
+              <a:rPr lang="en-US" altLang="ko-KR" sz="1050"/>
+              <a:t>transport </a:t>
+            </a:r>
+            <a:r>
+              <a:rPr lang="ko-KR" altLang="en-US" sz="1050"/>
+              <a:t>와 스키마에 의존</a:t>
+            </a:r>
+            <a:r>
+              <a:rPr lang="en-US" altLang="ko-KR" sz="1050"/>
+              <a:t>. </a:t>
+            </a:r>
+            <a:br>
+              <a:rPr lang="en-US" altLang="ko-KR" sz="1050"/>
+            </a:br>
+            <a:r>
+              <a:rPr lang="en-US" altLang="ko-KR" sz="1050"/>
+              <a:t>UDP, TCP, SCTP </a:t>
+            </a:r>
+            <a:r>
+              <a:rPr lang="ko-KR" altLang="en-US" sz="1050"/>
+              <a:t>를 사용하는 </a:t>
+            </a:r>
+            <a:r>
+              <a:rPr lang="en-US" altLang="ko-KR" sz="1050"/>
+              <a:t>sip: </a:t>
+            </a:r>
+            <a:r>
+              <a:rPr lang="ko-KR" altLang="en-US" sz="1050"/>
+              <a:t>에 대해 </a:t>
+            </a:r>
+            <a:r>
+              <a:rPr lang="en-US" altLang="ko-KR" sz="1050"/>
+              <a:t>5060</a:t>
+            </a:r>
+            <a:r>
+              <a:rPr lang="ko-KR" altLang="en-US" sz="1050"/>
+              <a:t>이고</a:t>
+            </a:r>
+            <a:r>
+              <a:rPr lang="en-US" altLang="ko-KR" sz="1050"/>
+              <a:t>, TLS over TCP </a:t>
+            </a:r>
+            <a:r>
+              <a:rPr lang="ko-KR" altLang="en-US" sz="1050"/>
+              <a:t>를 사용하는 </a:t>
+            </a:r>
+            <a:r>
+              <a:rPr lang="en-US" altLang="ko-KR" sz="1050"/>
+              <a:t>sip: </a:t>
+            </a:r>
+            <a:r>
+              <a:rPr lang="ko-KR" altLang="en-US" sz="1050"/>
+              <a:t>에 대해</a:t>
+            </a:r>
+            <a:r>
+              <a:rPr lang="en-US" altLang="ko-KR" sz="1050"/>
+              <a:t>, </a:t>
+            </a:r>
+            <a:r>
+              <a:rPr lang="ko-KR" altLang="en-US" sz="1050"/>
+              <a:t>그리고 </a:t>
+            </a:r>
+            <a:r>
+              <a:rPr lang="en-US" altLang="ko-KR" sz="1050"/>
+              <a:t>TCP </a:t>
+            </a:r>
+            <a:r>
+              <a:rPr lang="ko-KR" altLang="en-US" sz="1050"/>
+              <a:t>상의 </a:t>
+            </a:r>
+            <a:r>
+              <a:rPr lang="en-US" altLang="ko-KR" sz="1050"/>
+              <a:t>sips: </a:t>
+            </a:r>
+            <a:r>
+              <a:rPr lang="ko-KR" altLang="en-US" sz="1050"/>
+              <a:t>에</a:t>
+            </a:r>
+            <a:r>
+              <a:rPr lang="en-US" altLang="ko-KR" sz="1050"/>
+              <a:t> </a:t>
+            </a:r>
+            <a:r>
+              <a:rPr lang="ko-KR" altLang="en-US" sz="1050"/>
+              <a:t>대해 </a:t>
+            </a:r>
+            <a:r>
+              <a:rPr lang="en-US" altLang="ko-KR" sz="1050"/>
+              <a:t>5061</a:t>
+            </a:r>
+          </a:p>
+          <a:p>
+            <a:pPr marL="228600" indent="-228600">
+              <a:lnSpc>
+                <a:spcPct val="200000"/>
+              </a:lnSpc>
+              <a:buAutoNum type="arabicParenBoth"/>
+            </a:pPr>
+            <a:r>
+              <a:rPr lang="en-US" altLang="ko-KR" sz="1050"/>
+              <a:t>: default transport </a:t>
+            </a:r>
+            <a:r>
+              <a:rPr lang="ko-KR" altLang="en-US" sz="1050"/>
+              <a:t>는 스키마에 의존</a:t>
+            </a:r>
+            <a:r>
+              <a:rPr lang="en-US" altLang="ko-KR" sz="1050"/>
+              <a:t>.</a:t>
+            </a:r>
+            <a:br>
+              <a:rPr lang="en-US" altLang="ko-KR" sz="1050"/>
+            </a:br>
+            <a:r>
+              <a:rPr lang="en-US" altLang="ko-KR" sz="1050"/>
+              <a:t>sip: </a:t>
+            </a:r>
+            <a:r>
+              <a:rPr lang="ko-KR" altLang="en-US" sz="1050"/>
+              <a:t>에 대해서는 </a:t>
+            </a:r>
+            <a:r>
+              <a:rPr lang="en-US" altLang="ko-KR" sz="1050"/>
+              <a:t>UDP</a:t>
+            </a:r>
+            <a:r>
+              <a:rPr lang="ko-KR" altLang="en-US" sz="1050"/>
+              <a:t>이고</a:t>
+            </a:r>
+            <a:r>
+              <a:rPr lang="en-US" altLang="ko-KR" sz="1050"/>
+              <a:t>, sips: </a:t>
+            </a:r>
+            <a:r>
+              <a:rPr lang="ko-KR" altLang="en-US" sz="1050"/>
+              <a:t>에 대해서는 </a:t>
+            </a:r>
+            <a:r>
+              <a:rPr lang="en-US" altLang="ko-KR" sz="1050"/>
+              <a:t>TCP</a:t>
+            </a:r>
+          </a:p>
+        </p:txBody>
+      </p:sp>
+    </p:spTree>
+    <p:extLst>
+      <p:ext uri="{BB962C8B-B14F-4D97-AF65-F5344CB8AC3E}">
+        <p14:creationId xmlns:p14="http://schemas.microsoft.com/office/powerpoint/2010/main" val="1568935190"/>
+      </p:ext>
+    </p:extLst>
+  </p:cSld>
+  <p:clrMapOvr>
+    <a:masterClrMapping/>
+  </p:clrMapOvr>
+</p:sld>
+</file>
+
+<file path=ppt/slides/slide54.xml><?xml version="1.0" encoding="utf-8"?>
+<p:sld xmlns:a="http://schemas.openxmlformats.org/drawingml/2006/main" xmlns:r="http://schemas.openxmlformats.org/officeDocument/2006/relationships" xmlns:p="http://schemas.openxmlformats.org/presentationml/2006/main">
+  <p:cSld>
+    <p:spTree>
+      <p:nvGrpSpPr>
+        <p:cNvPr id="1" name=""/>
+        <p:cNvGrpSpPr/>
+        <p:nvPr/>
+      </p:nvGrpSpPr>
+      <p:grpSpPr>
+        <a:xfrm>
+          <a:off x="0" y="0"/>
+          <a:ext cx="0" cy="0"/>
+          <a:chOff x="0" y="0"/>
+          <a:chExt cx="0" cy="0"/>
+        </a:xfrm>
+      </p:grpSpPr>
+      <p:sp>
+        <p:nvSpPr>
+          <p:cNvPr id="2" name="제목 1">
+            <a:extLst>
+              <a:ext uri="{FF2B5EF4-FFF2-40B4-BE49-F238E27FC236}">
+                <a16:creationId xmlns:a16="http://schemas.microsoft.com/office/drawing/2014/main" id="{70F22706-C19C-4D37-953F-8A651D4CB7A4}"/>
+              </a:ext>
+            </a:extLst>
+          </p:cNvPr>
+          <p:cNvSpPr>
+            <a:spLocks noGrp="1"/>
+          </p:cNvSpPr>
+          <p:nvPr>
+            <p:ph type="title"/>
+          </p:nvPr>
+        </p:nvSpPr>
+        <p:spPr>
+          <a:xfrm>
+            <a:off x="0" y="1"/>
+            <a:ext cx="12192000" cy="550415"/>
+          </a:xfrm>
+        </p:spPr>
+        <p:txBody>
+          <a:bodyPr/>
+          <a:lstStyle/>
+          <a:p>
+            <a:r>
+              <a:rPr lang="en-US" altLang="ko-KR"/>
+              <a:t>4. Common Message Components</a:t>
+            </a:r>
+            <a:endParaRPr lang="ko-KR" altLang="en-US"/>
+          </a:p>
+        </p:txBody>
+      </p:sp>
+      <p:sp>
+        <p:nvSpPr>
+          <p:cNvPr id="3" name="슬라이드 번호 개체 틀 2">
+            <a:extLst>
+              <a:ext uri="{FF2B5EF4-FFF2-40B4-BE49-F238E27FC236}">
+                <a16:creationId xmlns:a16="http://schemas.microsoft.com/office/drawing/2014/main" id="{7C06E1FC-B274-42F0-8885-FADDAB6271F6}"/>
+              </a:ext>
+            </a:extLst>
+          </p:cNvPr>
+          <p:cNvSpPr>
+            <a:spLocks noGrp="1"/>
+          </p:cNvSpPr>
+          <p:nvPr>
+            <p:ph type="sldNum" sz="quarter" idx="12"/>
+          </p:nvPr>
+        </p:nvSpPr>
+        <p:spPr/>
+        <p:txBody>
+          <a:bodyPr/>
+          <a:lstStyle/>
+          <a:p>
+            <a:fld id="{A9252A94-CC09-4928-8209-20295AE91AEF}" type="slidenum">
+              <a:rPr lang="ko-KR" altLang="en-US" smtClean="0"/>
+              <a:pPr/>
+              <a:t>54</a:t>
+            </a:fld>
+            <a:endParaRPr lang="ko-KR" altLang="en-US"/>
+          </a:p>
+        </p:txBody>
+      </p:sp>
+      <p:sp>
+        <p:nvSpPr>
+          <p:cNvPr id="6" name="TextBox 5">
+            <a:extLst>
+              <a:ext uri="{FF2B5EF4-FFF2-40B4-BE49-F238E27FC236}">
+                <a16:creationId xmlns:a16="http://schemas.microsoft.com/office/drawing/2014/main" id="{AA6C81CC-F599-43E9-8FA7-120868C570AE}"/>
+              </a:ext>
+            </a:extLst>
+          </p:cNvPr>
+          <p:cNvSpPr txBox="1"/>
+          <p:nvPr/>
+        </p:nvSpPr>
+        <p:spPr>
+          <a:xfrm>
+            <a:off x="732463" y="932704"/>
+            <a:ext cx="6179897" cy="2074286"/>
+          </a:xfrm>
+          <a:prstGeom prst="rect">
+            <a:avLst/>
+          </a:prstGeom>
+          <a:noFill/>
+        </p:spPr>
+        <p:txBody>
+          <a:bodyPr wrap="none" rtlCol="0">
+            <a:spAutoFit/>
+          </a:bodyPr>
+          <a:lstStyle/>
+          <a:p>
+            <a:pPr marL="285750" indent="-285750">
+              <a:lnSpc>
+                <a:spcPct val="200000"/>
+              </a:lnSpc>
+              <a:buFont typeface="Arial" panose="020B0604020202020204" pitchFamily="34" charset="0"/>
+              <a:buChar char="•"/>
+            </a:pPr>
+            <a:r>
+              <a:rPr lang="en-US" altLang="ko-KR" sz="1100"/>
+              <a:t>URI Comparison</a:t>
+            </a:r>
+          </a:p>
+          <a:p>
+            <a:pPr marL="285750" indent="-285750">
+              <a:lnSpc>
+                <a:spcPct val="200000"/>
+              </a:lnSpc>
+              <a:buFont typeface="Arial" panose="020B0604020202020204" pitchFamily="34" charset="0"/>
+              <a:buChar char="•"/>
+            </a:pPr>
+            <a:r>
+              <a:rPr lang="en-US" altLang="ko-KR" sz="1100"/>
+              <a:t>Forming Requests from a URI</a:t>
+            </a:r>
+          </a:p>
+          <a:p>
+            <a:pPr marL="285750" indent="-285750">
+              <a:lnSpc>
+                <a:spcPct val="200000"/>
+              </a:lnSpc>
+              <a:buFont typeface="Arial" panose="020B0604020202020204" pitchFamily="34" charset="0"/>
+              <a:buChar char="•"/>
+            </a:pPr>
+            <a:r>
+              <a:rPr lang="en-US" altLang="ko-KR" sz="1100"/>
+              <a:t>Relating SIP URIs and tel URLs</a:t>
+            </a:r>
+          </a:p>
+          <a:p>
+            <a:pPr marL="742950" lvl="1" indent="-285750">
+              <a:lnSpc>
+                <a:spcPct val="200000"/>
+              </a:lnSpc>
+              <a:buFont typeface="Arial" panose="020B0604020202020204" pitchFamily="34" charset="0"/>
+              <a:buChar char="•"/>
+            </a:pPr>
+            <a:r>
+              <a:rPr lang="en-US" altLang="ko-KR" sz="1100"/>
+              <a:t>tel URL </a:t>
+            </a:r>
+            <a:r>
+              <a:rPr lang="ko-KR" altLang="en-US" sz="1100"/>
+              <a:t>이 </a:t>
+            </a:r>
+            <a:r>
+              <a:rPr lang="en-US" altLang="ko-KR" sz="1100"/>
+              <a:t>SIP URI </a:t>
+            </a:r>
+            <a:r>
+              <a:rPr lang="ko-KR" altLang="en-US" sz="1100"/>
+              <a:t>로 전환될 때 전체 </a:t>
+            </a:r>
+            <a:r>
+              <a:rPr lang="en-US" altLang="ko-KR" sz="1100"/>
+              <a:t>telephone-subscriber portion </a:t>
+            </a:r>
+            <a:r>
+              <a:rPr lang="ko-KR" altLang="en-US" sz="1100"/>
+              <a:t>이 </a:t>
+            </a:r>
+            <a:r>
+              <a:rPr lang="en-US" altLang="ko-KR" sz="1100"/>
+              <a:t>userinfo </a:t>
+            </a:r>
+            <a:r>
+              <a:rPr lang="ko-KR" altLang="en-US" sz="1100"/>
+              <a:t>로 대체</a:t>
+            </a:r>
+            <a:endParaRPr lang="en-US" altLang="ko-KR" sz="1100"/>
+          </a:p>
+          <a:p>
+            <a:pPr marL="742950" lvl="1" indent="-285750">
+              <a:lnSpc>
+                <a:spcPct val="200000"/>
+              </a:lnSpc>
+              <a:buFont typeface="Arial" panose="020B0604020202020204" pitchFamily="34" charset="0"/>
+              <a:buChar char="•"/>
+            </a:pPr>
+            <a:r>
+              <a:rPr lang="en-US" altLang="ko-KR" sz="1100"/>
+              <a:t>tel:+358-555-1234567;postd=pp22</a:t>
+            </a:r>
+          </a:p>
+          <a:p>
+            <a:pPr marL="1200150" lvl="2" indent="-285750">
+              <a:lnSpc>
+                <a:spcPct val="200000"/>
+              </a:lnSpc>
+              <a:buFont typeface="Arial" panose="020B0604020202020204" pitchFamily="34" charset="0"/>
+              <a:buChar char="•"/>
+            </a:pPr>
+            <a:endParaRPr lang="en-US" altLang="ko-KR" sz="1100"/>
+          </a:p>
+        </p:txBody>
+      </p:sp>
+    </p:spTree>
+    <p:extLst>
+      <p:ext uri="{BB962C8B-B14F-4D97-AF65-F5344CB8AC3E}">
+        <p14:creationId xmlns:p14="http://schemas.microsoft.com/office/powerpoint/2010/main" val="4137036665"/>
+      </p:ext>
+    </p:extLst>
+  </p:cSld>
+  <p:clrMapOvr>
+    <a:masterClrMapping/>
+  </p:clrMapOvr>
+</p:sld>
+</file>
+
+<file path=ppt/slides/slide55.xml><?xml version="1.0" encoding="utf-8"?>
+<p:sld xmlns:a="http://schemas.openxmlformats.org/drawingml/2006/main" xmlns:r="http://schemas.openxmlformats.org/officeDocument/2006/relationships" xmlns:p="http://schemas.openxmlformats.org/presentationml/2006/main">
+  <p:cSld>
+    <p:spTree>
+      <p:nvGrpSpPr>
+        <p:cNvPr id="1" name=""/>
+        <p:cNvGrpSpPr/>
+        <p:nvPr/>
+      </p:nvGrpSpPr>
+      <p:grpSpPr>
+        <a:xfrm>
+          <a:off x="0" y="0"/>
+          <a:ext cx="0" cy="0"/>
+          <a:chOff x="0" y="0"/>
+          <a:chExt cx="0" cy="0"/>
+        </a:xfrm>
+      </p:grpSpPr>
+      <p:sp>
+        <p:nvSpPr>
+          <p:cNvPr id="2" name="제목 1">
+            <a:extLst>
+              <a:ext uri="{FF2B5EF4-FFF2-40B4-BE49-F238E27FC236}">
+                <a16:creationId xmlns:a16="http://schemas.microsoft.com/office/drawing/2014/main" id="{70F22706-C19C-4D37-953F-8A651D4CB7A4}"/>
+              </a:ext>
+            </a:extLst>
+          </p:cNvPr>
+          <p:cNvSpPr>
+            <a:spLocks noGrp="1"/>
+          </p:cNvSpPr>
+          <p:nvPr>
+            <p:ph type="title"/>
+          </p:nvPr>
+        </p:nvSpPr>
+        <p:spPr>
+          <a:xfrm>
+            <a:off x="0" y="1"/>
+            <a:ext cx="12192000" cy="550415"/>
+          </a:xfrm>
+        </p:spPr>
+        <p:txBody>
+          <a:bodyPr/>
+          <a:lstStyle/>
+          <a:p>
+            <a:r>
+              <a:rPr lang="en-US" altLang="ko-KR"/>
+              <a:t>4. Common Message Components</a:t>
+            </a:r>
+            <a:endParaRPr lang="ko-KR" altLang="en-US"/>
+          </a:p>
+        </p:txBody>
+      </p:sp>
+      <p:sp>
+        <p:nvSpPr>
+          <p:cNvPr id="3" name="슬라이드 번호 개체 틀 2">
+            <a:extLst>
+              <a:ext uri="{FF2B5EF4-FFF2-40B4-BE49-F238E27FC236}">
+                <a16:creationId xmlns:a16="http://schemas.microsoft.com/office/drawing/2014/main" id="{7C06E1FC-B274-42F0-8885-FADDAB6271F6}"/>
+              </a:ext>
+            </a:extLst>
+          </p:cNvPr>
+          <p:cNvSpPr>
+            <a:spLocks noGrp="1"/>
+          </p:cNvSpPr>
+          <p:nvPr>
+            <p:ph type="sldNum" sz="quarter" idx="12"/>
+          </p:nvPr>
+        </p:nvSpPr>
+        <p:spPr/>
+        <p:txBody>
+          <a:bodyPr/>
+          <a:lstStyle/>
+          <a:p>
+            <a:fld id="{A9252A94-CC09-4928-8209-20295AE91AEF}" type="slidenum">
+              <a:rPr lang="ko-KR" altLang="en-US" smtClean="0"/>
+              <a:pPr/>
+              <a:t>55</a:t>
+            </a:fld>
+            <a:endParaRPr lang="ko-KR" altLang="en-US"/>
+          </a:p>
+        </p:txBody>
+      </p:sp>
+      <p:sp>
+        <p:nvSpPr>
+          <p:cNvPr id="5" name="TextBox 4">
+            <a:extLst>
+              <a:ext uri="{FF2B5EF4-FFF2-40B4-BE49-F238E27FC236}">
+                <a16:creationId xmlns:a16="http://schemas.microsoft.com/office/drawing/2014/main" id="{54F1B0E4-0E12-4F6F-A8BD-24EFB94FB1AC}"/>
+              </a:ext>
+            </a:extLst>
+          </p:cNvPr>
+          <p:cNvSpPr txBox="1"/>
+          <p:nvPr/>
+        </p:nvSpPr>
+        <p:spPr>
+          <a:xfrm>
+            <a:off x="732463" y="1007183"/>
+            <a:ext cx="4663456" cy="1551066"/>
+          </a:xfrm>
+          <a:prstGeom prst="rect">
+            <a:avLst/>
+          </a:prstGeom>
+          <a:noFill/>
+        </p:spPr>
+        <p:txBody>
+          <a:bodyPr wrap="none" rtlCol="0">
+            <a:spAutoFit/>
+          </a:bodyPr>
+          <a:lstStyle/>
+          <a:p>
+            <a:pPr>
+              <a:lnSpc>
+                <a:spcPct val="200000"/>
+              </a:lnSpc>
+            </a:pPr>
+            <a:r>
+              <a:rPr lang="en-US" altLang="ko-KR" sz="1600" b="1"/>
+              <a:t>Option Tags</a:t>
+            </a:r>
+          </a:p>
+          <a:p>
+            <a:pPr marL="285750" indent="-285750">
+              <a:lnSpc>
+                <a:spcPct val="200000"/>
+              </a:lnSpc>
+              <a:buFont typeface="Arial" panose="020B0604020202020204" pitchFamily="34" charset="0"/>
+              <a:buChar char="•"/>
+            </a:pPr>
+            <a:r>
+              <a:rPr lang="en-US" altLang="ko-KR" sz="1100"/>
+              <a:t>SIP </a:t>
+            </a:r>
+            <a:r>
+              <a:rPr lang="ko-KR" altLang="en-US" sz="1100"/>
+              <a:t>에서 새로운 </a:t>
+            </a:r>
+            <a:r>
+              <a:rPr lang="en-US" altLang="ko-KR" sz="1100"/>
+              <a:t>option </a:t>
+            </a:r>
+            <a:r>
+              <a:rPr lang="ko-KR" altLang="en-US" sz="1100"/>
+              <a:t>을 나타내는 </a:t>
+            </a:r>
+            <a:r>
+              <a:rPr lang="en-US" altLang="ko-KR" sz="1100"/>
+              <a:t>unique id</a:t>
+            </a:r>
+          </a:p>
+          <a:p>
+            <a:pPr marL="285750" indent="-285750">
+              <a:lnSpc>
+                <a:spcPct val="200000"/>
+              </a:lnSpc>
+              <a:buFont typeface="Arial" panose="020B0604020202020204" pitchFamily="34" charset="0"/>
+              <a:buChar char="•"/>
+            </a:pPr>
+            <a:r>
+              <a:rPr lang="en-US" altLang="ko-KR" sz="1100"/>
+              <a:t>Require, Proxy-Require, Supported, Unsupported </a:t>
+            </a:r>
+            <a:r>
+              <a:rPr lang="ko-KR" altLang="en-US" sz="1100"/>
+              <a:t>헤더 필드에서 사용</a:t>
+            </a:r>
+            <a:endParaRPr lang="en-US" altLang="ko-KR" sz="1100"/>
+          </a:p>
+          <a:p>
+            <a:pPr marL="285750" indent="-285750">
+              <a:lnSpc>
+                <a:spcPct val="200000"/>
+              </a:lnSpc>
+              <a:buFont typeface="Arial" panose="020B0604020202020204" pitchFamily="34" charset="0"/>
+              <a:buChar char="•"/>
+            </a:pPr>
+            <a:r>
+              <a:rPr lang="en-US" altLang="ko-KR" sz="1100"/>
+              <a:t>option-tag = token</a:t>
+            </a:r>
+          </a:p>
+        </p:txBody>
+      </p:sp>
+      <p:sp>
+        <p:nvSpPr>
+          <p:cNvPr id="7" name="TextBox 6">
+            <a:extLst>
+              <a:ext uri="{FF2B5EF4-FFF2-40B4-BE49-F238E27FC236}">
+                <a16:creationId xmlns:a16="http://schemas.microsoft.com/office/drawing/2014/main" id="{78B37D68-3086-4C89-A199-DD7D5E28A7DE}"/>
+              </a:ext>
+            </a:extLst>
+          </p:cNvPr>
+          <p:cNvSpPr txBox="1"/>
+          <p:nvPr/>
+        </p:nvSpPr>
+        <p:spPr>
+          <a:xfrm>
+            <a:off x="732463" y="2724614"/>
+            <a:ext cx="7327647" cy="3490058"/>
+          </a:xfrm>
+          <a:prstGeom prst="rect">
+            <a:avLst/>
+          </a:prstGeom>
+          <a:noFill/>
+        </p:spPr>
+        <p:txBody>
+          <a:bodyPr wrap="none" rtlCol="0">
+            <a:spAutoFit/>
+          </a:bodyPr>
+          <a:lstStyle/>
+          <a:p>
+            <a:pPr>
+              <a:lnSpc>
+                <a:spcPct val="200000"/>
+              </a:lnSpc>
+            </a:pPr>
+            <a:r>
+              <a:rPr lang="en-US" altLang="ko-KR" sz="1600" b="1"/>
+              <a:t>Tags</a:t>
+            </a:r>
+          </a:p>
+          <a:p>
+            <a:pPr marL="285750" indent="-285750">
+              <a:lnSpc>
+                <a:spcPct val="200000"/>
+              </a:lnSpc>
+              <a:buFont typeface="Arial" panose="020B0604020202020204" pitchFamily="34" charset="0"/>
+              <a:buChar char="•"/>
+            </a:pPr>
+            <a:r>
+              <a:rPr lang="en-US" altLang="ko-KR" sz="1100"/>
+              <a:t>“tag” </a:t>
+            </a:r>
+            <a:r>
+              <a:rPr lang="ko-KR" altLang="en-US" sz="1100"/>
+              <a:t>파라미터</a:t>
+            </a:r>
+            <a:endParaRPr lang="en-US" altLang="ko-KR" sz="1100"/>
+          </a:p>
+          <a:p>
+            <a:pPr marL="742950" lvl="1" indent="-285750">
+              <a:lnSpc>
+                <a:spcPct val="200000"/>
+              </a:lnSpc>
+              <a:buFont typeface="Roboto" panose="02000000000000000000" pitchFamily="2" charset="0"/>
+              <a:buChar char="−"/>
+            </a:pPr>
+            <a:r>
+              <a:rPr lang="en-US" altLang="ko-KR" sz="1000"/>
+              <a:t>SIP </a:t>
+            </a:r>
+            <a:r>
+              <a:rPr lang="ko-KR" altLang="en-US" sz="1000"/>
+              <a:t>메시지의 </a:t>
+            </a:r>
+            <a:r>
+              <a:rPr lang="en-US" altLang="ko-KR" sz="1000"/>
+              <a:t>To </a:t>
+            </a:r>
+            <a:r>
+              <a:rPr lang="ko-KR" altLang="en-US" sz="1000"/>
+              <a:t>와 </a:t>
+            </a:r>
+            <a:r>
+              <a:rPr lang="en-US" altLang="ko-KR" sz="1000"/>
+              <a:t>From </a:t>
+            </a:r>
+            <a:r>
+              <a:rPr lang="ko-KR" altLang="en-US" sz="1000"/>
+              <a:t>헤더 필드에서 사용</a:t>
+            </a:r>
+            <a:endParaRPr lang="en-US" altLang="ko-KR" sz="1000"/>
+          </a:p>
+          <a:p>
+            <a:pPr marL="742950" lvl="1" indent="-285750">
+              <a:lnSpc>
+                <a:spcPct val="200000"/>
+              </a:lnSpc>
+              <a:buFont typeface="Roboto" panose="02000000000000000000" pitchFamily="2" charset="0"/>
+              <a:buChar char="−"/>
+            </a:pPr>
+            <a:r>
+              <a:rPr lang="ko-KR" altLang="en-US" sz="1000"/>
+              <a:t>두 </a:t>
+            </a:r>
+            <a:r>
+              <a:rPr lang="en-US" altLang="ko-KR" sz="1000" b="1"/>
+              <a:t>tag</a:t>
+            </a:r>
+            <a:r>
+              <a:rPr lang="en-US" altLang="ko-KR" sz="1000"/>
+              <a:t> </a:t>
+            </a:r>
+            <a:r>
+              <a:rPr lang="ko-KR" altLang="en-US" sz="1000"/>
+              <a:t>와 함께 </a:t>
+            </a:r>
+            <a:r>
+              <a:rPr lang="en-US" altLang="ko-KR" sz="1000" b="1"/>
+              <a:t>Call-ID</a:t>
+            </a:r>
+            <a:r>
+              <a:rPr lang="en-US" altLang="ko-KR" sz="1000"/>
+              <a:t> </a:t>
+            </a:r>
+            <a:r>
+              <a:rPr lang="ko-KR" altLang="en-US" sz="1000"/>
+              <a:t>의 결합으로 </a:t>
+            </a:r>
+            <a:r>
+              <a:rPr lang="ko-KR" altLang="en-US" sz="1000">
+                <a:latin typeface="+mj-ea"/>
+                <a:ea typeface="+mj-ea"/>
+              </a:rPr>
+              <a:t>다이얼로그</a:t>
+            </a:r>
+            <a:r>
+              <a:rPr lang="ko-KR" altLang="en-US" sz="1000"/>
+              <a:t>를 식별하는 메커니즘으로 역할</a:t>
+            </a:r>
+            <a:endParaRPr lang="en-US" altLang="ko-KR" sz="1000"/>
+          </a:p>
+          <a:p>
+            <a:pPr marL="742950" lvl="1" indent="-285750">
+              <a:lnSpc>
+                <a:spcPct val="200000"/>
+              </a:lnSpc>
+              <a:buFont typeface="Roboto" panose="02000000000000000000" pitchFamily="2" charset="0"/>
+              <a:buChar char="−"/>
+            </a:pPr>
+            <a:r>
+              <a:rPr lang="ko-KR" altLang="en-US" sz="1000"/>
+              <a:t>하나의 요청에 대해 여러 </a:t>
+            </a:r>
+            <a:r>
+              <a:rPr lang="ko-KR" altLang="en-US" sz="1000">
+                <a:latin typeface="+mj-ea"/>
+                <a:ea typeface="+mj-ea"/>
+              </a:rPr>
+              <a:t>다이얼로그</a:t>
+            </a:r>
+            <a:r>
+              <a:rPr lang="ko-KR" altLang="en-US" sz="1000"/>
+              <a:t>가 생성될 수 있으므로</a:t>
+            </a:r>
+            <a:r>
+              <a:rPr lang="en-US" altLang="ko-KR" sz="1000"/>
+              <a:t>(forking) </a:t>
+            </a:r>
+            <a:r>
+              <a:rPr lang="en-US" altLang="ko-KR" sz="1000" b="1"/>
+              <a:t>From</a:t>
+            </a:r>
+            <a:r>
+              <a:rPr lang="en-US" altLang="ko-KR" sz="1000"/>
+              <a:t>, </a:t>
+            </a:r>
+            <a:r>
+              <a:rPr lang="en-US" altLang="ko-KR" sz="1000" b="1"/>
+              <a:t>To</a:t>
+            </a:r>
+            <a:r>
+              <a:rPr lang="en-US" altLang="ko-KR" sz="1000"/>
+              <a:t> 2</a:t>
+            </a:r>
+            <a:r>
+              <a:rPr lang="ko-KR" altLang="en-US" sz="1000"/>
+              <a:t>개의 </a:t>
+            </a:r>
+            <a:r>
+              <a:rPr lang="en-US" altLang="ko-KR" sz="1000"/>
+              <a:t>tag </a:t>
+            </a:r>
+            <a:r>
+              <a:rPr lang="ko-KR" altLang="en-US" sz="1000"/>
+              <a:t>로 유일한 다이얼로그를 식별</a:t>
+            </a:r>
+            <a:endParaRPr lang="en-US" altLang="ko-KR" sz="1000"/>
+          </a:p>
+          <a:p>
+            <a:pPr marL="285750" indent="-285750">
+              <a:lnSpc>
+                <a:spcPct val="200000"/>
+              </a:lnSpc>
+              <a:buFont typeface="Arial" panose="020B0604020202020204" pitchFamily="34" charset="0"/>
+              <a:buChar char="•"/>
+            </a:pPr>
+            <a:r>
+              <a:rPr lang="en-US" altLang="ko-KR" sz="1100"/>
+              <a:t>Tag </a:t>
+            </a:r>
+            <a:r>
+              <a:rPr lang="ko-KR" altLang="en-US" sz="1100"/>
+              <a:t>생성</a:t>
+            </a:r>
+            <a:endParaRPr lang="en-US" altLang="ko-KR" sz="1100"/>
+          </a:p>
+          <a:p>
+            <a:pPr marL="742950" lvl="1" indent="-285750">
+              <a:lnSpc>
+                <a:spcPct val="200000"/>
+              </a:lnSpc>
+              <a:buFont typeface="Roboto" panose="02000000000000000000" pitchFamily="2" charset="0"/>
+              <a:buChar char="−"/>
+            </a:pPr>
+            <a:r>
+              <a:rPr lang="ko-KR" altLang="en-US" sz="1000"/>
+              <a:t>요청이나 응답에 삽입하기 위해 </a:t>
+            </a:r>
+            <a:r>
+              <a:rPr lang="en-US" altLang="ko-KR" sz="1000" b="1"/>
+              <a:t>UA</a:t>
+            </a:r>
+            <a:r>
+              <a:rPr lang="en-US" altLang="ko-KR" sz="1000"/>
+              <a:t> </a:t>
+            </a:r>
+            <a:r>
+              <a:rPr lang="ko-KR" altLang="en-US" sz="1000"/>
+              <a:t>가 생성</a:t>
+            </a:r>
+            <a:endParaRPr lang="en-US" altLang="ko-KR" sz="1000"/>
+          </a:p>
+          <a:p>
+            <a:pPr marL="742950" lvl="1" indent="-285750">
+              <a:lnSpc>
+                <a:spcPct val="200000"/>
+              </a:lnSpc>
+              <a:buFont typeface="Roboto" panose="02000000000000000000" pitchFamily="2" charset="0"/>
+              <a:buChar char="−"/>
+            </a:pPr>
+            <a:r>
+              <a:rPr lang="en-US" altLang="ko-KR" sz="1000"/>
+              <a:t>Globally unique, cryptographically random (32 bits of randomness)</a:t>
+            </a:r>
+          </a:p>
+          <a:p>
+            <a:pPr marL="285750" indent="-285750">
+              <a:lnSpc>
+                <a:spcPct val="200000"/>
+              </a:lnSpc>
+              <a:buFont typeface="Arial" panose="020B0604020202020204" pitchFamily="34" charset="0"/>
+              <a:buChar char="•"/>
+            </a:pPr>
+            <a:r>
+              <a:rPr lang="en-US" altLang="ko-KR" sz="1100"/>
+              <a:t>Tag </a:t>
+            </a:r>
+            <a:r>
+              <a:rPr lang="ko-KR" altLang="en-US" sz="1100"/>
+              <a:t>생성 알고리즘</a:t>
+            </a:r>
+            <a:endParaRPr lang="en-US" altLang="ko-KR" sz="1100"/>
+          </a:p>
+          <a:p>
+            <a:pPr marL="742950" lvl="1" indent="-285750">
+              <a:lnSpc>
+                <a:spcPct val="200000"/>
+              </a:lnSpc>
+              <a:buFont typeface="Roboto" panose="02000000000000000000" pitchFamily="2" charset="0"/>
+              <a:buChar char="−"/>
+            </a:pPr>
+            <a:r>
+              <a:rPr lang="en-US" altLang="ko-KR" sz="1000"/>
+              <a:t>Implementation-specific</a:t>
+            </a:r>
+          </a:p>
+        </p:txBody>
+      </p:sp>
+    </p:spTree>
+    <p:extLst>
+      <p:ext uri="{BB962C8B-B14F-4D97-AF65-F5344CB8AC3E}">
+        <p14:creationId xmlns:p14="http://schemas.microsoft.com/office/powerpoint/2010/main" val="3959118684"/>
+      </p:ext>
+    </p:extLst>
+  </p:cSld>
+  <p:clrMapOvr>
+    <a:masterClrMapping/>
+  </p:clrMapOvr>
+</p:sld>
+</file>
+
+<file path=ppt/slides/slide56.xml><?xml version="1.0" encoding="utf-8"?>
 <p:sld xmlns:a="http://schemas.openxmlformats.org/drawingml/2006/main" xmlns:r="http://schemas.openxmlformats.org/officeDocument/2006/relationships" xmlns:p="http://schemas.openxmlformats.org/presentationml/2006/main">
   <p:cSld>
     <p:spTree>
@@ -46433,7 +54342,7 @@
           <a:p>
             <a:fld id="{A9252A94-CC09-4928-8209-20295AE91AEF}" type="slidenum">
               <a:rPr lang="ko-KR" altLang="en-US" smtClean="0"/>
-              <a:t>53</a:t>
+              <a:t>56</a:t>
             </a:fld>
             <a:endParaRPr lang="ko-KR" altLang="en-US" dirty="0"/>
           </a:p>
